--- a/Week3/BESD Week 3.pptx
+++ b/Week3/BESD Week 3.pptx
@@ -8,17 +8,17 @@
     <p:sldId id="263" r:id="rId2"/>
     <p:sldId id="264" r:id="rId3"/>
     <p:sldId id="256" r:id="rId4"/>
-    <p:sldId id="265" r:id="rId5"/>
-    <p:sldId id="266" r:id="rId6"/>
+    <p:sldId id="285" r:id="rId5"/>
+    <p:sldId id="265" r:id="rId6"/>
     <p:sldId id="278" r:id="rId7"/>
     <p:sldId id="274" r:id="rId8"/>
     <p:sldId id="275" r:id="rId9"/>
-    <p:sldId id="279" r:id="rId10"/>
-    <p:sldId id="280" r:id="rId11"/>
-    <p:sldId id="281" r:id="rId12"/>
-    <p:sldId id="282" r:id="rId13"/>
-    <p:sldId id="283" r:id="rId14"/>
-    <p:sldId id="284" r:id="rId15"/>
+    <p:sldId id="280" r:id="rId10"/>
+    <p:sldId id="281" r:id="rId11"/>
+    <p:sldId id="282" r:id="rId12"/>
+    <p:sldId id="283" r:id="rId13"/>
+    <p:sldId id="286" r:id="rId14"/>
+    <p:sldId id="287" r:id="rId15"/>
     <p:sldId id="260" r:id="rId16"/>
   </p:sldIdLst>
   <p:sldSz cx="12192000" cy="6858000"/>
@@ -124,6 +124,14 @@
     </p:ext>
   </p:extLst>
 </p:presentation>
+</file>
+
+<file path=ppt/revisionInfo.xml><?xml version="1.0" encoding="utf-8"?>
+<p1510:revInfo xmlns:a="http://schemas.openxmlformats.org/drawingml/2006/main" xmlns:r="http://schemas.openxmlformats.org/officeDocument/2006/relationships" xmlns:p1510="http://schemas.microsoft.com/office/powerpoint/2015/10/main">
+  <p1510:revLst>
+    <p1510:client id="{CEAAE73E-A3C0-4EF3-8264-4F08772B5760}" v="16" dt="2023-03-20T04:35:28.913"/>
+  </p1510:revLst>
+</p1510:revInfo>
 </file>
 
 <file path=ppt/changesInfos/changesInfo1.xml><?xml version="1.0" encoding="utf-8"?>
@@ -767,19 +775,90 @@
   </pc:docChgLst>
   <pc:docChgLst>
     <pc:chgData name="Chuck Kiefriter" userId="c57348f7-b440-4861-a58f-c89f414ea74a" providerId="ADAL" clId="{CEAAE73E-A3C0-4EF3-8264-4F08772B5760}"/>
-    <pc:docChg chg="custSel modSld">
-      <pc:chgData name="Chuck Kiefriter" userId="c57348f7-b440-4861-a58f-c89f414ea74a" providerId="ADAL" clId="{CEAAE73E-A3C0-4EF3-8264-4F08772B5760}" dt="2023-03-15T21:06:00.300" v="163" actId="20577"/>
+    <pc:docChg chg="undo custSel addSld delSld modSld">
+      <pc:chgData name="Chuck Kiefriter" userId="c57348f7-b440-4861-a58f-c89f414ea74a" providerId="ADAL" clId="{CEAAE73E-A3C0-4EF3-8264-4F08772B5760}" dt="2023-03-20T04:42:51.356" v="756" actId="1076"/>
       <pc:docMkLst>
         <pc:docMk/>
       </pc:docMkLst>
+      <pc:sldChg chg="addSp delSp modSp mod">
+        <pc:chgData name="Chuck Kiefriter" userId="c57348f7-b440-4861-a58f-c89f414ea74a" providerId="ADAL" clId="{CEAAE73E-A3C0-4EF3-8264-4F08772B5760}" dt="2023-03-20T00:52:59.383" v="449" actId="1038"/>
+        <pc:sldMkLst>
+          <pc:docMk/>
+          <pc:sldMk cId="3995279466" sldId="256"/>
+        </pc:sldMkLst>
+        <pc:spChg chg="mod">
+          <ac:chgData name="Chuck Kiefriter" userId="c57348f7-b440-4861-a58f-c89f414ea74a" providerId="ADAL" clId="{CEAAE73E-A3C0-4EF3-8264-4F08772B5760}" dt="2023-03-20T00:32:06.566" v="230" actId="14100"/>
+          <ac:spMkLst>
+            <pc:docMk/>
+            <pc:sldMk cId="3995279466" sldId="256"/>
+            <ac:spMk id="3" creationId="{A6B2E4B2-9556-220D-A265-44C9FD951EE6}"/>
+          </ac:spMkLst>
+        </pc:spChg>
+        <pc:spChg chg="add mod">
+          <ac:chgData name="Chuck Kiefriter" userId="c57348f7-b440-4861-a58f-c89f414ea74a" providerId="ADAL" clId="{CEAAE73E-A3C0-4EF3-8264-4F08772B5760}" dt="2023-03-20T00:52:59.383" v="449" actId="1038"/>
+          <ac:spMkLst>
+            <pc:docMk/>
+            <pc:sldMk cId="3995279466" sldId="256"/>
+            <ac:spMk id="4" creationId="{2BADD1C9-CF72-0C69-861B-7E5D509DA5B2}"/>
+          </ac:spMkLst>
+        </pc:spChg>
+        <pc:spChg chg="mod">
+          <ac:chgData name="Chuck Kiefriter" userId="c57348f7-b440-4861-a58f-c89f414ea74a" providerId="ADAL" clId="{CEAAE73E-A3C0-4EF3-8264-4F08772B5760}" dt="2023-03-19T22:41:44.062" v="187" actId="20577"/>
+          <ac:spMkLst>
+            <pc:docMk/>
+            <pc:sldMk cId="3995279466" sldId="256"/>
+            <ac:spMk id="6" creationId="{DE3DBA5A-FA8E-46C6-1402-E5C7632F4CAD}"/>
+          </ac:spMkLst>
+        </pc:spChg>
+        <pc:spChg chg="add mod">
+          <ac:chgData name="Chuck Kiefriter" userId="c57348f7-b440-4861-a58f-c89f414ea74a" providerId="ADAL" clId="{CEAAE73E-A3C0-4EF3-8264-4F08772B5760}" dt="2023-03-20T00:52:59.383" v="449" actId="1038"/>
+          <ac:spMkLst>
+            <pc:docMk/>
+            <pc:sldMk cId="3995279466" sldId="256"/>
+            <ac:spMk id="7" creationId="{4F528AA2-6361-22B4-C232-EF99675F9D72}"/>
+          </ac:spMkLst>
+        </pc:spChg>
+        <pc:spChg chg="add mod">
+          <ac:chgData name="Chuck Kiefriter" userId="c57348f7-b440-4861-a58f-c89f414ea74a" providerId="ADAL" clId="{CEAAE73E-A3C0-4EF3-8264-4F08772B5760}" dt="2023-03-20T00:52:59.383" v="449" actId="1038"/>
+          <ac:spMkLst>
+            <pc:docMk/>
+            <pc:sldMk cId="3995279466" sldId="256"/>
+            <ac:spMk id="9" creationId="{06F995E6-DACC-B060-CDB5-BB562B195537}"/>
+          </ac:spMkLst>
+        </pc:spChg>
+        <pc:spChg chg="mod">
+          <ac:chgData name="Chuck Kiefriter" userId="c57348f7-b440-4861-a58f-c89f414ea74a" providerId="ADAL" clId="{CEAAE73E-A3C0-4EF3-8264-4F08772B5760}" dt="2023-03-20T00:52:45.699" v="401" actId="1035"/>
+          <ac:spMkLst>
+            <pc:docMk/>
+            <pc:sldMk cId="3995279466" sldId="256"/>
+            <ac:spMk id="10" creationId="{EA3D5ED0-1762-C438-DD7C-B32C5582A339}"/>
+          </ac:spMkLst>
+        </pc:spChg>
+        <pc:spChg chg="del">
+          <ac:chgData name="Chuck Kiefriter" userId="c57348f7-b440-4861-a58f-c89f414ea74a" providerId="ADAL" clId="{CEAAE73E-A3C0-4EF3-8264-4F08772B5760}" dt="2023-03-19T22:42:40.760" v="188" actId="478"/>
+          <ac:spMkLst>
+            <pc:docMk/>
+            <pc:sldMk cId="3995279466" sldId="256"/>
+            <ac:spMk id="12" creationId="{18FCF58A-E768-0BFC-8A0B-3881F7F528D8}"/>
+          </ac:spMkLst>
+        </pc:spChg>
+        <pc:graphicFrameChg chg="del">
+          <ac:chgData name="Chuck Kiefriter" userId="c57348f7-b440-4861-a58f-c89f414ea74a" providerId="ADAL" clId="{CEAAE73E-A3C0-4EF3-8264-4F08772B5760}" dt="2023-03-19T22:42:40.760" v="188" actId="478"/>
+          <ac:graphicFrameMkLst>
+            <pc:docMk/>
+            <pc:sldMk cId="3995279466" sldId="256"/>
+            <ac:graphicFrameMk id="13" creationId="{BB1305A0-0446-F701-7436-EA612090B033}"/>
+          </ac:graphicFrameMkLst>
+        </pc:graphicFrameChg>
+      </pc:sldChg>
       <pc:sldChg chg="modSp mod">
-        <pc:chgData name="Chuck Kiefriter" userId="c57348f7-b440-4861-a58f-c89f414ea74a" providerId="ADAL" clId="{CEAAE73E-A3C0-4EF3-8264-4F08772B5760}" dt="2023-03-15T21:03:43.738" v="84" actId="20577"/>
+        <pc:chgData name="Chuck Kiefriter" userId="c57348f7-b440-4861-a58f-c89f414ea74a" providerId="ADAL" clId="{CEAAE73E-A3C0-4EF3-8264-4F08772B5760}" dt="2023-03-19T22:40:49.123" v="181" actId="20577"/>
         <pc:sldMkLst>
           <pc:docMk/>
           <pc:sldMk cId="3194223319" sldId="263"/>
         </pc:sldMkLst>
         <pc:spChg chg="mod">
-          <ac:chgData name="Chuck Kiefriter" userId="c57348f7-b440-4861-a58f-c89f414ea74a" providerId="ADAL" clId="{CEAAE73E-A3C0-4EF3-8264-4F08772B5760}" dt="2023-03-15T21:03:43.738" v="84" actId="20577"/>
+          <ac:chgData name="Chuck Kiefriter" userId="c57348f7-b440-4861-a58f-c89f414ea74a" providerId="ADAL" clId="{CEAAE73E-A3C0-4EF3-8264-4F08772B5760}" dt="2023-03-19T22:40:49.123" v="181" actId="20577"/>
           <ac:spMkLst>
             <pc:docMk/>
             <pc:sldMk cId="3194223319" sldId="263"/>
@@ -817,6 +896,21 @@
           </ac:spMkLst>
         </pc:spChg>
       </pc:sldChg>
+      <pc:sldChg chg="delSp del mod">
+        <pc:chgData name="Chuck Kiefriter" userId="c57348f7-b440-4861-a58f-c89f414ea74a" providerId="ADAL" clId="{CEAAE73E-A3C0-4EF3-8264-4F08772B5760}" dt="2023-03-20T00:56:01.589" v="451" actId="2696"/>
+        <pc:sldMkLst>
+          <pc:docMk/>
+          <pc:sldMk cId="3472760250" sldId="266"/>
+        </pc:sldMkLst>
+        <pc:picChg chg="del">
+          <ac:chgData name="Chuck Kiefriter" userId="c57348f7-b440-4861-a58f-c89f414ea74a" providerId="ADAL" clId="{CEAAE73E-A3C0-4EF3-8264-4F08772B5760}" dt="2023-03-20T00:55:53.266" v="450" actId="478"/>
+          <ac:picMkLst>
+            <pc:docMk/>
+            <pc:sldMk cId="3472760250" sldId="266"/>
+            <ac:picMk id="12" creationId="{BC86969A-DE0A-FA6D-2E0B-7566AF411A68}"/>
+          </ac:picMkLst>
+        </pc:picChg>
+      </pc:sldChg>
       <pc:sldChg chg="modSp mod">
         <pc:chgData name="Chuck Kiefriter" userId="c57348f7-b440-4861-a58f-c89f414ea74a" providerId="ADAL" clId="{CEAAE73E-A3C0-4EF3-8264-4F08772B5760}" dt="2023-03-15T21:05:15.266" v="104" actId="20577"/>
         <pc:sldMkLst>
@@ -831,6 +925,99 @@
             <ac:spMk id="3" creationId="{23DFC7E9-54DD-38D7-0B9B-D34948D68CF9}"/>
           </ac:spMkLst>
         </pc:spChg>
+      </pc:sldChg>
+      <pc:sldChg chg="addSp delSp modSp mod">
+        <pc:chgData name="Chuck Kiefriter" userId="c57348f7-b440-4861-a58f-c89f414ea74a" providerId="ADAL" clId="{CEAAE73E-A3C0-4EF3-8264-4F08772B5760}" dt="2023-03-20T02:06:54.913" v="624" actId="207"/>
+        <pc:sldMkLst>
+          <pc:docMk/>
+          <pc:sldMk cId="1513494963" sldId="275"/>
+        </pc:sldMkLst>
+        <pc:spChg chg="add del">
+          <ac:chgData name="Chuck Kiefriter" userId="c57348f7-b440-4861-a58f-c89f414ea74a" providerId="ADAL" clId="{CEAAE73E-A3C0-4EF3-8264-4F08772B5760}" dt="2023-03-20T02:02:35.193" v="575"/>
+          <ac:spMkLst>
+            <pc:docMk/>
+            <pc:sldMk cId="1513494963" sldId="275"/>
+            <ac:spMk id="2" creationId="{BE46888D-AF6D-1D94-6855-0D2BDE1A167F}"/>
+          </ac:spMkLst>
+        </pc:spChg>
+        <pc:spChg chg="mod">
+          <ac:chgData name="Chuck Kiefriter" userId="c57348f7-b440-4861-a58f-c89f414ea74a" providerId="ADAL" clId="{CEAAE73E-A3C0-4EF3-8264-4F08772B5760}" dt="2023-03-20T02:06:54.913" v="624" actId="207"/>
+          <ac:spMkLst>
+            <pc:docMk/>
+            <pc:sldMk cId="1513494963" sldId="275"/>
+            <ac:spMk id="5" creationId="{9DB63145-E59C-9501-8AA5-4E6AC5C0D40F}"/>
+          </ac:spMkLst>
+        </pc:spChg>
+        <pc:spChg chg="mod">
+          <ac:chgData name="Chuck Kiefriter" userId="c57348f7-b440-4861-a58f-c89f414ea74a" providerId="ADAL" clId="{CEAAE73E-A3C0-4EF3-8264-4F08772B5760}" dt="2023-03-20T02:02:54.072" v="598" actId="20577"/>
+          <ac:spMkLst>
+            <pc:docMk/>
+            <pc:sldMk cId="1513494963" sldId="275"/>
+            <ac:spMk id="6" creationId="{59E906CD-110B-9D01-732C-2F21759B0265}"/>
+          </ac:spMkLst>
+        </pc:spChg>
+        <pc:picChg chg="del">
+          <ac:chgData name="Chuck Kiefriter" userId="c57348f7-b440-4861-a58f-c89f414ea74a" providerId="ADAL" clId="{CEAAE73E-A3C0-4EF3-8264-4F08772B5760}" dt="2023-03-20T02:02:29.241" v="573" actId="478"/>
+          <ac:picMkLst>
+            <pc:docMk/>
+            <pc:sldMk cId="1513494963" sldId="275"/>
+            <ac:picMk id="3" creationId="{0E14C303-4A08-9E3D-827C-D6CF995E9C7A}"/>
+          </ac:picMkLst>
+        </pc:picChg>
+      </pc:sldChg>
+      <pc:sldChg chg="addSp delSp modSp mod">
+        <pc:chgData name="Chuck Kiefriter" userId="c57348f7-b440-4861-a58f-c89f414ea74a" providerId="ADAL" clId="{CEAAE73E-A3C0-4EF3-8264-4F08772B5760}" dt="2023-03-20T01:40:14.037" v="572" actId="1035"/>
+        <pc:sldMkLst>
+          <pc:docMk/>
+          <pc:sldMk cId="976671966" sldId="278"/>
+        </pc:sldMkLst>
+        <pc:spChg chg="add mod">
+          <ac:chgData name="Chuck Kiefriter" userId="c57348f7-b440-4861-a58f-c89f414ea74a" providerId="ADAL" clId="{CEAAE73E-A3C0-4EF3-8264-4F08772B5760}" dt="2023-03-20T01:39:58.996" v="563" actId="1076"/>
+          <ac:spMkLst>
+            <pc:docMk/>
+            <pc:sldMk cId="976671966" sldId="278"/>
+            <ac:spMk id="3" creationId="{AECD1743-AE1E-E8A6-57D4-D340FC95D16D}"/>
+          </ac:spMkLst>
+        </pc:spChg>
+        <pc:spChg chg="mod">
+          <ac:chgData name="Chuck Kiefriter" userId="c57348f7-b440-4861-a58f-c89f414ea74a" providerId="ADAL" clId="{CEAAE73E-A3C0-4EF3-8264-4F08772B5760}" dt="2023-03-20T01:39:21.020" v="555" actId="1038"/>
+          <ac:spMkLst>
+            <pc:docMk/>
+            <pc:sldMk cId="976671966" sldId="278"/>
+            <ac:spMk id="4" creationId="{C0B26727-0F97-5A73-B4ED-6BE65E07E5DB}"/>
+          </ac:spMkLst>
+        </pc:spChg>
+        <pc:spChg chg="mod">
+          <ac:chgData name="Chuck Kiefriter" userId="c57348f7-b440-4861-a58f-c89f414ea74a" providerId="ADAL" clId="{CEAAE73E-A3C0-4EF3-8264-4F08772B5760}" dt="2023-03-20T01:06:07.991" v="518" actId="1076"/>
+          <ac:spMkLst>
+            <pc:docMk/>
+            <pc:sldMk cId="976671966" sldId="278"/>
+            <ac:spMk id="6" creationId="{59E906CD-110B-9D01-732C-2F21759B0265}"/>
+          </ac:spMkLst>
+        </pc:spChg>
+        <pc:spChg chg="add mod">
+          <ac:chgData name="Chuck Kiefriter" userId="c57348f7-b440-4861-a58f-c89f414ea74a" providerId="ADAL" clId="{CEAAE73E-A3C0-4EF3-8264-4F08772B5760}" dt="2023-03-20T01:40:14.037" v="572" actId="1035"/>
+          <ac:spMkLst>
+            <pc:docMk/>
+            <pc:sldMk cId="976671966" sldId="278"/>
+            <ac:spMk id="7" creationId="{5DAF20F1-2F34-F140-81DA-E78BF03C81E4}"/>
+          </ac:spMkLst>
+        </pc:spChg>
+        <pc:picChg chg="del">
+          <ac:chgData name="Chuck Kiefriter" userId="c57348f7-b440-4861-a58f-c89f414ea74a" providerId="ADAL" clId="{CEAAE73E-A3C0-4EF3-8264-4F08772B5760}" dt="2023-03-20T00:56:04.277" v="452" actId="478"/>
+          <ac:picMkLst>
+            <pc:docMk/>
+            <pc:sldMk cId="976671966" sldId="278"/>
+            <ac:picMk id="12" creationId="{EDDB08A4-A3C1-182F-A00B-0BE97F3C502C}"/>
+          </ac:picMkLst>
+        </pc:picChg>
+      </pc:sldChg>
+      <pc:sldChg chg="del">
+        <pc:chgData name="Chuck Kiefriter" userId="c57348f7-b440-4861-a58f-c89f414ea74a" providerId="ADAL" clId="{CEAAE73E-A3C0-4EF3-8264-4F08772B5760}" dt="2023-03-20T02:31:42.639" v="625" actId="47"/>
+        <pc:sldMkLst>
+          <pc:docMk/>
+          <pc:sldMk cId="3402929522" sldId="279"/>
+        </pc:sldMkLst>
       </pc:sldChg>
       <pc:sldChg chg="modSp mod">
         <pc:chgData name="Chuck Kiefriter" userId="c57348f7-b440-4861-a58f-c89f414ea74a" providerId="ADAL" clId="{CEAAE73E-A3C0-4EF3-8264-4F08772B5760}" dt="2023-03-15T21:05:31.946" v="118" actId="20577"/>
@@ -847,6 +1034,45 @@
           </ac:spMkLst>
         </pc:spChg>
       </pc:sldChg>
+      <pc:sldChg chg="addSp delSp modSp mod">
+        <pc:chgData name="Chuck Kiefriter" userId="c57348f7-b440-4861-a58f-c89f414ea74a" providerId="ADAL" clId="{CEAAE73E-A3C0-4EF3-8264-4F08772B5760}" dt="2023-03-20T04:42:51.356" v="756" actId="1076"/>
+        <pc:sldMkLst>
+          <pc:docMk/>
+          <pc:sldMk cId="3187156049" sldId="281"/>
+        </pc:sldMkLst>
+        <pc:spChg chg="add mod">
+          <ac:chgData name="Chuck Kiefriter" userId="c57348f7-b440-4861-a58f-c89f414ea74a" providerId="ADAL" clId="{CEAAE73E-A3C0-4EF3-8264-4F08772B5760}" dt="2023-03-20T04:42:51.356" v="756" actId="1076"/>
+          <ac:spMkLst>
+            <pc:docMk/>
+            <pc:sldMk cId="3187156049" sldId="281"/>
+            <ac:spMk id="4" creationId="{5F4890C8-248C-DE3F-EFBE-A4EB3744954C}"/>
+          </ac:spMkLst>
+        </pc:spChg>
+        <pc:spChg chg="mod">
+          <ac:chgData name="Chuck Kiefriter" userId="c57348f7-b440-4861-a58f-c89f414ea74a" providerId="ADAL" clId="{CEAAE73E-A3C0-4EF3-8264-4F08772B5760}" dt="2023-03-20T04:35:14.507" v="751"/>
+          <ac:spMkLst>
+            <pc:docMk/>
+            <pc:sldMk cId="3187156049" sldId="281"/>
+            <ac:spMk id="5" creationId="{9DB63145-E59C-9501-8AA5-4E6AC5C0D40F}"/>
+          </ac:spMkLst>
+        </pc:spChg>
+        <pc:spChg chg="mod">
+          <ac:chgData name="Chuck Kiefriter" userId="c57348f7-b440-4861-a58f-c89f414ea74a" providerId="ADAL" clId="{CEAAE73E-A3C0-4EF3-8264-4F08772B5760}" dt="2023-03-20T04:34:19.666" v="743" actId="20577"/>
+          <ac:spMkLst>
+            <pc:docMk/>
+            <pc:sldMk cId="3187156049" sldId="281"/>
+            <ac:spMk id="6" creationId="{59E906CD-110B-9D01-732C-2F21759B0265}"/>
+          </ac:spMkLst>
+        </pc:spChg>
+        <pc:picChg chg="del">
+          <ac:chgData name="Chuck Kiefriter" userId="c57348f7-b440-4861-a58f-c89f414ea74a" providerId="ADAL" clId="{CEAAE73E-A3C0-4EF3-8264-4F08772B5760}" dt="2023-03-20T04:34:21.482" v="744" actId="478"/>
+          <ac:picMkLst>
+            <pc:docMk/>
+            <pc:sldMk cId="3187156049" sldId="281"/>
+            <ac:picMk id="3" creationId="{83E4109A-5F0E-62C4-2DDC-A1744C5BE6B5}"/>
+          </ac:picMkLst>
+        </pc:picChg>
+      </pc:sldChg>
       <pc:sldChg chg="modSp mod">
         <pc:chgData name="Chuck Kiefriter" userId="c57348f7-b440-4861-a58f-c89f414ea74a" providerId="ADAL" clId="{CEAAE73E-A3C0-4EF3-8264-4F08772B5760}" dt="2023-03-15T21:06:00.300" v="163" actId="20577"/>
         <pc:sldMkLst>
@@ -859,6 +1085,153 @@
             <pc:docMk/>
             <pc:sldMk cId="2065140228" sldId="282"/>
             <ac:spMk id="3" creationId="{23DFC7E9-54DD-38D7-0B9B-D34948D68CF9}"/>
+          </ac:spMkLst>
+        </pc:spChg>
+      </pc:sldChg>
+      <pc:sldChg chg="delSp modSp mod">
+        <pc:chgData name="Chuck Kiefriter" userId="c57348f7-b440-4861-a58f-c89f414ea74a" providerId="ADAL" clId="{CEAAE73E-A3C0-4EF3-8264-4F08772B5760}" dt="2023-03-20T02:36:03.099" v="664"/>
+        <pc:sldMkLst>
+          <pc:docMk/>
+          <pc:sldMk cId="1885158462" sldId="283"/>
+        </pc:sldMkLst>
+        <pc:spChg chg="mod">
+          <ac:chgData name="Chuck Kiefriter" userId="c57348f7-b440-4861-a58f-c89f414ea74a" providerId="ADAL" clId="{CEAAE73E-A3C0-4EF3-8264-4F08772B5760}" dt="2023-03-20T02:36:03.099" v="664"/>
+          <ac:spMkLst>
+            <pc:docMk/>
+            <pc:sldMk cId="1885158462" sldId="283"/>
+            <ac:spMk id="5" creationId="{9DB63145-E59C-9501-8AA5-4E6AC5C0D40F}"/>
+          </ac:spMkLst>
+        </pc:spChg>
+        <pc:spChg chg="mod">
+          <ac:chgData name="Chuck Kiefriter" userId="c57348f7-b440-4861-a58f-c89f414ea74a" providerId="ADAL" clId="{CEAAE73E-A3C0-4EF3-8264-4F08772B5760}" dt="2023-03-20T02:33:34.475" v="658" actId="20577"/>
+          <ac:spMkLst>
+            <pc:docMk/>
+            <pc:sldMk cId="1885158462" sldId="283"/>
+            <ac:spMk id="6" creationId="{59E906CD-110B-9D01-732C-2F21759B0265}"/>
+          </ac:spMkLst>
+        </pc:spChg>
+        <pc:spChg chg="del">
+          <ac:chgData name="Chuck Kiefriter" userId="c57348f7-b440-4861-a58f-c89f414ea74a" providerId="ADAL" clId="{CEAAE73E-A3C0-4EF3-8264-4F08772B5760}" dt="2023-03-20T02:33:47.335" v="661" actId="478"/>
+          <ac:spMkLst>
+            <pc:docMk/>
+            <pc:sldMk cId="1885158462" sldId="283"/>
+            <ac:spMk id="8" creationId="{ECD506A8-B7B8-3E79-FA2D-BD62C204B827}"/>
+          </ac:spMkLst>
+        </pc:spChg>
+        <pc:picChg chg="del">
+          <ac:chgData name="Chuck Kiefriter" userId="c57348f7-b440-4861-a58f-c89f414ea74a" providerId="ADAL" clId="{CEAAE73E-A3C0-4EF3-8264-4F08772B5760}" dt="2023-03-20T02:33:38.052" v="659" actId="478"/>
+          <ac:picMkLst>
+            <pc:docMk/>
+            <pc:sldMk cId="1885158462" sldId="283"/>
+            <ac:picMk id="4" creationId="{7C9F3104-C66F-0189-6D64-A0BDCF1B495F}"/>
+          </ac:picMkLst>
+        </pc:picChg>
+      </pc:sldChg>
+      <pc:sldChg chg="del">
+        <pc:chgData name="Chuck Kiefriter" userId="c57348f7-b440-4861-a58f-c89f414ea74a" providerId="ADAL" clId="{CEAAE73E-A3C0-4EF3-8264-4F08772B5760}" dt="2023-03-20T04:03:18.428" v="665" actId="47"/>
+        <pc:sldMkLst>
+          <pc:docMk/>
+          <pc:sldMk cId="356231122" sldId="284"/>
+        </pc:sldMkLst>
+      </pc:sldChg>
+      <pc:sldChg chg="addSp modSp add mod">
+        <pc:chgData name="Chuck Kiefriter" userId="c57348f7-b440-4861-a58f-c89f414ea74a" providerId="ADAL" clId="{CEAAE73E-A3C0-4EF3-8264-4F08772B5760}" dt="2023-03-20T00:39:44.108" v="365" actId="14100"/>
+        <pc:sldMkLst>
+          <pc:docMk/>
+          <pc:sldMk cId="460794980" sldId="285"/>
+        </pc:sldMkLst>
+        <pc:spChg chg="add mod">
+          <ac:chgData name="Chuck Kiefriter" userId="c57348f7-b440-4861-a58f-c89f414ea74a" providerId="ADAL" clId="{CEAAE73E-A3C0-4EF3-8264-4F08772B5760}" dt="2023-03-20T00:37:53.726" v="352" actId="1076"/>
+          <ac:spMkLst>
+            <pc:docMk/>
+            <pc:sldMk cId="460794980" sldId="285"/>
+            <ac:spMk id="4" creationId="{0A9C3E86-2548-ECB5-8430-3E2B6C004107}"/>
+          </ac:spMkLst>
+        </pc:spChg>
+        <pc:spChg chg="mod">
+          <ac:chgData name="Chuck Kiefriter" userId="c57348f7-b440-4861-a58f-c89f414ea74a" providerId="ADAL" clId="{CEAAE73E-A3C0-4EF3-8264-4F08772B5760}" dt="2023-03-20T00:28:09.677" v="229" actId="20577"/>
+          <ac:spMkLst>
+            <pc:docMk/>
+            <pc:sldMk cId="460794980" sldId="285"/>
+            <ac:spMk id="6" creationId="{DE3DBA5A-FA8E-46C6-1402-E5C7632F4CAD}"/>
+          </ac:spMkLst>
+        </pc:spChg>
+        <pc:spChg chg="add mod">
+          <ac:chgData name="Chuck Kiefriter" userId="c57348f7-b440-4861-a58f-c89f414ea74a" providerId="ADAL" clId="{CEAAE73E-A3C0-4EF3-8264-4F08772B5760}" dt="2023-03-20T00:37:53.726" v="352" actId="1076"/>
+          <ac:spMkLst>
+            <pc:docMk/>
+            <pc:sldMk cId="460794980" sldId="285"/>
+            <ac:spMk id="7" creationId="{6078F001-09B3-95A6-FBBF-049E24348AA3}"/>
+          </ac:spMkLst>
+        </pc:spChg>
+        <pc:spChg chg="mod">
+          <ac:chgData name="Chuck Kiefriter" userId="c57348f7-b440-4861-a58f-c89f414ea74a" providerId="ADAL" clId="{CEAAE73E-A3C0-4EF3-8264-4F08772B5760}" dt="2023-03-20T00:36:05.988" v="344" actId="207"/>
+          <ac:spMkLst>
+            <pc:docMk/>
+            <pc:sldMk cId="460794980" sldId="285"/>
+            <ac:spMk id="10" creationId="{EA3D5ED0-1762-C438-DD7C-B32C5582A339}"/>
+          </ac:spMkLst>
+        </pc:spChg>
+        <pc:picChg chg="add mod">
+          <ac:chgData name="Chuck Kiefriter" userId="c57348f7-b440-4861-a58f-c89f414ea74a" providerId="ADAL" clId="{CEAAE73E-A3C0-4EF3-8264-4F08772B5760}" dt="2023-03-20T00:39:44.108" v="365" actId="14100"/>
+          <ac:picMkLst>
+            <pc:docMk/>
+            <pc:sldMk cId="460794980" sldId="285"/>
+            <ac:picMk id="9" creationId="{951D6567-EE71-636D-5131-1733E9CA3EE1}"/>
+          </ac:picMkLst>
+        </pc:picChg>
+        <pc:picChg chg="add mod">
+          <ac:chgData name="Chuck Kiefriter" userId="c57348f7-b440-4861-a58f-c89f414ea74a" providerId="ADAL" clId="{CEAAE73E-A3C0-4EF3-8264-4F08772B5760}" dt="2023-03-20T00:39:41.309" v="364" actId="1076"/>
+          <ac:picMkLst>
+            <pc:docMk/>
+            <pc:sldMk cId="460794980" sldId="285"/>
+            <ac:picMk id="12" creationId="{75DBF1A8-6B47-A236-0E35-BCD7AC30E1AC}"/>
+          </ac:picMkLst>
+        </pc:picChg>
+      </pc:sldChg>
+      <pc:sldChg chg="modSp add mod">
+        <pc:chgData name="Chuck Kiefriter" userId="c57348f7-b440-4861-a58f-c89f414ea74a" providerId="ADAL" clId="{CEAAE73E-A3C0-4EF3-8264-4F08772B5760}" dt="2023-03-20T04:03:46.401" v="693" actId="1076"/>
+        <pc:sldMkLst>
+          <pc:docMk/>
+          <pc:sldMk cId="1155090792" sldId="286"/>
+        </pc:sldMkLst>
+        <pc:spChg chg="mod">
+          <ac:chgData name="Chuck Kiefriter" userId="c57348f7-b440-4861-a58f-c89f414ea74a" providerId="ADAL" clId="{CEAAE73E-A3C0-4EF3-8264-4F08772B5760}" dt="2023-03-20T04:03:46.401" v="693" actId="1076"/>
+          <ac:spMkLst>
+            <pc:docMk/>
+            <pc:sldMk cId="1155090792" sldId="286"/>
+            <ac:spMk id="3" creationId="{23DFC7E9-54DD-38D7-0B9B-D34948D68CF9}"/>
+          </ac:spMkLst>
+        </pc:spChg>
+      </pc:sldChg>
+      <pc:sldChg chg="addSp modSp add mod">
+        <pc:chgData name="Chuck Kiefriter" userId="c57348f7-b440-4861-a58f-c89f414ea74a" providerId="ADAL" clId="{CEAAE73E-A3C0-4EF3-8264-4F08772B5760}" dt="2023-03-20T04:06:13.253" v="729" actId="1076"/>
+        <pc:sldMkLst>
+          <pc:docMk/>
+          <pc:sldMk cId="424094208" sldId="287"/>
+        </pc:sldMkLst>
+        <pc:spChg chg="add mod">
+          <ac:chgData name="Chuck Kiefriter" userId="c57348f7-b440-4861-a58f-c89f414ea74a" providerId="ADAL" clId="{CEAAE73E-A3C0-4EF3-8264-4F08772B5760}" dt="2023-03-20T04:06:13.253" v="729" actId="1076"/>
+          <ac:spMkLst>
+            <pc:docMk/>
+            <pc:sldMk cId="424094208" sldId="287"/>
+            <ac:spMk id="3" creationId="{FF9F9172-C924-1C79-FA1B-3659223D7D26}"/>
+          </ac:spMkLst>
+        </pc:spChg>
+        <pc:spChg chg="mod">
+          <ac:chgData name="Chuck Kiefriter" userId="c57348f7-b440-4861-a58f-c89f414ea74a" providerId="ADAL" clId="{CEAAE73E-A3C0-4EF3-8264-4F08772B5760}" dt="2023-03-20T04:04:56.478" v="721" actId="6549"/>
+          <ac:spMkLst>
+            <pc:docMk/>
+            <pc:sldMk cId="424094208" sldId="287"/>
+            <ac:spMk id="5" creationId="{9DB63145-E59C-9501-8AA5-4E6AC5C0D40F}"/>
+          </ac:spMkLst>
+        </pc:spChg>
+        <pc:spChg chg="mod">
+          <ac:chgData name="Chuck Kiefriter" userId="c57348f7-b440-4861-a58f-c89f414ea74a" providerId="ADAL" clId="{CEAAE73E-A3C0-4EF3-8264-4F08772B5760}" dt="2023-03-20T04:03:56.659" v="717" actId="20577"/>
+          <ac:spMkLst>
+            <pc:docMk/>
+            <pc:sldMk cId="424094208" sldId="287"/>
+            <ac:spMk id="6" creationId="{59E906CD-110B-9D01-732C-2F21759B0265}"/>
           </ac:spMkLst>
         </pc:spChg>
       </pc:sldChg>
@@ -1014,7 +1387,7 @@
           <a:p>
             <a:fld id="{33D569A9-A222-4DCC-AF28-BB813B4F2ABB}" type="datetimeFigureOut">
               <a:rPr lang="en-US" smtClean="0"/>
-              <a:t>3/15/2023</a:t>
+              <a:t>3/20/2023</a:t>
             </a:fld>
             <a:endParaRPr lang="en-US"/>
           </a:p>
@@ -1302,7 +1675,7 @@
           <a:p>
             <a:fld id="{33D569A9-A222-4DCC-AF28-BB813B4F2ABB}" type="datetimeFigureOut">
               <a:rPr lang="en-US" smtClean="0"/>
-              <a:t>3/15/2023</a:t>
+              <a:t>3/20/2023</a:t>
             </a:fld>
             <a:endParaRPr lang="en-US"/>
           </a:p>
@@ -1500,7 +1873,7 @@
           <a:p>
             <a:fld id="{33D569A9-A222-4DCC-AF28-BB813B4F2ABB}" type="datetimeFigureOut">
               <a:rPr lang="en-US" smtClean="0"/>
-              <a:t>3/15/2023</a:t>
+              <a:t>3/20/2023</a:t>
             </a:fld>
             <a:endParaRPr lang="en-US"/>
           </a:p>
@@ -1708,7 +2081,7 @@
           <a:p>
             <a:fld id="{33D569A9-A222-4DCC-AF28-BB813B4F2ABB}" type="datetimeFigureOut">
               <a:rPr lang="en-US" smtClean="0"/>
-              <a:t>3/15/2023</a:t>
+              <a:t>3/20/2023</a:t>
             </a:fld>
             <a:endParaRPr lang="en-US"/>
           </a:p>
@@ -1906,7 +2279,7 @@
           <a:p>
             <a:fld id="{33D569A9-A222-4DCC-AF28-BB813B4F2ABB}" type="datetimeFigureOut">
               <a:rPr lang="en-US" smtClean="0"/>
-              <a:t>3/15/2023</a:t>
+              <a:t>3/20/2023</a:t>
             </a:fld>
             <a:endParaRPr lang="en-US"/>
           </a:p>
@@ -2181,7 +2554,7 @@
           <a:p>
             <a:fld id="{33D569A9-A222-4DCC-AF28-BB813B4F2ABB}" type="datetimeFigureOut">
               <a:rPr lang="en-US" smtClean="0"/>
-              <a:t>3/15/2023</a:t>
+              <a:t>3/20/2023</a:t>
             </a:fld>
             <a:endParaRPr lang="en-US"/>
           </a:p>
@@ -2446,7 +2819,7 @@
           <a:p>
             <a:fld id="{33D569A9-A222-4DCC-AF28-BB813B4F2ABB}" type="datetimeFigureOut">
               <a:rPr lang="en-US" smtClean="0"/>
-              <a:t>3/15/2023</a:t>
+              <a:t>3/20/2023</a:t>
             </a:fld>
             <a:endParaRPr lang="en-US"/>
           </a:p>
@@ -2858,7 +3231,7 @@
           <a:p>
             <a:fld id="{33D569A9-A222-4DCC-AF28-BB813B4F2ABB}" type="datetimeFigureOut">
               <a:rPr lang="en-US" smtClean="0"/>
-              <a:t>3/15/2023</a:t>
+              <a:t>3/20/2023</a:t>
             </a:fld>
             <a:endParaRPr lang="en-US"/>
           </a:p>
@@ -2999,7 +3372,7 @@
           <a:p>
             <a:fld id="{33D569A9-A222-4DCC-AF28-BB813B4F2ABB}" type="datetimeFigureOut">
               <a:rPr lang="en-US" smtClean="0"/>
-              <a:t>3/15/2023</a:t>
+              <a:t>3/20/2023</a:t>
             </a:fld>
             <a:endParaRPr lang="en-US"/>
           </a:p>
@@ -3112,7 +3485,7 @@
           <a:p>
             <a:fld id="{33D569A9-A222-4DCC-AF28-BB813B4F2ABB}" type="datetimeFigureOut">
               <a:rPr lang="en-US" smtClean="0"/>
-              <a:t>3/15/2023</a:t>
+              <a:t>3/20/2023</a:t>
             </a:fld>
             <a:endParaRPr lang="en-US"/>
           </a:p>
@@ -3458,7 +3831,7 @@
           <a:p>
             <a:fld id="{33D569A9-A222-4DCC-AF28-BB813B4F2ABB}" type="datetimeFigureOut">
               <a:rPr lang="en-US" smtClean="0"/>
-              <a:t>3/15/2023</a:t>
+              <a:t>3/20/2023</a:t>
             </a:fld>
             <a:endParaRPr lang="en-US"/>
           </a:p>
@@ -3699,7 +4072,7 @@
           <a:p>
             <a:fld id="{33D569A9-A222-4DCC-AF28-BB813B4F2ABB}" type="datetimeFigureOut">
               <a:rPr lang="en-US" smtClean="0"/>
-              <a:t>3/15/2023</a:t>
+              <a:t>3/20/2023</a:t>
             </a:fld>
             <a:endParaRPr lang="en-US"/>
           </a:p>
@@ -4132,7 +4505,7 @@
         <p:spPr>
           <a:xfrm>
             <a:off x="696537" y="87952"/>
-            <a:ext cx="9326104" cy="4508927"/>
+            <a:ext cx="9326104" cy="5247590"/>
           </a:xfrm>
           <a:prstGeom prst="rect">
             <a:avLst/>
@@ -4476,6 +4849,63 @@
             </a:r>
           </a:p>
           <a:p>
+            <a:pPr marL="571500" marR="0" lvl="0" indent="-571500" algn="l" defTabSz="914400" rtl="0" eaLnBrk="1" fontAlgn="auto" latinLnBrk="0" hangingPunct="1">
+              <a:lnSpc>
+                <a:spcPct val="100000"/>
+              </a:lnSpc>
+              <a:spcBef>
+                <a:spcPts val="0"/>
+              </a:spcBef>
+              <a:spcAft>
+                <a:spcPts val="0"/>
+              </a:spcAft>
+              <a:buClrTx/>
+              <a:buSzTx/>
+              <a:buFont typeface="Arial" panose="020B0604020202020204" pitchFamily="34" charset="0"/>
+              <a:buChar char="•"/>
+              <a:tabLst/>
+              <a:defRPr/>
+            </a:pPr>
+            <a:endParaRPr lang="en-US" sz="2400" dirty="0">
+              <a:solidFill>
+                <a:prstClr val="white">
+                  <a:lumMod val="75000"/>
+                </a:prstClr>
+              </a:solidFill>
+              <a:latin typeface="Open Sans" panose="020B0606030504020204" pitchFamily="34" charset="0"/>
+            </a:endParaRPr>
+          </a:p>
+          <a:p>
+            <a:pPr marL="571500" marR="0" lvl="0" indent="-571500" algn="l" defTabSz="914400" rtl="0" eaLnBrk="1" fontAlgn="auto" latinLnBrk="0" hangingPunct="1">
+              <a:lnSpc>
+                <a:spcPct val="100000"/>
+              </a:lnSpc>
+              <a:spcBef>
+                <a:spcPts val="0"/>
+              </a:spcBef>
+              <a:spcAft>
+                <a:spcPts val="0"/>
+              </a:spcAft>
+              <a:buClrTx/>
+              <a:buSzTx/>
+              <a:buFont typeface="Arial" panose="020B0604020202020204" pitchFamily="34" charset="0"/>
+              <a:buChar char="•"/>
+              <a:tabLst/>
+              <a:defRPr/>
+            </a:pPr>
+            <a:r>
+              <a:rPr lang="en-US" sz="2400" dirty="0">
+                <a:solidFill>
+                  <a:prstClr val="white">
+                    <a:lumMod val="75000"/>
+                  </a:prstClr>
+                </a:solidFill>
+                <a:latin typeface="Open Sans" panose="020B0606030504020204" pitchFamily="34" charset="0"/>
+              </a:rPr>
+              <a:t>Menu App Example</a:t>
+            </a:r>
+          </a:p>
+          <a:p>
             <a:pPr marL="1028700" lvl="1" indent="-571500">
               <a:buFont typeface="Arial" panose="020B0604020202020204" pitchFamily="34" charset="0"/>
               <a:buChar char="•"/>
@@ -4506,119 +4936,6 @@
 </file>
 
 <file path=ppt/slides/slide10.xml><?xml version="1.0" encoding="utf-8"?>
-<p:sld xmlns:a="http://schemas.openxmlformats.org/drawingml/2006/main" xmlns:r="http://schemas.openxmlformats.org/officeDocument/2006/relationships" xmlns:p="http://schemas.openxmlformats.org/presentationml/2006/main">
-  <p:cSld>
-    <p:spTree>
-      <p:nvGrpSpPr>
-        <p:cNvPr id="1" name=""/>
-        <p:cNvGrpSpPr/>
-        <p:nvPr/>
-      </p:nvGrpSpPr>
-      <p:grpSpPr>
-        <a:xfrm>
-          <a:off x="0" y="0"/>
-          <a:ext cx="0" cy="0"/>
-          <a:chOff x="0" y="0"/>
-          <a:chExt cx="0" cy="0"/>
-        </a:xfrm>
-      </p:grpSpPr>
-      <p:sp>
-        <p:nvSpPr>
-          <p:cNvPr id="3" name="TextBox 2">
-            <a:extLst>
-              <a:ext uri="{FF2B5EF4-FFF2-40B4-BE49-F238E27FC236}">
-                <a16:creationId xmlns:a16="http://schemas.microsoft.com/office/drawing/2014/main" id="{23DFC7E9-54DD-38D7-0B9B-D34948D68CF9}"/>
-              </a:ext>
-            </a:extLst>
-          </p:cNvPr>
-          <p:cNvSpPr txBox="1"/>
-          <p:nvPr/>
-        </p:nvSpPr>
-        <p:spPr>
-          <a:xfrm>
-            <a:off x="1669409" y="2459504"/>
-            <a:ext cx="8183202" cy="1015663"/>
-          </a:xfrm>
-          <a:prstGeom prst="rect">
-            <a:avLst/>
-          </a:prstGeom>
-          <a:noFill/>
-        </p:spPr>
-        <p:txBody>
-          <a:bodyPr wrap="square">
-            <a:spAutoFit/>
-          </a:bodyPr>
-          <a:lstStyle/>
-          <a:p>
-            <a:pPr marL="0" marR="0" lvl="0" indent="0" algn="l" defTabSz="914400" rtl="0" eaLnBrk="1" fontAlgn="auto" latinLnBrk="0" hangingPunct="1">
-              <a:lnSpc>
-                <a:spcPct val="100000"/>
-              </a:lnSpc>
-              <a:spcBef>
-                <a:spcPts val="0"/>
-              </a:spcBef>
-              <a:spcAft>
-                <a:spcPts val="0"/>
-              </a:spcAft>
-              <a:buClrTx/>
-              <a:buSzTx/>
-              <a:buFontTx/>
-              <a:buNone/>
-              <a:tabLst/>
-              <a:defRPr/>
-            </a:pPr>
-            <a:r>
-              <a:rPr kumimoji="0" lang="en-US" sz="6000" b="0" i="0" u="none" strike="noStrike" kern="1200" cap="none" spc="0" normalizeH="0" baseline="0" noProof="0" dirty="0" err="1">
-                <a:ln>
-                  <a:noFill/>
-                </a:ln>
-                <a:solidFill>
-                  <a:prstClr val="white">
-                    <a:lumMod val="75000"/>
-                  </a:prstClr>
-                </a:solidFill>
-                <a:effectLst/>
-                <a:uLnTx/>
-                <a:uFillTx/>
-                <a:latin typeface="Open Sans" panose="020B0606030504020204" pitchFamily="34" charset="0"/>
-                <a:ea typeface="+mn-ea"/>
-                <a:cs typeface="+mn-cs"/>
-              </a:rPr>
-              <a:t>JavaDocs</a:t>
-            </a:r>
-            <a:endParaRPr kumimoji="0" lang="en-US" sz="6000" b="0" i="0" u="none" strike="noStrike" kern="1200" cap="none" spc="0" normalizeH="0" baseline="0" noProof="0" dirty="0">
-              <a:ln>
-                <a:noFill/>
-              </a:ln>
-              <a:solidFill>
-                <a:prstClr val="white">
-                  <a:lumMod val="75000"/>
-                </a:prstClr>
-              </a:solidFill>
-              <a:effectLst/>
-              <a:uLnTx/>
-              <a:uFillTx/>
-              <a:latin typeface="Open Sans" panose="020B0606030504020204" pitchFamily="34" charset="0"/>
-              <a:ea typeface="+mn-ea"/>
-              <a:cs typeface="+mn-cs"/>
-            </a:endParaRPr>
-          </a:p>
-        </p:txBody>
-      </p:sp>
-    </p:spTree>
-    <p:extLst>
-      <p:ext uri="{BB962C8B-B14F-4D97-AF65-F5344CB8AC3E}">
-        <p14:creationId xmlns:p14="http://schemas.microsoft.com/office/powerpoint/2010/main" val="3395566764"/>
-      </p:ext>
-    </p:extLst>
-  </p:cSld>
-  <p:clrMapOvr>
-    <a:masterClrMapping/>
-  </p:clrMapOvr>
-</p:sld>
-</file>
-
-<file path=ppt/slides/slide11.xml><?xml version="1.0" encoding="utf-8"?>
 <p:sld xmlns:a="http://schemas.openxmlformats.org/drawingml/2006/main" xmlns:r="http://schemas.openxmlformats.org/officeDocument/2006/relationships" xmlns:p="http://schemas.openxmlformats.org/presentationml/2006/main">
   <p:cSld>
     <p:spTree>
@@ -4665,43 +4982,21 @@
           <a:p>
             <a:pPr algn="l"/>
             <a:r>
-              <a:rPr lang="en-US" sz="2400" b="1" dirty="0">
+              <a:rPr lang="en-US" sz="2400" b="1" dirty="0" err="1">
                 <a:solidFill>
                   <a:srgbClr val="00B050"/>
                 </a:solidFill>
                 <a:latin typeface="Open Sans" panose="020B0606030504020204" pitchFamily="34" charset="0"/>
               </a:rPr>
-              <a:t>Branching - b</a:t>
-            </a:r>
-            <a:r>
-              <a:rPr lang="en-US" sz="2400" b="1" dirty="0">
-                <a:solidFill>
-                  <a:srgbClr val="00B050"/>
-                </a:solidFill>
-                <a:effectLst/>
-                <a:latin typeface="Open Sans" panose="020B0606030504020204" pitchFamily="34" charset="0"/>
-              </a:rPr>
-              <a:t>reak </a:t>
-            </a:r>
-            <a:r>
-              <a:rPr lang="en-US" sz="2400" b="1" dirty="0">
-                <a:solidFill>
-                  <a:srgbClr val="00B050"/>
-                </a:solidFill>
-                <a:latin typeface="Open Sans" panose="020B0606030504020204" pitchFamily="34" charset="0"/>
-              </a:rPr>
-              <a:t>vs.</a:t>
-            </a:r>
-            <a:r>
-              <a:rPr lang="en-US" sz="2400" b="1" dirty="0">
-                <a:solidFill>
-                  <a:srgbClr val="00B050"/>
-                </a:solidFill>
-                <a:effectLst/>
-                <a:latin typeface="Open Sans" panose="020B0606030504020204" pitchFamily="34" charset="0"/>
-              </a:rPr>
-              <a:t> continue Statements</a:t>
-            </a:r>
+              <a:t>JavaDocs</a:t>
+            </a:r>
+            <a:endParaRPr lang="en-US" sz="2400" b="1" dirty="0">
+              <a:solidFill>
+                <a:srgbClr val="00B050"/>
+              </a:solidFill>
+              <a:effectLst/>
+              <a:latin typeface="Open Sans" panose="020B0606030504020204" pitchFamily="34" charset="0"/>
+            </a:endParaRPr>
           </a:p>
         </p:txBody>
       </p:sp>
@@ -4720,7 +5015,7 @@
         <p:spPr>
           <a:xfrm>
             <a:off x="341603" y="640071"/>
-            <a:ext cx="5111241" cy="5909310"/>
+            <a:ext cx="11628099" cy="646331"/>
           </a:xfrm>
           <a:prstGeom prst="rect">
             <a:avLst/>
@@ -4749,19 +5044,7 @@
                 <a:ea typeface="Open Sans" panose="020B0606030504020204" pitchFamily="34" charset="0"/>
                 <a:cs typeface="Open Sans" panose="020B0606030504020204" pitchFamily="34" charset="0"/>
               </a:rPr>
-              <a:t>Branching statements </a:t>
-            </a:r>
-            <a:r>
-              <a:rPr lang="en-US" i="0" dirty="0">
-                <a:solidFill>
-                  <a:srgbClr val="00B0F0"/>
-                </a:solidFill>
-                <a:effectLst/>
-                <a:latin typeface="Open Sans" panose="020B0606030504020204" pitchFamily="34" charset="0"/>
-                <a:ea typeface="Open Sans" panose="020B0606030504020204" pitchFamily="34" charset="0"/>
-                <a:cs typeface="Open Sans" panose="020B0606030504020204" pitchFamily="34" charset="0"/>
-              </a:rPr>
-              <a:t>allow the flow of execution to jump to a different part of the program</a:t>
+              <a:t>TBD</a:t>
             </a:r>
             <a:endParaRPr lang="en-US" dirty="0">
               <a:solidFill>
@@ -4770,185 +5053,7 @@
                 </a:schemeClr>
               </a:solidFill>
               <a:latin typeface="Open Sans" panose="020B0606030504020204" pitchFamily="34" charset="0"/>
-              <a:ea typeface="Open Sans" panose="020B0606030504020204" pitchFamily="34" charset="0"/>
-              <a:cs typeface="Open Sans" panose="020B0606030504020204" pitchFamily="34" charset="0"/>
             </a:endParaRPr>
-          </a:p>
-          <a:p>
-            <a:pPr marL="342900" indent="-342900">
-              <a:buFont typeface="Arial" panose="020B0604020202020204" pitchFamily="34" charset="0"/>
-              <a:buChar char="•"/>
-            </a:pPr>
-            <a:endParaRPr lang="en-US" b="0" i="0" dirty="0">
-              <a:solidFill>
-                <a:schemeClr val="tx1">
-                  <a:lumMod val="85000"/>
-                </a:schemeClr>
-              </a:solidFill>
-              <a:effectLst/>
-              <a:latin typeface="Open Sans" panose="020B0606030504020204" pitchFamily="34" charset="0"/>
-              <a:ea typeface="Open Sans" panose="020B0606030504020204" pitchFamily="34" charset="0"/>
-              <a:cs typeface="Open Sans" panose="020B0606030504020204" pitchFamily="34" charset="0"/>
-            </a:endParaRPr>
-          </a:p>
-          <a:p>
-            <a:pPr marL="342900" indent="-342900">
-              <a:buFont typeface="Arial" panose="020B0604020202020204" pitchFamily="34" charset="0"/>
-              <a:buChar char="•"/>
-            </a:pPr>
-            <a:r>
-              <a:rPr lang="en-US" b="0" i="0" dirty="0">
-                <a:solidFill>
-                  <a:schemeClr val="tx1">
-                    <a:lumMod val="85000"/>
-                  </a:schemeClr>
-                </a:solidFill>
-                <a:effectLst/>
-                <a:latin typeface="Open Sans" panose="020B0606030504020204" pitchFamily="34" charset="0"/>
-                <a:ea typeface="Open Sans" panose="020B0606030504020204" pitchFamily="34" charset="0"/>
-                <a:cs typeface="Open Sans" panose="020B0606030504020204" pitchFamily="34" charset="0"/>
-              </a:rPr>
-              <a:t>The common branching statements used within other control structures include:</a:t>
-            </a:r>
-            <a:endParaRPr lang="en-US" dirty="0">
-              <a:solidFill>
-                <a:schemeClr val="tx1">
-                  <a:lumMod val="85000"/>
-                </a:schemeClr>
-              </a:solidFill>
-              <a:latin typeface="Open Sans" panose="020B0606030504020204" pitchFamily="34" charset="0"/>
-              <a:ea typeface="Open Sans" panose="020B0606030504020204" pitchFamily="34" charset="0"/>
-              <a:cs typeface="Open Sans" panose="020B0606030504020204" pitchFamily="34" charset="0"/>
-            </a:endParaRPr>
-          </a:p>
-          <a:p>
-            <a:pPr marL="800100" lvl="1" indent="-342900">
-              <a:buFont typeface="Arial" panose="020B0604020202020204" pitchFamily="34" charset="0"/>
-              <a:buChar char="•"/>
-            </a:pPr>
-            <a:r>
-              <a:rPr lang="en-US" dirty="0">
-                <a:solidFill>
-                  <a:srgbClr val="00B0F0"/>
-                </a:solidFill>
-                <a:latin typeface="Open Sans" panose="020B0606030504020204" pitchFamily="34" charset="0"/>
-                <a:ea typeface="Open Sans" panose="020B0606030504020204" pitchFamily="34" charset="0"/>
-                <a:cs typeface="Open Sans" panose="020B0606030504020204" pitchFamily="34" charset="0"/>
-              </a:rPr>
-              <a:t>b</a:t>
-            </a:r>
-            <a:r>
-              <a:rPr lang="en-US" b="0" i="0" dirty="0">
-                <a:solidFill>
-                  <a:srgbClr val="00B0F0"/>
-                </a:solidFill>
-                <a:effectLst/>
-                <a:latin typeface="Open Sans" panose="020B0606030504020204" pitchFamily="34" charset="0"/>
-                <a:ea typeface="Open Sans" panose="020B0606030504020204" pitchFamily="34" charset="0"/>
-                <a:cs typeface="Open Sans" panose="020B0606030504020204" pitchFamily="34" charset="0"/>
-              </a:rPr>
-              <a:t>reak</a:t>
-            </a:r>
-            <a:r>
-              <a:rPr lang="en-US" b="0" i="0" dirty="0">
-                <a:solidFill>
-                  <a:schemeClr val="tx1">
-                    <a:lumMod val="85000"/>
-                  </a:schemeClr>
-                </a:solidFill>
-                <a:effectLst/>
-                <a:latin typeface="Open Sans" panose="020B0606030504020204" pitchFamily="34" charset="0"/>
-                <a:ea typeface="Open Sans" panose="020B0606030504020204" pitchFamily="34" charset="0"/>
-                <a:cs typeface="Open Sans" panose="020B0606030504020204" pitchFamily="34" charset="0"/>
-              </a:rPr>
-              <a:t> - used to break completely out of a loop</a:t>
-            </a:r>
-          </a:p>
-          <a:p>
-            <a:pPr marL="800100" lvl="1" indent="-342900">
-              <a:buFont typeface="Arial" panose="020B0604020202020204" pitchFamily="34" charset="0"/>
-              <a:buChar char="•"/>
-            </a:pPr>
-            <a:r>
-              <a:rPr lang="en-US" dirty="0">
-                <a:solidFill>
-                  <a:srgbClr val="00B0F0"/>
-                </a:solidFill>
-                <a:latin typeface="Open Sans" panose="020B0606030504020204" pitchFamily="34" charset="0"/>
-                <a:ea typeface="Open Sans" panose="020B0606030504020204" pitchFamily="34" charset="0"/>
-                <a:cs typeface="Open Sans" panose="020B0606030504020204" pitchFamily="34" charset="0"/>
-              </a:rPr>
-              <a:t>c</a:t>
-            </a:r>
-            <a:r>
-              <a:rPr lang="en-US" b="0" i="0" dirty="0">
-                <a:solidFill>
-                  <a:srgbClr val="00B0F0"/>
-                </a:solidFill>
-                <a:effectLst/>
-                <a:latin typeface="Open Sans" panose="020B0606030504020204" pitchFamily="34" charset="0"/>
-                <a:ea typeface="Open Sans" panose="020B0606030504020204" pitchFamily="34" charset="0"/>
-                <a:cs typeface="Open Sans" panose="020B0606030504020204" pitchFamily="34" charset="0"/>
-              </a:rPr>
-              <a:t>ontinue</a:t>
-            </a:r>
-            <a:r>
-              <a:rPr lang="en-US" b="0" i="0" dirty="0">
-                <a:solidFill>
-                  <a:schemeClr val="tx1">
-                    <a:lumMod val="85000"/>
-                  </a:schemeClr>
-                </a:solidFill>
-                <a:effectLst/>
-                <a:latin typeface="Open Sans" panose="020B0606030504020204" pitchFamily="34" charset="0"/>
-                <a:ea typeface="Open Sans" panose="020B0606030504020204" pitchFamily="34" charset="0"/>
-                <a:cs typeface="Open Sans" panose="020B0606030504020204" pitchFamily="34" charset="0"/>
-              </a:rPr>
-              <a:t> – used to break one iteration in a loop</a:t>
-            </a:r>
-          </a:p>
-          <a:p>
-            <a:pPr marL="800100" lvl="1" indent="-342900">
-              <a:buFont typeface="Arial" panose="020B0604020202020204" pitchFamily="34" charset="0"/>
-              <a:buChar char="•"/>
-            </a:pPr>
-            <a:r>
-              <a:rPr lang="en-US" dirty="0">
-                <a:solidFill>
-                  <a:srgbClr val="00B0F0"/>
-                </a:solidFill>
-                <a:latin typeface="Open Sans" panose="020B0606030504020204" pitchFamily="34" charset="0"/>
-                <a:ea typeface="Open Sans" panose="020B0606030504020204" pitchFamily="34" charset="0"/>
-                <a:cs typeface="Open Sans" panose="020B0606030504020204" pitchFamily="34" charset="0"/>
-              </a:rPr>
-              <a:t>r</a:t>
-            </a:r>
-            <a:r>
-              <a:rPr lang="en-US" b="0" i="0" dirty="0">
-                <a:solidFill>
-                  <a:srgbClr val="00B0F0"/>
-                </a:solidFill>
-                <a:effectLst/>
-                <a:latin typeface="Open Sans" panose="020B0606030504020204" pitchFamily="34" charset="0"/>
-                <a:ea typeface="Open Sans" panose="020B0606030504020204" pitchFamily="34" charset="0"/>
-                <a:cs typeface="Open Sans" panose="020B0606030504020204" pitchFamily="34" charset="0"/>
-              </a:rPr>
-              <a:t>eturn</a:t>
-            </a:r>
-            <a:r>
-              <a:rPr lang="en-US" b="0" i="0" dirty="0">
-                <a:solidFill>
-                  <a:schemeClr val="tx1">
-                    <a:lumMod val="85000"/>
-                  </a:schemeClr>
-                </a:solidFill>
-                <a:effectLst/>
-                <a:latin typeface="Open Sans" panose="020B0606030504020204" pitchFamily="34" charset="0"/>
-                <a:ea typeface="Open Sans" panose="020B0606030504020204" pitchFamily="34" charset="0"/>
-                <a:cs typeface="Open Sans" panose="020B0606030504020204" pitchFamily="34" charset="0"/>
-              </a:rPr>
-              <a:t> - exits from the current method, and control flow returns to where the method was invoked.</a:t>
-            </a:r>
           </a:p>
           <a:p>
             <a:pPr marL="342900" indent="-342900">
@@ -4964,139 +5069,46 @@
               <a:latin typeface="Open Sans" panose="020B0606030504020204" pitchFamily="34" charset="0"/>
             </a:endParaRPr>
           </a:p>
-          <a:p>
-            <a:pPr marL="342900" indent="-342900">
-              <a:buFont typeface="Arial" panose="020B0604020202020204" pitchFamily="34" charset="0"/>
-              <a:buChar char="•"/>
-            </a:pPr>
-            <a:endParaRPr lang="en-US" dirty="0">
-              <a:solidFill>
-                <a:schemeClr val="tx1">
-                  <a:lumMod val="85000"/>
-                </a:schemeClr>
-              </a:solidFill>
-              <a:latin typeface="Open Sans" panose="020B0606030504020204" pitchFamily="34" charset="0"/>
-            </a:endParaRPr>
-          </a:p>
-          <a:p>
-            <a:pPr marL="342900" indent="-342900">
-              <a:buFont typeface="Arial" panose="020B0604020202020204" pitchFamily="34" charset="0"/>
-              <a:buChar char="•"/>
-            </a:pPr>
-            <a:endParaRPr lang="en-US" dirty="0">
-              <a:solidFill>
-                <a:schemeClr val="tx1">
-                  <a:lumMod val="85000"/>
-                </a:schemeClr>
-              </a:solidFill>
-              <a:latin typeface="Open Sans" panose="020B0606030504020204" pitchFamily="34" charset="0"/>
-            </a:endParaRPr>
-          </a:p>
-          <a:p>
-            <a:pPr marL="342900" indent="-342900">
-              <a:buFont typeface="Arial" panose="020B0604020202020204" pitchFamily="34" charset="0"/>
-              <a:buChar char="•"/>
-            </a:pPr>
-            <a:endParaRPr lang="en-US" dirty="0">
-              <a:solidFill>
-                <a:schemeClr val="tx1">
-                  <a:lumMod val="85000"/>
-                </a:schemeClr>
-              </a:solidFill>
-              <a:latin typeface="Open Sans" panose="020B0606030504020204" pitchFamily="34" charset="0"/>
-            </a:endParaRPr>
-          </a:p>
-          <a:p>
-            <a:pPr marL="342900" indent="-342900">
-              <a:buFont typeface="Arial" panose="020B0604020202020204" pitchFamily="34" charset="0"/>
-              <a:buChar char="•"/>
-            </a:pPr>
-            <a:endParaRPr lang="en-US" dirty="0">
-              <a:solidFill>
-                <a:schemeClr val="tx1">
-                  <a:lumMod val="85000"/>
-                </a:schemeClr>
-              </a:solidFill>
-              <a:latin typeface="Open Sans" panose="020B0606030504020204" pitchFamily="34" charset="0"/>
-            </a:endParaRPr>
-          </a:p>
-          <a:p>
-            <a:pPr marL="342900" indent="-342900">
-              <a:buFont typeface="Arial" panose="020B0604020202020204" pitchFamily="34" charset="0"/>
-              <a:buChar char="•"/>
-            </a:pPr>
-            <a:endParaRPr lang="en-US" dirty="0">
-              <a:solidFill>
-                <a:schemeClr val="tx1">
-                  <a:lumMod val="85000"/>
-                </a:schemeClr>
-              </a:solidFill>
-              <a:latin typeface="Open Sans" panose="020B0606030504020204" pitchFamily="34" charset="0"/>
-            </a:endParaRPr>
-          </a:p>
-          <a:p>
-            <a:pPr marL="342900" indent="-342900">
-              <a:buFont typeface="Arial" panose="020B0604020202020204" pitchFamily="34" charset="0"/>
-              <a:buChar char="•"/>
-            </a:pPr>
-            <a:endParaRPr lang="en-US" dirty="0"/>
-          </a:p>
-          <a:p>
-            <a:pPr algn="l" rtl="0"/>
-            <a:r>
-              <a:rPr lang="en-US" dirty="0">
-                <a:solidFill>
-                  <a:schemeClr val="tx1">
-                    <a:lumMod val="85000"/>
-                  </a:schemeClr>
-                </a:solidFill>
-                <a:latin typeface="Open Sans" panose="020B0606030504020204" pitchFamily="34" charset="0"/>
-                <a:hlinkClick r:id="rId2"/>
-              </a:rPr>
-              <a:t>Content Link on Branching</a:t>
-            </a:r>
-            <a:endParaRPr lang="en-US" b="0" i="0" dirty="0">
-              <a:solidFill>
-                <a:schemeClr val="tx1">
-                  <a:lumMod val="85000"/>
-                </a:schemeClr>
-              </a:solidFill>
-              <a:effectLst/>
-              <a:latin typeface="Open Sans" panose="020B0606030504020204" pitchFamily="34" charset="0"/>
-            </a:endParaRPr>
-          </a:p>
         </p:txBody>
       </p:sp>
-      <p:pic>
-        <p:nvPicPr>
-          <p:cNvPr id="3" name="Picture 2">
+      <p:sp>
+        <p:nvSpPr>
+          <p:cNvPr id="4" name="TextBox 3">
             <a:extLst>
               <a:ext uri="{FF2B5EF4-FFF2-40B4-BE49-F238E27FC236}">
-                <a16:creationId xmlns:a16="http://schemas.microsoft.com/office/drawing/2014/main" id="{83E4109A-5F0E-62C4-2DDC-A1744C5BE6B5}"/>
+                <a16:creationId xmlns:a16="http://schemas.microsoft.com/office/drawing/2014/main" id="{5F4890C8-248C-DE3F-EFBE-A4EB3744954C}"/>
               </a:ext>
             </a:extLst>
           </p:cNvPr>
-          <p:cNvPicPr>
-            <a:picLocks noChangeAspect="1"/>
-          </p:cNvPicPr>
+          <p:cNvSpPr txBox="1"/>
           <p:nvPr/>
-        </p:nvPicPr>
-        <p:blipFill>
-          <a:blip r:embed="rId3"/>
-          <a:stretch>
-            <a:fillRect/>
-          </a:stretch>
-        </p:blipFill>
+        </p:nvSpPr>
         <p:spPr>
           <a:xfrm>
-            <a:off x="5688740" y="1070175"/>
-            <a:ext cx="5915025" cy="5057775"/>
+            <a:off x="3744113" y="6162927"/>
+            <a:ext cx="8447887" cy="400110"/>
           </a:xfrm>
           <a:prstGeom prst="rect">
             <a:avLst/>
           </a:prstGeom>
+          <a:noFill/>
         </p:spPr>
-      </p:pic>
+        <p:txBody>
+          <a:bodyPr wrap="square">
+            <a:spAutoFit/>
+          </a:bodyPr>
+          <a:lstStyle/>
+          <a:p>
+            <a:r>
+              <a:rPr lang="en-US" sz="2000" dirty="0">
+                <a:hlinkClick r:id="rId2"/>
+              </a:rPr>
+              <a:t>https://www.oracle.com/technical-resources/articles/java/javadoc-tool.html</a:t>
+            </a:r>
+            <a:endParaRPr lang="en-US" sz="2000" dirty="0"/>
+          </a:p>
+        </p:txBody>
+      </p:sp>
     </p:spTree>
     <p:extLst>
       <p:ext uri="{BB962C8B-B14F-4D97-AF65-F5344CB8AC3E}">
@@ -5110,7 +5122,7 @@
 </p:sld>
 </file>
 
-<file path=ppt/slides/slide12.xml><?xml version="1.0" encoding="utf-8"?>
+<file path=ppt/slides/slide11.xml><?xml version="1.0" encoding="utf-8"?>
 <p:sld xmlns:a="http://schemas.openxmlformats.org/drawingml/2006/main" xmlns:r="http://schemas.openxmlformats.org/officeDocument/2006/relationships" xmlns:p="http://schemas.openxmlformats.org/presentationml/2006/main">
   <p:cSld>
     <p:spTree>
@@ -5242,7 +5254,7 @@
 </p:sld>
 </file>
 
-<file path=ppt/slides/slide13.xml><?xml version="1.0" encoding="utf-8"?>
+<file path=ppt/slides/slide12.xml><?xml version="1.0" encoding="utf-8"?>
 <p:sld xmlns:a="http://schemas.openxmlformats.org/drawingml/2006/main" xmlns:r="http://schemas.openxmlformats.org/officeDocument/2006/relationships" xmlns:p="http://schemas.openxmlformats.org/presentationml/2006/main">
   <p:cSld>
     <p:spTree>
@@ -5295,7 +5307,7 @@
                 </a:solidFill>
                 <a:latin typeface="Open Sans" panose="020B0606030504020204" pitchFamily="34" charset="0"/>
               </a:rPr>
-              <a:t>User Input</a:t>
+              <a:t>Equality in Primitives vs Objects</a:t>
             </a:r>
             <a:endParaRPr lang="en-US" sz="2400" b="1" dirty="0">
               <a:solidFill>
@@ -5322,7 +5334,7 @@
         <p:spPr>
           <a:xfrm>
             <a:off x="240935" y="539403"/>
-            <a:ext cx="5953125" cy="5293757"/>
+            <a:ext cx="11612709" cy="10618291"/>
           </a:xfrm>
           <a:prstGeom prst="rect">
             <a:avLst/>
@@ -5335,194 +5347,21 @@
           </a:bodyPr>
           <a:lstStyle/>
           <a:p>
-            <a:pPr algn="l" rtl="0"/>
-            <a:r>
-              <a:rPr lang="en-US" sz="2000" b="0" i="0" dirty="0">
-                <a:solidFill>
-                  <a:schemeClr val="tx1">
-                    <a:lumMod val="85000"/>
-                  </a:schemeClr>
-                </a:solidFill>
-                <a:effectLst/>
-                <a:latin typeface="Open Sans" panose="020B0606030504020204" pitchFamily="34" charset="0"/>
-              </a:rPr>
-              <a:t>We need data to tell our programs to make decisions with; and up to this point, we've been hard coding data into variables to explore coding constructs. </a:t>
-            </a:r>
-          </a:p>
-          <a:p>
-            <a:pPr algn="l" rtl="0"/>
-            <a:endParaRPr lang="en-US" sz="2000" b="0" i="0" dirty="0">
-              <a:solidFill>
-                <a:schemeClr val="tx1">
-                  <a:lumMod val="85000"/>
-                </a:schemeClr>
-              </a:solidFill>
-              <a:effectLst/>
-              <a:latin typeface="Open Sans" panose="020B0606030504020204" pitchFamily="34" charset="0"/>
-            </a:endParaRPr>
-          </a:p>
-          <a:p>
-            <a:pPr algn="l" rtl="0"/>
-            <a:r>
-              <a:rPr lang="en-US" sz="2000" b="0" i="0" dirty="0">
-                <a:solidFill>
-                  <a:schemeClr val="tx1">
-                    <a:lumMod val="85000"/>
-                  </a:schemeClr>
-                </a:solidFill>
-                <a:effectLst/>
-                <a:latin typeface="Open Sans" panose="020B0606030504020204" pitchFamily="34" charset="0"/>
-              </a:rPr>
-              <a:t>However, the </a:t>
-            </a:r>
-            <a:r>
-              <a:rPr lang="en-US" sz="2000" b="0" i="0" dirty="0">
-                <a:solidFill>
-                  <a:srgbClr val="00B0F0"/>
-                </a:solidFill>
-                <a:effectLst/>
-                <a:latin typeface="Open Sans" panose="020B0606030504020204" pitchFamily="34" charset="0"/>
-              </a:rPr>
-              <a:t>original source for most data is </a:t>
-            </a:r>
-            <a:r>
-              <a:rPr lang="en-US" sz="2000" b="1" i="0" dirty="0">
-                <a:solidFill>
-                  <a:srgbClr val="00B0F0"/>
-                </a:solidFill>
-                <a:effectLst/>
-                <a:latin typeface="Open Sans" panose="020B0606030504020204" pitchFamily="34" charset="0"/>
-              </a:rPr>
-              <a:t>user input</a:t>
-            </a:r>
-            <a:r>
-              <a:rPr lang="en-US" sz="2000" b="0" i="0" dirty="0">
-                <a:solidFill>
-                  <a:schemeClr val="tx1">
-                    <a:lumMod val="85000"/>
-                  </a:schemeClr>
-                </a:solidFill>
-                <a:effectLst/>
-                <a:latin typeface="Open Sans" panose="020B0606030504020204" pitchFamily="34" charset="0"/>
-              </a:rPr>
-              <a:t>. In order to make decisions based on responses or data entered from a user, let's take a look at one way we can prompt a user to enter some data and then store the data in a variable to use in our code. </a:t>
-            </a:r>
-          </a:p>
-          <a:p>
-            <a:pPr algn="l" rtl="0"/>
-            <a:br>
-              <a:rPr lang="en-US" sz="2000" b="0" i="0" dirty="0">
-                <a:solidFill>
-                  <a:schemeClr val="tx1">
-                    <a:lumMod val="85000"/>
-                  </a:schemeClr>
-                </a:solidFill>
-                <a:effectLst/>
-                <a:latin typeface="Open Sans" panose="020B0606030504020204" pitchFamily="34" charset="0"/>
-              </a:rPr>
-            </a:br>
-            <a:r>
-              <a:rPr lang="en-US" sz="2000" b="0" i="0" dirty="0">
-                <a:solidFill>
-                  <a:schemeClr val="tx1">
-                    <a:lumMod val="85000"/>
-                  </a:schemeClr>
-                </a:solidFill>
-                <a:effectLst/>
-                <a:latin typeface="Open Sans" panose="020B0606030504020204" pitchFamily="34" charset="0"/>
-              </a:rPr>
-              <a:t>To receive </a:t>
-            </a:r>
-            <a:r>
-              <a:rPr lang="en-US" sz="2000" b="1" i="0" dirty="0">
-                <a:solidFill>
-                  <a:schemeClr val="tx1">
-                    <a:lumMod val="85000"/>
-                  </a:schemeClr>
-                </a:solidFill>
-                <a:effectLst/>
-                <a:latin typeface="Open Sans" panose="020B0606030504020204" pitchFamily="34" charset="0"/>
-              </a:rPr>
-              <a:t>user input</a:t>
-            </a:r>
-            <a:r>
-              <a:rPr lang="en-US" sz="2000" b="0" i="0" dirty="0">
-                <a:solidFill>
-                  <a:schemeClr val="tx1">
-                    <a:lumMod val="85000"/>
-                  </a:schemeClr>
-                </a:solidFill>
-                <a:effectLst/>
-                <a:latin typeface="Open Sans" panose="020B0606030504020204" pitchFamily="34" charset="0"/>
-              </a:rPr>
-              <a:t> in Java, we can use the </a:t>
-            </a:r>
-            <a:r>
-              <a:rPr lang="en-US" sz="2000" b="0" i="0" dirty="0">
-                <a:solidFill>
-                  <a:srgbClr val="00B0F0"/>
-                </a:solidFill>
-                <a:effectLst/>
-                <a:latin typeface="Open Sans" panose="020B0606030504020204" pitchFamily="34" charset="0"/>
-              </a:rPr>
-              <a:t>Scanner</a:t>
-            </a:r>
-            <a:r>
-              <a:rPr lang="en-US" sz="2000" b="0" i="0" dirty="0">
-                <a:solidFill>
-                  <a:schemeClr val="tx1">
-                    <a:lumMod val="85000"/>
-                  </a:schemeClr>
-                </a:solidFill>
-                <a:effectLst/>
-                <a:latin typeface="Open Sans" panose="020B0606030504020204" pitchFamily="34" charset="0"/>
-              </a:rPr>
-              <a:t> object.  It is in </a:t>
-            </a:r>
-            <a:r>
-              <a:rPr lang="en-US" sz="2000" b="0" i="0" dirty="0" err="1">
-                <a:solidFill>
-                  <a:srgbClr val="00B0F0"/>
-                </a:solidFill>
-                <a:effectLst/>
-                <a:latin typeface="Open Sans" panose="020B0606030504020204" pitchFamily="34" charset="0"/>
-              </a:rPr>
-              <a:t>java.util</a:t>
-            </a:r>
-            <a:r>
-              <a:rPr lang="en-US" sz="2000" b="0" i="0" dirty="0">
-                <a:solidFill>
-                  <a:srgbClr val="00B0F0"/>
-                </a:solidFill>
-                <a:effectLst/>
-                <a:latin typeface="Open Sans" panose="020B0606030504020204" pitchFamily="34" charset="0"/>
-              </a:rPr>
-              <a:t> package</a:t>
-            </a:r>
-            <a:r>
-              <a:rPr lang="en-US" sz="2000" b="0" i="0" dirty="0">
-                <a:solidFill>
-                  <a:schemeClr val="tx1">
-                    <a:lumMod val="85000"/>
-                  </a:schemeClr>
-                </a:solidFill>
-                <a:effectLst/>
-                <a:latin typeface="Open Sans" panose="020B0606030504020204" pitchFamily="34" charset="0"/>
-              </a:rPr>
-              <a:t>, so we need to import it.</a:t>
-            </a:r>
-          </a:p>
-          <a:p>
-            <a:pPr algn="l" rtl="0"/>
-            <a:endParaRPr lang="en-US" sz="2000" b="0" i="0" dirty="0">
-              <a:solidFill>
-                <a:schemeClr val="tx1">
-                  <a:lumMod val="85000"/>
-                </a:schemeClr>
-              </a:solidFill>
-              <a:effectLst/>
-              <a:latin typeface="Open Sans" panose="020B0606030504020204" pitchFamily="34" charset="0"/>
-            </a:endParaRPr>
+            <a:pPr marL="342900" indent="-342900">
+              <a:buFont typeface="Arial" panose="020B0604020202020204" pitchFamily="34" charset="0"/>
+              <a:buChar char="•"/>
+            </a:pPr>
+            <a:r>
+              <a:rPr lang="en-US" dirty="0">
+                <a:solidFill>
+                  <a:schemeClr val="tx1">
+                    <a:lumMod val="85000"/>
+                  </a:schemeClr>
+                </a:solidFill>
+                <a:latin typeface="Open Sans" panose="020B0606030504020204" pitchFamily="34" charset="0"/>
+              </a:rPr>
+              <a:t>Another difference between Primitive Datatypes and Objects has to do with Equality.   The Equality Operator in Java == checks to see if two references are the same.  In other words when comparing Primitive Datatypes,  == checks to see if two values are the same.  With Primitive Datatype Equality Comparison,  == checks the in-memory value of the Primitive Datatype against the in-memory value of a different Primitive Datatype.   </a:t>
+            </a:r>
           </a:p>
           <a:p>
             <a:pPr marL="342900" indent="-342900">
@@ -5538,44 +5377,424 @@
               <a:latin typeface="Open Sans" panose="020B0606030504020204" pitchFamily="34" charset="0"/>
             </a:endParaRPr>
           </a:p>
+          <a:p>
+            <a:pPr marL="342900" indent="-342900">
+              <a:buFont typeface="Arial" panose="020B0604020202020204" pitchFamily="34" charset="0"/>
+              <a:buChar char="•"/>
+            </a:pPr>
+            <a:r>
+              <a:rPr lang="en-US" dirty="0">
+                <a:solidFill>
+                  <a:schemeClr val="tx1">
+                    <a:lumMod val="85000"/>
+                  </a:schemeClr>
+                </a:solidFill>
+                <a:latin typeface="Open Sans" panose="020B0606030504020204" pitchFamily="34" charset="0"/>
+              </a:rPr>
+              <a:t>Primitive Datatype Equality</a:t>
+            </a:r>
+          </a:p>
+          <a:p>
+            <a:pPr marL="342900" indent="-342900">
+              <a:buFont typeface="Arial" panose="020B0604020202020204" pitchFamily="34" charset="0"/>
+              <a:buChar char="•"/>
+            </a:pPr>
+            <a:endParaRPr lang="en-US" dirty="0">
+              <a:solidFill>
+                <a:schemeClr val="tx1">
+                  <a:lumMod val="85000"/>
+                </a:schemeClr>
+              </a:solidFill>
+              <a:latin typeface="Open Sans" panose="020B0606030504020204" pitchFamily="34" charset="0"/>
+            </a:endParaRPr>
+          </a:p>
+          <a:p>
+            <a:pPr marL="342900" indent="-342900">
+              <a:buFont typeface="Arial" panose="020B0604020202020204" pitchFamily="34" charset="0"/>
+              <a:buChar char="•"/>
+            </a:pPr>
+            <a:r>
+              <a:rPr lang="en-US" dirty="0">
+                <a:solidFill>
+                  <a:schemeClr val="tx1">
+                    <a:lumMod val="85000"/>
+                  </a:schemeClr>
+                </a:solidFill>
+                <a:latin typeface="Open Sans" panose="020B0606030504020204" pitchFamily="34" charset="0"/>
+              </a:rPr>
+              <a:t>The following code declares two int variables, and compares the value.  Since these two variables are pointing to the same value, the </a:t>
+            </a:r>
+            <a:r>
+              <a:rPr lang="en-US" dirty="0" err="1">
+                <a:solidFill>
+                  <a:schemeClr val="tx1">
+                    <a:lumMod val="85000"/>
+                  </a:schemeClr>
+                </a:solidFill>
+                <a:latin typeface="Open Sans" panose="020B0606030504020204" pitchFamily="34" charset="0"/>
+              </a:rPr>
+              <a:t>System.out.println</a:t>
+            </a:r>
+            <a:r>
+              <a:rPr lang="en-US" dirty="0">
+                <a:solidFill>
+                  <a:schemeClr val="tx1">
+                    <a:lumMod val="85000"/>
+                  </a:schemeClr>
+                </a:solidFill>
+                <a:latin typeface="Open Sans" panose="020B0606030504020204" pitchFamily="34" charset="0"/>
+              </a:rPr>
+              <a:t>() will print the following result:  age1 == age2: true</a:t>
+            </a:r>
+          </a:p>
+          <a:p>
+            <a:pPr marL="342900" indent="-342900">
+              <a:buFont typeface="Arial" panose="020B0604020202020204" pitchFamily="34" charset="0"/>
+              <a:buChar char="•"/>
+            </a:pPr>
+            <a:endParaRPr lang="en-US" dirty="0">
+              <a:solidFill>
+                <a:schemeClr val="tx1">
+                  <a:lumMod val="85000"/>
+                </a:schemeClr>
+              </a:solidFill>
+              <a:latin typeface="Open Sans" panose="020B0606030504020204" pitchFamily="34" charset="0"/>
+            </a:endParaRPr>
+          </a:p>
+          <a:p>
+            <a:pPr marL="342900" indent="-342900">
+              <a:buFont typeface="Arial" panose="020B0604020202020204" pitchFamily="34" charset="0"/>
+              <a:buChar char="•"/>
+            </a:pPr>
+            <a:r>
+              <a:rPr lang="en-US" dirty="0">
+                <a:solidFill>
+                  <a:schemeClr val="tx1">
+                    <a:lumMod val="85000"/>
+                  </a:schemeClr>
+                </a:solidFill>
+                <a:latin typeface="Open Sans" panose="020B0606030504020204" pitchFamily="34" charset="0"/>
+              </a:rPr>
+              <a:t>int age1 = 21;</a:t>
+            </a:r>
+          </a:p>
+          <a:p>
+            <a:pPr marL="342900" indent="-342900">
+              <a:buFont typeface="Arial" panose="020B0604020202020204" pitchFamily="34" charset="0"/>
+              <a:buChar char="•"/>
+            </a:pPr>
+            <a:r>
+              <a:rPr lang="en-US" dirty="0">
+                <a:solidFill>
+                  <a:schemeClr val="tx1">
+                    <a:lumMod val="85000"/>
+                  </a:schemeClr>
+                </a:solidFill>
+                <a:latin typeface="Open Sans" panose="020B0606030504020204" pitchFamily="34" charset="0"/>
+              </a:rPr>
+              <a:t>int age2 = 21;</a:t>
+            </a:r>
+          </a:p>
+          <a:p>
+            <a:pPr marL="342900" indent="-342900">
+              <a:buFont typeface="Arial" panose="020B0604020202020204" pitchFamily="34" charset="0"/>
+              <a:buChar char="•"/>
+            </a:pPr>
+            <a:r>
+              <a:rPr lang="en-US" dirty="0" err="1">
+                <a:solidFill>
+                  <a:schemeClr val="tx1">
+                    <a:lumMod val="85000"/>
+                  </a:schemeClr>
+                </a:solidFill>
+                <a:latin typeface="Open Sans" panose="020B0606030504020204" pitchFamily="34" charset="0"/>
+              </a:rPr>
+              <a:t>System.out.println</a:t>
+            </a:r>
+            <a:r>
+              <a:rPr lang="en-US" dirty="0">
+                <a:solidFill>
+                  <a:schemeClr val="tx1">
+                    <a:lumMod val="85000"/>
+                  </a:schemeClr>
+                </a:solidFill>
+                <a:latin typeface="Open Sans" panose="020B0606030504020204" pitchFamily="34" charset="0"/>
+              </a:rPr>
+              <a:t>("age1 == age2: " + (age1 == age2));</a:t>
+            </a:r>
+          </a:p>
+          <a:p>
+            <a:pPr marL="342900" indent="-342900">
+              <a:buFont typeface="Arial" panose="020B0604020202020204" pitchFamily="34" charset="0"/>
+              <a:buChar char="•"/>
+            </a:pPr>
+            <a:endParaRPr lang="en-US" dirty="0">
+              <a:solidFill>
+                <a:schemeClr val="tx1">
+                  <a:lumMod val="85000"/>
+                </a:schemeClr>
+              </a:solidFill>
+              <a:latin typeface="Open Sans" panose="020B0606030504020204" pitchFamily="34" charset="0"/>
+            </a:endParaRPr>
+          </a:p>
+          <a:p>
+            <a:pPr marL="342900" indent="-342900">
+              <a:buFont typeface="Arial" panose="020B0604020202020204" pitchFamily="34" charset="0"/>
+              <a:buChar char="•"/>
+            </a:pPr>
+            <a:endParaRPr lang="en-US" dirty="0">
+              <a:solidFill>
+                <a:schemeClr val="tx1">
+                  <a:lumMod val="85000"/>
+                </a:schemeClr>
+              </a:solidFill>
+              <a:latin typeface="Open Sans" panose="020B0606030504020204" pitchFamily="34" charset="0"/>
+            </a:endParaRPr>
+          </a:p>
+          <a:p>
+            <a:pPr marL="342900" indent="-342900">
+              <a:buFont typeface="Arial" panose="020B0604020202020204" pitchFamily="34" charset="0"/>
+              <a:buChar char="•"/>
+            </a:pPr>
+            <a:r>
+              <a:rPr lang="en-US" dirty="0">
+                <a:solidFill>
+                  <a:schemeClr val="tx1">
+                    <a:lumMod val="85000"/>
+                  </a:schemeClr>
+                </a:solidFill>
+                <a:latin typeface="Open Sans" panose="020B0606030504020204" pitchFamily="34" charset="0"/>
+              </a:rPr>
+              <a:t>Object Equality</a:t>
+            </a:r>
+          </a:p>
+          <a:p>
+            <a:pPr marL="342900" indent="-342900">
+              <a:buFont typeface="Arial" panose="020B0604020202020204" pitchFamily="34" charset="0"/>
+              <a:buChar char="•"/>
+            </a:pPr>
+            <a:endParaRPr lang="en-US" dirty="0">
+              <a:solidFill>
+                <a:schemeClr val="tx1">
+                  <a:lumMod val="85000"/>
+                </a:schemeClr>
+              </a:solidFill>
+              <a:latin typeface="Open Sans" panose="020B0606030504020204" pitchFamily="34" charset="0"/>
+            </a:endParaRPr>
+          </a:p>
+          <a:p>
+            <a:pPr marL="342900" indent="-342900">
+              <a:buFont typeface="Arial" panose="020B0604020202020204" pitchFamily="34" charset="0"/>
+              <a:buChar char="•"/>
+            </a:pPr>
+            <a:r>
+              <a:rPr lang="en-US" dirty="0">
+                <a:solidFill>
+                  <a:schemeClr val="tx1">
+                    <a:lumMod val="85000"/>
+                  </a:schemeClr>
+                </a:solidFill>
+                <a:latin typeface="Open Sans" panose="020B0606030504020204" pitchFamily="34" charset="0"/>
+              </a:rPr>
+              <a:t>Remember that when an Object is instantiated, the programmer has access to all properties and methods that are defined within that Object, through dot-notation.</a:t>
+            </a:r>
+          </a:p>
+          <a:p>
+            <a:pPr marL="342900" indent="-342900">
+              <a:buFont typeface="Arial" panose="020B0604020202020204" pitchFamily="34" charset="0"/>
+              <a:buChar char="•"/>
+            </a:pPr>
+            <a:endParaRPr lang="en-US" dirty="0">
+              <a:solidFill>
+                <a:schemeClr val="tx1">
+                  <a:lumMod val="85000"/>
+                </a:schemeClr>
+              </a:solidFill>
+              <a:latin typeface="Open Sans" panose="020B0606030504020204" pitchFamily="34" charset="0"/>
+            </a:endParaRPr>
+          </a:p>
+          <a:p>
+            <a:pPr marL="342900" indent="-342900">
+              <a:buFont typeface="Arial" panose="020B0604020202020204" pitchFamily="34" charset="0"/>
+              <a:buChar char="•"/>
+            </a:pPr>
+            <a:r>
+              <a:rPr lang="en-US" dirty="0">
+                <a:solidFill>
+                  <a:schemeClr val="tx1">
+                    <a:lumMod val="85000"/>
+                  </a:schemeClr>
+                </a:solidFill>
+                <a:latin typeface="Open Sans" panose="020B0606030504020204" pitchFamily="34" charset="0"/>
+              </a:rPr>
+              <a:t>With the declaration of a new Object, Java creates that object as its own instance in memory.  Even if two Objects are created with the same exact content, the Objects themselves will be created as two separate instances in memory.  The point here is that each instance has its own location in memory, and the location is not the same, even if the values within the fields are the same.</a:t>
+            </a:r>
+          </a:p>
+          <a:p>
+            <a:pPr marL="342900" indent="-342900">
+              <a:buFont typeface="Arial" panose="020B0604020202020204" pitchFamily="34" charset="0"/>
+              <a:buChar char="•"/>
+            </a:pPr>
+            <a:endParaRPr lang="en-US" dirty="0">
+              <a:solidFill>
+                <a:schemeClr val="tx1">
+                  <a:lumMod val="85000"/>
+                </a:schemeClr>
+              </a:solidFill>
+              <a:latin typeface="Open Sans" panose="020B0606030504020204" pitchFamily="34" charset="0"/>
+            </a:endParaRPr>
+          </a:p>
+          <a:p>
+            <a:pPr marL="342900" indent="-342900">
+              <a:buFont typeface="Arial" panose="020B0604020202020204" pitchFamily="34" charset="0"/>
+              <a:buChar char="•"/>
+            </a:pPr>
+            <a:r>
+              <a:rPr lang="en-US" dirty="0">
+                <a:solidFill>
+                  <a:schemeClr val="tx1">
+                    <a:lumMod val="85000"/>
+                  </a:schemeClr>
+                </a:solidFill>
+                <a:latin typeface="Open Sans" panose="020B0606030504020204" pitchFamily="34" charset="0"/>
+              </a:rPr>
+              <a:t>Let's look at our Grade Book Example above.   Imagine that we instantiate two students using the Student() Constructor as follows:</a:t>
+            </a:r>
+          </a:p>
+          <a:p>
+            <a:pPr marL="342900" indent="-342900">
+              <a:buFont typeface="Arial" panose="020B0604020202020204" pitchFamily="34" charset="0"/>
+              <a:buChar char="•"/>
+            </a:pPr>
+            <a:endParaRPr lang="en-US" dirty="0">
+              <a:solidFill>
+                <a:schemeClr val="tx1">
+                  <a:lumMod val="85000"/>
+                </a:schemeClr>
+              </a:solidFill>
+              <a:latin typeface="Open Sans" panose="020B0606030504020204" pitchFamily="34" charset="0"/>
+            </a:endParaRPr>
+          </a:p>
+          <a:p>
+            <a:pPr marL="342900" indent="-342900">
+              <a:buFont typeface="Arial" panose="020B0604020202020204" pitchFamily="34" charset="0"/>
+              <a:buChar char="•"/>
+            </a:pPr>
+            <a:r>
+              <a:rPr lang="en-US" dirty="0">
+                <a:solidFill>
+                  <a:schemeClr val="tx1">
+                    <a:lumMod val="85000"/>
+                  </a:schemeClr>
+                </a:solidFill>
+                <a:latin typeface="Open Sans" panose="020B0606030504020204" pitchFamily="34" charset="0"/>
+              </a:rPr>
+              <a:t>int[] grades = { 100, 100, 100 };</a:t>
+            </a:r>
+          </a:p>
+          <a:p>
+            <a:pPr marL="342900" indent="-342900">
+              <a:buFont typeface="Arial" panose="020B0604020202020204" pitchFamily="34" charset="0"/>
+              <a:buChar char="•"/>
+            </a:pPr>
+            <a:r>
+              <a:rPr lang="en-US" dirty="0">
+                <a:solidFill>
+                  <a:schemeClr val="tx1">
+                    <a:lumMod val="85000"/>
+                  </a:schemeClr>
+                </a:solidFill>
+                <a:latin typeface="Open Sans" panose="020B0606030504020204" pitchFamily="34" charset="0"/>
+              </a:rPr>
+              <a:t>Student student1 = new Student("Molly Mack", grades);</a:t>
+            </a:r>
+          </a:p>
+          <a:p>
+            <a:pPr marL="342900" indent="-342900">
+              <a:buFont typeface="Arial" panose="020B0604020202020204" pitchFamily="34" charset="0"/>
+              <a:buChar char="•"/>
+            </a:pPr>
+            <a:r>
+              <a:rPr lang="en-US" dirty="0">
+                <a:solidFill>
+                  <a:schemeClr val="tx1">
+                    <a:lumMod val="85000"/>
+                  </a:schemeClr>
+                </a:solidFill>
+                <a:latin typeface="Open Sans" panose="020B0606030504020204" pitchFamily="34" charset="0"/>
+              </a:rPr>
+              <a:t>Student student2 = new Student("Molly Mack", grades);</a:t>
+            </a:r>
+          </a:p>
+          <a:p>
+            <a:pPr marL="342900" indent="-342900">
+              <a:buFont typeface="Arial" panose="020B0604020202020204" pitchFamily="34" charset="0"/>
+              <a:buChar char="•"/>
+            </a:pPr>
+            <a:endParaRPr lang="en-US" dirty="0">
+              <a:solidFill>
+                <a:schemeClr val="tx1">
+                  <a:lumMod val="85000"/>
+                </a:schemeClr>
+              </a:solidFill>
+              <a:latin typeface="Open Sans" panose="020B0606030504020204" pitchFamily="34" charset="0"/>
+            </a:endParaRPr>
+          </a:p>
+          <a:p>
+            <a:pPr marL="342900" indent="-342900">
+              <a:buFont typeface="Arial" panose="020B0604020202020204" pitchFamily="34" charset="0"/>
+              <a:buChar char="•"/>
+            </a:pPr>
+            <a:r>
+              <a:rPr lang="en-US" dirty="0">
+                <a:solidFill>
+                  <a:schemeClr val="tx1">
+                    <a:lumMod val="85000"/>
+                  </a:schemeClr>
+                </a:solidFill>
+                <a:latin typeface="Open Sans" panose="020B0606030504020204" pitchFamily="34" charset="0"/>
+              </a:rPr>
+              <a:t>Notice that the data is exactly the same, but we are creating two distinct Objects by using the new keyword.  So, if we run the following comparisons, the results will be reflect that the student1 Object is not the same as the student2 Object, because their locations in memory are distinct.   These are Objects, not Primitive Datatypes.  The only one of the following examples that will be true is when we compare the student1.fullName to "Molly Mack" with the .equals() method.</a:t>
+            </a:r>
+          </a:p>
         </p:txBody>
       </p:sp>
-      <p:pic>
-        <p:nvPicPr>
-          <p:cNvPr id="4" name="Picture 3">
+    </p:spTree>
+    <p:extLst>
+      <p:ext uri="{BB962C8B-B14F-4D97-AF65-F5344CB8AC3E}">
+        <p14:creationId xmlns:p14="http://schemas.microsoft.com/office/powerpoint/2010/main" val="1885158462"/>
+      </p:ext>
+    </p:extLst>
+  </p:cSld>
+  <p:clrMapOvr>
+    <a:masterClrMapping/>
+  </p:clrMapOvr>
+</p:sld>
+</file>
+
+<file path=ppt/slides/slide13.xml><?xml version="1.0" encoding="utf-8"?>
+<p:sld xmlns:a="http://schemas.openxmlformats.org/drawingml/2006/main" xmlns:r="http://schemas.openxmlformats.org/officeDocument/2006/relationships" xmlns:p="http://schemas.openxmlformats.org/presentationml/2006/main">
+  <p:cSld>
+    <p:spTree>
+      <p:nvGrpSpPr>
+        <p:cNvPr id="1" name=""/>
+        <p:cNvGrpSpPr/>
+        <p:nvPr/>
+      </p:nvGrpSpPr>
+      <p:grpSpPr>
+        <a:xfrm>
+          <a:off x="0" y="0"/>
+          <a:ext cx="0" cy="0"/>
+          <a:chOff x="0" y="0"/>
+          <a:chExt cx="0" cy="0"/>
+        </a:xfrm>
+      </p:grpSpPr>
+      <p:sp>
+        <p:nvSpPr>
+          <p:cNvPr id="3" name="TextBox 2">
             <a:extLst>
               <a:ext uri="{FF2B5EF4-FFF2-40B4-BE49-F238E27FC236}">
-                <a16:creationId xmlns:a16="http://schemas.microsoft.com/office/drawing/2014/main" id="{7C9F3104-C66F-0189-6D64-A0BDCF1B495F}"/>
-              </a:ext>
-            </a:extLst>
-          </p:cNvPr>
-          <p:cNvPicPr>
-            <a:picLocks noChangeAspect="1"/>
-          </p:cNvPicPr>
-          <p:nvPr/>
-        </p:nvPicPr>
-        <p:blipFill>
-          <a:blip r:embed="rId2"/>
-          <a:stretch>
-            <a:fillRect/>
-          </a:stretch>
-        </p:blipFill>
-        <p:spPr>
-          <a:xfrm>
-            <a:off x="6294728" y="827507"/>
-            <a:ext cx="5748445" cy="4143375"/>
-          </a:xfrm>
-          <a:prstGeom prst="rect">
-            <a:avLst/>
-          </a:prstGeom>
-        </p:spPr>
-      </p:pic>
-      <p:sp>
-        <p:nvSpPr>
-          <p:cNvPr id="8" name="TextBox 7">
-            <a:extLst>
-              <a:ext uri="{FF2B5EF4-FFF2-40B4-BE49-F238E27FC236}">
-                <a16:creationId xmlns:a16="http://schemas.microsoft.com/office/drawing/2014/main" id="{ECD506A8-B7B8-3E79-FA2D-BD62C204B827}"/>
+                <a16:creationId xmlns:a16="http://schemas.microsoft.com/office/drawing/2014/main" id="{23DFC7E9-54DD-38D7-0B9B-D34948D68CF9}"/>
               </a:ext>
             </a:extLst>
           </p:cNvPr>
@@ -5584,8 +5803,8 @@
         </p:nvSpPr>
         <p:spPr>
           <a:xfrm>
-            <a:off x="167780" y="5603252"/>
-            <a:ext cx="11774725" cy="1138773"/>
+            <a:off x="1065401" y="2618895"/>
+            <a:ext cx="9538284" cy="1015663"/>
           </a:xfrm>
           <a:prstGeom prst="rect">
             <a:avLst/>
@@ -5598,52 +5817,49 @@
           </a:bodyPr>
           <a:lstStyle/>
           <a:p>
-            <a:r>
-              <a:rPr lang="en-US" sz="1600" i="1" dirty="0">
-                <a:latin typeface="Open Sans" panose="020B0606030504020204" pitchFamily="34" charset="0"/>
-                <a:ea typeface="Open Sans" panose="020B0606030504020204" pitchFamily="34" charset="0"/>
-                <a:cs typeface="Open Sans" panose="020B0606030504020204" pitchFamily="34" charset="0"/>
-              </a:rPr>
-              <a:t>** Note:  this method of interacting with a user is a temporary method for the purpose of being able to receive user input and is not the recommended way in live, production code to interact with users.  We will learn additional ways later on.</a:t>
-            </a:r>
-          </a:p>
-          <a:p>
-            <a:pPr marL="342900" indent="-342900">
-              <a:buFont typeface="Arial" panose="020B0604020202020204" pitchFamily="34" charset="0"/>
-              <a:buChar char="•"/>
+            <a:pPr marL="0" marR="0" lvl="0" indent="0" algn="l" defTabSz="914400" rtl="0" eaLnBrk="1" fontAlgn="auto" latinLnBrk="0" hangingPunct="1">
+              <a:lnSpc>
+                <a:spcPct val="100000"/>
+              </a:lnSpc>
+              <a:spcBef>
+                <a:spcPts val="0"/>
+              </a:spcBef>
+              <a:spcAft>
+                <a:spcPts val="0"/>
+              </a:spcAft>
+              <a:buClrTx/>
+              <a:buSzTx/>
+              <a:buFontTx/>
+              <a:buNone/>
+              <a:tabLst/>
+              <a:defRPr/>
             </a:pPr>
-            <a:endParaRPr lang="en-US" dirty="0"/>
-          </a:p>
-          <a:p>
-            <a:pPr algn="l" rtl="0"/>
-            <a:r>
-              <a:rPr lang="en-US" dirty="0">
-                <a:solidFill>
-                  <a:schemeClr val="tx1">
-                    <a:lumMod val="85000"/>
-                  </a:schemeClr>
-                </a:solidFill>
-                <a:latin typeface="Open Sans" panose="020B0606030504020204" pitchFamily="34" charset="0"/>
-                <a:hlinkClick r:id="rId3"/>
-              </a:rPr>
-              <a:t>Content Link in LMS</a:t>
-            </a:r>
-            <a:endParaRPr lang="en-US" b="0" i="0" dirty="0">
-              <a:solidFill>
-                <a:schemeClr val="tx1">
-                  <a:lumMod val="85000"/>
-                </a:schemeClr>
-              </a:solidFill>
-              <a:effectLst/>
-              <a:latin typeface="Open Sans" panose="020B0606030504020204" pitchFamily="34" charset="0"/>
-            </a:endParaRPr>
+            <a:r>
+              <a:rPr kumimoji="0" lang="en-US" sz="6000" b="0" i="0" u="none" strike="noStrike" kern="1200" cap="none" spc="0" normalizeH="0" baseline="0" noProof="0" dirty="0">
+                <a:ln>
+                  <a:noFill/>
+                </a:ln>
+                <a:solidFill>
+                  <a:prstClr val="white">
+                    <a:lumMod val="75000"/>
+                  </a:prstClr>
+                </a:solidFill>
+                <a:effectLst/>
+                <a:uLnTx/>
+                <a:uFillTx/>
+                <a:latin typeface="Open Sans" panose="020B0606030504020204" pitchFamily="34" charset="0"/>
+                <a:ea typeface="+mn-ea"/>
+                <a:cs typeface="+mn-cs"/>
+              </a:rPr>
+              <a:t>Menu-Driven Applications</a:t>
+            </a:r>
           </a:p>
         </p:txBody>
       </p:sp>
     </p:spTree>
     <p:extLst>
       <p:ext uri="{BB962C8B-B14F-4D97-AF65-F5344CB8AC3E}">
-        <p14:creationId xmlns:p14="http://schemas.microsoft.com/office/powerpoint/2010/main" val="1885158462"/>
+        <p14:creationId xmlns:p14="http://schemas.microsoft.com/office/powerpoint/2010/main" val="1155090792"/>
       </p:ext>
     </p:extLst>
   </p:cSld>
@@ -5706,7 +5922,7 @@
                 </a:solidFill>
                 <a:latin typeface="Open Sans" panose="020B0606030504020204" pitchFamily="34" charset="0"/>
               </a:rPr>
-              <a:t>Coding Challenge</a:t>
+              <a:t>Menu-Driven Applications</a:t>
             </a:r>
             <a:endParaRPr lang="en-US" sz="2400" b="1" dirty="0">
               <a:solidFill>
@@ -5733,7 +5949,7 @@
         <p:spPr>
           <a:xfrm>
             <a:off x="240935" y="539403"/>
-            <a:ext cx="11449344" cy="677108"/>
+            <a:ext cx="11612709" cy="6186309"/>
           </a:xfrm>
           <a:prstGeom prst="rect">
             <a:avLst/>
@@ -5746,8 +5962,118 @@
           </a:bodyPr>
           <a:lstStyle/>
           <a:p>
-            <a:pPr algn="l" rtl="0"/>
-            <a:endParaRPr lang="en-US" sz="2000" b="0" i="0" dirty="0">
+            <a:pPr algn="l"/>
+            <a:r>
+              <a:rPr lang="en-US" b="1" i="0" dirty="0">
+                <a:solidFill>
+                  <a:schemeClr val="tx1">
+                    <a:lumMod val="85000"/>
+                  </a:schemeClr>
+                </a:solidFill>
+                <a:effectLst/>
+                <a:latin typeface="Open Sans" panose="020B0606030504020204" pitchFamily="34" charset="0"/>
+              </a:rPr>
+              <a:t>Menu-driven Applications</a:t>
+            </a:r>
+            <a:r>
+              <a:rPr lang="en-US" b="0" i="0" dirty="0">
+                <a:solidFill>
+                  <a:schemeClr val="tx1">
+                    <a:lumMod val="85000"/>
+                  </a:schemeClr>
+                </a:solidFill>
+                <a:effectLst/>
+                <a:latin typeface="Open Sans" panose="020B0606030504020204" pitchFamily="34" charset="0"/>
+              </a:rPr>
+              <a:t> are very useful in the coding world.  </a:t>
+            </a:r>
+            <a:r>
+              <a:rPr lang="en-US" b="0" i="0" dirty="0">
+                <a:solidFill>
+                  <a:srgbClr val="00B0F0"/>
+                </a:solidFill>
+                <a:effectLst/>
+                <a:latin typeface="Open Sans" panose="020B0606030504020204" pitchFamily="34" charset="0"/>
+              </a:rPr>
+              <a:t>They allow a program to receive data directly from a user.  </a:t>
+            </a:r>
+            <a:r>
+              <a:rPr lang="en-US" b="0" i="0" dirty="0">
+                <a:solidFill>
+                  <a:schemeClr val="tx1">
+                    <a:lumMod val="85000"/>
+                  </a:schemeClr>
+                </a:solidFill>
+                <a:effectLst/>
+                <a:latin typeface="Open Sans" panose="020B0606030504020204" pitchFamily="34" charset="0"/>
+              </a:rPr>
+              <a:t>The user is provided a menu, and then is instructed to select an option from that menu.  The chosen option will be used by the program to execute a code path (or branch) specific to that option.</a:t>
+            </a:r>
+          </a:p>
+          <a:p>
+            <a:pPr algn="l"/>
+            <a:r>
+              <a:rPr lang="en-US" b="0" i="0" dirty="0">
+                <a:solidFill>
+                  <a:schemeClr val="tx1">
+                    <a:lumMod val="85000"/>
+                  </a:schemeClr>
+                </a:solidFill>
+                <a:effectLst/>
+                <a:latin typeface="Open Sans" panose="020B0606030504020204" pitchFamily="34" charset="0"/>
+              </a:rPr>
+              <a:t>In the Back End, the menus we create are text based.  Adding a Client, or Front End program, which reads in user data, and then communicates to a Back End Server could provide a graphical user interface for the Menu.</a:t>
+            </a:r>
+          </a:p>
+          <a:p>
+            <a:pPr algn="l"/>
+            <a:r>
+              <a:rPr lang="en-US" b="1" i="0" dirty="0">
+                <a:solidFill>
+                  <a:schemeClr val="tx1">
+                    <a:lumMod val="85000"/>
+                  </a:schemeClr>
+                </a:solidFill>
+                <a:effectLst/>
+                <a:latin typeface="Open Sans" panose="020B0606030504020204" pitchFamily="34" charset="0"/>
+              </a:rPr>
+              <a:t>Menu-driven applications</a:t>
+            </a:r>
+            <a:r>
+              <a:rPr lang="en-US" b="0" i="0" dirty="0">
+                <a:solidFill>
+                  <a:schemeClr val="tx1">
+                    <a:lumMod val="85000"/>
+                  </a:schemeClr>
+                </a:solidFill>
+                <a:effectLst/>
+                <a:latin typeface="Open Sans" panose="020B0606030504020204" pitchFamily="34" charset="0"/>
+              </a:rPr>
+              <a:t> are used in a variety of industries, including but not limited to computing, application development, banking (ATMs), websites, tablets, self-guided machines, word-processors, gaming, and more</a:t>
+            </a:r>
+            <a:br>
+              <a:rPr lang="en-US" b="0" i="0" dirty="0">
+                <a:solidFill>
+                  <a:schemeClr val="tx1">
+                    <a:lumMod val="85000"/>
+                  </a:schemeClr>
+                </a:solidFill>
+                <a:effectLst/>
+                <a:latin typeface="Open Sans" panose="020B0606030504020204" pitchFamily="34" charset="0"/>
+              </a:rPr>
+            </a:br>
+            <a:br>
+              <a:rPr lang="en-US" b="1" i="0" dirty="0">
+                <a:solidFill>
+                  <a:schemeClr val="tx1">
+                    <a:lumMod val="85000"/>
+                  </a:schemeClr>
+                </a:solidFill>
+                <a:effectLst/>
+                <a:latin typeface="Open Sans" panose="020B0606030504020204" pitchFamily="34" charset="0"/>
+              </a:rPr>
+            </a:br>
+            <a:endParaRPr lang="en-US" b="0" i="0" dirty="0">
               <a:solidFill>
                 <a:schemeClr val="tx1">
                   <a:lumMod val="85000"/>
@@ -5756,6 +6082,191 @@
               <a:effectLst/>
               <a:latin typeface="Open Sans" panose="020B0606030504020204" pitchFamily="34" charset="0"/>
             </a:endParaRPr>
+          </a:p>
+          <a:p>
+            <a:pPr algn="l"/>
+            <a:r>
+              <a:rPr lang="en-US" b="1" i="0" u="sng" dirty="0">
+                <a:solidFill>
+                  <a:schemeClr val="tx1">
+                    <a:lumMod val="85000"/>
+                  </a:schemeClr>
+                </a:solidFill>
+                <a:effectLst/>
+                <a:latin typeface="Open Sans" panose="020B0606030504020204" pitchFamily="34" charset="0"/>
+              </a:rPr>
+              <a:t>Menu-Driven Application</a:t>
+            </a:r>
+            <a:r>
+              <a:rPr lang="en-US" b="0" i="0" dirty="0">
+                <a:solidFill>
+                  <a:schemeClr val="tx1">
+                    <a:lumMod val="85000"/>
+                  </a:schemeClr>
+                </a:solidFill>
+                <a:effectLst/>
+                <a:latin typeface="Open Sans" panose="020B0606030504020204" pitchFamily="34" charset="0"/>
+              </a:rPr>
+              <a:t>:</a:t>
+            </a:r>
+          </a:p>
+          <a:p>
+            <a:pPr algn="l"/>
+            <a:r>
+              <a:rPr lang="en-US" b="0" i="0" u="sng" dirty="0">
+                <a:solidFill>
+                  <a:schemeClr val="tx1">
+                    <a:lumMod val="85000"/>
+                  </a:schemeClr>
+                </a:solidFill>
+                <a:effectLst/>
+                <a:latin typeface="Open Sans" panose="020B0606030504020204" pitchFamily="34" charset="0"/>
+              </a:rPr>
+              <a:t>Advantages</a:t>
+            </a:r>
+            <a:r>
+              <a:rPr lang="en-US" b="0" i="0" dirty="0">
+                <a:solidFill>
+                  <a:schemeClr val="tx1">
+                    <a:lumMod val="85000"/>
+                  </a:schemeClr>
+                </a:solidFill>
+                <a:effectLst/>
+                <a:latin typeface="Open Sans" panose="020B0606030504020204" pitchFamily="34" charset="0"/>
+              </a:rPr>
+              <a:t>:</a:t>
+            </a:r>
+          </a:p>
+          <a:p>
+            <a:pPr algn="l">
+              <a:buFont typeface="Arial" panose="020B0604020202020204" pitchFamily="34" charset="0"/>
+              <a:buChar char="•"/>
+            </a:pPr>
+            <a:r>
+              <a:rPr lang="en-US" b="0" i="0" dirty="0">
+                <a:solidFill>
+                  <a:schemeClr val="tx1">
+                    <a:lumMod val="85000"/>
+                  </a:schemeClr>
+                </a:solidFill>
+                <a:effectLst/>
+                <a:latin typeface="Open Sans" panose="020B0606030504020204" pitchFamily="34" charset="0"/>
+              </a:rPr>
+              <a:t>User-friendly</a:t>
+            </a:r>
+          </a:p>
+          <a:p>
+            <a:pPr algn="l"/>
+            <a:r>
+              <a:rPr lang="en-US" b="0" i="0" dirty="0">
+                <a:solidFill>
+                  <a:schemeClr val="tx1">
+                    <a:lumMod val="85000"/>
+                  </a:schemeClr>
+                </a:solidFill>
+                <a:effectLst/>
+                <a:latin typeface="Open Sans" panose="020B0606030504020204" pitchFamily="34" charset="0"/>
+              </a:rPr>
+              <a:t>- Provide guidance to the user</a:t>
+            </a:r>
+          </a:p>
+          <a:p>
+            <a:pPr algn="l"/>
+            <a:r>
+              <a:rPr lang="en-US" b="0" i="0" dirty="0">
+                <a:solidFill>
+                  <a:schemeClr val="tx1">
+                    <a:lumMod val="85000"/>
+                  </a:schemeClr>
+                </a:solidFill>
+                <a:effectLst/>
+                <a:latin typeface="Open Sans" panose="020B0606030504020204" pitchFamily="34" charset="0"/>
+              </a:rPr>
+              <a:t>- No need for a user to remember commands</a:t>
+            </a:r>
+          </a:p>
+          <a:p>
+            <a:pPr algn="l">
+              <a:buFont typeface="Arial" panose="020B0604020202020204" pitchFamily="34" charset="0"/>
+              <a:buChar char="•"/>
+            </a:pPr>
+            <a:r>
+              <a:rPr lang="en-US" b="0" i="0" dirty="0">
+                <a:solidFill>
+                  <a:schemeClr val="tx1">
+                    <a:lumMod val="85000"/>
+                  </a:schemeClr>
+                </a:solidFill>
+                <a:effectLst/>
+                <a:latin typeface="Open Sans" panose="020B0606030504020204" pitchFamily="34" charset="0"/>
+              </a:rPr>
+              <a:t>Allow a user to control how and in what order a program executes</a:t>
+            </a:r>
+            <a:br>
+              <a:rPr lang="en-US" b="0" i="0" dirty="0">
+                <a:solidFill>
+                  <a:schemeClr val="tx1">
+                    <a:lumMod val="85000"/>
+                  </a:schemeClr>
+                </a:solidFill>
+                <a:effectLst/>
+                <a:latin typeface="Open Sans" panose="020B0606030504020204" pitchFamily="34" charset="0"/>
+              </a:rPr>
+            </a:br>
+            <a:endParaRPr lang="en-US" b="0" i="0" dirty="0">
+              <a:solidFill>
+                <a:schemeClr val="tx1">
+                  <a:lumMod val="85000"/>
+                </a:schemeClr>
+              </a:solidFill>
+              <a:effectLst/>
+              <a:latin typeface="Open Sans" panose="020B0606030504020204" pitchFamily="34" charset="0"/>
+            </a:endParaRPr>
+          </a:p>
+          <a:p>
+            <a:pPr algn="l"/>
+            <a:r>
+              <a:rPr lang="en-US" b="0" i="0" u="sng" dirty="0">
+                <a:solidFill>
+                  <a:schemeClr val="tx1">
+                    <a:lumMod val="85000"/>
+                  </a:schemeClr>
+                </a:solidFill>
+                <a:effectLst/>
+                <a:latin typeface="Open Sans" panose="020B0606030504020204" pitchFamily="34" charset="0"/>
+              </a:rPr>
+              <a:t>Disadvantages</a:t>
+            </a:r>
+            <a:r>
+              <a:rPr lang="en-US" b="0" i="0" dirty="0">
+                <a:solidFill>
+                  <a:schemeClr val="tx1">
+                    <a:lumMod val="85000"/>
+                  </a:schemeClr>
+                </a:solidFill>
+                <a:effectLst/>
+                <a:latin typeface="Open Sans" panose="020B0606030504020204" pitchFamily="34" charset="0"/>
+              </a:rPr>
+              <a:t>:</a:t>
+            </a:r>
+          </a:p>
+          <a:p>
+            <a:pPr algn="l">
+              <a:buFont typeface="Arial" panose="020B0604020202020204" pitchFamily="34" charset="0"/>
+              <a:buChar char="•"/>
+            </a:pPr>
+            <a:r>
+              <a:rPr lang="en-US" b="0" i="0" dirty="0">
+                <a:solidFill>
+                  <a:schemeClr val="tx1">
+                    <a:lumMod val="85000"/>
+                  </a:schemeClr>
+                </a:solidFill>
+                <a:effectLst/>
+                <a:latin typeface="Open Sans" panose="020B0606030504020204" pitchFamily="34" charset="0"/>
+              </a:rPr>
+              <a:t>Difficulty finding content, especially with nested sub-menus</a:t>
+            </a:r>
           </a:p>
           <a:p>
             <a:pPr marL="342900" indent="-342900">
@@ -5773,42 +6284,12 @@
           </a:p>
         </p:txBody>
       </p:sp>
-      <p:pic>
-        <p:nvPicPr>
-          <p:cNvPr id="3" name="Picture 2">
+      <p:sp>
+        <p:nvSpPr>
+          <p:cNvPr id="3" name="TextBox 2">
             <a:extLst>
               <a:ext uri="{FF2B5EF4-FFF2-40B4-BE49-F238E27FC236}">
-                <a16:creationId xmlns:a16="http://schemas.microsoft.com/office/drawing/2014/main" id="{49B9E586-0F7D-D4D2-6C77-8141EF05DCB2}"/>
-              </a:ext>
-            </a:extLst>
-          </p:cNvPr>
-          <p:cNvPicPr>
-            <a:picLocks noChangeAspect="1"/>
-          </p:cNvPicPr>
-          <p:nvPr/>
-        </p:nvPicPr>
-        <p:blipFill>
-          <a:blip r:embed="rId2"/>
-          <a:stretch>
-            <a:fillRect/>
-          </a:stretch>
-        </p:blipFill>
-        <p:spPr>
-          <a:xfrm>
-            <a:off x="5599768" y="490119"/>
-            <a:ext cx="6090511" cy="5113133"/>
-          </a:xfrm>
-          <a:prstGeom prst="rect">
-            <a:avLst/>
-          </a:prstGeom>
-        </p:spPr>
-      </p:pic>
-      <p:sp>
-        <p:nvSpPr>
-          <p:cNvPr id="7" name="TextBox 6">
-            <a:extLst>
-              <a:ext uri="{FF2B5EF4-FFF2-40B4-BE49-F238E27FC236}">
-                <a16:creationId xmlns:a16="http://schemas.microsoft.com/office/drawing/2014/main" id="{0D7B1AC9-AF0D-D1E4-1224-879BDBE1A34A}"/>
+                <a16:creationId xmlns:a16="http://schemas.microsoft.com/office/drawing/2014/main" id="{FF9F9172-C924-1C79-FA1B-3659223D7D26}"/>
               </a:ext>
             </a:extLst>
           </p:cNvPr>
@@ -5817,8 +6298,8 @@
         </p:nvSpPr>
         <p:spPr>
           <a:xfrm>
-            <a:off x="240935" y="539403"/>
-            <a:ext cx="5258165" cy="4062651"/>
+            <a:off x="6528732" y="6499682"/>
+            <a:ext cx="5568193" cy="307777"/>
           </a:xfrm>
           <a:prstGeom prst="rect">
             <a:avLst/>
@@ -5831,217 +6312,20 @@
           </a:bodyPr>
           <a:lstStyle/>
           <a:p>
-            <a:pPr algn="l" rtl="0"/>
-            <a:r>
-              <a:rPr lang="en-US" sz="2000" b="0" i="0" dirty="0">
-                <a:solidFill>
-                  <a:schemeClr val="tx1">
-                    <a:lumMod val="85000"/>
-                  </a:schemeClr>
-                </a:solidFill>
-                <a:effectLst/>
-                <a:latin typeface="Open Sans" panose="020B0606030504020204" pitchFamily="34" charset="0"/>
-              </a:rPr>
-              <a:t>Try the coding challenge from the </a:t>
-            </a:r>
-            <a:r>
-              <a:rPr lang="en-US" sz="2000" b="0" i="0" dirty="0">
-                <a:solidFill>
-                  <a:schemeClr val="tx1">
-                    <a:lumMod val="85000"/>
-                  </a:schemeClr>
-                </a:solidFill>
-                <a:effectLst/>
-                <a:latin typeface="Open Sans" panose="020B0606030504020204" pitchFamily="34" charset="0"/>
-                <a:hlinkClick r:id="rId3"/>
-              </a:rPr>
-              <a:t>User Input page</a:t>
-            </a:r>
-            <a:r>
-              <a:rPr lang="en-US" sz="2000" b="0" i="0" dirty="0">
-                <a:solidFill>
-                  <a:schemeClr val="tx1">
-                    <a:lumMod val="85000"/>
-                  </a:schemeClr>
-                </a:solidFill>
-                <a:effectLst/>
-                <a:latin typeface="Open Sans" panose="020B0606030504020204" pitchFamily="34" charset="0"/>
-              </a:rPr>
-              <a:t> in the LMS</a:t>
-            </a:r>
-          </a:p>
-          <a:p>
-            <a:pPr algn="l" rtl="0"/>
-            <a:endParaRPr lang="en-US" sz="2000" dirty="0">
-              <a:solidFill>
-                <a:schemeClr val="tx1">
-                  <a:lumMod val="85000"/>
-                </a:schemeClr>
-              </a:solidFill>
-              <a:latin typeface="Open Sans" panose="020B0606030504020204" pitchFamily="34" charset="0"/>
-            </a:endParaRPr>
-          </a:p>
-          <a:p>
-            <a:pPr algn="l" rtl="0"/>
-            <a:r>
-              <a:rPr lang="en-US" sz="2000" b="0" i="0" dirty="0">
-                <a:solidFill>
-                  <a:schemeClr val="tx1">
-                    <a:lumMod val="85000"/>
-                  </a:schemeClr>
-                </a:solidFill>
-                <a:effectLst/>
-                <a:latin typeface="Open Sans" panose="020B0606030504020204" pitchFamily="34" charset="0"/>
-              </a:rPr>
-              <a:t>Take the </a:t>
-            </a:r>
-            <a:r>
-              <a:rPr lang="en-US" sz="2000" b="0" i="0" dirty="0">
-                <a:solidFill>
-                  <a:schemeClr val="tx1">
-                    <a:lumMod val="85000"/>
-                  </a:schemeClr>
-                </a:solidFill>
-                <a:effectLst/>
-                <a:latin typeface="Open Sans" panose="020B0606030504020204" pitchFamily="34" charset="0"/>
-                <a:hlinkClick r:id="rId4"/>
-              </a:rPr>
-              <a:t>login code example</a:t>
-            </a:r>
-            <a:r>
-              <a:rPr lang="en-US" sz="2000" b="0" i="0" dirty="0">
-                <a:solidFill>
-                  <a:schemeClr val="tx1">
-                    <a:lumMod val="85000"/>
-                  </a:schemeClr>
-                </a:solidFill>
-                <a:effectLst/>
-                <a:latin typeface="Open Sans" panose="020B0606030504020204" pitchFamily="34" charset="0"/>
-              </a:rPr>
-              <a:t> with while loop and enhance it</a:t>
-            </a:r>
-          </a:p>
-          <a:p>
-            <a:pPr algn="l" rtl="0"/>
-            <a:endParaRPr lang="en-US" sz="2000" dirty="0">
-              <a:solidFill>
-                <a:schemeClr val="tx1">
-                  <a:lumMod val="85000"/>
-                </a:schemeClr>
-              </a:solidFill>
-              <a:latin typeface="Open Sans" panose="020B0606030504020204" pitchFamily="34" charset="0"/>
-            </a:endParaRPr>
-          </a:p>
-          <a:p>
-            <a:pPr algn="l" rtl="0"/>
-            <a:r>
-              <a:rPr lang="en-US" sz="2000" b="0" i="0" dirty="0">
-                <a:solidFill>
-                  <a:schemeClr val="tx1">
-                    <a:lumMod val="85000"/>
-                  </a:schemeClr>
-                </a:solidFill>
-                <a:effectLst/>
-                <a:latin typeface="Open Sans" panose="020B0606030504020204" pitchFamily="34" charset="0"/>
-              </a:rPr>
-              <a:t>Add a </a:t>
-            </a:r>
-            <a:r>
-              <a:rPr lang="en-US" sz="2000" b="0" i="0" dirty="0">
-                <a:solidFill>
-                  <a:srgbClr val="00B0F0"/>
-                </a:solidFill>
-                <a:effectLst/>
-                <a:latin typeface="Open Sans" panose="020B0606030504020204" pitchFamily="34" charset="0"/>
-              </a:rPr>
-              <a:t>login retry attempt count</a:t>
-            </a:r>
-            <a:r>
-              <a:rPr lang="en-US" sz="2000" b="0" i="0" dirty="0">
-                <a:solidFill>
-                  <a:schemeClr val="tx1">
-                    <a:lumMod val="85000"/>
-                  </a:schemeClr>
-                </a:solidFill>
-                <a:effectLst/>
-                <a:latin typeface="Open Sans" panose="020B0606030504020204" pitchFamily="34" charset="0"/>
-              </a:rPr>
-              <a:t> that would enable the user to only enter the incorrect credentials a certain number of times before displaying a message like "You are locked out!" and ending the loop. </a:t>
-            </a:r>
-          </a:p>
-          <a:p>
-            <a:pPr algn="l" rtl="0"/>
-            <a:r>
-              <a:rPr lang="en-US" sz="2000" b="0" i="0" dirty="0">
-                <a:solidFill>
-                  <a:schemeClr val="tx1">
-                    <a:lumMod val="85000"/>
-                  </a:schemeClr>
-                </a:solidFill>
-                <a:effectLst/>
-                <a:latin typeface="Open Sans" panose="020B0606030504020204" pitchFamily="34" charset="0"/>
-              </a:rPr>
-              <a:t> </a:t>
-            </a:r>
-          </a:p>
-          <a:p>
-            <a:pPr marL="342900" indent="-342900">
-              <a:buFont typeface="Arial" panose="020B0604020202020204" pitchFamily="34" charset="0"/>
-              <a:buChar char="•"/>
-            </a:pPr>
-            <a:endParaRPr lang="en-US" dirty="0">
-              <a:solidFill>
-                <a:schemeClr val="tx1">
-                  <a:lumMod val="85000"/>
-                </a:schemeClr>
-              </a:solidFill>
-              <a:latin typeface="Open Sans" panose="020B0606030504020204" pitchFamily="34" charset="0"/>
-            </a:endParaRPr>
-          </a:p>
-        </p:txBody>
-      </p:sp>
-      <p:sp>
-        <p:nvSpPr>
-          <p:cNvPr id="10" name="TextBox 9">
-            <a:extLst>
-              <a:ext uri="{FF2B5EF4-FFF2-40B4-BE49-F238E27FC236}">
-                <a16:creationId xmlns:a16="http://schemas.microsoft.com/office/drawing/2014/main" id="{C8C4555B-8EFA-1C02-2221-72E41215E9AF}"/>
-              </a:ext>
-            </a:extLst>
-          </p:cNvPr>
-          <p:cNvSpPr txBox="1"/>
-          <p:nvPr/>
-        </p:nvSpPr>
-        <p:spPr>
-          <a:xfrm>
-            <a:off x="522213" y="6042830"/>
-            <a:ext cx="9762689" cy="369332"/>
-          </a:xfrm>
-          <a:prstGeom prst="rect">
-            <a:avLst/>
-          </a:prstGeom>
-          <a:noFill/>
-        </p:spPr>
-        <p:txBody>
-          <a:bodyPr wrap="square">
-            <a:spAutoFit/>
-          </a:bodyPr>
-          <a:lstStyle/>
-          <a:p>
-            <a:r>
-              <a:rPr lang="en-US" dirty="0">
-                <a:hlinkClick r:id="rId5"/>
-              </a:rPr>
-              <a:t>https://github.com/ckiefriter1/Java-Code-Examples/blob/main/src/user/input/Login.java</a:t>
-            </a:r>
-            <a:endParaRPr lang="en-US" dirty="0"/>
+            <a:r>
+              <a:rPr lang="en-US" sz="1400" dirty="0">
+                <a:hlinkClick r:id="rId2"/>
+              </a:rPr>
+              <a:t>https://github.com/ckiefriter1/Java-Code-Examples/tree/main/src/menus</a:t>
+            </a:r>
+            <a:endParaRPr lang="en-US" sz="1400" dirty="0"/>
           </a:p>
         </p:txBody>
       </p:sp>
     </p:spTree>
     <p:extLst>
       <p:ext uri="{BB962C8B-B14F-4D97-AF65-F5344CB8AC3E}">
-        <p14:creationId xmlns:p14="http://schemas.microsoft.com/office/powerpoint/2010/main" val="356231122"/>
+        <p14:creationId xmlns:p14="http://schemas.microsoft.com/office/powerpoint/2010/main" val="424094208"/>
       </p:ext>
     </p:extLst>
   </p:cSld>
@@ -6253,8 +6537,8 @@
         </p:nvSpPr>
         <p:spPr>
           <a:xfrm>
-            <a:off x="304154" y="6023187"/>
-            <a:ext cx="6094602" cy="400110"/>
+            <a:off x="304154" y="6279665"/>
+            <a:ext cx="3285080" cy="400110"/>
           </a:xfrm>
           <a:prstGeom prst="rect">
             <a:avLst/>
@@ -6324,7 +6608,871 @@
                 <a:effectLst/>
                 <a:latin typeface="Open Sans" panose="020B0606030504020204" pitchFamily="34" charset="0"/>
               </a:rPr>
-              <a:t>Boolean Operators</a:t>
+              <a:t>Arrays</a:t>
+            </a:r>
+            <a:endParaRPr lang="en-US" sz="2400" dirty="0"/>
+          </a:p>
+        </p:txBody>
+      </p:sp>
+      <p:sp>
+        <p:nvSpPr>
+          <p:cNvPr id="10" name="TextBox 9">
+            <a:extLst>
+              <a:ext uri="{FF2B5EF4-FFF2-40B4-BE49-F238E27FC236}">
+                <a16:creationId xmlns:a16="http://schemas.microsoft.com/office/drawing/2014/main" id="{EA3D5ED0-1762-C438-DD7C-B32C5582A339}"/>
+              </a:ext>
+            </a:extLst>
+          </p:cNvPr>
+          <p:cNvSpPr txBox="1"/>
+          <p:nvPr/>
+        </p:nvSpPr>
+        <p:spPr>
+          <a:xfrm>
+            <a:off x="216336" y="551776"/>
+            <a:ext cx="11671510" cy="5324535"/>
+          </a:xfrm>
+          <a:prstGeom prst="rect">
+            <a:avLst/>
+          </a:prstGeom>
+          <a:noFill/>
+        </p:spPr>
+        <p:txBody>
+          <a:bodyPr wrap="square">
+            <a:spAutoFit/>
+          </a:bodyPr>
+          <a:lstStyle/>
+          <a:p>
+            <a:r>
+              <a:rPr lang="en-US" sz="2000" dirty="0">
+                <a:solidFill>
+                  <a:schemeClr val="tx1">
+                    <a:lumMod val="85000"/>
+                  </a:schemeClr>
+                </a:solidFill>
+                <a:latin typeface="Open Sans" panose="020B0606030504020204" pitchFamily="34" charset="0"/>
+                <a:ea typeface="Open Sans" panose="020B0606030504020204" pitchFamily="34" charset="0"/>
+                <a:cs typeface="Open Sans" panose="020B0606030504020204" pitchFamily="34" charset="0"/>
+              </a:rPr>
+              <a:t>An </a:t>
+            </a:r>
+            <a:r>
+              <a:rPr lang="en-US" sz="2000" dirty="0">
+                <a:solidFill>
+                  <a:srgbClr val="00B0F0"/>
+                </a:solidFill>
+                <a:latin typeface="Open Sans" panose="020B0606030504020204" pitchFamily="34" charset="0"/>
+                <a:ea typeface="Open Sans" panose="020B0606030504020204" pitchFamily="34" charset="0"/>
+                <a:cs typeface="Open Sans" panose="020B0606030504020204" pitchFamily="34" charset="0"/>
+              </a:rPr>
+              <a:t>array</a:t>
+            </a:r>
+            <a:r>
+              <a:rPr lang="en-US" sz="2000" dirty="0">
+                <a:solidFill>
+                  <a:schemeClr val="tx1">
+                    <a:lumMod val="85000"/>
+                  </a:schemeClr>
+                </a:solidFill>
+                <a:latin typeface="Open Sans" panose="020B0606030504020204" pitchFamily="34" charset="0"/>
+                <a:ea typeface="Open Sans" panose="020B0606030504020204" pitchFamily="34" charset="0"/>
+                <a:cs typeface="Open Sans" panose="020B0606030504020204" pitchFamily="34" charset="0"/>
+              </a:rPr>
+              <a:t> in Java is a </a:t>
+            </a:r>
+            <a:r>
+              <a:rPr lang="en-US" sz="2000" dirty="0">
+                <a:solidFill>
+                  <a:srgbClr val="00B0F0"/>
+                </a:solidFill>
+                <a:latin typeface="Open Sans" panose="020B0606030504020204" pitchFamily="34" charset="0"/>
+                <a:ea typeface="Open Sans" panose="020B0606030504020204" pitchFamily="34" charset="0"/>
+                <a:cs typeface="Open Sans" panose="020B0606030504020204" pitchFamily="34" charset="0"/>
+              </a:rPr>
+              <a:t>container which holds a fixed number of values of a single type</a:t>
+            </a:r>
+            <a:r>
+              <a:rPr lang="en-US" sz="2000" dirty="0">
+                <a:solidFill>
+                  <a:schemeClr val="tx1">
+                    <a:lumMod val="85000"/>
+                  </a:schemeClr>
+                </a:solidFill>
+                <a:latin typeface="Open Sans" panose="020B0606030504020204" pitchFamily="34" charset="0"/>
+                <a:ea typeface="Open Sans" panose="020B0606030504020204" pitchFamily="34" charset="0"/>
+                <a:cs typeface="Open Sans" panose="020B0606030504020204" pitchFamily="34" charset="0"/>
+              </a:rPr>
+              <a:t>.  The </a:t>
+            </a:r>
+            <a:r>
+              <a:rPr lang="en-US" sz="2000" dirty="0">
+                <a:solidFill>
+                  <a:srgbClr val="00B0F0"/>
+                </a:solidFill>
+                <a:latin typeface="Open Sans" panose="020B0606030504020204" pitchFamily="34" charset="0"/>
+                <a:ea typeface="Open Sans" panose="020B0606030504020204" pitchFamily="34" charset="0"/>
+                <a:cs typeface="Open Sans" panose="020B0606030504020204" pitchFamily="34" charset="0"/>
+              </a:rPr>
+              <a:t>length</a:t>
+            </a:r>
+            <a:r>
+              <a:rPr lang="en-US" sz="2000" dirty="0">
+                <a:solidFill>
+                  <a:schemeClr val="tx1">
+                    <a:lumMod val="85000"/>
+                  </a:schemeClr>
+                </a:solidFill>
+                <a:latin typeface="Open Sans" panose="020B0606030504020204" pitchFamily="34" charset="0"/>
+                <a:ea typeface="Open Sans" panose="020B0606030504020204" pitchFamily="34" charset="0"/>
+                <a:cs typeface="Open Sans" panose="020B0606030504020204" pitchFamily="34" charset="0"/>
+              </a:rPr>
+              <a:t> of an array is </a:t>
+            </a:r>
+            <a:r>
+              <a:rPr lang="en-US" sz="2000" dirty="0">
+                <a:solidFill>
+                  <a:srgbClr val="00B0F0"/>
+                </a:solidFill>
+                <a:latin typeface="Open Sans" panose="020B0606030504020204" pitchFamily="34" charset="0"/>
+                <a:ea typeface="Open Sans" panose="020B0606030504020204" pitchFamily="34" charset="0"/>
+                <a:cs typeface="Open Sans" panose="020B0606030504020204" pitchFamily="34" charset="0"/>
+              </a:rPr>
+              <a:t>set at the time that it is declared or instantiated</a:t>
+            </a:r>
+            <a:r>
+              <a:rPr lang="en-US" sz="2000" dirty="0">
+                <a:solidFill>
+                  <a:schemeClr val="tx1">
+                    <a:lumMod val="85000"/>
+                  </a:schemeClr>
+                </a:solidFill>
+                <a:latin typeface="Open Sans" panose="020B0606030504020204" pitchFamily="34" charset="0"/>
+                <a:ea typeface="Open Sans" panose="020B0606030504020204" pitchFamily="34" charset="0"/>
+                <a:cs typeface="Open Sans" panose="020B0606030504020204" pitchFamily="34" charset="0"/>
+              </a:rPr>
+              <a:t>, and </a:t>
+            </a:r>
+            <a:r>
+              <a:rPr lang="en-US" sz="2000" dirty="0">
+                <a:solidFill>
+                  <a:srgbClr val="00B0F0"/>
+                </a:solidFill>
+                <a:latin typeface="Open Sans" panose="020B0606030504020204" pitchFamily="34" charset="0"/>
+                <a:ea typeface="Open Sans" panose="020B0606030504020204" pitchFamily="34" charset="0"/>
+                <a:cs typeface="Open Sans" panose="020B0606030504020204" pitchFamily="34" charset="0"/>
+              </a:rPr>
+              <a:t>remains fixed </a:t>
+            </a:r>
+            <a:r>
+              <a:rPr lang="en-US" sz="2000" dirty="0">
+                <a:solidFill>
+                  <a:schemeClr val="tx1">
+                    <a:lumMod val="85000"/>
+                  </a:schemeClr>
+                </a:solidFill>
+                <a:latin typeface="Open Sans" panose="020B0606030504020204" pitchFamily="34" charset="0"/>
+                <a:ea typeface="Open Sans" panose="020B0606030504020204" pitchFamily="34" charset="0"/>
+                <a:cs typeface="Open Sans" panose="020B0606030504020204" pitchFamily="34" charset="0"/>
+              </a:rPr>
+              <a:t>for the life of an array.   Additionally the type contained in an array </a:t>
+            </a:r>
+            <a:r>
+              <a:rPr lang="en-US" sz="2000" dirty="0">
+                <a:solidFill>
+                  <a:srgbClr val="00B0F0"/>
+                </a:solidFill>
+                <a:latin typeface="Open Sans" panose="020B0606030504020204" pitchFamily="34" charset="0"/>
+                <a:ea typeface="Open Sans" panose="020B0606030504020204" pitchFamily="34" charset="0"/>
+                <a:cs typeface="Open Sans" panose="020B0606030504020204" pitchFamily="34" charset="0"/>
+              </a:rPr>
+              <a:t>can be a primitive datatype, or an Object type.</a:t>
+            </a:r>
+          </a:p>
+          <a:p>
+            <a:endParaRPr lang="en-US" sz="2000" dirty="0">
+              <a:solidFill>
+                <a:srgbClr val="00B0F0"/>
+              </a:solidFill>
+              <a:latin typeface="Open Sans" panose="020B0606030504020204" pitchFamily="34" charset="0"/>
+              <a:ea typeface="Open Sans" panose="020B0606030504020204" pitchFamily="34" charset="0"/>
+              <a:cs typeface="Open Sans" panose="020B0606030504020204" pitchFamily="34" charset="0"/>
+            </a:endParaRPr>
+          </a:p>
+          <a:p>
+            <a:r>
+              <a:rPr lang="en-US" sz="2000" dirty="0">
+                <a:solidFill>
+                  <a:schemeClr val="tx1">
+                    <a:lumMod val="85000"/>
+                  </a:schemeClr>
+                </a:solidFill>
+                <a:latin typeface="Open Sans" panose="020B0606030504020204" pitchFamily="34" charset="0"/>
+                <a:ea typeface="Open Sans" panose="020B0606030504020204" pitchFamily="34" charset="0"/>
+                <a:cs typeface="Open Sans" panose="020B0606030504020204" pitchFamily="34" charset="0"/>
+              </a:rPr>
+              <a:t>Some useful array information and vocabulary is contained here:</a:t>
+            </a:r>
+          </a:p>
+          <a:p>
+            <a:pPr marL="342900" indent="-342900">
+              <a:buFont typeface="Arial" panose="020B0604020202020204" pitchFamily="34" charset="0"/>
+              <a:buChar char="•"/>
+            </a:pPr>
+            <a:r>
+              <a:rPr lang="en-US" sz="2000" dirty="0">
+                <a:solidFill>
+                  <a:srgbClr val="00B0F0"/>
+                </a:solidFill>
+                <a:latin typeface="Open Sans" panose="020B0606030504020204" pitchFamily="34" charset="0"/>
+                <a:ea typeface="Open Sans" panose="020B0606030504020204" pitchFamily="34" charset="0"/>
+                <a:cs typeface="Open Sans" panose="020B0606030504020204" pitchFamily="34" charset="0"/>
+              </a:rPr>
+              <a:t>Square Brackets</a:t>
+            </a:r>
+            <a:r>
+              <a:rPr lang="en-US" sz="2000" dirty="0">
+                <a:solidFill>
+                  <a:schemeClr val="tx1">
+                    <a:lumMod val="85000"/>
+                  </a:schemeClr>
+                </a:solidFill>
+                <a:latin typeface="Open Sans" panose="020B0606030504020204" pitchFamily="34" charset="0"/>
+                <a:ea typeface="Open Sans" panose="020B0606030504020204" pitchFamily="34" charset="0"/>
+                <a:cs typeface="Open Sans" panose="020B0606030504020204" pitchFamily="34" charset="0"/>
+              </a:rPr>
+              <a:t> or </a:t>
+            </a:r>
+            <a:r>
+              <a:rPr lang="en-US" sz="2000" dirty="0">
+                <a:solidFill>
+                  <a:srgbClr val="00B0F0"/>
+                </a:solidFill>
+                <a:latin typeface="Open Sans" panose="020B0606030504020204" pitchFamily="34" charset="0"/>
+                <a:ea typeface="Open Sans" panose="020B0606030504020204" pitchFamily="34" charset="0"/>
+                <a:cs typeface="Open Sans" panose="020B0606030504020204" pitchFamily="34" charset="0"/>
+              </a:rPr>
+              <a:t>[]</a:t>
+            </a:r>
+            <a:r>
+              <a:rPr lang="en-US" sz="2000" dirty="0">
+                <a:solidFill>
+                  <a:schemeClr val="tx1">
+                    <a:lumMod val="85000"/>
+                  </a:schemeClr>
+                </a:solidFill>
+                <a:latin typeface="Open Sans" panose="020B0606030504020204" pitchFamily="34" charset="0"/>
+                <a:ea typeface="Open Sans" panose="020B0606030504020204" pitchFamily="34" charset="0"/>
+                <a:cs typeface="Open Sans" panose="020B0606030504020204" pitchFamily="34" charset="0"/>
+              </a:rPr>
+              <a:t> tell Java that we are declaring  an array</a:t>
+            </a:r>
+          </a:p>
+          <a:p>
+            <a:pPr marL="342900" indent="-342900">
+              <a:buFont typeface="Arial" panose="020B0604020202020204" pitchFamily="34" charset="0"/>
+              <a:buChar char="•"/>
+            </a:pPr>
+            <a:r>
+              <a:rPr lang="en-US" sz="2000" dirty="0">
+                <a:solidFill>
+                  <a:srgbClr val="00B0F0"/>
+                </a:solidFill>
+                <a:latin typeface="Open Sans" panose="020B0606030504020204" pitchFamily="34" charset="0"/>
+                <a:ea typeface="Open Sans" panose="020B0606030504020204" pitchFamily="34" charset="0"/>
+                <a:cs typeface="Open Sans" panose="020B0606030504020204" pitchFamily="34" charset="0"/>
+              </a:rPr>
+              <a:t>element</a:t>
+            </a:r>
+            <a:r>
+              <a:rPr lang="en-US" sz="2000" dirty="0">
+                <a:solidFill>
+                  <a:schemeClr val="tx1">
+                    <a:lumMod val="85000"/>
+                  </a:schemeClr>
+                </a:solidFill>
+                <a:latin typeface="Open Sans" panose="020B0606030504020204" pitchFamily="34" charset="0"/>
+                <a:ea typeface="Open Sans" panose="020B0606030504020204" pitchFamily="34" charset="0"/>
+                <a:cs typeface="Open Sans" panose="020B0606030504020204" pitchFamily="34" charset="0"/>
+              </a:rPr>
+              <a:t>:  </a:t>
+            </a:r>
+            <a:r>
+              <a:rPr lang="en-US" sz="2000" dirty="0">
+                <a:solidFill>
+                  <a:srgbClr val="00B0F0"/>
+                </a:solidFill>
+                <a:latin typeface="Open Sans" panose="020B0606030504020204" pitchFamily="34" charset="0"/>
+                <a:ea typeface="Open Sans" panose="020B0606030504020204" pitchFamily="34" charset="0"/>
+                <a:cs typeface="Open Sans" panose="020B0606030504020204" pitchFamily="34" charset="0"/>
+              </a:rPr>
+              <a:t>each item stored in an array</a:t>
+            </a:r>
+            <a:r>
+              <a:rPr lang="en-US" sz="2000" dirty="0">
+                <a:solidFill>
+                  <a:schemeClr val="tx1">
+                    <a:lumMod val="85000"/>
+                  </a:schemeClr>
+                </a:solidFill>
+                <a:latin typeface="Open Sans" panose="020B0606030504020204" pitchFamily="34" charset="0"/>
+                <a:ea typeface="Open Sans" panose="020B0606030504020204" pitchFamily="34" charset="0"/>
+                <a:cs typeface="Open Sans" panose="020B0606030504020204" pitchFamily="34" charset="0"/>
+              </a:rPr>
+              <a:t> is called an </a:t>
+            </a:r>
+            <a:r>
+              <a:rPr lang="en-US" sz="2000" dirty="0">
+                <a:solidFill>
+                  <a:srgbClr val="00B0F0"/>
+                </a:solidFill>
+                <a:latin typeface="Open Sans" panose="020B0606030504020204" pitchFamily="34" charset="0"/>
+                <a:ea typeface="Open Sans" panose="020B0606030504020204" pitchFamily="34" charset="0"/>
+                <a:cs typeface="Open Sans" panose="020B0606030504020204" pitchFamily="34" charset="0"/>
+              </a:rPr>
+              <a:t>element</a:t>
+            </a:r>
+          </a:p>
+          <a:p>
+            <a:pPr marL="342900" indent="-342900">
+              <a:buFont typeface="Arial" panose="020B0604020202020204" pitchFamily="34" charset="0"/>
+              <a:buChar char="•"/>
+            </a:pPr>
+            <a:r>
+              <a:rPr lang="en-US" sz="2000" dirty="0">
+                <a:solidFill>
+                  <a:schemeClr val="tx1">
+                    <a:lumMod val="85000"/>
+                  </a:schemeClr>
+                </a:solidFill>
+                <a:latin typeface="Open Sans" panose="020B0606030504020204" pitchFamily="34" charset="0"/>
+                <a:ea typeface="Open Sans" panose="020B0606030504020204" pitchFamily="34" charset="0"/>
+                <a:cs typeface="Open Sans" panose="020B0606030504020204" pitchFamily="34" charset="0"/>
+              </a:rPr>
+              <a:t>elements</a:t>
+            </a:r>
+            <a:r>
+              <a:rPr lang="en-US" sz="2000" dirty="0">
+                <a:solidFill>
+                  <a:srgbClr val="00B0F0"/>
+                </a:solidFill>
+                <a:latin typeface="Open Sans" panose="020B0606030504020204" pitchFamily="34" charset="0"/>
+                <a:ea typeface="Open Sans" panose="020B0606030504020204" pitchFamily="34" charset="0"/>
+                <a:cs typeface="Open Sans" panose="020B0606030504020204" pitchFamily="34" charset="0"/>
+              </a:rPr>
+              <a:t> </a:t>
+            </a:r>
+            <a:r>
+              <a:rPr lang="en-US" sz="2000" dirty="0">
+                <a:solidFill>
+                  <a:schemeClr val="tx1">
+                    <a:lumMod val="85000"/>
+                  </a:schemeClr>
+                </a:solidFill>
+                <a:latin typeface="Open Sans" panose="020B0606030504020204" pitchFamily="34" charset="0"/>
+                <a:ea typeface="Open Sans" panose="020B0606030504020204" pitchFamily="34" charset="0"/>
+                <a:cs typeface="Open Sans" panose="020B0606030504020204" pitchFamily="34" charset="0"/>
+              </a:rPr>
+              <a:t>within the same Java array </a:t>
+            </a:r>
+            <a:r>
+              <a:rPr lang="en-US" sz="2000" dirty="0">
+                <a:solidFill>
+                  <a:srgbClr val="00B0F0"/>
+                </a:solidFill>
+                <a:latin typeface="Open Sans" panose="020B0606030504020204" pitchFamily="34" charset="0"/>
+                <a:ea typeface="Open Sans" panose="020B0606030504020204" pitchFamily="34" charset="0"/>
+                <a:cs typeface="Open Sans" panose="020B0606030504020204" pitchFamily="34" charset="0"/>
+              </a:rPr>
+              <a:t>must all be the same data type</a:t>
+            </a:r>
+            <a:r>
+              <a:rPr lang="en-US" sz="2000" dirty="0">
+                <a:solidFill>
+                  <a:schemeClr val="tx1">
+                    <a:lumMod val="85000"/>
+                  </a:schemeClr>
+                </a:solidFill>
+                <a:latin typeface="Open Sans" panose="020B0606030504020204" pitchFamily="34" charset="0"/>
+                <a:ea typeface="Open Sans" panose="020B0606030504020204" pitchFamily="34" charset="0"/>
+                <a:cs typeface="Open Sans" panose="020B0606030504020204" pitchFamily="34" charset="0"/>
+              </a:rPr>
+              <a:t>.</a:t>
+            </a:r>
+          </a:p>
+          <a:p>
+            <a:pPr marL="342900" indent="-342900">
+              <a:buFont typeface="Arial" panose="020B0604020202020204" pitchFamily="34" charset="0"/>
+              <a:buChar char="•"/>
+            </a:pPr>
+            <a:r>
+              <a:rPr lang="en-US" sz="2000" dirty="0">
+                <a:solidFill>
+                  <a:srgbClr val="00B0F0"/>
+                </a:solidFill>
+                <a:latin typeface="Open Sans" panose="020B0606030504020204" pitchFamily="34" charset="0"/>
+                <a:ea typeface="Open Sans" panose="020B0606030504020204" pitchFamily="34" charset="0"/>
+                <a:cs typeface="Open Sans" panose="020B0606030504020204" pitchFamily="34" charset="0"/>
+              </a:rPr>
+              <a:t>index</a:t>
+            </a:r>
+            <a:r>
+              <a:rPr lang="en-US" sz="2000" dirty="0">
+                <a:solidFill>
+                  <a:schemeClr val="tx1">
+                    <a:lumMod val="85000"/>
+                  </a:schemeClr>
+                </a:solidFill>
+                <a:latin typeface="Open Sans" panose="020B0606030504020204" pitchFamily="34" charset="0"/>
+                <a:ea typeface="Open Sans" panose="020B0606030504020204" pitchFamily="34" charset="0"/>
+                <a:cs typeface="Open Sans" panose="020B0606030504020204" pitchFamily="34" charset="0"/>
+              </a:rPr>
+              <a:t>:  each element in an array is </a:t>
+            </a:r>
+            <a:r>
+              <a:rPr lang="en-US" sz="2000" dirty="0">
+                <a:solidFill>
+                  <a:srgbClr val="00B0F0"/>
+                </a:solidFill>
+                <a:latin typeface="Open Sans" panose="020B0606030504020204" pitchFamily="34" charset="0"/>
+                <a:ea typeface="Open Sans" panose="020B0606030504020204" pitchFamily="34" charset="0"/>
+                <a:cs typeface="Open Sans" panose="020B0606030504020204" pitchFamily="34" charset="0"/>
+              </a:rPr>
+              <a:t>found or accessed by its numerical index</a:t>
+            </a:r>
+            <a:r>
+              <a:rPr lang="en-US" sz="2000" dirty="0">
+                <a:solidFill>
+                  <a:schemeClr val="tx1">
+                    <a:lumMod val="85000"/>
+                  </a:schemeClr>
+                </a:solidFill>
+                <a:latin typeface="Open Sans" panose="020B0606030504020204" pitchFamily="34" charset="0"/>
+                <a:ea typeface="Open Sans" panose="020B0606030504020204" pitchFamily="34" charset="0"/>
+                <a:cs typeface="Open Sans" panose="020B0606030504020204" pitchFamily="34" charset="0"/>
+              </a:rPr>
+              <a:t>.</a:t>
+            </a:r>
+          </a:p>
+          <a:p>
+            <a:pPr marL="342900" indent="-342900">
+              <a:buFont typeface="Arial" panose="020B0604020202020204" pitchFamily="34" charset="0"/>
+              <a:buChar char="•"/>
+            </a:pPr>
+            <a:r>
+              <a:rPr lang="en-US" sz="2000" dirty="0">
+                <a:solidFill>
+                  <a:schemeClr val="tx1">
+                    <a:lumMod val="85000"/>
+                  </a:schemeClr>
+                </a:solidFill>
+                <a:latin typeface="Open Sans" panose="020B0606030504020204" pitchFamily="34" charset="0"/>
+                <a:ea typeface="Open Sans" panose="020B0606030504020204" pitchFamily="34" charset="0"/>
+                <a:cs typeface="Open Sans" panose="020B0606030504020204" pitchFamily="34" charset="0"/>
+              </a:rPr>
+              <a:t>arrays are </a:t>
+            </a:r>
+            <a:r>
+              <a:rPr lang="en-US" sz="2000" dirty="0">
+                <a:solidFill>
+                  <a:srgbClr val="00B0F0"/>
+                </a:solidFill>
+                <a:latin typeface="Open Sans" panose="020B0606030504020204" pitchFamily="34" charset="0"/>
+                <a:ea typeface="Open Sans" panose="020B0606030504020204" pitchFamily="34" charset="0"/>
+                <a:cs typeface="Open Sans" panose="020B0606030504020204" pitchFamily="34" charset="0"/>
+              </a:rPr>
+              <a:t>zero-based</a:t>
+            </a:r>
+            <a:r>
+              <a:rPr lang="en-US" sz="2000" dirty="0">
+                <a:solidFill>
+                  <a:schemeClr val="tx1">
+                    <a:lumMod val="85000"/>
+                  </a:schemeClr>
+                </a:solidFill>
+                <a:latin typeface="Open Sans" panose="020B0606030504020204" pitchFamily="34" charset="0"/>
+                <a:ea typeface="Open Sans" panose="020B0606030504020204" pitchFamily="34" charset="0"/>
+                <a:cs typeface="Open Sans" panose="020B0606030504020204" pitchFamily="34" charset="0"/>
+              </a:rPr>
+              <a:t>, so the </a:t>
+            </a:r>
+            <a:r>
+              <a:rPr lang="en-US" sz="2000" dirty="0">
+                <a:solidFill>
+                  <a:srgbClr val="00B0F0"/>
+                </a:solidFill>
+                <a:latin typeface="Open Sans" panose="020B0606030504020204" pitchFamily="34" charset="0"/>
+                <a:ea typeface="Open Sans" panose="020B0606030504020204" pitchFamily="34" charset="0"/>
+                <a:cs typeface="Open Sans" panose="020B0606030504020204" pitchFamily="34" charset="0"/>
+              </a:rPr>
+              <a:t>index values start at 0</a:t>
+            </a:r>
+            <a:r>
+              <a:rPr lang="en-US" sz="2000" dirty="0">
+                <a:solidFill>
+                  <a:schemeClr val="tx1">
+                    <a:lumMod val="85000"/>
+                  </a:schemeClr>
+                </a:solidFill>
+                <a:latin typeface="Open Sans" panose="020B0606030504020204" pitchFamily="34" charset="0"/>
+                <a:ea typeface="Open Sans" panose="020B0606030504020204" pitchFamily="34" charset="0"/>
+                <a:cs typeface="Open Sans" panose="020B0606030504020204" pitchFamily="34" charset="0"/>
+              </a:rPr>
+              <a:t>.</a:t>
+            </a:r>
+          </a:p>
+          <a:p>
+            <a:pPr marL="342900" indent="-342900">
+              <a:buFont typeface="Arial" panose="020B0604020202020204" pitchFamily="34" charset="0"/>
+              <a:buChar char="•"/>
+            </a:pPr>
+            <a:r>
+              <a:rPr lang="en-US" sz="2000" dirty="0">
+                <a:solidFill>
+                  <a:schemeClr val="tx1">
+                    <a:lumMod val="85000"/>
+                  </a:schemeClr>
+                </a:solidFill>
+                <a:latin typeface="Open Sans" panose="020B0606030504020204" pitchFamily="34" charset="0"/>
+                <a:ea typeface="Open Sans" panose="020B0606030504020204" pitchFamily="34" charset="0"/>
+                <a:cs typeface="Open Sans" panose="020B0606030504020204" pitchFamily="34" charset="0"/>
+              </a:rPr>
+              <a:t>the first element in any array is located at index:  0</a:t>
+            </a:r>
+          </a:p>
+          <a:p>
+            <a:pPr marL="342900" indent="-342900">
+              <a:buFont typeface="Arial" panose="020B0604020202020204" pitchFamily="34" charset="0"/>
+              <a:buChar char="•"/>
+            </a:pPr>
+            <a:r>
+              <a:rPr lang="en-US" sz="2000" dirty="0">
+                <a:solidFill>
+                  <a:schemeClr val="tx1">
+                    <a:lumMod val="85000"/>
+                  </a:schemeClr>
+                </a:solidFill>
+                <a:latin typeface="Open Sans" panose="020B0606030504020204" pitchFamily="34" charset="0"/>
+                <a:ea typeface="Open Sans" panose="020B0606030504020204" pitchFamily="34" charset="0"/>
+                <a:cs typeface="Open Sans" panose="020B0606030504020204" pitchFamily="34" charset="0"/>
+              </a:rPr>
+              <a:t>the last element of any array is located at index:   </a:t>
+            </a:r>
+            <a:r>
+              <a:rPr lang="en-US" sz="2000" dirty="0" err="1">
+                <a:solidFill>
+                  <a:schemeClr val="tx1">
+                    <a:lumMod val="85000"/>
+                  </a:schemeClr>
+                </a:solidFill>
+                <a:latin typeface="Open Sans" panose="020B0606030504020204" pitchFamily="34" charset="0"/>
+                <a:ea typeface="Open Sans" panose="020B0606030504020204" pitchFamily="34" charset="0"/>
+                <a:cs typeface="Open Sans" panose="020B0606030504020204" pitchFamily="34" charset="0"/>
+              </a:rPr>
+              <a:t>arrayName.length</a:t>
+            </a:r>
+            <a:r>
+              <a:rPr lang="en-US" sz="2000" dirty="0">
+                <a:solidFill>
+                  <a:schemeClr val="tx1">
+                    <a:lumMod val="85000"/>
+                  </a:schemeClr>
+                </a:solidFill>
+                <a:latin typeface="Open Sans" panose="020B0606030504020204" pitchFamily="34" charset="0"/>
+                <a:ea typeface="Open Sans" panose="020B0606030504020204" pitchFamily="34" charset="0"/>
+                <a:cs typeface="Open Sans" panose="020B0606030504020204" pitchFamily="34" charset="0"/>
+              </a:rPr>
+              <a:t> – 1</a:t>
+            </a:r>
+          </a:p>
+          <a:p>
+            <a:endParaRPr lang="en-US" sz="2000" dirty="0">
+              <a:solidFill>
+                <a:schemeClr val="tx1">
+                  <a:lumMod val="85000"/>
+                </a:schemeClr>
+              </a:solidFill>
+              <a:latin typeface="Open Sans" panose="020B0606030504020204" pitchFamily="34" charset="0"/>
+              <a:ea typeface="Open Sans" panose="020B0606030504020204" pitchFamily="34" charset="0"/>
+              <a:cs typeface="Open Sans" panose="020B0606030504020204" pitchFamily="34" charset="0"/>
+            </a:endParaRPr>
+          </a:p>
+          <a:p>
+            <a:r>
+              <a:rPr lang="en-US" sz="2000" b="0" i="0" dirty="0">
+                <a:solidFill>
+                  <a:schemeClr val="tx1">
+                    <a:lumMod val="85000"/>
+                  </a:schemeClr>
+                </a:solidFill>
+                <a:effectLst/>
+                <a:latin typeface="Open Sans" panose="020B0606030504020204" pitchFamily="34" charset="0"/>
+              </a:rPr>
+              <a:t>Just like any variable in Java, </a:t>
+            </a:r>
+            <a:r>
+              <a:rPr lang="en-US" sz="2000" b="0" i="0" dirty="0">
+                <a:solidFill>
+                  <a:srgbClr val="00B0F0"/>
+                </a:solidFill>
+                <a:effectLst/>
+                <a:latin typeface="Open Sans" panose="020B0606030504020204" pitchFamily="34" charset="0"/>
+              </a:rPr>
+              <a:t>an array must be declared</a:t>
+            </a:r>
+            <a:r>
+              <a:rPr lang="en-US" sz="2000" b="0" i="0" dirty="0">
+                <a:solidFill>
+                  <a:schemeClr val="tx1">
+                    <a:lumMod val="85000"/>
+                  </a:schemeClr>
+                </a:solidFill>
+                <a:effectLst/>
+                <a:latin typeface="Open Sans" panose="020B0606030504020204" pitchFamily="34" charset="0"/>
+              </a:rPr>
+              <a:t>.  We declare the array to give it a name, and to allocate space for the size of the array that we declare.  Note, that we also must determine the data type of the elements that will be stored in this array, so that Java knows how to store and manage the elements in the array.</a:t>
+            </a:r>
+            <a:endParaRPr lang="en-US" sz="2000" dirty="0">
+              <a:solidFill>
+                <a:schemeClr val="tx1">
+                  <a:lumMod val="85000"/>
+                </a:schemeClr>
+              </a:solidFill>
+              <a:latin typeface="Open Sans" panose="020B0606030504020204" pitchFamily="34" charset="0"/>
+              <a:ea typeface="Open Sans" panose="020B0606030504020204" pitchFamily="34" charset="0"/>
+              <a:cs typeface="Open Sans" panose="020B0606030504020204" pitchFamily="34" charset="0"/>
+            </a:endParaRPr>
+          </a:p>
+        </p:txBody>
+      </p:sp>
+      <p:sp>
+        <p:nvSpPr>
+          <p:cNvPr id="4" name="TextBox 3">
+            <a:extLst>
+              <a:ext uri="{FF2B5EF4-FFF2-40B4-BE49-F238E27FC236}">
+                <a16:creationId xmlns:a16="http://schemas.microsoft.com/office/drawing/2014/main" id="{2BADD1C9-CF72-0C69-861B-7E5D509DA5B2}"/>
+              </a:ext>
+            </a:extLst>
+          </p:cNvPr>
+          <p:cNvSpPr txBox="1"/>
+          <p:nvPr/>
+        </p:nvSpPr>
+        <p:spPr>
+          <a:xfrm>
+            <a:off x="4403219" y="5857666"/>
+            <a:ext cx="7548073" cy="307777"/>
+          </a:xfrm>
+          <a:prstGeom prst="rect">
+            <a:avLst/>
+          </a:prstGeom>
+          <a:noFill/>
+        </p:spPr>
+        <p:txBody>
+          <a:bodyPr wrap="square">
+            <a:spAutoFit/>
+          </a:bodyPr>
+          <a:lstStyle/>
+          <a:p>
+            <a:r>
+              <a:rPr lang="en-US" sz="1400" dirty="0">
+                <a:hlinkClick r:id="rId3"/>
+              </a:rPr>
+              <a:t>https://github.com/ckiefriter1/Java-Code-Examples/tree/main/src/arrays</a:t>
+            </a:r>
+            <a:endParaRPr lang="en-US" sz="1400" dirty="0"/>
+          </a:p>
+        </p:txBody>
+      </p:sp>
+      <p:sp>
+        <p:nvSpPr>
+          <p:cNvPr id="7" name="TextBox 6">
+            <a:extLst>
+              <a:ext uri="{FF2B5EF4-FFF2-40B4-BE49-F238E27FC236}">
+                <a16:creationId xmlns:a16="http://schemas.microsoft.com/office/drawing/2014/main" id="{4F528AA2-6361-22B4-C232-EF99675F9D72}"/>
+              </a:ext>
+            </a:extLst>
+          </p:cNvPr>
+          <p:cNvSpPr txBox="1"/>
+          <p:nvPr/>
+        </p:nvSpPr>
+        <p:spPr>
+          <a:xfrm>
+            <a:off x="4403219" y="6183986"/>
+            <a:ext cx="6808862" cy="307777"/>
+          </a:xfrm>
+          <a:prstGeom prst="rect">
+            <a:avLst/>
+          </a:prstGeom>
+          <a:noFill/>
+        </p:spPr>
+        <p:txBody>
+          <a:bodyPr wrap="square">
+            <a:spAutoFit/>
+          </a:bodyPr>
+          <a:lstStyle/>
+          <a:p>
+            <a:r>
+              <a:rPr lang="en-US" sz="1400" dirty="0">
+                <a:hlinkClick r:id="rId4"/>
+              </a:rPr>
+              <a:t>https://github.com/ckiefriter1/Java-Code-Examples/blob/main/src/arrays/ArrayDemo.java</a:t>
+            </a:r>
+            <a:endParaRPr lang="en-US" sz="1400" dirty="0"/>
+          </a:p>
+        </p:txBody>
+      </p:sp>
+      <p:sp>
+        <p:nvSpPr>
+          <p:cNvPr id="9" name="TextBox 8">
+            <a:extLst>
+              <a:ext uri="{FF2B5EF4-FFF2-40B4-BE49-F238E27FC236}">
+                <a16:creationId xmlns:a16="http://schemas.microsoft.com/office/drawing/2014/main" id="{06F995E6-DACC-B060-CDB5-BB562B195537}"/>
+              </a:ext>
+            </a:extLst>
+          </p:cNvPr>
+          <p:cNvSpPr txBox="1"/>
+          <p:nvPr/>
+        </p:nvSpPr>
+        <p:spPr>
+          <a:xfrm>
+            <a:off x="4403219" y="6491763"/>
+            <a:ext cx="8033046" cy="307777"/>
+          </a:xfrm>
+          <a:prstGeom prst="rect">
+            <a:avLst/>
+          </a:prstGeom>
+          <a:noFill/>
+        </p:spPr>
+        <p:txBody>
+          <a:bodyPr wrap="square">
+            <a:spAutoFit/>
+          </a:bodyPr>
+          <a:lstStyle/>
+          <a:p>
+            <a:r>
+              <a:rPr lang="en-US" sz="1400" dirty="0">
+                <a:hlinkClick r:id="rId5"/>
+              </a:rPr>
+              <a:t>https://github.com/ckiefriter1/Java-Code-Examples/blob/main/src/arrays/MultiDimArrayDemo.java</a:t>
+            </a:r>
+            <a:endParaRPr lang="en-US" sz="1400" dirty="0"/>
+          </a:p>
+        </p:txBody>
+      </p:sp>
+    </p:spTree>
+    <p:extLst>
+      <p:ext uri="{BB962C8B-B14F-4D97-AF65-F5344CB8AC3E}">
+        <p14:creationId xmlns:p14="http://schemas.microsoft.com/office/powerpoint/2010/main" val="3995279466"/>
+      </p:ext>
+    </p:extLst>
+  </p:cSld>
+  <p:clrMapOvr>
+    <a:masterClrMapping/>
+  </p:clrMapOvr>
+</p:sld>
+</file>
+
+<file path=ppt/slides/slide4.xml><?xml version="1.0" encoding="utf-8"?>
+<p:sld xmlns:a="http://schemas.openxmlformats.org/drawingml/2006/main" xmlns:r="http://schemas.openxmlformats.org/officeDocument/2006/relationships" xmlns:p="http://schemas.openxmlformats.org/presentationml/2006/main">
+  <p:cSld>
+    <p:spTree>
+      <p:nvGrpSpPr>
+        <p:cNvPr id="1" name=""/>
+        <p:cNvGrpSpPr/>
+        <p:nvPr/>
+      </p:nvGrpSpPr>
+      <p:grpSpPr>
+        <a:xfrm>
+          <a:off x="0" y="0"/>
+          <a:ext cx="0" cy="0"/>
+          <a:chOff x="0" y="0"/>
+          <a:chExt cx="0" cy="0"/>
+        </a:xfrm>
+      </p:grpSpPr>
+      <p:sp>
+        <p:nvSpPr>
+          <p:cNvPr id="3" name="TextBox 2">
+            <a:extLst>
+              <a:ext uri="{FF2B5EF4-FFF2-40B4-BE49-F238E27FC236}">
+                <a16:creationId xmlns:a16="http://schemas.microsoft.com/office/drawing/2014/main" id="{A6B2E4B2-9556-220D-A265-44C9FD951EE6}"/>
+              </a:ext>
+            </a:extLst>
+          </p:cNvPr>
+          <p:cNvSpPr txBox="1"/>
+          <p:nvPr/>
+        </p:nvSpPr>
+        <p:spPr>
+          <a:xfrm>
+            <a:off x="304154" y="6279665"/>
+            <a:ext cx="6094602" cy="400110"/>
+          </a:xfrm>
+          <a:prstGeom prst="rect">
+            <a:avLst/>
+          </a:prstGeom>
+          <a:noFill/>
+        </p:spPr>
+        <p:txBody>
+          <a:bodyPr wrap="square">
+            <a:spAutoFit/>
+          </a:bodyPr>
+          <a:lstStyle/>
+          <a:p>
+            <a:r>
+              <a:rPr lang="en-US" sz="2000" b="0" i="0" dirty="0">
+                <a:solidFill>
+                  <a:srgbClr val="00B0F0"/>
+                </a:solidFill>
+                <a:effectLst/>
+                <a:latin typeface="Open Sans" panose="020B0606030504020204" pitchFamily="34" charset="0"/>
+                <a:hlinkClick r:id="rId2"/>
+              </a:rPr>
+              <a:t>Content Link in LMS</a:t>
+            </a:r>
+            <a:endParaRPr lang="en-US" sz="2000" b="0" i="0" dirty="0">
+              <a:solidFill>
+                <a:srgbClr val="00B0F0"/>
+              </a:solidFill>
+              <a:effectLst/>
+              <a:latin typeface="Open Sans" panose="020B0606030504020204" pitchFamily="34" charset="0"/>
+            </a:endParaRPr>
+          </a:p>
+        </p:txBody>
+      </p:sp>
+      <p:sp>
+        <p:nvSpPr>
+          <p:cNvPr id="6" name="TextBox 5">
+            <a:extLst>
+              <a:ext uri="{FF2B5EF4-FFF2-40B4-BE49-F238E27FC236}">
+                <a16:creationId xmlns:a16="http://schemas.microsoft.com/office/drawing/2014/main" id="{DE3DBA5A-FA8E-46C6-1402-E5C7632F4CAD}"/>
+              </a:ext>
+            </a:extLst>
+          </p:cNvPr>
+          <p:cNvSpPr txBox="1"/>
+          <p:nvPr/>
+        </p:nvSpPr>
+        <p:spPr>
+          <a:xfrm>
+            <a:off x="216336" y="148241"/>
+            <a:ext cx="6094602" cy="461665"/>
+          </a:xfrm>
+          <a:prstGeom prst="rect">
+            <a:avLst/>
+          </a:prstGeom>
+          <a:noFill/>
+        </p:spPr>
+        <p:txBody>
+          <a:bodyPr wrap="square">
+            <a:spAutoFit/>
+          </a:bodyPr>
+          <a:lstStyle/>
+          <a:p>
+            <a:r>
+              <a:rPr lang="en-US" sz="2400" b="1" dirty="0">
+                <a:solidFill>
+                  <a:srgbClr val="00B050"/>
+                </a:solidFill>
+                <a:effectLst/>
+                <a:latin typeface="Open Sans" panose="020B0606030504020204" pitchFamily="34" charset="0"/>
+              </a:rPr>
+              <a:t>More Arrays</a:t>
             </a:r>
             <a:endParaRPr lang="en-US" sz="2400" dirty="0"/>
           </a:p>
@@ -6345,7 +7493,7 @@
         <p:spPr>
           <a:xfrm>
             <a:off x="216336" y="782518"/>
-            <a:ext cx="7476369" cy="4708981"/>
+            <a:ext cx="11671510" cy="1015663"/>
           </a:xfrm>
           <a:prstGeom prst="rect">
             <a:avLst/>
@@ -6358,6 +7506,10 @@
           </a:bodyPr>
           <a:lstStyle/>
           <a:p>
+            <a:pPr marL="342900" indent="-342900">
+              <a:buFont typeface="Arial" panose="020B0604020202020204" pitchFamily="34" charset="0"/>
+              <a:buChar char="•"/>
+            </a:pPr>
             <a:r>
               <a:rPr lang="en-US" sz="2000" dirty="0">
                 <a:solidFill>
@@ -6369,34 +7521,14 @@
                 <a:ea typeface="Open Sans" panose="020B0606030504020204" pitchFamily="34" charset="0"/>
                 <a:cs typeface="Open Sans" panose="020B0606030504020204" pitchFamily="34" charset="0"/>
               </a:rPr>
-              <a:t>Using programming to automate tasks means </a:t>
-            </a:r>
-            <a:r>
-              <a:rPr lang="en-US" sz="2000" dirty="0">
-                <a:solidFill>
-                  <a:srgbClr val="00B0F0"/>
-                </a:solidFill>
-                <a:latin typeface="Open Sans" panose="020B0606030504020204" pitchFamily="34" charset="0"/>
-                <a:ea typeface="Open Sans" panose="020B0606030504020204" pitchFamily="34" charset="0"/>
-                <a:cs typeface="Open Sans" panose="020B0606030504020204" pitchFamily="34" charset="0"/>
-              </a:rPr>
-              <a:t>the computer needs a way to make decisions</a:t>
-            </a:r>
-            <a:r>
-              <a:rPr lang="en-US" sz="2000" dirty="0">
-                <a:solidFill>
-                  <a:schemeClr val="tx1">
-                    <a:lumMod val="85000"/>
-                  </a:schemeClr>
-                </a:solidFill>
-                <a:latin typeface="Open Sans" panose="020B0606030504020204" pitchFamily="34" charset="0"/>
-                <a:ea typeface="Open Sans" panose="020B0606030504020204" pitchFamily="34" charset="0"/>
-                <a:cs typeface="Open Sans" panose="020B0606030504020204" pitchFamily="34" charset="0"/>
-              </a:rPr>
-              <a:t>. </a:t>
-            </a:r>
-          </a:p>
-          <a:p>
+              <a:t>Creating and using Arrays of Objects</a:t>
+            </a:r>
+          </a:p>
+          <a:p>
+            <a:pPr marL="342900" indent="-342900">
+              <a:buFont typeface="Arial" panose="020B0604020202020204" pitchFamily="34" charset="0"/>
+              <a:buChar char="•"/>
+            </a:pPr>
             <a:endParaRPr lang="en-US" sz="2000" dirty="0">
               <a:solidFill>
                 <a:schemeClr val="tx1">
@@ -6409,6 +7541,10 @@
             </a:endParaRPr>
           </a:p>
           <a:p>
+            <a:pPr marL="342900" indent="-342900">
+              <a:buFont typeface="Arial" panose="020B0604020202020204" pitchFamily="34" charset="0"/>
+              <a:buChar char="•"/>
+            </a:pPr>
             <a:r>
               <a:rPr lang="en-US" sz="2000" dirty="0">
                 <a:solidFill>
@@ -6420,7 +7556,7 @@
                 <a:ea typeface="Open Sans" panose="020B0606030504020204" pitchFamily="34" charset="0"/>
                 <a:cs typeface="Open Sans" panose="020B0606030504020204" pitchFamily="34" charset="0"/>
               </a:rPr>
-              <a:t>Decisions require </a:t>
+              <a:t>Defining Classes and instantiating </a:t>
             </a:r>
             <a:r>
               <a:rPr lang="en-US" sz="2000" dirty="0">
@@ -6431,7 +7567,7 @@
                 <a:ea typeface="Open Sans" panose="020B0606030504020204" pitchFamily="34" charset="0"/>
                 <a:cs typeface="Open Sans" panose="020B0606030504020204" pitchFamily="34" charset="0"/>
               </a:rPr>
-              <a:t>comparing and evaluating information available </a:t>
+              <a:t>Objects</a:t>
             </a:r>
             <a:r>
               <a:rPr lang="en-US" sz="2000" dirty="0">
@@ -6444,22 +7580,8 @@
                 <a:ea typeface="Open Sans" panose="020B0606030504020204" pitchFamily="34" charset="0"/>
                 <a:cs typeface="Open Sans" panose="020B0606030504020204" pitchFamily="34" charset="0"/>
               </a:rPr>
-              <a:t>and then deciding which way to proceed. </a:t>
-            </a:r>
-          </a:p>
-          <a:p>
-            <a:endParaRPr lang="en-US" sz="2000" dirty="0">
-              <a:solidFill>
-                <a:schemeClr val="tx1">
-                  <a:lumMod val="85000"/>
-                </a:schemeClr>
-              </a:solidFill>
-              <a:latin typeface="Open Sans" panose="020B0606030504020204" pitchFamily="34" charset="0"/>
-              <a:ea typeface="Open Sans" panose="020B0606030504020204" pitchFamily="34" charset="0"/>
-              <a:cs typeface="Open Sans" panose="020B0606030504020204" pitchFamily="34" charset="0"/>
-            </a:endParaRPr>
-          </a:p>
-          <a:p>
+              <a:t> from </a:t>
+            </a:r>
             <a:r>
               <a:rPr lang="en-US" sz="2000" dirty="0">
                 <a:solidFill>
@@ -6469,114 +7591,17 @@
                 <a:ea typeface="Open Sans" panose="020B0606030504020204" pitchFamily="34" charset="0"/>
                 <a:cs typeface="Open Sans" panose="020B0606030504020204" pitchFamily="34" charset="0"/>
               </a:rPr>
-              <a:t>Boolean values are essential in these comparisons. </a:t>
-            </a:r>
-            <a:r>
-              <a:rPr lang="en-US" sz="2000" dirty="0">
-                <a:solidFill>
-                  <a:schemeClr val="tx1">
-                    <a:lumMod val="85000"/>
-                  </a:schemeClr>
-                </a:solidFill>
-                <a:latin typeface="Open Sans" panose="020B0606030504020204" pitchFamily="34" charset="0"/>
-                <a:ea typeface="Open Sans" panose="020B0606030504020204" pitchFamily="34" charset="0"/>
-                <a:cs typeface="Open Sans" panose="020B0606030504020204" pitchFamily="34" charset="0"/>
-              </a:rPr>
-              <a:t>With each decision we need the computer to make, we eventually answer in a yes or no manner - in Java, that yes or no is represented by:  </a:t>
-            </a:r>
-            <a:r>
-              <a:rPr lang="en-US" sz="2000" dirty="0">
-                <a:solidFill>
-                  <a:srgbClr val="00B0F0"/>
-                </a:solidFill>
-                <a:latin typeface="Open Sans" panose="020B0606030504020204" pitchFamily="34" charset="0"/>
-                <a:ea typeface="Open Sans" panose="020B0606030504020204" pitchFamily="34" charset="0"/>
-                <a:cs typeface="Open Sans" panose="020B0606030504020204" pitchFamily="34" charset="0"/>
-              </a:rPr>
-              <a:t>true or false. </a:t>
-            </a:r>
-          </a:p>
-          <a:p>
-            <a:endParaRPr lang="en-US" sz="2000" dirty="0">
-              <a:solidFill>
-                <a:srgbClr val="00B0F0"/>
-              </a:solidFill>
-              <a:latin typeface="Open Sans" panose="020B0606030504020204" pitchFamily="34" charset="0"/>
-              <a:ea typeface="Open Sans" panose="020B0606030504020204" pitchFamily="34" charset="0"/>
-              <a:cs typeface="Open Sans" panose="020B0606030504020204" pitchFamily="34" charset="0"/>
-            </a:endParaRPr>
-          </a:p>
-          <a:p>
-            <a:r>
-              <a:rPr lang="en-US" sz="2000">
-                <a:solidFill>
-                  <a:schemeClr val="tx1">
-                    <a:lumMod val="85000"/>
-                  </a:schemeClr>
-                </a:solidFill>
-                <a:latin typeface="Open Sans" panose="020B0606030504020204" pitchFamily="34" charset="0"/>
-                <a:ea typeface="Open Sans" panose="020B0606030504020204" pitchFamily="34" charset="0"/>
-                <a:cs typeface="Open Sans" panose="020B0606030504020204" pitchFamily="34" charset="0"/>
-              </a:rPr>
-              <a:t>The Java </a:t>
-            </a:r>
-            <a:r>
-              <a:rPr lang="en-US" sz="2000" dirty="0">
-                <a:solidFill>
-                  <a:srgbClr val="00B0F0"/>
-                </a:solidFill>
-                <a:latin typeface="Open Sans" panose="020B0606030504020204" pitchFamily="34" charset="0"/>
-                <a:ea typeface="Open Sans" panose="020B0606030504020204" pitchFamily="34" charset="0"/>
-                <a:cs typeface="Open Sans" panose="020B0606030504020204" pitchFamily="34" charset="0"/>
-              </a:rPr>
-              <a:t>Boolean operator is also </a:t>
-            </a:r>
-            <a:r>
-              <a:rPr lang="en-US" sz="2000">
-                <a:solidFill>
-                  <a:srgbClr val="00B0F0"/>
-                </a:solidFill>
-                <a:latin typeface="Open Sans" panose="020B0606030504020204" pitchFamily="34" charset="0"/>
-                <a:ea typeface="Open Sans" panose="020B0606030504020204" pitchFamily="34" charset="0"/>
-                <a:cs typeface="Open Sans" panose="020B0606030504020204" pitchFamily="34" charset="0"/>
-              </a:rPr>
-              <a:t>a data type</a:t>
-            </a:r>
-            <a:r>
-              <a:rPr lang="en-US" sz="2000">
-                <a:solidFill>
-                  <a:schemeClr val="tx1">
-                    <a:lumMod val="85000"/>
-                  </a:schemeClr>
-                </a:solidFill>
-                <a:latin typeface="Open Sans" panose="020B0606030504020204" pitchFamily="34" charset="0"/>
-                <a:ea typeface="Open Sans" panose="020B0606030504020204" pitchFamily="34" charset="0"/>
-                <a:cs typeface="Open Sans" panose="020B0606030504020204" pitchFamily="34" charset="0"/>
-              </a:rPr>
-              <a:t> </a:t>
-            </a:r>
-            <a:r>
-              <a:rPr lang="en-US" sz="2000" dirty="0">
-                <a:solidFill>
-                  <a:schemeClr val="tx1">
-                    <a:lumMod val="85000"/>
-                  </a:schemeClr>
-                </a:solidFill>
-                <a:latin typeface="Open Sans" panose="020B0606030504020204" pitchFamily="34" charset="0"/>
-                <a:ea typeface="Open Sans" panose="020B0606030504020204" pitchFamily="34" charset="0"/>
-                <a:cs typeface="Open Sans" panose="020B0606030504020204" pitchFamily="34" charset="0"/>
-              </a:rPr>
-              <a:t>just like int, float, or char. It is used where the condition true or false is needed, where the answer needs to be either 1 or 0. 1 being true and 0 being false. </a:t>
+              <a:t>Classes</a:t>
             </a:r>
           </a:p>
         </p:txBody>
       </p:sp>
       <p:sp>
         <p:nvSpPr>
-          <p:cNvPr id="12" name="TextBox 11">
+          <p:cNvPr id="4" name="TextBox 3">
             <a:extLst>
               <a:ext uri="{FF2B5EF4-FFF2-40B4-BE49-F238E27FC236}">
-                <a16:creationId xmlns:a16="http://schemas.microsoft.com/office/drawing/2014/main" id="{18FCF58A-E768-0BFC-8A0B-3881F7F528D8}"/>
+                <a16:creationId xmlns:a16="http://schemas.microsoft.com/office/drawing/2014/main" id="{0A9C3E86-2548-ECB5-8430-3E2B6C004107}"/>
               </a:ext>
             </a:extLst>
           </p:cNvPr>
@@ -6585,8 +7610,8 @@
         </p:nvSpPr>
         <p:spPr>
           <a:xfrm>
-            <a:off x="7961152" y="1744316"/>
-            <a:ext cx="3665523" cy="400110"/>
+            <a:off x="3416180" y="5870591"/>
+            <a:ext cx="8394107" cy="369332"/>
           </a:xfrm>
           <a:prstGeom prst="rect">
             <a:avLst/>
@@ -6597,496 +7622,120 @@
           <a:bodyPr wrap="square">
             <a:spAutoFit/>
           </a:bodyPr>
-          <a:lstStyle>
-            <a:defPPr>
-              <a:defRPr lang="en-US"/>
-            </a:defPPr>
-            <a:lvl1pPr>
-              <a:defRPr sz="2000">
-                <a:solidFill>
-                  <a:schemeClr val="tx1">
-                    <a:lumMod val="85000"/>
-                  </a:schemeClr>
-                </a:solidFill>
-                <a:latin typeface="Open Sans" panose="020B0606030504020204" pitchFamily="34" charset="0"/>
-                <a:ea typeface="Open Sans" panose="020B0606030504020204" pitchFamily="34" charset="0"/>
-                <a:cs typeface="Open Sans" panose="020B0606030504020204" pitchFamily="34" charset="0"/>
-              </a:defRPr>
-            </a:lvl1pPr>
-          </a:lstStyle>
-          <a:p>
-            <a:r>
-              <a:rPr lang="en-US" dirty="0"/>
-              <a:t>List of Boolean operators:</a:t>
-            </a:r>
-            <a:endParaRPr lang="en-US" sz="1800" dirty="0"/>
+          <a:lstStyle/>
+          <a:p>
+            <a:r>
+              <a:rPr lang="en-US" dirty="0">
+                <a:hlinkClick r:id="rId3"/>
+              </a:rPr>
+              <a:t>https://github.com/ckiefriter1/Java-Code-Examples/blob/main/src/arrays/Student.java</a:t>
+            </a:r>
+            <a:endParaRPr lang="en-US" dirty="0"/>
           </a:p>
         </p:txBody>
       </p:sp>
-      <p:graphicFrame>
-        <p:nvGraphicFramePr>
-          <p:cNvPr id="13" name="Table 13">
+      <p:sp>
+        <p:nvSpPr>
+          <p:cNvPr id="7" name="TextBox 6">
             <a:extLst>
               <a:ext uri="{FF2B5EF4-FFF2-40B4-BE49-F238E27FC236}">
-                <a16:creationId xmlns:a16="http://schemas.microsoft.com/office/drawing/2014/main" id="{BB1305A0-0446-F701-7436-EA612090B033}"/>
+                <a16:creationId xmlns:a16="http://schemas.microsoft.com/office/drawing/2014/main" id="{6078F001-09B3-95A6-FBBF-049E24348AA3}"/>
               </a:ext>
             </a:extLst>
           </p:cNvPr>
-          <p:cNvGraphicFramePr>
-            <a:graphicFrameLocks noGrp="1"/>
-          </p:cNvGraphicFramePr>
-          <p:nvPr>
-            <p:extLst>
-              <p:ext uri="{D42A27DB-BD31-4B8C-83A1-F6EECF244321}">
-                <p14:modId xmlns:p14="http://schemas.microsoft.com/office/powerpoint/2010/main" val="3603302571"/>
-              </p:ext>
-            </p:extLst>
-          </p:nvPr>
-        </p:nvGraphicFramePr>
-        <p:xfrm>
-          <a:off x="7897302" y="2227115"/>
-          <a:ext cx="3729373" cy="2595880"/>
-        </p:xfrm>
-        <a:graphic>
-          <a:graphicData uri="http://schemas.openxmlformats.org/drawingml/2006/table">
-            <a:tbl>
-              <a:tblPr firstRow="1" bandRow="1">
-                <a:tableStyleId>{5C22544A-7EE6-4342-B048-85BDC9FD1C3A}</a:tableStyleId>
-              </a:tblPr>
-              <a:tblGrid>
-                <a:gridCol w="1153952">
-                  <a:extLst>
-                    <a:ext uri="{9D8B030D-6E8A-4147-A177-3AD203B41FA5}">
-                      <a16:colId xmlns:a16="http://schemas.microsoft.com/office/drawing/2014/main" val="2289409662"/>
-                    </a:ext>
-                  </a:extLst>
-                </a:gridCol>
-                <a:gridCol w="2575421">
-                  <a:extLst>
-                    <a:ext uri="{9D8B030D-6E8A-4147-A177-3AD203B41FA5}">
-                      <a16:colId xmlns:a16="http://schemas.microsoft.com/office/drawing/2014/main" val="261623365"/>
-                    </a:ext>
-                  </a:extLst>
-                </a:gridCol>
-              </a:tblGrid>
-              <a:tr h="370840">
-                <a:tc>
-                  <a:txBody>
-                    <a:bodyPr/>
-                    <a:lstStyle/>
-                    <a:p>
-                      <a:pPr algn="ctr"/>
-                      <a:r>
-                        <a:rPr lang="en-US" dirty="0">
-                          <a:solidFill>
-                            <a:srgbClr val="00B0F0"/>
-                          </a:solidFill>
-                        </a:rPr>
-                        <a:t>Operator</a:t>
-                      </a:r>
-                    </a:p>
-                  </a:txBody>
-                  <a:tcPr>
-                    <a:solidFill>
-                      <a:schemeClr val="bg1"/>
-                    </a:solidFill>
-                  </a:tcPr>
-                </a:tc>
-                <a:tc>
-                  <a:txBody>
-                    <a:bodyPr/>
-                    <a:lstStyle/>
-                    <a:p>
-                      <a:pPr algn="ctr"/>
-                      <a:r>
-                        <a:rPr lang="en-US" dirty="0">
-                          <a:solidFill>
-                            <a:srgbClr val="00B0F0"/>
-                          </a:solidFill>
-                        </a:rPr>
-                        <a:t>Meaning</a:t>
-                      </a:r>
-                    </a:p>
-                  </a:txBody>
-                  <a:tcPr>
-                    <a:solidFill>
-                      <a:schemeClr val="bg1"/>
-                    </a:solidFill>
-                  </a:tcPr>
-                </a:tc>
-                <a:extLst>
-                  <a:ext uri="{0D108BD9-81ED-4DB2-BD59-A6C34878D82A}">
-                    <a16:rowId xmlns:a16="http://schemas.microsoft.com/office/drawing/2014/main" val="2306810534"/>
-                  </a:ext>
-                </a:extLst>
-              </a:tr>
-              <a:tr h="370840">
-                <a:tc>
-                  <a:txBody>
-                    <a:bodyPr/>
-                    <a:lstStyle/>
-                    <a:p>
-                      <a:pPr algn="ctr"/>
-                      <a:r>
-                        <a:rPr lang="en-US" dirty="0">
-                          <a:solidFill>
-                            <a:schemeClr val="tx1">
-                              <a:lumMod val="85000"/>
-                            </a:schemeClr>
-                          </a:solidFill>
-                        </a:rPr>
-                        <a:t>&lt;</a:t>
-                      </a:r>
-                    </a:p>
-                  </a:txBody>
-                  <a:tcPr>
-                    <a:solidFill>
-                      <a:schemeClr val="bg1"/>
-                    </a:solidFill>
-                  </a:tcPr>
-                </a:tc>
-                <a:tc>
-                  <a:txBody>
-                    <a:bodyPr/>
-                    <a:lstStyle/>
-                    <a:p>
-                      <a:r>
-                        <a:rPr lang="en-US" sz="1800" dirty="0">
-                          <a:solidFill>
-                            <a:schemeClr val="tx1">
-                              <a:lumMod val="85000"/>
-                            </a:schemeClr>
-                          </a:solidFill>
-                        </a:rPr>
-                        <a:t>Less than</a:t>
-                      </a:r>
-                      <a:endParaRPr lang="en-US" dirty="0">
-                        <a:solidFill>
-                          <a:schemeClr val="tx1">
-                            <a:lumMod val="85000"/>
-                          </a:schemeClr>
-                        </a:solidFill>
-                      </a:endParaRPr>
-                    </a:p>
-                  </a:txBody>
-                  <a:tcPr>
-                    <a:solidFill>
-                      <a:schemeClr val="bg1"/>
-                    </a:solidFill>
-                  </a:tcPr>
-                </a:tc>
-                <a:extLst>
-                  <a:ext uri="{0D108BD9-81ED-4DB2-BD59-A6C34878D82A}">
-                    <a16:rowId xmlns:a16="http://schemas.microsoft.com/office/drawing/2014/main" val="3332196684"/>
-                  </a:ext>
-                </a:extLst>
-              </a:tr>
-              <a:tr h="370840">
-                <a:tc>
-                  <a:txBody>
-                    <a:bodyPr/>
-                    <a:lstStyle/>
-                    <a:p>
-                      <a:pPr algn="ctr"/>
-                      <a:r>
-                        <a:rPr lang="en-US" dirty="0">
-                          <a:solidFill>
-                            <a:schemeClr val="tx1">
-                              <a:lumMod val="85000"/>
-                            </a:schemeClr>
-                          </a:solidFill>
-                        </a:rPr>
-                        <a:t>&gt;</a:t>
-                      </a:r>
-                    </a:p>
-                  </a:txBody>
-                  <a:tcPr>
-                    <a:solidFill>
-                      <a:schemeClr val="bg1"/>
-                    </a:solidFill>
-                  </a:tcPr>
-                </a:tc>
-                <a:tc>
-                  <a:txBody>
-                    <a:bodyPr/>
-                    <a:lstStyle/>
-                    <a:p>
-                      <a:r>
-                        <a:rPr lang="en-US" sz="1800" dirty="0">
-                          <a:solidFill>
-                            <a:schemeClr val="tx1">
-                              <a:lumMod val="85000"/>
-                            </a:schemeClr>
-                          </a:solidFill>
-                        </a:rPr>
-                        <a:t>Greater than</a:t>
-                      </a:r>
-                      <a:endParaRPr lang="en-US" dirty="0">
-                        <a:solidFill>
-                          <a:schemeClr val="tx1">
-                            <a:lumMod val="85000"/>
-                          </a:schemeClr>
-                        </a:solidFill>
-                      </a:endParaRPr>
-                    </a:p>
-                  </a:txBody>
-                  <a:tcPr>
-                    <a:solidFill>
-                      <a:schemeClr val="bg1"/>
-                    </a:solidFill>
-                  </a:tcPr>
-                </a:tc>
-                <a:extLst>
-                  <a:ext uri="{0D108BD9-81ED-4DB2-BD59-A6C34878D82A}">
-                    <a16:rowId xmlns:a16="http://schemas.microsoft.com/office/drawing/2014/main" val="3398480254"/>
-                  </a:ext>
-                </a:extLst>
-              </a:tr>
-              <a:tr h="370840">
-                <a:tc>
-                  <a:txBody>
-                    <a:bodyPr/>
-                    <a:lstStyle/>
-                    <a:p>
-                      <a:pPr algn="ctr"/>
-                      <a:r>
-                        <a:rPr lang="en-US" dirty="0">
-                          <a:solidFill>
-                            <a:schemeClr val="tx1">
-                              <a:lumMod val="85000"/>
-                            </a:schemeClr>
-                          </a:solidFill>
-                        </a:rPr>
-                        <a:t>&lt;=</a:t>
-                      </a:r>
-                    </a:p>
-                  </a:txBody>
-                  <a:tcPr>
-                    <a:solidFill>
-                      <a:schemeClr val="bg1"/>
-                    </a:solidFill>
-                  </a:tcPr>
-                </a:tc>
-                <a:tc>
-                  <a:txBody>
-                    <a:bodyPr/>
-                    <a:lstStyle/>
-                    <a:p>
-                      <a:r>
-                        <a:rPr lang="en-US" sz="1800" dirty="0">
-                          <a:solidFill>
-                            <a:schemeClr val="tx1">
-                              <a:lumMod val="85000"/>
-                            </a:schemeClr>
-                          </a:solidFill>
-                        </a:rPr>
-                        <a:t>Less than or equal to</a:t>
-                      </a:r>
-                      <a:endParaRPr lang="en-US" dirty="0">
-                        <a:solidFill>
-                          <a:schemeClr val="tx1">
-                            <a:lumMod val="85000"/>
-                          </a:schemeClr>
-                        </a:solidFill>
-                      </a:endParaRPr>
-                    </a:p>
-                  </a:txBody>
-                  <a:tcPr>
-                    <a:solidFill>
-                      <a:schemeClr val="bg1"/>
-                    </a:solidFill>
-                  </a:tcPr>
-                </a:tc>
-                <a:extLst>
-                  <a:ext uri="{0D108BD9-81ED-4DB2-BD59-A6C34878D82A}">
-                    <a16:rowId xmlns:a16="http://schemas.microsoft.com/office/drawing/2014/main" val="483797930"/>
-                  </a:ext>
-                </a:extLst>
-              </a:tr>
-              <a:tr h="370840">
-                <a:tc>
-                  <a:txBody>
-                    <a:bodyPr/>
-                    <a:lstStyle/>
-                    <a:p>
-                      <a:pPr algn="ctr"/>
-                      <a:r>
-                        <a:rPr lang="en-US" dirty="0">
-                          <a:solidFill>
-                            <a:schemeClr val="tx1">
-                              <a:lumMod val="85000"/>
-                            </a:schemeClr>
-                          </a:solidFill>
-                        </a:rPr>
-                        <a:t>&gt;=</a:t>
-                      </a:r>
-                    </a:p>
-                  </a:txBody>
-                  <a:tcPr>
-                    <a:solidFill>
-                      <a:schemeClr val="bg1"/>
-                    </a:solidFill>
-                  </a:tcPr>
-                </a:tc>
-                <a:tc>
-                  <a:txBody>
-                    <a:bodyPr/>
-                    <a:lstStyle/>
-                    <a:p>
-                      <a:r>
-                        <a:rPr lang="en-US" sz="1800" dirty="0">
-                          <a:solidFill>
-                            <a:schemeClr val="tx1">
-                              <a:lumMod val="85000"/>
-                            </a:schemeClr>
-                          </a:solidFill>
-                        </a:rPr>
-                        <a:t>Greater than or equal to</a:t>
-                      </a:r>
-                      <a:endParaRPr lang="en-US" dirty="0">
-                        <a:solidFill>
-                          <a:schemeClr val="tx1">
-                            <a:lumMod val="85000"/>
-                          </a:schemeClr>
-                        </a:solidFill>
-                      </a:endParaRPr>
-                    </a:p>
-                  </a:txBody>
-                  <a:tcPr>
-                    <a:solidFill>
-                      <a:schemeClr val="bg1"/>
-                    </a:solidFill>
-                  </a:tcPr>
-                </a:tc>
-                <a:extLst>
-                  <a:ext uri="{0D108BD9-81ED-4DB2-BD59-A6C34878D82A}">
-                    <a16:rowId xmlns:a16="http://schemas.microsoft.com/office/drawing/2014/main" val="2682126514"/>
-                  </a:ext>
-                </a:extLst>
-              </a:tr>
-              <a:tr h="370840">
-                <a:tc>
-                  <a:txBody>
-                    <a:bodyPr/>
-                    <a:lstStyle/>
-                    <a:p>
-                      <a:pPr algn="ctr"/>
-                      <a:r>
-                        <a:rPr lang="en-US" dirty="0">
-                          <a:solidFill>
-                            <a:schemeClr val="tx1">
-                              <a:lumMod val="85000"/>
-                            </a:schemeClr>
-                          </a:solidFill>
-                        </a:rPr>
-                        <a:t>==</a:t>
-                      </a:r>
-                    </a:p>
-                  </a:txBody>
-                  <a:tcPr>
-                    <a:solidFill>
-                      <a:schemeClr val="bg1"/>
-                    </a:solidFill>
-                  </a:tcPr>
-                </a:tc>
-                <a:tc>
-                  <a:txBody>
-                    <a:bodyPr/>
-                    <a:lstStyle/>
-                    <a:p>
-                      <a:r>
-                        <a:rPr lang="en-US" sz="1800" dirty="0">
-                          <a:solidFill>
-                            <a:schemeClr val="tx1">
-                              <a:lumMod val="85000"/>
-                            </a:schemeClr>
-                          </a:solidFill>
-                        </a:rPr>
-                        <a:t>Equal (type matters)</a:t>
-                      </a:r>
-                      <a:endParaRPr lang="en-US" dirty="0">
-                        <a:solidFill>
-                          <a:schemeClr val="tx1">
-                            <a:lumMod val="85000"/>
-                          </a:schemeClr>
-                        </a:solidFill>
-                      </a:endParaRPr>
-                    </a:p>
-                  </a:txBody>
-                  <a:tcPr>
-                    <a:solidFill>
-                      <a:schemeClr val="bg1"/>
-                    </a:solidFill>
-                  </a:tcPr>
-                </a:tc>
-                <a:extLst>
-                  <a:ext uri="{0D108BD9-81ED-4DB2-BD59-A6C34878D82A}">
-                    <a16:rowId xmlns:a16="http://schemas.microsoft.com/office/drawing/2014/main" val="2313429792"/>
-                  </a:ext>
-                </a:extLst>
-              </a:tr>
-              <a:tr h="370840">
-                <a:tc>
-                  <a:txBody>
-                    <a:bodyPr/>
-                    <a:lstStyle/>
-                    <a:p>
-                      <a:pPr algn="ctr"/>
-                      <a:r>
-                        <a:rPr lang="en-US" dirty="0">
-                          <a:solidFill>
-                            <a:schemeClr val="tx1">
-                              <a:lumMod val="85000"/>
-                            </a:schemeClr>
-                          </a:solidFill>
-                        </a:rPr>
-                        <a:t>!=</a:t>
-                      </a:r>
-                    </a:p>
-                  </a:txBody>
-                  <a:tcPr>
-                    <a:solidFill>
-                      <a:schemeClr val="bg1"/>
-                    </a:solidFill>
-                  </a:tcPr>
-                </a:tc>
-                <a:tc>
-                  <a:txBody>
-                    <a:bodyPr/>
-                    <a:lstStyle/>
-                    <a:p>
-                      <a:r>
-                        <a:rPr lang="en-US" dirty="0">
-                          <a:solidFill>
-                            <a:schemeClr val="tx1">
-                              <a:lumMod val="85000"/>
-                            </a:schemeClr>
-                          </a:solidFill>
-                        </a:rPr>
-                        <a:t>Not Equal</a:t>
-                      </a:r>
-                    </a:p>
-                  </a:txBody>
-                  <a:tcPr>
-                    <a:solidFill>
-                      <a:schemeClr val="bg1"/>
-                    </a:solidFill>
-                  </a:tcPr>
-                </a:tc>
-                <a:extLst>
-                  <a:ext uri="{0D108BD9-81ED-4DB2-BD59-A6C34878D82A}">
-                    <a16:rowId xmlns:a16="http://schemas.microsoft.com/office/drawing/2014/main" val="2694563809"/>
-                  </a:ext>
-                </a:extLst>
-              </a:tr>
-            </a:tbl>
-          </a:graphicData>
-        </a:graphic>
-      </p:graphicFrame>
+          <p:cNvSpPr txBox="1"/>
+          <p:nvPr/>
+        </p:nvSpPr>
+        <p:spPr>
+          <a:xfrm>
+            <a:off x="3416180" y="6310443"/>
+            <a:ext cx="9282870" cy="369332"/>
+          </a:xfrm>
+          <a:prstGeom prst="rect">
+            <a:avLst/>
+          </a:prstGeom>
+          <a:noFill/>
+        </p:spPr>
+        <p:txBody>
+          <a:bodyPr wrap="square">
+            <a:spAutoFit/>
+          </a:bodyPr>
+          <a:lstStyle/>
+          <a:p>
+            <a:r>
+              <a:rPr lang="en-US" dirty="0">
+                <a:hlinkClick r:id="rId4"/>
+              </a:rPr>
+              <a:t>https://github.com/ckiefriter1/Java-Code-Examples/blob/main/src/arrays/GradeBook.java</a:t>
+            </a:r>
+            <a:endParaRPr lang="en-US" dirty="0"/>
+          </a:p>
+        </p:txBody>
+      </p:sp>
+      <p:pic>
+        <p:nvPicPr>
+          <p:cNvPr id="9" name="Picture 8">
+            <a:extLst>
+              <a:ext uri="{FF2B5EF4-FFF2-40B4-BE49-F238E27FC236}">
+                <a16:creationId xmlns:a16="http://schemas.microsoft.com/office/drawing/2014/main" id="{951D6567-EE71-636D-5131-1733E9CA3EE1}"/>
+              </a:ext>
+            </a:extLst>
+          </p:cNvPr>
+          <p:cNvPicPr>
+            <a:picLocks noChangeAspect="1"/>
+          </p:cNvPicPr>
+          <p:nvPr/>
+        </p:nvPicPr>
+        <p:blipFill>
+          <a:blip r:embed="rId5"/>
+          <a:stretch>
+            <a:fillRect/>
+          </a:stretch>
+        </p:blipFill>
+        <p:spPr>
+          <a:xfrm>
+            <a:off x="216337" y="1868701"/>
+            <a:ext cx="5712412" cy="4065662"/>
+          </a:xfrm>
+          <a:prstGeom prst="rect">
+            <a:avLst/>
+          </a:prstGeom>
+        </p:spPr>
+      </p:pic>
+      <p:pic>
+        <p:nvPicPr>
+          <p:cNvPr id="12" name="Picture 11">
+            <a:extLst>
+              <a:ext uri="{FF2B5EF4-FFF2-40B4-BE49-F238E27FC236}">
+                <a16:creationId xmlns:a16="http://schemas.microsoft.com/office/drawing/2014/main" id="{75DBF1A8-6B47-A236-0E35-BCD7AC30E1AC}"/>
+              </a:ext>
+            </a:extLst>
+          </p:cNvPr>
+          <p:cNvPicPr>
+            <a:picLocks noChangeAspect="1"/>
+          </p:cNvPicPr>
+          <p:nvPr/>
+        </p:nvPicPr>
+        <p:blipFill>
+          <a:blip r:embed="rId6"/>
+          <a:stretch>
+            <a:fillRect/>
+          </a:stretch>
+        </p:blipFill>
+        <p:spPr>
+          <a:xfrm>
+            <a:off x="6096000" y="1868701"/>
+            <a:ext cx="5547036" cy="4065662"/>
+          </a:xfrm>
+          <a:prstGeom prst="rect">
+            <a:avLst/>
+          </a:prstGeom>
+        </p:spPr>
+      </p:pic>
     </p:spTree>
     <p:extLst>
       <p:ext uri="{BB962C8B-B14F-4D97-AF65-F5344CB8AC3E}">
-        <p14:creationId xmlns:p14="http://schemas.microsoft.com/office/powerpoint/2010/main" val="3995279466"/>
+        <p14:creationId xmlns:p14="http://schemas.microsoft.com/office/powerpoint/2010/main" val="460794980"/>
       </p:ext>
     </p:extLst>
   </p:cSld>
@@ -7096,7 +7745,7 @@
 </p:sld>
 </file>
 
-<file path=ppt/slides/slide4.xml><?xml version="1.0" encoding="utf-8"?>
+<file path=ppt/slides/slide5.xml><?xml version="1.0" encoding="utf-8"?>
 <p:sld xmlns:a="http://schemas.openxmlformats.org/drawingml/2006/main" xmlns:r="http://schemas.openxmlformats.org/officeDocument/2006/relationships" xmlns:p="http://schemas.openxmlformats.org/presentationml/2006/main">
   <p:cSld>
     <p:spTree>
@@ -7193,923 +7842,6 @@
 </p:sld>
 </file>
 
-<file path=ppt/slides/slide5.xml><?xml version="1.0" encoding="utf-8"?>
-<p:sld xmlns:a="http://schemas.openxmlformats.org/drawingml/2006/main" xmlns:r="http://schemas.openxmlformats.org/officeDocument/2006/relationships" xmlns:p="http://schemas.openxmlformats.org/presentationml/2006/main">
-  <p:cSld>
-    <p:spTree>
-      <p:nvGrpSpPr>
-        <p:cNvPr id="1" name=""/>
-        <p:cNvGrpSpPr/>
-        <p:nvPr/>
-      </p:nvGrpSpPr>
-      <p:grpSpPr>
-        <a:xfrm>
-          <a:off x="0" y="0"/>
-          <a:ext cx="0" cy="0"/>
-          <a:chOff x="0" y="0"/>
-          <a:chExt cx="0" cy="0"/>
-        </a:xfrm>
-      </p:grpSpPr>
-      <p:sp>
-        <p:nvSpPr>
-          <p:cNvPr id="3" name="TextBox 2">
-            <a:extLst>
-              <a:ext uri="{FF2B5EF4-FFF2-40B4-BE49-F238E27FC236}">
-                <a16:creationId xmlns:a16="http://schemas.microsoft.com/office/drawing/2014/main" id="{8A190F0E-2F97-FB1D-4C12-99BD52A45698}"/>
-              </a:ext>
-            </a:extLst>
-          </p:cNvPr>
-          <p:cNvSpPr txBox="1"/>
-          <p:nvPr/>
-        </p:nvSpPr>
-        <p:spPr>
-          <a:xfrm>
-            <a:off x="169723" y="781274"/>
-            <a:ext cx="11852554" cy="338554"/>
-          </a:xfrm>
-          <a:prstGeom prst="rect">
-            <a:avLst/>
-          </a:prstGeom>
-          <a:noFill/>
-        </p:spPr>
-        <p:txBody>
-          <a:bodyPr wrap="square">
-            <a:spAutoFit/>
-          </a:bodyPr>
-          <a:lstStyle/>
-          <a:p>
-            <a:pPr algn="l"/>
-            <a:r>
-              <a:rPr lang="en-US" sz="1600" b="1" i="0" dirty="0">
-                <a:solidFill>
-                  <a:srgbClr val="00B0F0"/>
-                </a:solidFill>
-                <a:effectLst/>
-                <a:latin typeface="Open Sans" panose="020B0606030504020204" pitchFamily="34" charset="0"/>
-              </a:rPr>
-              <a:t>if Statement</a:t>
-            </a:r>
-            <a:r>
-              <a:rPr lang="en-US" sz="1600" b="0" i="0" dirty="0">
-                <a:solidFill>
-                  <a:srgbClr val="00B0F0"/>
-                </a:solidFill>
-                <a:effectLst/>
-                <a:latin typeface="Open Sans" panose="020B0606030504020204" pitchFamily="34" charset="0"/>
-              </a:rPr>
-              <a:t> </a:t>
-            </a:r>
-          </a:p>
-        </p:txBody>
-      </p:sp>
-      <p:sp>
-        <p:nvSpPr>
-          <p:cNvPr id="6" name="TextBox 5">
-            <a:extLst>
-              <a:ext uri="{FF2B5EF4-FFF2-40B4-BE49-F238E27FC236}">
-                <a16:creationId xmlns:a16="http://schemas.microsoft.com/office/drawing/2014/main" id="{59E906CD-110B-9D01-732C-2F21759B0265}"/>
-              </a:ext>
-            </a:extLst>
-          </p:cNvPr>
-          <p:cNvSpPr txBox="1"/>
-          <p:nvPr/>
-        </p:nvSpPr>
-        <p:spPr>
-          <a:xfrm>
-            <a:off x="100972" y="167416"/>
-            <a:ext cx="6094854" cy="461665"/>
-          </a:xfrm>
-          <a:prstGeom prst="rect">
-            <a:avLst/>
-          </a:prstGeom>
-          <a:noFill/>
-        </p:spPr>
-        <p:txBody>
-          <a:bodyPr wrap="square">
-            <a:spAutoFit/>
-          </a:bodyPr>
-          <a:lstStyle/>
-          <a:p>
-            <a:pPr algn="l"/>
-            <a:r>
-              <a:rPr lang="en-US" sz="2400" b="1" dirty="0">
-                <a:solidFill>
-                  <a:srgbClr val="00B050"/>
-                </a:solidFill>
-                <a:latin typeface="Open Sans" panose="020B0606030504020204" pitchFamily="34" charset="0"/>
-              </a:rPr>
-              <a:t>i</a:t>
-            </a:r>
-            <a:r>
-              <a:rPr lang="en-US" sz="2400" b="1" dirty="0">
-                <a:solidFill>
-                  <a:srgbClr val="00B050"/>
-                </a:solidFill>
-                <a:effectLst/>
-                <a:latin typeface="Open Sans" panose="020B0606030504020204" pitchFamily="34" charset="0"/>
-              </a:rPr>
-              <a:t>f </a:t>
-            </a:r>
-            <a:r>
-              <a:rPr lang="en-US" sz="2400" b="1" dirty="0">
-                <a:solidFill>
-                  <a:srgbClr val="00B050"/>
-                </a:solidFill>
-                <a:effectLst/>
-                <a:latin typeface="Open Sans" panose="020B0606030504020204" pitchFamily="34" charset="0"/>
-                <a:sym typeface="Wingdings" panose="05000000000000000000" pitchFamily="2" charset="2"/>
-              </a:rPr>
-              <a:t> else Conditionals</a:t>
-            </a:r>
-            <a:endParaRPr lang="en-US" sz="2400" b="1" dirty="0">
-              <a:solidFill>
-                <a:srgbClr val="00B050"/>
-              </a:solidFill>
-              <a:effectLst/>
-              <a:latin typeface="Open Sans" panose="020B0606030504020204" pitchFamily="34" charset="0"/>
-            </a:endParaRPr>
-          </a:p>
-        </p:txBody>
-      </p:sp>
-      <p:sp>
-        <p:nvSpPr>
-          <p:cNvPr id="5" name="TextBox 4">
-            <a:extLst>
-              <a:ext uri="{FF2B5EF4-FFF2-40B4-BE49-F238E27FC236}">
-                <a16:creationId xmlns:a16="http://schemas.microsoft.com/office/drawing/2014/main" id="{4722EB52-7FBD-AEF3-6771-A0B77E13744B}"/>
-              </a:ext>
-            </a:extLst>
-          </p:cNvPr>
-          <p:cNvSpPr txBox="1"/>
-          <p:nvPr/>
-        </p:nvSpPr>
-        <p:spPr>
-          <a:xfrm>
-            <a:off x="716799" y="1093074"/>
-            <a:ext cx="9955635" cy="861774"/>
-          </a:xfrm>
-          <a:prstGeom prst="rect">
-            <a:avLst/>
-          </a:prstGeom>
-          <a:noFill/>
-        </p:spPr>
-        <p:txBody>
-          <a:bodyPr wrap="square">
-            <a:spAutoFit/>
-          </a:bodyPr>
-          <a:lstStyle/>
-          <a:p>
-            <a:r>
-              <a:rPr lang="en-US" sz="1600" dirty="0">
-                <a:solidFill>
-                  <a:schemeClr val="tx1">
-                    <a:lumMod val="85000"/>
-                  </a:schemeClr>
-                </a:solidFill>
-                <a:latin typeface="Arial" panose="020B0604020202020204" pitchFamily="34" charset="0"/>
-                <a:cs typeface="Arial" panose="020B0604020202020204" pitchFamily="34" charset="0"/>
-              </a:rPr>
-              <a:t>if (</a:t>
-            </a:r>
-            <a:r>
-              <a:rPr lang="en-US" sz="1600" i="1" dirty="0">
-                <a:solidFill>
-                  <a:schemeClr val="bg1">
-                    <a:lumMod val="65000"/>
-                    <a:lumOff val="35000"/>
-                  </a:schemeClr>
-                </a:solidFill>
-                <a:latin typeface="Arial" panose="020B0604020202020204" pitchFamily="34" charset="0"/>
-                <a:cs typeface="Arial" panose="020B0604020202020204" pitchFamily="34" charset="0"/>
-              </a:rPr>
-              <a:t>/*Boolean Expression - </a:t>
-            </a:r>
-            <a:r>
-              <a:rPr lang="en-US" sz="1400" i="1" dirty="0">
-                <a:solidFill>
-                  <a:schemeClr val="bg1">
-                    <a:lumMod val="65000"/>
-                    <a:lumOff val="35000"/>
-                  </a:schemeClr>
-                </a:solidFill>
-                <a:latin typeface="Arial" panose="020B0604020202020204" pitchFamily="34" charset="0"/>
-                <a:cs typeface="Arial" panose="020B0604020202020204" pitchFamily="34" charset="0"/>
-              </a:rPr>
-              <a:t>Conditional expression that results in a Boolean value</a:t>
-            </a:r>
-            <a:r>
-              <a:rPr lang="en-US" sz="1600" i="1" dirty="0">
-                <a:solidFill>
-                  <a:schemeClr val="bg1">
-                    <a:lumMod val="65000"/>
-                    <a:lumOff val="35000"/>
-                  </a:schemeClr>
-                </a:solidFill>
-                <a:latin typeface="Arial" panose="020B0604020202020204" pitchFamily="34" charset="0"/>
-                <a:cs typeface="Arial" panose="020B0604020202020204" pitchFamily="34" charset="0"/>
-              </a:rPr>
-              <a:t>*/</a:t>
-            </a:r>
-            <a:r>
-              <a:rPr lang="en-US" sz="1600" dirty="0">
-                <a:solidFill>
-                  <a:schemeClr val="tx1">
-                    <a:lumMod val="85000"/>
-                  </a:schemeClr>
-                </a:solidFill>
-                <a:latin typeface="Arial" panose="020B0604020202020204" pitchFamily="34" charset="0"/>
-                <a:cs typeface="Arial" panose="020B0604020202020204" pitchFamily="34" charset="0"/>
-              </a:rPr>
-              <a:t>) {</a:t>
-            </a:r>
-          </a:p>
-          <a:p>
-            <a:r>
-              <a:rPr lang="en-US" sz="1600" dirty="0">
-                <a:solidFill>
-                  <a:schemeClr val="tx1">
-                    <a:lumMod val="85000"/>
-                  </a:schemeClr>
-                </a:solidFill>
-                <a:latin typeface="Arial" panose="020B0604020202020204" pitchFamily="34" charset="0"/>
-                <a:cs typeface="Arial" panose="020B0604020202020204" pitchFamily="34" charset="0"/>
-              </a:rPr>
-              <a:t>   </a:t>
-            </a:r>
-            <a:r>
-              <a:rPr lang="en-US" sz="1600" i="1" dirty="0">
-                <a:solidFill>
-                  <a:schemeClr val="bg1">
-                    <a:lumMod val="65000"/>
-                    <a:lumOff val="35000"/>
-                  </a:schemeClr>
-                </a:solidFill>
-                <a:latin typeface="Arial" panose="020B0604020202020204" pitchFamily="34" charset="0"/>
-                <a:cs typeface="Arial" panose="020B0604020202020204" pitchFamily="34" charset="0"/>
-              </a:rPr>
-              <a:t>//code to run if Boolean expression in parentheses evaluates to true</a:t>
-            </a:r>
-          </a:p>
-          <a:p>
-            <a:r>
-              <a:rPr lang="en-US" sz="1600" dirty="0">
-                <a:solidFill>
-                  <a:schemeClr val="tx1">
-                    <a:lumMod val="85000"/>
-                  </a:schemeClr>
-                </a:solidFill>
-                <a:latin typeface="Arial" panose="020B0604020202020204" pitchFamily="34" charset="0"/>
-                <a:cs typeface="Arial" panose="020B0604020202020204" pitchFamily="34" charset="0"/>
-              </a:rPr>
-              <a:t>}</a:t>
-            </a:r>
-          </a:p>
-        </p:txBody>
-      </p:sp>
-      <p:sp>
-        <p:nvSpPr>
-          <p:cNvPr id="7" name="TextBox 6">
-            <a:extLst>
-              <a:ext uri="{FF2B5EF4-FFF2-40B4-BE49-F238E27FC236}">
-                <a16:creationId xmlns:a16="http://schemas.microsoft.com/office/drawing/2014/main" id="{2F8EFB88-7117-DB08-F164-0D4DDE8F4760}"/>
-              </a:ext>
-            </a:extLst>
-          </p:cNvPr>
-          <p:cNvSpPr txBox="1"/>
-          <p:nvPr/>
-        </p:nvSpPr>
-        <p:spPr>
-          <a:xfrm>
-            <a:off x="169723" y="2259134"/>
-            <a:ext cx="11852554" cy="338554"/>
-          </a:xfrm>
-          <a:prstGeom prst="rect">
-            <a:avLst/>
-          </a:prstGeom>
-          <a:noFill/>
-        </p:spPr>
-        <p:txBody>
-          <a:bodyPr wrap="square">
-            <a:spAutoFit/>
-          </a:bodyPr>
-          <a:lstStyle/>
-          <a:p>
-            <a:pPr algn="l"/>
-            <a:r>
-              <a:rPr lang="en-US" sz="1600" b="1" dirty="0">
-                <a:solidFill>
-                  <a:srgbClr val="00B0F0"/>
-                </a:solidFill>
-                <a:latin typeface="Open Sans" panose="020B0606030504020204" pitchFamily="34" charset="0"/>
-              </a:rPr>
-              <a:t>i</a:t>
-            </a:r>
-            <a:r>
-              <a:rPr lang="en-US" sz="1600" b="1" i="0" dirty="0">
-                <a:solidFill>
-                  <a:srgbClr val="00B0F0"/>
-                </a:solidFill>
-                <a:effectLst/>
-                <a:latin typeface="Open Sans" panose="020B0606030504020204" pitchFamily="34" charset="0"/>
-              </a:rPr>
-              <a:t>f </a:t>
-            </a:r>
-            <a:r>
-              <a:rPr lang="en-US" sz="1600" b="1" i="0" dirty="0">
-                <a:solidFill>
-                  <a:srgbClr val="00B0F0"/>
-                </a:solidFill>
-                <a:effectLst/>
-                <a:latin typeface="Open Sans" panose="020B0606030504020204" pitchFamily="34" charset="0"/>
-                <a:sym typeface="Wingdings" panose="05000000000000000000" pitchFamily="2" charset="2"/>
-              </a:rPr>
-              <a:t></a:t>
-            </a:r>
-            <a:r>
-              <a:rPr lang="en-US" sz="1600" b="1" i="0" dirty="0">
-                <a:solidFill>
-                  <a:srgbClr val="00B0F0"/>
-                </a:solidFill>
-                <a:effectLst/>
-                <a:latin typeface="Open Sans" panose="020B0606030504020204" pitchFamily="34" charset="0"/>
-              </a:rPr>
-              <a:t> else Statement</a:t>
-            </a:r>
-            <a:r>
-              <a:rPr lang="en-US" sz="1600" b="0" i="0" dirty="0">
-                <a:solidFill>
-                  <a:srgbClr val="00B0F0"/>
-                </a:solidFill>
-                <a:effectLst/>
-                <a:latin typeface="Open Sans" panose="020B0606030504020204" pitchFamily="34" charset="0"/>
-              </a:rPr>
-              <a:t> </a:t>
-            </a:r>
-          </a:p>
-        </p:txBody>
-      </p:sp>
-      <p:sp>
-        <p:nvSpPr>
-          <p:cNvPr id="8" name="TextBox 7">
-            <a:extLst>
-              <a:ext uri="{FF2B5EF4-FFF2-40B4-BE49-F238E27FC236}">
-                <a16:creationId xmlns:a16="http://schemas.microsoft.com/office/drawing/2014/main" id="{FA061E8C-5A3E-8D93-0FF8-7C9A1D14FB3F}"/>
-              </a:ext>
-            </a:extLst>
-          </p:cNvPr>
-          <p:cNvSpPr txBox="1"/>
-          <p:nvPr/>
-        </p:nvSpPr>
-        <p:spPr>
-          <a:xfrm>
-            <a:off x="716798" y="2559584"/>
-            <a:ext cx="9955635" cy="1354217"/>
-          </a:xfrm>
-          <a:prstGeom prst="rect">
-            <a:avLst/>
-          </a:prstGeom>
-          <a:noFill/>
-        </p:spPr>
-        <p:txBody>
-          <a:bodyPr wrap="square">
-            <a:spAutoFit/>
-          </a:bodyPr>
-          <a:lstStyle/>
-          <a:p>
-            <a:r>
-              <a:rPr lang="en-US" sz="1600" dirty="0">
-                <a:solidFill>
-                  <a:schemeClr val="tx1">
-                    <a:lumMod val="85000"/>
-                  </a:schemeClr>
-                </a:solidFill>
-                <a:latin typeface="Arial" panose="020B0604020202020204" pitchFamily="34" charset="0"/>
-                <a:cs typeface="Arial" panose="020B0604020202020204" pitchFamily="34" charset="0"/>
-              </a:rPr>
-              <a:t>if (</a:t>
-            </a:r>
-            <a:r>
-              <a:rPr lang="en-US" sz="1600" i="1" dirty="0">
-                <a:solidFill>
-                  <a:schemeClr val="bg1">
-                    <a:lumMod val="65000"/>
-                    <a:lumOff val="35000"/>
-                  </a:schemeClr>
-                </a:solidFill>
-                <a:latin typeface="Arial" panose="020B0604020202020204" pitchFamily="34" charset="0"/>
-                <a:cs typeface="Arial" panose="020B0604020202020204" pitchFamily="34" charset="0"/>
-              </a:rPr>
-              <a:t>/*Boolean Expression #1*/</a:t>
-            </a:r>
-            <a:r>
-              <a:rPr lang="en-US" sz="1600" dirty="0">
-                <a:solidFill>
-                  <a:schemeClr val="tx1">
-                    <a:lumMod val="85000"/>
-                  </a:schemeClr>
-                </a:solidFill>
-                <a:latin typeface="Arial" panose="020B0604020202020204" pitchFamily="34" charset="0"/>
-                <a:cs typeface="Arial" panose="020B0604020202020204" pitchFamily="34" charset="0"/>
-              </a:rPr>
-              <a:t>) {</a:t>
-            </a:r>
-          </a:p>
-          <a:p>
-            <a:r>
-              <a:rPr lang="en-US" sz="1600" dirty="0">
-                <a:solidFill>
-                  <a:schemeClr val="tx1">
-                    <a:lumMod val="85000"/>
-                  </a:schemeClr>
-                </a:solidFill>
-                <a:latin typeface="Arial" panose="020B0604020202020204" pitchFamily="34" charset="0"/>
-                <a:cs typeface="Arial" panose="020B0604020202020204" pitchFamily="34" charset="0"/>
-              </a:rPr>
-              <a:t>   </a:t>
-            </a:r>
-            <a:r>
-              <a:rPr lang="en-US" sz="1600" i="1" dirty="0">
-                <a:solidFill>
-                  <a:schemeClr val="bg1">
-                    <a:lumMod val="65000"/>
-                    <a:lumOff val="35000"/>
-                  </a:schemeClr>
-                </a:solidFill>
-                <a:latin typeface="Arial" panose="020B0604020202020204" pitchFamily="34" charset="0"/>
-                <a:cs typeface="Arial" panose="020B0604020202020204" pitchFamily="34" charset="0"/>
-              </a:rPr>
-              <a:t>//code to run if Boolean expression #1 in parentheses evaluates to </a:t>
-            </a:r>
-            <a:r>
-              <a:rPr lang="en-US" sz="1600" i="1" dirty="0">
-                <a:solidFill>
-                  <a:srgbClr val="00B0F0"/>
-                </a:solidFill>
-                <a:latin typeface="Arial" panose="020B0604020202020204" pitchFamily="34" charset="0"/>
-                <a:cs typeface="Arial" panose="020B0604020202020204" pitchFamily="34" charset="0"/>
-              </a:rPr>
-              <a:t>true</a:t>
-            </a:r>
-          </a:p>
-          <a:p>
-            <a:r>
-              <a:rPr lang="en-US" sz="1600" dirty="0">
-                <a:solidFill>
-                  <a:schemeClr val="tx1">
-                    <a:lumMod val="85000"/>
-                  </a:schemeClr>
-                </a:solidFill>
-                <a:latin typeface="Arial" panose="020B0604020202020204" pitchFamily="34" charset="0"/>
-                <a:cs typeface="Arial" panose="020B0604020202020204" pitchFamily="34" charset="0"/>
-              </a:rPr>
-              <a:t>} else {</a:t>
-            </a:r>
-          </a:p>
-          <a:p>
-            <a:r>
-              <a:rPr lang="en-US" sz="1600" dirty="0">
-                <a:solidFill>
-                  <a:schemeClr val="tx1">
-                    <a:lumMod val="85000"/>
-                  </a:schemeClr>
-                </a:solidFill>
-                <a:latin typeface="Arial" panose="020B0604020202020204" pitchFamily="34" charset="0"/>
-                <a:cs typeface="Arial" panose="020B0604020202020204" pitchFamily="34" charset="0"/>
-              </a:rPr>
-              <a:t>   </a:t>
-            </a:r>
-            <a:r>
-              <a:rPr lang="en-US" sz="1600" i="1" dirty="0">
-                <a:solidFill>
-                  <a:schemeClr val="bg1">
-                    <a:lumMod val="65000"/>
-                    <a:lumOff val="35000"/>
-                  </a:schemeClr>
-                </a:solidFill>
-                <a:latin typeface="Arial" panose="020B0604020202020204" pitchFamily="34" charset="0"/>
-                <a:cs typeface="Arial" panose="020B0604020202020204" pitchFamily="34" charset="0"/>
-              </a:rPr>
-              <a:t>//code to run if Boolean expression #1 in parentheses evaluates to </a:t>
-            </a:r>
-            <a:r>
-              <a:rPr lang="en-US" sz="1600" i="1" dirty="0">
-                <a:solidFill>
-                  <a:srgbClr val="00B0F0"/>
-                </a:solidFill>
-                <a:latin typeface="Arial" panose="020B0604020202020204" pitchFamily="34" charset="0"/>
-                <a:cs typeface="Arial" panose="020B0604020202020204" pitchFamily="34" charset="0"/>
-              </a:rPr>
-              <a:t>false</a:t>
-            </a:r>
-          </a:p>
-          <a:p>
-            <a:r>
-              <a:rPr lang="en-US" sz="1600" i="1" dirty="0">
-                <a:solidFill>
-                  <a:schemeClr val="tx1">
-                    <a:lumMod val="85000"/>
-                  </a:schemeClr>
-                </a:solidFill>
-                <a:latin typeface="Arial" panose="020B0604020202020204" pitchFamily="34" charset="0"/>
-                <a:cs typeface="Arial" panose="020B0604020202020204" pitchFamily="34" charset="0"/>
-              </a:rPr>
-              <a:t>}</a:t>
-            </a:r>
-          </a:p>
-        </p:txBody>
-      </p:sp>
-      <p:sp>
-        <p:nvSpPr>
-          <p:cNvPr id="9" name="TextBox 8">
-            <a:extLst>
-              <a:ext uri="{FF2B5EF4-FFF2-40B4-BE49-F238E27FC236}">
-                <a16:creationId xmlns:a16="http://schemas.microsoft.com/office/drawing/2014/main" id="{EA1B1EA7-B605-1137-AF6A-C16DE5D15BCD}"/>
-              </a:ext>
-            </a:extLst>
-          </p:cNvPr>
-          <p:cNvSpPr txBox="1"/>
-          <p:nvPr/>
-        </p:nvSpPr>
-        <p:spPr>
-          <a:xfrm>
-            <a:off x="169723" y="4315834"/>
-            <a:ext cx="11852554" cy="338554"/>
-          </a:xfrm>
-          <a:prstGeom prst="rect">
-            <a:avLst/>
-          </a:prstGeom>
-          <a:noFill/>
-        </p:spPr>
-        <p:txBody>
-          <a:bodyPr wrap="square">
-            <a:spAutoFit/>
-          </a:bodyPr>
-          <a:lstStyle/>
-          <a:p>
-            <a:pPr algn="l"/>
-            <a:r>
-              <a:rPr lang="en-US" sz="1600" b="1" dirty="0">
-                <a:solidFill>
-                  <a:srgbClr val="00B0F0"/>
-                </a:solidFill>
-                <a:latin typeface="Open Sans" panose="020B0606030504020204" pitchFamily="34" charset="0"/>
-              </a:rPr>
-              <a:t>i</a:t>
-            </a:r>
-            <a:r>
-              <a:rPr lang="en-US" sz="1600" b="1" i="0" dirty="0">
-                <a:solidFill>
-                  <a:srgbClr val="00B0F0"/>
-                </a:solidFill>
-                <a:effectLst/>
-                <a:latin typeface="Open Sans" panose="020B0606030504020204" pitchFamily="34" charset="0"/>
-              </a:rPr>
-              <a:t>f </a:t>
-            </a:r>
-            <a:r>
-              <a:rPr lang="en-US" sz="1600" b="1" i="0" dirty="0">
-                <a:solidFill>
-                  <a:srgbClr val="00B0F0"/>
-                </a:solidFill>
-                <a:effectLst/>
-                <a:latin typeface="Open Sans" panose="020B0606030504020204" pitchFamily="34" charset="0"/>
-                <a:sym typeface="Wingdings" panose="05000000000000000000" pitchFamily="2" charset="2"/>
-              </a:rPr>
-              <a:t></a:t>
-            </a:r>
-            <a:r>
-              <a:rPr lang="en-US" sz="1600" b="1" i="0" dirty="0">
-                <a:solidFill>
-                  <a:srgbClr val="00B0F0"/>
-                </a:solidFill>
-                <a:effectLst/>
-                <a:latin typeface="Open Sans" panose="020B0606030504020204" pitchFamily="34" charset="0"/>
-              </a:rPr>
-              <a:t> else if </a:t>
-            </a:r>
-            <a:r>
-              <a:rPr lang="en-US" sz="1600" b="1" i="0" dirty="0">
-                <a:solidFill>
-                  <a:srgbClr val="00B0F0"/>
-                </a:solidFill>
-                <a:effectLst/>
-                <a:latin typeface="Open Sans" panose="020B0606030504020204" pitchFamily="34" charset="0"/>
-                <a:sym typeface="Wingdings" panose="05000000000000000000" pitchFamily="2" charset="2"/>
-              </a:rPr>
-              <a:t></a:t>
-            </a:r>
-            <a:r>
-              <a:rPr lang="en-US" sz="1600" b="1" i="0" dirty="0">
-                <a:solidFill>
-                  <a:srgbClr val="00B0F0"/>
-                </a:solidFill>
-                <a:effectLst/>
-                <a:latin typeface="Open Sans" panose="020B0606030504020204" pitchFamily="34" charset="0"/>
-              </a:rPr>
-              <a:t> else Statement</a:t>
-            </a:r>
-            <a:r>
-              <a:rPr lang="en-US" sz="1600" b="0" i="0" dirty="0">
-                <a:solidFill>
-                  <a:srgbClr val="00B0F0"/>
-                </a:solidFill>
-                <a:effectLst/>
-                <a:latin typeface="Open Sans" panose="020B0606030504020204" pitchFamily="34" charset="0"/>
-              </a:rPr>
-              <a:t> </a:t>
-            </a:r>
-          </a:p>
-        </p:txBody>
-      </p:sp>
-      <p:sp>
-        <p:nvSpPr>
-          <p:cNvPr id="10" name="TextBox 9">
-            <a:extLst>
-              <a:ext uri="{FF2B5EF4-FFF2-40B4-BE49-F238E27FC236}">
-                <a16:creationId xmlns:a16="http://schemas.microsoft.com/office/drawing/2014/main" id="{5FE0F0B4-AC6B-987F-CA51-A4E6DE70DBB8}"/>
-              </a:ext>
-            </a:extLst>
-          </p:cNvPr>
-          <p:cNvSpPr txBox="1"/>
-          <p:nvPr/>
-        </p:nvSpPr>
-        <p:spPr>
-          <a:xfrm>
-            <a:off x="716798" y="4676456"/>
-            <a:ext cx="9955635" cy="1846659"/>
-          </a:xfrm>
-          <a:prstGeom prst="rect">
-            <a:avLst/>
-          </a:prstGeom>
-          <a:noFill/>
-        </p:spPr>
-        <p:txBody>
-          <a:bodyPr wrap="square">
-            <a:spAutoFit/>
-          </a:bodyPr>
-          <a:lstStyle/>
-          <a:p>
-            <a:r>
-              <a:rPr lang="en-US" sz="1600" dirty="0">
-                <a:solidFill>
-                  <a:schemeClr val="tx1">
-                    <a:lumMod val="85000"/>
-                  </a:schemeClr>
-                </a:solidFill>
-                <a:latin typeface="Arial" panose="020B0604020202020204" pitchFamily="34" charset="0"/>
-                <a:cs typeface="Arial" panose="020B0604020202020204" pitchFamily="34" charset="0"/>
-              </a:rPr>
-              <a:t>if (</a:t>
-            </a:r>
-            <a:r>
-              <a:rPr lang="en-US" sz="1600" i="1" dirty="0">
-                <a:solidFill>
-                  <a:schemeClr val="bg1">
-                    <a:lumMod val="65000"/>
-                    <a:lumOff val="35000"/>
-                  </a:schemeClr>
-                </a:solidFill>
-                <a:latin typeface="Arial" panose="020B0604020202020204" pitchFamily="34" charset="0"/>
-                <a:cs typeface="Arial" panose="020B0604020202020204" pitchFamily="34" charset="0"/>
-              </a:rPr>
-              <a:t>/*Boolean Expression #1*/</a:t>
-            </a:r>
-            <a:r>
-              <a:rPr lang="en-US" sz="1600" dirty="0">
-                <a:solidFill>
-                  <a:schemeClr val="tx1">
-                    <a:lumMod val="85000"/>
-                  </a:schemeClr>
-                </a:solidFill>
-                <a:latin typeface="Arial" panose="020B0604020202020204" pitchFamily="34" charset="0"/>
-                <a:cs typeface="Arial" panose="020B0604020202020204" pitchFamily="34" charset="0"/>
-              </a:rPr>
-              <a:t>) {</a:t>
-            </a:r>
-          </a:p>
-          <a:p>
-            <a:r>
-              <a:rPr lang="en-US" sz="1600" dirty="0">
-                <a:solidFill>
-                  <a:schemeClr val="tx1">
-                    <a:lumMod val="85000"/>
-                  </a:schemeClr>
-                </a:solidFill>
-                <a:latin typeface="Arial" panose="020B0604020202020204" pitchFamily="34" charset="0"/>
-                <a:cs typeface="Arial" panose="020B0604020202020204" pitchFamily="34" charset="0"/>
-              </a:rPr>
-              <a:t>     </a:t>
-            </a:r>
-            <a:r>
-              <a:rPr lang="en-US" sz="1600" i="1" dirty="0">
-                <a:solidFill>
-                  <a:schemeClr val="bg1">
-                    <a:lumMod val="65000"/>
-                    <a:lumOff val="35000"/>
-                  </a:schemeClr>
-                </a:solidFill>
-                <a:latin typeface="Arial" panose="020B0604020202020204" pitchFamily="34" charset="0"/>
-                <a:cs typeface="Arial" panose="020B0604020202020204" pitchFamily="34" charset="0"/>
-              </a:rPr>
-              <a:t>//code to run if Boolean expression #1 in parentheses evaluates to </a:t>
-            </a:r>
-            <a:r>
-              <a:rPr lang="en-US" sz="1600" i="1" dirty="0">
-                <a:solidFill>
-                  <a:srgbClr val="00B0F0"/>
-                </a:solidFill>
-                <a:latin typeface="Arial" panose="020B0604020202020204" pitchFamily="34" charset="0"/>
-                <a:cs typeface="Arial" panose="020B0604020202020204" pitchFamily="34" charset="0"/>
-              </a:rPr>
-              <a:t>true</a:t>
-            </a:r>
-          </a:p>
-          <a:p>
-            <a:r>
-              <a:rPr lang="en-US" sz="1600" dirty="0">
-                <a:solidFill>
-                  <a:schemeClr val="tx1">
-                    <a:lumMod val="85000"/>
-                  </a:schemeClr>
-                </a:solidFill>
-                <a:latin typeface="Arial" panose="020B0604020202020204" pitchFamily="34" charset="0"/>
-                <a:cs typeface="Arial" panose="020B0604020202020204" pitchFamily="34" charset="0"/>
-              </a:rPr>
-              <a:t>} else if (</a:t>
-            </a:r>
-            <a:r>
-              <a:rPr lang="en-US" sz="1600" i="1" dirty="0">
-                <a:solidFill>
-                  <a:schemeClr val="bg1">
-                    <a:lumMod val="65000"/>
-                    <a:lumOff val="35000"/>
-                  </a:schemeClr>
-                </a:solidFill>
-                <a:latin typeface="Arial" panose="020B0604020202020204" pitchFamily="34" charset="0"/>
-                <a:cs typeface="Arial" panose="020B0604020202020204" pitchFamily="34" charset="0"/>
-              </a:rPr>
-              <a:t>/*Boolean Expression #2*/</a:t>
-            </a:r>
-            <a:r>
-              <a:rPr lang="en-US" sz="1600" dirty="0">
-                <a:solidFill>
-                  <a:schemeClr val="tx1">
-                    <a:lumMod val="85000"/>
-                  </a:schemeClr>
-                </a:solidFill>
-                <a:latin typeface="Arial" panose="020B0604020202020204" pitchFamily="34" charset="0"/>
-                <a:cs typeface="Arial" panose="020B0604020202020204" pitchFamily="34" charset="0"/>
-              </a:rPr>
-              <a:t>) {</a:t>
-            </a:r>
-          </a:p>
-          <a:p>
-            <a:r>
-              <a:rPr lang="en-US" sz="1600" dirty="0">
-                <a:solidFill>
-                  <a:schemeClr val="tx1">
-                    <a:lumMod val="85000"/>
-                  </a:schemeClr>
-                </a:solidFill>
-                <a:latin typeface="Arial" panose="020B0604020202020204" pitchFamily="34" charset="0"/>
-                <a:cs typeface="Arial" panose="020B0604020202020204" pitchFamily="34" charset="0"/>
-              </a:rPr>
-              <a:t>     </a:t>
-            </a:r>
-            <a:r>
-              <a:rPr lang="en-US" sz="1600" i="1" dirty="0">
-                <a:solidFill>
-                  <a:schemeClr val="bg1">
-                    <a:lumMod val="65000"/>
-                    <a:lumOff val="35000"/>
-                  </a:schemeClr>
-                </a:solidFill>
-                <a:latin typeface="Arial" panose="020B0604020202020204" pitchFamily="34" charset="0"/>
-                <a:cs typeface="Arial" panose="020B0604020202020204" pitchFamily="34" charset="0"/>
-              </a:rPr>
-              <a:t>//code to run if Boolean expression #2 in parentheses evaluates to </a:t>
-            </a:r>
-            <a:r>
-              <a:rPr lang="en-US" sz="1600" i="1" dirty="0">
-                <a:solidFill>
-                  <a:srgbClr val="00B0F0"/>
-                </a:solidFill>
-                <a:latin typeface="Arial" panose="020B0604020202020204" pitchFamily="34" charset="0"/>
-                <a:cs typeface="Arial" panose="020B0604020202020204" pitchFamily="34" charset="0"/>
-              </a:rPr>
-              <a:t>true</a:t>
-            </a:r>
-          </a:p>
-          <a:p>
-            <a:r>
-              <a:rPr lang="en-US" sz="1600" dirty="0">
-                <a:solidFill>
-                  <a:schemeClr val="tx1">
-                    <a:lumMod val="85000"/>
-                  </a:schemeClr>
-                </a:solidFill>
-                <a:latin typeface="Arial" panose="020B0604020202020204" pitchFamily="34" charset="0"/>
-                <a:cs typeface="Arial" panose="020B0604020202020204" pitchFamily="34" charset="0"/>
-              </a:rPr>
-              <a:t>} else {</a:t>
-            </a:r>
-          </a:p>
-          <a:p>
-            <a:r>
-              <a:rPr lang="en-US" sz="1600" dirty="0">
-                <a:solidFill>
-                  <a:schemeClr val="tx1">
-                    <a:lumMod val="85000"/>
-                  </a:schemeClr>
-                </a:solidFill>
-                <a:latin typeface="Arial" panose="020B0604020202020204" pitchFamily="34" charset="0"/>
-                <a:cs typeface="Arial" panose="020B0604020202020204" pitchFamily="34" charset="0"/>
-              </a:rPr>
-              <a:t>     </a:t>
-            </a:r>
-            <a:r>
-              <a:rPr lang="en-US" sz="1600" i="1" dirty="0">
-                <a:solidFill>
-                  <a:schemeClr val="bg1">
-                    <a:lumMod val="65000"/>
-                    <a:lumOff val="35000"/>
-                  </a:schemeClr>
-                </a:solidFill>
-                <a:latin typeface="Arial" panose="020B0604020202020204" pitchFamily="34" charset="0"/>
-                <a:cs typeface="Arial" panose="020B0604020202020204" pitchFamily="34" charset="0"/>
-              </a:rPr>
-              <a:t>//code to run if Boolean expression #1 &amp; #2 in parentheses evaluates to </a:t>
-            </a:r>
-            <a:r>
-              <a:rPr lang="en-US" sz="1600" i="1" dirty="0">
-                <a:solidFill>
-                  <a:srgbClr val="00B0F0"/>
-                </a:solidFill>
-                <a:latin typeface="Arial" panose="020B0604020202020204" pitchFamily="34" charset="0"/>
-                <a:cs typeface="Arial" panose="020B0604020202020204" pitchFamily="34" charset="0"/>
-              </a:rPr>
-              <a:t>false</a:t>
-            </a:r>
-          </a:p>
-          <a:p>
-            <a:r>
-              <a:rPr lang="en-US" sz="1600" dirty="0">
-                <a:solidFill>
-                  <a:schemeClr val="tx1">
-                    <a:lumMod val="85000"/>
-                  </a:schemeClr>
-                </a:solidFill>
-                <a:latin typeface="Arial" panose="020B0604020202020204" pitchFamily="34" charset="0"/>
-                <a:cs typeface="Arial" panose="020B0604020202020204" pitchFamily="34" charset="0"/>
-              </a:rPr>
-              <a:t>}</a:t>
-            </a:r>
-          </a:p>
-        </p:txBody>
-      </p:sp>
-      <p:pic>
-        <p:nvPicPr>
-          <p:cNvPr id="12" name="Picture 11">
-            <a:extLst>
-              <a:ext uri="{FF2B5EF4-FFF2-40B4-BE49-F238E27FC236}">
-                <a16:creationId xmlns:a16="http://schemas.microsoft.com/office/drawing/2014/main" id="{BC86969A-DE0A-FA6D-2E0B-7566AF411A68}"/>
-              </a:ext>
-            </a:extLst>
-          </p:cNvPr>
-          <p:cNvPicPr>
-            <a:picLocks noChangeAspect="1"/>
-          </p:cNvPicPr>
-          <p:nvPr/>
-        </p:nvPicPr>
-        <p:blipFill>
-          <a:blip r:embed="rId2"/>
-          <a:stretch>
-            <a:fillRect/>
-          </a:stretch>
-        </p:blipFill>
-        <p:spPr>
-          <a:xfrm>
-            <a:off x="8264389" y="1515413"/>
-            <a:ext cx="3616431" cy="3539303"/>
-          </a:xfrm>
-          <a:prstGeom prst="rect">
-            <a:avLst/>
-          </a:prstGeom>
-        </p:spPr>
-      </p:pic>
-    </p:spTree>
-    <p:extLst>
-      <p:ext uri="{BB962C8B-B14F-4D97-AF65-F5344CB8AC3E}">
-        <p14:creationId xmlns:p14="http://schemas.microsoft.com/office/powerpoint/2010/main" val="3472760250"/>
-      </p:ext>
-    </p:extLst>
-  </p:cSld>
-  <p:clrMapOvr>
-    <a:masterClrMapping/>
-  </p:clrMapOvr>
-</p:sld>
-</file>
-
 <file path=ppt/slides/slide6.xml><?xml version="1.0" encoding="utf-8"?>
 <p:sld xmlns:a="http://schemas.openxmlformats.org/drawingml/2006/main" xmlns:r="http://schemas.openxmlformats.org/officeDocument/2006/relationships" xmlns:p="http://schemas.openxmlformats.org/presentationml/2006/main">
   <p:cSld>
@@ -8141,7 +7873,7 @@
         </p:nvSpPr>
         <p:spPr>
           <a:xfrm>
-            <a:off x="100972" y="167416"/>
+            <a:off x="193251" y="91915"/>
             <a:ext cx="6094854" cy="461665"/>
           </a:xfrm>
           <a:prstGeom prst="rect">
@@ -8163,7 +7895,7 @@
                 </a:solidFill>
                 <a:latin typeface="Open Sans" panose="020B0606030504020204" pitchFamily="34" charset="0"/>
               </a:rPr>
-              <a:t>switch Statement</a:t>
+              <a:t>Methods</a:t>
             </a:r>
             <a:endParaRPr lang="en-US" sz="2400" b="1" dirty="0">
               <a:solidFill>
@@ -8189,8 +7921,8 @@
         </p:nvSpPr>
         <p:spPr>
           <a:xfrm>
-            <a:off x="287323" y="834191"/>
-            <a:ext cx="5541977" cy="2862322"/>
+            <a:off x="176169" y="465956"/>
+            <a:ext cx="11931637" cy="5632311"/>
           </a:xfrm>
           <a:prstGeom prst="rect">
             <a:avLst/>
@@ -8203,121 +7935,727 @@
           </a:bodyPr>
           <a:lstStyle/>
           <a:p>
-            <a:r>
-              <a:rPr lang="en-US" sz="2000" dirty="0">
-                <a:latin typeface="Open Sans" panose="020B0606030504020204" pitchFamily="34" charset="0"/>
-                <a:ea typeface="Open Sans" panose="020B0606030504020204" pitchFamily="34" charset="0"/>
-                <a:cs typeface="Open Sans" panose="020B0606030504020204" pitchFamily="34" charset="0"/>
-              </a:rPr>
-              <a:t>There is also another programming construct we can use to create logical paths with multiple options in a similar fashion. </a:t>
-            </a:r>
-          </a:p>
-          <a:p>
-            <a:endParaRPr lang="en-US" sz="2000" dirty="0">
+            <a:pPr algn="l"/>
+            <a:r>
+              <a:rPr lang="en-US" b="0" i="0" dirty="0">
+                <a:solidFill>
+                  <a:schemeClr val="tx1">
+                    <a:lumMod val="85000"/>
+                  </a:schemeClr>
+                </a:solidFill>
+                <a:effectLst/>
+                <a:latin typeface="Open Sans" panose="020B0606030504020204" pitchFamily="34" charset="0"/>
+              </a:rPr>
+              <a:t>Java uses </a:t>
+            </a:r>
+            <a:r>
+              <a:rPr lang="en-US" b="0" i="0" dirty="0">
+                <a:solidFill>
+                  <a:srgbClr val="00B0F0"/>
+                </a:solidFill>
+                <a:effectLst/>
+                <a:latin typeface="Open Sans" panose="020B0606030504020204" pitchFamily="34" charset="0"/>
+              </a:rPr>
+              <a:t>methods</a:t>
+            </a:r>
+            <a:r>
+              <a:rPr lang="en-US" b="0" i="0" dirty="0">
+                <a:solidFill>
+                  <a:schemeClr val="tx1">
+                    <a:lumMod val="85000"/>
+                  </a:schemeClr>
+                </a:solidFill>
+                <a:effectLst/>
+                <a:latin typeface="Open Sans" panose="020B0606030504020204" pitchFamily="34" charset="0"/>
+              </a:rPr>
+              <a:t> to </a:t>
+            </a:r>
+            <a:r>
+              <a:rPr lang="en-US" b="0" i="0" dirty="0">
+                <a:solidFill>
+                  <a:srgbClr val="00B0F0"/>
+                </a:solidFill>
+                <a:effectLst/>
+                <a:latin typeface="Open Sans" panose="020B0606030504020204" pitchFamily="34" charset="0"/>
+              </a:rPr>
+              <a:t>accomplish predefined tasks</a:t>
+            </a:r>
+            <a:r>
+              <a:rPr lang="en-US" b="0" i="0" dirty="0">
+                <a:solidFill>
+                  <a:schemeClr val="tx1">
+                    <a:lumMod val="85000"/>
+                  </a:schemeClr>
+                </a:solidFill>
+                <a:effectLst/>
+                <a:latin typeface="Open Sans" panose="020B0606030504020204" pitchFamily="34" charset="0"/>
+              </a:rPr>
+              <a:t>.  A method is </a:t>
+            </a:r>
+            <a:r>
+              <a:rPr lang="en-US" b="0" i="0" dirty="0">
+                <a:solidFill>
+                  <a:srgbClr val="00B0F0"/>
+                </a:solidFill>
+                <a:effectLst/>
+                <a:latin typeface="Open Sans" panose="020B0606030504020204" pitchFamily="34" charset="0"/>
+              </a:rPr>
+              <a:t>code that runs when it is called</a:t>
+            </a:r>
+            <a:r>
+              <a:rPr lang="en-US" b="0" i="0" dirty="0">
+                <a:solidFill>
+                  <a:schemeClr val="tx1">
+                    <a:lumMod val="85000"/>
+                  </a:schemeClr>
+                </a:solidFill>
+                <a:effectLst/>
+                <a:latin typeface="Open Sans" panose="020B0606030504020204" pitchFamily="34" charset="0"/>
+              </a:rPr>
+              <a:t>.  When you write a program and </a:t>
+            </a:r>
+            <a:r>
+              <a:rPr lang="en-US" b="0" i="0" dirty="0">
+                <a:solidFill>
+                  <a:srgbClr val="00B0F0"/>
+                </a:solidFill>
+                <a:effectLst/>
+                <a:latin typeface="Open Sans" panose="020B0606030504020204" pitchFamily="34" charset="0"/>
+              </a:rPr>
+              <a:t>realize that you are writing the same code over and over</a:t>
+            </a:r>
+            <a:r>
+              <a:rPr lang="en-US" b="0" i="0" dirty="0">
+                <a:solidFill>
+                  <a:schemeClr val="tx1">
+                    <a:lumMod val="85000"/>
+                  </a:schemeClr>
+                </a:solidFill>
+                <a:effectLst/>
+                <a:latin typeface="Open Sans" panose="020B0606030504020204" pitchFamily="34" charset="0"/>
+              </a:rPr>
+              <a:t>, it's time to </a:t>
+            </a:r>
+            <a:r>
+              <a:rPr lang="en-US" b="0" i="0" dirty="0">
+                <a:solidFill>
+                  <a:srgbClr val="00B0F0"/>
+                </a:solidFill>
+                <a:effectLst/>
+                <a:latin typeface="Open Sans" panose="020B0606030504020204" pitchFamily="34" charset="0"/>
+              </a:rPr>
+              <a:t>put that code into a method</a:t>
+            </a:r>
+            <a:r>
+              <a:rPr lang="en-US" b="0" i="0" dirty="0">
+                <a:solidFill>
+                  <a:schemeClr val="tx1">
+                    <a:lumMod val="85000"/>
+                  </a:schemeClr>
+                </a:solidFill>
+                <a:effectLst/>
+                <a:latin typeface="Open Sans" panose="020B0606030504020204" pitchFamily="34" charset="0"/>
+              </a:rPr>
+              <a:t>.  Another definition of a Java Method is that it is a collection of statements that are written together and executed together to perform a task. </a:t>
+            </a:r>
+          </a:p>
+          <a:p>
+            <a:pPr algn="l"/>
+            <a:endParaRPr lang="en-US" b="0" i="0" dirty="0">
+              <a:solidFill>
+                <a:schemeClr val="tx1">
+                  <a:lumMod val="85000"/>
+                </a:schemeClr>
+              </a:solidFill>
+              <a:effectLst/>
               <a:latin typeface="Open Sans" panose="020B0606030504020204" pitchFamily="34" charset="0"/>
-              <a:ea typeface="Open Sans" panose="020B0606030504020204" pitchFamily="34" charset="0"/>
-              <a:cs typeface="Open Sans" panose="020B0606030504020204" pitchFamily="34" charset="0"/>
             </a:endParaRPr>
           </a:p>
           <a:p>
-            <a:r>
-              <a:rPr lang="en-US" sz="2000" dirty="0">
-                <a:latin typeface="Open Sans" panose="020B0606030504020204" pitchFamily="34" charset="0"/>
-                <a:ea typeface="Open Sans" panose="020B0606030504020204" pitchFamily="34" charset="0"/>
-                <a:cs typeface="Open Sans" panose="020B0606030504020204" pitchFamily="34" charset="0"/>
-              </a:rPr>
-              <a:t>This construct is called a </a:t>
-            </a:r>
-            <a:r>
-              <a:rPr lang="en-US" sz="2000" dirty="0">
+            <a:pPr algn="l"/>
+            <a:r>
+              <a:rPr lang="en-US" b="0" i="0" dirty="0">
+                <a:solidFill>
+                  <a:schemeClr val="tx1">
+                    <a:lumMod val="85000"/>
+                  </a:schemeClr>
+                </a:solidFill>
+                <a:effectLst/>
+                <a:latin typeface="Open Sans" panose="020B0606030504020204" pitchFamily="34" charset="0"/>
+              </a:rPr>
+              <a:t>What is a </a:t>
+            </a:r>
+            <a:r>
+              <a:rPr lang="en-US" b="0" i="0" dirty="0">
                 <a:solidFill>
                   <a:srgbClr val="00B0F0"/>
                 </a:solidFill>
-                <a:latin typeface="Open Sans" panose="020B0606030504020204" pitchFamily="34" charset="0"/>
-                <a:ea typeface="Open Sans" panose="020B0606030504020204" pitchFamily="34" charset="0"/>
-                <a:cs typeface="Open Sans" panose="020B0606030504020204" pitchFamily="34" charset="0"/>
-              </a:rPr>
-              <a:t>switch statement </a:t>
-            </a:r>
-            <a:r>
-              <a:rPr lang="en-US" sz="2000" dirty="0">
-                <a:latin typeface="Open Sans" panose="020B0606030504020204" pitchFamily="34" charset="0"/>
-                <a:ea typeface="Open Sans" panose="020B0606030504020204" pitchFamily="34" charset="0"/>
-                <a:cs typeface="Open Sans" panose="020B0606030504020204" pitchFamily="34" charset="0"/>
-              </a:rPr>
-              <a:t>and is used to </a:t>
-            </a:r>
-            <a:r>
-              <a:rPr lang="en-US" sz="2000" dirty="0">
+                <a:effectLst/>
+                <a:latin typeface="Open Sans" panose="020B0606030504020204" pitchFamily="34" charset="0"/>
+              </a:rPr>
+              <a:t>method declaration</a:t>
+            </a:r>
+            <a:r>
+              <a:rPr lang="en-US" b="0" i="0" dirty="0">
+                <a:solidFill>
+                  <a:schemeClr val="tx1">
+                    <a:lumMod val="85000"/>
+                  </a:schemeClr>
+                </a:solidFill>
+                <a:effectLst/>
+                <a:latin typeface="Open Sans" panose="020B0606030504020204" pitchFamily="34" charset="0"/>
+              </a:rPr>
+              <a:t>?</a:t>
+            </a:r>
+          </a:p>
+          <a:p>
+            <a:pPr algn="l"/>
+            <a:r>
+              <a:rPr lang="en-US" i="1" dirty="0">
+                <a:solidFill>
+                  <a:schemeClr val="tx1">
+                    <a:lumMod val="85000"/>
+                  </a:schemeClr>
+                </a:solidFill>
+                <a:latin typeface="Open Sans" panose="020B0606030504020204" pitchFamily="34" charset="0"/>
+              </a:rPr>
+              <a:t>     </a:t>
+            </a:r>
+            <a:r>
+              <a:rPr lang="en-US" b="0" i="1" dirty="0">
+                <a:solidFill>
+                  <a:schemeClr val="tx1">
+                    <a:lumMod val="85000"/>
+                  </a:schemeClr>
+                </a:solidFill>
+                <a:effectLst/>
+                <a:latin typeface="Open Sans" panose="020B0606030504020204" pitchFamily="34" charset="0"/>
+              </a:rPr>
+              <a:t>modifier </a:t>
+            </a:r>
+            <a:r>
+              <a:rPr lang="en-US" b="0" i="1" dirty="0" err="1">
+                <a:solidFill>
+                  <a:schemeClr val="tx1">
+                    <a:lumMod val="85000"/>
+                  </a:schemeClr>
+                </a:solidFill>
+                <a:effectLst/>
+                <a:latin typeface="Open Sans" panose="020B0606030504020204" pitchFamily="34" charset="0"/>
+              </a:rPr>
+              <a:t>returnDatatype</a:t>
+            </a:r>
+            <a:r>
+              <a:rPr lang="en-US" b="0" i="1" dirty="0">
+                <a:solidFill>
+                  <a:schemeClr val="tx1">
+                    <a:lumMod val="85000"/>
+                  </a:schemeClr>
+                </a:solidFill>
+                <a:effectLst/>
+                <a:latin typeface="Open Sans" panose="020B0606030504020204" pitchFamily="34" charset="0"/>
+              </a:rPr>
+              <a:t> </a:t>
+            </a:r>
+            <a:r>
+              <a:rPr lang="en-US" b="0" i="1" dirty="0" err="1">
+                <a:solidFill>
+                  <a:schemeClr val="tx1">
+                    <a:lumMod val="85000"/>
+                  </a:schemeClr>
+                </a:solidFill>
+                <a:effectLst/>
+                <a:latin typeface="Open Sans" panose="020B0606030504020204" pitchFamily="34" charset="0"/>
+              </a:rPr>
+              <a:t>methodName</a:t>
+            </a:r>
+            <a:r>
+              <a:rPr lang="en-US" b="0" i="1" dirty="0">
+                <a:solidFill>
+                  <a:schemeClr val="tx1">
+                    <a:lumMod val="85000"/>
+                  </a:schemeClr>
+                </a:solidFill>
+                <a:effectLst/>
+                <a:latin typeface="Open Sans" panose="020B0606030504020204" pitchFamily="34" charset="0"/>
+              </a:rPr>
+              <a:t> (datatype1 par1, datatype2 par2) {</a:t>
+            </a:r>
+          </a:p>
+          <a:p>
+            <a:pPr algn="l"/>
+            <a:r>
+              <a:rPr lang="en-US" i="1" dirty="0">
+                <a:solidFill>
+                  <a:schemeClr val="tx1">
+                    <a:lumMod val="85000"/>
+                  </a:schemeClr>
+                </a:solidFill>
+                <a:latin typeface="Open Sans" panose="020B0606030504020204" pitchFamily="34" charset="0"/>
+              </a:rPr>
+              <a:t>         </a:t>
+            </a:r>
+            <a:r>
+              <a:rPr lang="en-US" b="0" i="1" dirty="0" err="1">
+                <a:solidFill>
+                  <a:schemeClr val="tx1">
+                    <a:lumMod val="85000"/>
+                  </a:schemeClr>
+                </a:solidFill>
+                <a:effectLst/>
+                <a:latin typeface="Open Sans" panose="020B0606030504020204" pitchFamily="34" charset="0"/>
+              </a:rPr>
+              <a:t>BodyOfMethod</a:t>
+            </a:r>
+            <a:endParaRPr lang="en-US" b="0" i="0" dirty="0">
+              <a:solidFill>
+                <a:schemeClr val="tx1">
+                  <a:lumMod val="85000"/>
+                </a:schemeClr>
+              </a:solidFill>
+              <a:effectLst/>
+              <a:latin typeface="Open Sans" panose="020B0606030504020204" pitchFamily="34" charset="0"/>
+            </a:endParaRPr>
+          </a:p>
+          <a:p>
+            <a:pPr algn="l"/>
+            <a:r>
+              <a:rPr lang="en-US" b="0" i="1" dirty="0">
+                <a:solidFill>
+                  <a:schemeClr val="tx1">
+                    <a:lumMod val="85000"/>
+                  </a:schemeClr>
+                </a:solidFill>
+                <a:effectLst/>
+                <a:latin typeface="Open Sans" panose="020B0606030504020204" pitchFamily="34" charset="0"/>
+              </a:rPr>
+              <a:t>     }</a:t>
+            </a:r>
+          </a:p>
+          <a:p>
+            <a:pPr algn="l"/>
+            <a:endParaRPr lang="en-US" b="0" i="0" dirty="0">
+              <a:solidFill>
+                <a:schemeClr val="tx1">
+                  <a:lumMod val="85000"/>
+                </a:schemeClr>
+              </a:solidFill>
+              <a:effectLst/>
+              <a:latin typeface="Open Sans" panose="020B0606030504020204" pitchFamily="34" charset="0"/>
+            </a:endParaRPr>
+          </a:p>
+          <a:p>
+            <a:pPr algn="l"/>
+            <a:r>
+              <a:rPr lang="en-US" b="0" i="0" u="sng" dirty="0">
+                <a:solidFill>
+                  <a:schemeClr val="tx1">
+                    <a:lumMod val="85000"/>
+                  </a:schemeClr>
+                </a:solidFill>
+                <a:effectLst/>
+                <a:latin typeface="Open Sans" panose="020B0606030504020204" pitchFamily="34" charset="0"/>
+              </a:rPr>
+              <a:t>Here, these parts of the method declaration are explained below</a:t>
+            </a:r>
+            <a:r>
+              <a:rPr lang="en-US" b="0" i="0" dirty="0">
+                <a:solidFill>
+                  <a:schemeClr val="tx1">
+                    <a:lumMod val="85000"/>
+                  </a:schemeClr>
+                </a:solidFill>
+                <a:effectLst/>
+                <a:latin typeface="Open Sans" panose="020B0606030504020204" pitchFamily="34" charset="0"/>
+              </a:rPr>
+              <a:t>:</a:t>
+            </a:r>
+          </a:p>
+          <a:p>
+            <a:pPr marL="685800" lvl="1" indent="-228600">
+              <a:buFont typeface="Arial" panose="020B0604020202020204" pitchFamily="34" charset="0"/>
+              <a:buChar char="•"/>
+            </a:pPr>
+            <a:r>
+              <a:rPr lang="en-US" i="1" dirty="0">
                 <a:solidFill>
                   <a:srgbClr val="00B0F0"/>
                 </a:solidFill>
-                <a:latin typeface="Open Sans" panose="020B0606030504020204" pitchFamily="34" charset="0"/>
-                <a:ea typeface="Open Sans" panose="020B0606030504020204" pitchFamily="34" charset="0"/>
-                <a:cs typeface="Open Sans" panose="020B0606030504020204" pitchFamily="34" charset="0"/>
-              </a:rPr>
-              <a:t>evaluate a variable </a:t>
-            </a:r>
-            <a:r>
-              <a:rPr lang="en-US" sz="2000" dirty="0">
-                <a:latin typeface="Open Sans" panose="020B0606030504020204" pitchFamily="34" charset="0"/>
-                <a:ea typeface="Open Sans" panose="020B0606030504020204" pitchFamily="34" charset="0"/>
-                <a:cs typeface="Open Sans" panose="020B0606030504020204" pitchFamily="34" charset="0"/>
-              </a:rPr>
-              <a:t>and then </a:t>
-            </a:r>
-            <a:r>
-              <a:rPr lang="en-US" sz="2000" dirty="0">
+                <a:effectLst/>
+                <a:latin typeface="Open Sans" panose="020B0606030504020204" pitchFamily="34" charset="0"/>
+              </a:rPr>
+              <a:t>modifier</a:t>
+            </a:r>
+            <a:r>
+              <a:rPr lang="en-US" i="0" dirty="0">
+                <a:solidFill>
+                  <a:schemeClr val="tx1">
+                    <a:lumMod val="85000"/>
+                  </a:schemeClr>
+                </a:solidFill>
+                <a:effectLst/>
+                <a:latin typeface="Open Sans" panose="020B0606030504020204" pitchFamily="34" charset="0"/>
+              </a:rPr>
+              <a:t> − modifier -- </a:t>
+            </a:r>
+            <a:r>
+              <a:rPr lang="en-US" i="1" dirty="0">
+                <a:solidFill>
+                  <a:schemeClr val="tx1">
+                    <a:lumMod val="85000"/>
+                  </a:schemeClr>
+                </a:solidFill>
+                <a:effectLst/>
+                <a:latin typeface="Open Sans" panose="020B0606030504020204" pitchFamily="34" charset="0"/>
+              </a:rPr>
+              <a:t>public, protected, default </a:t>
+            </a:r>
+            <a:r>
+              <a:rPr lang="en-US" i="0" dirty="0">
+                <a:solidFill>
+                  <a:schemeClr val="tx1">
+                    <a:lumMod val="85000"/>
+                  </a:schemeClr>
+                </a:solidFill>
+                <a:effectLst/>
+                <a:latin typeface="Open Sans" panose="020B0606030504020204" pitchFamily="34" charset="0"/>
+              </a:rPr>
+              <a:t>and</a:t>
+            </a:r>
+            <a:r>
+              <a:rPr lang="en-US" i="1" dirty="0">
+                <a:solidFill>
+                  <a:schemeClr val="tx1">
+                    <a:lumMod val="85000"/>
+                  </a:schemeClr>
+                </a:solidFill>
+                <a:effectLst/>
+                <a:latin typeface="Open Sans" panose="020B0606030504020204" pitchFamily="34" charset="0"/>
+              </a:rPr>
+              <a:t> private</a:t>
+            </a:r>
+            <a:endParaRPr lang="en-US" i="0" dirty="0">
+              <a:solidFill>
+                <a:schemeClr val="tx1">
+                  <a:lumMod val="85000"/>
+                </a:schemeClr>
+              </a:solidFill>
+              <a:effectLst/>
+              <a:latin typeface="Open Sans" panose="020B0606030504020204" pitchFamily="34" charset="0"/>
+            </a:endParaRPr>
+          </a:p>
+          <a:p>
+            <a:pPr marL="685800" lvl="1" indent="-228600">
+              <a:buFont typeface="Arial" panose="020B0604020202020204" pitchFamily="34" charset="0"/>
+              <a:buChar char="•"/>
+            </a:pPr>
+            <a:r>
+              <a:rPr lang="en-US" i="1" dirty="0" err="1">
                 <a:solidFill>
                   <a:srgbClr val="00B0F0"/>
                 </a:solidFill>
-                <a:latin typeface="Open Sans" panose="020B0606030504020204" pitchFamily="34" charset="0"/>
-                <a:ea typeface="Open Sans" panose="020B0606030504020204" pitchFamily="34" charset="0"/>
-                <a:cs typeface="Open Sans" panose="020B0606030504020204" pitchFamily="34" charset="0"/>
-              </a:rPr>
-              <a:t>provide multiple different code blocks that could be executed </a:t>
-            </a:r>
-            <a:r>
-              <a:rPr lang="en-US" sz="2000" dirty="0">
-                <a:latin typeface="Open Sans" panose="020B0606030504020204" pitchFamily="34" charset="0"/>
-                <a:ea typeface="Open Sans" panose="020B0606030504020204" pitchFamily="34" charset="0"/>
-                <a:cs typeface="Open Sans" panose="020B0606030504020204" pitchFamily="34" charset="0"/>
-              </a:rPr>
-              <a:t>based on the value of the variable. </a:t>
+                <a:effectLst/>
+                <a:latin typeface="Open Sans" panose="020B0606030504020204" pitchFamily="34" charset="0"/>
+              </a:rPr>
+              <a:t>returnDatatype</a:t>
+            </a:r>
+            <a:r>
+              <a:rPr lang="en-US" i="0" dirty="0">
+                <a:solidFill>
+                  <a:schemeClr val="tx1">
+                    <a:lumMod val="85000"/>
+                  </a:schemeClr>
+                </a:solidFill>
+                <a:effectLst/>
+                <a:latin typeface="Open Sans" panose="020B0606030504020204" pitchFamily="34" charset="0"/>
+              </a:rPr>
+              <a:t> − the return datatype (Can be a Java primitive datatype,  an Object, or a Collection of a datatype or an Object, or can be </a:t>
+            </a:r>
+            <a:r>
+              <a:rPr lang="en-US" i="0" u="sng" dirty="0">
+                <a:solidFill>
+                  <a:schemeClr val="tx1">
+                    <a:lumMod val="85000"/>
+                  </a:schemeClr>
+                </a:solidFill>
+                <a:effectLst/>
+                <a:latin typeface="Open Sans" panose="020B0606030504020204" pitchFamily="34" charset="0"/>
+              </a:rPr>
+              <a:t>void</a:t>
+            </a:r>
+            <a:r>
+              <a:rPr lang="en-US" i="0" dirty="0">
+                <a:solidFill>
+                  <a:schemeClr val="tx1">
+                    <a:lumMod val="85000"/>
+                  </a:schemeClr>
+                </a:solidFill>
+                <a:effectLst/>
+                <a:latin typeface="Open Sans" panose="020B0606030504020204" pitchFamily="34" charset="0"/>
+              </a:rPr>
+              <a:t>).</a:t>
+            </a:r>
+          </a:p>
+          <a:p>
+            <a:pPr marL="685800" lvl="1" indent="-228600">
+              <a:buFont typeface="Arial" panose="020B0604020202020204" pitchFamily="34" charset="0"/>
+              <a:buChar char="•"/>
+            </a:pPr>
+            <a:r>
+              <a:rPr lang="en-US" i="1" dirty="0" err="1">
+                <a:solidFill>
+                  <a:srgbClr val="00B0F0"/>
+                </a:solidFill>
+                <a:effectLst/>
+                <a:latin typeface="Open Sans" panose="020B0606030504020204" pitchFamily="34" charset="0"/>
+              </a:rPr>
+              <a:t>methodName</a:t>
+            </a:r>
+            <a:r>
+              <a:rPr lang="en-US" i="0" dirty="0">
+                <a:solidFill>
+                  <a:srgbClr val="00B0F0"/>
+                </a:solidFill>
+                <a:effectLst/>
+                <a:latin typeface="Open Sans" panose="020B0606030504020204" pitchFamily="34" charset="0"/>
+              </a:rPr>
+              <a:t> </a:t>
+            </a:r>
+            <a:r>
+              <a:rPr lang="en-US" i="0" dirty="0">
+                <a:solidFill>
+                  <a:schemeClr val="tx1">
+                    <a:lumMod val="85000"/>
+                  </a:schemeClr>
+                </a:solidFill>
+                <a:effectLst/>
+                <a:latin typeface="Open Sans" panose="020B0606030504020204" pitchFamily="34" charset="0"/>
+              </a:rPr>
+              <a:t>− name of the method</a:t>
+            </a:r>
+          </a:p>
+          <a:p>
+            <a:pPr marL="685800" lvl="1" indent="-228600">
+              <a:buFont typeface="Arial" panose="020B0604020202020204" pitchFamily="34" charset="0"/>
+              <a:buChar char="•"/>
+            </a:pPr>
+            <a:r>
+              <a:rPr lang="en-US" i="1" dirty="0">
+                <a:solidFill>
+                  <a:srgbClr val="00B0F0"/>
+                </a:solidFill>
+                <a:effectLst/>
+                <a:latin typeface="Open Sans" panose="020B0606030504020204" pitchFamily="34" charset="0"/>
+              </a:rPr>
+              <a:t>datatype1, datatype2</a:t>
+            </a:r>
+            <a:r>
+              <a:rPr lang="en-US" i="0" dirty="0">
+                <a:solidFill>
+                  <a:srgbClr val="00B0F0"/>
+                </a:solidFill>
+                <a:effectLst/>
+                <a:latin typeface="Open Sans" panose="020B0606030504020204" pitchFamily="34" charset="0"/>
+              </a:rPr>
+              <a:t> </a:t>
+            </a:r>
+            <a:r>
+              <a:rPr lang="en-US" i="0" dirty="0">
+                <a:solidFill>
+                  <a:schemeClr val="tx1">
+                    <a:lumMod val="85000"/>
+                  </a:schemeClr>
+                </a:solidFill>
+                <a:effectLst/>
+                <a:latin typeface="Open Sans" panose="020B0606030504020204" pitchFamily="34" charset="0"/>
+              </a:rPr>
+              <a:t>- datatypes of the parameters </a:t>
+            </a:r>
+          </a:p>
+          <a:p>
+            <a:pPr marL="685800" lvl="1" indent="-228600">
+              <a:buFont typeface="Arial" panose="020B0604020202020204" pitchFamily="34" charset="0"/>
+              <a:buChar char="•"/>
+            </a:pPr>
+            <a:r>
+              <a:rPr lang="en-US" i="1" dirty="0">
+                <a:solidFill>
+                  <a:srgbClr val="00B0F0"/>
+                </a:solidFill>
+                <a:effectLst/>
+                <a:latin typeface="Open Sans" panose="020B0606030504020204" pitchFamily="34" charset="0"/>
+              </a:rPr>
+              <a:t>par1, par2 </a:t>
+            </a:r>
+            <a:r>
+              <a:rPr lang="en-US" i="0" dirty="0">
+                <a:solidFill>
+                  <a:schemeClr val="tx1">
+                    <a:lumMod val="85000"/>
+                  </a:schemeClr>
+                </a:solidFill>
+                <a:effectLst/>
+                <a:latin typeface="Open Sans" panose="020B0606030504020204" pitchFamily="34" charset="0"/>
+              </a:rPr>
+              <a:t>− formal parameter names</a:t>
+            </a:r>
+          </a:p>
+          <a:p>
+            <a:pPr marL="685800" lvl="1" indent="-228600">
+              <a:buFont typeface="Arial" panose="020B0604020202020204" pitchFamily="34" charset="0"/>
+              <a:buChar char="•"/>
+            </a:pPr>
+            <a:r>
+              <a:rPr lang="en-US" i="1" dirty="0">
+                <a:solidFill>
+                  <a:srgbClr val="00B0F0"/>
+                </a:solidFill>
+                <a:effectLst/>
+                <a:latin typeface="Open Sans" panose="020B0606030504020204" pitchFamily="34" charset="0"/>
+              </a:rPr>
+              <a:t>datatype1 par1, datatype2 par2</a:t>
+            </a:r>
+            <a:r>
+              <a:rPr lang="en-US" i="0" dirty="0">
+                <a:solidFill>
+                  <a:srgbClr val="00B0F0"/>
+                </a:solidFill>
+                <a:effectLst/>
+                <a:latin typeface="Open Sans" panose="020B0606030504020204" pitchFamily="34" charset="0"/>
+              </a:rPr>
+              <a:t> </a:t>
+            </a:r>
+            <a:r>
+              <a:rPr lang="en-US" i="0" dirty="0">
+                <a:solidFill>
+                  <a:schemeClr val="tx1">
+                    <a:lumMod val="85000"/>
+                  </a:schemeClr>
+                </a:solidFill>
+                <a:effectLst/>
+                <a:latin typeface="Open Sans" panose="020B0606030504020204" pitchFamily="34" charset="0"/>
+              </a:rPr>
+              <a:t>− list of parameters (Can be as many as you need, separated by commas)</a:t>
+            </a:r>
+          </a:p>
+          <a:p>
+            <a:pPr marL="685800" lvl="1" indent="-228600">
+              <a:buFont typeface="Arial" panose="020B0604020202020204" pitchFamily="34" charset="0"/>
+              <a:buChar char="•"/>
+            </a:pPr>
+            <a:r>
+              <a:rPr lang="en-US" i="1" dirty="0" err="1">
+                <a:solidFill>
+                  <a:srgbClr val="00B0F0"/>
+                </a:solidFill>
+                <a:effectLst/>
+                <a:latin typeface="Open Sans" panose="020B0606030504020204" pitchFamily="34" charset="0"/>
+              </a:rPr>
+              <a:t>BodyofMethod</a:t>
+            </a:r>
+            <a:r>
+              <a:rPr lang="en-US" i="0" dirty="0">
+                <a:solidFill>
+                  <a:schemeClr val="tx1">
+                    <a:lumMod val="85000"/>
+                  </a:schemeClr>
+                </a:solidFill>
+                <a:effectLst/>
+                <a:latin typeface="Open Sans" panose="020B0606030504020204" pitchFamily="34" charset="0"/>
+              </a:rPr>
+              <a:t> —</a:t>
+            </a:r>
+            <a:r>
+              <a:rPr lang="en-US" b="0" i="0" dirty="0">
+                <a:solidFill>
+                  <a:schemeClr val="tx1">
+                    <a:lumMod val="85000"/>
+                  </a:schemeClr>
+                </a:solidFill>
+                <a:effectLst/>
+                <a:latin typeface="Open Sans" panose="020B0606030504020204" pitchFamily="34" charset="0"/>
+              </a:rPr>
+              <a:t>&gt; this is where you put your code… anything that you want to accomplish in that particular method.  All Java code, and will include variable declarations, method calls, etc.</a:t>
             </a:r>
           </a:p>
         </p:txBody>
       </p:sp>
-      <p:pic>
-        <p:nvPicPr>
-          <p:cNvPr id="12" name="Picture 11">
+      <p:sp>
+        <p:nvSpPr>
+          <p:cNvPr id="3" name="TextBox 2">
             <a:extLst>
               <a:ext uri="{FF2B5EF4-FFF2-40B4-BE49-F238E27FC236}">
-                <a16:creationId xmlns:a16="http://schemas.microsoft.com/office/drawing/2014/main" id="{EDDB08A4-A3C1-182F-A00B-0BE97F3C502C}"/>
+                <a16:creationId xmlns:a16="http://schemas.microsoft.com/office/drawing/2014/main" id="{AECD1743-AE1E-E8A6-57D4-D340FC95D16D}"/>
               </a:ext>
             </a:extLst>
           </p:cNvPr>
-          <p:cNvPicPr>
-            <a:picLocks noChangeAspect="1"/>
-          </p:cNvPicPr>
+          <p:cNvSpPr txBox="1"/>
           <p:nvPr/>
-        </p:nvPicPr>
-        <p:blipFill>
-          <a:blip r:embed="rId2"/>
-          <a:stretch>
-            <a:fillRect/>
-          </a:stretch>
-        </p:blipFill>
+        </p:nvSpPr>
         <p:spPr>
           <a:xfrm>
-            <a:off x="6691126" y="629081"/>
-            <a:ext cx="3819525" cy="5819448"/>
+            <a:off x="6224632" y="6099933"/>
+            <a:ext cx="5844680" cy="307777"/>
           </a:xfrm>
           <a:prstGeom prst="rect">
             <a:avLst/>
           </a:prstGeom>
+          <a:noFill/>
         </p:spPr>
-      </p:pic>
+        <p:txBody>
+          <a:bodyPr wrap="square">
+            <a:spAutoFit/>
+          </a:bodyPr>
+          <a:lstStyle/>
+          <a:p>
+            <a:r>
+              <a:rPr lang="en-US" sz="1400" dirty="0">
+                <a:hlinkClick r:id="rId2"/>
+              </a:rPr>
+              <a:t>https://docs.oracle.com/javase/tutorial/java/javaOO/methods.html</a:t>
+            </a:r>
+            <a:endParaRPr lang="en-US" sz="1400" dirty="0"/>
+          </a:p>
+        </p:txBody>
+      </p:sp>
+      <p:sp>
+        <p:nvSpPr>
+          <p:cNvPr id="7" name="TextBox 6">
+            <a:extLst>
+              <a:ext uri="{FF2B5EF4-FFF2-40B4-BE49-F238E27FC236}">
+                <a16:creationId xmlns:a16="http://schemas.microsoft.com/office/drawing/2014/main" id="{5DAF20F1-2F34-F140-81DA-E78BF03C81E4}"/>
+              </a:ext>
+            </a:extLst>
+          </p:cNvPr>
+          <p:cNvSpPr txBox="1"/>
+          <p:nvPr/>
+        </p:nvSpPr>
+        <p:spPr>
+          <a:xfrm>
+            <a:off x="6224632" y="6420395"/>
+            <a:ext cx="6094602" cy="307777"/>
+          </a:xfrm>
+          <a:prstGeom prst="rect">
+            <a:avLst/>
+          </a:prstGeom>
+          <a:noFill/>
+        </p:spPr>
+        <p:txBody>
+          <a:bodyPr wrap="square">
+            <a:spAutoFit/>
+          </a:bodyPr>
+          <a:lstStyle/>
+          <a:p>
+            <a:r>
+              <a:rPr lang="en-US" sz="1400" dirty="0">
+                <a:hlinkClick r:id="rId3"/>
+              </a:rPr>
+              <a:t>https://github.com/ckiefriter1/Java-Code-Examples/tree/main/src/methods</a:t>
+            </a:r>
+            <a:endParaRPr lang="en-US" sz="1400" dirty="0"/>
+          </a:p>
+        </p:txBody>
+      </p:sp>
     </p:spTree>
     <p:extLst>
       <p:ext uri="{BB962C8B-B14F-4D97-AF65-F5344CB8AC3E}">
@@ -8490,26 +8828,8 @@
                 <a:effectLst/>
                 <a:latin typeface="Open Sans" panose="020B0606030504020204" pitchFamily="34" charset="0"/>
               </a:rPr>
-              <a:t>For </a:t>
-            </a:r>
-            <a:r>
-              <a:rPr lang="en-US" sz="2400" b="1" dirty="0">
-                <a:solidFill>
-                  <a:srgbClr val="00B050"/>
-                </a:solidFill>
-                <a:effectLst/>
-                <a:latin typeface="Open Sans" panose="020B0606030504020204" pitchFamily="34" charset="0"/>
-                <a:sym typeface="Wingdings" panose="05000000000000000000" pitchFamily="2" charset="2"/>
-              </a:rPr>
-              <a:t> Loop</a:t>
-            </a:r>
-            <a:endParaRPr lang="en-US" sz="2400" b="1" dirty="0">
-              <a:solidFill>
-                <a:srgbClr val="00B050"/>
-              </a:solidFill>
-              <a:effectLst/>
-              <a:latin typeface="Open Sans" panose="020B0606030504020204" pitchFamily="34" charset="0"/>
-            </a:endParaRPr>
+              <a:t>Primitives vs Objects</a:t>
+            </a:r>
           </a:p>
         </p:txBody>
       </p:sp>
@@ -8528,7 +8848,7 @@
         <p:spPr>
           <a:xfrm>
             <a:off x="341603" y="640071"/>
-            <a:ext cx="11701570" cy="5632311"/>
+            <a:ext cx="11701570" cy="6155531"/>
           </a:xfrm>
           <a:prstGeom prst="rect">
             <a:avLst/>
@@ -8541,6 +8861,59 @@
           </a:bodyPr>
           <a:lstStyle/>
           <a:p>
+            <a:r>
+              <a:rPr lang="en-US" dirty="0">
+                <a:solidFill>
+                  <a:schemeClr val="tx1">
+                    <a:lumMod val="85000"/>
+                  </a:schemeClr>
+                </a:solidFill>
+                <a:latin typeface="Open Sans" panose="020B0606030504020204" pitchFamily="34" charset="0"/>
+              </a:rPr>
+              <a:t>A </a:t>
+            </a:r>
+            <a:r>
+              <a:rPr lang="en-US" dirty="0">
+                <a:solidFill>
+                  <a:srgbClr val="00B0F0"/>
+                </a:solidFill>
+                <a:latin typeface="Open Sans" panose="020B0606030504020204" pitchFamily="34" charset="0"/>
+              </a:rPr>
+              <a:t>primitive</a:t>
+            </a:r>
+            <a:r>
+              <a:rPr lang="en-US" dirty="0">
+                <a:solidFill>
+                  <a:schemeClr val="tx1">
+                    <a:lumMod val="85000"/>
+                  </a:schemeClr>
+                </a:solidFill>
+                <a:latin typeface="Open Sans" panose="020B0606030504020204" pitchFamily="34" charset="0"/>
+              </a:rPr>
+              <a:t> datatype  is </a:t>
+            </a:r>
+            <a:r>
+              <a:rPr lang="en-US" dirty="0">
+                <a:solidFill>
+                  <a:srgbClr val="00B0F0"/>
+                </a:solidFill>
+                <a:latin typeface="Open Sans" panose="020B0606030504020204" pitchFamily="34" charset="0"/>
+              </a:rPr>
+              <a:t>just a piece of data and nothing more</a:t>
+            </a:r>
+            <a:r>
+              <a:rPr lang="en-US" dirty="0">
+                <a:solidFill>
+                  <a:schemeClr val="tx1">
+                    <a:lumMod val="85000"/>
+                  </a:schemeClr>
+                </a:solidFill>
+                <a:latin typeface="Open Sans" panose="020B0606030504020204" pitchFamily="34" charset="0"/>
+              </a:rPr>
+              <a:t>.  </a:t>
+            </a:r>
+          </a:p>
+          <a:p>
             <a:endParaRPr lang="en-US" dirty="0">
               <a:solidFill>
                 <a:schemeClr val="tx1">
@@ -8551,6 +8924,43 @@
             </a:endParaRPr>
           </a:p>
           <a:p>
+            <a:r>
+              <a:rPr lang="en-US" sz="1200" dirty="0">
+                <a:solidFill>
+                  <a:schemeClr val="tx1">
+                    <a:lumMod val="85000"/>
+                  </a:schemeClr>
+                </a:solidFill>
+                <a:latin typeface="Open Sans" panose="020B0606030504020204" pitchFamily="34" charset="0"/>
+              </a:rPr>
+              <a:t>int age = 19;</a:t>
+            </a:r>
+          </a:p>
+          <a:p>
+            <a:r>
+              <a:rPr lang="en-US" sz="1200" dirty="0" err="1">
+                <a:solidFill>
+                  <a:schemeClr val="tx1">
+                    <a:lumMod val="85000"/>
+                  </a:schemeClr>
+                </a:solidFill>
+                <a:latin typeface="Open Sans" panose="020B0606030504020204" pitchFamily="34" charset="0"/>
+              </a:rPr>
+              <a:t>System.out.println</a:t>
+            </a:r>
+            <a:r>
+              <a:rPr lang="en-US" sz="1200" dirty="0">
+                <a:solidFill>
+                  <a:schemeClr val="tx1">
+                    <a:lumMod val="85000"/>
+                  </a:schemeClr>
+                </a:solidFill>
+                <a:latin typeface="Open Sans" panose="020B0606030504020204" pitchFamily="34" charset="0"/>
+              </a:rPr>
+              <a:t>("Age is: " + age);</a:t>
+            </a:r>
+          </a:p>
+          <a:p>
             <a:endParaRPr lang="en-US" dirty="0">
               <a:solidFill>
                 <a:schemeClr val="tx1">
@@ -8561,6 +8971,128 @@
             </a:endParaRPr>
           </a:p>
           <a:p>
+            <a:r>
+              <a:rPr lang="en-US" dirty="0">
+                <a:solidFill>
+                  <a:schemeClr val="tx1">
+                    <a:lumMod val="85000"/>
+                  </a:schemeClr>
+                </a:solidFill>
+                <a:latin typeface="Open Sans" panose="020B0606030504020204" pitchFamily="34" charset="0"/>
+              </a:rPr>
+              <a:t>An </a:t>
+            </a:r>
+            <a:r>
+              <a:rPr lang="en-US" dirty="0">
+                <a:solidFill>
+                  <a:srgbClr val="00B0F0"/>
+                </a:solidFill>
+                <a:latin typeface="Open Sans" panose="020B0606030504020204" pitchFamily="34" charset="0"/>
+              </a:rPr>
+              <a:t>Object</a:t>
+            </a:r>
+            <a:r>
+              <a:rPr lang="en-US" dirty="0">
+                <a:solidFill>
+                  <a:schemeClr val="tx1">
+                    <a:lumMod val="85000"/>
+                  </a:schemeClr>
+                </a:solidFill>
+                <a:latin typeface="Open Sans" panose="020B0606030504020204" pitchFamily="34" charset="0"/>
+              </a:rPr>
+              <a:t> (e.g. String, Array, etc..) has a value, but there is much more.  An Object has </a:t>
+            </a:r>
+            <a:r>
+              <a:rPr lang="en-US" dirty="0">
+                <a:solidFill>
+                  <a:srgbClr val="00B0F0"/>
+                </a:solidFill>
+                <a:latin typeface="Open Sans" panose="020B0606030504020204" pitchFamily="34" charset="0"/>
+              </a:rPr>
+              <a:t>properties and methods</a:t>
+            </a:r>
+            <a:r>
+              <a:rPr lang="en-US" dirty="0">
+                <a:solidFill>
+                  <a:schemeClr val="tx1">
+                    <a:lumMod val="85000"/>
+                  </a:schemeClr>
+                </a:solidFill>
+                <a:latin typeface="Open Sans" panose="020B0606030504020204" pitchFamily="34" charset="0"/>
+              </a:rPr>
+              <a:t> which are defined on that object, and are </a:t>
+            </a:r>
+            <a:r>
+              <a:rPr lang="en-US" dirty="0">
+                <a:solidFill>
+                  <a:srgbClr val="00B0F0"/>
+                </a:solidFill>
+                <a:latin typeface="Open Sans" panose="020B0606030504020204" pitchFamily="34" charset="0"/>
+              </a:rPr>
+              <a:t>accessed via dot-notation</a:t>
+            </a:r>
+            <a:r>
+              <a:rPr lang="en-US" dirty="0">
+                <a:solidFill>
+                  <a:schemeClr val="tx1">
+                    <a:lumMod val="85000"/>
+                  </a:schemeClr>
+                </a:solidFill>
+                <a:latin typeface="Open Sans" panose="020B0606030504020204" pitchFamily="34" charset="0"/>
+              </a:rPr>
+              <a:t>.  For example, we can </a:t>
+            </a:r>
+            <a:r>
+              <a:rPr lang="en-US" dirty="0">
+                <a:solidFill>
+                  <a:srgbClr val="00B0F0"/>
+                </a:solidFill>
+                <a:latin typeface="Open Sans" panose="020B0606030504020204" pitchFamily="34" charset="0"/>
+              </a:rPr>
+              <a:t>declare a String</a:t>
+            </a:r>
+            <a:r>
+              <a:rPr lang="en-US" dirty="0">
+                <a:solidFill>
+                  <a:schemeClr val="tx1">
+                    <a:lumMod val="85000"/>
+                  </a:schemeClr>
+                </a:solidFill>
+                <a:latin typeface="Open Sans" panose="020B0606030504020204" pitchFamily="34" charset="0"/>
+              </a:rPr>
+              <a:t> name, which is an object, and use the method </a:t>
+            </a:r>
+            <a:r>
+              <a:rPr lang="en-US" dirty="0" err="1">
+                <a:solidFill>
+                  <a:srgbClr val="00B0F0"/>
+                </a:solidFill>
+                <a:latin typeface="Open Sans" panose="020B0606030504020204" pitchFamily="34" charset="0"/>
+              </a:rPr>
+              <a:t>name.length</a:t>
+            </a:r>
+            <a:r>
+              <a:rPr lang="en-US" dirty="0">
+                <a:solidFill>
+                  <a:srgbClr val="00B0F0"/>
+                </a:solidFill>
+                <a:latin typeface="Open Sans" panose="020B0606030504020204" pitchFamily="34" charset="0"/>
+              </a:rPr>
+              <a:t>()  </a:t>
+            </a:r>
+            <a:r>
+              <a:rPr lang="en-US" dirty="0">
+                <a:solidFill>
+                  <a:schemeClr val="tx1">
+                    <a:lumMod val="85000"/>
+                  </a:schemeClr>
+                </a:solidFill>
+                <a:latin typeface="Open Sans" panose="020B0606030504020204" pitchFamily="34" charset="0"/>
+              </a:rPr>
+              <a:t>to print out the length of the String stored in the variable name</a:t>
+            </a:r>
+          </a:p>
+          <a:p>
             <a:endParaRPr lang="en-US" dirty="0">
               <a:solidFill>
                 <a:schemeClr val="tx1">
@@ -8571,6 +9103,65 @@
             </a:endParaRPr>
           </a:p>
           <a:p>
+            <a:r>
+              <a:rPr lang="en-US" sz="1200" dirty="0">
+                <a:solidFill>
+                  <a:schemeClr val="tx1">
+                    <a:lumMod val="85000"/>
+                  </a:schemeClr>
+                </a:solidFill>
+                <a:latin typeface="Open Sans" panose="020B0606030504020204" pitchFamily="34" charset="0"/>
+              </a:rPr>
+              <a:t>String name = "Chip Brown";</a:t>
+            </a:r>
+          </a:p>
+          <a:p>
+            <a:r>
+              <a:rPr lang="en-US" sz="1200" dirty="0" err="1">
+                <a:solidFill>
+                  <a:schemeClr val="tx1">
+                    <a:lumMod val="85000"/>
+                  </a:schemeClr>
+                </a:solidFill>
+                <a:latin typeface="Open Sans" panose="020B0606030504020204" pitchFamily="34" charset="0"/>
+              </a:rPr>
+              <a:t>System.out.println</a:t>
+            </a:r>
+            <a:r>
+              <a:rPr lang="en-US" sz="1200" dirty="0">
+                <a:solidFill>
+                  <a:schemeClr val="tx1">
+                    <a:lumMod val="85000"/>
+                  </a:schemeClr>
+                </a:solidFill>
+                <a:latin typeface="Open Sans" panose="020B0606030504020204" pitchFamily="34" charset="0"/>
+              </a:rPr>
+              <a:t>("The length of name is: " + </a:t>
+            </a:r>
+            <a:r>
+              <a:rPr lang="en-US" sz="1200" dirty="0" err="1">
+                <a:solidFill>
+                  <a:schemeClr val="tx1">
+                    <a:lumMod val="85000"/>
+                  </a:schemeClr>
+                </a:solidFill>
+                <a:latin typeface="Open Sans" panose="020B0606030504020204" pitchFamily="34" charset="0"/>
+              </a:rPr>
+              <a:t>name.length</a:t>
+            </a:r>
+            <a:r>
+              <a:rPr lang="en-US" sz="1200" dirty="0">
+                <a:solidFill>
+                  <a:schemeClr val="tx1">
+                    <a:lumMod val="85000"/>
+                  </a:schemeClr>
+                </a:solidFill>
+                <a:latin typeface="Open Sans" panose="020B0606030504020204" pitchFamily="34" charset="0"/>
+              </a:rPr>
+              <a:t>());</a:t>
+            </a:r>
+          </a:p>
+          <a:p>
             <a:endParaRPr lang="en-US" dirty="0">
               <a:solidFill>
                 <a:schemeClr val="tx1">
@@ -8581,6 +9172,39 @@
             </a:endParaRPr>
           </a:p>
           <a:p>
+            <a:r>
+              <a:rPr lang="en-US" dirty="0">
+                <a:solidFill>
+                  <a:schemeClr val="tx1">
+                    <a:lumMod val="85000"/>
+                  </a:schemeClr>
+                </a:solidFill>
+                <a:latin typeface="Open Sans" panose="020B0606030504020204" pitchFamily="34" charset="0"/>
+              </a:rPr>
+              <a:t>The main difference between a primitive datatype and an Object is that </a:t>
+            </a:r>
+            <a:r>
+              <a:rPr lang="en-US" dirty="0">
+                <a:solidFill>
+                  <a:srgbClr val="00B0F0"/>
+                </a:solidFill>
+                <a:latin typeface="Open Sans" panose="020B0606030504020204" pitchFamily="34" charset="0"/>
+              </a:rPr>
+              <a:t>a primitive datatype does not have properties and methods defined on it</a:t>
+            </a:r>
+            <a:r>
+              <a:rPr lang="en-US" dirty="0">
+                <a:solidFill>
+                  <a:schemeClr val="tx1">
+                    <a:lumMod val="85000"/>
+                  </a:schemeClr>
+                </a:solidFill>
+                <a:latin typeface="Open Sans" panose="020B0606030504020204" pitchFamily="34" charset="0"/>
+              </a:rPr>
+              <a:t>.  </a:t>
+            </a:r>
+          </a:p>
+          <a:p>
             <a:endParaRPr lang="en-US" dirty="0">
               <a:solidFill>
                 <a:schemeClr val="tx1">
@@ -8591,6 +9215,119 @@
             </a:endParaRPr>
           </a:p>
           <a:p>
+            <a:r>
+              <a:rPr lang="en-US" dirty="0">
+                <a:solidFill>
+                  <a:schemeClr val="tx1">
+                    <a:lumMod val="85000"/>
+                  </a:schemeClr>
+                </a:solidFill>
+                <a:latin typeface="Open Sans" panose="020B0606030504020204" pitchFamily="34" charset="0"/>
+              </a:rPr>
+              <a:t>When creating your own Objects, you can define them as you need.  For example in our </a:t>
+            </a:r>
+            <a:r>
+              <a:rPr lang="en-US" dirty="0" err="1">
+                <a:solidFill>
+                  <a:schemeClr val="tx1">
+                    <a:lumMod val="85000"/>
+                  </a:schemeClr>
+                </a:solidFill>
+                <a:latin typeface="Open Sans" panose="020B0606030504020204" pitchFamily="34" charset="0"/>
+              </a:rPr>
+              <a:t>GradeBook</a:t>
+            </a:r>
+            <a:r>
+              <a:rPr lang="en-US" dirty="0">
+                <a:solidFill>
+                  <a:schemeClr val="tx1">
+                    <a:lumMod val="85000"/>
+                  </a:schemeClr>
+                </a:solidFill>
+                <a:latin typeface="Open Sans" panose="020B0606030504020204" pitchFamily="34" charset="0"/>
+              </a:rPr>
+              <a:t> example from the Array Section, we needed a Student Object, so we declared a Class named Student.   </a:t>
+            </a:r>
+            <a:r>
+              <a:rPr lang="en-US" dirty="0">
+                <a:solidFill>
+                  <a:srgbClr val="00B0F0"/>
+                </a:solidFill>
+                <a:latin typeface="Open Sans" panose="020B0606030504020204" pitchFamily="34" charset="0"/>
+              </a:rPr>
+              <a:t>Student has two fields: </a:t>
+            </a:r>
+            <a:r>
+              <a:rPr lang="en-US" dirty="0" err="1">
+                <a:solidFill>
+                  <a:srgbClr val="00B0F0"/>
+                </a:solidFill>
+                <a:latin typeface="Open Sans" panose="020B0606030504020204" pitchFamily="34" charset="0"/>
+              </a:rPr>
+              <a:t>fullName</a:t>
+            </a:r>
+            <a:r>
+              <a:rPr lang="en-US" dirty="0">
+                <a:solidFill>
+                  <a:srgbClr val="00B0F0"/>
+                </a:solidFill>
+                <a:latin typeface="Open Sans" panose="020B0606030504020204" pitchFamily="34" charset="0"/>
+              </a:rPr>
+              <a:t> and grades</a:t>
+            </a:r>
+            <a:r>
+              <a:rPr lang="en-US" dirty="0">
+                <a:solidFill>
+                  <a:schemeClr val="tx1">
+                    <a:lumMod val="85000"/>
+                  </a:schemeClr>
+                </a:solidFill>
+                <a:latin typeface="Open Sans" panose="020B0606030504020204" pitchFamily="34" charset="0"/>
+              </a:rPr>
+              <a:t>, a </a:t>
+            </a:r>
+            <a:r>
+              <a:rPr lang="en-US" dirty="0">
+                <a:solidFill>
+                  <a:srgbClr val="00B0F0"/>
+                </a:solidFill>
+                <a:latin typeface="Open Sans" panose="020B0606030504020204" pitchFamily="34" charset="0"/>
+              </a:rPr>
+              <a:t>Constructor named Student()</a:t>
+            </a:r>
+            <a:r>
+              <a:rPr lang="en-US" dirty="0">
+                <a:solidFill>
+                  <a:schemeClr val="tx1">
+                    <a:lumMod val="85000"/>
+                  </a:schemeClr>
+                </a:solidFill>
+                <a:latin typeface="Open Sans" panose="020B0606030504020204" pitchFamily="34" charset="0"/>
+              </a:rPr>
+              <a:t>, and a </a:t>
+            </a:r>
+            <a:r>
+              <a:rPr lang="en-US" dirty="0">
+                <a:solidFill>
+                  <a:srgbClr val="00B0F0"/>
+                </a:solidFill>
+                <a:latin typeface="Open Sans" panose="020B0606030504020204" pitchFamily="34" charset="0"/>
+              </a:rPr>
+              <a:t>method named describe()</a:t>
+            </a:r>
+            <a:r>
+              <a:rPr lang="en-US" dirty="0">
+                <a:solidFill>
+                  <a:schemeClr val="tx1">
+                    <a:lumMod val="85000"/>
+                  </a:schemeClr>
+                </a:solidFill>
+                <a:latin typeface="Open Sans" panose="020B0606030504020204" pitchFamily="34" charset="0"/>
+              </a:rPr>
+              <a:t>. </a:t>
+            </a:r>
+          </a:p>
+          <a:p>
             <a:endParaRPr lang="en-US" dirty="0">
               <a:solidFill>
                 <a:schemeClr val="tx1">
@@ -8601,182 +9338,6 @@
             </a:endParaRPr>
           </a:p>
           <a:p>
-            <a:pPr marL="342900" indent="-342900">
-              <a:buFont typeface="Arial" panose="020B0604020202020204" pitchFamily="34" charset="0"/>
-              <a:buChar char="•"/>
-            </a:pPr>
-            <a:endParaRPr lang="en-US" dirty="0">
-              <a:solidFill>
-                <a:schemeClr val="tx1">
-                  <a:lumMod val="85000"/>
-                </a:schemeClr>
-              </a:solidFill>
-              <a:latin typeface="Open Sans" panose="020B0606030504020204" pitchFamily="34" charset="0"/>
-            </a:endParaRPr>
-          </a:p>
-          <a:p>
-            <a:pPr marL="342900" indent="-342900">
-              <a:buFont typeface="Arial" panose="020B0604020202020204" pitchFamily="34" charset="0"/>
-              <a:buChar char="•"/>
-            </a:pPr>
-            <a:endParaRPr lang="en-US" dirty="0">
-              <a:solidFill>
-                <a:schemeClr val="tx1">
-                  <a:lumMod val="85000"/>
-                </a:schemeClr>
-              </a:solidFill>
-              <a:latin typeface="Open Sans" panose="020B0606030504020204" pitchFamily="34" charset="0"/>
-            </a:endParaRPr>
-          </a:p>
-          <a:p>
-            <a:pPr marL="342900" indent="-342900">
-              <a:buFont typeface="Arial" panose="020B0604020202020204" pitchFamily="34" charset="0"/>
-              <a:buChar char="•"/>
-            </a:pPr>
-            <a:endParaRPr lang="en-US" dirty="0">
-              <a:solidFill>
-                <a:schemeClr val="tx1">
-                  <a:lumMod val="85000"/>
-                </a:schemeClr>
-              </a:solidFill>
-              <a:latin typeface="Open Sans" panose="020B0606030504020204" pitchFamily="34" charset="0"/>
-            </a:endParaRPr>
-          </a:p>
-          <a:p>
-            <a:pPr marL="342900" indent="-342900">
-              <a:buFont typeface="Arial" panose="020B0604020202020204" pitchFamily="34" charset="0"/>
-              <a:buChar char="•"/>
-            </a:pPr>
-            <a:endParaRPr lang="en-US" dirty="0">
-              <a:solidFill>
-                <a:schemeClr val="tx1">
-                  <a:lumMod val="85000"/>
-                </a:schemeClr>
-              </a:solidFill>
-              <a:latin typeface="Open Sans" panose="020B0606030504020204" pitchFamily="34" charset="0"/>
-            </a:endParaRPr>
-          </a:p>
-          <a:p>
-            <a:pPr marL="342900" indent="-342900">
-              <a:buFont typeface="Arial" panose="020B0604020202020204" pitchFamily="34" charset="0"/>
-              <a:buChar char="•"/>
-            </a:pPr>
-            <a:endParaRPr lang="en-US" dirty="0">
-              <a:solidFill>
-                <a:schemeClr val="tx1">
-                  <a:lumMod val="85000"/>
-                </a:schemeClr>
-              </a:solidFill>
-              <a:latin typeface="Open Sans" panose="020B0606030504020204" pitchFamily="34" charset="0"/>
-            </a:endParaRPr>
-          </a:p>
-          <a:p>
-            <a:pPr marL="342900" indent="-342900">
-              <a:buFont typeface="Arial" panose="020B0604020202020204" pitchFamily="34" charset="0"/>
-              <a:buChar char="•"/>
-            </a:pPr>
-            <a:endParaRPr lang="en-US" dirty="0">
-              <a:solidFill>
-                <a:schemeClr val="tx1">
-                  <a:lumMod val="85000"/>
-                </a:schemeClr>
-              </a:solidFill>
-              <a:latin typeface="Open Sans" panose="020B0606030504020204" pitchFamily="34" charset="0"/>
-            </a:endParaRPr>
-          </a:p>
-          <a:p>
-            <a:pPr marL="342900" indent="-342900">
-              <a:buFont typeface="Arial" panose="020B0604020202020204" pitchFamily="34" charset="0"/>
-              <a:buChar char="•"/>
-            </a:pPr>
-            <a:endParaRPr lang="en-US" dirty="0">
-              <a:solidFill>
-                <a:schemeClr val="tx1">
-                  <a:lumMod val="85000"/>
-                </a:schemeClr>
-              </a:solidFill>
-              <a:latin typeface="Open Sans" panose="020B0606030504020204" pitchFamily="34" charset="0"/>
-            </a:endParaRPr>
-          </a:p>
-          <a:p>
-            <a:pPr marL="342900" indent="-342900">
-              <a:buFont typeface="Arial" panose="020B0604020202020204" pitchFamily="34" charset="0"/>
-              <a:buChar char="•"/>
-            </a:pPr>
-            <a:endParaRPr lang="en-US" dirty="0">
-              <a:solidFill>
-                <a:schemeClr val="tx1">
-                  <a:lumMod val="85000"/>
-                </a:schemeClr>
-              </a:solidFill>
-              <a:latin typeface="Open Sans" panose="020B0606030504020204" pitchFamily="34" charset="0"/>
-            </a:endParaRPr>
-          </a:p>
-          <a:p>
-            <a:pPr marL="342900" indent="-342900">
-              <a:buFont typeface="Arial" panose="020B0604020202020204" pitchFamily="34" charset="0"/>
-              <a:buChar char="•"/>
-            </a:pPr>
-            <a:endParaRPr lang="en-US" dirty="0">
-              <a:solidFill>
-                <a:schemeClr val="tx1">
-                  <a:lumMod val="85000"/>
-                </a:schemeClr>
-              </a:solidFill>
-              <a:latin typeface="Open Sans" panose="020B0606030504020204" pitchFamily="34" charset="0"/>
-            </a:endParaRPr>
-          </a:p>
-          <a:p>
-            <a:pPr marL="342900" indent="-342900">
-              <a:buFont typeface="Arial" panose="020B0604020202020204" pitchFamily="34" charset="0"/>
-              <a:buChar char="•"/>
-            </a:pPr>
-            <a:endParaRPr lang="en-US" dirty="0">
-              <a:solidFill>
-                <a:schemeClr val="tx1">
-                  <a:lumMod val="85000"/>
-                </a:schemeClr>
-              </a:solidFill>
-              <a:latin typeface="Open Sans" panose="020B0606030504020204" pitchFamily="34" charset="0"/>
-            </a:endParaRPr>
-          </a:p>
-          <a:p>
-            <a:pPr marL="342900" indent="-342900">
-              <a:buFont typeface="Arial" panose="020B0604020202020204" pitchFamily="34" charset="0"/>
-              <a:buChar char="•"/>
-            </a:pPr>
-            <a:endParaRPr lang="en-US" dirty="0">
-              <a:solidFill>
-                <a:schemeClr val="tx1">
-                  <a:lumMod val="85000"/>
-                </a:schemeClr>
-              </a:solidFill>
-              <a:latin typeface="Open Sans" panose="020B0606030504020204" pitchFamily="34" charset="0"/>
-            </a:endParaRPr>
-          </a:p>
-          <a:p>
-            <a:pPr marL="342900" indent="-342900">
-              <a:buFont typeface="Arial" panose="020B0604020202020204" pitchFamily="34" charset="0"/>
-              <a:buChar char="•"/>
-            </a:pPr>
-            <a:endParaRPr lang="en-US" dirty="0">
-              <a:solidFill>
-                <a:schemeClr val="tx1">
-                  <a:lumMod val="85000"/>
-                </a:schemeClr>
-              </a:solidFill>
-              <a:latin typeface="Open Sans" panose="020B0606030504020204" pitchFamily="34" charset="0"/>
-            </a:endParaRPr>
-          </a:p>
-          <a:p>
-            <a:pPr marL="342900" indent="-342900">
-              <a:buFont typeface="Arial" panose="020B0604020202020204" pitchFamily="34" charset="0"/>
-              <a:buChar char="•"/>
-            </a:pPr>
-            <a:endParaRPr lang="en-US" dirty="0"/>
-          </a:p>
-          <a:p>
-            <a:pPr algn="l" rtl="0"/>
             <a:r>
               <a:rPr lang="en-US" dirty="0">
                 <a:solidFill>
@@ -8785,9 +9346,117 @@
                   </a:schemeClr>
                 </a:solidFill>
                 <a:latin typeface="Open Sans" panose="020B0606030504020204" pitchFamily="34" charset="0"/>
-                <a:hlinkClick r:id="rId2"/>
-              </a:rPr>
-              <a:t>Content Link in LMS</a:t>
+              </a:rPr>
+              <a:t>Additionally, you will notice that Student is a Class.  In Java, </a:t>
+            </a:r>
+            <a:r>
+              <a:rPr lang="en-US" dirty="0">
+                <a:solidFill>
+                  <a:srgbClr val="00B0F0"/>
+                </a:solidFill>
+                <a:latin typeface="Open Sans" panose="020B0606030504020204" pitchFamily="34" charset="0"/>
+              </a:rPr>
+              <a:t>a Class is the template from which an Object can be created</a:t>
+            </a:r>
+            <a:r>
+              <a:rPr lang="en-US" dirty="0">
+                <a:solidFill>
+                  <a:schemeClr val="tx1">
+                    <a:lumMod val="85000"/>
+                  </a:schemeClr>
+                </a:solidFill>
+                <a:latin typeface="Open Sans" panose="020B0606030504020204" pitchFamily="34" charset="0"/>
+              </a:rPr>
+              <a:t>, and </a:t>
+            </a:r>
+            <a:r>
+              <a:rPr lang="en-US" dirty="0">
+                <a:solidFill>
+                  <a:srgbClr val="00B0F0"/>
+                </a:solidFill>
+                <a:latin typeface="Open Sans" panose="020B0606030504020204" pitchFamily="34" charset="0"/>
+              </a:rPr>
+              <a:t>an Object is an instance of that class</a:t>
+            </a:r>
+            <a:r>
+              <a:rPr lang="en-US" dirty="0">
+                <a:solidFill>
+                  <a:schemeClr val="tx1">
+                    <a:lumMod val="85000"/>
+                  </a:schemeClr>
+                </a:solidFill>
+                <a:latin typeface="Open Sans" panose="020B0606030504020204" pitchFamily="34" charset="0"/>
+              </a:rPr>
+              <a:t>.  We use the word "</a:t>
+            </a:r>
+            <a:r>
+              <a:rPr lang="en-US" dirty="0">
+                <a:solidFill>
+                  <a:srgbClr val="00B0F0"/>
+                </a:solidFill>
+                <a:latin typeface="Open Sans" panose="020B0606030504020204" pitchFamily="34" charset="0"/>
+              </a:rPr>
+              <a:t>instantiate</a:t>
+            </a:r>
+            <a:r>
+              <a:rPr lang="en-US" dirty="0">
+                <a:solidFill>
+                  <a:schemeClr val="tx1">
+                    <a:lumMod val="85000"/>
+                  </a:schemeClr>
+                </a:solidFill>
+                <a:latin typeface="Open Sans" panose="020B0606030504020204" pitchFamily="34" charset="0"/>
+              </a:rPr>
+              <a:t>" when we describe the </a:t>
+            </a:r>
+            <a:r>
+              <a:rPr lang="en-US" dirty="0">
+                <a:solidFill>
+                  <a:srgbClr val="00B0F0"/>
+                </a:solidFill>
+                <a:latin typeface="Open Sans" panose="020B0606030504020204" pitchFamily="34" charset="0"/>
+              </a:rPr>
+              <a:t>creation of an Object from a Class </a:t>
+            </a:r>
+            <a:r>
+              <a:rPr lang="en-US" dirty="0">
+                <a:solidFill>
+                  <a:schemeClr val="tx1">
+                    <a:lumMod val="85000"/>
+                  </a:schemeClr>
+                </a:solidFill>
+                <a:latin typeface="Open Sans" panose="020B0606030504020204" pitchFamily="34" charset="0"/>
+              </a:rPr>
+              <a:t>by use of the </a:t>
+            </a:r>
+            <a:r>
+              <a:rPr lang="en-US" dirty="0" err="1">
+                <a:solidFill>
+                  <a:srgbClr val="00B0F0"/>
+                </a:solidFill>
+                <a:latin typeface="Open Sans" panose="020B0606030504020204" pitchFamily="34" charset="0"/>
+              </a:rPr>
+              <a:t>Contructor</a:t>
+            </a:r>
+            <a:r>
+              <a:rPr lang="en-US" dirty="0">
+                <a:solidFill>
+                  <a:srgbClr val="00B0F0"/>
+                </a:solidFill>
+                <a:latin typeface="Open Sans" panose="020B0606030504020204" pitchFamily="34" charset="0"/>
+              </a:rPr>
+              <a:t> of that Class</a:t>
+            </a:r>
+            <a:r>
+              <a:rPr lang="en-US" dirty="0">
+                <a:solidFill>
+                  <a:schemeClr val="tx1">
+                    <a:lumMod val="85000"/>
+                  </a:schemeClr>
+                </a:solidFill>
+                <a:latin typeface="Open Sans" panose="020B0606030504020204" pitchFamily="34" charset="0"/>
+              </a:rPr>
+              <a:t>.</a:t>
             </a:r>
             <a:endParaRPr lang="en-US" b="0" i="0" dirty="0">
               <a:solidFill>
@@ -8801,36 +9470,6 @@
           </a:p>
         </p:txBody>
       </p:sp>
-      <p:pic>
-        <p:nvPicPr>
-          <p:cNvPr id="3" name="Picture 2">
-            <a:extLst>
-              <a:ext uri="{FF2B5EF4-FFF2-40B4-BE49-F238E27FC236}">
-                <a16:creationId xmlns:a16="http://schemas.microsoft.com/office/drawing/2014/main" id="{0E14C303-4A08-9E3D-827C-D6CF995E9C7A}"/>
-              </a:ext>
-            </a:extLst>
-          </p:cNvPr>
-          <p:cNvPicPr>
-            <a:picLocks noChangeAspect="1"/>
-          </p:cNvPicPr>
-          <p:nvPr/>
-        </p:nvPicPr>
-        <p:blipFill>
-          <a:blip r:embed="rId3"/>
-          <a:stretch>
-            <a:fillRect/>
-          </a:stretch>
-        </p:blipFill>
-        <p:spPr>
-          <a:xfrm>
-            <a:off x="1994657" y="937513"/>
-            <a:ext cx="6881194" cy="3953269"/>
-          </a:xfrm>
-          <a:prstGeom prst="rect">
-            <a:avLst/>
-          </a:prstGeom>
-        </p:spPr>
-      </p:pic>
     </p:spTree>
     <p:extLst>
       <p:ext uri="{BB962C8B-B14F-4D97-AF65-F5344CB8AC3E}">
@@ -8863,10 +9502,10 @@
       </p:grpSpPr>
       <p:sp>
         <p:nvSpPr>
-          <p:cNvPr id="6" name="TextBox 5">
+          <p:cNvPr id="3" name="TextBox 2">
             <a:extLst>
               <a:ext uri="{FF2B5EF4-FFF2-40B4-BE49-F238E27FC236}">
-                <a16:creationId xmlns:a16="http://schemas.microsoft.com/office/drawing/2014/main" id="{59E906CD-110B-9D01-732C-2F21759B0265}"/>
+                <a16:creationId xmlns:a16="http://schemas.microsoft.com/office/drawing/2014/main" id="{23DFC7E9-54DD-38D7-0B9B-D34948D68CF9}"/>
               </a:ext>
             </a:extLst>
           </p:cNvPr>
@@ -8875,8 +9514,8 @@
         </p:nvSpPr>
         <p:spPr>
           <a:xfrm>
-            <a:off x="341603" y="50541"/>
-            <a:ext cx="11449344" cy="461665"/>
+            <a:off x="1669409" y="2459504"/>
+            <a:ext cx="8183202" cy="1015663"/>
           </a:xfrm>
           <a:prstGeom prst="rect">
             <a:avLst/>
@@ -8889,357 +9528,65 @@
           </a:bodyPr>
           <a:lstStyle/>
           <a:p>
-            <a:pPr algn="l"/>
-            <a:r>
-              <a:rPr lang="en-US" sz="2400" b="1" dirty="0">
-                <a:solidFill>
-                  <a:srgbClr val="00B050"/>
+            <a:pPr marL="0" marR="0" lvl="0" indent="0" algn="l" defTabSz="914400" rtl="0" eaLnBrk="1" fontAlgn="auto" latinLnBrk="0" hangingPunct="1">
+              <a:lnSpc>
+                <a:spcPct val="100000"/>
+              </a:lnSpc>
+              <a:spcBef>
+                <a:spcPts val="0"/>
+              </a:spcBef>
+              <a:spcAft>
+                <a:spcPts val="0"/>
+              </a:spcAft>
+              <a:buClrTx/>
+              <a:buSzTx/>
+              <a:buFontTx/>
+              <a:buNone/>
+              <a:tabLst/>
+              <a:defRPr/>
+            </a:pPr>
+            <a:r>
+              <a:rPr kumimoji="0" lang="en-US" sz="6000" b="0" i="0" u="none" strike="noStrike" kern="1200" cap="none" spc="0" normalizeH="0" baseline="0" noProof="0" dirty="0" err="1">
+                <a:ln>
+                  <a:noFill/>
+                </a:ln>
+                <a:solidFill>
+                  <a:prstClr val="white">
+                    <a:lumMod val="75000"/>
+                  </a:prstClr>
                 </a:solidFill>
                 <a:effectLst/>
-                <a:latin typeface="Open Sans" panose="020B0606030504020204" pitchFamily="34" charset="0"/>
-              </a:rPr>
-              <a:t>while </a:t>
-            </a:r>
-            <a:r>
-              <a:rPr lang="en-US" sz="2400" b="1" dirty="0">
-                <a:solidFill>
-                  <a:srgbClr val="00B050"/>
-                </a:solidFill>
-                <a:effectLst/>
-                <a:latin typeface="Open Sans" panose="020B0606030504020204" pitchFamily="34" charset="0"/>
-                <a:sym typeface="Wingdings" panose="05000000000000000000" pitchFamily="2" charset="2"/>
-              </a:rPr>
-              <a:t> Loop  and  do while  Loop</a:t>
-            </a:r>
-            <a:endParaRPr lang="en-US" sz="2400" b="1" dirty="0">
+                <a:uLnTx/>
+                <a:uFillTx/>
+                <a:latin typeface="Open Sans" panose="020B0606030504020204" pitchFamily="34" charset="0"/>
+                <a:ea typeface="+mn-ea"/>
+                <a:cs typeface="+mn-cs"/>
+              </a:rPr>
+              <a:t>JavaDocs</a:t>
+            </a:r>
+            <a:endParaRPr kumimoji="0" lang="en-US" sz="6000" b="0" i="0" u="none" strike="noStrike" kern="1200" cap="none" spc="0" normalizeH="0" baseline="0" noProof="0" dirty="0">
+              <a:ln>
+                <a:noFill/>
+              </a:ln>
               <a:solidFill>
-                <a:srgbClr val="00B050"/>
+                <a:prstClr val="white">
+                  <a:lumMod val="75000"/>
+                </a:prstClr>
               </a:solidFill>
               <a:effectLst/>
+              <a:uLnTx/>
+              <a:uFillTx/>
               <a:latin typeface="Open Sans" panose="020B0606030504020204" pitchFamily="34" charset="0"/>
+              <a:ea typeface="+mn-ea"/>
+              <a:cs typeface="+mn-cs"/>
             </a:endParaRPr>
           </a:p>
         </p:txBody>
       </p:sp>
-      <p:sp>
-        <p:nvSpPr>
-          <p:cNvPr id="5" name="TextBox 4">
-            <a:extLst>
-              <a:ext uri="{FF2B5EF4-FFF2-40B4-BE49-F238E27FC236}">
-                <a16:creationId xmlns:a16="http://schemas.microsoft.com/office/drawing/2014/main" id="{9DB63145-E59C-9501-8AA5-4E6AC5C0D40F}"/>
-              </a:ext>
-            </a:extLst>
-          </p:cNvPr>
-          <p:cNvSpPr txBox="1"/>
-          <p:nvPr/>
-        </p:nvSpPr>
-        <p:spPr>
-          <a:xfrm>
-            <a:off x="341603" y="640071"/>
-            <a:ext cx="11701570" cy="5632311"/>
-          </a:xfrm>
-          <a:prstGeom prst="rect">
-            <a:avLst/>
-          </a:prstGeom>
-          <a:noFill/>
-        </p:spPr>
-        <p:txBody>
-          <a:bodyPr wrap="square">
-            <a:spAutoFit/>
-          </a:bodyPr>
-          <a:lstStyle/>
-          <a:p>
-            <a:br>
-              <a:rPr lang="en-US" i="0" dirty="0">
-                <a:solidFill>
-                  <a:schemeClr val="tx1">
-                    <a:lumMod val="85000"/>
-                  </a:schemeClr>
-                </a:solidFill>
-                <a:effectLst/>
-                <a:latin typeface="Open Sans" panose="020B0606030504020204" pitchFamily="34" charset="0"/>
-              </a:rPr>
-            </a:br>
-            <a:endParaRPr lang="en-US" i="0" dirty="0">
-              <a:solidFill>
-                <a:schemeClr val="tx1">
-                  <a:lumMod val="85000"/>
-                </a:schemeClr>
-              </a:solidFill>
-              <a:effectLst/>
-              <a:latin typeface="Open Sans" panose="020B0606030504020204" pitchFamily="34" charset="0"/>
-            </a:endParaRPr>
-          </a:p>
-          <a:p>
-            <a:pPr marL="342900" indent="-342900">
-              <a:buFont typeface="Arial" panose="020B0604020202020204" pitchFamily="34" charset="0"/>
-              <a:buChar char="•"/>
-            </a:pPr>
-            <a:endParaRPr lang="en-US" dirty="0">
-              <a:solidFill>
-                <a:schemeClr val="tx1">
-                  <a:lumMod val="85000"/>
-                </a:schemeClr>
-              </a:solidFill>
-              <a:latin typeface="Open Sans" panose="020B0606030504020204" pitchFamily="34" charset="0"/>
-            </a:endParaRPr>
-          </a:p>
-          <a:p>
-            <a:pPr marL="342900" indent="-342900">
-              <a:buFont typeface="Arial" panose="020B0604020202020204" pitchFamily="34" charset="0"/>
-              <a:buChar char="•"/>
-            </a:pPr>
-            <a:endParaRPr lang="en-US" dirty="0">
-              <a:solidFill>
-                <a:schemeClr val="tx1">
-                  <a:lumMod val="85000"/>
-                </a:schemeClr>
-              </a:solidFill>
-              <a:latin typeface="Open Sans" panose="020B0606030504020204" pitchFamily="34" charset="0"/>
-            </a:endParaRPr>
-          </a:p>
-          <a:p>
-            <a:pPr marL="342900" indent="-342900">
-              <a:buFont typeface="Arial" panose="020B0604020202020204" pitchFamily="34" charset="0"/>
-              <a:buChar char="•"/>
-            </a:pPr>
-            <a:endParaRPr lang="en-US" dirty="0">
-              <a:solidFill>
-                <a:schemeClr val="tx1">
-                  <a:lumMod val="85000"/>
-                </a:schemeClr>
-              </a:solidFill>
-              <a:latin typeface="Open Sans" panose="020B0606030504020204" pitchFamily="34" charset="0"/>
-            </a:endParaRPr>
-          </a:p>
-          <a:p>
-            <a:pPr marL="342900" indent="-342900">
-              <a:buFont typeface="Arial" panose="020B0604020202020204" pitchFamily="34" charset="0"/>
-              <a:buChar char="•"/>
-            </a:pPr>
-            <a:endParaRPr lang="en-US" dirty="0">
-              <a:solidFill>
-                <a:schemeClr val="tx1">
-                  <a:lumMod val="85000"/>
-                </a:schemeClr>
-              </a:solidFill>
-              <a:latin typeface="Open Sans" panose="020B0606030504020204" pitchFamily="34" charset="0"/>
-            </a:endParaRPr>
-          </a:p>
-          <a:p>
-            <a:pPr marL="342900" indent="-342900">
-              <a:buFont typeface="Arial" panose="020B0604020202020204" pitchFamily="34" charset="0"/>
-              <a:buChar char="•"/>
-            </a:pPr>
-            <a:endParaRPr lang="en-US" dirty="0">
-              <a:solidFill>
-                <a:schemeClr val="tx1">
-                  <a:lumMod val="85000"/>
-                </a:schemeClr>
-              </a:solidFill>
-              <a:latin typeface="Open Sans" panose="020B0606030504020204" pitchFamily="34" charset="0"/>
-            </a:endParaRPr>
-          </a:p>
-          <a:p>
-            <a:pPr marL="342900" indent="-342900">
-              <a:buFont typeface="Arial" panose="020B0604020202020204" pitchFamily="34" charset="0"/>
-              <a:buChar char="•"/>
-            </a:pPr>
-            <a:endParaRPr lang="en-US" dirty="0">
-              <a:solidFill>
-                <a:schemeClr val="tx1">
-                  <a:lumMod val="85000"/>
-                </a:schemeClr>
-              </a:solidFill>
-              <a:latin typeface="Open Sans" panose="020B0606030504020204" pitchFamily="34" charset="0"/>
-            </a:endParaRPr>
-          </a:p>
-          <a:p>
-            <a:pPr marL="342900" indent="-342900">
-              <a:buFont typeface="Arial" panose="020B0604020202020204" pitchFamily="34" charset="0"/>
-              <a:buChar char="•"/>
-            </a:pPr>
-            <a:endParaRPr lang="en-US" dirty="0">
-              <a:solidFill>
-                <a:schemeClr val="tx1">
-                  <a:lumMod val="85000"/>
-                </a:schemeClr>
-              </a:solidFill>
-              <a:latin typeface="Open Sans" panose="020B0606030504020204" pitchFamily="34" charset="0"/>
-            </a:endParaRPr>
-          </a:p>
-          <a:p>
-            <a:pPr marL="342900" indent="-342900">
-              <a:buFont typeface="Arial" panose="020B0604020202020204" pitchFamily="34" charset="0"/>
-              <a:buChar char="•"/>
-            </a:pPr>
-            <a:endParaRPr lang="en-US" dirty="0">
-              <a:solidFill>
-                <a:schemeClr val="tx1">
-                  <a:lumMod val="85000"/>
-                </a:schemeClr>
-              </a:solidFill>
-              <a:latin typeface="Open Sans" panose="020B0606030504020204" pitchFamily="34" charset="0"/>
-            </a:endParaRPr>
-          </a:p>
-          <a:p>
-            <a:pPr marL="342900" indent="-342900">
-              <a:buFont typeface="Arial" panose="020B0604020202020204" pitchFamily="34" charset="0"/>
-              <a:buChar char="•"/>
-            </a:pPr>
-            <a:endParaRPr lang="en-US" dirty="0">
-              <a:solidFill>
-                <a:schemeClr val="tx1">
-                  <a:lumMod val="85000"/>
-                </a:schemeClr>
-              </a:solidFill>
-              <a:latin typeface="Open Sans" panose="020B0606030504020204" pitchFamily="34" charset="0"/>
-            </a:endParaRPr>
-          </a:p>
-          <a:p>
-            <a:pPr marL="342900" indent="-342900">
-              <a:buFont typeface="Arial" panose="020B0604020202020204" pitchFamily="34" charset="0"/>
-              <a:buChar char="•"/>
-            </a:pPr>
-            <a:endParaRPr lang="en-US" dirty="0">
-              <a:solidFill>
-                <a:schemeClr val="tx1">
-                  <a:lumMod val="85000"/>
-                </a:schemeClr>
-              </a:solidFill>
-              <a:latin typeface="Open Sans" panose="020B0606030504020204" pitchFamily="34" charset="0"/>
-            </a:endParaRPr>
-          </a:p>
-          <a:p>
-            <a:pPr marL="342900" indent="-342900">
-              <a:buFont typeface="Arial" panose="020B0604020202020204" pitchFamily="34" charset="0"/>
-              <a:buChar char="•"/>
-            </a:pPr>
-            <a:endParaRPr lang="en-US" dirty="0">
-              <a:solidFill>
-                <a:schemeClr val="tx1">
-                  <a:lumMod val="85000"/>
-                </a:schemeClr>
-              </a:solidFill>
-              <a:latin typeface="Open Sans" panose="020B0606030504020204" pitchFamily="34" charset="0"/>
-            </a:endParaRPr>
-          </a:p>
-          <a:p>
-            <a:pPr marL="342900" indent="-342900">
-              <a:buFont typeface="Arial" panose="020B0604020202020204" pitchFamily="34" charset="0"/>
-              <a:buChar char="•"/>
-            </a:pPr>
-            <a:endParaRPr lang="en-US" dirty="0">
-              <a:solidFill>
-                <a:schemeClr val="tx1">
-                  <a:lumMod val="85000"/>
-                </a:schemeClr>
-              </a:solidFill>
-              <a:latin typeface="Open Sans" panose="020B0606030504020204" pitchFamily="34" charset="0"/>
-            </a:endParaRPr>
-          </a:p>
-          <a:p>
-            <a:pPr marL="342900" indent="-342900">
-              <a:buFont typeface="Arial" panose="020B0604020202020204" pitchFamily="34" charset="0"/>
-              <a:buChar char="•"/>
-            </a:pPr>
-            <a:endParaRPr lang="en-US" dirty="0">
-              <a:solidFill>
-                <a:schemeClr val="tx1">
-                  <a:lumMod val="85000"/>
-                </a:schemeClr>
-              </a:solidFill>
-              <a:latin typeface="Open Sans" panose="020B0606030504020204" pitchFamily="34" charset="0"/>
-            </a:endParaRPr>
-          </a:p>
-          <a:p>
-            <a:pPr marL="342900" indent="-342900">
-              <a:buFont typeface="Arial" panose="020B0604020202020204" pitchFamily="34" charset="0"/>
-              <a:buChar char="•"/>
-            </a:pPr>
-            <a:endParaRPr lang="en-US" dirty="0"/>
-          </a:p>
-          <a:p>
-            <a:pPr marL="342900" indent="-342900">
-              <a:buFont typeface="Arial" panose="020B0604020202020204" pitchFamily="34" charset="0"/>
-              <a:buChar char="•"/>
-            </a:pPr>
-            <a:endParaRPr lang="en-US" dirty="0"/>
-          </a:p>
-          <a:p>
-            <a:pPr marL="342900" indent="-342900">
-              <a:buFont typeface="Arial" panose="020B0604020202020204" pitchFamily="34" charset="0"/>
-              <a:buChar char="•"/>
-            </a:pPr>
-            <a:endParaRPr lang="en-US" dirty="0"/>
-          </a:p>
-          <a:p>
-            <a:pPr marL="342900" indent="-342900">
-              <a:buFont typeface="Arial" panose="020B0604020202020204" pitchFamily="34" charset="0"/>
-              <a:buChar char="•"/>
-            </a:pPr>
-            <a:endParaRPr lang="en-US" dirty="0"/>
-          </a:p>
-          <a:p>
-            <a:pPr algn="l" rtl="0"/>
-            <a:r>
-              <a:rPr lang="en-US" dirty="0">
-                <a:solidFill>
-                  <a:schemeClr val="tx1">
-                    <a:lumMod val="85000"/>
-                  </a:schemeClr>
-                </a:solidFill>
-                <a:latin typeface="Open Sans" panose="020B0606030504020204" pitchFamily="34" charset="0"/>
-                <a:hlinkClick r:id="rId2"/>
-              </a:rPr>
-              <a:t>Content Link in LMS</a:t>
-            </a:r>
-            <a:endParaRPr lang="en-US" b="0" i="0" dirty="0">
-              <a:solidFill>
-                <a:schemeClr val="tx1">
-                  <a:lumMod val="85000"/>
-                </a:schemeClr>
-              </a:solidFill>
-              <a:effectLst/>
-              <a:latin typeface="Open Sans" panose="020B0606030504020204" pitchFamily="34" charset="0"/>
-            </a:endParaRPr>
-          </a:p>
-        </p:txBody>
-      </p:sp>
-      <p:pic>
-        <p:nvPicPr>
-          <p:cNvPr id="3" name="Picture 2">
-            <a:extLst>
-              <a:ext uri="{FF2B5EF4-FFF2-40B4-BE49-F238E27FC236}">
-                <a16:creationId xmlns:a16="http://schemas.microsoft.com/office/drawing/2014/main" id="{AD0FD225-5D5A-02AF-7A9C-13410C644753}"/>
-              </a:ext>
-            </a:extLst>
-          </p:cNvPr>
-          <p:cNvPicPr>
-            <a:picLocks noChangeAspect="1"/>
-          </p:cNvPicPr>
-          <p:nvPr/>
-        </p:nvPicPr>
-        <p:blipFill>
-          <a:blip r:embed="rId3"/>
-          <a:stretch>
-            <a:fillRect/>
-          </a:stretch>
-        </p:blipFill>
-        <p:spPr>
-          <a:xfrm>
-            <a:off x="688771" y="1339966"/>
-            <a:ext cx="10629900" cy="3238500"/>
-          </a:xfrm>
-          <a:prstGeom prst="rect">
-            <a:avLst/>
-          </a:prstGeom>
-        </p:spPr>
-      </p:pic>
     </p:spTree>
     <p:extLst>
       <p:ext uri="{BB962C8B-B14F-4D97-AF65-F5344CB8AC3E}">
-        <p14:creationId xmlns:p14="http://schemas.microsoft.com/office/powerpoint/2010/main" val="3402929522"/>
+        <p14:creationId xmlns:p14="http://schemas.microsoft.com/office/powerpoint/2010/main" val="3395566764"/>
       </p:ext>
     </p:extLst>
   </p:cSld>

--- a/Week3/BESD Week 3.pptx
+++ b/Week3/BESD Week 3.pptx
@@ -129,7 +129,7 @@
 <file path=ppt/revisionInfo.xml><?xml version="1.0" encoding="utf-8"?>
 <p1510:revInfo xmlns:a="http://schemas.openxmlformats.org/drawingml/2006/main" xmlns:r="http://schemas.openxmlformats.org/officeDocument/2006/relationships" xmlns:p1510="http://schemas.microsoft.com/office/powerpoint/2015/10/main">
   <p1510:revLst>
-    <p1510:client id="{CEAAE73E-A3C0-4EF3-8264-4F08772B5760}" v="16" dt="2023-03-20T04:35:28.913"/>
+    <p1510:client id="{CEAAE73E-A3C0-4EF3-8264-4F08772B5760}" v="20" dt="2023-03-21T22:58:11.487"/>
   </p1510:revLst>
 </p1510:revInfo>
 </file>
@@ -776,7 +776,7 @@
   <pc:docChgLst>
     <pc:chgData name="Chuck Kiefriter" userId="c57348f7-b440-4861-a58f-c89f414ea74a" providerId="ADAL" clId="{CEAAE73E-A3C0-4EF3-8264-4F08772B5760}"/>
     <pc:docChg chg="undo custSel addSld delSld modSld">
-      <pc:chgData name="Chuck Kiefriter" userId="c57348f7-b440-4861-a58f-c89f414ea74a" providerId="ADAL" clId="{CEAAE73E-A3C0-4EF3-8264-4F08772B5760}" dt="2023-03-20T04:42:51.356" v="756" actId="1076"/>
+      <pc:chgData name="Chuck Kiefriter" userId="c57348f7-b440-4861-a58f-c89f414ea74a" providerId="ADAL" clId="{CEAAE73E-A3C0-4EF3-8264-4F08772B5760}" dt="2023-03-21T23:02:03.008" v="988" actId="6549"/>
       <pc:docMkLst>
         <pc:docMk/>
       </pc:docMkLst>
@@ -1035,21 +1035,29 @@
         </pc:spChg>
       </pc:sldChg>
       <pc:sldChg chg="addSp delSp modSp mod">
-        <pc:chgData name="Chuck Kiefriter" userId="c57348f7-b440-4861-a58f-c89f414ea74a" providerId="ADAL" clId="{CEAAE73E-A3C0-4EF3-8264-4F08772B5760}" dt="2023-03-20T04:42:51.356" v="756" actId="1076"/>
+        <pc:chgData name="Chuck Kiefriter" userId="c57348f7-b440-4861-a58f-c89f414ea74a" providerId="ADAL" clId="{CEAAE73E-A3C0-4EF3-8264-4F08772B5760}" dt="2023-03-21T22:58:27.146" v="986" actId="1076"/>
         <pc:sldMkLst>
           <pc:docMk/>
           <pc:sldMk cId="3187156049" sldId="281"/>
         </pc:sldMkLst>
+        <pc:spChg chg="add del mod">
+          <ac:chgData name="Chuck Kiefriter" userId="c57348f7-b440-4861-a58f-c89f414ea74a" providerId="ADAL" clId="{CEAAE73E-A3C0-4EF3-8264-4F08772B5760}" dt="2023-03-21T22:58:23.744" v="985" actId="478"/>
+          <ac:spMkLst>
+            <pc:docMk/>
+            <pc:sldMk cId="3187156049" sldId="281"/>
+            <ac:spMk id="3" creationId="{B1BCC113-17B8-CD92-4AF4-0B14B609C3EC}"/>
+          </ac:spMkLst>
+        </pc:spChg>
         <pc:spChg chg="add mod">
-          <ac:chgData name="Chuck Kiefriter" userId="c57348f7-b440-4861-a58f-c89f414ea74a" providerId="ADAL" clId="{CEAAE73E-A3C0-4EF3-8264-4F08772B5760}" dt="2023-03-20T04:42:51.356" v="756" actId="1076"/>
+          <ac:chgData name="Chuck Kiefriter" userId="c57348f7-b440-4861-a58f-c89f414ea74a" providerId="ADAL" clId="{CEAAE73E-A3C0-4EF3-8264-4F08772B5760}" dt="2023-03-21T22:53:21.514" v="780" actId="1076"/>
           <ac:spMkLst>
             <pc:docMk/>
             <pc:sldMk cId="3187156049" sldId="281"/>
             <ac:spMk id="4" creationId="{5F4890C8-248C-DE3F-EFBE-A4EB3744954C}"/>
           </ac:spMkLst>
         </pc:spChg>
-        <pc:spChg chg="mod">
-          <ac:chgData name="Chuck Kiefriter" userId="c57348f7-b440-4861-a58f-c89f414ea74a" providerId="ADAL" clId="{CEAAE73E-A3C0-4EF3-8264-4F08772B5760}" dt="2023-03-20T04:35:14.507" v="751"/>
+        <pc:spChg chg="del mod">
+          <ac:chgData name="Chuck Kiefriter" userId="c57348f7-b440-4861-a58f-c89f414ea74a" providerId="ADAL" clId="{CEAAE73E-A3C0-4EF3-8264-4F08772B5760}" dt="2023-03-21T22:44:00.025" v="764" actId="478"/>
           <ac:spMkLst>
             <pc:docMk/>
             <pc:sldMk cId="3187156049" sldId="281"/>
@@ -1062,6 +1070,38 @@
             <pc:docMk/>
             <pc:sldMk cId="3187156049" sldId="281"/>
             <ac:spMk id="6" creationId="{59E906CD-110B-9D01-732C-2F21759B0265}"/>
+          </ac:spMkLst>
+        </pc:spChg>
+        <pc:spChg chg="add mod">
+          <ac:chgData name="Chuck Kiefriter" userId="c57348f7-b440-4861-a58f-c89f414ea74a" providerId="ADAL" clId="{CEAAE73E-A3C0-4EF3-8264-4F08772B5760}" dt="2023-03-21T22:54:53.559" v="895" actId="1076"/>
+          <ac:spMkLst>
+            <pc:docMk/>
+            <pc:sldMk cId="3187156049" sldId="281"/>
+            <ac:spMk id="8" creationId="{C70D9D43-254A-0545-002D-C444DCDB15AD}"/>
+          </ac:spMkLst>
+        </pc:spChg>
+        <pc:spChg chg="add del">
+          <ac:chgData name="Chuck Kiefriter" userId="c57348f7-b440-4861-a58f-c89f414ea74a" providerId="ADAL" clId="{CEAAE73E-A3C0-4EF3-8264-4F08772B5760}" dt="2023-03-21T22:52:46.609" v="772"/>
+          <ac:spMkLst>
+            <pc:docMk/>
+            <pc:sldMk cId="3187156049" sldId="281"/>
+            <ac:spMk id="9" creationId="{D91EFD97-7B32-CAFA-DA27-56C69DD1B8B9}"/>
+          </ac:spMkLst>
+        </pc:spChg>
+        <pc:spChg chg="add mod">
+          <ac:chgData name="Chuck Kiefriter" userId="c57348f7-b440-4861-a58f-c89f414ea74a" providerId="ADAL" clId="{CEAAE73E-A3C0-4EF3-8264-4F08772B5760}" dt="2023-03-21T22:57:14.137" v="981" actId="1076"/>
+          <ac:spMkLst>
+            <pc:docMk/>
+            <pc:sldMk cId="3187156049" sldId="281"/>
+            <ac:spMk id="11" creationId="{FBFF1272-6FED-ACD0-CEF8-E11B1DD3B48B}"/>
+          </ac:spMkLst>
+        </pc:spChg>
+        <pc:spChg chg="add mod">
+          <ac:chgData name="Chuck Kiefriter" userId="c57348f7-b440-4861-a58f-c89f414ea74a" providerId="ADAL" clId="{CEAAE73E-A3C0-4EF3-8264-4F08772B5760}" dt="2023-03-21T22:58:27.146" v="986" actId="1076"/>
+          <ac:spMkLst>
+            <pc:docMk/>
+            <pc:sldMk cId="3187156049" sldId="281"/>
+            <ac:spMk id="13" creationId="{54490E19-5FDF-8610-D214-65ABB5B29ACD}"/>
           </ac:spMkLst>
         </pc:spChg>
         <pc:picChg chg="del">
@@ -1089,13 +1129,13 @@
         </pc:spChg>
       </pc:sldChg>
       <pc:sldChg chg="delSp modSp mod">
-        <pc:chgData name="Chuck Kiefriter" userId="c57348f7-b440-4861-a58f-c89f414ea74a" providerId="ADAL" clId="{CEAAE73E-A3C0-4EF3-8264-4F08772B5760}" dt="2023-03-20T02:36:03.099" v="664"/>
+        <pc:chgData name="Chuck Kiefriter" userId="c57348f7-b440-4861-a58f-c89f414ea74a" providerId="ADAL" clId="{CEAAE73E-A3C0-4EF3-8264-4F08772B5760}" dt="2023-03-21T23:02:03.008" v="988" actId="6549"/>
         <pc:sldMkLst>
           <pc:docMk/>
           <pc:sldMk cId="1885158462" sldId="283"/>
         </pc:sldMkLst>
         <pc:spChg chg="mod">
-          <ac:chgData name="Chuck Kiefriter" userId="c57348f7-b440-4861-a58f-c89f414ea74a" providerId="ADAL" clId="{CEAAE73E-A3C0-4EF3-8264-4F08772B5760}" dt="2023-03-20T02:36:03.099" v="664"/>
+          <ac:chgData name="Chuck Kiefriter" userId="c57348f7-b440-4861-a58f-c89f414ea74a" providerId="ADAL" clId="{CEAAE73E-A3C0-4EF3-8264-4F08772B5760}" dt="2023-03-21T23:02:03.008" v="988" actId="6549"/>
           <ac:spMkLst>
             <pc:docMk/>
             <pc:sldMk cId="1885158462" sldId="283"/>
@@ -1387,7 +1427,7 @@
           <a:p>
             <a:fld id="{33D569A9-A222-4DCC-AF28-BB813B4F2ABB}" type="datetimeFigureOut">
               <a:rPr lang="en-US" smtClean="0"/>
-              <a:t>3/20/2023</a:t>
+              <a:t>3/21/2023</a:t>
             </a:fld>
             <a:endParaRPr lang="en-US"/>
           </a:p>
@@ -1675,7 +1715,7 @@
           <a:p>
             <a:fld id="{33D569A9-A222-4DCC-AF28-BB813B4F2ABB}" type="datetimeFigureOut">
               <a:rPr lang="en-US" smtClean="0"/>
-              <a:t>3/20/2023</a:t>
+              <a:t>3/21/2023</a:t>
             </a:fld>
             <a:endParaRPr lang="en-US"/>
           </a:p>
@@ -1873,7 +1913,7 @@
           <a:p>
             <a:fld id="{33D569A9-A222-4DCC-AF28-BB813B4F2ABB}" type="datetimeFigureOut">
               <a:rPr lang="en-US" smtClean="0"/>
-              <a:t>3/20/2023</a:t>
+              <a:t>3/21/2023</a:t>
             </a:fld>
             <a:endParaRPr lang="en-US"/>
           </a:p>
@@ -2081,7 +2121,7 @@
           <a:p>
             <a:fld id="{33D569A9-A222-4DCC-AF28-BB813B4F2ABB}" type="datetimeFigureOut">
               <a:rPr lang="en-US" smtClean="0"/>
-              <a:t>3/20/2023</a:t>
+              <a:t>3/21/2023</a:t>
             </a:fld>
             <a:endParaRPr lang="en-US"/>
           </a:p>
@@ -2279,7 +2319,7 @@
           <a:p>
             <a:fld id="{33D569A9-A222-4DCC-AF28-BB813B4F2ABB}" type="datetimeFigureOut">
               <a:rPr lang="en-US" smtClean="0"/>
-              <a:t>3/20/2023</a:t>
+              <a:t>3/21/2023</a:t>
             </a:fld>
             <a:endParaRPr lang="en-US"/>
           </a:p>
@@ -2554,7 +2594,7 @@
           <a:p>
             <a:fld id="{33D569A9-A222-4DCC-AF28-BB813B4F2ABB}" type="datetimeFigureOut">
               <a:rPr lang="en-US" smtClean="0"/>
-              <a:t>3/20/2023</a:t>
+              <a:t>3/21/2023</a:t>
             </a:fld>
             <a:endParaRPr lang="en-US"/>
           </a:p>
@@ -2819,7 +2859,7 @@
           <a:p>
             <a:fld id="{33D569A9-A222-4DCC-AF28-BB813B4F2ABB}" type="datetimeFigureOut">
               <a:rPr lang="en-US" smtClean="0"/>
-              <a:t>3/20/2023</a:t>
+              <a:t>3/21/2023</a:t>
             </a:fld>
             <a:endParaRPr lang="en-US"/>
           </a:p>
@@ -3231,7 +3271,7 @@
           <a:p>
             <a:fld id="{33D569A9-A222-4DCC-AF28-BB813B4F2ABB}" type="datetimeFigureOut">
               <a:rPr lang="en-US" smtClean="0"/>
-              <a:t>3/20/2023</a:t>
+              <a:t>3/21/2023</a:t>
             </a:fld>
             <a:endParaRPr lang="en-US"/>
           </a:p>
@@ -3372,7 +3412,7 @@
           <a:p>
             <a:fld id="{33D569A9-A222-4DCC-AF28-BB813B4F2ABB}" type="datetimeFigureOut">
               <a:rPr lang="en-US" smtClean="0"/>
-              <a:t>3/20/2023</a:t>
+              <a:t>3/21/2023</a:t>
             </a:fld>
             <a:endParaRPr lang="en-US"/>
           </a:p>
@@ -3485,7 +3525,7 @@
           <a:p>
             <a:fld id="{33D569A9-A222-4DCC-AF28-BB813B4F2ABB}" type="datetimeFigureOut">
               <a:rPr lang="en-US" smtClean="0"/>
-              <a:t>3/20/2023</a:t>
+              <a:t>3/21/2023</a:t>
             </a:fld>
             <a:endParaRPr lang="en-US"/>
           </a:p>
@@ -3831,7 +3871,7 @@
           <a:p>
             <a:fld id="{33D569A9-A222-4DCC-AF28-BB813B4F2ABB}" type="datetimeFigureOut">
               <a:rPr lang="en-US" smtClean="0"/>
-              <a:t>3/20/2023</a:t>
+              <a:t>3/21/2023</a:t>
             </a:fld>
             <a:endParaRPr lang="en-US"/>
           </a:p>
@@ -4072,7 +4112,7 @@
           <a:p>
             <a:fld id="{33D569A9-A222-4DCC-AF28-BB813B4F2ABB}" type="datetimeFigureOut">
               <a:rPr lang="en-US" smtClean="0"/>
-              <a:t>3/20/2023</a:t>
+              <a:t>3/21/2023</a:t>
             </a:fld>
             <a:endParaRPr lang="en-US"/>
           </a:p>
@@ -5002,77 +5042,6 @@
       </p:sp>
       <p:sp>
         <p:nvSpPr>
-          <p:cNvPr id="5" name="TextBox 4">
-            <a:extLst>
-              <a:ext uri="{FF2B5EF4-FFF2-40B4-BE49-F238E27FC236}">
-                <a16:creationId xmlns:a16="http://schemas.microsoft.com/office/drawing/2014/main" id="{9DB63145-E59C-9501-8AA5-4E6AC5C0D40F}"/>
-              </a:ext>
-            </a:extLst>
-          </p:cNvPr>
-          <p:cNvSpPr txBox="1"/>
-          <p:nvPr/>
-        </p:nvSpPr>
-        <p:spPr>
-          <a:xfrm>
-            <a:off x="341603" y="640071"/>
-            <a:ext cx="11628099" cy="646331"/>
-          </a:xfrm>
-          <a:prstGeom prst="rect">
-            <a:avLst/>
-          </a:prstGeom>
-          <a:noFill/>
-        </p:spPr>
-        <p:txBody>
-          <a:bodyPr wrap="square">
-            <a:spAutoFit/>
-          </a:bodyPr>
-          <a:lstStyle/>
-          <a:p>
-            <a:pPr marL="342900" indent="-342900">
-              <a:buFont typeface="Arial" panose="020B0604020202020204" pitchFamily="34" charset="0"/>
-              <a:buChar char="•"/>
-            </a:pPr>
-            <a:r>
-              <a:rPr lang="en-US" b="0" i="0" dirty="0">
-                <a:solidFill>
-                  <a:schemeClr val="tx1">
-                    <a:lumMod val="85000"/>
-                  </a:schemeClr>
-                </a:solidFill>
-                <a:effectLst/>
-                <a:latin typeface="Open Sans" panose="020B0606030504020204" pitchFamily="34" charset="0"/>
-                <a:ea typeface="Open Sans" panose="020B0606030504020204" pitchFamily="34" charset="0"/>
-                <a:cs typeface="Open Sans" panose="020B0606030504020204" pitchFamily="34" charset="0"/>
-              </a:rPr>
-              <a:t>TBD</a:t>
-            </a:r>
-            <a:endParaRPr lang="en-US" dirty="0">
-              <a:solidFill>
-                <a:schemeClr val="tx1">
-                  <a:lumMod val="85000"/>
-                </a:schemeClr>
-              </a:solidFill>
-              <a:latin typeface="Open Sans" panose="020B0606030504020204" pitchFamily="34" charset="0"/>
-            </a:endParaRPr>
-          </a:p>
-          <a:p>
-            <a:pPr marL="342900" indent="-342900">
-              <a:buFont typeface="Arial" panose="020B0604020202020204" pitchFamily="34" charset="0"/>
-              <a:buChar char="•"/>
-            </a:pPr>
-            <a:endParaRPr lang="en-US" dirty="0">
-              <a:solidFill>
-                <a:schemeClr val="tx1">
-                  <a:lumMod val="85000"/>
-                </a:schemeClr>
-              </a:solidFill>
-              <a:latin typeface="Open Sans" panose="020B0606030504020204" pitchFamily="34" charset="0"/>
-            </a:endParaRPr>
-          </a:p>
-        </p:txBody>
-      </p:sp>
-      <p:sp>
-        <p:nvSpPr>
           <p:cNvPr id="4" name="TextBox 3">
             <a:extLst>
               <a:ext uri="{FF2B5EF4-FFF2-40B4-BE49-F238E27FC236}">
@@ -5085,7 +5054,7 @@
         </p:nvSpPr>
         <p:spPr>
           <a:xfrm>
-            <a:off x="3744113" y="6162927"/>
+            <a:off x="3920195" y="6082018"/>
             <a:ext cx="8447887" cy="400110"/>
           </a:xfrm>
           <a:prstGeom prst="rect">
@@ -5106,6 +5075,526 @@
               <a:t>https://www.oracle.com/technical-resources/articles/java/javadoc-tool.html</a:t>
             </a:r>
             <a:endParaRPr lang="en-US" sz="2000" dirty="0"/>
+          </a:p>
+        </p:txBody>
+      </p:sp>
+      <p:sp>
+        <p:nvSpPr>
+          <p:cNvPr id="8" name="TextBox 7">
+            <a:extLst>
+              <a:ext uri="{FF2B5EF4-FFF2-40B4-BE49-F238E27FC236}">
+                <a16:creationId xmlns:a16="http://schemas.microsoft.com/office/drawing/2014/main" id="{C70D9D43-254A-0545-002D-C444DCDB15AD}"/>
+              </a:ext>
+            </a:extLst>
+          </p:cNvPr>
+          <p:cNvSpPr txBox="1"/>
+          <p:nvPr/>
+        </p:nvSpPr>
+        <p:spPr>
+          <a:xfrm>
+            <a:off x="341603" y="438195"/>
+            <a:ext cx="11432807" cy="2308324"/>
+          </a:xfrm>
+          <a:prstGeom prst="rect">
+            <a:avLst/>
+          </a:prstGeom>
+          <a:noFill/>
+        </p:spPr>
+        <p:txBody>
+          <a:bodyPr wrap="square">
+            <a:spAutoFit/>
+          </a:bodyPr>
+          <a:lstStyle/>
+          <a:p>
+            <a:r>
+              <a:rPr lang="en-US" b="0" i="0" dirty="0">
+                <a:solidFill>
+                  <a:schemeClr val="tx1">
+                    <a:lumMod val="85000"/>
+                  </a:schemeClr>
+                </a:solidFill>
+                <a:effectLst/>
+                <a:latin typeface="Open Sans" panose="020B0606030504020204" pitchFamily="34" charset="0"/>
+                <a:ea typeface="Open Sans" panose="020B0606030504020204" pitchFamily="34" charset="0"/>
+                <a:cs typeface="Open Sans" panose="020B0606030504020204" pitchFamily="34" charset="0"/>
+              </a:rPr>
+              <a:t>Documenting your code is crucial to help others understand it, and even to remind yourself how your own older programs work. Unfortunately, </a:t>
+            </a:r>
+            <a:r>
+              <a:rPr lang="en-US" b="0" i="0" dirty="0">
+                <a:solidFill>
+                  <a:srgbClr val="00B0F0"/>
+                </a:solidFill>
+                <a:effectLst/>
+                <a:latin typeface="Open Sans" panose="020B0606030504020204" pitchFamily="34" charset="0"/>
+                <a:ea typeface="Open Sans" panose="020B0606030504020204" pitchFamily="34" charset="0"/>
+                <a:cs typeface="Open Sans" panose="020B0606030504020204" pitchFamily="34" charset="0"/>
+              </a:rPr>
+              <a:t>it is easy for most external documentation to become out of date </a:t>
+            </a:r>
+            <a:r>
+              <a:rPr lang="en-US" b="0" i="0" dirty="0">
+                <a:solidFill>
+                  <a:schemeClr val="tx1">
+                    <a:lumMod val="85000"/>
+                  </a:schemeClr>
+                </a:solidFill>
+                <a:effectLst/>
+                <a:latin typeface="Open Sans" panose="020B0606030504020204" pitchFamily="34" charset="0"/>
+                <a:ea typeface="Open Sans" panose="020B0606030504020204" pitchFamily="34" charset="0"/>
+                <a:cs typeface="Open Sans" panose="020B0606030504020204" pitchFamily="34" charset="0"/>
+              </a:rPr>
+              <a:t>as a program changes. </a:t>
+            </a:r>
+          </a:p>
+          <a:p>
+            <a:r>
+              <a:rPr lang="en-US" b="0" i="0" dirty="0">
+                <a:solidFill>
+                  <a:schemeClr val="tx1">
+                    <a:lumMod val="85000"/>
+                  </a:schemeClr>
+                </a:solidFill>
+                <a:effectLst/>
+                <a:latin typeface="Open Sans" panose="020B0606030504020204" pitchFamily="34" charset="0"/>
+                <a:ea typeface="Open Sans" panose="020B0606030504020204" pitchFamily="34" charset="0"/>
+                <a:cs typeface="Open Sans" panose="020B0606030504020204" pitchFamily="34" charset="0"/>
+              </a:rPr>
+              <a:t>For this reason, it is useful to </a:t>
+            </a:r>
+            <a:r>
+              <a:rPr lang="en-US" b="0" i="0" dirty="0">
+                <a:solidFill>
+                  <a:srgbClr val="00B0F0"/>
+                </a:solidFill>
+                <a:effectLst/>
+                <a:latin typeface="Open Sans" panose="020B0606030504020204" pitchFamily="34" charset="0"/>
+                <a:ea typeface="Open Sans" panose="020B0606030504020204" pitchFamily="34" charset="0"/>
+                <a:cs typeface="Open Sans" panose="020B0606030504020204" pitchFamily="34" charset="0"/>
+              </a:rPr>
+              <a:t>write documentation as comments in the code itself</a:t>
+            </a:r>
+            <a:r>
+              <a:rPr lang="en-US" b="0" i="0" dirty="0">
+                <a:solidFill>
+                  <a:schemeClr val="tx1">
+                    <a:lumMod val="85000"/>
+                  </a:schemeClr>
+                </a:solidFill>
+                <a:effectLst/>
+                <a:latin typeface="Open Sans" panose="020B0606030504020204" pitchFamily="34" charset="0"/>
+                <a:ea typeface="Open Sans" panose="020B0606030504020204" pitchFamily="34" charset="0"/>
+                <a:cs typeface="Open Sans" panose="020B0606030504020204" pitchFamily="34" charset="0"/>
+              </a:rPr>
+              <a:t>, where they can be easily updated with other changes. </a:t>
+            </a:r>
+            <a:r>
+              <a:rPr lang="en-US" b="0" i="0" dirty="0">
+                <a:solidFill>
+                  <a:srgbClr val="00B0F0"/>
+                </a:solidFill>
+                <a:effectLst/>
+                <a:latin typeface="Open Sans" panose="020B0606030504020204" pitchFamily="34" charset="0"/>
+                <a:ea typeface="Open Sans" panose="020B0606030504020204" pitchFamily="34" charset="0"/>
+                <a:cs typeface="Open Sans" panose="020B0606030504020204" pitchFamily="34" charset="0"/>
+              </a:rPr>
+              <a:t>Javadoc is a documentation tool </a:t>
+            </a:r>
+            <a:r>
+              <a:rPr lang="en-US" b="0" i="0" dirty="0">
+                <a:solidFill>
+                  <a:schemeClr val="tx1">
+                    <a:lumMod val="85000"/>
+                  </a:schemeClr>
+                </a:solidFill>
+                <a:effectLst/>
+                <a:latin typeface="Open Sans" panose="020B0606030504020204" pitchFamily="34" charset="0"/>
+                <a:ea typeface="Open Sans" panose="020B0606030504020204" pitchFamily="34" charset="0"/>
+                <a:cs typeface="Open Sans" panose="020B0606030504020204" pitchFamily="34" charset="0"/>
+              </a:rPr>
+              <a:t>which defines a standard format for such comments, and which can generate HTML files to view the documentation from a web </a:t>
+            </a:r>
+            <a:r>
+              <a:rPr lang="en-US" b="0" i="0" dirty="0" err="1">
+                <a:solidFill>
+                  <a:schemeClr val="tx1">
+                    <a:lumMod val="85000"/>
+                  </a:schemeClr>
+                </a:solidFill>
+                <a:effectLst/>
+                <a:latin typeface="Open Sans" panose="020B0606030504020204" pitchFamily="34" charset="0"/>
+                <a:ea typeface="Open Sans" panose="020B0606030504020204" pitchFamily="34" charset="0"/>
+                <a:cs typeface="Open Sans" panose="020B0606030504020204" pitchFamily="34" charset="0"/>
+              </a:rPr>
+              <a:t>broswer</a:t>
+            </a:r>
+            <a:r>
+              <a:rPr lang="en-US" b="0" i="0" dirty="0">
+                <a:solidFill>
+                  <a:schemeClr val="tx1">
+                    <a:lumMod val="85000"/>
+                  </a:schemeClr>
+                </a:solidFill>
+                <a:effectLst/>
+                <a:latin typeface="Open Sans" panose="020B0606030504020204" pitchFamily="34" charset="0"/>
+                <a:ea typeface="Open Sans" panose="020B0606030504020204" pitchFamily="34" charset="0"/>
+                <a:cs typeface="Open Sans" panose="020B0606030504020204" pitchFamily="34" charset="0"/>
+              </a:rPr>
+              <a:t>. (As an example, see Oracle's Javadoc documentation for the Java libraries </a:t>
+            </a:r>
+            <a:r>
+              <a:rPr lang="en-US" b="0" i="0" dirty="0">
+                <a:solidFill>
+                  <a:srgbClr val="000000"/>
+                </a:solidFill>
+                <a:effectLst/>
+                <a:latin typeface="Open Sans" panose="020B0606030504020204" pitchFamily="34" charset="0"/>
+                <a:ea typeface="Open Sans" panose="020B0606030504020204" pitchFamily="34" charset="0"/>
+                <a:cs typeface="Open Sans" panose="020B0606030504020204" pitchFamily="34" charset="0"/>
+              </a:rPr>
+              <a:t>at </a:t>
+            </a:r>
+            <a:r>
+              <a:rPr lang="en-US" b="0" i="0" dirty="0">
+                <a:effectLst/>
+                <a:latin typeface="Open Sans" panose="020B0606030504020204" pitchFamily="34" charset="0"/>
+                <a:ea typeface="Open Sans" panose="020B0606030504020204" pitchFamily="34" charset="0"/>
+                <a:cs typeface="Open Sans" panose="020B0606030504020204" pitchFamily="34" charset="0"/>
+                <a:hlinkClick r:id="rId3"/>
+              </a:rPr>
+              <a:t>http://download.oracle.com/javase/6/docs/api/</a:t>
+            </a:r>
+            <a:r>
+              <a:rPr lang="en-US" b="0" i="0" dirty="0">
+                <a:solidFill>
+                  <a:srgbClr val="000000"/>
+                </a:solidFill>
+                <a:effectLst/>
+                <a:latin typeface="Open Sans" panose="020B0606030504020204" pitchFamily="34" charset="0"/>
+                <a:ea typeface="Open Sans" panose="020B0606030504020204" pitchFamily="34" charset="0"/>
+                <a:cs typeface="Open Sans" panose="020B0606030504020204" pitchFamily="34" charset="0"/>
+              </a:rPr>
+              <a:t>.)</a:t>
+            </a:r>
+            <a:endParaRPr lang="en-US" dirty="0">
+              <a:latin typeface="Open Sans" panose="020B0606030504020204" pitchFamily="34" charset="0"/>
+              <a:ea typeface="Open Sans" panose="020B0606030504020204" pitchFamily="34" charset="0"/>
+              <a:cs typeface="Open Sans" panose="020B0606030504020204" pitchFamily="34" charset="0"/>
+            </a:endParaRPr>
+          </a:p>
+        </p:txBody>
+      </p:sp>
+      <p:sp>
+        <p:nvSpPr>
+          <p:cNvPr id="11" name="TextBox 10">
+            <a:extLst>
+              <a:ext uri="{FF2B5EF4-FFF2-40B4-BE49-F238E27FC236}">
+                <a16:creationId xmlns:a16="http://schemas.microsoft.com/office/drawing/2014/main" id="{FBFF1272-6FED-ACD0-CEF8-E11B1DD3B48B}"/>
+              </a:ext>
+            </a:extLst>
+          </p:cNvPr>
+          <p:cNvSpPr txBox="1"/>
+          <p:nvPr/>
+        </p:nvSpPr>
+        <p:spPr>
+          <a:xfrm>
+            <a:off x="341603" y="2763337"/>
+            <a:ext cx="10715087" cy="3354765"/>
+          </a:xfrm>
+          <a:prstGeom prst="rect">
+            <a:avLst/>
+          </a:prstGeom>
+          <a:noFill/>
+        </p:spPr>
+        <p:txBody>
+          <a:bodyPr wrap="square">
+            <a:spAutoFit/>
+          </a:bodyPr>
+          <a:lstStyle/>
+          <a:p>
+            <a:r>
+              <a:rPr lang="en-US" dirty="0">
+                <a:solidFill>
+                  <a:schemeClr val="tx1">
+                    <a:lumMod val="85000"/>
+                  </a:schemeClr>
+                </a:solidFill>
+                <a:latin typeface="Open Sans" panose="020B0606030504020204" pitchFamily="34" charset="0"/>
+                <a:ea typeface="Open Sans" panose="020B0606030504020204" pitchFamily="34" charset="0"/>
+                <a:cs typeface="Open Sans" panose="020B0606030504020204" pitchFamily="34" charset="0"/>
+              </a:rPr>
+              <a:t>/** Indicates </a:t>
+            </a:r>
+            <a:r>
+              <a:rPr lang="en-US" dirty="0" err="1">
+                <a:solidFill>
+                  <a:schemeClr val="tx1">
+                    <a:lumMod val="85000"/>
+                  </a:schemeClr>
+                </a:solidFill>
+                <a:latin typeface="Open Sans" panose="020B0606030504020204" pitchFamily="34" charset="0"/>
+                <a:ea typeface="Open Sans" panose="020B0606030504020204" pitchFamily="34" charset="0"/>
+                <a:cs typeface="Open Sans" panose="020B0606030504020204" pitchFamily="34" charset="0"/>
+              </a:rPr>
+              <a:t>JavaDoc</a:t>
+            </a:r>
+            <a:r>
+              <a:rPr lang="en-US" dirty="0">
+                <a:solidFill>
+                  <a:schemeClr val="tx1">
+                    <a:lumMod val="85000"/>
+                  </a:schemeClr>
+                </a:solidFill>
+                <a:latin typeface="Open Sans" panose="020B0606030504020204" pitchFamily="34" charset="0"/>
+                <a:ea typeface="Open Sans" panose="020B0606030504020204" pitchFamily="34" charset="0"/>
+                <a:cs typeface="Open Sans" panose="020B0606030504020204" pitchFamily="34" charset="0"/>
+              </a:rPr>
+              <a:t> comment */</a:t>
+            </a:r>
+          </a:p>
+          <a:p>
+            <a:r>
+              <a:rPr lang="en-US" dirty="0">
+                <a:solidFill>
+                  <a:schemeClr val="tx1">
+                    <a:lumMod val="85000"/>
+                  </a:schemeClr>
+                </a:solidFill>
+                <a:latin typeface="Open Sans" panose="020B0606030504020204" pitchFamily="34" charset="0"/>
+                <a:ea typeface="Open Sans" panose="020B0606030504020204" pitchFamily="34" charset="0"/>
+                <a:cs typeface="Open Sans" panose="020B0606030504020204" pitchFamily="34" charset="0"/>
+              </a:rPr>
+              <a:t>Use tags in comments to indicate </a:t>
+            </a:r>
+            <a:r>
+              <a:rPr lang="en-US" dirty="0" err="1">
+                <a:solidFill>
+                  <a:schemeClr val="tx1">
+                    <a:lumMod val="85000"/>
+                  </a:schemeClr>
+                </a:solidFill>
+                <a:latin typeface="Open Sans" panose="020B0606030504020204" pitchFamily="34" charset="0"/>
+                <a:ea typeface="Open Sans" panose="020B0606030504020204" pitchFamily="34" charset="0"/>
+                <a:cs typeface="Open Sans" panose="020B0606030504020204" pitchFamily="34" charset="0"/>
+              </a:rPr>
+              <a:t>JavaDoc</a:t>
+            </a:r>
+            <a:r>
+              <a:rPr lang="en-US" dirty="0">
+                <a:solidFill>
+                  <a:schemeClr val="tx1">
+                    <a:lumMod val="85000"/>
+                  </a:schemeClr>
+                </a:solidFill>
+                <a:latin typeface="Open Sans" panose="020B0606030504020204" pitchFamily="34" charset="0"/>
+                <a:ea typeface="Open Sans" panose="020B0606030504020204" pitchFamily="34" charset="0"/>
+                <a:cs typeface="Open Sans" panose="020B0606030504020204" pitchFamily="34" charset="0"/>
+              </a:rPr>
+              <a:t> parts</a:t>
+            </a:r>
+          </a:p>
+          <a:p>
+            <a:r>
+              <a:rPr lang="en-US" sz="1600" dirty="0">
+                <a:solidFill>
+                  <a:schemeClr val="tx1">
+                    <a:lumMod val="85000"/>
+                  </a:schemeClr>
+                </a:solidFill>
+                <a:latin typeface="Open Sans" panose="020B0606030504020204" pitchFamily="34" charset="0"/>
+                <a:ea typeface="Open Sans" panose="020B0606030504020204" pitchFamily="34" charset="0"/>
+                <a:cs typeface="Open Sans" panose="020B0606030504020204" pitchFamily="34" charset="0"/>
+              </a:rPr>
+              <a:t>@param – defines parameters for input</a:t>
+            </a:r>
+          </a:p>
+          <a:p>
+            <a:r>
+              <a:rPr lang="en-US" sz="1600" dirty="0">
+                <a:solidFill>
+                  <a:schemeClr val="tx1">
+                    <a:lumMod val="85000"/>
+                  </a:schemeClr>
+                </a:solidFill>
+                <a:latin typeface="Open Sans" panose="020B0606030504020204" pitchFamily="34" charset="0"/>
+                <a:ea typeface="Open Sans" panose="020B0606030504020204" pitchFamily="34" charset="0"/>
+                <a:cs typeface="Open Sans" panose="020B0606030504020204" pitchFamily="34" charset="0"/>
+              </a:rPr>
+              <a:t>@return – indicates what value and type are return from method call</a:t>
+            </a:r>
+          </a:p>
+          <a:p>
+            <a:r>
+              <a:rPr lang="en-US" sz="1600" dirty="0">
+                <a:solidFill>
+                  <a:schemeClr val="tx1">
+                    <a:lumMod val="85000"/>
+                  </a:schemeClr>
+                </a:solidFill>
+                <a:latin typeface="Open Sans" panose="020B0606030504020204" pitchFamily="34" charset="0"/>
+                <a:ea typeface="Open Sans" panose="020B0606030504020204" pitchFamily="34" charset="0"/>
+                <a:cs typeface="Open Sans" panose="020B0606030504020204" pitchFamily="34" charset="0"/>
+              </a:rPr>
+              <a:t>@author (classes and interfaces only, required)</a:t>
+            </a:r>
+          </a:p>
+          <a:p>
+            <a:r>
+              <a:rPr lang="en-US" sz="1600" dirty="0">
+                <a:solidFill>
+                  <a:schemeClr val="tx1">
+                    <a:lumMod val="85000"/>
+                  </a:schemeClr>
+                </a:solidFill>
+                <a:latin typeface="Open Sans" panose="020B0606030504020204" pitchFamily="34" charset="0"/>
+                <a:ea typeface="Open Sans" panose="020B0606030504020204" pitchFamily="34" charset="0"/>
+                <a:cs typeface="Open Sans" panose="020B0606030504020204" pitchFamily="34" charset="0"/>
+              </a:rPr>
+              <a:t>@version (classes and interfaces only, required. See footnote 1)</a:t>
+            </a:r>
+          </a:p>
+          <a:p>
+            <a:r>
+              <a:rPr lang="en-US" sz="1600" dirty="0">
+                <a:solidFill>
+                  <a:schemeClr val="tx1">
+                    <a:lumMod val="85000"/>
+                  </a:schemeClr>
+                </a:solidFill>
+                <a:latin typeface="Open Sans" panose="020B0606030504020204" pitchFamily="34" charset="0"/>
+                <a:ea typeface="Open Sans" panose="020B0606030504020204" pitchFamily="34" charset="0"/>
+                <a:cs typeface="Open Sans" panose="020B0606030504020204" pitchFamily="34" charset="0"/>
+              </a:rPr>
+              <a:t>@param (methods and constructors only)</a:t>
+            </a:r>
+          </a:p>
+          <a:p>
+            <a:r>
+              <a:rPr lang="en-US" sz="1600" dirty="0">
+                <a:solidFill>
+                  <a:schemeClr val="tx1">
+                    <a:lumMod val="85000"/>
+                  </a:schemeClr>
+                </a:solidFill>
+                <a:latin typeface="Open Sans" panose="020B0606030504020204" pitchFamily="34" charset="0"/>
+                <a:ea typeface="Open Sans" panose="020B0606030504020204" pitchFamily="34" charset="0"/>
+                <a:cs typeface="Open Sans" panose="020B0606030504020204" pitchFamily="34" charset="0"/>
+              </a:rPr>
+              <a:t>@return (methods only)</a:t>
+            </a:r>
+          </a:p>
+          <a:p>
+            <a:r>
+              <a:rPr lang="en-US" sz="1600" dirty="0">
+                <a:solidFill>
+                  <a:schemeClr val="tx1">
+                    <a:lumMod val="85000"/>
+                  </a:schemeClr>
+                </a:solidFill>
+                <a:latin typeface="Open Sans" panose="020B0606030504020204" pitchFamily="34" charset="0"/>
+                <a:ea typeface="Open Sans" panose="020B0606030504020204" pitchFamily="34" charset="0"/>
+                <a:cs typeface="Open Sans" panose="020B0606030504020204" pitchFamily="34" charset="0"/>
+              </a:rPr>
+              <a:t>@exception (@throws is a synonym added in Javadoc 1.2)</a:t>
+            </a:r>
+          </a:p>
+          <a:p>
+            <a:r>
+              <a:rPr lang="en-US" sz="1600" dirty="0">
+                <a:solidFill>
+                  <a:schemeClr val="tx1">
+                    <a:lumMod val="85000"/>
+                  </a:schemeClr>
+                </a:solidFill>
+                <a:latin typeface="Open Sans" panose="020B0606030504020204" pitchFamily="34" charset="0"/>
+                <a:ea typeface="Open Sans" panose="020B0606030504020204" pitchFamily="34" charset="0"/>
+                <a:cs typeface="Open Sans" panose="020B0606030504020204" pitchFamily="34" charset="0"/>
+              </a:rPr>
+              <a:t>@see</a:t>
+            </a:r>
+          </a:p>
+          <a:p>
+            <a:r>
+              <a:rPr lang="en-US" sz="1600" dirty="0">
+                <a:solidFill>
+                  <a:schemeClr val="tx1">
+                    <a:lumMod val="85000"/>
+                  </a:schemeClr>
+                </a:solidFill>
+                <a:latin typeface="Open Sans" panose="020B0606030504020204" pitchFamily="34" charset="0"/>
+                <a:ea typeface="Open Sans" panose="020B0606030504020204" pitchFamily="34" charset="0"/>
+                <a:cs typeface="Open Sans" panose="020B0606030504020204" pitchFamily="34" charset="0"/>
+              </a:rPr>
+              <a:t>@since</a:t>
+            </a:r>
+          </a:p>
+          <a:p>
+            <a:r>
+              <a:rPr lang="en-US" sz="1600" dirty="0">
+                <a:solidFill>
+                  <a:schemeClr val="tx1">
+                    <a:lumMod val="85000"/>
+                  </a:schemeClr>
+                </a:solidFill>
+                <a:latin typeface="Open Sans" panose="020B0606030504020204" pitchFamily="34" charset="0"/>
+                <a:ea typeface="Open Sans" panose="020B0606030504020204" pitchFamily="34" charset="0"/>
+                <a:cs typeface="Open Sans" panose="020B0606030504020204" pitchFamily="34" charset="0"/>
+              </a:rPr>
+              <a:t>@serial (or @serialField or @serialData)</a:t>
+            </a:r>
+          </a:p>
+          <a:p>
+            <a:r>
+              <a:rPr lang="en-US" sz="1600" dirty="0">
+                <a:solidFill>
+                  <a:schemeClr val="tx1">
+                    <a:lumMod val="85000"/>
+                  </a:schemeClr>
+                </a:solidFill>
+                <a:latin typeface="Open Sans" panose="020B0606030504020204" pitchFamily="34" charset="0"/>
+                <a:ea typeface="Open Sans" panose="020B0606030504020204" pitchFamily="34" charset="0"/>
+                <a:cs typeface="Open Sans" panose="020B0606030504020204" pitchFamily="34" charset="0"/>
+              </a:rPr>
+              <a:t>@deprecated (see How and When To Deprecate APIs)</a:t>
+            </a:r>
+          </a:p>
+        </p:txBody>
+      </p:sp>
+      <p:sp>
+        <p:nvSpPr>
+          <p:cNvPr id="13" name="TextBox 12">
+            <a:extLst>
+              <a:ext uri="{FF2B5EF4-FFF2-40B4-BE49-F238E27FC236}">
+                <a16:creationId xmlns:a16="http://schemas.microsoft.com/office/drawing/2014/main" id="{54490E19-5FDF-8610-D214-65ABB5B29ACD}"/>
+              </a:ext>
+            </a:extLst>
+          </p:cNvPr>
+          <p:cNvSpPr txBox="1"/>
+          <p:nvPr/>
+        </p:nvSpPr>
+        <p:spPr>
+          <a:xfrm>
+            <a:off x="3920195" y="6438127"/>
+            <a:ext cx="6581163" cy="369332"/>
+          </a:xfrm>
+          <a:prstGeom prst="rect">
+            <a:avLst/>
+          </a:prstGeom>
+          <a:noFill/>
+        </p:spPr>
+        <p:txBody>
+          <a:bodyPr wrap="square">
+            <a:spAutoFit/>
+          </a:bodyPr>
+          <a:lstStyle/>
+          <a:p>
+            <a:r>
+              <a:rPr lang="en-US" dirty="0">
+                <a:hlinkClick r:id="rId4"/>
+              </a:rPr>
+              <a:t>https://docs.oracle.com/javase/6/docs/api/java/util/Scanner.html</a:t>
+            </a:r>
+            <a:endParaRPr lang="en-US" dirty="0"/>
           </a:p>
         </p:txBody>
       </p:sp>
@@ -5334,7 +5823,7 @@
         <p:spPr>
           <a:xfrm>
             <a:off x="240935" y="539403"/>
-            <a:ext cx="11612709" cy="10618291"/>
+            <a:ext cx="11612709" cy="9510296"/>
           </a:xfrm>
           <a:prstGeom prst="rect">
             <a:avLst/>
@@ -5467,6 +5956,17 @@
               <a:buChar char="•"/>
             </a:pPr>
             <a:r>
+              <a:rPr lang="en-US">
+                <a:solidFill>
+                  <a:schemeClr val="tx1">
+                    <a:lumMod val="85000"/>
+                  </a:schemeClr>
+                </a:solidFill>
+                <a:latin typeface="Open Sans" panose="020B0606030504020204" pitchFamily="34" charset="0"/>
+              </a:rPr>
+              <a:t>Object </a:t>
+            </a:r>
+            <a:r>
               <a:rPr lang="en-US" dirty="0">
                 <a:solidFill>
                   <a:schemeClr val="tx1">
@@ -5475,97 +5975,7 @@
                 </a:solidFill>
                 <a:latin typeface="Open Sans" panose="020B0606030504020204" pitchFamily="34" charset="0"/>
               </a:rPr>
-              <a:t>int age1 = 21;</a:t>
-            </a:r>
-          </a:p>
-          <a:p>
-            <a:pPr marL="342900" indent="-342900">
-              <a:buFont typeface="Arial" panose="020B0604020202020204" pitchFamily="34" charset="0"/>
-              <a:buChar char="•"/>
-            </a:pPr>
-            <a:r>
-              <a:rPr lang="en-US" dirty="0">
-                <a:solidFill>
-                  <a:schemeClr val="tx1">
-                    <a:lumMod val="85000"/>
-                  </a:schemeClr>
-                </a:solidFill>
-                <a:latin typeface="Open Sans" panose="020B0606030504020204" pitchFamily="34" charset="0"/>
-              </a:rPr>
-              <a:t>int age2 = 21;</a:t>
-            </a:r>
-          </a:p>
-          <a:p>
-            <a:pPr marL="342900" indent="-342900">
-              <a:buFont typeface="Arial" panose="020B0604020202020204" pitchFamily="34" charset="0"/>
-              <a:buChar char="•"/>
-            </a:pPr>
-            <a:r>
-              <a:rPr lang="en-US" dirty="0" err="1">
-                <a:solidFill>
-                  <a:schemeClr val="tx1">
-                    <a:lumMod val="85000"/>
-                  </a:schemeClr>
-                </a:solidFill>
-                <a:latin typeface="Open Sans" panose="020B0606030504020204" pitchFamily="34" charset="0"/>
-              </a:rPr>
-              <a:t>System.out.println</a:t>
-            </a:r>
-            <a:r>
-              <a:rPr lang="en-US" dirty="0">
-                <a:solidFill>
-                  <a:schemeClr val="tx1">
-                    <a:lumMod val="85000"/>
-                  </a:schemeClr>
-                </a:solidFill>
-                <a:latin typeface="Open Sans" panose="020B0606030504020204" pitchFamily="34" charset="0"/>
-              </a:rPr>
-              <a:t>("age1 == age2: " + (age1 == age2));</a:t>
-            </a:r>
-          </a:p>
-          <a:p>
-            <a:pPr marL="342900" indent="-342900">
-              <a:buFont typeface="Arial" panose="020B0604020202020204" pitchFamily="34" charset="0"/>
-              <a:buChar char="•"/>
-            </a:pPr>
-            <a:endParaRPr lang="en-US" dirty="0">
-              <a:solidFill>
-                <a:schemeClr val="tx1">
-                  <a:lumMod val="85000"/>
-                </a:schemeClr>
-              </a:solidFill>
-              <a:latin typeface="Open Sans" panose="020B0606030504020204" pitchFamily="34" charset="0"/>
-            </a:endParaRPr>
-          </a:p>
-          <a:p>
-            <a:pPr marL="342900" indent="-342900">
-              <a:buFont typeface="Arial" panose="020B0604020202020204" pitchFamily="34" charset="0"/>
-              <a:buChar char="•"/>
-            </a:pPr>
-            <a:endParaRPr lang="en-US" dirty="0">
-              <a:solidFill>
-                <a:schemeClr val="tx1">
-                  <a:lumMod val="85000"/>
-                </a:schemeClr>
-              </a:solidFill>
-              <a:latin typeface="Open Sans" panose="020B0606030504020204" pitchFamily="34" charset="0"/>
-            </a:endParaRPr>
-          </a:p>
-          <a:p>
-            <a:pPr marL="342900" indent="-342900">
-              <a:buFont typeface="Arial" panose="020B0604020202020204" pitchFamily="34" charset="0"/>
-              <a:buChar char="•"/>
-            </a:pPr>
-            <a:r>
-              <a:rPr lang="en-US" dirty="0">
-                <a:solidFill>
-                  <a:schemeClr val="tx1">
-                    <a:lumMod val="85000"/>
-                  </a:schemeClr>
-                </a:solidFill>
-                <a:latin typeface="Open Sans" panose="020B0606030504020204" pitchFamily="34" charset="0"/>
-              </a:rPr>
-              <a:t>Object Equality</a:t>
+              <a:t>Equality</a:t>
             </a:r>
           </a:p>
           <a:p>

--- a/Week3/BESD Week 3.pptx
+++ b/Week3/BESD Week 3.pptx
@@ -8,15 +8,15 @@
     <p:sldId id="263" r:id="rId2"/>
     <p:sldId id="264" r:id="rId3"/>
     <p:sldId id="256" r:id="rId4"/>
-    <p:sldId id="285" r:id="rId5"/>
-    <p:sldId id="265" r:id="rId6"/>
-    <p:sldId id="278" r:id="rId7"/>
-    <p:sldId id="274" r:id="rId8"/>
-    <p:sldId id="275" r:id="rId9"/>
-    <p:sldId id="280" r:id="rId10"/>
-    <p:sldId id="281" r:id="rId11"/>
-    <p:sldId id="282" r:id="rId12"/>
-    <p:sldId id="283" r:id="rId13"/>
+    <p:sldId id="274" r:id="rId5"/>
+    <p:sldId id="275" r:id="rId6"/>
+    <p:sldId id="285" r:id="rId7"/>
+    <p:sldId id="265" r:id="rId8"/>
+    <p:sldId id="278" r:id="rId9"/>
+    <p:sldId id="282" r:id="rId10"/>
+    <p:sldId id="283" r:id="rId11"/>
+    <p:sldId id="280" r:id="rId12"/>
+    <p:sldId id="281" r:id="rId13"/>
     <p:sldId id="286" r:id="rId14"/>
     <p:sldId id="287" r:id="rId15"/>
     <p:sldId id="260" r:id="rId16"/>
@@ -126,14 +126,6 @@
 </p:presentation>
 </file>
 
-<file path=ppt/revisionInfo.xml><?xml version="1.0" encoding="utf-8"?>
-<p1510:revInfo xmlns:a="http://schemas.openxmlformats.org/drawingml/2006/main" xmlns:r="http://schemas.openxmlformats.org/officeDocument/2006/relationships" xmlns:p1510="http://schemas.microsoft.com/office/powerpoint/2015/10/main">
-  <p1510:revLst>
-    <p1510:client id="{CEAAE73E-A3C0-4EF3-8264-4F08772B5760}" v="20" dt="2023-03-21T22:58:11.487"/>
-  </p1510:revLst>
-</p1510:revInfo>
-</file>
-
 <file path=ppt/changesInfos/changesInfo1.xml><?xml version="1.0" encoding="utf-8"?>
 <pc:chgInfo xmlns:a="http://schemas.openxmlformats.org/drawingml/2006/main" xmlns:r="http://schemas.openxmlformats.org/officeDocument/2006/relationships" xmlns:ac="http://schemas.microsoft.com/office/drawing/2013/main/command" xmlns:pc="http://schemas.microsoft.com/office/powerpoint/2013/main/command">
   <pc:docChgLst>
@@ -770,6 +762,89 @@
             <ac:picMk id="4" creationId="{7C9F3104-C66F-0189-6D64-A0BDCF1B495F}"/>
           </ac:picMkLst>
         </pc:picChg>
+      </pc:sldChg>
+    </pc:docChg>
+  </pc:docChgLst>
+  <pc:docChgLst>
+    <pc:chgData name="Charles Kiefriter" userId="a996b49251c4dfd2" providerId="LiveId" clId="{59A7DEE4-39B5-4A55-97B2-58FFA76C8873}"/>
+    <pc:docChg chg="custSel modSld sldOrd">
+      <pc:chgData name="Charles Kiefriter" userId="a996b49251c4dfd2" providerId="LiveId" clId="{59A7DEE4-39B5-4A55-97B2-58FFA76C8873}" dt="2023-12-20T02:21:08.005" v="25" actId="20577"/>
+      <pc:docMkLst>
+        <pc:docMk/>
+      </pc:docMkLst>
+      <pc:sldChg chg="ord">
+        <pc:chgData name="Charles Kiefriter" userId="a996b49251c4dfd2" providerId="LiveId" clId="{59A7DEE4-39B5-4A55-97B2-58FFA76C8873}" dt="2023-12-20T00:48:12.500" v="24"/>
+        <pc:sldMkLst>
+          <pc:docMk/>
+          <pc:sldMk cId="367428708" sldId="265"/>
+        </pc:sldMkLst>
+      </pc:sldChg>
+      <pc:sldChg chg="modSp mod">
+        <pc:chgData name="Charles Kiefriter" userId="a996b49251c4dfd2" providerId="LiveId" clId="{59A7DEE4-39B5-4A55-97B2-58FFA76C8873}" dt="2023-12-20T00:05:12.546" v="0" actId="20577"/>
+        <pc:sldMkLst>
+          <pc:docMk/>
+          <pc:sldMk cId="1513494963" sldId="275"/>
+        </pc:sldMkLst>
+        <pc:spChg chg="mod">
+          <ac:chgData name="Charles Kiefriter" userId="a996b49251c4dfd2" providerId="LiveId" clId="{59A7DEE4-39B5-4A55-97B2-58FFA76C8873}" dt="2023-12-20T00:05:12.546" v="0" actId="20577"/>
+          <ac:spMkLst>
+            <pc:docMk/>
+            <pc:sldMk cId="1513494963" sldId="275"/>
+            <ac:spMk id="5" creationId="{9DB63145-E59C-9501-8AA5-4E6AC5C0D40F}"/>
+          </ac:spMkLst>
+        </pc:spChg>
+      </pc:sldChg>
+      <pc:sldChg chg="ord">
+        <pc:chgData name="Charles Kiefriter" userId="a996b49251c4dfd2" providerId="LiveId" clId="{59A7DEE4-39B5-4A55-97B2-58FFA76C8873}" dt="2023-12-20T00:48:12.500" v="24"/>
+        <pc:sldMkLst>
+          <pc:docMk/>
+          <pc:sldMk cId="976671966" sldId="278"/>
+        </pc:sldMkLst>
+      </pc:sldChg>
+      <pc:sldChg chg="modSp mod ord">
+        <pc:chgData name="Charles Kiefriter" userId="a996b49251c4dfd2" providerId="LiveId" clId="{59A7DEE4-39B5-4A55-97B2-58FFA76C8873}" dt="2023-12-20T02:21:08.005" v="25" actId="20577"/>
+        <pc:sldMkLst>
+          <pc:docMk/>
+          <pc:sldMk cId="3395566764" sldId="280"/>
+        </pc:sldMkLst>
+        <pc:spChg chg="mod">
+          <ac:chgData name="Charles Kiefriter" userId="a996b49251c4dfd2" providerId="LiveId" clId="{59A7DEE4-39B5-4A55-97B2-58FFA76C8873}" dt="2023-12-20T02:21:08.005" v="25" actId="20577"/>
+          <ac:spMkLst>
+            <pc:docMk/>
+            <pc:sldMk cId="3395566764" sldId="280"/>
+            <ac:spMk id="3" creationId="{23DFC7E9-54DD-38D7-0B9B-D34948D68CF9}"/>
+          </ac:spMkLst>
+        </pc:spChg>
+      </pc:sldChg>
+      <pc:sldChg chg="modSp mod ord">
+        <pc:chgData name="Charles Kiefriter" userId="a996b49251c4dfd2" providerId="LiveId" clId="{59A7DEE4-39B5-4A55-97B2-58FFA76C8873}" dt="2023-12-20T00:18:00.604" v="22" actId="20577"/>
+        <pc:sldMkLst>
+          <pc:docMk/>
+          <pc:sldMk cId="3187156049" sldId="281"/>
+        </pc:sldMkLst>
+        <pc:spChg chg="mod">
+          <ac:chgData name="Charles Kiefriter" userId="a996b49251c4dfd2" providerId="LiveId" clId="{59A7DEE4-39B5-4A55-97B2-58FFA76C8873}" dt="2023-12-20T00:18:00.604" v="22" actId="20577"/>
+          <ac:spMkLst>
+            <pc:docMk/>
+            <pc:sldMk cId="3187156049" sldId="281"/>
+            <ac:spMk id="8" creationId="{C70D9D43-254A-0545-002D-C444DCDB15AD}"/>
+          </ac:spMkLst>
+        </pc:spChg>
+      </pc:sldChg>
+      <pc:sldChg chg="modSp mod ord">
+        <pc:chgData name="Charles Kiefriter" userId="a996b49251c4dfd2" providerId="LiveId" clId="{59A7DEE4-39B5-4A55-97B2-58FFA76C8873}" dt="2023-12-20T00:06:11.820" v="18" actId="20577"/>
+        <pc:sldMkLst>
+          <pc:docMk/>
+          <pc:sldMk cId="460794980" sldId="285"/>
+        </pc:sldMkLst>
+        <pc:spChg chg="mod">
+          <ac:chgData name="Charles Kiefriter" userId="a996b49251c4dfd2" providerId="LiveId" clId="{59A7DEE4-39B5-4A55-97B2-58FFA76C8873}" dt="2023-12-20T00:06:11.820" v="18" actId="20577"/>
+          <ac:spMkLst>
+            <pc:docMk/>
+            <pc:sldMk cId="460794980" sldId="285"/>
+            <ac:spMk id="6" creationId="{DE3DBA5A-FA8E-46C6-1402-E5C7632F4CAD}"/>
+          </ac:spMkLst>
+        </pc:spChg>
       </pc:sldChg>
     </pc:docChg>
   </pc:docChgLst>
@@ -1427,7 +1502,7 @@
           <a:p>
             <a:fld id="{33D569A9-A222-4DCC-AF28-BB813B4F2ABB}" type="datetimeFigureOut">
               <a:rPr lang="en-US" smtClean="0"/>
-              <a:t>3/21/2023</a:t>
+              <a:t>12/19/2023</a:t>
             </a:fld>
             <a:endParaRPr lang="en-US"/>
           </a:p>
@@ -1715,7 +1790,7 @@
           <a:p>
             <a:fld id="{33D569A9-A222-4DCC-AF28-BB813B4F2ABB}" type="datetimeFigureOut">
               <a:rPr lang="en-US" smtClean="0"/>
-              <a:t>3/21/2023</a:t>
+              <a:t>12/19/2023</a:t>
             </a:fld>
             <a:endParaRPr lang="en-US"/>
           </a:p>
@@ -1913,7 +1988,7 @@
           <a:p>
             <a:fld id="{33D569A9-A222-4DCC-AF28-BB813B4F2ABB}" type="datetimeFigureOut">
               <a:rPr lang="en-US" smtClean="0"/>
-              <a:t>3/21/2023</a:t>
+              <a:t>12/19/2023</a:t>
             </a:fld>
             <a:endParaRPr lang="en-US"/>
           </a:p>
@@ -2121,7 +2196,7 @@
           <a:p>
             <a:fld id="{33D569A9-A222-4DCC-AF28-BB813B4F2ABB}" type="datetimeFigureOut">
               <a:rPr lang="en-US" smtClean="0"/>
-              <a:t>3/21/2023</a:t>
+              <a:t>12/19/2023</a:t>
             </a:fld>
             <a:endParaRPr lang="en-US"/>
           </a:p>
@@ -2319,7 +2394,7 @@
           <a:p>
             <a:fld id="{33D569A9-A222-4DCC-AF28-BB813B4F2ABB}" type="datetimeFigureOut">
               <a:rPr lang="en-US" smtClean="0"/>
-              <a:t>3/21/2023</a:t>
+              <a:t>12/19/2023</a:t>
             </a:fld>
             <a:endParaRPr lang="en-US"/>
           </a:p>
@@ -2594,7 +2669,7 @@
           <a:p>
             <a:fld id="{33D569A9-A222-4DCC-AF28-BB813B4F2ABB}" type="datetimeFigureOut">
               <a:rPr lang="en-US" smtClean="0"/>
-              <a:t>3/21/2023</a:t>
+              <a:t>12/19/2023</a:t>
             </a:fld>
             <a:endParaRPr lang="en-US"/>
           </a:p>
@@ -2859,7 +2934,7 @@
           <a:p>
             <a:fld id="{33D569A9-A222-4DCC-AF28-BB813B4F2ABB}" type="datetimeFigureOut">
               <a:rPr lang="en-US" smtClean="0"/>
-              <a:t>3/21/2023</a:t>
+              <a:t>12/19/2023</a:t>
             </a:fld>
             <a:endParaRPr lang="en-US"/>
           </a:p>
@@ -3271,7 +3346,7 @@
           <a:p>
             <a:fld id="{33D569A9-A222-4DCC-AF28-BB813B4F2ABB}" type="datetimeFigureOut">
               <a:rPr lang="en-US" smtClean="0"/>
-              <a:t>3/21/2023</a:t>
+              <a:t>12/19/2023</a:t>
             </a:fld>
             <a:endParaRPr lang="en-US"/>
           </a:p>
@@ -3412,7 +3487,7 @@
           <a:p>
             <a:fld id="{33D569A9-A222-4DCC-AF28-BB813B4F2ABB}" type="datetimeFigureOut">
               <a:rPr lang="en-US" smtClean="0"/>
-              <a:t>3/21/2023</a:t>
+              <a:t>12/19/2023</a:t>
             </a:fld>
             <a:endParaRPr lang="en-US"/>
           </a:p>
@@ -3525,7 +3600,7 @@
           <a:p>
             <a:fld id="{33D569A9-A222-4DCC-AF28-BB813B4F2ABB}" type="datetimeFigureOut">
               <a:rPr lang="en-US" smtClean="0"/>
-              <a:t>3/21/2023</a:t>
+              <a:t>12/19/2023</a:t>
             </a:fld>
             <a:endParaRPr lang="en-US"/>
           </a:p>
@@ -3871,7 +3946,7 @@
           <a:p>
             <a:fld id="{33D569A9-A222-4DCC-AF28-BB813B4F2ABB}" type="datetimeFigureOut">
               <a:rPr lang="en-US" smtClean="0"/>
-              <a:t>3/21/2023</a:t>
+              <a:t>12/19/2023</a:t>
             </a:fld>
             <a:endParaRPr lang="en-US"/>
           </a:p>
@@ -4112,7 +4187,7 @@
           <a:p>
             <a:fld id="{33D569A9-A222-4DCC-AF28-BB813B4F2ABB}" type="datetimeFigureOut">
               <a:rPr lang="en-US" smtClean="0"/>
-              <a:t>3/21/2023</a:t>
+              <a:t>12/19/2023</a:t>
             </a:fld>
             <a:endParaRPr lang="en-US"/>
           </a:p>
@@ -5022,13 +5097,13 @@
           <a:p>
             <a:pPr algn="l"/>
             <a:r>
-              <a:rPr lang="en-US" sz="2400" b="1" dirty="0" err="1">
+              <a:rPr lang="en-US" sz="2400" b="1" dirty="0">
                 <a:solidFill>
                   <a:srgbClr val="00B050"/>
                 </a:solidFill>
                 <a:latin typeface="Open Sans" panose="020B0606030504020204" pitchFamily="34" charset="0"/>
               </a:rPr>
-              <a:t>JavaDocs</a:t>
+              <a:t>Equality in Primitives vs Objects</a:t>
             </a:r>
             <a:endParaRPr lang="en-US" sz="2400" b="1" dirty="0">
               <a:solidFill>
@@ -5042,10 +5117,10 @@
       </p:sp>
       <p:sp>
         <p:nvSpPr>
-          <p:cNvPr id="4" name="TextBox 3">
+          <p:cNvPr id="5" name="TextBox 4">
             <a:extLst>
               <a:ext uri="{FF2B5EF4-FFF2-40B4-BE49-F238E27FC236}">
-                <a16:creationId xmlns:a16="http://schemas.microsoft.com/office/drawing/2014/main" id="{5F4890C8-248C-DE3F-EFBE-A4EB3744954C}"/>
+                <a16:creationId xmlns:a16="http://schemas.microsoft.com/office/drawing/2014/main" id="{9DB63145-E59C-9501-8AA5-4E6AC5C0D40F}"/>
               </a:ext>
             </a:extLst>
           </p:cNvPr>
@@ -5054,8 +5129,8 @@
         </p:nvSpPr>
         <p:spPr>
           <a:xfrm>
-            <a:off x="3920195" y="6082018"/>
-            <a:ext cx="8447887" cy="400110"/>
+            <a:off x="240935" y="539403"/>
+            <a:ext cx="11612709" cy="9510296"/>
           </a:xfrm>
           <a:prstGeom prst="rect">
             <a:avLst/>
@@ -5068,250 +5143,41 @@
           </a:bodyPr>
           <a:lstStyle/>
           <a:p>
-            <a:r>
-              <a:rPr lang="en-US" sz="2000" dirty="0">
-                <a:hlinkClick r:id="rId2"/>
-              </a:rPr>
-              <a:t>https://www.oracle.com/technical-resources/articles/java/javadoc-tool.html</a:t>
-            </a:r>
-            <a:endParaRPr lang="en-US" sz="2000" dirty="0"/>
-          </a:p>
-        </p:txBody>
-      </p:sp>
-      <p:sp>
-        <p:nvSpPr>
-          <p:cNvPr id="8" name="TextBox 7">
-            <a:extLst>
-              <a:ext uri="{FF2B5EF4-FFF2-40B4-BE49-F238E27FC236}">
-                <a16:creationId xmlns:a16="http://schemas.microsoft.com/office/drawing/2014/main" id="{C70D9D43-254A-0545-002D-C444DCDB15AD}"/>
-              </a:ext>
-            </a:extLst>
-          </p:cNvPr>
-          <p:cNvSpPr txBox="1"/>
-          <p:nvPr/>
-        </p:nvSpPr>
-        <p:spPr>
-          <a:xfrm>
-            <a:off x="341603" y="438195"/>
-            <a:ext cx="11432807" cy="2308324"/>
-          </a:xfrm>
-          <a:prstGeom prst="rect">
-            <a:avLst/>
-          </a:prstGeom>
-          <a:noFill/>
-        </p:spPr>
-        <p:txBody>
-          <a:bodyPr wrap="square">
-            <a:spAutoFit/>
-          </a:bodyPr>
-          <a:lstStyle/>
-          <a:p>
-            <a:r>
-              <a:rPr lang="en-US" b="0" i="0" dirty="0">
-                <a:solidFill>
-                  <a:schemeClr val="tx1">
-                    <a:lumMod val="85000"/>
-                  </a:schemeClr>
-                </a:solidFill>
-                <a:effectLst/>
-                <a:latin typeface="Open Sans" panose="020B0606030504020204" pitchFamily="34" charset="0"/>
-                <a:ea typeface="Open Sans" panose="020B0606030504020204" pitchFamily="34" charset="0"/>
-                <a:cs typeface="Open Sans" panose="020B0606030504020204" pitchFamily="34" charset="0"/>
-              </a:rPr>
-              <a:t>Documenting your code is crucial to help others understand it, and even to remind yourself how your own older programs work. Unfortunately, </a:t>
-            </a:r>
-            <a:r>
-              <a:rPr lang="en-US" b="0" i="0" dirty="0">
-                <a:solidFill>
-                  <a:srgbClr val="00B0F0"/>
-                </a:solidFill>
-                <a:effectLst/>
-                <a:latin typeface="Open Sans" panose="020B0606030504020204" pitchFamily="34" charset="0"/>
-                <a:ea typeface="Open Sans" panose="020B0606030504020204" pitchFamily="34" charset="0"/>
-                <a:cs typeface="Open Sans" panose="020B0606030504020204" pitchFamily="34" charset="0"/>
-              </a:rPr>
-              <a:t>it is easy for most external documentation to become out of date </a:t>
-            </a:r>
-            <a:r>
-              <a:rPr lang="en-US" b="0" i="0" dirty="0">
-                <a:solidFill>
-                  <a:schemeClr val="tx1">
-                    <a:lumMod val="85000"/>
-                  </a:schemeClr>
-                </a:solidFill>
-                <a:effectLst/>
-                <a:latin typeface="Open Sans" panose="020B0606030504020204" pitchFamily="34" charset="0"/>
-                <a:ea typeface="Open Sans" panose="020B0606030504020204" pitchFamily="34" charset="0"/>
-                <a:cs typeface="Open Sans" panose="020B0606030504020204" pitchFamily="34" charset="0"/>
-              </a:rPr>
-              <a:t>as a program changes. </a:t>
-            </a:r>
-          </a:p>
-          <a:p>
-            <a:r>
-              <a:rPr lang="en-US" b="0" i="0" dirty="0">
-                <a:solidFill>
-                  <a:schemeClr val="tx1">
-                    <a:lumMod val="85000"/>
-                  </a:schemeClr>
-                </a:solidFill>
-                <a:effectLst/>
-                <a:latin typeface="Open Sans" panose="020B0606030504020204" pitchFamily="34" charset="0"/>
-                <a:ea typeface="Open Sans" panose="020B0606030504020204" pitchFamily="34" charset="0"/>
-                <a:cs typeface="Open Sans" panose="020B0606030504020204" pitchFamily="34" charset="0"/>
-              </a:rPr>
-              <a:t>For this reason, it is useful to </a:t>
-            </a:r>
-            <a:r>
-              <a:rPr lang="en-US" b="0" i="0" dirty="0">
-                <a:solidFill>
-                  <a:srgbClr val="00B0F0"/>
-                </a:solidFill>
-                <a:effectLst/>
-                <a:latin typeface="Open Sans" panose="020B0606030504020204" pitchFamily="34" charset="0"/>
-                <a:ea typeface="Open Sans" panose="020B0606030504020204" pitchFamily="34" charset="0"/>
-                <a:cs typeface="Open Sans" panose="020B0606030504020204" pitchFamily="34" charset="0"/>
-              </a:rPr>
-              <a:t>write documentation as comments in the code itself</a:t>
-            </a:r>
-            <a:r>
-              <a:rPr lang="en-US" b="0" i="0" dirty="0">
-                <a:solidFill>
-                  <a:schemeClr val="tx1">
-                    <a:lumMod val="85000"/>
-                  </a:schemeClr>
-                </a:solidFill>
-                <a:effectLst/>
-                <a:latin typeface="Open Sans" panose="020B0606030504020204" pitchFamily="34" charset="0"/>
-                <a:ea typeface="Open Sans" panose="020B0606030504020204" pitchFamily="34" charset="0"/>
-                <a:cs typeface="Open Sans" panose="020B0606030504020204" pitchFamily="34" charset="0"/>
-              </a:rPr>
-              <a:t>, where they can be easily updated with other changes. </a:t>
-            </a:r>
-            <a:r>
-              <a:rPr lang="en-US" b="0" i="0" dirty="0">
-                <a:solidFill>
-                  <a:srgbClr val="00B0F0"/>
-                </a:solidFill>
-                <a:effectLst/>
-                <a:latin typeface="Open Sans" panose="020B0606030504020204" pitchFamily="34" charset="0"/>
-                <a:ea typeface="Open Sans" panose="020B0606030504020204" pitchFamily="34" charset="0"/>
-                <a:cs typeface="Open Sans" panose="020B0606030504020204" pitchFamily="34" charset="0"/>
-              </a:rPr>
-              <a:t>Javadoc is a documentation tool </a:t>
-            </a:r>
-            <a:r>
-              <a:rPr lang="en-US" b="0" i="0" dirty="0">
-                <a:solidFill>
-                  <a:schemeClr val="tx1">
-                    <a:lumMod val="85000"/>
-                  </a:schemeClr>
-                </a:solidFill>
-                <a:effectLst/>
-                <a:latin typeface="Open Sans" panose="020B0606030504020204" pitchFamily="34" charset="0"/>
-                <a:ea typeface="Open Sans" panose="020B0606030504020204" pitchFamily="34" charset="0"/>
-                <a:cs typeface="Open Sans" panose="020B0606030504020204" pitchFamily="34" charset="0"/>
-              </a:rPr>
-              <a:t>which defines a standard format for such comments, and which can generate HTML files to view the documentation from a web </a:t>
-            </a:r>
-            <a:r>
-              <a:rPr lang="en-US" b="0" i="0" dirty="0" err="1">
-                <a:solidFill>
-                  <a:schemeClr val="tx1">
-                    <a:lumMod val="85000"/>
-                  </a:schemeClr>
-                </a:solidFill>
-                <a:effectLst/>
-                <a:latin typeface="Open Sans" panose="020B0606030504020204" pitchFamily="34" charset="0"/>
-                <a:ea typeface="Open Sans" panose="020B0606030504020204" pitchFamily="34" charset="0"/>
-                <a:cs typeface="Open Sans" panose="020B0606030504020204" pitchFamily="34" charset="0"/>
-              </a:rPr>
-              <a:t>broswer</a:t>
-            </a:r>
-            <a:r>
-              <a:rPr lang="en-US" b="0" i="0" dirty="0">
-                <a:solidFill>
-                  <a:schemeClr val="tx1">
-                    <a:lumMod val="85000"/>
-                  </a:schemeClr>
-                </a:solidFill>
-                <a:effectLst/>
-                <a:latin typeface="Open Sans" panose="020B0606030504020204" pitchFamily="34" charset="0"/>
-                <a:ea typeface="Open Sans" panose="020B0606030504020204" pitchFamily="34" charset="0"/>
-                <a:cs typeface="Open Sans" panose="020B0606030504020204" pitchFamily="34" charset="0"/>
-              </a:rPr>
-              <a:t>. (As an example, see Oracle's Javadoc documentation for the Java libraries </a:t>
-            </a:r>
-            <a:r>
-              <a:rPr lang="en-US" b="0" i="0" dirty="0">
-                <a:solidFill>
-                  <a:srgbClr val="000000"/>
-                </a:solidFill>
-                <a:effectLst/>
-                <a:latin typeface="Open Sans" panose="020B0606030504020204" pitchFamily="34" charset="0"/>
-                <a:ea typeface="Open Sans" panose="020B0606030504020204" pitchFamily="34" charset="0"/>
-                <a:cs typeface="Open Sans" panose="020B0606030504020204" pitchFamily="34" charset="0"/>
-              </a:rPr>
-              <a:t>at </a:t>
-            </a:r>
-            <a:r>
-              <a:rPr lang="en-US" b="0" i="0" dirty="0">
-                <a:effectLst/>
-                <a:latin typeface="Open Sans" panose="020B0606030504020204" pitchFamily="34" charset="0"/>
-                <a:ea typeface="Open Sans" panose="020B0606030504020204" pitchFamily="34" charset="0"/>
-                <a:cs typeface="Open Sans" panose="020B0606030504020204" pitchFamily="34" charset="0"/>
-                <a:hlinkClick r:id="rId3"/>
-              </a:rPr>
-              <a:t>http://download.oracle.com/javase/6/docs/api/</a:t>
-            </a:r>
-            <a:r>
-              <a:rPr lang="en-US" b="0" i="0" dirty="0">
-                <a:solidFill>
-                  <a:srgbClr val="000000"/>
-                </a:solidFill>
-                <a:effectLst/>
-                <a:latin typeface="Open Sans" panose="020B0606030504020204" pitchFamily="34" charset="0"/>
-                <a:ea typeface="Open Sans" panose="020B0606030504020204" pitchFamily="34" charset="0"/>
-                <a:cs typeface="Open Sans" panose="020B0606030504020204" pitchFamily="34" charset="0"/>
-              </a:rPr>
-              <a:t>.)</a:t>
-            </a:r>
+            <a:pPr marL="342900" indent="-342900">
+              <a:buFont typeface="Arial" panose="020B0604020202020204" pitchFamily="34" charset="0"/>
+              <a:buChar char="•"/>
+            </a:pPr>
+            <a:r>
+              <a:rPr lang="en-US" dirty="0">
+                <a:solidFill>
+                  <a:schemeClr val="tx1">
+                    <a:lumMod val="85000"/>
+                  </a:schemeClr>
+                </a:solidFill>
+                <a:latin typeface="Open Sans" panose="020B0606030504020204" pitchFamily="34" charset="0"/>
+              </a:rPr>
+              <a:t>Another difference between Primitive Datatypes and Objects has to do with Equality.   The Equality Operator in Java == checks to see if two references are the same.  In other words when comparing Primitive Datatypes,  == checks to see if two values are the same.  With Primitive Datatype Equality Comparison,  == checks the in-memory value of the Primitive Datatype against the in-memory value of a different Primitive Datatype.   </a:t>
+            </a:r>
+          </a:p>
+          <a:p>
+            <a:pPr marL="342900" indent="-342900">
+              <a:buFont typeface="Arial" panose="020B0604020202020204" pitchFamily="34" charset="0"/>
+              <a:buChar char="•"/>
+            </a:pPr>
             <a:endParaRPr lang="en-US" dirty="0">
+              <a:solidFill>
+                <a:schemeClr val="tx1">
+                  <a:lumMod val="85000"/>
+                </a:schemeClr>
+              </a:solidFill>
               <a:latin typeface="Open Sans" panose="020B0606030504020204" pitchFamily="34" charset="0"/>
-              <a:ea typeface="Open Sans" panose="020B0606030504020204" pitchFamily="34" charset="0"/>
-              <a:cs typeface="Open Sans" panose="020B0606030504020204" pitchFamily="34" charset="0"/>
             </a:endParaRPr>
           </a:p>
-        </p:txBody>
-      </p:sp>
-      <p:sp>
-        <p:nvSpPr>
-          <p:cNvPr id="11" name="TextBox 10">
-            <a:extLst>
-              <a:ext uri="{FF2B5EF4-FFF2-40B4-BE49-F238E27FC236}">
-                <a16:creationId xmlns:a16="http://schemas.microsoft.com/office/drawing/2014/main" id="{FBFF1272-6FED-ACD0-CEF8-E11B1DD3B48B}"/>
-              </a:ext>
-            </a:extLst>
-          </p:cNvPr>
-          <p:cNvSpPr txBox="1"/>
-          <p:nvPr/>
-        </p:nvSpPr>
-        <p:spPr>
-          <a:xfrm>
-            <a:off x="341603" y="2763337"/>
-            <a:ext cx="10715087" cy="3354765"/>
-          </a:xfrm>
-          <a:prstGeom prst="rect">
-            <a:avLst/>
-          </a:prstGeom>
-          <a:noFill/>
-        </p:spPr>
-        <p:txBody>
-          <a:bodyPr wrap="square">
-            <a:spAutoFit/>
-          </a:bodyPr>
-          <a:lstStyle/>
-          <a:p>
+          <a:p>
+            <a:pPr marL="342900" indent="-342900">
+              <a:buFont typeface="Arial" panose="020B0604020202020204" pitchFamily="34" charset="0"/>
+              <a:buChar char="•"/>
+            </a:pPr>
             <a:r>
               <a:rPr lang="en-US" dirty="0">
                 <a:solidFill>
@@ -5320,10 +5186,39 @@
                   </a:schemeClr>
                 </a:solidFill>
                 <a:latin typeface="Open Sans" panose="020B0606030504020204" pitchFamily="34" charset="0"/>
-                <a:ea typeface="Open Sans" panose="020B0606030504020204" pitchFamily="34" charset="0"/>
-                <a:cs typeface="Open Sans" panose="020B0606030504020204" pitchFamily="34" charset="0"/>
-              </a:rPr>
-              <a:t>/** Indicates </a:t>
+              </a:rPr>
+              <a:t>Primitive Datatype Equality</a:t>
+            </a:r>
+          </a:p>
+          <a:p>
+            <a:pPr marL="342900" indent="-342900">
+              <a:buFont typeface="Arial" panose="020B0604020202020204" pitchFamily="34" charset="0"/>
+              <a:buChar char="•"/>
+            </a:pPr>
+            <a:endParaRPr lang="en-US" dirty="0">
+              <a:solidFill>
+                <a:schemeClr val="tx1">
+                  <a:lumMod val="85000"/>
+                </a:schemeClr>
+              </a:solidFill>
+              <a:latin typeface="Open Sans" panose="020B0606030504020204" pitchFamily="34" charset="0"/>
+            </a:endParaRPr>
+          </a:p>
+          <a:p>
+            <a:pPr marL="342900" indent="-342900">
+              <a:buFont typeface="Arial" panose="020B0604020202020204" pitchFamily="34" charset="0"/>
+              <a:buChar char="•"/>
+            </a:pPr>
+            <a:r>
+              <a:rPr lang="en-US" dirty="0">
+                <a:solidFill>
+                  <a:schemeClr val="tx1">
+                    <a:lumMod val="85000"/>
+                  </a:schemeClr>
+                </a:solidFill>
+                <a:latin typeface="Open Sans" panose="020B0606030504020204" pitchFamily="34" charset="0"/>
+              </a:rPr>
+              <a:t>The following code declares two int variables, and compares the value.  Since these two variables are pointing to the same value, the </a:t>
             </a:r>
             <a:r>
               <a:rPr lang="en-US" dirty="0" err="1">
@@ -5333,10 +5228,8 @@
                   </a:schemeClr>
                 </a:solidFill>
                 <a:latin typeface="Open Sans" panose="020B0606030504020204" pitchFamily="34" charset="0"/>
-                <a:ea typeface="Open Sans" panose="020B0606030504020204" pitchFamily="34" charset="0"/>
-                <a:cs typeface="Open Sans" panose="020B0606030504020204" pitchFamily="34" charset="0"/>
-              </a:rPr>
-              <a:t>JavaDoc</a:t>
+              </a:rPr>
+              <a:t>System.out.println</a:t>
             </a:r>
             <a:r>
               <a:rPr lang="en-US" dirty="0">
@@ -5346,13 +5239,29 @@
                   </a:schemeClr>
                 </a:solidFill>
                 <a:latin typeface="Open Sans" panose="020B0606030504020204" pitchFamily="34" charset="0"/>
-                <a:ea typeface="Open Sans" panose="020B0606030504020204" pitchFamily="34" charset="0"/>
-                <a:cs typeface="Open Sans" panose="020B0606030504020204" pitchFamily="34" charset="0"/>
-              </a:rPr>
-              <a:t> comment */</a:t>
-            </a:r>
-          </a:p>
-          <a:p>
+              </a:rPr>
+              <a:t>() will print the following result:  age1 == age2: true</a:t>
+            </a:r>
+          </a:p>
+          <a:p>
+            <a:pPr marL="342900" indent="-342900">
+              <a:buFont typeface="Arial" panose="020B0604020202020204" pitchFamily="34" charset="0"/>
+              <a:buChar char="•"/>
+            </a:pPr>
+            <a:endParaRPr lang="en-US" dirty="0">
+              <a:solidFill>
+                <a:schemeClr val="tx1">
+                  <a:lumMod val="85000"/>
+                </a:schemeClr>
+              </a:solidFill>
+              <a:latin typeface="Open Sans" panose="020B0606030504020204" pitchFamily="34" charset="0"/>
+            </a:endParaRPr>
+          </a:p>
+          <a:p>
+            <a:pPr marL="342900" indent="-342900">
+              <a:buFont typeface="Arial" panose="020B0604020202020204" pitchFamily="34" charset="0"/>
+              <a:buChar char="•"/>
+            </a:pPr>
             <a:r>
               <a:rPr lang="en-US" dirty="0">
                 <a:solidFill>
@@ -5361,24 +5270,29 @@
                   </a:schemeClr>
                 </a:solidFill>
                 <a:latin typeface="Open Sans" panose="020B0606030504020204" pitchFamily="34" charset="0"/>
-                <a:ea typeface="Open Sans" panose="020B0606030504020204" pitchFamily="34" charset="0"/>
-                <a:cs typeface="Open Sans" panose="020B0606030504020204" pitchFamily="34" charset="0"/>
-              </a:rPr>
-              <a:t>Use tags in comments to indicate </a:t>
-            </a:r>
-            <a:r>
-              <a:rPr lang="en-US" dirty="0" err="1">
-                <a:solidFill>
-                  <a:schemeClr val="tx1">
-                    <a:lumMod val="85000"/>
-                  </a:schemeClr>
-                </a:solidFill>
-                <a:latin typeface="Open Sans" panose="020B0606030504020204" pitchFamily="34" charset="0"/>
-                <a:ea typeface="Open Sans" panose="020B0606030504020204" pitchFamily="34" charset="0"/>
-                <a:cs typeface="Open Sans" panose="020B0606030504020204" pitchFamily="34" charset="0"/>
-              </a:rPr>
-              <a:t>JavaDoc</a:t>
-            </a:r>
+              </a:rPr>
+              <a:t>Object Equality</a:t>
+            </a:r>
+          </a:p>
+          <a:p>
+            <a:pPr marL="342900" indent="-342900">
+              <a:buFont typeface="Arial" panose="020B0604020202020204" pitchFamily="34" charset="0"/>
+              <a:buChar char="•"/>
+            </a:pPr>
+            <a:endParaRPr lang="en-US" dirty="0">
+              <a:solidFill>
+                <a:schemeClr val="tx1">
+                  <a:lumMod val="85000"/>
+                </a:schemeClr>
+              </a:solidFill>
+              <a:latin typeface="Open Sans" panose="020B0606030504020204" pitchFamily="34" charset="0"/>
+            </a:endParaRPr>
+          </a:p>
+          <a:p>
+            <a:pPr marL="342900" indent="-342900">
+              <a:buFont typeface="Arial" panose="020B0604020202020204" pitchFamily="34" charset="0"/>
+              <a:buChar char="•"/>
+            </a:pPr>
             <a:r>
               <a:rPr lang="en-US" dirty="0">
                 <a:solidFill>
@@ -5387,221 +5301,174 @@
                   </a:schemeClr>
                 </a:solidFill>
                 <a:latin typeface="Open Sans" panose="020B0606030504020204" pitchFamily="34" charset="0"/>
-                <a:ea typeface="Open Sans" panose="020B0606030504020204" pitchFamily="34" charset="0"/>
-                <a:cs typeface="Open Sans" panose="020B0606030504020204" pitchFamily="34" charset="0"/>
-              </a:rPr>
-              <a:t> parts</a:t>
-            </a:r>
-          </a:p>
-          <a:p>
-            <a:r>
-              <a:rPr lang="en-US" sz="1600" dirty="0">
-                <a:solidFill>
-                  <a:schemeClr val="tx1">
-                    <a:lumMod val="85000"/>
-                  </a:schemeClr>
-                </a:solidFill>
-                <a:latin typeface="Open Sans" panose="020B0606030504020204" pitchFamily="34" charset="0"/>
-                <a:ea typeface="Open Sans" panose="020B0606030504020204" pitchFamily="34" charset="0"/>
-                <a:cs typeface="Open Sans" panose="020B0606030504020204" pitchFamily="34" charset="0"/>
-              </a:rPr>
-              <a:t>@param – defines parameters for input</a:t>
-            </a:r>
-          </a:p>
-          <a:p>
-            <a:r>
-              <a:rPr lang="en-US" sz="1600" dirty="0">
-                <a:solidFill>
-                  <a:schemeClr val="tx1">
-                    <a:lumMod val="85000"/>
-                  </a:schemeClr>
-                </a:solidFill>
-                <a:latin typeface="Open Sans" panose="020B0606030504020204" pitchFamily="34" charset="0"/>
-                <a:ea typeface="Open Sans" panose="020B0606030504020204" pitchFamily="34" charset="0"/>
-                <a:cs typeface="Open Sans" panose="020B0606030504020204" pitchFamily="34" charset="0"/>
-              </a:rPr>
-              <a:t>@return – indicates what value and type are return from method call</a:t>
-            </a:r>
-          </a:p>
-          <a:p>
-            <a:r>
-              <a:rPr lang="en-US" sz="1600" dirty="0">
-                <a:solidFill>
-                  <a:schemeClr val="tx1">
-                    <a:lumMod val="85000"/>
-                  </a:schemeClr>
-                </a:solidFill>
-                <a:latin typeface="Open Sans" panose="020B0606030504020204" pitchFamily="34" charset="0"/>
-                <a:ea typeface="Open Sans" panose="020B0606030504020204" pitchFamily="34" charset="0"/>
-                <a:cs typeface="Open Sans" panose="020B0606030504020204" pitchFamily="34" charset="0"/>
-              </a:rPr>
-              <a:t>@author (classes and interfaces only, required)</a:t>
-            </a:r>
-          </a:p>
-          <a:p>
-            <a:r>
-              <a:rPr lang="en-US" sz="1600" dirty="0">
-                <a:solidFill>
-                  <a:schemeClr val="tx1">
-                    <a:lumMod val="85000"/>
-                  </a:schemeClr>
-                </a:solidFill>
-                <a:latin typeface="Open Sans" panose="020B0606030504020204" pitchFamily="34" charset="0"/>
-                <a:ea typeface="Open Sans" panose="020B0606030504020204" pitchFamily="34" charset="0"/>
-                <a:cs typeface="Open Sans" panose="020B0606030504020204" pitchFamily="34" charset="0"/>
-              </a:rPr>
-              <a:t>@version (classes and interfaces only, required. See footnote 1)</a:t>
-            </a:r>
-          </a:p>
-          <a:p>
-            <a:r>
-              <a:rPr lang="en-US" sz="1600" dirty="0">
-                <a:solidFill>
-                  <a:schemeClr val="tx1">
-                    <a:lumMod val="85000"/>
-                  </a:schemeClr>
-                </a:solidFill>
-                <a:latin typeface="Open Sans" panose="020B0606030504020204" pitchFamily="34" charset="0"/>
-                <a:ea typeface="Open Sans" panose="020B0606030504020204" pitchFamily="34" charset="0"/>
-                <a:cs typeface="Open Sans" panose="020B0606030504020204" pitchFamily="34" charset="0"/>
-              </a:rPr>
-              <a:t>@param (methods and constructors only)</a:t>
-            </a:r>
-          </a:p>
-          <a:p>
-            <a:r>
-              <a:rPr lang="en-US" sz="1600" dirty="0">
-                <a:solidFill>
-                  <a:schemeClr val="tx1">
-                    <a:lumMod val="85000"/>
-                  </a:schemeClr>
-                </a:solidFill>
-                <a:latin typeface="Open Sans" panose="020B0606030504020204" pitchFamily="34" charset="0"/>
-                <a:ea typeface="Open Sans" panose="020B0606030504020204" pitchFamily="34" charset="0"/>
-                <a:cs typeface="Open Sans" panose="020B0606030504020204" pitchFamily="34" charset="0"/>
-              </a:rPr>
-              <a:t>@return (methods only)</a:t>
-            </a:r>
-          </a:p>
-          <a:p>
-            <a:r>
-              <a:rPr lang="en-US" sz="1600" dirty="0">
-                <a:solidFill>
-                  <a:schemeClr val="tx1">
-                    <a:lumMod val="85000"/>
-                  </a:schemeClr>
-                </a:solidFill>
-                <a:latin typeface="Open Sans" panose="020B0606030504020204" pitchFamily="34" charset="0"/>
-                <a:ea typeface="Open Sans" panose="020B0606030504020204" pitchFamily="34" charset="0"/>
-                <a:cs typeface="Open Sans" panose="020B0606030504020204" pitchFamily="34" charset="0"/>
-              </a:rPr>
-              <a:t>@exception (@throws is a synonym added in Javadoc 1.2)</a:t>
-            </a:r>
-          </a:p>
-          <a:p>
-            <a:r>
-              <a:rPr lang="en-US" sz="1600" dirty="0">
-                <a:solidFill>
-                  <a:schemeClr val="tx1">
-                    <a:lumMod val="85000"/>
-                  </a:schemeClr>
-                </a:solidFill>
-                <a:latin typeface="Open Sans" panose="020B0606030504020204" pitchFamily="34" charset="0"/>
-                <a:ea typeface="Open Sans" panose="020B0606030504020204" pitchFamily="34" charset="0"/>
-                <a:cs typeface="Open Sans" panose="020B0606030504020204" pitchFamily="34" charset="0"/>
-              </a:rPr>
-              <a:t>@see</a:t>
-            </a:r>
-          </a:p>
-          <a:p>
-            <a:r>
-              <a:rPr lang="en-US" sz="1600" dirty="0">
-                <a:solidFill>
-                  <a:schemeClr val="tx1">
-                    <a:lumMod val="85000"/>
-                  </a:schemeClr>
-                </a:solidFill>
-                <a:latin typeface="Open Sans" panose="020B0606030504020204" pitchFamily="34" charset="0"/>
-                <a:ea typeface="Open Sans" panose="020B0606030504020204" pitchFamily="34" charset="0"/>
-                <a:cs typeface="Open Sans" panose="020B0606030504020204" pitchFamily="34" charset="0"/>
-              </a:rPr>
-              <a:t>@since</a:t>
-            </a:r>
-          </a:p>
-          <a:p>
-            <a:r>
-              <a:rPr lang="en-US" sz="1600" dirty="0">
-                <a:solidFill>
-                  <a:schemeClr val="tx1">
-                    <a:lumMod val="85000"/>
-                  </a:schemeClr>
-                </a:solidFill>
-                <a:latin typeface="Open Sans" panose="020B0606030504020204" pitchFamily="34" charset="0"/>
-                <a:ea typeface="Open Sans" panose="020B0606030504020204" pitchFamily="34" charset="0"/>
-                <a:cs typeface="Open Sans" panose="020B0606030504020204" pitchFamily="34" charset="0"/>
-              </a:rPr>
-              <a:t>@serial (or @serialField or @serialData)</a:t>
-            </a:r>
-          </a:p>
-          <a:p>
-            <a:r>
-              <a:rPr lang="en-US" sz="1600" dirty="0">
-                <a:solidFill>
-                  <a:schemeClr val="tx1">
-                    <a:lumMod val="85000"/>
-                  </a:schemeClr>
-                </a:solidFill>
-                <a:latin typeface="Open Sans" panose="020B0606030504020204" pitchFamily="34" charset="0"/>
-                <a:ea typeface="Open Sans" panose="020B0606030504020204" pitchFamily="34" charset="0"/>
-                <a:cs typeface="Open Sans" panose="020B0606030504020204" pitchFamily="34" charset="0"/>
-              </a:rPr>
-              <a:t>@deprecated (see How and When To Deprecate APIs)</a:t>
-            </a:r>
-          </a:p>
-        </p:txBody>
-      </p:sp>
-      <p:sp>
-        <p:nvSpPr>
-          <p:cNvPr id="13" name="TextBox 12">
-            <a:extLst>
-              <a:ext uri="{FF2B5EF4-FFF2-40B4-BE49-F238E27FC236}">
-                <a16:creationId xmlns:a16="http://schemas.microsoft.com/office/drawing/2014/main" id="{54490E19-5FDF-8610-D214-65ABB5B29ACD}"/>
-              </a:ext>
-            </a:extLst>
-          </p:cNvPr>
-          <p:cNvSpPr txBox="1"/>
-          <p:nvPr/>
-        </p:nvSpPr>
-        <p:spPr>
-          <a:xfrm>
-            <a:off x="3920195" y="6438127"/>
-            <a:ext cx="6581163" cy="369332"/>
-          </a:xfrm>
-          <a:prstGeom prst="rect">
-            <a:avLst/>
-          </a:prstGeom>
-          <a:noFill/>
-        </p:spPr>
-        <p:txBody>
-          <a:bodyPr wrap="square">
-            <a:spAutoFit/>
-          </a:bodyPr>
-          <a:lstStyle/>
-          <a:p>
+              </a:rPr>
+              <a:t>Remember that when an Object is instantiated, the programmer has access to all properties and methods that are defined within that Object, through dot-notation.</a:t>
+            </a:r>
+          </a:p>
+          <a:p>
+            <a:pPr marL="342900" indent="-342900">
+              <a:buFont typeface="Arial" panose="020B0604020202020204" pitchFamily="34" charset="0"/>
+              <a:buChar char="•"/>
+            </a:pPr>
+            <a:endParaRPr lang="en-US" dirty="0">
+              <a:solidFill>
+                <a:schemeClr val="tx1">
+                  <a:lumMod val="85000"/>
+                </a:schemeClr>
+              </a:solidFill>
+              <a:latin typeface="Open Sans" panose="020B0606030504020204" pitchFamily="34" charset="0"/>
+            </a:endParaRPr>
+          </a:p>
+          <a:p>
+            <a:pPr marL="342900" indent="-342900">
+              <a:buFont typeface="Arial" panose="020B0604020202020204" pitchFamily="34" charset="0"/>
+              <a:buChar char="•"/>
+            </a:pPr>
             <a:r>
               <a:rPr lang="en-US" dirty="0">
-                <a:hlinkClick r:id="rId4"/>
-              </a:rPr>
-              <a:t>https://docs.oracle.com/javase/6/docs/api/java/util/Scanner.html</a:t>
-            </a:r>
-            <a:endParaRPr lang="en-US" dirty="0"/>
+                <a:solidFill>
+                  <a:schemeClr val="tx1">
+                    <a:lumMod val="85000"/>
+                  </a:schemeClr>
+                </a:solidFill>
+                <a:latin typeface="Open Sans" panose="020B0606030504020204" pitchFamily="34" charset="0"/>
+              </a:rPr>
+              <a:t>With the declaration of a new Object, Java creates that object as its own instance in memory.  Even if two Objects are created with the same exact content, the Objects themselves will be created as two separate instances in memory.  The point here is that each instance has its own location in memory, and the location is not the same, even if the values within the fields are the same.</a:t>
+            </a:r>
+          </a:p>
+          <a:p>
+            <a:pPr marL="342900" indent="-342900">
+              <a:buFont typeface="Arial" panose="020B0604020202020204" pitchFamily="34" charset="0"/>
+              <a:buChar char="•"/>
+            </a:pPr>
+            <a:endParaRPr lang="en-US" dirty="0">
+              <a:solidFill>
+                <a:schemeClr val="tx1">
+                  <a:lumMod val="85000"/>
+                </a:schemeClr>
+              </a:solidFill>
+              <a:latin typeface="Open Sans" panose="020B0606030504020204" pitchFamily="34" charset="0"/>
+            </a:endParaRPr>
+          </a:p>
+          <a:p>
+            <a:pPr marL="342900" indent="-342900">
+              <a:buFont typeface="Arial" panose="020B0604020202020204" pitchFamily="34" charset="0"/>
+              <a:buChar char="•"/>
+            </a:pPr>
+            <a:r>
+              <a:rPr lang="en-US" dirty="0">
+                <a:solidFill>
+                  <a:schemeClr val="tx1">
+                    <a:lumMod val="85000"/>
+                  </a:schemeClr>
+                </a:solidFill>
+                <a:latin typeface="Open Sans" panose="020B0606030504020204" pitchFamily="34" charset="0"/>
+              </a:rPr>
+              <a:t>Let's look at our Grade Book Example above.   Imagine that we instantiate two students using the Student() Constructor as follows:</a:t>
+            </a:r>
+          </a:p>
+          <a:p>
+            <a:pPr marL="342900" indent="-342900">
+              <a:buFont typeface="Arial" panose="020B0604020202020204" pitchFamily="34" charset="0"/>
+              <a:buChar char="•"/>
+            </a:pPr>
+            <a:endParaRPr lang="en-US" dirty="0">
+              <a:solidFill>
+                <a:schemeClr val="tx1">
+                  <a:lumMod val="85000"/>
+                </a:schemeClr>
+              </a:solidFill>
+              <a:latin typeface="Open Sans" panose="020B0606030504020204" pitchFamily="34" charset="0"/>
+            </a:endParaRPr>
+          </a:p>
+          <a:p>
+            <a:pPr marL="342900" indent="-342900">
+              <a:buFont typeface="Arial" panose="020B0604020202020204" pitchFamily="34" charset="0"/>
+              <a:buChar char="•"/>
+            </a:pPr>
+            <a:r>
+              <a:rPr lang="en-US" dirty="0">
+                <a:solidFill>
+                  <a:schemeClr val="tx1">
+                    <a:lumMod val="85000"/>
+                  </a:schemeClr>
+                </a:solidFill>
+                <a:latin typeface="Open Sans" panose="020B0606030504020204" pitchFamily="34" charset="0"/>
+              </a:rPr>
+              <a:t>int[] grades = { 100, 100, 100 };</a:t>
+            </a:r>
+          </a:p>
+          <a:p>
+            <a:pPr marL="342900" indent="-342900">
+              <a:buFont typeface="Arial" panose="020B0604020202020204" pitchFamily="34" charset="0"/>
+              <a:buChar char="•"/>
+            </a:pPr>
+            <a:r>
+              <a:rPr lang="en-US" dirty="0">
+                <a:solidFill>
+                  <a:schemeClr val="tx1">
+                    <a:lumMod val="85000"/>
+                  </a:schemeClr>
+                </a:solidFill>
+                <a:latin typeface="Open Sans" panose="020B0606030504020204" pitchFamily="34" charset="0"/>
+              </a:rPr>
+              <a:t>Student student1 = new Student("Molly Mack", grades);</a:t>
+            </a:r>
+          </a:p>
+          <a:p>
+            <a:pPr marL="342900" indent="-342900">
+              <a:buFont typeface="Arial" panose="020B0604020202020204" pitchFamily="34" charset="0"/>
+              <a:buChar char="•"/>
+            </a:pPr>
+            <a:r>
+              <a:rPr lang="en-US" dirty="0">
+                <a:solidFill>
+                  <a:schemeClr val="tx1">
+                    <a:lumMod val="85000"/>
+                  </a:schemeClr>
+                </a:solidFill>
+                <a:latin typeface="Open Sans" panose="020B0606030504020204" pitchFamily="34" charset="0"/>
+              </a:rPr>
+              <a:t>Student student2 = new Student("Molly Mack", grades);</a:t>
+            </a:r>
+          </a:p>
+          <a:p>
+            <a:pPr marL="342900" indent="-342900">
+              <a:buFont typeface="Arial" panose="020B0604020202020204" pitchFamily="34" charset="0"/>
+              <a:buChar char="•"/>
+            </a:pPr>
+            <a:endParaRPr lang="en-US" dirty="0">
+              <a:solidFill>
+                <a:schemeClr val="tx1">
+                  <a:lumMod val="85000"/>
+                </a:schemeClr>
+              </a:solidFill>
+              <a:latin typeface="Open Sans" panose="020B0606030504020204" pitchFamily="34" charset="0"/>
+            </a:endParaRPr>
+          </a:p>
+          <a:p>
+            <a:pPr marL="342900" indent="-342900">
+              <a:buFont typeface="Arial" panose="020B0604020202020204" pitchFamily="34" charset="0"/>
+              <a:buChar char="•"/>
+            </a:pPr>
+            <a:r>
+              <a:rPr lang="en-US" dirty="0">
+                <a:solidFill>
+                  <a:schemeClr val="tx1">
+                    <a:lumMod val="85000"/>
+                  </a:schemeClr>
+                </a:solidFill>
+                <a:latin typeface="Open Sans" panose="020B0606030504020204" pitchFamily="34" charset="0"/>
+              </a:rPr>
+              <a:t>Notice that the data is exactly the same, but we are creating two distinct Objects by using the new keyword.  So, if we run the following comparisons, the results will be reflect that the student1 Object is not the same as the student2 Object, because their locations in memory are distinct.   These are Objects, not Primitive Datatypes.  The only one of the following examples that will be true is when we compare the student1.fullName to "Molly Mack" with the .equals() method.</a:t>
+            </a:r>
           </a:p>
         </p:txBody>
       </p:sp>
     </p:spTree>
     <p:extLst>
       <p:ext uri="{BB962C8B-B14F-4D97-AF65-F5344CB8AC3E}">
-        <p14:creationId xmlns:p14="http://schemas.microsoft.com/office/powerpoint/2010/main" val="3187156049"/>
+        <p14:creationId xmlns:p14="http://schemas.microsoft.com/office/powerpoint/2010/main" val="1885158462"/>
       </p:ext>
     </p:extLst>
   </p:cSld>
@@ -5643,7 +5510,7 @@
         <p:spPr>
           <a:xfrm>
             <a:off x="1669409" y="2459504"/>
-            <a:ext cx="8183202" cy="1938992"/>
+            <a:ext cx="8183202" cy="1015663"/>
           </a:xfrm>
           <a:prstGeom prst="rect">
             <a:avLst/>
@@ -5674,7 +5541,7 @@
               <a:defRPr/>
             </a:pPr>
             <a:r>
-              <a:rPr kumimoji="0" lang="en-US" sz="6000" b="0" i="0" u="none" strike="noStrike" kern="1200" cap="none" spc="0" normalizeH="0" baseline="0" noProof="0" dirty="0">
+              <a:rPr kumimoji="0" lang="en-US" sz="6000" b="0" i="0" u="none" strike="noStrike" kern="1200" cap="none" spc="0" normalizeH="0" baseline="0" noProof="0" dirty="0" err="1">
                 <a:ln>
                   <a:noFill/>
                 </a:ln>
@@ -5690,26 +5557,7 @@
                 <a:ea typeface="+mn-ea"/>
                 <a:cs typeface="+mn-cs"/>
               </a:rPr>
-              <a:t>Equality in Primitives </a:t>
-            </a:r>
-            <a:r>
-              <a:rPr kumimoji="0" lang="en-US" sz="6000" b="0" i="0" u="none" strike="noStrike" kern="1200" cap="none" spc="0" normalizeH="0" baseline="0" noProof="0">
-                <a:ln>
-                  <a:noFill/>
-                </a:ln>
-                <a:solidFill>
-                  <a:prstClr val="white">
-                    <a:lumMod val="75000"/>
-                  </a:prstClr>
-                </a:solidFill>
-                <a:effectLst/>
-                <a:uLnTx/>
-                <a:uFillTx/>
-                <a:latin typeface="Open Sans" panose="020B0606030504020204" pitchFamily="34" charset="0"/>
-                <a:ea typeface="+mn-ea"/>
-                <a:cs typeface="+mn-cs"/>
-              </a:rPr>
-              <a:t>vs Objects</a:t>
+              <a:t>JavaDoc</a:t>
             </a:r>
             <a:endParaRPr kumimoji="0" lang="en-US" sz="6000" b="0" i="0" u="none" strike="noStrike" kern="1200" cap="none" spc="0" normalizeH="0" baseline="0" noProof="0" dirty="0">
               <a:ln>
@@ -5733,7 +5581,7 @@
     </p:spTree>
     <p:extLst>
       <p:ext uri="{BB962C8B-B14F-4D97-AF65-F5344CB8AC3E}">
-        <p14:creationId xmlns:p14="http://schemas.microsoft.com/office/powerpoint/2010/main" val="2065140228"/>
+        <p14:creationId xmlns:p14="http://schemas.microsoft.com/office/powerpoint/2010/main" val="3395566764"/>
       </p:ext>
     </p:extLst>
   </p:cSld>
@@ -5790,13 +5638,13 @@
           <a:p>
             <a:pPr algn="l"/>
             <a:r>
-              <a:rPr lang="en-US" sz="2400" b="1" dirty="0">
+              <a:rPr lang="en-US" sz="2400" b="1" dirty="0" err="1">
                 <a:solidFill>
                   <a:srgbClr val="00B050"/>
                 </a:solidFill>
                 <a:latin typeface="Open Sans" panose="020B0606030504020204" pitchFamily="34" charset="0"/>
               </a:rPr>
-              <a:t>Equality in Primitives vs Objects</a:t>
+              <a:t>JavaDocs</a:t>
             </a:r>
             <a:endParaRPr lang="en-US" sz="2400" b="1" dirty="0">
               <a:solidFill>
@@ -5810,10 +5658,10 @@
       </p:sp>
       <p:sp>
         <p:nvSpPr>
-          <p:cNvPr id="5" name="TextBox 4">
+          <p:cNvPr id="4" name="TextBox 3">
             <a:extLst>
               <a:ext uri="{FF2B5EF4-FFF2-40B4-BE49-F238E27FC236}">
-                <a16:creationId xmlns:a16="http://schemas.microsoft.com/office/drawing/2014/main" id="{9DB63145-E59C-9501-8AA5-4E6AC5C0D40F}"/>
+                <a16:creationId xmlns:a16="http://schemas.microsoft.com/office/drawing/2014/main" id="{5F4890C8-248C-DE3F-EFBE-A4EB3744954C}"/>
               </a:ext>
             </a:extLst>
           </p:cNvPr>
@@ -5822,8 +5670,8 @@
         </p:nvSpPr>
         <p:spPr>
           <a:xfrm>
-            <a:off x="240935" y="539403"/>
-            <a:ext cx="11612709" cy="9510296"/>
+            <a:off x="3920195" y="6082018"/>
+            <a:ext cx="8447887" cy="400110"/>
           </a:xfrm>
           <a:prstGeom prst="rect">
             <a:avLst/>
@@ -5836,10 +5684,222 @@
           </a:bodyPr>
           <a:lstStyle/>
           <a:p>
-            <a:pPr marL="342900" indent="-342900">
-              <a:buFont typeface="Arial" panose="020B0604020202020204" pitchFamily="34" charset="0"/>
-              <a:buChar char="•"/>
-            </a:pPr>
+            <a:r>
+              <a:rPr lang="en-US" sz="2000" dirty="0">
+                <a:hlinkClick r:id="rId2"/>
+              </a:rPr>
+              <a:t>https://www.oracle.com/technical-resources/articles/java/javadoc-tool.html</a:t>
+            </a:r>
+            <a:endParaRPr lang="en-US" sz="2000" dirty="0"/>
+          </a:p>
+        </p:txBody>
+      </p:sp>
+      <p:sp>
+        <p:nvSpPr>
+          <p:cNvPr id="8" name="TextBox 7">
+            <a:extLst>
+              <a:ext uri="{FF2B5EF4-FFF2-40B4-BE49-F238E27FC236}">
+                <a16:creationId xmlns:a16="http://schemas.microsoft.com/office/drawing/2014/main" id="{C70D9D43-254A-0545-002D-C444DCDB15AD}"/>
+              </a:ext>
+            </a:extLst>
+          </p:cNvPr>
+          <p:cNvSpPr txBox="1"/>
+          <p:nvPr/>
+        </p:nvSpPr>
+        <p:spPr>
+          <a:xfrm>
+            <a:off x="341603" y="438195"/>
+            <a:ext cx="11432807" cy="2308324"/>
+          </a:xfrm>
+          <a:prstGeom prst="rect">
+            <a:avLst/>
+          </a:prstGeom>
+          <a:noFill/>
+        </p:spPr>
+        <p:txBody>
+          <a:bodyPr wrap="square">
+            <a:spAutoFit/>
+          </a:bodyPr>
+          <a:lstStyle/>
+          <a:p>
+            <a:r>
+              <a:rPr lang="en-US" b="0" i="0" dirty="0">
+                <a:solidFill>
+                  <a:schemeClr val="tx1">
+                    <a:lumMod val="85000"/>
+                  </a:schemeClr>
+                </a:solidFill>
+                <a:effectLst/>
+                <a:latin typeface="Open Sans" panose="020B0606030504020204" pitchFamily="34" charset="0"/>
+                <a:ea typeface="Open Sans" panose="020B0606030504020204" pitchFamily="34" charset="0"/>
+                <a:cs typeface="Open Sans" panose="020B0606030504020204" pitchFamily="34" charset="0"/>
+              </a:rPr>
+              <a:t>Documenting your code is crucial to help others understand it, and even to remind yourself how your own older programs work. Unfortunately, </a:t>
+            </a:r>
+            <a:r>
+              <a:rPr lang="en-US" b="0" i="0" dirty="0">
+                <a:solidFill>
+                  <a:srgbClr val="00B0F0"/>
+                </a:solidFill>
+                <a:effectLst/>
+                <a:latin typeface="Open Sans" panose="020B0606030504020204" pitchFamily="34" charset="0"/>
+                <a:ea typeface="Open Sans" panose="020B0606030504020204" pitchFamily="34" charset="0"/>
+                <a:cs typeface="Open Sans" panose="020B0606030504020204" pitchFamily="34" charset="0"/>
+              </a:rPr>
+              <a:t>it is easy for most external documentation to become out of date </a:t>
+            </a:r>
+            <a:r>
+              <a:rPr lang="en-US" b="0" i="0" dirty="0">
+                <a:solidFill>
+                  <a:schemeClr val="tx1">
+                    <a:lumMod val="85000"/>
+                  </a:schemeClr>
+                </a:solidFill>
+                <a:effectLst/>
+                <a:latin typeface="Open Sans" panose="020B0606030504020204" pitchFamily="34" charset="0"/>
+                <a:ea typeface="Open Sans" panose="020B0606030504020204" pitchFamily="34" charset="0"/>
+                <a:cs typeface="Open Sans" panose="020B0606030504020204" pitchFamily="34" charset="0"/>
+              </a:rPr>
+              <a:t>as a program changes. </a:t>
+            </a:r>
+          </a:p>
+          <a:p>
+            <a:r>
+              <a:rPr lang="en-US" b="0" i="0" dirty="0">
+                <a:solidFill>
+                  <a:schemeClr val="tx1">
+                    <a:lumMod val="85000"/>
+                  </a:schemeClr>
+                </a:solidFill>
+                <a:effectLst/>
+                <a:latin typeface="Open Sans" panose="020B0606030504020204" pitchFamily="34" charset="0"/>
+                <a:ea typeface="Open Sans" panose="020B0606030504020204" pitchFamily="34" charset="0"/>
+                <a:cs typeface="Open Sans" panose="020B0606030504020204" pitchFamily="34" charset="0"/>
+              </a:rPr>
+              <a:t>For this reason, it is useful to </a:t>
+            </a:r>
+            <a:r>
+              <a:rPr lang="en-US" b="0" i="0" dirty="0">
+                <a:solidFill>
+                  <a:srgbClr val="00B0F0"/>
+                </a:solidFill>
+                <a:effectLst/>
+                <a:latin typeface="Open Sans" panose="020B0606030504020204" pitchFamily="34" charset="0"/>
+                <a:ea typeface="Open Sans" panose="020B0606030504020204" pitchFamily="34" charset="0"/>
+                <a:cs typeface="Open Sans" panose="020B0606030504020204" pitchFamily="34" charset="0"/>
+              </a:rPr>
+              <a:t>write documentation as comments in the code itself</a:t>
+            </a:r>
+            <a:r>
+              <a:rPr lang="en-US" b="0" i="0" dirty="0">
+                <a:solidFill>
+                  <a:schemeClr val="tx1">
+                    <a:lumMod val="85000"/>
+                  </a:schemeClr>
+                </a:solidFill>
+                <a:effectLst/>
+                <a:latin typeface="Open Sans" panose="020B0606030504020204" pitchFamily="34" charset="0"/>
+                <a:ea typeface="Open Sans" panose="020B0606030504020204" pitchFamily="34" charset="0"/>
+                <a:cs typeface="Open Sans" panose="020B0606030504020204" pitchFamily="34" charset="0"/>
+              </a:rPr>
+              <a:t>, where they can be easily updated with other changes. </a:t>
+            </a:r>
+            <a:r>
+              <a:rPr lang="en-US" b="0" i="0" dirty="0">
+                <a:solidFill>
+                  <a:srgbClr val="00B0F0"/>
+                </a:solidFill>
+                <a:effectLst/>
+                <a:latin typeface="Open Sans" panose="020B0606030504020204" pitchFamily="34" charset="0"/>
+                <a:ea typeface="Open Sans" panose="020B0606030504020204" pitchFamily="34" charset="0"/>
+                <a:cs typeface="Open Sans" panose="020B0606030504020204" pitchFamily="34" charset="0"/>
+              </a:rPr>
+              <a:t>Javadoc is a documentation tool </a:t>
+            </a:r>
+            <a:r>
+              <a:rPr lang="en-US" b="0" i="0" dirty="0">
+                <a:solidFill>
+                  <a:schemeClr val="tx1">
+                    <a:lumMod val="85000"/>
+                  </a:schemeClr>
+                </a:solidFill>
+                <a:effectLst/>
+                <a:latin typeface="Open Sans" panose="020B0606030504020204" pitchFamily="34" charset="0"/>
+                <a:ea typeface="Open Sans" panose="020B0606030504020204" pitchFamily="34" charset="0"/>
+                <a:cs typeface="Open Sans" panose="020B0606030504020204" pitchFamily="34" charset="0"/>
+              </a:rPr>
+              <a:t>which defines a standard format for such comments, and which can generate HTML files to view the documentation from a web browser. (As an example, see Oracle's Javadoc documentation for the Java libraries </a:t>
+            </a:r>
+            <a:r>
+              <a:rPr lang="en-US" b="0" i="0" dirty="0">
+                <a:solidFill>
+                  <a:srgbClr val="000000"/>
+                </a:solidFill>
+                <a:effectLst/>
+                <a:latin typeface="Open Sans" panose="020B0606030504020204" pitchFamily="34" charset="0"/>
+                <a:ea typeface="Open Sans" panose="020B0606030504020204" pitchFamily="34" charset="0"/>
+                <a:cs typeface="Open Sans" panose="020B0606030504020204" pitchFamily="34" charset="0"/>
+              </a:rPr>
+              <a:t>at </a:t>
+            </a:r>
+            <a:r>
+              <a:rPr lang="en-US" b="0" i="0" dirty="0">
+                <a:effectLst/>
+                <a:latin typeface="Open Sans" panose="020B0606030504020204" pitchFamily="34" charset="0"/>
+                <a:ea typeface="Open Sans" panose="020B0606030504020204" pitchFamily="34" charset="0"/>
+                <a:cs typeface="Open Sans" panose="020B0606030504020204" pitchFamily="34" charset="0"/>
+                <a:hlinkClick r:id="rId3"/>
+              </a:rPr>
+              <a:t>http://download.oracle.com/javase/6/docs/api/</a:t>
+            </a:r>
+            <a:r>
+              <a:rPr lang="en-US" b="0" i="0" dirty="0">
+                <a:solidFill>
+                  <a:srgbClr val="000000"/>
+                </a:solidFill>
+                <a:effectLst/>
+                <a:latin typeface="Open Sans" panose="020B0606030504020204" pitchFamily="34" charset="0"/>
+                <a:ea typeface="Open Sans" panose="020B0606030504020204" pitchFamily="34" charset="0"/>
+                <a:cs typeface="Open Sans" panose="020B0606030504020204" pitchFamily="34" charset="0"/>
+              </a:rPr>
+              <a:t>.)</a:t>
+            </a:r>
+            <a:endParaRPr lang="en-US" dirty="0">
+              <a:latin typeface="Open Sans" panose="020B0606030504020204" pitchFamily="34" charset="0"/>
+              <a:ea typeface="Open Sans" panose="020B0606030504020204" pitchFamily="34" charset="0"/>
+              <a:cs typeface="Open Sans" panose="020B0606030504020204" pitchFamily="34" charset="0"/>
+            </a:endParaRPr>
+          </a:p>
+        </p:txBody>
+      </p:sp>
+      <p:sp>
+        <p:nvSpPr>
+          <p:cNvPr id="11" name="TextBox 10">
+            <a:extLst>
+              <a:ext uri="{FF2B5EF4-FFF2-40B4-BE49-F238E27FC236}">
+                <a16:creationId xmlns:a16="http://schemas.microsoft.com/office/drawing/2014/main" id="{FBFF1272-6FED-ACD0-CEF8-E11B1DD3B48B}"/>
+              </a:ext>
+            </a:extLst>
+          </p:cNvPr>
+          <p:cNvSpPr txBox="1"/>
+          <p:nvPr/>
+        </p:nvSpPr>
+        <p:spPr>
+          <a:xfrm>
+            <a:off x="341603" y="2763337"/>
+            <a:ext cx="10715087" cy="3354765"/>
+          </a:xfrm>
+          <a:prstGeom prst="rect">
+            <a:avLst/>
+          </a:prstGeom>
+          <a:noFill/>
+        </p:spPr>
+        <p:txBody>
+          <a:bodyPr wrap="square">
+            <a:spAutoFit/>
+          </a:bodyPr>
+          <a:lstStyle/>
+          <a:p>
             <a:r>
               <a:rPr lang="en-US" dirty="0">
                 <a:solidFill>
@@ -5848,29 +5908,24 @@
                   </a:schemeClr>
                 </a:solidFill>
                 <a:latin typeface="Open Sans" panose="020B0606030504020204" pitchFamily="34" charset="0"/>
-              </a:rPr>
-              <a:t>Another difference between Primitive Datatypes and Objects has to do with Equality.   The Equality Operator in Java == checks to see if two references are the same.  In other words when comparing Primitive Datatypes,  == checks to see if two values are the same.  With Primitive Datatype Equality Comparison,  == checks the in-memory value of the Primitive Datatype against the in-memory value of a different Primitive Datatype.   </a:t>
-            </a:r>
-          </a:p>
-          <a:p>
-            <a:pPr marL="342900" indent="-342900">
-              <a:buFont typeface="Arial" panose="020B0604020202020204" pitchFamily="34" charset="0"/>
-              <a:buChar char="•"/>
-            </a:pPr>
-            <a:endParaRPr lang="en-US" dirty="0">
-              <a:solidFill>
-                <a:schemeClr val="tx1">
-                  <a:lumMod val="85000"/>
-                </a:schemeClr>
-              </a:solidFill>
-              <a:latin typeface="Open Sans" panose="020B0606030504020204" pitchFamily="34" charset="0"/>
-            </a:endParaRPr>
-          </a:p>
-          <a:p>
-            <a:pPr marL="342900" indent="-342900">
-              <a:buFont typeface="Arial" panose="020B0604020202020204" pitchFamily="34" charset="0"/>
-              <a:buChar char="•"/>
-            </a:pPr>
+                <a:ea typeface="Open Sans" panose="020B0606030504020204" pitchFamily="34" charset="0"/>
+                <a:cs typeface="Open Sans" panose="020B0606030504020204" pitchFamily="34" charset="0"/>
+              </a:rPr>
+              <a:t>/** Indicates </a:t>
+            </a:r>
+            <a:r>
+              <a:rPr lang="en-US" dirty="0" err="1">
+                <a:solidFill>
+                  <a:schemeClr val="tx1">
+                    <a:lumMod val="85000"/>
+                  </a:schemeClr>
+                </a:solidFill>
+                <a:latin typeface="Open Sans" panose="020B0606030504020204" pitchFamily="34" charset="0"/>
+                <a:ea typeface="Open Sans" panose="020B0606030504020204" pitchFamily="34" charset="0"/>
+                <a:cs typeface="Open Sans" panose="020B0606030504020204" pitchFamily="34" charset="0"/>
+              </a:rPr>
+              <a:t>JavaDoc</a:t>
+            </a:r>
             <a:r>
               <a:rPr lang="en-US" dirty="0">
                 <a:solidFill>
@@ -5879,29 +5934,13 @@
                   </a:schemeClr>
                 </a:solidFill>
                 <a:latin typeface="Open Sans" panose="020B0606030504020204" pitchFamily="34" charset="0"/>
-              </a:rPr>
-              <a:t>Primitive Datatype Equality</a:t>
-            </a:r>
-          </a:p>
-          <a:p>
-            <a:pPr marL="342900" indent="-342900">
-              <a:buFont typeface="Arial" panose="020B0604020202020204" pitchFamily="34" charset="0"/>
-              <a:buChar char="•"/>
-            </a:pPr>
-            <a:endParaRPr lang="en-US" dirty="0">
-              <a:solidFill>
-                <a:schemeClr val="tx1">
-                  <a:lumMod val="85000"/>
-                </a:schemeClr>
-              </a:solidFill>
-              <a:latin typeface="Open Sans" panose="020B0606030504020204" pitchFamily="34" charset="0"/>
-            </a:endParaRPr>
-          </a:p>
-          <a:p>
-            <a:pPr marL="342900" indent="-342900">
-              <a:buFont typeface="Arial" panose="020B0604020202020204" pitchFamily="34" charset="0"/>
-              <a:buChar char="•"/>
-            </a:pPr>
+                <a:ea typeface="Open Sans" panose="020B0606030504020204" pitchFamily="34" charset="0"/>
+                <a:cs typeface="Open Sans" panose="020B0606030504020204" pitchFamily="34" charset="0"/>
+              </a:rPr>
+              <a:t> comment */</a:t>
+            </a:r>
+          </a:p>
+          <a:p>
             <a:r>
               <a:rPr lang="en-US" dirty="0">
                 <a:solidFill>
@@ -5910,8 +5949,10 @@
                   </a:schemeClr>
                 </a:solidFill>
                 <a:latin typeface="Open Sans" panose="020B0606030504020204" pitchFamily="34" charset="0"/>
-              </a:rPr>
-              <a:t>The following code declares two int variables, and compares the value.  Since these two variables are pointing to the same value, the </a:t>
+                <a:ea typeface="Open Sans" panose="020B0606030504020204" pitchFamily="34" charset="0"/>
+                <a:cs typeface="Open Sans" panose="020B0606030504020204" pitchFamily="34" charset="0"/>
+              </a:rPr>
+              <a:t>Use tags in comments to indicate </a:t>
             </a:r>
             <a:r>
               <a:rPr lang="en-US" dirty="0" err="1">
@@ -5921,8 +5962,10 @@
                   </a:schemeClr>
                 </a:solidFill>
                 <a:latin typeface="Open Sans" panose="020B0606030504020204" pitchFamily="34" charset="0"/>
-              </a:rPr>
-              <a:t>System.out.println</a:t>
+                <a:ea typeface="Open Sans" panose="020B0606030504020204" pitchFamily="34" charset="0"/>
+                <a:cs typeface="Open Sans" panose="020B0606030504020204" pitchFamily="34" charset="0"/>
+              </a:rPr>
+              <a:t>JavaDoc</a:t>
             </a:r>
             <a:r>
               <a:rPr lang="en-US" dirty="0">
@@ -5932,247 +5975,221 @@
                   </a:schemeClr>
                 </a:solidFill>
                 <a:latin typeface="Open Sans" panose="020B0606030504020204" pitchFamily="34" charset="0"/>
-              </a:rPr>
-              <a:t>() will print the following result:  age1 == age2: true</a:t>
-            </a:r>
-          </a:p>
-          <a:p>
-            <a:pPr marL="342900" indent="-342900">
-              <a:buFont typeface="Arial" panose="020B0604020202020204" pitchFamily="34" charset="0"/>
-              <a:buChar char="•"/>
-            </a:pPr>
-            <a:endParaRPr lang="en-US" dirty="0">
-              <a:solidFill>
-                <a:schemeClr val="tx1">
-                  <a:lumMod val="85000"/>
-                </a:schemeClr>
-              </a:solidFill>
-              <a:latin typeface="Open Sans" panose="020B0606030504020204" pitchFamily="34" charset="0"/>
-            </a:endParaRPr>
-          </a:p>
-          <a:p>
-            <a:pPr marL="342900" indent="-342900">
-              <a:buFont typeface="Arial" panose="020B0604020202020204" pitchFamily="34" charset="0"/>
-              <a:buChar char="•"/>
-            </a:pPr>
-            <a:r>
-              <a:rPr lang="en-US">
-                <a:solidFill>
-                  <a:schemeClr val="tx1">
-                    <a:lumMod val="85000"/>
-                  </a:schemeClr>
-                </a:solidFill>
-                <a:latin typeface="Open Sans" panose="020B0606030504020204" pitchFamily="34" charset="0"/>
-              </a:rPr>
-              <a:t>Object </a:t>
-            </a:r>
+                <a:ea typeface="Open Sans" panose="020B0606030504020204" pitchFamily="34" charset="0"/>
+                <a:cs typeface="Open Sans" panose="020B0606030504020204" pitchFamily="34" charset="0"/>
+              </a:rPr>
+              <a:t> parts</a:t>
+            </a:r>
+          </a:p>
+          <a:p>
+            <a:r>
+              <a:rPr lang="en-US" sz="1600" dirty="0">
+                <a:solidFill>
+                  <a:schemeClr val="tx1">
+                    <a:lumMod val="85000"/>
+                  </a:schemeClr>
+                </a:solidFill>
+                <a:latin typeface="Open Sans" panose="020B0606030504020204" pitchFamily="34" charset="0"/>
+                <a:ea typeface="Open Sans" panose="020B0606030504020204" pitchFamily="34" charset="0"/>
+                <a:cs typeface="Open Sans" panose="020B0606030504020204" pitchFamily="34" charset="0"/>
+              </a:rPr>
+              <a:t>@param – defines parameters for input</a:t>
+            </a:r>
+          </a:p>
+          <a:p>
+            <a:r>
+              <a:rPr lang="en-US" sz="1600" dirty="0">
+                <a:solidFill>
+                  <a:schemeClr val="tx1">
+                    <a:lumMod val="85000"/>
+                  </a:schemeClr>
+                </a:solidFill>
+                <a:latin typeface="Open Sans" panose="020B0606030504020204" pitchFamily="34" charset="0"/>
+                <a:ea typeface="Open Sans" panose="020B0606030504020204" pitchFamily="34" charset="0"/>
+                <a:cs typeface="Open Sans" panose="020B0606030504020204" pitchFamily="34" charset="0"/>
+              </a:rPr>
+              <a:t>@return – indicates what value and type are return from method call</a:t>
+            </a:r>
+          </a:p>
+          <a:p>
+            <a:r>
+              <a:rPr lang="en-US" sz="1600" dirty="0">
+                <a:solidFill>
+                  <a:schemeClr val="tx1">
+                    <a:lumMod val="85000"/>
+                  </a:schemeClr>
+                </a:solidFill>
+                <a:latin typeface="Open Sans" panose="020B0606030504020204" pitchFamily="34" charset="0"/>
+                <a:ea typeface="Open Sans" panose="020B0606030504020204" pitchFamily="34" charset="0"/>
+                <a:cs typeface="Open Sans" panose="020B0606030504020204" pitchFamily="34" charset="0"/>
+              </a:rPr>
+              <a:t>@author (classes and interfaces only, required)</a:t>
+            </a:r>
+          </a:p>
+          <a:p>
+            <a:r>
+              <a:rPr lang="en-US" sz="1600" dirty="0">
+                <a:solidFill>
+                  <a:schemeClr val="tx1">
+                    <a:lumMod val="85000"/>
+                  </a:schemeClr>
+                </a:solidFill>
+                <a:latin typeface="Open Sans" panose="020B0606030504020204" pitchFamily="34" charset="0"/>
+                <a:ea typeface="Open Sans" panose="020B0606030504020204" pitchFamily="34" charset="0"/>
+                <a:cs typeface="Open Sans" panose="020B0606030504020204" pitchFamily="34" charset="0"/>
+              </a:rPr>
+              <a:t>@version (classes and interfaces only, required. See footnote 1)</a:t>
+            </a:r>
+          </a:p>
+          <a:p>
+            <a:r>
+              <a:rPr lang="en-US" sz="1600" dirty="0">
+                <a:solidFill>
+                  <a:schemeClr val="tx1">
+                    <a:lumMod val="85000"/>
+                  </a:schemeClr>
+                </a:solidFill>
+                <a:latin typeface="Open Sans" panose="020B0606030504020204" pitchFamily="34" charset="0"/>
+                <a:ea typeface="Open Sans" panose="020B0606030504020204" pitchFamily="34" charset="0"/>
+                <a:cs typeface="Open Sans" panose="020B0606030504020204" pitchFamily="34" charset="0"/>
+              </a:rPr>
+              <a:t>@param (methods and constructors only)</a:t>
+            </a:r>
+          </a:p>
+          <a:p>
+            <a:r>
+              <a:rPr lang="en-US" sz="1600" dirty="0">
+                <a:solidFill>
+                  <a:schemeClr val="tx1">
+                    <a:lumMod val="85000"/>
+                  </a:schemeClr>
+                </a:solidFill>
+                <a:latin typeface="Open Sans" panose="020B0606030504020204" pitchFamily="34" charset="0"/>
+                <a:ea typeface="Open Sans" panose="020B0606030504020204" pitchFamily="34" charset="0"/>
+                <a:cs typeface="Open Sans" panose="020B0606030504020204" pitchFamily="34" charset="0"/>
+              </a:rPr>
+              <a:t>@return (methods only)</a:t>
+            </a:r>
+          </a:p>
+          <a:p>
+            <a:r>
+              <a:rPr lang="en-US" sz="1600" dirty="0">
+                <a:solidFill>
+                  <a:schemeClr val="tx1">
+                    <a:lumMod val="85000"/>
+                  </a:schemeClr>
+                </a:solidFill>
+                <a:latin typeface="Open Sans" panose="020B0606030504020204" pitchFamily="34" charset="0"/>
+                <a:ea typeface="Open Sans" panose="020B0606030504020204" pitchFamily="34" charset="0"/>
+                <a:cs typeface="Open Sans" panose="020B0606030504020204" pitchFamily="34" charset="0"/>
+              </a:rPr>
+              <a:t>@exception (@throws is a synonym added in Javadoc 1.2)</a:t>
+            </a:r>
+          </a:p>
+          <a:p>
+            <a:r>
+              <a:rPr lang="en-US" sz="1600" dirty="0">
+                <a:solidFill>
+                  <a:schemeClr val="tx1">
+                    <a:lumMod val="85000"/>
+                  </a:schemeClr>
+                </a:solidFill>
+                <a:latin typeface="Open Sans" panose="020B0606030504020204" pitchFamily="34" charset="0"/>
+                <a:ea typeface="Open Sans" panose="020B0606030504020204" pitchFamily="34" charset="0"/>
+                <a:cs typeface="Open Sans" panose="020B0606030504020204" pitchFamily="34" charset="0"/>
+              </a:rPr>
+              <a:t>@see</a:t>
+            </a:r>
+          </a:p>
+          <a:p>
+            <a:r>
+              <a:rPr lang="en-US" sz="1600" dirty="0">
+                <a:solidFill>
+                  <a:schemeClr val="tx1">
+                    <a:lumMod val="85000"/>
+                  </a:schemeClr>
+                </a:solidFill>
+                <a:latin typeface="Open Sans" panose="020B0606030504020204" pitchFamily="34" charset="0"/>
+                <a:ea typeface="Open Sans" panose="020B0606030504020204" pitchFamily="34" charset="0"/>
+                <a:cs typeface="Open Sans" panose="020B0606030504020204" pitchFamily="34" charset="0"/>
+              </a:rPr>
+              <a:t>@since</a:t>
+            </a:r>
+          </a:p>
+          <a:p>
+            <a:r>
+              <a:rPr lang="en-US" sz="1600" dirty="0">
+                <a:solidFill>
+                  <a:schemeClr val="tx1">
+                    <a:lumMod val="85000"/>
+                  </a:schemeClr>
+                </a:solidFill>
+                <a:latin typeface="Open Sans" panose="020B0606030504020204" pitchFamily="34" charset="0"/>
+                <a:ea typeface="Open Sans" panose="020B0606030504020204" pitchFamily="34" charset="0"/>
+                <a:cs typeface="Open Sans" panose="020B0606030504020204" pitchFamily="34" charset="0"/>
+              </a:rPr>
+              <a:t>@serial (or @serialField or @serialData)</a:t>
+            </a:r>
+          </a:p>
+          <a:p>
+            <a:r>
+              <a:rPr lang="en-US" sz="1600" dirty="0">
+                <a:solidFill>
+                  <a:schemeClr val="tx1">
+                    <a:lumMod val="85000"/>
+                  </a:schemeClr>
+                </a:solidFill>
+                <a:latin typeface="Open Sans" panose="020B0606030504020204" pitchFamily="34" charset="0"/>
+                <a:ea typeface="Open Sans" panose="020B0606030504020204" pitchFamily="34" charset="0"/>
+                <a:cs typeface="Open Sans" panose="020B0606030504020204" pitchFamily="34" charset="0"/>
+              </a:rPr>
+              <a:t>@deprecated (see How and When To Deprecate APIs)</a:t>
+            </a:r>
+          </a:p>
+        </p:txBody>
+      </p:sp>
+      <p:sp>
+        <p:nvSpPr>
+          <p:cNvPr id="13" name="TextBox 12">
+            <a:extLst>
+              <a:ext uri="{FF2B5EF4-FFF2-40B4-BE49-F238E27FC236}">
+                <a16:creationId xmlns:a16="http://schemas.microsoft.com/office/drawing/2014/main" id="{54490E19-5FDF-8610-D214-65ABB5B29ACD}"/>
+              </a:ext>
+            </a:extLst>
+          </p:cNvPr>
+          <p:cNvSpPr txBox="1"/>
+          <p:nvPr/>
+        </p:nvSpPr>
+        <p:spPr>
+          <a:xfrm>
+            <a:off x="3920195" y="6438127"/>
+            <a:ext cx="6581163" cy="369332"/>
+          </a:xfrm>
+          <a:prstGeom prst="rect">
+            <a:avLst/>
+          </a:prstGeom>
+          <a:noFill/>
+        </p:spPr>
+        <p:txBody>
+          <a:bodyPr wrap="square">
+            <a:spAutoFit/>
+          </a:bodyPr>
+          <a:lstStyle/>
+          <a:p>
             <a:r>
               <a:rPr lang="en-US" dirty="0">
-                <a:solidFill>
-                  <a:schemeClr val="tx1">
-                    <a:lumMod val="85000"/>
-                  </a:schemeClr>
-                </a:solidFill>
-                <a:latin typeface="Open Sans" panose="020B0606030504020204" pitchFamily="34" charset="0"/>
-              </a:rPr>
-              <a:t>Equality</a:t>
-            </a:r>
-          </a:p>
-          <a:p>
-            <a:pPr marL="342900" indent="-342900">
-              <a:buFont typeface="Arial" panose="020B0604020202020204" pitchFamily="34" charset="0"/>
-              <a:buChar char="•"/>
-            </a:pPr>
-            <a:endParaRPr lang="en-US" dirty="0">
-              <a:solidFill>
-                <a:schemeClr val="tx1">
-                  <a:lumMod val="85000"/>
-                </a:schemeClr>
-              </a:solidFill>
-              <a:latin typeface="Open Sans" panose="020B0606030504020204" pitchFamily="34" charset="0"/>
-            </a:endParaRPr>
-          </a:p>
-          <a:p>
-            <a:pPr marL="342900" indent="-342900">
-              <a:buFont typeface="Arial" panose="020B0604020202020204" pitchFamily="34" charset="0"/>
-              <a:buChar char="•"/>
-            </a:pPr>
-            <a:r>
-              <a:rPr lang="en-US" dirty="0">
-                <a:solidFill>
-                  <a:schemeClr val="tx1">
-                    <a:lumMod val="85000"/>
-                  </a:schemeClr>
-                </a:solidFill>
-                <a:latin typeface="Open Sans" panose="020B0606030504020204" pitchFamily="34" charset="0"/>
-              </a:rPr>
-              <a:t>Remember that when an Object is instantiated, the programmer has access to all properties and methods that are defined within that Object, through dot-notation.</a:t>
-            </a:r>
-          </a:p>
-          <a:p>
-            <a:pPr marL="342900" indent="-342900">
-              <a:buFont typeface="Arial" panose="020B0604020202020204" pitchFamily="34" charset="0"/>
-              <a:buChar char="•"/>
-            </a:pPr>
-            <a:endParaRPr lang="en-US" dirty="0">
-              <a:solidFill>
-                <a:schemeClr val="tx1">
-                  <a:lumMod val="85000"/>
-                </a:schemeClr>
-              </a:solidFill>
-              <a:latin typeface="Open Sans" panose="020B0606030504020204" pitchFamily="34" charset="0"/>
-            </a:endParaRPr>
-          </a:p>
-          <a:p>
-            <a:pPr marL="342900" indent="-342900">
-              <a:buFont typeface="Arial" panose="020B0604020202020204" pitchFamily="34" charset="0"/>
-              <a:buChar char="•"/>
-            </a:pPr>
-            <a:r>
-              <a:rPr lang="en-US" dirty="0">
-                <a:solidFill>
-                  <a:schemeClr val="tx1">
-                    <a:lumMod val="85000"/>
-                  </a:schemeClr>
-                </a:solidFill>
-                <a:latin typeface="Open Sans" panose="020B0606030504020204" pitchFamily="34" charset="0"/>
-              </a:rPr>
-              <a:t>With the declaration of a new Object, Java creates that object as its own instance in memory.  Even if two Objects are created with the same exact content, the Objects themselves will be created as two separate instances in memory.  The point here is that each instance has its own location in memory, and the location is not the same, even if the values within the fields are the same.</a:t>
-            </a:r>
-          </a:p>
-          <a:p>
-            <a:pPr marL="342900" indent="-342900">
-              <a:buFont typeface="Arial" panose="020B0604020202020204" pitchFamily="34" charset="0"/>
-              <a:buChar char="•"/>
-            </a:pPr>
-            <a:endParaRPr lang="en-US" dirty="0">
-              <a:solidFill>
-                <a:schemeClr val="tx1">
-                  <a:lumMod val="85000"/>
-                </a:schemeClr>
-              </a:solidFill>
-              <a:latin typeface="Open Sans" panose="020B0606030504020204" pitchFamily="34" charset="0"/>
-            </a:endParaRPr>
-          </a:p>
-          <a:p>
-            <a:pPr marL="342900" indent="-342900">
-              <a:buFont typeface="Arial" panose="020B0604020202020204" pitchFamily="34" charset="0"/>
-              <a:buChar char="•"/>
-            </a:pPr>
-            <a:r>
-              <a:rPr lang="en-US" dirty="0">
-                <a:solidFill>
-                  <a:schemeClr val="tx1">
-                    <a:lumMod val="85000"/>
-                  </a:schemeClr>
-                </a:solidFill>
-                <a:latin typeface="Open Sans" panose="020B0606030504020204" pitchFamily="34" charset="0"/>
-              </a:rPr>
-              <a:t>Let's look at our Grade Book Example above.   Imagine that we instantiate two students using the Student() Constructor as follows:</a:t>
-            </a:r>
-          </a:p>
-          <a:p>
-            <a:pPr marL="342900" indent="-342900">
-              <a:buFont typeface="Arial" panose="020B0604020202020204" pitchFamily="34" charset="0"/>
-              <a:buChar char="•"/>
-            </a:pPr>
-            <a:endParaRPr lang="en-US" dirty="0">
-              <a:solidFill>
-                <a:schemeClr val="tx1">
-                  <a:lumMod val="85000"/>
-                </a:schemeClr>
-              </a:solidFill>
-              <a:latin typeface="Open Sans" panose="020B0606030504020204" pitchFamily="34" charset="0"/>
-            </a:endParaRPr>
-          </a:p>
-          <a:p>
-            <a:pPr marL="342900" indent="-342900">
-              <a:buFont typeface="Arial" panose="020B0604020202020204" pitchFamily="34" charset="0"/>
-              <a:buChar char="•"/>
-            </a:pPr>
-            <a:r>
-              <a:rPr lang="en-US" dirty="0">
-                <a:solidFill>
-                  <a:schemeClr val="tx1">
-                    <a:lumMod val="85000"/>
-                  </a:schemeClr>
-                </a:solidFill>
-                <a:latin typeface="Open Sans" panose="020B0606030504020204" pitchFamily="34" charset="0"/>
-              </a:rPr>
-              <a:t>int[] grades = { 100, 100, 100 };</a:t>
-            </a:r>
-          </a:p>
-          <a:p>
-            <a:pPr marL="342900" indent="-342900">
-              <a:buFont typeface="Arial" panose="020B0604020202020204" pitchFamily="34" charset="0"/>
-              <a:buChar char="•"/>
-            </a:pPr>
-            <a:r>
-              <a:rPr lang="en-US" dirty="0">
-                <a:solidFill>
-                  <a:schemeClr val="tx1">
-                    <a:lumMod val="85000"/>
-                  </a:schemeClr>
-                </a:solidFill>
-                <a:latin typeface="Open Sans" panose="020B0606030504020204" pitchFamily="34" charset="0"/>
-              </a:rPr>
-              <a:t>Student student1 = new Student("Molly Mack", grades);</a:t>
-            </a:r>
-          </a:p>
-          <a:p>
-            <a:pPr marL="342900" indent="-342900">
-              <a:buFont typeface="Arial" panose="020B0604020202020204" pitchFamily="34" charset="0"/>
-              <a:buChar char="•"/>
-            </a:pPr>
-            <a:r>
-              <a:rPr lang="en-US" dirty="0">
-                <a:solidFill>
-                  <a:schemeClr val="tx1">
-                    <a:lumMod val="85000"/>
-                  </a:schemeClr>
-                </a:solidFill>
-                <a:latin typeface="Open Sans" panose="020B0606030504020204" pitchFamily="34" charset="0"/>
-              </a:rPr>
-              <a:t>Student student2 = new Student("Molly Mack", grades);</a:t>
-            </a:r>
-          </a:p>
-          <a:p>
-            <a:pPr marL="342900" indent="-342900">
-              <a:buFont typeface="Arial" panose="020B0604020202020204" pitchFamily="34" charset="0"/>
-              <a:buChar char="•"/>
-            </a:pPr>
-            <a:endParaRPr lang="en-US" dirty="0">
-              <a:solidFill>
-                <a:schemeClr val="tx1">
-                  <a:lumMod val="85000"/>
-                </a:schemeClr>
-              </a:solidFill>
-              <a:latin typeface="Open Sans" panose="020B0606030504020204" pitchFamily="34" charset="0"/>
-            </a:endParaRPr>
-          </a:p>
-          <a:p>
-            <a:pPr marL="342900" indent="-342900">
-              <a:buFont typeface="Arial" panose="020B0604020202020204" pitchFamily="34" charset="0"/>
-              <a:buChar char="•"/>
-            </a:pPr>
-            <a:r>
-              <a:rPr lang="en-US" dirty="0">
-                <a:solidFill>
-                  <a:schemeClr val="tx1">
-                    <a:lumMod val="85000"/>
-                  </a:schemeClr>
-                </a:solidFill>
-                <a:latin typeface="Open Sans" panose="020B0606030504020204" pitchFamily="34" charset="0"/>
-              </a:rPr>
-              <a:t>Notice that the data is exactly the same, but we are creating two distinct Objects by using the new keyword.  So, if we run the following comparisons, the results will be reflect that the student1 Object is not the same as the student2 Object, because their locations in memory are distinct.   These are Objects, not Primitive Datatypes.  The only one of the following examples that will be true is when we compare the student1.fullName to "Molly Mack" with the .equals() method.</a:t>
-            </a:r>
+                <a:hlinkClick r:id="rId4"/>
+              </a:rPr>
+              <a:t>https://docs.oracle.com/javase/6/docs/api/java/util/Scanner.html</a:t>
+            </a:r>
+            <a:endParaRPr lang="en-US" dirty="0"/>
           </a:p>
         </p:txBody>
       </p:sp>
     </p:spTree>
     <p:extLst>
       <p:ext uri="{BB962C8B-B14F-4D97-AF65-F5344CB8AC3E}">
-        <p14:creationId xmlns:p14="http://schemas.microsoft.com/office/powerpoint/2010/main" val="1885158462"/>
+        <p14:creationId xmlns:p14="http://schemas.microsoft.com/office/powerpoint/2010/main" val="3187156049"/>
       </p:ext>
     </p:extLst>
   </p:cSld>
@@ -7802,6 +7819,811 @@
           <p:cNvPr id="3" name="TextBox 2">
             <a:extLst>
               <a:ext uri="{FF2B5EF4-FFF2-40B4-BE49-F238E27FC236}">
+                <a16:creationId xmlns:a16="http://schemas.microsoft.com/office/drawing/2014/main" id="{23DFC7E9-54DD-38D7-0B9B-D34948D68CF9}"/>
+              </a:ext>
+            </a:extLst>
+          </p:cNvPr>
+          <p:cNvSpPr txBox="1"/>
+          <p:nvPr/>
+        </p:nvSpPr>
+        <p:spPr>
+          <a:xfrm>
+            <a:off x="1669409" y="2459504"/>
+            <a:ext cx="8183202" cy="1015663"/>
+          </a:xfrm>
+          <a:prstGeom prst="rect">
+            <a:avLst/>
+          </a:prstGeom>
+          <a:noFill/>
+        </p:spPr>
+        <p:txBody>
+          <a:bodyPr wrap="square">
+            <a:spAutoFit/>
+          </a:bodyPr>
+          <a:lstStyle/>
+          <a:p>
+            <a:pPr marL="0" marR="0" lvl="0" indent="0" algn="l" defTabSz="914400" rtl="0" eaLnBrk="1" fontAlgn="auto" latinLnBrk="0" hangingPunct="1">
+              <a:lnSpc>
+                <a:spcPct val="100000"/>
+              </a:lnSpc>
+              <a:spcBef>
+                <a:spcPts val="0"/>
+              </a:spcBef>
+              <a:spcAft>
+                <a:spcPts val="0"/>
+              </a:spcAft>
+              <a:buClrTx/>
+              <a:buSzTx/>
+              <a:buFontTx/>
+              <a:buNone/>
+              <a:tabLst/>
+              <a:defRPr/>
+            </a:pPr>
+            <a:r>
+              <a:rPr lang="en-US" sz="6000" dirty="0">
+                <a:solidFill>
+                  <a:prstClr val="white">
+                    <a:lumMod val="75000"/>
+                  </a:prstClr>
+                </a:solidFill>
+                <a:latin typeface="Open Sans" panose="020B0606030504020204" pitchFamily="34" charset="0"/>
+              </a:rPr>
+              <a:t>Objects</a:t>
+            </a:r>
+            <a:endParaRPr kumimoji="0" lang="en-US" sz="6000" b="0" i="0" u="none" strike="noStrike" kern="1200" cap="none" spc="0" normalizeH="0" baseline="0" noProof="0" dirty="0">
+              <a:ln>
+                <a:noFill/>
+              </a:ln>
+              <a:solidFill>
+                <a:prstClr val="white">
+                  <a:lumMod val="75000"/>
+                </a:prstClr>
+              </a:solidFill>
+              <a:effectLst/>
+              <a:uLnTx/>
+              <a:uFillTx/>
+              <a:latin typeface="Open Sans" panose="020B0606030504020204" pitchFamily="34" charset="0"/>
+              <a:ea typeface="+mn-ea"/>
+              <a:cs typeface="+mn-cs"/>
+            </a:endParaRPr>
+          </a:p>
+        </p:txBody>
+      </p:sp>
+    </p:spTree>
+    <p:extLst>
+      <p:ext uri="{BB962C8B-B14F-4D97-AF65-F5344CB8AC3E}">
+        <p14:creationId xmlns:p14="http://schemas.microsoft.com/office/powerpoint/2010/main" val="4170465764"/>
+      </p:ext>
+    </p:extLst>
+  </p:cSld>
+  <p:clrMapOvr>
+    <a:masterClrMapping/>
+  </p:clrMapOvr>
+</p:sld>
+</file>
+
+<file path=ppt/slides/slide5.xml><?xml version="1.0" encoding="utf-8"?>
+<p:sld xmlns:a="http://schemas.openxmlformats.org/drawingml/2006/main" xmlns:r="http://schemas.openxmlformats.org/officeDocument/2006/relationships" xmlns:p="http://schemas.openxmlformats.org/presentationml/2006/main">
+  <p:cSld>
+    <p:spTree>
+      <p:nvGrpSpPr>
+        <p:cNvPr id="1" name=""/>
+        <p:cNvGrpSpPr/>
+        <p:nvPr/>
+      </p:nvGrpSpPr>
+      <p:grpSpPr>
+        <a:xfrm>
+          <a:off x="0" y="0"/>
+          <a:ext cx="0" cy="0"/>
+          <a:chOff x="0" y="0"/>
+          <a:chExt cx="0" cy="0"/>
+        </a:xfrm>
+      </p:grpSpPr>
+      <p:sp>
+        <p:nvSpPr>
+          <p:cNvPr id="6" name="TextBox 5">
+            <a:extLst>
+              <a:ext uri="{FF2B5EF4-FFF2-40B4-BE49-F238E27FC236}">
+                <a16:creationId xmlns:a16="http://schemas.microsoft.com/office/drawing/2014/main" id="{59E906CD-110B-9D01-732C-2F21759B0265}"/>
+              </a:ext>
+            </a:extLst>
+          </p:cNvPr>
+          <p:cNvSpPr txBox="1"/>
+          <p:nvPr/>
+        </p:nvSpPr>
+        <p:spPr>
+          <a:xfrm>
+            <a:off x="341603" y="50541"/>
+            <a:ext cx="11449344" cy="461665"/>
+          </a:xfrm>
+          <a:prstGeom prst="rect">
+            <a:avLst/>
+          </a:prstGeom>
+          <a:noFill/>
+        </p:spPr>
+        <p:txBody>
+          <a:bodyPr wrap="square">
+            <a:spAutoFit/>
+          </a:bodyPr>
+          <a:lstStyle/>
+          <a:p>
+            <a:pPr algn="l"/>
+            <a:r>
+              <a:rPr lang="en-US" sz="2400" b="1" dirty="0">
+                <a:solidFill>
+                  <a:srgbClr val="00B050"/>
+                </a:solidFill>
+                <a:effectLst/>
+                <a:latin typeface="Open Sans" panose="020B0606030504020204" pitchFamily="34" charset="0"/>
+              </a:rPr>
+              <a:t>Primitives vs Objects</a:t>
+            </a:r>
+          </a:p>
+        </p:txBody>
+      </p:sp>
+      <p:sp>
+        <p:nvSpPr>
+          <p:cNvPr id="5" name="TextBox 4">
+            <a:extLst>
+              <a:ext uri="{FF2B5EF4-FFF2-40B4-BE49-F238E27FC236}">
+                <a16:creationId xmlns:a16="http://schemas.microsoft.com/office/drawing/2014/main" id="{9DB63145-E59C-9501-8AA5-4E6AC5C0D40F}"/>
+              </a:ext>
+            </a:extLst>
+          </p:cNvPr>
+          <p:cNvSpPr txBox="1"/>
+          <p:nvPr/>
+        </p:nvSpPr>
+        <p:spPr>
+          <a:xfrm>
+            <a:off x="341603" y="640071"/>
+            <a:ext cx="11701570" cy="6155531"/>
+          </a:xfrm>
+          <a:prstGeom prst="rect">
+            <a:avLst/>
+          </a:prstGeom>
+          <a:noFill/>
+        </p:spPr>
+        <p:txBody>
+          <a:bodyPr wrap="square">
+            <a:spAutoFit/>
+          </a:bodyPr>
+          <a:lstStyle/>
+          <a:p>
+            <a:r>
+              <a:rPr lang="en-US" dirty="0">
+                <a:solidFill>
+                  <a:schemeClr val="tx1">
+                    <a:lumMod val="85000"/>
+                  </a:schemeClr>
+                </a:solidFill>
+                <a:latin typeface="Open Sans" panose="020B0606030504020204" pitchFamily="34" charset="0"/>
+              </a:rPr>
+              <a:t>A </a:t>
+            </a:r>
+            <a:r>
+              <a:rPr lang="en-US" dirty="0">
+                <a:solidFill>
+                  <a:srgbClr val="00B0F0"/>
+                </a:solidFill>
+                <a:latin typeface="Open Sans" panose="020B0606030504020204" pitchFamily="34" charset="0"/>
+              </a:rPr>
+              <a:t>primitive</a:t>
+            </a:r>
+            <a:r>
+              <a:rPr lang="en-US" dirty="0">
+                <a:solidFill>
+                  <a:schemeClr val="tx1">
+                    <a:lumMod val="85000"/>
+                  </a:schemeClr>
+                </a:solidFill>
+                <a:latin typeface="Open Sans" panose="020B0606030504020204" pitchFamily="34" charset="0"/>
+              </a:rPr>
+              <a:t> datatype  is </a:t>
+            </a:r>
+            <a:r>
+              <a:rPr lang="en-US" dirty="0">
+                <a:solidFill>
+                  <a:srgbClr val="00B0F0"/>
+                </a:solidFill>
+                <a:latin typeface="Open Sans" panose="020B0606030504020204" pitchFamily="34" charset="0"/>
+              </a:rPr>
+              <a:t>just a piece of data and nothing more</a:t>
+            </a:r>
+            <a:r>
+              <a:rPr lang="en-US" dirty="0">
+                <a:solidFill>
+                  <a:schemeClr val="tx1">
+                    <a:lumMod val="85000"/>
+                  </a:schemeClr>
+                </a:solidFill>
+                <a:latin typeface="Open Sans" panose="020B0606030504020204" pitchFamily="34" charset="0"/>
+              </a:rPr>
+              <a:t>.  </a:t>
+            </a:r>
+          </a:p>
+          <a:p>
+            <a:endParaRPr lang="en-US" dirty="0">
+              <a:solidFill>
+                <a:schemeClr val="tx1">
+                  <a:lumMod val="85000"/>
+                </a:schemeClr>
+              </a:solidFill>
+              <a:latin typeface="Open Sans" panose="020B0606030504020204" pitchFamily="34" charset="0"/>
+            </a:endParaRPr>
+          </a:p>
+          <a:p>
+            <a:r>
+              <a:rPr lang="en-US" sz="1200" dirty="0">
+                <a:solidFill>
+                  <a:schemeClr val="tx1">
+                    <a:lumMod val="85000"/>
+                  </a:schemeClr>
+                </a:solidFill>
+                <a:latin typeface="Open Sans" panose="020B0606030504020204" pitchFamily="34" charset="0"/>
+              </a:rPr>
+              <a:t>int age = 19;</a:t>
+            </a:r>
+          </a:p>
+          <a:p>
+            <a:r>
+              <a:rPr lang="en-US" sz="1200" dirty="0" err="1">
+                <a:solidFill>
+                  <a:schemeClr val="tx1">
+                    <a:lumMod val="85000"/>
+                  </a:schemeClr>
+                </a:solidFill>
+                <a:latin typeface="Open Sans" panose="020B0606030504020204" pitchFamily="34" charset="0"/>
+              </a:rPr>
+              <a:t>System.out.println</a:t>
+            </a:r>
+            <a:r>
+              <a:rPr lang="en-US" sz="1200" dirty="0">
+                <a:solidFill>
+                  <a:schemeClr val="tx1">
+                    <a:lumMod val="85000"/>
+                  </a:schemeClr>
+                </a:solidFill>
+                <a:latin typeface="Open Sans" panose="020B0606030504020204" pitchFamily="34" charset="0"/>
+              </a:rPr>
+              <a:t>("Age is: " + age);</a:t>
+            </a:r>
+          </a:p>
+          <a:p>
+            <a:endParaRPr lang="en-US" dirty="0">
+              <a:solidFill>
+                <a:schemeClr val="tx1">
+                  <a:lumMod val="85000"/>
+                </a:schemeClr>
+              </a:solidFill>
+              <a:latin typeface="Open Sans" panose="020B0606030504020204" pitchFamily="34" charset="0"/>
+            </a:endParaRPr>
+          </a:p>
+          <a:p>
+            <a:r>
+              <a:rPr lang="en-US" dirty="0">
+                <a:solidFill>
+                  <a:schemeClr val="tx1">
+                    <a:lumMod val="85000"/>
+                  </a:schemeClr>
+                </a:solidFill>
+                <a:latin typeface="Open Sans" panose="020B0606030504020204" pitchFamily="34" charset="0"/>
+              </a:rPr>
+              <a:t>An </a:t>
+            </a:r>
+            <a:r>
+              <a:rPr lang="en-US" dirty="0">
+                <a:solidFill>
+                  <a:srgbClr val="00B0F0"/>
+                </a:solidFill>
+                <a:latin typeface="Open Sans" panose="020B0606030504020204" pitchFamily="34" charset="0"/>
+              </a:rPr>
+              <a:t>Object</a:t>
+            </a:r>
+            <a:r>
+              <a:rPr lang="en-US" dirty="0">
+                <a:solidFill>
+                  <a:schemeClr val="tx1">
+                    <a:lumMod val="85000"/>
+                  </a:schemeClr>
+                </a:solidFill>
+                <a:latin typeface="Open Sans" panose="020B0606030504020204" pitchFamily="34" charset="0"/>
+              </a:rPr>
+              <a:t> (e.g. String, Array, etc..) has a value, but there is much more.  An Object has </a:t>
+            </a:r>
+            <a:r>
+              <a:rPr lang="en-US" dirty="0">
+                <a:solidFill>
+                  <a:srgbClr val="00B0F0"/>
+                </a:solidFill>
+                <a:latin typeface="Open Sans" panose="020B0606030504020204" pitchFamily="34" charset="0"/>
+              </a:rPr>
+              <a:t>properties and methods</a:t>
+            </a:r>
+            <a:r>
+              <a:rPr lang="en-US" dirty="0">
+                <a:solidFill>
+                  <a:schemeClr val="tx1">
+                    <a:lumMod val="85000"/>
+                  </a:schemeClr>
+                </a:solidFill>
+                <a:latin typeface="Open Sans" panose="020B0606030504020204" pitchFamily="34" charset="0"/>
+              </a:rPr>
+              <a:t> which are defined on that object, and are </a:t>
+            </a:r>
+            <a:r>
+              <a:rPr lang="en-US" dirty="0">
+                <a:solidFill>
+                  <a:srgbClr val="00B0F0"/>
+                </a:solidFill>
+                <a:latin typeface="Open Sans" panose="020B0606030504020204" pitchFamily="34" charset="0"/>
+              </a:rPr>
+              <a:t>accessed via dot-notation</a:t>
+            </a:r>
+            <a:r>
+              <a:rPr lang="en-US" dirty="0">
+                <a:solidFill>
+                  <a:schemeClr val="tx1">
+                    <a:lumMod val="85000"/>
+                  </a:schemeClr>
+                </a:solidFill>
+                <a:latin typeface="Open Sans" panose="020B0606030504020204" pitchFamily="34" charset="0"/>
+              </a:rPr>
+              <a:t>.  For example, we can </a:t>
+            </a:r>
+            <a:r>
+              <a:rPr lang="en-US" dirty="0">
+                <a:solidFill>
+                  <a:srgbClr val="00B0F0"/>
+                </a:solidFill>
+                <a:latin typeface="Open Sans" panose="020B0606030504020204" pitchFamily="34" charset="0"/>
+              </a:rPr>
+              <a:t>declare a String</a:t>
+            </a:r>
+            <a:r>
+              <a:rPr lang="en-US" dirty="0">
+                <a:solidFill>
+                  <a:schemeClr val="tx1">
+                    <a:lumMod val="85000"/>
+                  </a:schemeClr>
+                </a:solidFill>
+                <a:latin typeface="Open Sans" panose="020B0606030504020204" pitchFamily="34" charset="0"/>
+              </a:rPr>
+              <a:t> name, which is an object, and use the method </a:t>
+            </a:r>
+            <a:r>
+              <a:rPr lang="en-US" dirty="0" err="1">
+                <a:solidFill>
+                  <a:srgbClr val="00B0F0"/>
+                </a:solidFill>
+                <a:latin typeface="Open Sans" panose="020B0606030504020204" pitchFamily="34" charset="0"/>
+              </a:rPr>
+              <a:t>name.length</a:t>
+            </a:r>
+            <a:r>
+              <a:rPr lang="en-US" dirty="0">
+                <a:solidFill>
+                  <a:srgbClr val="00B0F0"/>
+                </a:solidFill>
+                <a:latin typeface="Open Sans" panose="020B0606030504020204" pitchFamily="34" charset="0"/>
+              </a:rPr>
+              <a:t>()  </a:t>
+            </a:r>
+            <a:r>
+              <a:rPr lang="en-US" dirty="0">
+                <a:solidFill>
+                  <a:schemeClr val="tx1">
+                    <a:lumMod val="85000"/>
+                  </a:schemeClr>
+                </a:solidFill>
+                <a:latin typeface="Open Sans" panose="020B0606030504020204" pitchFamily="34" charset="0"/>
+              </a:rPr>
+              <a:t>to print out the length of the String stored in the variable name</a:t>
+            </a:r>
+          </a:p>
+          <a:p>
+            <a:endParaRPr lang="en-US" dirty="0">
+              <a:solidFill>
+                <a:schemeClr val="tx1">
+                  <a:lumMod val="85000"/>
+                </a:schemeClr>
+              </a:solidFill>
+              <a:latin typeface="Open Sans" panose="020B0606030504020204" pitchFamily="34" charset="0"/>
+            </a:endParaRPr>
+          </a:p>
+          <a:p>
+            <a:r>
+              <a:rPr lang="en-US" sz="1200" dirty="0">
+                <a:solidFill>
+                  <a:schemeClr val="tx1">
+                    <a:lumMod val="85000"/>
+                  </a:schemeClr>
+                </a:solidFill>
+                <a:latin typeface="Open Sans" panose="020B0606030504020204" pitchFamily="34" charset="0"/>
+              </a:rPr>
+              <a:t>String name = "Chip Brown";</a:t>
+            </a:r>
+          </a:p>
+          <a:p>
+            <a:r>
+              <a:rPr lang="en-US" sz="1200" dirty="0" err="1">
+                <a:solidFill>
+                  <a:schemeClr val="tx1">
+                    <a:lumMod val="85000"/>
+                  </a:schemeClr>
+                </a:solidFill>
+                <a:latin typeface="Open Sans" panose="020B0606030504020204" pitchFamily="34" charset="0"/>
+              </a:rPr>
+              <a:t>System.out.println</a:t>
+            </a:r>
+            <a:r>
+              <a:rPr lang="en-US" sz="1200" dirty="0">
+                <a:solidFill>
+                  <a:schemeClr val="tx1">
+                    <a:lumMod val="85000"/>
+                  </a:schemeClr>
+                </a:solidFill>
+                <a:latin typeface="Open Sans" panose="020B0606030504020204" pitchFamily="34" charset="0"/>
+              </a:rPr>
+              <a:t>("The length of name is: " + </a:t>
+            </a:r>
+            <a:r>
+              <a:rPr lang="en-US" sz="1200" dirty="0" err="1">
+                <a:solidFill>
+                  <a:schemeClr val="tx1">
+                    <a:lumMod val="85000"/>
+                  </a:schemeClr>
+                </a:solidFill>
+                <a:latin typeface="Open Sans" panose="020B0606030504020204" pitchFamily="34" charset="0"/>
+              </a:rPr>
+              <a:t>name.length</a:t>
+            </a:r>
+            <a:r>
+              <a:rPr lang="en-US" sz="1200" dirty="0">
+                <a:solidFill>
+                  <a:schemeClr val="tx1">
+                    <a:lumMod val="85000"/>
+                  </a:schemeClr>
+                </a:solidFill>
+                <a:latin typeface="Open Sans" panose="020B0606030504020204" pitchFamily="34" charset="0"/>
+              </a:rPr>
+              <a:t>());</a:t>
+            </a:r>
+          </a:p>
+          <a:p>
+            <a:endParaRPr lang="en-US" dirty="0">
+              <a:solidFill>
+                <a:schemeClr val="tx1">
+                  <a:lumMod val="85000"/>
+                </a:schemeClr>
+              </a:solidFill>
+              <a:latin typeface="Open Sans" panose="020B0606030504020204" pitchFamily="34" charset="0"/>
+            </a:endParaRPr>
+          </a:p>
+          <a:p>
+            <a:r>
+              <a:rPr lang="en-US" dirty="0">
+                <a:solidFill>
+                  <a:schemeClr val="tx1">
+                    <a:lumMod val="85000"/>
+                  </a:schemeClr>
+                </a:solidFill>
+                <a:latin typeface="Open Sans" panose="020B0606030504020204" pitchFamily="34" charset="0"/>
+              </a:rPr>
+              <a:t>The main difference between a primitive datatype and an Object is that </a:t>
+            </a:r>
+            <a:r>
+              <a:rPr lang="en-US" dirty="0">
+                <a:solidFill>
+                  <a:srgbClr val="00B0F0"/>
+                </a:solidFill>
+                <a:latin typeface="Open Sans" panose="020B0606030504020204" pitchFamily="34" charset="0"/>
+              </a:rPr>
+              <a:t>a primitive datatype does not have properties and methods defined on it</a:t>
+            </a:r>
+            <a:r>
+              <a:rPr lang="en-US" dirty="0">
+                <a:solidFill>
+                  <a:schemeClr val="tx1">
+                    <a:lumMod val="85000"/>
+                  </a:schemeClr>
+                </a:solidFill>
+                <a:latin typeface="Open Sans" panose="020B0606030504020204" pitchFamily="34" charset="0"/>
+              </a:rPr>
+              <a:t>.  </a:t>
+            </a:r>
+          </a:p>
+          <a:p>
+            <a:endParaRPr lang="en-US" dirty="0">
+              <a:solidFill>
+                <a:schemeClr val="tx1">
+                  <a:lumMod val="85000"/>
+                </a:schemeClr>
+              </a:solidFill>
+              <a:latin typeface="Open Sans" panose="020B0606030504020204" pitchFamily="34" charset="0"/>
+            </a:endParaRPr>
+          </a:p>
+          <a:p>
+            <a:r>
+              <a:rPr lang="en-US" dirty="0">
+                <a:solidFill>
+                  <a:schemeClr val="tx1">
+                    <a:lumMod val="85000"/>
+                  </a:schemeClr>
+                </a:solidFill>
+                <a:latin typeface="Open Sans" panose="020B0606030504020204" pitchFamily="34" charset="0"/>
+              </a:rPr>
+              <a:t>When creating your own Objects, you can define them as you need.  For example in our </a:t>
+            </a:r>
+            <a:r>
+              <a:rPr lang="en-US" dirty="0" err="1">
+                <a:solidFill>
+                  <a:schemeClr val="tx1">
+                    <a:lumMod val="85000"/>
+                  </a:schemeClr>
+                </a:solidFill>
+                <a:latin typeface="Open Sans" panose="020B0606030504020204" pitchFamily="34" charset="0"/>
+              </a:rPr>
+              <a:t>GradeBook</a:t>
+            </a:r>
+            <a:r>
+              <a:rPr lang="en-US" dirty="0">
+                <a:solidFill>
+                  <a:schemeClr val="tx1">
+                    <a:lumMod val="85000"/>
+                  </a:schemeClr>
+                </a:solidFill>
+                <a:latin typeface="Open Sans" panose="020B0606030504020204" pitchFamily="34" charset="0"/>
+              </a:rPr>
+              <a:t> example from the Array Section, we needed a Student Object, so we declared a Class named Student.   </a:t>
+            </a:r>
+            <a:r>
+              <a:rPr lang="en-US" dirty="0">
+                <a:solidFill>
+                  <a:srgbClr val="00B0F0"/>
+                </a:solidFill>
+                <a:latin typeface="Open Sans" panose="020B0606030504020204" pitchFamily="34" charset="0"/>
+              </a:rPr>
+              <a:t>Student has two fields: </a:t>
+            </a:r>
+            <a:r>
+              <a:rPr lang="en-US" dirty="0" err="1">
+                <a:solidFill>
+                  <a:srgbClr val="00B0F0"/>
+                </a:solidFill>
+                <a:latin typeface="Open Sans" panose="020B0606030504020204" pitchFamily="34" charset="0"/>
+              </a:rPr>
+              <a:t>fullName</a:t>
+            </a:r>
+            <a:r>
+              <a:rPr lang="en-US" dirty="0">
+                <a:solidFill>
+                  <a:srgbClr val="00B0F0"/>
+                </a:solidFill>
+                <a:latin typeface="Open Sans" panose="020B0606030504020204" pitchFamily="34" charset="0"/>
+              </a:rPr>
+              <a:t> and grades</a:t>
+            </a:r>
+            <a:r>
+              <a:rPr lang="en-US" dirty="0">
+                <a:solidFill>
+                  <a:schemeClr val="tx1">
+                    <a:lumMod val="85000"/>
+                  </a:schemeClr>
+                </a:solidFill>
+                <a:latin typeface="Open Sans" panose="020B0606030504020204" pitchFamily="34" charset="0"/>
+              </a:rPr>
+              <a:t>, a </a:t>
+            </a:r>
+            <a:r>
+              <a:rPr lang="en-US" dirty="0">
+                <a:solidFill>
+                  <a:srgbClr val="00B0F0"/>
+                </a:solidFill>
+                <a:latin typeface="Open Sans" panose="020B0606030504020204" pitchFamily="34" charset="0"/>
+              </a:rPr>
+              <a:t>Constructor named Student()</a:t>
+            </a:r>
+            <a:r>
+              <a:rPr lang="en-US" dirty="0">
+                <a:solidFill>
+                  <a:schemeClr val="tx1">
+                    <a:lumMod val="85000"/>
+                  </a:schemeClr>
+                </a:solidFill>
+                <a:latin typeface="Open Sans" panose="020B0606030504020204" pitchFamily="34" charset="0"/>
+              </a:rPr>
+              <a:t>, and a </a:t>
+            </a:r>
+            <a:r>
+              <a:rPr lang="en-US" dirty="0">
+                <a:solidFill>
+                  <a:srgbClr val="00B0F0"/>
+                </a:solidFill>
+                <a:latin typeface="Open Sans" panose="020B0606030504020204" pitchFamily="34" charset="0"/>
+              </a:rPr>
+              <a:t>method named describe()</a:t>
+            </a:r>
+            <a:r>
+              <a:rPr lang="en-US" dirty="0">
+                <a:solidFill>
+                  <a:schemeClr val="tx1">
+                    <a:lumMod val="85000"/>
+                  </a:schemeClr>
+                </a:solidFill>
+                <a:latin typeface="Open Sans" panose="020B0606030504020204" pitchFamily="34" charset="0"/>
+              </a:rPr>
+              <a:t>. </a:t>
+            </a:r>
+          </a:p>
+          <a:p>
+            <a:endParaRPr lang="en-US" dirty="0">
+              <a:solidFill>
+                <a:schemeClr val="tx1">
+                  <a:lumMod val="85000"/>
+                </a:schemeClr>
+              </a:solidFill>
+              <a:latin typeface="Open Sans" panose="020B0606030504020204" pitchFamily="34" charset="0"/>
+            </a:endParaRPr>
+          </a:p>
+          <a:p>
+            <a:r>
+              <a:rPr lang="en-US" dirty="0">
+                <a:solidFill>
+                  <a:schemeClr val="tx1">
+                    <a:lumMod val="85000"/>
+                  </a:schemeClr>
+                </a:solidFill>
+                <a:latin typeface="Open Sans" panose="020B0606030504020204" pitchFamily="34" charset="0"/>
+              </a:rPr>
+              <a:t>Additionally, you will notice that Student is a Class.  In Java, </a:t>
+            </a:r>
+            <a:r>
+              <a:rPr lang="en-US" dirty="0">
+                <a:solidFill>
+                  <a:srgbClr val="00B0F0"/>
+                </a:solidFill>
+                <a:latin typeface="Open Sans" panose="020B0606030504020204" pitchFamily="34" charset="0"/>
+              </a:rPr>
+              <a:t>a Class is the template from which an Object can be created</a:t>
+            </a:r>
+            <a:r>
+              <a:rPr lang="en-US" dirty="0">
+                <a:solidFill>
+                  <a:schemeClr val="tx1">
+                    <a:lumMod val="85000"/>
+                  </a:schemeClr>
+                </a:solidFill>
+                <a:latin typeface="Open Sans" panose="020B0606030504020204" pitchFamily="34" charset="0"/>
+              </a:rPr>
+              <a:t>, and </a:t>
+            </a:r>
+            <a:r>
+              <a:rPr lang="en-US" dirty="0">
+                <a:solidFill>
+                  <a:srgbClr val="00B0F0"/>
+                </a:solidFill>
+                <a:latin typeface="Open Sans" panose="020B0606030504020204" pitchFamily="34" charset="0"/>
+              </a:rPr>
+              <a:t>an Object is an instance of that class</a:t>
+            </a:r>
+            <a:r>
+              <a:rPr lang="en-US" dirty="0">
+                <a:solidFill>
+                  <a:schemeClr val="tx1">
+                    <a:lumMod val="85000"/>
+                  </a:schemeClr>
+                </a:solidFill>
+                <a:latin typeface="Open Sans" panose="020B0606030504020204" pitchFamily="34" charset="0"/>
+              </a:rPr>
+              <a:t>.  We use the word "</a:t>
+            </a:r>
+            <a:r>
+              <a:rPr lang="en-US" dirty="0">
+                <a:solidFill>
+                  <a:srgbClr val="00B0F0"/>
+                </a:solidFill>
+                <a:latin typeface="Open Sans" panose="020B0606030504020204" pitchFamily="34" charset="0"/>
+              </a:rPr>
+              <a:t>instantiate</a:t>
+            </a:r>
+            <a:r>
+              <a:rPr lang="en-US" dirty="0">
+                <a:solidFill>
+                  <a:schemeClr val="tx1">
+                    <a:lumMod val="85000"/>
+                  </a:schemeClr>
+                </a:solidFill>
+                <a:latin typeface="Open Sans" panose="020B0606030504020204" pitchFamily="34" charset="0"/>
+              </a:rPr>
+              <a:t>" when we describe the </a:t>
+            </a:r>
+            <a:r>
+              <a:rPr lang="en-US" dirty="0">
+                <a:solidFill>
+                  <a:srgbClr val="00B0F0"/>
+                </a:solidFill>
+                <a:latin typeface="Open Sans" panose="020B0606030504020204" pitchFamily="34" charset="0"/>
+              </a:rPr>
+              <a:t>creation of an Object from a Class </a:t>
+            </a:r>
+            <a:r>
+              <a:rPr lang="en-US" dirty="0">
+                <a:solidFill>
+                  <a:schemeClr val="tx1">
+                    <a:lumMod val="85000"/>
+                  </a:schemeClr>
+                </a:solidFill>
+                <a:latin typeface="Open Sans" panose="020B0606030504020204" pitchFamily="34" charset="0"/>
+              </a:rPr>
+              <a:t>by use of the </a:t>
+            </a:r>
+            <a:r>
+              <a:rPr lang="en-US" dirty="0">
+                <a:solidFill>
+                  <a:srgbClr val="00B0F0"/>
+                </a:solidFill>
+                <a:latin typeface="Open Sans" panose="020B0606030504020204" pitchFamily="34" charset="0"/>
+              </a:rPr>
+              <a:t>Constructor of that Class</a:t>
+            </a:r>
+            <a:r>
+              <a:rPr lang="en-US" dirty="0">
+                <a:solidFill>
+                  <a:schemeClr val="tx1">
+                    <a:lumMod val="85000"/>
+                  </a:schemeClr>
+                </a:solidFill>
+                <a:latin typeface="Open Sans" panose="020B0606030504020204" pitchFamily="34" charset="0"/>
+              </a:rPr>
+              <a:t>.</a:t>
+            </a:r>
+            <a:endParaRPr lang="en-US" b="0" i="0" dirty="0">
+              <a:solidFill>
+                <a:schemeClr val="tx1">
+                  <a:lumMod val="85000"/>
+                </a:schemeClr>
+              </a:solidFill>
+              <a:effectLst/>
+              <a:latin typeface="Open Sans" panose="020B0606030504020204" pitchFamily="34" charset="0"/>
+            </a:endParaRPr>
+          </a:p>
+        </p:txBody>
+      </p:sp>
+    </p:spTree>
+    <p:extLst>
+      <p:ext uri="{BB962C8B-B14F-4D97-AF65-F5344CB8AC3E}">
+        <p14:creationId xmlns:p14="http://schemas.microsoft.com/office/powerpoint/2010/main" val="1513494963"/>
+      </p:ext>
+    </p:extLst>
+  </p:cSld>
+  <p:clrMapOvr>
+    <a:masterClrMapping/>
+  </p:clrMapOvr>
+</p:sld>
+</file>
+
+<file path=ppt/slides/slide6.xml><?xml version="1.0" encoding="utf-8"?>
+<p:sld xmlns:a="http://schemas.openxmlformats.org/drawingml/2006/main" xmlns:r="http://schemas.openxmlformats.org/officeDocument/2006/relationships" xmlns:p="http://schemas.openxmlformats.org/presentationml/2006/main">
+  <p:cSld>
+    <p:spTree>
+      <p:nvGrpSpPr>
+        <p:cNvPr id="1" name=""/>
+        <p:cNvGrpSpPr/>
+        <p:nvPr/>
+      </p:nvGrpSpPr>
+      <p:grpSpPr>
+        <a:xfrm>
+          <a:off x="0" y="0"/>
+          <a:ext cx="0" cy="0"/>
+          <a:chOff x="0" y="0"/>
+          <a:chExt cx="0" cy="0"/>
+        </a:xfrm>
+      </p:grpSpPr>
+      <p:sp>
+        <p:nvSpPr>
+          <p:cNvPr id="3" name="TextBox 2">
+            <a:extLst>
+              <a:ext uri="{FF2B5EF4-FFF2-40B4-BE49-F238E27FC236}">
                 <a16:creationId xmlns:a16="http://schemas.microsoft.com/office/drawing/2014/main" id="{A6B2E4B2-9556-220D-A265-44C9FD951EE6}"/>
               </a:ext>
             </a:extLst>
@@ -7882,7 +8704,7 @@
                 <a:effectLst/>
                 <a:latin typeface="Open Sans" panose="020B0606030504020204" pitchFamily="34" charset="0"/>
               </a:rPr>
-              <a:t>More Arrays</a:t>
+              <a:t>More Arrays – with Objects</a:t>
             </a:r>
             <a:endParaRPr lang="en-US" sz="2400" dirty="0"/>
           </a:p>
@@ -8155,7 +8977,7 @@
 </p:sld>
 </file>
 
-<file path=ppt/slides/slide5.xml><?xml version="1.0" encoding="utf-8"?>
+<file path=ppt/slides/slide7.xml><?xml version="1.0" encoding="utf-8"?>
 <p:sld xmlns:a="http://schemas.openxmlformats.org/drawingml/2006/main" xmlns:r="http://schemas.openxmlformats.org/officeDocument/2006/relationships" xmlns:p="http://schemas.openxmlformats.org/presentationml/2006/main">
   <p:cSld>
     <p:spTree>
@@ -8252,7 +9074,7 @@
 </p:sld>
 </file>
 
-<file path=ppt/slides/slide6.xml><?xml version="1.0" encoding="utf-8"?>
+<file path=ppt/slides/slide8.xml><?xml version="1.0" encoding="utf-8"?>
 <p:sld xmlns:a="http://schemas.openxmlformats.org/drawingml/2006/main" xmlns:r="http://schemas.openxmlformats.org/officeDocument/2006/relationships" xmlns:p="http://schemas.openxmlformats.org/presentationml/2006/main">
   <p:cSld>
     <p:spTree>
@@ -9079,820 +9901,6 @@
 </p:sld>
 </file>
 
-<file path=ppt/slides/slide7.xml><?xml version="1.0" encoding="utf-8"?>
-<p:sld xmlns:a="http://schemas.openxmlformats.org/drawingml/2006/main" xmlns:r="http://schemas.openxmlformats.org/officeDocument/2006/relationships" xmlns:p="http://schemas.openxmlformats.org/presentationml/2006/main">
-  <p:cSld>
-    <p:spTree>
-      <p:nvGrpSpPr>
-        <p:cNvPr id="1" name=""/>
-        <p:cNvGrpSpPr/>
-        <p:nvPr/>
-      </p:nvGrpSpPr>
-      <p:grpSpPr>
-        <a:xfrm>
-          <a:off x="0" y="0"/>
-          <a:ext cx="0" cy="0"/>
-          <a:chOff x="0" y="0"/>
-          <a:chExt cx="0" cy="0"/>
-        </a:xfrm>
-      </p:grpSpPr>
-      <p:sp>
-        <p:nvSpPr>
-          <p:cNvPr id="3" name="TextBox 2">
-            <a:extLst>
-              <a:ext uri="{FF2B5EF4-FFF2-40B4-BE49-F238E27FC236}">
-                <a16:creationId xmlns:a16="http://schemas.microsoft.com/office/drawing/2014/main" id="{23DFC7E9-54DD-38D7-0B9B-D34948D68CF9}"/>
-              </a:ext>
-            </a:extLst>
-          </p:cNvPr>
-          <p:cNvSpPr txBox="1"/>
-          <p:nvPr/>
-        </p:nvSpPr>
-        <p:spPr>
-          <a:xfrm>
-            <a:off x="1669409" y="2459504"/>
-            <a:ext cx="8183202" cy="1015663"/>
-          </a:xfrm>
-          <a:prstGeom prst="rect">
-            <a:avLst/>
-          </a:prstGeom>
-          <a:noFill/>
-        </p:spPr>
-        <p:txBody>
-          <a:bodyPr wrap="square">
-            <a:spAutoFit/>
-          </a:bodyPr>
-          <a:lstStyle/>
-          <a:p>
-            <a:pPr marL="0" marR="0" lvl="0" indent="0" algn="l" defTabSz="914400" rtl="0" eaLnBrk="1" fontAlgn="auto" latinLnBrk="0" hangingPunct="1">
-              <a:lnSpc>
-                <a:spcPct val="100000"/>
-              </a:lnSpc>
-              <a:spcBef>
-                <a:spcPts val="0"/>
-              </a:spcBef>
-              <a:spcAft>
-                <a:spcPts val="0"/>
-              </a:spcAft>
-              <a:buClrTx/>
-              <a:buSzTx/>
-              <a:buFontTx/>
-              <a:buNone/>
-              <a:tabLst/>
-              <a:defRPr/>
-            </a:pPr>
-            <a:r>
-              <a:rPr lang="en-US" sz="6000" dirty="0">
-                <a:solidFill>
-                  <a:prstClr val="white">
-                    <a:lumMod val="75000"/>
-                  </a:prstClr>
-                </a:solidFill>
-                <a:latin typeface="Open Sans" panose="020B0606030504020204" pitchFamily="34" charset="0"/>
-              </a:rPr>
-              <a:t>Objects</a:t>
-            </a:r>
-            <a:endParaRPr kumimoji="0" lang="en-US" sz="6000" b="0" i="0" u="none" strike="noStrike" kern="1200" cap="none" spc="0" normalizeH="0" baseline="0" noProof="0" dirty="0">
-              <a:ln>
-                <a:noFill/>
-              </a:ln>
-              <a:solidFill>
-                <a:prstClr val="white">
-                  <a:lumMod val="75000"/>
-                </a:prstClr>
-              </a:solidFill>
-              <a:effectLst/>
-              <a:uLnTx/>
-              <a:uFillTx/>
-              <a:latin typeface="Open Sans" panose="020B0606030504020204" pitchFamily="34" charset="0"/>
-              <a:ea typeface="+mn-ea"/>
-              <a:cs typeface="+mn-cs"/>
-            </a:endParaRPr>
-          </a:p>
-        </p:txBody>
-      </p:sp>
-    </p:spTree>
-    <p:extLst>
-      <p:ext uri="{BB962C8B-B14F-4D97-AF65-F5344CB8AC3E}">
-        <p14:creationId xmlns:p14="http://schemas.microsoft.com/office/powerpoint/2010/main" val="4170465764"/>
-      </p:ext>
-    </p:extLst>
-  </p:cSld>
-  <p:clrMapOvr>
-    <a:masterClrMapping/>
-  </p:clrMapOvr>
-</p:sld>
-</file>
-
-<file path=ppt/slides/slide8.xml><?xml version="1.0" encoding="utf-8"?>
-<p:sld xmlns:a="http://schemas.openxmlformats.org/drawingml/2006/main" xmlns:r="http://schemas.openxmlformats.org/officeDocument/2006/relationships" xmlns:p="http://schemas.openxmlformats.org/presentationml/2006/main">
-  <p:cSld>
-    <p:spTree>
-      <p:nvGrpSpPr>
-        <p:cNvPr id="1" name=""/>
-        <p:cNvGrpSpPr/>
-        <p:nvPr/>
-      </p:nvGrpSpPr>
-      <p:grpSpPr>
-        <a:xfrm>
-          <a:off x="0" y="0"/>
-          <a:ext cx="0" cy="0"/>
-          <a:chOff x="0" y="0"/>
-          <a:chExt cx="0" cy="0"/>
-        </a:xfrm>
-      </p:grpSpPr>
-      <p:sp>
-        <p:nvSpPr>
-          <p:cNvPr id="6" name="TextBox 5">
-            <a:extLst>
-              <a:ext uri="{FF2B5EF4-FFF2-40B4-BE49-F238E27FC236}">
-                <a16:creationId xmlns:a16="http://schemas.microsoft.com/office/drawing/2014/main" id="{59E906CD-110B-9D01-732C-2F21759B0265}"/>
-              </a:ext>
-            </a:extLst>
-          </p:cNvPr>
-          <p:cNvSpPr txBox="1"/>
-          <p:nvPr/>
-        </p:nvSpPr>
-        <p:spPr>
-          <a:xfrm>
-            <a:off x="341603" y="50541"/>
-            <a:ext cx="11449344" cy="461665"/>
-          </a:xfrm>
-          <a:prstGeom prst="rect">
-            <a:avLst/>
-          </a:prstGeom>
-          <a:noFill/>
-        </p:spPr>
-        <p:txBody>
-          <a:bodyPr wrap="square">
-            <a:spAutoFit/>
-          </a:bodyPr>
-          <a:lstStyle/>
-          <a:p>
-            <a:pPr algn="l"/>
-            <a:r>
-              <a:rPr lang="en-US" sz="2400" b="1" dirty="0">
-                <a:solidFill>
-                  <a:srgbClr val="00B050"/>
-                </a:solidFill>
-                <a:effectLst/>
-                <a:latin typeface="Open Sans" panose="020B0606030504020204" pitchFamily="34" charset="0"/>
-              </a:rPr>
-              <a:t>Primitives vs Objects</a:t>
-            </a:r>
-          </a:p>
-        </p:txBody>
-      </p:sp>
-      <p:sp>
-        <p:nvSpPr>
-          <p:cNvPr id="5" name="TextBox 4">
-            <a:extLst>
-              <a:ext uri="{FF2B5EF4-FFF2-40B4-BE49-F238E27FC236}">
-                <a16:creationId xmlns:a16="http://schemas.microsoft.com/office/drawing/2014/main" id="{9DB63145-E59C-9501-8AA5-4E6AC5C0D40F}"/>
-              </a:ext>
-            </a:extLst>
-          </p:cNvPr>
-          <p:cNvSpPr txBox="1"/>
-          <p:nvPr/>
-        </p:nvSpPr>
-        <p:spPr>
-          <a:xfrm>
-            <a:off x="341603" y="640071"/>
-            <a:ext cx="11701570" cy="6155531"/>
-          </a:xfrm>
-          <a:prstGeom prst="rect">
-            <a:avLst/>
-          </a:prstGeom>
-          <a:noFill/>
-        </p:spPr>
-        <p:txBody>
-          <a:bodyPr wrap="square">
-            <a:spAutoFit/>
-          </a:bodyPr>
-          <a:lstStyle/>
-          <a:p>
-            <a:r>
-              <a:rPr lang="en-US" dirty="0">
-                <a:solidFill>
-                  <a:schemeClr val="tx1">
-                    <a:lumMod val="85000"/>
-                  </a:schemeClr>
-                </a:solidFill>
-                <a:latin typeface="Open Sans" panose="020B0606030504020204" pitchFamily="34" charset="0"/>
-              </a:rPr>
-              <a:t>A </a:t>
-            </a:r>
-            <a:r>
-              <a:rPr lang="en-US" dirty="0">
-                <a:solidFill>
-                  <a:srgbClr val="00B0F0"/>
-                </a:solidFill>
-                <a:latin typeface="Open Sans" panose="020B0606030504020204" pitchFamily="34" charset="0"/>
-              </a:rPr>
-              <a:t>primitive</a:t>
-            </a:r>
-            <a:r>
-              <a:rPr lang="en-US" dirty="0">
-                <a:solidFill>
-                  <a:schemeClr val="tx1">
-                    <a:lumMod val="85000"/>
-                  </a:schemeClr>
-                </a:solidFill>
-                <a:latin typeface="Open Sans" panose="020B0606030504020204" pitchFamily="34" charset="0"/>
-              </a:rPr>
-              <a:t> datatype  is </a:t>
-            </a:r>
-            <a:r>
-              <a:rPr lang="en-US" dirty="0">
-                <a:solidFill>
-                  <a:srgbClr val="00B0F0"/>
-                </a:solidFill>
-                <a:latin typeface="Open Sans" panose="020B0606030504020204" pitchFamily="34" charset="0"/>
-              </a:rPr>
-              <a:t>just a piece of data and nothing more</a:t>
-            </a:r>
-            <a:r>
-              <a:rPr lang="en-US" dirty="0">
-                <a:solidFill>
-                  <a:schemeClr val="tx1">
-                    <a:lumMod val="85000"/>
-                  </a:schemeClr>
-                </a:solidFill>
-                <a:latin typeface="Open Sans" panose="020B0606030504020204" pitchFamily="34" charset="0"/>
-              </a:rPr>
-              <a:t>.  </a:t>
-            </a:r>
-          </a:p>
-          <a:p>
-            <a:endParaRPr lang="en-US" dirty="0">
-              <a:solidFill>
-                <a:schemeClr val="tx1">
-                  <a:lumMod val="85000"/>
-                </a:schemeClr>
-              </a:solidFill>
-              <a:latin typeface="Open Sans" panose="020B0606030504020204" pitchFamily="34" charset="0"/>
-            </a:endParaRPr>
-          </a:p>
-          <a:p>
-            <a:r>
-              <a:rPr lang="en-US" sz="1200" dirty="0">
-                <a:solidFill>
-                  <a:schemeClr val="tx1">
-                    <a:lumMod val="85000"/>
-                  </a:schemeClr>
-                </a:solidFill>
-                <a:latin typeface="Open Sans" panose="020B0606030504020204" pitchFamily="34" charset="0"/>
-              </a:rPr>
-              <a:t>int age = 19;</a:t>
-            </a:r>
-          </a:p>
-          <a:p>
-            <a:r>
-              <a:rPr lang="en-US" sz="1200" dirty="0" err="1">
-                <a:solidFill>
-                  <a:schemeClr val="tx1">
-                    <a:lumMod val="85000"/>
-                  </a:schemeClr>
-                </a:solidFill>
-                <a:latin typeface="Open Sans" panose="020B0606030504020204" pitchFamily="34" charset="0"/>
-              </a:rPr>
-              <a:t>System.out.println</a:t>
-            </a:r>
-            <a:r>
-              <a:rPr lang="en-US" sz="1200" dirty="0">
-                <a:solidFill>
-                  <a:schemeClr val="tx1">
-                    <a:lumMod val="85000"/>
-                  </a:schemeClr>
-                </a:solidFill>
-                <a:latin typeface="Open Sans" panose="020B0606030504020204" pitchFamily="34" charset="0"/>
-              </a:rPr>
-              <a:t>("Age is: " + age);</a:t>
-            </a:r>
-          </a:p>
-          <a:p>
-            <a:endParaRPr lang="en-US" dirty="0">
-              <a:solidFill>
-                <a:schemeClr val="tx1">
-                  <a:lumMod val="85000"/>
-                </a:schemeClr>
-              </a:solidFill>
-              <a:latin typeface="Open Sans" panose="020B0606030504020204" pitchFamily="34" charset="0"/>
-            </a:endParaRPr>
-          </a:p>
-          <a:p>
-            <a:r>
-              <a:rPr lang="en-US" dirty="0">
-                <a:solidFill>
-                  <a:schemeClr val="tx1">
-                    <a:lumMod val="85000"/>
-                  </a:schemeClr>
-                </a:solidFill>
-                <a:latin typeface="Open Sans" panose="020B0606030504020204" pitchFamily="34" charset="0"/>
-              </a:rPr>
-              <a:t>An </a:t>
-            </a:r>
-            <a:r>
-              <a:rPr lang="en-US" dirty="0">
-                <a:solidFill>
-                  <a:srgbClr val="00B0F0"/>
-                </a:solidFill>
-                <a:latin typeface="Open Sans" panose="020B0606030504020204" pitchFamily="34" charset="0"/>
-              </a:rPr>
-              <a:t>Object</a:t>
-            </a:r>
-            <a:r>
-              <a:rPr lang="en-US" dirty="0">
-                <a:solidFill>
-                  <a:schemeClr val="tx1">
-                    <a:lumMod val="85000"/>
-                  </a:schemeClr>
-                </a:solidFill>
-                <a:latin typeface="Open Sans" panose="020B0606030504020204" pitchFamily="34" charset="0"/>
-              </a:rPr>
-              <a:t> (e.g. String, Array, etc..) has a value, but there is much more.  An Object has </a:t>
-            </a:r>
-            <a:r>
-              <a:rPr lang="en-US" dirty="0">
-                <a:solidFill>
-                  <a:srgbClr val="00B0F0"/>
-                </a:solidFill>
-                <a:latin typeface="Open Sans" panose="020B0606030504020204" pitchFamily="34" charset="0"/>
-              </a:rPr>
-              <a:t>properties and methods</a:t>
-            </a:r>
-            <a:r>
-              <a:rPr lang="en-US" dirty="0">
-                <a:solidFill>
-                  <a:schemeClr val="tx1">
-                    <a:lumMod val="85000"/>
-                  </a:schemeClr>
-                </a:solidFill>
-                <a:latin typeface="Open Sans" panose="020B0606030504020204" pitchFamily="34" charset="0"/>
-              </a:rPr>
-              <a:t> which are defined on that object, and are </a:t>
-            </a:r>
-            <a:r>
-              <a:rPr lang="en-US" dirty="0">
-                <a:solidFill>
-                  <a:srgbClr val="00B0F0"/>
-                </a:solidFill>
-                <a:latin typeface="Open Sans" panose="020B0606030504020204" pitchFamily="34" charset="0"/>
-              </a:rPr>
-              <a:t>accessed via dot-notation</a:t>
-            </a:r>
-            <a:r>
-              <a:rPr lang="en-US" dirty="0">
-                <a:solidFill>
-                  <a:schemeClr val="tx1">
-                    <a:lumMod val="85000"/>
-                  </a:schemeClr>
-                </a:solidFill>
-                <a:latin typeface="Open Sans" panose="020B0606030504020204" pitchFamily="34" charset="0"/>
-              </a:rPr>
-              <a:t>.  For example, we can </a:t>
-            </a:r>
-            <a:r>
-              <a:rPr lang="en-US" dirty="0">
-                <a:solidFill>
-                  <a:srgbClr val="00B0F0"/>
-                </a:solidFill>
-                <a:latin typeface="Open Sans" panose="020B0606030504020204" pitchFamily="34" charset="0"/>
-              </a:rPr>
-              <a:t>declare a String</a:t>
-            </a:r>
-            <a:r>
-              <a:rPr lang="en-US" dirty="0">
-                <a:solidFill>
-                  <a:schemeClr val="tx1">
-                    <a:lumMod val="85000"/>
-                  </a:schemeClr>
-                </a:solidFill>
-                <a:latin typeface="Open Sans" panose="020B0606030504020204" pitchFamily="34" charset="0"/>
-              </a:rPr>
-              <a:t> name, which is an object, and use the method </a:t>
-            </a:r>
-            <a:r>
-              <a:rPr lang="en-US" dirty="0" err="1">
-                <a:solidFill>
-                  <a:srgbClr val="00B0F0"/>
-                </a:solidFill>
-                <a:latin typeface="Open Sans" panose="020B0606030504020204" pitchFamily="34" charset="0"/>
-              </a:rPr>
-              <a:t>name.length</a:t>
-            </a:r>
-            <a:r>
-              <a:rPr lang="en-US" dirty="0">
-                <a:solidFill>
-                  <a:srgbClr val="00B0F0"/>
-                </a:solidFill>
-                <a:latin typeface="Open Sans" panose="020B0606030504020204" pitchFamily="34" charset="0"/>
-              </a:rPr>
-              <a:t>()  </a:t>
-            </a:r>
-            <a:r>
-              <a:rPr lang="en-US" dirty="0">
-                <a:solidFill>
-                  <a:schemeClr val="tx1">
-                    <a:lumMod val="85000"/>
-                  </a:schemeClr>
-                </a:solidFill>
-                <a:latin typeface="Open Sans" panose="020B0606030504020204" pitchFamily="34" charset="0"/>
-              </a:rPr>
-              <a:t>to print out the length of the String stored in the variable name</a:t>
-            </a:r>
-          </a:p>
-          <a:p>
-            <a:endParaRPr lang="en-US" dirty="0">
-              <a:solidFill>
-                <a:schemeClr val="tx1">
-                  <a:lumMod val="85000"/>
-                </a:schemeClr>
-              </a:solidFill>
-              <a:latin typeface="Open Sans" panose="020B0606030504020204" pitchFamily="34" charset="0"/>
-            </a:endParaRPr>
-          </a:p>
-          <a:p>
-            <a:r>
-              <a:rPr lang="en-US" sz="1200" dirty="0">
-                <a:solidFill>
-                  <a:schemeClr val="tx1">
-                    <a:lumMod val="85000"/>
-                  </a:schemeClr>
-                </a:solidFill>
-                <a:latin typeface="Open Sans" panose="020B0606030504020204" pitchFamily="34" charset="0"/>
-              </a:rPr>
-              <a:t>String name = "Chip Brown";</a:t>
-            </a:r>
-          </a:p>
-          <a:p>
-            <a:r>
-              <a:rPr lang="en-US" sz="1200" dirty="0" err="1">
-                <a:solidFill>
-                  <a:schemeClr val="tx1">
-                    <a:lumMod val="85000"/>
-                  </a:schemeClr>
-                </a:solidFill>
-                <a:latin typeface="Open Sans" panose="020B0606030504020204" pitchFamily="34" charset="0"/>
-              </a:rPr>
-              <a:t>System.out.println</a:t>
-            </a:r>
-            <a:r>
-              <a:rPr lang="en-US" sz="1200" dirty="0">
-                <a:solidFill>
-                  <a:schemeClr val="tx1">
-                    <a:lumMod val="85000"/>
-                  </a:schemeClr>
-                </a:solidFill>
-                <a:latin typeface="Open Sans" panose="020B0606030504020204" pitchFamily="34" charset="0"/>
-              </a:rPr>
-              <a:t>("The length of name is: " + </a:t>
-            </a:r>
-            <a:r>
-              <a:rPr lang="en-US" sz="1200" dirty="0" err="1">
-                <a:solidFill>
-                  <a:schemeClr val="tx1">
-                    <a:lumMod val="85000"/>
-                  </a:schemeClr>
-                </a:solidFill>
-                <a:latin typeface="Open Sans" panose="020B0606030504020204" pitchFamily="34" charset="0"/>
-              </a:rPr>
-              <a:t>name.length</a:t>
-            </a:r>
-            <a:r>
-              <a:rPr lang="en-US" sz="1200" dirty="0">
-                <a:solidFill>
-                  <a:schemeClr val="tx1">
-                    <a:lumMod val="85000"/>
-                  </a:schemeClr>
-                </a:solidFill>
-                <a:latin typeface="Open Sans" panose="020B0606030504020204" pitchFamily="34" charset="0"/>
-              </a:rPr>
-              <a:t>());</a:t>
-            </a:r>
-          </a:p>
-          <a:p>
-            <a:endParaRPr lang="en-US" dirty="0">
-              <a:solidFill>
-                <a:schemeClr val="tx1">
-                  <a:lumMod val="85000"/>
-                </a:schemeClr>
-              </a:solidFill>
-              <a:latin typeface="Open Sans" panose="020B0606030504020204" pitchFamily="34" charset="0"/>
-            </a:endParaRPr>
-          </a:p>
-          <a:p>
-            <a:r>
-              <a:rPr lang="en-US" dirty="0">
-                <a:solidFill>
-                  <a:schemeClr val="tx1">
-                    <a:lumMod val="85000"/>
-                  </a:schemeClr>
-                </a:solidFill>
-                <a:latin typeface="Open Sans" panose="020B0606030504020204" pitchFamily="34" charset="0"/>
-              </a:rPr>
-              <a:t>The main difference between a primitive datatype and an Object is that </a:t>
-            </a:r>
-            <a:r>
-              <a:rPr lang="en-US" dirty="0">
-                <a:solidFill>
-                  <a:srgbClr val="00B0F0"/>
-                </a:solidFill>
-                <a:latin typeface="Open Sans" panose="020B0606030504020204" pitchFamily="34" charset="0"/>
-              </a:rPr>
-              <a:t>a primitive datatype does not have properties and methods defined on it</a:t>
-            </a:r>
-            <a:r>
-              <a:rPr lang="en-US" dirty="0">
-                <a:solidFill>
-                  <a:schemeClr val="tx1">
-                    <a:lumMod val="85000"/>
-                  </a:schemeClr>
-                </a:solidFill>
-                <a:latin typeface="Open Sans" panose="020B0606030504020204" pitchFamily="34" charset="0"/>
-              </a:rPr>
-              <a:t>.  </a:t>
-            </a:r>
-          </a:p>
-          <a:p>
-            <a:endParaRPr lang="en-US" dirty="0">
-              <a:solidFill>
-                <a:schemeClr val="tx1">
-                  <a:lumMod val="85000"/>
-                </a:schemeClr>
-              </a:solidFill>
-              <a:latin typeface="Open Sans" panose="020B0606030504020204" pitchFamily="34" charset="0"/>
-            </a:endParaRPr>
-          </a:p>
-          <a:p>
-            <a:r>
-              <a:rPr lang="en-US" dirty="0">
-                <a:solidFill>
-                  <a:schemeClr val="tx1">
-                    <a:lumMod val="85000"/>
-                  </a:schemeClr>
-                </a:solidFill>
-                <a:latin typeface="Open Sans" panose="020B0606030504020204" pitchFamily="34" charset="0"/>
-              </a:rPr>
-              <a:t>When creating your own Objects, you can define them as you need.  For example in our </a:t>
-            </a:r>
-            <a:r>
-              <a:rPr lang="en-US" dirty="0" err="1">
-                <a:solidFill>
-                  <a:schemeClr val="tx1">
-                    <a:lumMod val="85000"/>
-                  </a:schemeClr>
-                </a:solidFill>
-                <a:latin typeface="Open Sans" panose="020B0606030504020204" pitchFamily="34" charset="0"/>
-              </a:rPr>
-              <a:t>GradeBook</a:t>
-            </a:r>
-            <a:r>
-              <a:rPr lang="en-US" dirty="0">
-                <a:solidFill>
-                  <a:schemeClr val="tx1">
-                    <a:lumMod val="85000"/>
-                  </a:schemeClr>
-                </a:solidFill>
-                <a:latin typeface="Open Sans" panose="020B0606030504020204" pitchFamily="34" charset="0"/>
-              </a:rPr>
-              <a:t> example from the Array Section, we needed a Student Object, so we declared a Class named Student.   </a:t>
-            </a:r>
-            <a:r>
-              <a:rPr lang="en-US" dirty="0">
-                <a:solidFill>
-                  <a:srgbClr val="00B0F0"/>
-                </a:solidFill>
-                <a:latin typeface="Open Sans" panose="020B0606030504020204" pitchFamily="34" charset="0"/>
-              </a:rPr>
-              <a:t>Student has two fields: </a:t>
-            </a:r>
-            <a:r>
-              <a:rPr lang="en-US" dirty="0" err="1">
-                <a:solidFill>
-                  <a:srgbClr val="00B0F0"/>
-                </a:solidFill>
-                <a:latin typeface="Open Sans" panose="020B0606030504020204" pitchFamily="34" charset="0"/>
-              </a:rPr>
-              <a:t>fullName</a:t>
-            </a:r>
-            <a:r>
-              <a:rPr lang="en-US" dirty="0">
-                <a:solidFill>
-                  <a:srgbClr val="00B0F0"/>
-                </a:solidFill>
-                <a:latin typeface="Open Sans" panose="020B0606030504020204" pitchFamily="34" charset="0"/>
-              </a:rPr>
-              <a:t> and grades</a:t>
-            </a:r>
-            <a:r>
-              <a:rPr lang="en-US" dirty="0">
-                <a:solidFill>
-                  <a:schemeClr val="tx1">
-                    <a:lumMod val="85000"/>
-                  </a:schemeClr>
-                </a:solidFill>
-                <a:latin typeface="Open Sans" panose="020B0606030504020204" pitchFamily="34" charset="0"/>
-              </a:rPr>
-              <a:t>, a </a:t>
-            </a:r>
-            <a:r>
-              <a:rPr lang="en-US" dirty="0">
-                <a:solidFill>
-                  <a:srgbClr val="00B0F0"/>
-                </a:solidFill>
-                <a:latin typeface="Open Sans" panose="020B0606030504020204" pitchFamily="34" charset="0"/>
-              </a:rPr>
-              <a:t>Constructor named Student()</a:t>
-            </a:r>
-            <a:r>
-              <a:rPr lang="en-US" dirty="0">
-                <a:solidFill>
-                  <a:schemeClr val="tx1">
-                    <a:lumMod val="85000"/>
-                  </a:schemeClr>
-                </a:solidFill>
-                <a:latin typeface="Open Sans" panose="020B0606030504020204" pitchFamily="34" charset="0"/>
-              </a:rPr>
-              <a:t>, and a </a:t>
-            </a:r>
-            <a:r>
-              <a:rPr lang="en-US" dirty="0">
-                <a:solidFill>
-                  <a:srgbClr val="00B0F0"/>
-                </a:solidFill>
-                <a:latin typeface="Open Sans" panose="020B0606030504020204" pitchFamily="34" charset="0"/>
-              </a:rPr>
-              <a:t>method named describe()</a:t>
-            </a:r>
-            <a:r>
-              <a:rPr lang="en-US" dirty="0">
-                <a:solidFill>
-                  <a:schemeClr val="tx1">
-                    <a:lumMod val="85000"/>
-                  </a:schemeClr>
-                </a:solidFill>
-                <a:latin typeface="Open Sans" panose="020B0606030504020204" pitchFamily="34" charset="0"/>
-              </a:rPr>
-              <a:t>. </a:t>
-            </a:r>
-          </a:p>
-          <a:p>
-            <a:endParaRPr lang="en-US" dirty="0">
-              <a:solidFill>
-                <a:schemeClr val="tx1">
-                  <a:lumMod val="85000"/>
-                </a:schemeClr>
-              </a:solidFill>
-              <a:latin typeface="Open Sans" panose="020B0606030504020204" pitchFamily="34" charset="0"/>
-            </a:endParaRPr>
-          </a:p>
-          <a:p>
-            <a:r>
-              <a:rPr lang="en-US" dirty="0">
-                <a:solidFill>
-                  <a:schemeClr val="tx1">
-                    <a:lumMod val="85000"/>
-                  </a:schemeClr>
-                </a:solidFill>
-                <a:latin typeface="Open Sans" panose="020B0606030504020204" pitchFamily="34" charset="0"/>
-              </a:rPr>
-              <a:t>Additionally, you will notice that Student is a Class.  In Java, </a:t>
-            </a:r>
-            <a:r>
-              <a:rPr lang="en-US" dirty="0">
-                <a:solidFill>
-                  <a:srgbClr val="00B0F0"/>
-                </a:solidFill>
-                <a:latin typeface="Open Sans" panose="020B0606030504020204" pitchFamily="34" charset="0"/>
-              </a:rPr>
-              <a:t>a Class is the template from which an Object can be created</a:t>
-            </a:r>
-            <a:r>
-              <a:rPr lang="en-US" dirty="0">
-                <a:solidFill>
-                  <a:schemeClr val="tx1">
-                    <a:lumMod val="85000"/>
-                  </a:schemeClr>
-                </a:solidFill>
-                <a:latin typeface="Open Sans" panose="020B0606030504020204" pitchFamily="34" charset="0"/>
-              </a:rPr>
-              <a:t>, and </a:t>
-            </a:r>
-            <a:r>
-              <a:rPr lang="en-US" dirty="0">
-                <a:solidFill>
-                  <a:srgbClr val="00B0F0"/>
-                </a:solidFill>
-                <a:latin typeface="Open Sans" panose="020B0606030504020204" pitchFamily="34" charset="0"/>
-              </a:rPr>
-              <a:t>an Object is an instance of that class</a:t>
-            </a:r>
-            <a:r>
-              <a:rPr lang="en-US" dirty="0">
-                <a:solidFill>
-                  <a:schemeClr val="tx1">
-                    <a:lumMod val="85000"/>
-                  </a:schemeClr>
-                </a:solidFill>
-                <a:latin typeface="Open Sans" panose="020B0606030504020204" pitchFamily="34" charset="0"/>
-              </a:rPr>
-              <a:t>.  We use the word "</a:t>
-            </a:r>
-            <a:r>
-              <a:rPr lang="en-US" dirty="0">
-                <a:solidFill>
-                  <a:srgbClr val="00B0F0"/>
-                </a:solidFill>
-                <a:latin typeface="Open Sans" panose="020B0606030504020204" pitchFamily="34" charset="0"/>
-              </a:rPr>
-              <a:t>instantiate</a:t>
-            </a:r>
-            <a:r>
-              <a:rPr lang="en-US" dirty="0">
-                <a:solidFill>
-                  <a:schemeClr val="tx1">
-                    <a:lumMod val="85000"/>
-                  </a:schemeClr>
-                </a:solidFill>
-                <a:latin typeface="Open Sans" panose="020B0606030504020204" pitchFamily="34" charset="0"/>
-              </a:rPr>
-              <a:t>" when we describe the </a:t>
-            </a:r>
-            <a:r>
-              <a:rPr lang="en-US" dirty="0">
-                <a:solidFill>
-                  <a:srgbClr val="00B0F0"/>
-                </a:solidFill>
-                <a:latin typeface="Open Sans" panose="020B0606030504020204" pitchFamily="34" charset="0"/>
-              </a:rPr>
-              <a:t>creation of an Object from a Class </a:t>
-            </a:r>
-            <a:r>
-              <a:rPr lang="en-US" dirty="0">
-                <a:solidFill>
-                  <a:schemeClr val="tx1">
-                    <a:lumMod val="85000"/>
-                  </a:schemeClr>
-                </a:solidFill>
-                <a:latin typeface="Open Sans" panose="020B0606030504020204" pitchFamily="34" charset="0"/>
-              </a:rPr>
-              <a:t>by use of the </a:t>
-            </a:r>
-            <a:r>
-              <a:rPr lang="en-US" dirty="0" err="1">
-                <a:solidFill>
-                  <a:srgbClr val="00B0F0"/>
-                </a:solidFill>
-                <a:latin typeface="Open Sans" panose="020B0606030504020204" pitchFamily="34" charset="0"/>
-              </a:rPr>
-              <a:t>Contructor</a:t>
-            </a:r>
-            <a:r>
-              <a:rPr lang="en-US" dirty="0">
-                <a:solidFill>
-                  <a:srgbClr val="00B0F0"/>
-                </a:solidFill>
-                <a:latin typeface="Open Sans" panose="020B0606030504020204" pitchFamily="34" charset="0"/>
-              </a:rPr>
-              <a:t> of that Class</a:t>
-            </a:r>
-            <a:r>
-              <a:rPr lang="en-US" dirty="0">
-                <a:solidFill>
-                  <a:schemeClr val="tx1">
-                    <a:lumMod val="85000"/>
-                  </a:schemeClr>
-                </a:solidFill>
-                <a:latin typeface="Open Sans" panose="020B0606030504020204" pitchFamily="34" charset="0"/>
-              </a:rPr>
-              <a:t>.</a:t>
-            </a:r>
-            <a:endParaRPr lang="en-US" b="0" i="0" dirty="0">
-              <a:solidFill>
-                <a:schemeClr val="tx1">
-                  <a:lumMod val="85000"/>
-                </a:schemeClr>
-              </a:solidFill>
-              <a:effectLst/>
-              <a:latin typeface="Open Sans" panose="020B0606030504020204" pitchFamily="34" charset="0"/>
-            </a:endParaRPr>
-          </a:p>
-        </p:txBody>
-      </p:sp>
-    </p:spTree>
-    <p:extLst>
-      <p:ext uri="{BB962C8B-B14F-4D97-AF65-F5344CB8AC3E}">
-        <p14:creationId xmlns:p14="http://schemas.microsoft.com/office/powerpoint/2010/main" val="1513494963"/>
-      </p:ext>
-    </p:extLst>
-  </p:cSld>
-  <p:clrMapOvr>
-    <a:masterClrMapping/>
-  </p:clrMapOvr>
-</p:sld>
-</file>
-
 <file path=ppt/slides/slide9.xml><?xml version="1.0" encoding="utf-8"?>
 <p:sld xmlns:a="http://schemas.openxmlformats.org/drawingml/2006/main" xmlns:r="http://schemas.openxmlformats.org/officeDocument/2006/relationships" xmlns:p="http://schemas.openxmlformats.org/presentationml/2006/main">
   <p:cSld>
@@ -9925,7 +9933,7 @@
         <p:spPr>
           <a:xfrm>
             <a:off x="1669409" y="2459504"/>
-            <a:ext cx="8183202" cy="1015663"/>
+            <a:ext cx="8183202" cy="1938992"/>
           </a:xfrm>
           <a:prstGeom prst="rect">
             <a:avLst/>
@@ -9956,7 +9964,7 @@
               <a:defRPr/>
             </a:pPr>
             <a:r>
-              <a:rPr kumimoji="0" lang="en-US" sz="6000" b="0" i="0" u="none" strike="noStrike" kern="1200" cap="none" spc="0" normalizeH="0" baseline="0" noProof="0" dirty="0" err="1">
+              <a:rPr kumimoji="0" lang="en-US" sz="6000" b="0" i="0" u="none" strike="noStrike" kern="1200" cap="none" spc="0" normalizeH="0" baseline="0" noProof="0" dirty="0">
                 <a:ln>
                   <a:noFill/>
                 </a:ln>
@@ -9972,7 +9980,26 @@
                 <a:ea typeface="+mn-ea"/>
                 <a:cs typeface="+mn-cs"/>
               </a:rPr>
-              <a:t>JavaDocs</a:t>
+              <a:t>Equality in Primitives </a:t>
+            </a:r>
+            <a:r>
+              <a:rPr kumimoji="0" lang="en-US" sz="6000" b="0" i="0" u="none" strike="noStrike" kern="1200" cap="none" spc="0" normalizeH="0" baseline="0" noProof="0">
+                <a:ln>
+                  <a:noFill/>
+                </a:ln>
+                <a:solidFill>
+                  <a:prstClr val="white">
+                    <a:lumMod val="75000"/>
+                  </a:prstClr>
+                </a:solidFill>
+                <a:effectLst/>
+                <a:uLnTx/>
+                <a:uFillTx/>
+                <a:latin typeface="Open Sans" panose="020B0606030504020204" pitchFamily="34" charset="0"/>
+                <a:ea typeface="+mn-ea"/>
+                <a:cs typeface="+mn-cs"/>
+              </a:rPr>
+              <a:t>vs Objects</a:t>
             </a:r>
             <a:endParaRPr kumimoji="0" lang="en-US" sz="6000" b="0" i="0" u="none" strike="noStrike" kern="1200" cap="none" spc="0" normalizeH="0" baseline="0" noProof="0" dirty="0">
               <a:ln>
@@ -9996,7 +10023,7 @@
     </p:spTree>
     <p:extLst>
       <p:ext uri="{BB962C8B-B14F-4D97-AF65-F5344CB8AC3E}">
-        <p14:creationId xmlns:p14="http://schemas.microsoft.com/office/powerpoint/2010/main" val="3395566764"/>
+        <p14:creationId xmlns:p14="http://schemas.microsoft.com/office/powerpoint/2010/main" val="2065140228"/>
       </p:ext>
     </p:extLst>
   </p:cSld>

--- a/Week3/BESD Week 3.pptx
+++ b/Week3/BESD Week 3.pptx
@@ -8,11 +8,11 @@
     <p:sldId id="263" r:id="rId2"/>
     <p:sldId id="264" r:id="rId3"/>
     <p:sldId id="256" r:id="rId4"/>
-    <p:sldId id="274" r:id="rId5"/>
-    <p:sldId id="275" r:id="rId6"/>
-    <p:sldId id="285" r:id="rId7"/>
-    <p:sldId id="265" r:id="rId8"/>
-    <p:sldId id="278" r:id="rId9"/>
+    <p:sldId id="265" r:id="rId5"/>
+    <p:sldId id="278" r:id="rId6"/>
+    <p:sldId id="274" r:id="rId7"/>
+    <p:sldId id="275" r:id="rId8"/>
+    <p:sldId id="285" r:id="rId9"/>
     <p:sldId id="282" r:id="rId10"/>
     <p:sldId id="283" r:id="rId11"/>
     <p:sldId id="280" r:id="rId12"/>
@@ -849,6 +849,59 @@
     </pc:docChg>
   </pc:docChgLst>
   <pc:docChgLst>
+    <pc:chgData name="Chuck Kiefriter" userId="a996b49251c4dfd2" providerId="LiveId" clId="{6C63F9C0-0B94-402D-87B0-C4C6B8398AB3}"/>
+    <pc:docChg chg="modSld sldOrd">
+      <pc:chgData name="Chuck Kiefriter" userId="a996b49251c4dfd2" providerId="LiveId" clId="{6C63F9C0-0B94-402D-87B0-C4C6B8398AB3}" dt="2024-02-22T00:56:18.515" v="44" actId="20577"/>
+      <pc:docMkLst>
+        <pc:docMk/>
+      </pc:docMkLst>
+      <pc:sldChg chg="modSp mod">
+        <pc:chgData name="Chuck Kiefriter" userId="a996b49251c4dfd2" providerId="LiveId" clId="{6C63F9C0-0B94-402D-87B0-C4C6B8398AB3}" dt="2024-02-22T00:56:18.515" v="44" actId="20577"/>
+        <pc:sldMkLst>
+          <pc:docMk/>
+          <pc:sldMk cId="3194223319" sldId="263"/>
+        </pc:sldMkLst>
+        <pc:spChg chg="mod">
+          <ac:chgData name="Chuck Kiefriter" userId="a996b49251c4dfd2" providerId="LiveId" clId="{6C63F9C0-0B94-402D-87B0-C4C6B8398AB3}" dt="2024-02-22T00:56:18.515" v="44" actId="20577"/>
+          <ac:spMkLst>
+            <pc:docMk/>
+            <pc:sldMk cId="3194223319" sldId="263"/>
+            <ac:spMk id="3" creationId="{23DFC7E9-54DD-38D7-0B9B-D34948D68CF9}"/>
+          </ac:spMkLst>
+        </pc:spChg>
+      </pc:sldChg>
+      <pc:sldChg chg="ord">
+        <pc:chgData name="Chuck Kiefriter" userId="a996b49251c4dfd2" providerId="LiveId" clId="{6C63F9C0-0B94-402D-87B0-C4C6B8398AB3}" dt="2024-02-21T22:46:27.084" v="1"/>
+        <pc:sldMkLst>
+          <pc:docMk/>
+          <pc:sldMk cId="367428708" sldId="265"/>
+        </pc:sldMkLst>
+      </pc:sldChg>
+      <pc:sldChg chg="ord">
+        <pc:chgData name="Chuck Kiefriter" userId="a996b49251c4dfd2" providerId="LiveId" clId="{6C63F9C0-0B94-402D-87B0-C4C6B8398AB3}" dt="2024-02-21T22:46:27.084" v="1"/>
+        <pc:sldMkLst>
+          <pc:docMk/>
+          <pc:sldMk cId="976671966" sldId="278"/>
+        </pc:sldMkLst>
+      </pc:sldChg>
+      <pc:sldChg chg="modSp mod">
+        <pc:chgData name="Chuck Kiefriter" userId="a996b49251c4dfd2" providerId="LiveId" clId="{6C63F9C0-0B94-402D-87B0-C4C6B8398AB3}" dt="2024-02-21T22:54:10.959" v="8" actId="207"/>
+        <pc:sldMkLst>
+          <pc:docMk/>
+          <pc:sldMk cId="1885158462" sldId="283"/>
+        </pc:sldMkLst>
+        <pc:spChg chg="mod">
+          <ac:chgData name="Chuck Kiefriter" userId="a996b49251c4dfd2" providerId="LiveId" clId="{6C63F9C0-0B94-402D-87B0-C4C6B8398AB3}" dt="2024-02-21T22:54:10.959" v="8" actId="207"/>
+          <ac:spMkLst>
+            <pc:docMk/>
+            <pc:sldMk cId="1885158462" sldId="283"/>
+            <ac:spMk id="5" creationId="{9DB63145-E59C-9501-8AA5-4E6AC5C0D40F}"/>
+          </ac:spMkLst>
+        </pc:spChg>
+      </pc:sldChg>
+    </pc:docChg>
+  </pc:docChgLst>
+  <pc:docChgLst>
     <pc:chgData name="Chuck Kiefriter" userId="c57348f7-b440-4861-a58f-c89f414ea74a" providerId="ADAL" clId="{CEAAE73E-A3C0-4EF3-8264-4F08772B5760}"/>
     <pc:docChg chg="undo custSel addSld delSld modSld">
       <pc:chgData name="Chuck Kiefriter" userId="c57348f7-b440-4861-a58f-c89f414ea74a" providerId="ADAL" clId="{CEAAE73E-A3C0-4EF3-8264-4F08772B5760}" dt="2023-03-21T23:02:03.008" v="988" actId="6549"/>
@@ -1502,7 +1555,7 @@
           <a:p>
             <a:fld id="{33D569A9-A222-4DCC-AF28-BB813B4F2ABB}" type="datetimeFigureOut">
               <a:rPr lang="en-US" smtClean="0"/>
-              <a:t>12/19/2023</a:t>
+              <a:t>2/21/2024</a:t>
             </a:fld>
             <a:endParaRPr lang="en-US"/>
           </a:p>
@@ -1790,7 +1843,7 @@
           <a:p>
             <a:fld id="{33D569A9-A222-4DCC-AF28-BB813B4F2ABB}" type="datetimeFigureOut">
               <a:rPr lang="en-US" smtClean="0"/>
-              <a:t>12/19/2023</a:t>
+              <a:t>2/21/2024</a:t>
             </a:fld>
             <a:endParaRPr lang="en-US"/>
           </a:p>
@@ -1988,7 +2041,7 @@
           <a:p>
             <a:fld id="{33D569A9-A222-4DCC-AF28-BB813B4F2ABB}" type="datetimeFigureOut">
               <a:rPr lang="en-US" smtClean="0"/>
-              <a:t>12/19/2023</a:t>
+              <a:t>2/21/2024</a:t>
             </a:fld>
             <a:endParaRPr lang="en-US"/>
           </a:p>
@@ -2196,7 +2249,7 @@
           <a:p>
             <a:fld id="{33D569A9-A222-4DCC-AF28-BB813B4F2ABB}" type="datetimeFigureOut">
               <a:rPr lang="en-US" smtClean="0"/>
-              <a:t>12/19/2023</a:t>
+              <a:t>2/21/2024</a:t>
             </a:fld>
             <a:endParaRPr lang="en-US"/>
           </a:p>
@@ -2394,7 +2447,7 @@
           <a:p>
             <a:fld id="{33D569A9-A222-4DCC-AF28-BB813B4F2ABB}" type="datetimeFigureOut">
               <a:rPr lang="en-US" smtClean="0"/>
-              <a:t>12/19/2023</a:t>
+              <a:t>2/21/2024</a:t>
             </a:fld>
             <a:endParaRPr lang="en-US"/>
           </a:p>
@@ -2669,7 +2722,7 @@
           <a:p>
             <a:fld id="{33D569A9-A222-4DCC-AF28-BB813B4F2ABB}" type="datetimeFigureOut">
               <a:rPr lang="en-US" smtClean="0"/>
-              <a:t>12/19/2023</a:t>
+              <a:t>2/21/2024</a:t>
             </a:fld>
             <a:endParaRPr lang="en-US"/>
           </a:p>
@@ -2934,7 +2987,7 @@
           <a:p>
             <a:fld id="{33D569A9-A222-4DCC-AF28-BB813B4F2ABB}" type="datetimeFigureOut">
               <a:rPr lang="en-US" smtClean="0"/>
-              <a:t>12/19/2023</a:t>
+              <a:t>2/21/2024</a:t>
             </a:fld>
             <a:endParaRPr lang="en-US"/>
           </a:p>
@@ -3346,7 +3399,7 @@
           <a:p>
             <a:fld id="{33D569A9-A222-4DCC-AF28-BB813B4F2ABB}" type="datetimeFigureOut">
               <a:rPr lang="en-US" smtClean="0"/>
-              <a:t>12/19/2023</a:t>
+              <a:t>2/21/2024</a:t>
             </a:fld>
             <a:endParaRPr lang="en-US"/>
           </a:p>
@@ -3487,7 +3540,7 @@
           <a:p>
             <a:fld id="{33D569A9-A222-4DCC-AF28-BB813B4F2ABB}" type="datetimeFigureOut">
               <a:rPr lang="en-US" smtClean="0"/>
-              <a:t>12/19/2023</a:t>
+              <a:t>2/21/2024</a:t>
             </a:fld>
             <a:endParaRPr lang="en-US"/>
           </a:p>
@@ -3600,7 +3653,7 @@
           <a:p>
             <a:fld id="{33D569A9-A222-4DCC-AF28-BB813B4F2ABB}" type="datetimeFigureOut">
               <a:rPr lang="en-US" smtClean="0"/>
-              <a:t>12/19/2023</a:t>
+              <a:t>2/21/2024</a:t>
             </a:fld>
             <a:endParaRPr lang="en-US"/>
           </a:p>
@@ -3946,7 +3999,7 @@
           <a:p>
             <a:fld id="{33D569A9-A222-4DCC-AF28-BB813B4F2ABB}" type="datetimeFigureOut">
               <a:rPr lang="en-US" smtClean="0"/>
-              <a:t>12/19/2023</a:t>
+              <a:t>2/21/2024</a:t>
             </a:fld>
             <a:endParaRPr lang="en-US"/>
           </a:p>
@@ -4187,7 +4240,7 @@
           <a:p>
             <a:fld id="{33D569A9-A222-4DCC-AF28-BB813B4F2ABB}" type="datetimeFigureOut">
               <a:rPr lang="en-US" smtClean="0"/>
-              <a:t>12/19/2023</a:t>
+              <a:t>2/21/2024</a:t>
             </a:fld>
             <a:endParaRPr lang="en-US"/>
           </a:p>
@@ -4620,7 +4673,7 @@
         <p:spPr>
           <a:xfrm>
             <a:off x="696537" y="87952"/>
-            <a:ext cx="9326104" cy="5247590"/>
+            <a:ext cx="9326104" cy="5986254"/>
           </a:xfrm>
           <a:prstGeom prst="rect">
             <a:avLst/>
@@ -4724,8 +4777,27 @@
                 </a:solidFill>
                 <a:latin typeface="Open Sans" panose="020B0606030504020204" pitchFamily="34" charset="0"/>
               </a:rPr>
-              <a:t>Arrays</a:t>
-            </a:r>
+              <a:t>Source control with git </a:t>
+            </a:r>
+            <a:r>
+              <a:rPr lang="en-US" sz="2400">
+                <a:solidFill>
+                  <a:prstClr val="white">
+                    <a:lumMod val="75000"/>
+                  </a:prstClr>
+                </a:solidFill>
+                <a:latin typeface="Open Sans" panose="020B0606030504020204" pitchFamily="34" charset="0"/>
+              </a:rPr>
+              <a:t>&amp; GitHub</a:t>
+            </a:r>
+            <a:endParaRPr lang="en-US" sz="2400" dirty="0">
+              <a:solidFill>
+                <a:prstClr val="white">
+                  <a:lumMod val="75000"/>
+                </a:prstClr>
+              </a:solidFill>
+              <a:latin typeface="Open Sans" panose="020B0606030504020204" pitchFamily="34" charset="0"/>
+            </a:endParaRPr>
           </a:p>
           <a:p>
             <a:pPr marL="571500" marR="0" lvl="0" indent="-571500" algn="l" defTabSz="914400" rtl="0" eaLnBrk="1" fontAlgn="auto" latinLnBrk="0" hangingPunct="1">
@@ -4781,7 +4853,7 @@
                 </a:solidFill>
                 <a:latin typeface="Open Sans" panose="020B0606030504020204" pitchFamily="34" charset="0"/>
               </a:rPr>
-              <a:t>Methods</a:t>
+              <a:t>Arrays</a:t>
             </a:r>
           </a:p>
           <a:p>
@@ -4838,7 +4910,7 @@
                 </a:solidFill>
                 <a:latin typeface="Open Sans" panose="020B0606030504020204" pitchFamily="34" charset="0"/>
               </a:rPr>
-              <a:t>Objects</a:t>
+              <a:t>Methods</a:t>
             </a:r>
           </a:p>
           <a:p>
@@ -4887,7 +4959,7 @@
               <a:defRPr/>
             </a:pPr>
             <a:r>
-              <a:rPr lang="en-US" sz="2400" dirty="0" err="1">
+              <a:rPr lang="en-US" sz="2400" dirty="0">
                 <a:solidFill>
                   <a:prstClr val="white">
                     <a:lumMod val="75000"/>
@@ -4895,16 +4967,8 @@
                 </a:solidFill>
                 <a:latin typeface="Open Sans" panose="020B0606030504020204" pitchFamily="34" charset="0"/>
               </a:rPr>
-              <a:t>JavaDocs</a:t>
-            </a:r>
-            <a:endParaRPr lang="en-US" sz="2400" dirty="0">
-              <a:solidFill>
-                <a:prstClr val="white">
-                  <a:lumMod val="75000"/>
-                </a:prstClr>
-              </a:solidFill>
-              <a:latin typeface="Open Sans" panose="020B0606030504020204" pitchFamily="34" charset="0"/>
-            </a:endParaRPr>
+              <a:t>Objects</a:t>
+            </a:r>
           </a:p>
           <a:p>
             <a:pPr marL="571500" marR="0" lvl="0" indent="-571500" algn="l" defTabSz="914400" rtl="0" eaLnBrk="1" fontAlgn="auto" latinLnBrk="0" hangingPunct="1">
@@ -4962,6 +5026,59 @@
               </a:rPr>
               <a:t>Equality in Primitives vs Objects</a:t>
             </a:r>
+          </a:p>
+          <a:p>
+            <a:pPr marL="571500" marR="0" lvl="0" indent="-571500" algn="l" defTabSz="914400" rtl="0" eaLnBrk="1" fontAlgn="auto" latinLnBrk="0" hangingPunct="1">
+              <a:lnSpc>
+                <a:spcPct val="100000"/>
+              </a:lnSpc>
+              <a:spcBef>
+                <a:spcPts val="0"/>
+              </a:spcBef>
+              <a:spcAft>
+                <a:spcPts val="0"/>
+              </a:spcAft>
+              <a:buClrTx/>
+              <a:buSzTx/>
+              <a:buFont typeface="Arial" panose="020B0604020202020204" pitchFamily="34" charset="0"/>
+              <a:buChar char="•"/>
+              <a:tabLst/>
+              <a:defRPr/>
+            </a:pPr>
+            <a:endParaRPr lang="en-US" sz="2400" dirty="0">
+              <a:solidFill>
+                <a:prstClr val="white">
+                  <a:lumMod val="75000"/>
+                </a:prstClr>
+              </a:solidFill>
+              <a:latin typeface="Open Sans" panose="020B0606030504020204" pitchFamily="34" charset="0"/>
+            </a:endParaRPr>
+          </a:p>
+          <a:p>
+            <a:pPr marL="571500" indent="-571500">
+              <a:buFont typeface="Arial" panose="020B0604020202020204" pitchFamily="34" charset="0"/>
+              <a:buChar char="•"/>
+              <a:defRPr/>
+            </a:pPr>
+            <a:r>
+              <a:rPr lang="en-US" sz="2400" dirty="0" err="1">
+                <a:solidFill>
+                  <a:prstClr val="white">
+                    <a:lumMod val="75000"/>
+                  </a:prstClr>
+                </a:solidFill>
+                <a:latin typeface="Open Sans" panose="020B0606030504020204" pitchFamily="34" charset="0"/>
+              </a:rPr>
+              <a:t>JavaDocs</a:t>
+            </a:r>
+            <a:endParaRPr lang="en-US" sz="2400" dirty="0">
+              <a:solidFill>
+                <a:prstClr val="white">
+                  <a:lumMod val="75000"/>
+                </a:prstClr>
+              </a:solidFill>
+              <a:latin typeface="Open Sans" panose="020B0606030504020204" pitchFamily="34" charset="0"/>
+            </a:endParaRPr>
           </a:p>
           <a:p>
             <a:pPr marL="571500" marR="0" lvl="0" indent="-571500" algn="l" defTabSz="914400" rtl="0" eaLnBrk="1" fontAlgn="auto" latinLnBrk="0" hangingPunct="1">
@@ -5156,7 +5273,27 @@
                 </a:solidFill>
                 <a:latin typeface="Open Sans" panose="020B0606030504020204" pitchFamily="34" charset="0"/>
               </a:rPr>
-              <a:t>Another difference between Primitive Datatypes and Objects has to do with Equality.   The Equality Operator in Java == checks to see if two references are the same.  In other words when comparing Primitive Datatypes,  == checks to see if two values are the same.  With Primitive Datatype Equality Comparison,  == checks the in-memory value of the Primitive Datatype against the in-memory value of a different Primitive Datatype.   </a:t>
+              <a:t>Another difference between Primitive Datatypes and Objects has to do with Equality.   The Equality Operator in Java == checks to see if two references are the same.  In other words </a:t>
+            </a:r>
+            <a:r>
+              <a:rPr lang="en-US" dirty="0">
+                <a:solidFill>
+                  <a:srgbClr val="00B0F0"/>
+                </a:solidFill>
+                <a:latin typeface="Open Sans" panose="020B0606030504020204" pitchFamily="34" charset="0"/>
+              </a:rPr>
+              <a:t>when comparing Primitive Datatypes,  == checks to see if two values are the same</a:t>
+            </a:r>
+            <a:r>
+              <a:rPr lang="en-US" dirty="0">
+                <a:solidFill>
+                  <a:schemeClr val="tx1">
+                    <a:lumMod val="85000"/>
+                  </a:schemeClr>
+                </a:solidFill>
+                <a:latin typeface="Open Sans" panose="020B0606030504020204" pitchFamily="34" charset="0"/>
+              </a:rPr>
+              <a:t>.  With Primitive Datatype Equality Comparison,  == checks the in-memory value of the Primitive Datatype against the in-memory value of a different Primitive Datatype.   </a:t>
             </a:r>
           </a:p>
           <a:p>
@@ -5333,7 +5470,27 @@
                 </a:solidFill>
                 <a:latin typeface="Open Sans" panose="020B0606030504020204" pitchFamily="34" charset="0"/>
               </a:rPr>
-              <a:t>With the declaration of a new Object, Java creates that object as its own instance in memory.  Even if two Objects are created with the same exact content, the Objects themselves will be created as two separate instances in memory.  The point here is that each instance has its own location in memory, and the location is not the same, even if the values within the fields are the same.</a:t>
+              <a:t>With the declaration of a new Object, Java creates that object as its own instance in memory.  Even if two Objects are created with the same exact content, the Objects themselves will be created as two separate instances in memory.  </a:t>
+            </a:r>
+            <a:r>
+              <a:rPr lang="en-US" dirty="0">
+                <a:solidFill>
+                  <a:srgbClr val="00B0F0"/>
+                </a:solidFill>
+                <a:latin typeface="Open Sans" panose="020B0606030504020204" pitchFamily="34" charset="0"/>
+              </a:rPr>
+              <a:t>The point here is that each instance has its own location in memory, and the location is not the same, even if the values within the fields are the same</a:t>
+            </a:r>
+            <a:r>
+              <a:rPr lang="en-US" dirty="0">
+                <a:solidFill>
+                  <a:schemeClr val="tx1">
+                    <a:lumMod val="85000"/>
+                  </a:schemeClr>
+                </a:solidFill>
+                <a:latin typeface="Open Sans" panose="020B0606030504020204" pitchFamily="34" charset="0"/>
+              </a:rPr>
+              <a:t>.</a:t>
             </a:r>
           </a:p>
           <a:p>
@@ -7828,8 +7985,8 @@
         </p:nvSpPr>
         <p:spPr>
           <a:xfrm>
-            <a:off x="1669409" y="2459504"/>
-            <a:ext cx="8183202" cy="1015663"/>
+            <a:off x="1894669" y="2745699"/>
+            <a:ext cx="9326104" cy="1015663"/>
           </a:xfrm>
           <a:prstGeom prst="rect">
             <a:avLst/>
@@ -7860,6 +8017,930 @@
               <a:defRPr/>
             </a:pPr>
             <a:r>
+              <a:rPr kumimoji="0" lang="en-US" sz="6000" b="0" i="0" u="none" strike="noStrike" kern="1200" cap="none" spc="0" normalizeH="0" baseline="0" noProof="0" dirty="0">
+                <a:ln>
+                  <a:noFill/>
+                </a:ln>
+                <a:solidFill>
+                  <a:prstClr val="white">
+                    <a:lumMod val="75000"/>
+                  </a:prstClr>
+                </a:solidFill>
+                <a:effectLst/>
+                <a:uLnTx/>
+                <a:uFillTx/>
+                <a:latin typeface="Open Sans" panose="020B0606030504020204" pitchFamily="34" charset="0"/>
+                <a:ea typeface="+mn-ea"/>
+                <a:cs typeface="+mn-cs"/>
+              </a:rPr>
+              <a:t>Methods</a:t>
+            </a:r>
+          </a:p>
+        </p:txBody>
+      </p:sp>
+    </p:spTree>
+    <p:extLst>
+      <p:ext uri="{BB962C8B-B14F-4D97-AF65-F5344CB8AC3E}">
+        <p14:creationId xmlns:p14="http://schemas.microsoft.com/office/powerpoint/2010/main" val="367428708"/>
+      </p:ext>
+    </p:extLst>
+  </p:cSld>
+  <p:clrMapOvr>
+    <a:masterClrMapping/>
+  </p:clrMapOvr>
+</p:sld>
+</file>
+
+<file path=ppt/slides/slide5.xml><?xml version="1.0" encoding="utf-8"?>
+<p:sld xmlns:a="http://schemas.openxmlformats.org/drawingml/2006/main" xmlns:r="http://schemas.openxmlformats.org/officeDocument/2006/relationships" xmlns:p="http://schemas.openxmlformats.org/presentationml/2006/main">
+  <p:cSld>
+    <p:spTree>
+      <p:nvGrpSpPr>
+        <p:cNvPr id="1" name=""/>
+        <p:cNvGrpSpPr/>
+        <p:nvPr/>
+      </p:nvGrpSpPr>
+      <p:grpSpPr>
+        <a:xfrm>
+          <a:off x="0" y="0"/>
+          <a:ext cx="0" cy="0"/>
+          <a:chOff x="0" y="0"/>
+          <a:chExt cx="0" cy="0"/>
+        </a:xfrm>
+      </p:grpSpPr>
+      <p:sp>
+        <p:nvSpPr>
+          <p:cNvPr id="6" name="TextBox 5">
+            <a:extLst>
+              <a:ext uri="{FF2B5EF4-FFF2-40B4-BE49-F238E27FC236}">
+                <a16:creationId xmlns:a16="http://schemas.microsoft.com/office/drawing/2014/main" id="{59E906CD-110B-9D01-732C-2F21759B0265}"/>
+              </a:ext>
+            </a:extLst>
+          </p:cNvPr>
+          <p:cNvSpPr txBox="1"/>
+          <p:nvPr/>
+        </p:nvSpPr>
+        <p:spPr>
+          <a:xfrm>
+            <a:off x="193251" y="91915"/>
+            <a:ext cx="6094854" cy="461665"/>
+          </a:xfrm>
+          <a:prstGeom prst="rect">
+            <a:avLst/>
+          </a:prstGeom>
+          <a:noFill/>
+        </p:spPr>
+        <p:txBody>
+          <a:bodyPr wrap="square">
+            <a:spAutoFit/>
+          </a:bodyPr>
+          <a:lstStyle/>
+          <a:p>
+            <a:pPr algn="l"/>
+            <a:r>
+              <a:rPr lang="en-US" sz="2400" b="1" dirty="0">
+                <a:solidFill>
+                  <a:srgbClr val="00B050"/>
+                </a:solidFill>
+                <a:latin typeface="Open Sans" panose="020B0606030504020204" pitchFamily="34" charset="0"/>
+              </a:rPr>
+              <a:t>Methods</a:t>
+            </a:r>
+            <a:endParaRPr lang="en-US" sz="2400" b="1" dirty="0">
+              <a:solidFill>
+                <a:srgbClr val="00B050"/>
+              </a:solidFill>
+              <a:effectLst/>
+              <a:latin typeface="Open Sans" panose="020B0606030504020204" pitchFamily="34" charset="0"/>
+            </a:endParaRPr>
+          </a:p>
+        </p:txBody>
+      </p:sp>
+      <p:sp>
+        <p:nvSpPr>
+          <p:cNvPr id="4" name="TextBox 3">
+            <a:extLst>
+              <a:ext uri="{FF2B5EF4-FFF2-40B4-BE49-F238E27FC236}">
+                <a16:creationId xmlns:a16="http://schemas.microsoft.com/office/drawing/2014/main" id="{C0B26727-0F97-5A73-B4ED-6BE65E07E5DB}"/>
+              </a:ext>
+            </a:extLst>
+          </p:cNvPr>
+          <p:cNvSpPr txBox="1"/>
+          <p:nvPr/>
+        </p:nvSpPr>
+        <p:spPr>
+          <a:xfrm>
+            <a:off x="176169" y="465956"/>
+            <a:ext cx="11931637" cy="5632311"/>
+          </a:xfrm>
+          <a:prstGeom prst="rect">
+            <a:avLst/>
+          </a:prstGeom>
+          <a:noFill/>
+        </p:spPr>
+        <p:txBody>
+          <a:bodyPr wrap="square">
+            <a:spAutoFit/>
+          </a:bodyPr>
+          <a:lstStyle/>
+          <a:p>
+            <a:pPr algn="l"/>
+            <a:r>
+              <a:rPr lang="en-US" b="0" i="0" dirty="0">
+                <a:solidFill>
+                  <a:schemeClr val="tx1">
+                    <a:lumMod val="85000"/>
+                  </a:schemeClr>
+                </a:solidFill>
+                <a:effectLst/>
+                <a:latin typeface="Open Sans" panose="020B0606030504020204" pitchFamily="34" charset="0"/>
+              </a:rPr>
+              <a:t>Java uses </a:t>
+            </a:r>
+            <a:r>
+              <a:rPr lang="en-US" b="0" i="0" dirty="0">
+                <a:solidFill>
+                  <a:srgbClr val="00B0F0"/>
+                </a:solidFill>
+                <a:effectLst/>
+                <a:latin typeface="Open Sans" panose="020B0606030504020204" pitchFamily="34" charset="0"/>
+              </a:rPr>
+              <a:t>methods</a:t>
+            </a:r>
+            <a:r>
+              <a:rPr lang="en-US" b="0" i="0" dirty="0">
+                <a:solidFill>
+                  <a:schemeClr val="tx1">
+                    <a:lumMod val="85000"/>
+                  </a:schemeClr>
+                </a:solidFill>
+                <a:effectLst/>
+                <a:latin typeface="Open Sans" panose="020B0606030504020204" pitchFamily="34" charset="0"/>
+              </a:rPr>
+              <a:t> to </a:t>
+            </a:r>
+            <a:r>
+              <a:rPr lang="en-US" b="0" i="0" dirty="0">
+                <a:solidFill>
+                  <a:srgbClr val="00B0F0"/>
+                </a:solidFill>
+                <a:effectLst/>
+                <a:latin typeface="Open Sans" panose="020B0606030504020204" pitchFamily="34" charset="0"/>
+              </a:rPr>
+              <a:t>accomplish predefined tasks</a:t>
+            </a:r>
+            <a:r>
+              <a:rPr lang="en-US" b="0" i="0" dirty="0">
+                <a:solidFill>
+                  <a:schemeClr val="tx1">
+                    <a:lumMod val="85000"/>
+                  </a:schemeClr>
+                </a:solidFill>
+                <a:effectLst/>
+                <a:latin typeface="Open Sans" panose="020B0606030504020204" pitchFamily="34" charset="0"/>
+              </a:rPr>
+              <a:t>.  A method is </a:t>
+            </a:r>
+            <a:r>
+              <a:rPr lang="en-US" b="0" i="0" dirty="0">
+                <a:solidFill>
+                  <a:srgbClr val="00B0F0"/>
+                </a:solidFill>
+                <a:effectLst/>
+                <a:latin typeface="Open Sans" panose="020B0606030504020204" pitchFamily="34" charset="0"/>
+              </a:rPr>
+              <a:t>code that runs when it is called</a:t>
+            </a:r>
+            <a:r>
+              <a:rPr lang="en-US" b="0" i="0" dirty="0">
+                <a:solidFill>
+                  <a:schemeClr val="tx1">
+                    <a:lumMod val="85000"/>
+                  </a:schemeClr>
+                </a:solidFill>
+                <a:effectLst/>
+                <a:latin typeface="Open Sans" panose="020B0606030504020204" pitchFamily="34" charset="0"/>
+              </a:rPr>
+              <a:t>.  When you write a program and </a:t>
+            </a:r>
+            <a:r>
+              <a:rPr lang="en-US" b="0" i="0" dirty="0">
+                <a:solidFill>
+                  <a:srgbClr val="00B0F0"/>
+                </a:solidFill>
+                <a:effectLst/>
+                <a:latin typeface="Open Sans" panose="020B0606030504020204" pitchFamily="34" charset="0"/>
+              </a:rPr>
+              <a:t>realize that you are writing the same code over and over</a:t>
+            </a:r>
+            <a:r>
+              <a:rPr lang="en-US" b="0" i="0" dirty="0">
+                <a:solidFill>
+                  <a:schemeClr val="tx1">
+                    <a:lumMod val="85000"/>
+                  </a:schemeClr>
+                </a:solidFill>
+                <a:effectLst/>
+                <a:latin typeface="Open Sans" panose="020B0606030504020204" pitchFamily="34" charset="0"/>
+              </a:rPr>
+              <a:t>, it's time to </a:t>
+            </a:r>
+            <a:r>
+              <a:rPr lang="en-US" b="0" i="0" dirty="0">
+                <a:solidFill>
+                  <a:srgbClr val="00B0F0"/>
+                </a:solidFill>
+                <a:effectLst/>
+                <a:latin typeface="Open Sans" panose="020B0606030504020204" pitchFamily="34" charset="0"/>
+              </a:rPr>
+              <a:t>put that code into a method</a:t>
+            </a:r>
+            <a:r>
+              <a:rPr lang="en-US" b="0" i="0" dirty="0">
+                <a:solidFill>
+                  <a:schemeClr val="tx1">
+                    <a:lumMod val="85000"/>
+                  </a:schemeClr>
+                </a:solidFill>
+                <a:effectLst/>
+                <a:latin typeface="Open Sans" panose="020B0606030504020204" pitchFamily="34" charset="0"/>
+              </a:rPr>
+              <a:t>.  Another definition of a Java Method is that it is a collection of statements that are written together and executed together to perform a task. </a:t>
+            </a:r>
+          </a:p>
+          <a:p>
+            <a:pPr algn="l"/>
+            <a:endParaRPr lang="en-US" b="0" i="0" dirty="0">
+              <a:solidFill>
+                <a:schemeClr val="tx1">
+                  <a:lumMod val="85000"/>
+                </a:schemeClr>
+              </a:solidFill>
+              <a:effectLst/>
+              <a:latin typeface="Open Sans" panose="020B0606030504020204" pitchFamily="34" charset="0"/>
+            </a:endParaRPr>
+          </a:p>
+          <a:p>
+            <a:pPr algn="l"/>
+            <a:r>
+              <a:rPr lang="en-US" b="0" i="0" dirty="0">
+                <a:solidFill>
+                  <a:schemeClr val="tx1">
+                    <a:lumMod val="85000"/>
+                  </a:schemeClr>
+                </a:solidFill>
+                <a:effectLst/>
+                <a:latin typeface="Open Sans" panose="020B0606030504020204" pitchFamily="34" charset="0"/>
+              </a:rPr>
+              <a:t>What is a </a:t>
+            </a:r>
+            <a:r>
+              <a:rPr lang="en-US" b="0" i="0" dirty="0">
+                <a:solidFill>
+                  <a:srgbClr val="00B0F0"/>
+                </a:solidFill>
+                <a:effectLst/>
+                <a:latin typeface="Open Sans" panose="020B0606030504020204" pitchFamily="34" charset="0"/>
+              </a:rPr>
+              <a:t>method declaration</a:t>
+            </a:r>
+            <a:r>
+              <a:rPr lang="en-US" b="0" i="0" dirty="0">
+                <a:solidFill>
+                  <a:schemeClr val="tx1">
+                    <a:lumMod val="85000"/>
+                  </a:schemeClr>
+                </a:solidFill>
+                <a:effectLst/>
+                <a:latin typeface="Open Sans" panose="020B0606030504020204" pitchFamily="34" charset="0"/>
+              </a:rPr>
+              <a:t>?</a:t>
+            </a:r>
+          </a:p>
+          <a:p>
+            <a:pPr algn="l"/>
+            <a:r>
+              <a:rPr lang="en-US" i="1" dirty="0">
+                <a:solidFill>
+                  <a:schemeClr val="tx1">
+                    <a:lumMod val="85000"/>
+                  </a:schemeClr>
+                </a:solidFill>
+                <a:latin typeface="Open Sans" panose="020B0606030504020204" pitchFamily="34" charset="0"/>
+              </a:rPr>
+              <a:t>     </a:t>
+            </a:r>
+            <a:r>
+              <a:rPr lang="en-US" b="0" i="1" dirty="0">
+                <a:solidFill>
+                  <a:schemeClr val="tx1">
+                    <a:lumMod val="85000"/>
+                  </a:schemeClr>
+                </a:solidFill>
+                <a:effectLst/>
+                <a:latin typeface="Open Sans" panose="020B0606030504020204" pitchFamily="34" charset="0"/>
+              </a:rPr>
+              <a:t>modifier </a:t>
+            </a:r>
+            <a:r>
+              <a:rPr lang="en-US" b="0" i="1" dirty="0" err="1">
+                <a:solidFill>
+                  <a:schemeClr val="tx1">
+                    <a:lumMod val="85000"/>
+                  </a:schemeClr>
+                </a:solidFill>
+                <a:effectLst/>
+                <a:latin typeface="Open Sans" panose="020B0606030504020204" pitchFamily="34" charset="0"/>
+              </a:rPr>
+              <a:t>returnDatatype</a:t>
+            </a:r>
+            <a:r>
+              <a:rPr lang="en-US" b="0" i="1" dirty="0">
+                <a:solidFill>
+                  <a:schemeClr val="tx1">
+                    <a:lumMod val="85000"/>
+                  </a:schemeClr>
+                </a:solidFill>
+                <a:effectLst/>
+                <a:latin typeface="Open Sans" panose="020B0606030504020204" pitchFamily="34" charset="0"/>
+              </a:rPr>
+              <a:t> </a:t>
+            </a:r>
+            <a:r>
+              <a:rPr lang="en-US" b="0" i="1" dirty="0" err="1">
+                <a:solidFill>
+                  <a:schemeClr val="tx1">
+                    <a:lumMod val="85000"/>
+                  </a:schemeClr>
+                </a:solidFill>
+                <a:effectLst/>
+                <a:latin typeface="Open Sans" panose="020B0606030504020204" pitchFamily="34" charset="0"/>
+              </a:rPr>
+              <a:t>methodName</a:t>
+            </a:r>
+            <a:r>
+              <a:rPr lang="en-US" b="0" i="1" dirty="0">
+                <a:solidFill>
+                  <a:schemeClr val="tx1">
+                    <a:lumMod val="85000"/>
+                  </a:schemeClr>
+                </a:solidFill>
+                <a:effectLst/>
+                <a:latin typeface="Open Sans" panose="020B0606030504020204" pitchFamily="34" charset="0"/>
+              </a:rPr>
+              <a:t> (datatype1 par1, datatype2 par2) {</a:t>
+            </a:r>
+          </a:p>
+          <a:p>
+            <a:pPr algn="l"/>
+            <a:r>
+              <a:rPr lang="en-US" i="1" dirty="0">
+                <a:solidFill>
+                  <a:schemeClr val="tx1">
+                    <a:lumMod val="85000"/>
+                  </a:schemeClr>
+                </a:solidFill>
+                <a:latin typeface="Open Sans" panose="020B0606030504020204" pitchFamily="34" charset="0"/>
+              </a:rPr>
+              <a:t>         </a:t>
+            </a:r>
+            <a:r>
+              <a:rPr lang="en-US" b="0" i="1" dirty="0" err="1">
+                <a:solidFill>
+                  <a:schemeClr val="tx1">
+                    <a:lumMod val="85000"/>
+                  </a:schemeClr>
+                </a:solidFill>
+                <a:effectLst/>
+                <a:latin typeface="Open Sans" panose="020B0606030504020204" pitchFamily="34" charset="0"/>
+              </a:rPr>
+              <a:t>BodyOfMethod</a:t>
+            </a:r>
+            <a:endParaRPr lang="en-US" b="0" i="0" dirty="0">
+              <a:solidFill>
+                <a:schemeClr val="tx1">
+                  <a:lumMod val="85000"/>
+                </a:schemeClr>
+              </a:solidFill>
+              <a:effectLst/>
+              <a:latin typeface="Open Sans" panose="020B0606030504020204" pitchFamily="34" charset="0"/>
+            </a:endParaRPr>
+          </a:p>
+          <a:p>
+            <a:pPr algn="l"/>
+            <a:r>
+              <a:rPr lang="en-US" b="0" i="1" dirty="0">
+                <a:solidFill>
+                  <a:schemeClr val="tx1">
+                    <a:lumMod val="85000"/>
+                  </a:schemeClr>
+                </a:solidFill>
+                <a:effectLst/>
+                <a:latin typeface="Open Sans" panose="020B0606030504020204" pitchFamily="34" charset="0"/>
+              </a:rPr>
+              <a:t>     }</a:t>
+            </a:r>
+          </a:p>
+          <a:p>
+            <a:pPr algn="l"/>
+            <a:endParaRPr lang="en-US" b="0" i="0" dirty="0">
+              <a:solidFill>
+                <a:schemeClr val="tx1">
+                  <a:lumMod val="85000"/>
+                </a:schemeClr>
+              </a:solidFill>
+              <a:effectLst/>
+              <a:latin typeface="Open Sans" panose="020B0606030504020204" pitchFamily="34" charset="0"/>
+            </a:endParaRPr>
+          </a:p>
+          <a:p>
+            <a:pPr algn="l"/>
+            <a:r>
+              <a:rPr lang="en-US" b="0" i="0" u="sng" dirty="0">
+                <a:solidFill>
+                  <a:schemeClr val="tx1">
+                    <a:lumMod val="85000"/>
+                  </a:schemeClr>
+                </a:solidFill>
+                <a:effectLst/>
+                <a:latin typeface="Open Sans" panose="020B0606030504020204" pitchFamily="34" charset="0"/>
+              </a:rPr>
+              <a:t>Here, these parts of the method declaration are explained below</a:t>
+            </a:r>
+            <a:r>
+              <a:rPr lang="en-US" b="0" i="0" dirty="0">
+                <a:solidFill>
+                  <a:schemeClr val="tx1">
+                    <a:lumMod val="85000"/>
+                  </a:schemeClr>
+                </a:solidFill>
+                <a:effectLst/>
+                <a:latin typeface="Open Sans" panose="020B0606030504020204" pitchFamily="34" charset="0"/>
+              </a:rPr>
+              <a:t>:</a:t>
+            </a:r>
+          </a:p>
+          <a:p>
+            <a:pPr marL="685800" lvl="1" indent="-228600">
+              <a:buFont typeface="Arial" panose="020B0604020202020204" pitchFamily="34" charset="0"/>
+              <a:buChar char="•"/>
+            </a:pPr>
+            <a:r>
+              <a:rPr lang="en-US" i="1" dirty="0">
+                <a:solidFill>
+                  <a:srgbClr val="00B0F0"/>
+                </a:solidFill>
+                <a:effectLst/>
+                <a:latin typeface="Open Sans" panose="020B0606030504020204" pitchFamily="34" charset="0"/>
+              </a:rPr>
+              <a:t>modifier</a:t>
+            </a:r>
+            <a:r>
+              <a:rPr lang="en-US" i="0" dirty="0">
+                <a:solidFill>
+                  <a:schemeClr val="tx1">
+                    <a:lumMod val="85000"/>
+                  </a:schemeClr>
+                </a:solidFill>
+                <a:effectLst/>
+                <a:latin typeface="Open Sans" panose="020B0606030504020204" pitchFamily="34" charset="0"/>
+              </a:rPr>
+              <a:t> − modifier -- </a:t>
+            </a:r>
+            <a:r>
+              <a:rPr lang="en-US" i="1" dirty="0">
+                <a:solidFill>
+                  <a:schemeClr val="tx1">
+                    <a:lumMod val="85000"/>
+                  </a:schemeClr>
+                </a:solidFill>
+                <a:effectLst/>
+                <a:latin typeface="Open Sans" panose="020B0606030504020204" pitchFamily="34" charset="0"/>
+              </a:rPr>
+              <a:t>public, protected, default </a:t>
+            </a:r>
+            <a:r>
+              <a:rPr lang="en-US" i="0" dirty="0">
+                <a:solidFill>
+                  <a:schemeClr val="tx1">
+                    <a:lumMod val="85000"/>
+                  </a:schemeClr>
+                </a:solidFill>
+                <a:effectLst/>
+                <a:latin typeface="Open Sans" panose="020B0606030504020204" pitchFamily="34" charset="0"/>
+              </a:rPr>
+              <a:t>and</a:t>
+            </a:r>
+            <a:r>
+              <a:rPr lang="en-US" i="1" dirty="0">
+                <a:solidFill>
+                  <a:schemeClr val="tx1">
+                    <a:lumMod val="85000"/>
+                  </a:schemeClr>
+                </a:solidFill>
+                <a:effectLst/>
+                <a:latin typeface="Open Sans" panose="020B0606030504020204" pitchFamily="34" charset="0"/>
+              </a:rPr>
+              <a:t> private</a:t>
+            </a:r>
+            <a:endParaRPr lang="en-US" i="0" dirty="0">
+              <a:solidFill>
+                <a:schemeClr val="tx1">
+                  <a:lumMod val="85000"/>
+                </a:schemeClr>
+              </a:solidFill>
+              <a:effectLst/>
+              <a:latin typeface="Open Sans" panose="020B0606030504020204" pitchFamily="34" charset="0"/>
+            </a:endParaRPr>
+          </a:p>
+          <a:p>
+            <a:pPr marL="685800" lvl="1" indent="-228600">
+              <a:buFont typeface="Arial" panose="020B0604020202020204" pitchFamily="34" charset="0"/>
+              <a:buChar char="•"/>
+            </a:pPr>
+            <a:r>
+              <a:rPr lang="en-US" i="1" dirty="0" err="1">
+                <a:solidFill>
+                  <a:srgbClr val="00B0F0"/>
+                </a:solidFill>
+                <a:effectLst/>
+                <a:latin typeface="Open Sans" panose="020B0606030504020204" pitchFamily="34" charset="0"/>
+              </a:rPr>
+              <a:t>returnDatatype</a:t>
+            </a:r>
+            <a:r>
+              <a:rPr lang="en-US" i="0" dirty="0">
+                <a:solidFill>
+                  <a:schemeClr val="tx1">
+                    <a:lumMod val="85000"/>
+                  </a:schemeClr>
+                </a:solidFill>
+                <a:effectLst/>
+                <a:latin typeface="Open Sans" panose="020B0606030504020204" pitchFamily="34" charset="0"/>
+              </a:rPr>
+              <a:t> − the return datatype (Can be a Java primitive datatype,  an Object, or a Collection of a datatype or an Object, or can be </a:t>
+            </a:r>
+            <a:r>
+              <a:rPr lang="en-US" i="0" u="sng" dirty="0">
+                <a:solidFill>
+                  <a:schemeClr val="tx1">
+                    <a:lumMod val="85000"/>
+                  </a:schemeClr>
+                </a:solidFill>
+                <a:effectLst/>
+                <a:latin typeface="Open Sans" panose="020B0606030504020204" pitchFamily="34" charset="0"/>
+              </a:rPr>
+              <a:t>void</a:t>
+            </a:r>
+            <a:r>
+              <a:rPr lang="en-US" i="0" dirty="0">
+                <a:solidFill>
+                  <a:schemeClr val="tx1">
+                    <a:lumMod val="85000"/>
+                  </a:schemeClr>
+                </a:solidFill>
+                <a:effectLst/>
+                <a:latin typeface="Open Sans" panose="020B0606030504020204" pitchFamily="34" charset="0"/>
+              </a:rPr>
+              <a:t>).</a:t>
+            </a:r>
+          </a:p>
+          <a:p>
+            <a:pPr marL="685800" lvl="1" indent="-228600">
+              <a:buFont typeface="Arial" panose="020B0604020202020204" pitchFamily="34" charset="0"/>
+              <a:buChar char="•"/>
+            </a:pPr>
+            <a:r>
+              <a:rPr lang="en-US" i="1" dirty="0" err="1">
+                <a:solidFill>
+                  <a:srgbClr val="00B0F0"/>
+                </a:solidFill>
+                <a:effectLst/>
+                <a:latin typeface="Open Sans" panose="020B0606030504020204" pitchFamily="34" charset="0"/>
+              </a:rPr>
+              <a:t>methodName</a:t>
+            </a:r>
+            <a:r>
+              <a:rPr lang="en-US" i="0" dirty="0">
+                <a:solidFill>
+                  <a:srgbClr val="00B0F0"/>
+                </a:solidFill>
+                <a:effectLst/>
+                <a:latin typeface="Open Sans" panose="020B0606030504020204" pitchFamily="34" charset="0"/>
+              </a:rPr>
+              <a:t> </a:t>
+            </a:r>
+            <a:r>
+              <a:rPr lang="en-US" i="0" dirty="0">
+                <a:solidFill>
+                  <a:schemeClr val="tx1">
+                    <a:lumMod val="85000"/>
+                  </a:schemeClr>
+                </a:solidFill>
+                <a:effectLst/>
+                <a:latin typeface="Open Sans" panose="020B0606030504020204" pitchFamily="34" charset="0"/>
+              </a:rPr>
+              <a:t>− name of the method</a:t>
+            </a:r>
+          </a:p>
+          <a:p>
+            <a:pPr marL="685800" lvl="1" indent="-228600">
+              <a:buFont typeface="Arial" panose="020B0604020202020204" pitchFamily="34" charset="0"/>
+              <a:buChar char="•"/>
+            </a:pPr>
+            <a:r>
+              <a:rPr lang="en-US" i="1" dirty="0">
+                <a:solidFill>
+                  <a:srgbClr val="00B0F0"/>
+                </a:solidFill>
+                <a:effectLst/>
+                <a:latin typeface="Open Sans" panose="020B0606030504020204" pitchFamily="34" charset="0"/>
+              </a:rPr>
+              <a:t>datatype1, datatype2</a:t>
+            </a:r>
+            <a:r>
+              <a:rPr lang="en-US" i="0" dirty="0">
+                <a:solidFill>
+                  <a:srgbClr val="00B0F0"/>
+                </a:solidFill>
+                <a:effectLst/>
+                <a:latin typeface="Open Sans" panose="020B0606030504020204" pitchFamily="34" charset="0"/>
+              </a:rPr>
+              <a:t> </a:t>
+            </a:r>
+            <a:r>
+              <a:rPr lang="en-US" i="0" dirty="0">
+                <a:solidFill>
+                  <a:schemeClr val="tx1">
+                    <a:lumMod val="85000"/>
+                  </a:schemeClr>
+                </a:solidFill>
+                <a:effectLst/>
+                <a:latin typeface="Open Sans" panose="020B0606030504020204" pitchFamily="34" charset="0"/>
+              </a:rPr>
+              <a:t>- datatypes of the parameters </a:t>
+            </a:r>
+          </a:p>
+          <a:p>
+            <a:pPr marL="685800" lvl="1" indent="-228600">
+              <a:buFont typeface="Arial" panose="020B0604020202020204" pitchFamily="34" charset="0"/>
+              <a:buChar char="•"/>
+            </a:pPr>
+            <a:r>
+              <a:rPr lang="en-US" i="1" dirty="0">
+                <a:solidFill>
+                  <a:srgbClr val="00B0F0"/>
+                </a:solidFill>
+                <a:effectLst/>
+                <a:latin typeface="Open Sans" panose="020B0606030504020204" pitchFamily="34" charset="0"/>
+              </a:rPr>
+              <a:t>par1, par2 </a:t>
+            </a:r>
+            <a:r>
+              <a:rPr lang="en-US" i="0" dirty="0">
+                <a:solidFill>
+                  <a:schemeClr val="tx1">
+                    <a:lumMod val="85000"/>
+                  </a:schemeClr>
+                </a:solidFill>
+                <a:effectLst/>
+                <a:latin typeface="Open Sans" panose="020B0606030504020204" pitchFamily="34" charset="0"/>
+              </a:rPr>
+              <a:t>− formal parameter names</a:t>
+            </a:r>
+          </a:p>
+          <a:p>
+            <a:pPr marL="685800" lvl="1" indent="-228600">
+              <a:buFont typeface="Arial" panose="020B0604020202020204" pitchFamily="34" charset="0"/>
+              <a:buChar char="•"/>
+            </a:pPr>
+            <a:r>
+              <a:rPr lang="en-US" i="1" dirty="0">
+                <a:solidFill>
+                  <a:srgbClr val="00B0F0"/>
+                </a:solidFill>
+                <a:effectLst/>
+                <a:latin typeface="Open Sans" panose="020B0606030504020204" pitchFamily="34" charset="0"/>
+              </a:rPr>
+              <a:t>datatype1 par1, datatype2 par2</a:t>
+            </a:r>
+            <a:r>
+              <a:rPr lang="en-US" i="0" dirty="0">
+                <a:solidFill>
+                  <a:srgbClr val="00B0F0"/>
+                </a:solidFill>
+                <a:effectLst/>
+                <a:latin typeface="Open Sans" panose="020B0606030504020204" pitchFamily="34" charset="0"/>
+              </a:rPr>
+              <a:t> </a:t>
+            </a:r>
+            <a:r>
+              <a:rPr lang="en-US" i="0" dirty="0">
+                <a:solidFill>
+                  <a:schemeClr val="tx1">
+                    <a:lumMod val="85000"/>
+                  </a:schemeClr>
+                </a:solidFill>
+                <a:effectLst/>
+                <a:latin typeface="Open Sans" panose="020B0606030504020204" pitchFamily="34" charset="0"/>
+              </a:rPr>
+              <a:t>− list of parameters (Can be as many as you need, separated by commas)</a:t>
+            </a:r>
+          </a:p>
+          <a:p>
+            <a:pPr marL="685800" lvl="1" indent="-228600">
+              <a:buFont typeface="Arial" panose="020B0604020202020204" pitchFamily="34" charset="0"/>
+              <a:buChar char="•"/>
+            </a:pPr>
+            <a:r>
+              <a:rPr lang="en-US" i="1" dirty="0" err="1">
+                <a:solidFill>
+                  <a:srgbClr val="00B0F0"/>
+                </a:solidFill>
+                <a:effectLst/>
+                <a:latin typeface="Open Sans" panose="020B0606030504020204" pitchFamily="34" charset="0"/>
+              </a:rPr>
+              <a:t>BodyofMethod</a:t>
+            </a:r>
+            <a:r>
+              <a:rPr lang="en-US" i="0" dirty="0">
+                <a:solidFill>
+                  <a:schemeClr val="tx1">
+                    <a:lumMod val="85000"/>
+                  </a:schemeClr>
+                </a:solidFill>
+                <a:effectLst/>
+                <a:latin typeface="Open Sans" panose="020B0606030504020204" pitchFamily="34" charset="0"/>
+              </a:rPr>
+              <a:t> —</a:t>
+            </a:r>
+            <a:r>
+              <a:rPr lang="en-US" b="0" i="0" dirty="0">
+                <a:solidFill>
+                  <a:schemeClr val="tx1">
+                    <a:lumMod val="85000"/>
+                  </a:schemeClr>
+                </a:solidFill>
+                <a:effectLst/>
+                <a:latin typeface="Open Sans" panose="020B0606030504020204" pitchFamily="34" charset="0"/>
+              </a:rPr>
+              <a:t>&gt; this is where you put your code… anything that you want to accomplish in that particular method.  All Java code, and will include variable declarations, method calls, etc.</a:t>
+            </a:r>
+          </a:p>
+        </p:txBody>
+      </p:sp>
+      <p:sp>
+        <p:nvSpPr>
+          <p:cNvPr id="3" name="TextBox 2">
+            <a:extLst>
+              <a:ext uri="{FF2B5EF4-FFF2-40B4-BE49-F238E27FC236}">
+                <a16:creationId xmlns:a16="http://schemas.microsoft.com/office/drawing/2014/main" id="{AECD1743-AE1E-E8A6-57D4-D340FC95D16D}"/>
+              </a:ext>
+            </a:extLst>
+          </p:cNvPr>
+          <p:cNvSpPr txBox="1"/>
+          <p:nvPr/>
+        </p:nvSpPr>
+        <p:spPr>
+          <a:xfrm>
+            <a:off x="6224632" y="6099933"/>
+            <a:ext cx="5844680" cy="307777"/>
+          </a:xfrm>
+          <a:prstGeom prst="rect">
+            <a:avLst/>
+          </a:prstGeom>
+          <a:noFill/>
+        </p:spPr>
+        <p:txBody>
+          <a:bodyPr wrap="square">
+            <a:spAutoFit/>
+          </a:bodyPr>
+          <a:lstStyle/>
+          <a:p>
+            <a:r>
+              <a:rPr lang="en-US" sz="1400" dirty="0">
+                <a:hlinkClick r:id="rId2"/>
+              </a:rPr>
+              <a:t>https://docs.oracle.com/javase/tutorial/java/javaOO/methods.html</a:t>
+            </a:r>
+            <a:endParaRPr lang="en-US" sz="1400" dirty="0"/>
+          </a:p>
+        </p:txBody>
+      </p:sp>
+      <p:sp>
+        <p:nvSpPr>
+          <p:cNvPr id="7" name="TextBox 6">
+            <a:extLst>
+              <a:ext uri="{FF2B5EF4-FFF2-40B4-BE49-F238E27FC236}">
+                <a16:creationId xmlns:a16="http://schemas.microsoft.com/office/drawing/2014/main" id="{5DAF20F1-2F34-F140-81DA-E78BF03C81E4}"/>
+              </a:ext>
+            </a:extLst>
+          </p:cNvPr>
+          <p:cNvSpPr txBox="1"/>
+          <p:nvPr/>
+        </p:nvSpPr>
+        <p:spPr>
+          <a:xfrm>
+            <a:off x="6224632" y="6420395"/>
+            <a:ext cx="6094602" cy="307777"/>
+          </a:xfrm>
+          <a:prstGeom prst="rect">
+            <a:avLst/>
+          </a:prstGeom>
+          <a:noFill/>
+        </p:spPr>
+        <p:txBody>
+          <a:bodyPr wrap="square">
+            <a:spAutoFit/>
+          </a:bodyPr>
+          <a:lstStyle/>
+          <a:p>
+            <a:r>
+              <a:rPr lang="en-US" sz="1400" dirty="0">
+                <a:hlinkClick r:id="rId3"/>
+              </a:rPr>
+              <a:t>https://github.com/ckiefriter1/Java-Code-Examples/tree/main/src/methods</a:t>
+            </a:r>
+            <a:endParaRPr lang="en-US" sz="1400" dirty="0"/>
+          </a:p>
+        </p:txBody>
+      </p:sp>
+    </p:spTree>
+    <p:extLst>
+      <p:ext uri="{BB962C8B-B14F-4D97-AF65-F5344CB8AC3E}">
+        <p14:creationId xmlns:p14="http://schemas.microsoft.com/office/powerpoint/2010/main" val="976671966"/>
+      </p:ext>
+    </p:extLst>
+  </p:cSld>
+  <p:clrMapOvr>
+    <a:masterClrMapping/>
+  </p:clrMapOvr>
+</p:sld>
+</file>
+
+<file path=ppt/slides/slide6.xml><?xml version="1.0" encoding="utf-8"?>
+<p:sld xmlns:a="http://schemas.openxmlformats.org/drawingml/2006/main" xmlns:r="http://schemas.openxmlformats.org/officeDocument/2006/relationships" xmlns:p="http://schemas.openxmlformats.org/presentationml/2006/main">
+  <p:cSld>
+    <p:spTree>
+      <p:nvGrpSpPr>
+        <p:cNvPr id="1" name=""/>
+        <p:cNvGrpSpPr/>
+        <p:nvPr/>
+      </p:nvGrpSpPr>
+      <p:grpSpPr>
+        <a:xfrm>
+          <a:off x="0" y="0"/>
+          <a:ext cx="0" cy="0"/>
+          <a:chOff x="0" y="0"/>
+          <a:chExt cx="0" cy="0"/>
+        </a:xfrm>
+      </p:grpSpPr>
+      <p:sp>
+        <p:nvSpPr>
+          <p:cNvPr id="3" name="TextBox 2">
+            <a:extLst>
+              <a:ext uri="{FF2B5EF4-FFF2-40B4-BE49-F238E27FC236}">
+                <a16:creationId xmlns:a16="http://schemas.microsoft.com/office/drawing/2014/main" id="{23DFC7E9-54DD-38D7-0B9B-D34948D68CF9}"/>
+              </a:ext>
+            </a:extLst>
+          </p:cNvPr>
+          <p:cNvSpPr txBox="1"/>
+          <p:nvPr/>
+        </p:nvSpPr>
+        <p:spPr>
+          <a:xfrm>
+            <a:off x="1669409" y="2459504"/>
+            <a:ext cx="8183202" cy="1015663"/>
+          </a:xfrm>
+          <a:prstGeom prst="rect">
+            <a:avLst/>
+          </a:prstGeom>
+          <a:noFill/>
+        </p:spPr>
+        <p:txBody>
+          <a:bodyPr wrap="square">
+            <a:spAutoFit/>
+          </a:bodyPr>
+          <a:lstStyle/>
+          <a:p>
+            <a:pPr marL="0" marR="0" lvl="0" indent="0" algn="l" defTabSz="914400" rtl="0" eaLnBrk="1" fontAlgn="auto" latinLnBrk="0" hangingPunct="1">
+              <a:lnSpc>
+                <a:spcPct val="100000"/>
+              </a:lnSpc>
+              <a:spcBef>
+                <a:spcPts val="0"/>
+              </a:spcBef>
+              <a:spcAft>
+                <a:spcPts val="0"/>
+              </a:spcAft>
+              <a:buClrTx/>
+              <a:buSzTx/>
+              <a:buFontTx/>
+              <a:buNone/>
+              <a:tabLst/>
+              <a:defRPr/>
+            </a:pPr>
+            <a:r>
               <a:rPr lang="en-US" sz="6000" dirty="0">
                 <a:solidFill>
                   <a:prstClr val="white">
@@ -7902,7 +8983,7 @@
 </p:sld>
 </file>
 
-<file path=ppt/slides/slide5.xml><?xml version="1.0" encoding="utf-8"?>
+<file path=ppt/slides/slide7.xml><?xml version="1.0" encoding="utf-8"?>
 <p:sld xmlns:a="http://schemas.openxmlformats.org/drawingml/2006/main" xmlns:r="http://schemas.openxmlformats.org/officeDocument/2006/relationships" xmlns:p="http://schemas.openxmlformats.org/presentationml/2006/main">
   <p:cSld>
     <p:spTree>
@@ -8602,7 +9683,7 @@
 </p:sld>
 </file>
 
-<file path=ppt/slides/slide6.xml><?xml version="1.0" encoding="utf-8"?>
+<file path=ppt/slides/slide8.xml><?xml version="1.0" encoding="utf-8"?>
 <p:sld xmlns:a="http://schemas.openxmlformats.org/drawingml/2006/main" xmlns:r="http://schemas.openxmlformats.org/officeDocument/2006/relationships" xmlns:p="http://schemas.openxmlformats.org/presentationml/2006/main">
   <p:cSld>
     <p:spTree>
@@ -8968,930 +10049,6 @@
     <p:extLst>
       <p:ext uri="{BB962C8B-B14F-4D97-AF65-F5344CB8AC3E}">
         <p14:creationId xmlns:p14="http://schemas.microsoft.com/office/powerpoint/2010/main" val="460794980"/>
-      </p:ext>
-    </p:extLst>
-  </p:cSld>
-  <p:clrMapOvr>
-    <a:masterClrMapping/>
-  </p:clrMapOvr>
-</p:sld>
-</file>
-
-<file path=ppt/slides/slide7.xml><?xml version="1.0" encoding="utf-8"?>
-<p:sld xmlns:a="http://schemas.openxmlformats.org/drawingml/2006/main" xmlns:r="http://schemas.openxmlformats.org/officeDocument/2006/relationships" xmlns:p="http://schemas.openxmlformats.org/presentationml/2006/main">
-  <p:cSld>
-    <p:spTree>
-      <p:nvGrpSpPr>
-        <p:cNvPr id="1" name=""/>
-        <p:cNvGrpSpPr/>
-        <p:nvPr/>
-      </p:nvGrpSpPr>
-      <p:grpSpPr>
-        <a:xfrm>
-          <a:off x="0" y="0"/>
-          <a:ext cx="0" cy="0"/>
-          <a:chOff x="0" y="0"/>
-          <a:chExt cx="0" cy="0"/>
-        </a:xfrm>
-      </p:grpSpPr>
-      <p:sp>
-        <p:nvSpPr>
-          <p:cNvPr id="3" name="TextBox 2">
-            <a:extLst>
-              <a:ext uri="{FF2B5EF4-FFF2-40B4-BE49-F238E27FC236}">
-                <a16:creationId xmlns:a16="http://schemas.microsoft.com/office/drawing/2014/main" id="{23DFC7E9-54DD-38D7-0B9B-D34948D68CF9}"/>
-              </a:ext>
-            </a:extLst>
-          </p:cNvPr>
-          <p:cNvSpPr txBox="1"/>
-          <p:nvPr/>
-        </p:nvSpPr>
-        <p:spPr>
-          <a:xfrm>
-            <a:off x="1894669" y="2745699"/>
-            <a:ext cx="9326104" cy="1015663"/>
-          </a:xfrm>
-          <a:prstGeom prst="rect">
-            <a:avLst/>
-          </a:prstGeom>
-          <a:noFill/>
-        </p:spPr>
-        <p:txBody>
-          <a:bodyPr wrap="square">
-            <a:spAutoFit/>
-          </a:bodyPr>
-          <a:lstStyle/>
-          <a:p>
-            <a:pPr marL="0" marR="0" lvl="0" indent="0" algn="l" defTabSz="914400" rtl="0" eaLnBrk="1" fontAlgn="auto" latinLnBrk="0" hangingPunct="1">
-              <a:lnSpc>
-                <a:spcPct val="100000"/>
-              </a:lnSpc>
-              <a:spcBef>
-                <a:spcPts val="0"/>
-              </a:spcBef>
-              <a:spcAft>
-                <a:spcPts val="0"/>
-              </a:spcAft>
-              <a:buClrTx/>
-              <a:buSzTx/>
-              <a:buFontTx/>
-              <a:buNone/>
-              <a:tabLst/>
-              <a:defRPr/>
-            </a:pPr>
-            <a:r>
-              <a:rPr kumimoji="0" lang="en-US" sz="6000" b="0" i="0" u="none" strike="noStrike" kern="1200" cap="none" spc="0" normalizeH="0" baseline="0" noProof="0" dirty="0">
-                <a:ln>
-                  <a:noFill/>
-                </a:ln>
-                <a:solidFill>
-                  <a:prstClr val="white">
-                    <a:lumMod val="75000"/>
-                  </a:prstClr>
-                </a:solidFill>
-                <a:effectLst/>
-                <a:uLnTx/>
-                <a:uFillTx/>
-                <a:latin typeface="Open Sans" panose="020B0606030504020204" pitchFamily="34" charset="0"/>
-                <a:ea typeface="+mn-ea"/>
-                <a:cs typeface="+mn-cs"/>
-              </a:rPr>
-              <a:t>Methods</a:t>
-            </a:r>
-          </a:p>
-        </p:txBody>
-      </p:sp>
-    </p:spTree>
-    <p:extLst>
-      <p:ext uri="{BB962C8B-B14F-4D97-AF65-F5344CB8AC3E}">
-        <p14:creationId xmlns:p14="http://schemas.microsoft.com/office/powerpoint/2010/main" val="367428708"/>
-      </p:ext>
-    </p:extLst>
-  </p:cSld>
-  <p:clrMapOvr>
-    <a:masterClrMapping/>
-  </p:clrMapOvr>
-</p:sld>
-</file>
-
-<file path=ppt/slides/slide8.xml><?xml version="1.0" encoding="utf-8"?>
-<p:sld xmlns:a="http://schemas.openxmlformats.org/drawingml/2006/main" xmlns:r="http://schemas.openxmlformats.org/officeDocument/2006/relationships" xmlns:p="http://schemas.openxmlformats.org/presentationml/2006/main">
-  <p:cSld>
-    <p:spTree>
-      <p:nvGrpSpPr>
-        <p:cNvPr id="1" name=""/>
-        <p:cNvGrpSpPr/>
-        <p:nvPr/>
-      </p:nvGrpSpPr>
-      <p:grpSpPr>
-        <a:xfrm>
-          <a:off x="0" y="0"/>
-          <a:ext cx="0" cy="0"/>
-          <a:chOff x="0" y="0"/>
-          <a:chExt cx="0" cy="0"/>
-        </a:xfrm>
-      </p:grpSpPr>
-      <p:sp>
-        <p:nvSpPr>
-          <p:cNvPr id="6" name="TextBox 5">
-            <a:extLst>
-              <a:ext uri="{FF2B5EF4-FFF2-40B4-BE49-F238E27FC236}">
-                <a16:creationId xmlns:a16="http://schemas.microsoft.com/office/drawing/2014/main" id="{59E906CD-110B-9D01-732C-2F21759B0265}"/>
-              </a:ext>
-            </a:extLst>
-          </p:cNvPr>
-          <p:cNvSpPr txBox="1"/>
-          <p:nvPr/>
-        </p:nvSpPr>
-        <p:spPr>
-          <a:xfrm>
-            <a:off x="193251" y="91915"/>
-            <a:ext cx="6094854" cy="461665"/>
-          </a:xfrm>
-          <a:prstGeom prst="rect">
-            <a:avLst/>
-          </a:prstGeom>
-          <a:noFill/>
-        </p:spPr>
-        <p:txBody>
-          <a:bodyPr wrap="square">
-            <a:spAutoFit/>
-          </a:bodyPr>
-          <a:lstStyle/>
-          <a:p>
-            <a:pPr algn="l"/>
-            <a:r>
-              <a:rPr lang="en-US" sz="2400" b="1" dirty="0">
-                <a:solidFill>
-                  <a:srgbClr val="00B050"/>
-                </a:solidFill>
-                <a:latin typeface="Open Sans" panose="020B0606030504020204" pitchFamily="34" charset="0"/>
-              </a:rPr>
-              <a:t>Methods</a:t>
-            </a:r>
-            <a:endParaRPr lang="en-US" sz="2400" b="1" dirty="0">
-              <a:solidFill>
-                <a:srgbClr val="00B050"/>
-              </a:solidFill>
-              <a:effectLst/>
-              <a:latin typeface="Open Sans" panose="020B0606030504020204" pitchFamily="34" charset="0"/>
-            </a:endParaRPr>
-          </a:p>
-        </p:txBody>
-      </p:sp>
-      <p:sp>
-        <p:nvSpPr>
-          <p:cNvPr id="4" name="TextBox 3">
-            <a:extLst>
-              <a:ext uri="{FF2B5EF4-FFF2-40B4-BE49-F238E27FC236}">
-                <a16:creationId xmlns:a16="http://schemas.microsoft.com/office/drawing/2014/main" id="{C0B26727-0F97-5A73-B4ED-6BE65E07E5DB}"/>
-              </a:ext>
-            </a:extLst>
-          </p:cNvPr>
-          <p:cNvSpPr txBox="1"/>
-          <p:nvPr/>
-        </p:nvSpPr>
-        <p:spPr>
-          <a:xfrm>
-            <a:off x="176169" y="465956"/>
-            <a:ext cx="11931637" cy="5632311"/>
-          </a:xfrm>
-          <a:prstGeom prst="rect">
-            <a:avLst/>
-          </a:prstGeom>
-          <a:noFill/>
-        </p:spPr>
-        <p:txBody>
-          <a:bodyPr wrap="square">
-            <a:spAutoFit/>
-          </a:bodyPr>
-          <a:lstStyle/>
-          <a:p>
-            <a:pPr algn="l"/>
-            <a:r>
-              <a:rPr lang="en-US" b="0" i="0" dirty="0">
-                <a:solidFill>
-                  <a:schemeClr val="tx1">
-                    <a:lumMod val="85000"/>
-                  </a:schemeClr>
-                </a:solidFill>
-                <a:effectLst/>
-                <a:latin typeface="Open Sans" panose="020B0606030504020204" pitchFamily="34" charset="0"/>
-              </a:rPr>
-              <a:t>Java uses </a:t>
-            </a:r>
-            <a:r>
-              <a:rPr lang="en-US" b="0" i="0" dirty="0">
-                <a:solidFill>
-                  <a:srgbClr val="00B0F0"/>
-                </a:solidFill>
-                <a:effectLst/>
-                <a:latin typeface="Open Sans" panose="020B0606030504020204" pitchFamily="34" charset="0"/>
-              </a:rPr>
-              <a:t>methods</a:t>
-            </a:r>
-            <a:r>
-              <a:rPr lang="en-US" b="0" i="0" dirty="0">
-                <a:solidFill>
-                  <a:schemeClr val="tx1">
-                    <a:lumMod val="85000"/>
-                  </a:schemeClr>
-                </a:solidFill>
-                <a:effectLst/>
-                <a:latin typeface="Open Sans" panose="020B0606030504020204" pitchFamily="34" charset="0"/>
-              </a:rPr>
-              <a:t> to </a:t>
-            </a:r>
-            <a:r>
-              <a:rPr lang="en-US" b="0" i="0" dirty="0">
-                <a:solidFill>
-                  <a:srgbClr val="00B0F0"/>
-                </a:solidFill>
-                <a:effectLst/>
-                <a:latin typeface="Open Sans" panose="020B0606030504020204" pitchFamily="34" charset="0"/>
-              </a:rPr>
-              <a:t>accomplish predefined tasks</a:t>
-            </a:r>
-            <a:r>
-              <a:rPr lang="en-US" b="0" i="0" dirty="0">
-                <a:solidFill>
-                  <a:schemeClr val="tx1">
-                    <a:lumMod val="85000"/>
-                  </a:schemeClr>
-                </a:solidFill>
-                <a:effectLst/>
-                <a:latin typeface="Open Sans" panose="020B0606030504020204" pitchFamily="34" charset="0"/>
-              </a:rPr>
-              <a:t>.  A method is </a:t>
-            </a:r>
-            <a:r>
-              <a:rPr lang="en-US" b="0" i="0" dirty="0">
-                <a:solidFill>
-                  <a:srgbClr val="00B0F0"/>
-                </a:solidFill>
-                <a:effectLst/>
-                <a:latin typeface="Open Sans" panose="020B0606030504020204" pitchFamily="34" charset="0"/>
-              </a:rPr>
-              <a:t>code that runs when it is called</a:t>
-            </a:r>
-            <a:r>
-              <a:rPr lang="en-US" b="0" i="0" dirty="0">
-                <a:solidFill>
-                  <a:schemeClr val="tx1">
-                    <a:lumMod val="85000"/>
-                  </a:schemeClr>
-                </a:solidFill>
-                <a:effectLst/>
-                <a:latin typeface="Open Sans" panose="020B0606030504020204" pitchFamily="34" charset="0"/>
-              </a:rPr>
-              <a:t>.  When you write a program and </a:t>
-            </a:r>
-            <a:r>
-              <a:rPr lang="en-US" b="0" i="0" dirty="0">
-                <a:solidFill>
-                  <a:srgbClr val="00B0F0"/>
-                </a:solidFill>
-                <a:effectLst/>
-                <a:latin typeface="Open Sans" panose="020B0606030504020204" pitchFamily="34" charset="0"/>
-              </a:rPr>
-              <a:t>realize that you are writing the same code over and over</a:t>
-            </a:r>
-            <a:r>
-              <a:rPr lang="en-US" b="0" i="0" dirty="0">
-                <a:solidFill>
-                  <a:schemeClr val="tx1">
-                    <a:lumMod val="85000"/>
-                  </a:schemeClr>
-                </a:solidFill>
-                <a:effectLst/>
-                <a:latin typeface="Open Sans" panose="020B0606030504020204" pitchFamily="34" charset="0"/>
-              </a:rPr>
-              <a:t>, it's time to </a:t>
-            </a:r>
-            <a:r>
-              <a:rPr lang="en-US" b="0" i="0" dirty="0">
-                <a:solidFill>
-                  <a:srgbClr val="00B0F0"/>
-                </a:solidFill>
-                <a:effectLst/>
-                <a:latin typeface="Open Sans" panose="020B0606030504020204" pitchFamily="34" charset="0"/>
-              </a:rPr>
-              <a:t>put that code into a method</a:t>
-            </a:r>
-            <a:r>
-              <a:rPr lang="en-US" b="0" i="0" dirty="0">
-                <a:solidFill>
-                  <a:schemeClr val="tx1">
-                    <a:lumMod val="85000"/>
-                  </a:schemeClr>
-                </a:solidFill>
-                <a:effectLst/>
-                <a:latin typeface="Open Sans" panose="020B0606030504020204" pitchFamily="34" charset="0"/>
-              </a:rPr>
-              <a:t>.  Another definition of a Java Method is that it is a collection of statements that are written together and executed together to perform a task. </a:t>
-            </a:r>
-          </a:p>
-          <a:p>
-            <a:pPr algn="l"/>
-            <a:endParaRPr lang="en-US" b="0" i="0" dirty="0">
-              <a:solidFill>
-                <a:schemeClr val="tx1">
-                  <a:lumMod val="85000"/>
-                </a:schemeClr>
-              </a:solidFill>
-              <a:effectLst/>
-              <a:latin typeface="Open Sans" panose="020B0606030504020204" pitchFamily="34" charset="0"/>
-            </a:endParaRPr>
-          </a:p>
-          <a:p>
-            <a:pPr algn="l"/>
-            <a:r>
-              <a:rPr lang="en-US" b="0" i="0" dirty="0">
-                <a:solidFill>
-                  <a:schemeClr val="tx1">
-                    <a:lumMod val="85000"/>
-                  </a:schemeClr>
-                </a:solidFill>
-                <a:effectLst/>
-                <a:latin typeface="Open Sans" panose="020B0606030504020204" pitchFamily="34" charset="0"/>
-              </a:rPr>
-              <a:t>What is a </a:t>
-            </a:r>
-            <a:r>
-              <a:rPr lang="en-US" b="0" i="0" dirty="0">
-                <a:solidFill>
-                  <a:srgbClr val="00B0F0"/>
-                </a:solidFill>
-                <a:effectLst/>
-                <a:latin typeface="Open Sans" panose="020B0606030504020204" pitchFamily="34" charset="0"/>
-              </a:rPr>
-              <a:t>method declaration</a:t>
-            </a:r>
-            <a:r>
-              <a:rPr lang="en-US" b="0" i="0" dirty="0">
-                <a:solidFill>
-                  <a:schemeClr val="tx1">
-                    <a:lumMod val="85000"/>
-                  </a:schemeClr>
-                </a:solidFill>
-                <a:effectLst/>
-                <a:latin typeface="Open Sans" panose="020B0606030504020204" pitchFamily="34" charset="0"/>
-              </a:rPr>
-              <a:t>?</a:t>
-            </a:r>
-          </a:p>
-          <a:p>
-            <a:pPr algn="l"/>
-            <a:r>
-              <a:rPr lang="en-US" i="1" dirty="0">
-                <a:solidFill>
-                  <a:schemeClr val="tx1">
-                    <a:lumMod val="85000"/>
-                  </a:schemeClr>
-                </a:solidFill>
-                <a:latin typeface="Open Sans" panose="020B0606030504020204" pitchFamily="34" charset="0"/>
-              </a:rPr>
-              <a:t>     </a:t>
-            </a:r>
-            <a:r>
-              <a:rPr lang="en-US" b="0" i="1" dirty="0">
-                <a:solidFill>
-                  <a:schemeClr val="tx1">
-                    <a:lumMod val="85000"/>
-                  </a:schemeClr>
-                </a:solidFill>
-                <a:effectLst/>
-                <a:latin typeface="Open Sans" panose="020B0606030504020204" pitchFamily="34" charset="0"/>
-              </a:rPr>
-              <a:t>modifier </a:t>
-            </a:r>
-            <a:r>
-              <a:rPr lang="en-US" b="0" i="1" dirty="0" err="1">
-                <a:solidFill>
-                  <a:schemeClr val="tx1">
-                    <a:lumMod val="85000"/>
-                  </a:schemeClr>
-                </a:solidFill>
-                <a:effectLst/>
-                <a:latin typeface="Open Sans" panose="020B0606030504020204" pitchFamily="34" charset="0"/>
-              </a:rPr>
-              <a:t>returnDatatype</a:t>
-            </a:r>
-            <a:r>
-              <a:rPr lang="en-US" b="0" i="1" dirty="0">
-                <a:solidFill>
-                  <a:schemeClr val="tx1">
-                    <a:lumMod val="85000"/>
-                  </a:schemeClr>
-                </a:solidFill>
-                <a:effectLst/>
-                <a:latin typeface="Open Sans" panose="020B0606030504020204" pitchFamily="34" charset="0"/>
-              </a:rPr>
-              <a:t> </a:t>
-            </a:r>
-            <a:r>
-              <a:rPr lang="en-US" b="0" i="1" dirty="0" err="1">
-                <a:solidFill>
-                  <a:schemeClr val="tx1">
-                    <a:lumMod val="85000"/>
-                  </a:schemeClr>
-                </a:solidFill>
-                <a:effectLst/>
-                <a:latin typeface="Open Sans" panose="020B0606030504020204" pitchFamily="34" charset="0"/>
-              </a:rPr>
-              <a:t>methodName</a:t>
-            </a:r>
-            <a:r>
-              <a:rPr lang="en-US" b="0" i="1" dirty="0">
-                <a:solidFill>
-                  <a:schemeClr val="tx1">
-                    <a:lumMod val="85000"/>
-                  </a:schemeClr>
-                </a:solidFill>
-                <a:effectLst/>
-                <a:latin typeface="Open Sans" panose="020B0606030504020204" pitchFamily="34" charset="0"/>
-              </a:rPr>
-              <a:t> (datatype1 par1, datatype2 par2) {</a:t>
-            </a:r>
-          </a:p>
-          <a:p>
-            <a:pPr algn="l"/>
-            <a:r>
-              <a:rPr lang="en-US" i="1" dirty="0">
-                <a:solidFill>
-                  <a:schemeClr val="tx1">
-                    <a:lumMod val="85000"/>
-                  </a:schemeClr>
-                </a:solidFill>
-                <a:latin typeface="Open Sans" panose="020B0606030504020204" pitchFamily="34" charset="0"/>
-              </a:rPr>
-              <a:t>         </a:t>
-            </a:r>
-            <a:r>
-              <a:rPr lang="en-US" b="0" i="1" dirty="0" err="1">
-                <a:solidFill>
-                  <a:schemeClr val="tx1">
-                    <a:lumMod val="85000"/>
-                  </a:schemeClr>
-                </a:solidFill>
-                <a:effectLst/>
-                <a:latin typeface="Open Sans" panose="020B0606030504020204" pitchFamily="34" charset="0"/>
-              </a:rPr>
-              <a:t>BodyOfMethod</a:t>
-            </a:r>
-            <a:endParaRPr lang="en-US" b="0" i="0" dirty="0">
-              <a:solidFill>
-                <a:schemeClr val="tx1">
-                  <a:lumMod val="85000"/>
-                </a:schemeClr>
-              </a:solidFill>
-              <a:effectLst/>
-              <a:latin typeface="Open Sans" panose="020B0606030504020204" pitchFamily="34" charset="0"/>
-            </a:endParaRPr>
-          </a:p>
-          <a:p>
-            <a:pPr algn="l"/>
-            <a:r>
-              <a:rPr lang="en-US" b="0" i="1" dirty="0">
-                <a:solidFill>
-                  <a:schemeClr val="tx1">
-                    <a:lumMod val="85000"/>
-                  </a:schemeClr>
-                </a:solidFill>
-                <a:effectLst/>
-                <a:latin typeface="Open Sans" panose="020B0606030504020204" pitchFamily="34" charset="0"/>
-              </a:rPr>
-              <a:t>     }</a:t>
-            </a:r>
-          </a:p>
-          <a:p>
-            <a:pPr algn="l"/>
-            <a:endParaRPr lang="en-US" b="0" i="0" dirty="0">
-              <a:solidFill>
-                <a:schemeClr val="tx1">
-                  <a:lumMod val="85000"/>
-                </a:schemeClr>
-              </a:solidFill>
-              <a:effectLst/>
-              <a:latin typeface="Open Sans" panose="020B0606030504020204" pitchFamily="34" charset="0"/>
-            </a:endParaRPr>
-          </a:p>
-          <a:p>
-            <a:pPr algn="l"/>
-            <a:r>
-              <a:rPr lang="en-US" b="0" i="0" u="sng" dirty="0">
-                <a:solidFill>
-                  <a:schemeClr val="tx1">
-                    <a:lumMod val="85000"/>
-                  </a:schemeClr>
-                </a:solidFill>
-                <a:effectLst/>
-                <a:latin typeface="Open Sans" panose="020B0606030504020204" pitchFamily="34" charset="0"/>
-              </a:rPr>
-              <a:t>Here, these parts of the method declaration are explained below</a:t>
-            </a:r>
-            <a:r>
-              <a:rPr lang="en-US" b="0" i="0" dirty="0">
-                <a:solidFill>
-                  <a:schemeClr val="tx1">
-                    <a:lumMod val="85000"/>
-                  </a:schemeClr>
-                </a:solidFill>
-                <a:effectLst/>
-                <a:latin typeface="Open Sans" panose="020B0606030504020204" pitchFamily="34" charset="0"/>
-              </a:rPr>
-              <a:t>:</a:t>
-            </a:r>
-          </a:p>
-          <a:p>
-            <a:pPr marL="685800" lvl="1" indent="-228600">
-              <a:buFont typeface="Arial" panose="020B0604020202020204" pitchFamily="34" charset="0"/>
-              <a:buChar char="•"/>
-            </a:pPr>
-            <a:r>
-              <a:rPr lang="en-US" i="1" dirty="0">
-                <a:solidFill>
-                  <a:srgbClr val="00B0F0"/>
-                </a:solidFill>
-                <a:effectLst/>
-                <a:latin typeface="Open Sans" panose="020B0606030504020204" pitchFamily="34" charset="0"/>
-              </a:rPr>
-              <a:t>modifier</a:t>
-            </a:r>
-            <a:r>
-              <a:rPr lang="en-US" i="0" dirty="0">
-                <a:solidFill>
-                  <a:schemeClr val="tx1">
-                    <a:lumMod val="85000"/>
-                  </a:schemeClr>
-                </a:solidFill>
-                <a:effectLst/>
-                <a:latin typeface="Open Sans" panose="020B0606030504020204" pitchFamily="34" charset="0"/>
-              </a:rPr>
-              <a:t> − modifier -- </a:t>
-            </a:r>
-            <a:r>
-              <a:rPr lang="en-US" i="1" dirty="0">
-                <a:solidFill>
-                  <a:schemeClr val="tx1">
-                    <a:lumMod val="85000"/>
-                  </a:schemeClr>
-                </a:solidFill>
-                <a:effectLst/>
-                <a:latin typeface="Open Sans" panose="020B0606030504020204" pitchFamily="34" charset="0"/>
-              </a:rPr>
-              <a:t>public, protected, default </a:t>
-            </a:r>
-            <a:r>
-              <a:rPr lang="en-US" i="0" dirty="0">
-                <a:solidFill>
-                  <a:schemeClr val="tx1">
-                    <a:lumMod val="85000"/>
-                  </a:schemeClr>
-                </a:solidFill>
-                <a:effectLst/>
-                <a:latin typeface="Open Sans" panose="020B0606030504020204" pitchFamily="34" charset="0"/>
-              </a:rPr>
-              <a:t>and</a:t>
-            </a:r>
-            <a:r>
-              <a:rPr lang="en-US" i="1" dirty="0">
-                <a:solidFill>
-                  <a:schemeClr val="tx1">
-                    <a:lumMod val="85000"/>
-                  </a:schemeClr>
-                </a:solidFill>
-                <a:effectLst/>
-                <a:latin typeface="Open Sans" panose="020B0606030504020204" pitchFamily="34" charset="0"/>
-              </a:rPr>
-              <a:t> private</a:t>
-            </a:r>
-            <a:endParaRPr lang="en-US" i="0" dirty="0">
-              <a:solidFill>
-                <a:schemeClr val="tx1">
-                  <a:lumMod val="85000"/>
-                </a:schemeClr>
-              </a:solidFill>
-              <a:effectLst/>
-              <a:latin typeface="Open Sans" panose="020B0606030504020204" pitchFamily="34" charset="0"/>
-            </a:endParaRPr>
-          </a:p>
-          <a:p>
-            <a:pPr marL="685800" lvl="1" indent="-228600">
-              <a:buFont typeface="Arial" panose="020B0604020202020204" pitchFamily="34" charset="0"/>
-              <a:buChar char="•"/>
-            </a:pPr>
-            <a:r>
-              <a:rPr lang="en-US" i="1" dirty="0" err="1">
-                <a:solidFill>
-                  <a:srgbClr val="00B0F0"/>
-                </a:solidFill>
-                <a:effectLst/>
-                <a:latin typeface="Open Sans" panose="020B0606030504020204" pitchFamily="34" charset="0"/>
-              </a:rPr>
-              <a:t>returnDatatype</a:t>
-            </a:r>
-            <a:r>
-              <a:rPr lang="en-US" i="0" dirty="0">
-                <a:solidFill>
-                  <a:schemeClr val="tx1">
-                    <a:lumMod val="85000"/>
-                  </a:schemeClr>
-                </a:solidFill>
-                <a:effectLst/>
-                <a:latin typeface="Open Sans" panose="020B0606030504020204" pitchFamily="34" charset="0"/>
-              </a:rPr>
-              <a:t> − the return datatype (Can be a Java primitive datatype,  an Object, or a Collection of a datatype or an Object, or can be </a:t>
-            </a:r>
-            <a:r>
-              <a:rPr lang="en-US" i="0" u="sng" dirty="0">
-                <a:solidFill>
-                  <a:schemeClr val="tx1">
-                    <a:lumMod val="85000"/>
-                  </a:schemeClr>
-                </a:solidFill>
-                <a:effectLst/>
-                <a:latin typeface="Open Sans" panose="020B0606030504020204" pitchFamily="34" charset="0"/>
-              </a:rPr>
-              <a:t>void</a:t>
-            </a:r>
-            <a:r>
-              <a:rPr lang="en-US" i="0" dirty="0">
-                <a:solidFill>
-                  <a:schemeClr val="tx1">
-                    <a:lumMod val="85000"/>
-                  </a:schemeClr>
-                </a:solidFill>
-                <a:effectLst/>
-                <a:latin typeface="Open Sans" panose="020B0606030504020204" pitchFamily="34" charset="0"/>
-              </a:rPr>
-              <a:t>).</a:t>
-            </a:r>
-          </a:p>
-          <a:p>
-            <a:pPr marL="685800" lvl="1" indent="-228600">
-              <a:buFont typeface="Arial" panose="020B0604020202020204" pitchFamily="34" charset="0"/>
-              <a:buChar char="•"/>
-            </a:pPr>
-            <a:r>
-              <a:rPr lang="en-US" i="1" dirty="0" err="1">
-                <a:solidFill>
-                  <a:srgbClr val="00B0F0"/>
-                </a:solidFill>
-                <a:effectLst/>
-                <a:latin typeface="Open Sans" panose="020B0606030504020204" pitchFamily="34" charset="0"/>
-              </a:rPr>
-              <a:t>methodName</a:t>
-            </a:r>
-            <a:r>
-              <a:rPr lang="en-US" i="0" dirty="0">
-                <a:solidFill>
-                  <a:srgbClr val="00B0F0"/>
-                </a:solidFill>
-                <a:effectLst/>
-                <a:latin typeface="Open Sans" panose="020B0606030504020204" pitchFamily="34" charset="0"/>
-              </a:rPr>
-              <a:t> </a:t>
-            </a:r>
-            <a:r>
-              <a:rPr lang="en-US" i="0" dirty="0">
-                <a:solidFill>
-                  <a:schemeClr val="tx1">
-                    <a:lumMod val="85000"/>
-                  </a:schemeClr>
-                </a:solidFill>
-                <a:effectLst/>
-                <a:latin typeface="Open Sans" panose="020B0606030504020204" pitchFamily="34" charset="0"/>
-              </a:rPr>
-              <a:t>− name of the method</a:t>
-            </a:r>
-          </a:p>
-          <a:p>
-            <a:pPr marL="685800" lvl="1" indent="-228600">
-              <a:buFont typeface="Arial" panose="020B0604020202020204" pitchFamily="34" charset="0"/>
-              <a:buChar char="•"/>
-            </a:pPr>
-            <a:r>
-              <a:rPr lang="en-US" i="1" dirty="0">
-                <a:solidFill>
-                  <a:srgbClr val="00B0F0"/>
-                </a:solidFill>
-                <a:effectLst/>
-                <a:latin typeface="Open Sans" panose="020B0606030504020204" pitchFamily="34" charset="0"/>
-              </a:rPr>
-              <a:t>datatype1, datatype2</a:t>
-            </a:r>
-            <a:r>
-              <a:rPr lang="en-US" i="0" dirty="0">
-                <a:solidFill>
-                  <a:srgbClr val="00B0F0"/>
-                </a:solidFill>
-                <a:effectLst/>
-                <a:latin typeface="Open Sans" panose="020B0606030504020204" pitchFamily="34" charset="0"/>
-              </a:rPr>
-              <a:t> </a:t>
-            </a:r>
-            <a:r>
-              <a:rPr lang="en-US" i="0" dirty="0">
-                <a:solidFill>
-                  <a:schemeClr val="tx1">
-                    <a:lumMod val="85000"/>
-                  </a:schemeClr>
-                </a:solidFill>
-                <a:effectLst/>
-                <a:latin typeface="Open Sans" panose="020B0606030504020204" pitchFamily="34" charset="0"/>
-              </a:rPr>
-              <a:t>- datatypes of the parameters </a:t>
-            </a:r>
-          </a:p>
-          <a:p>
-            <a:pPr marL="685800" lvl="1" indent="-228600">
-              <a:buFont typeface="Arial" panose="020B0604020202020204" pitchFamily="34" charset="0"/>
-              <a:buChar char="•"/>
-            </a:pPr>
-            <a:r>
-              <a:rPr lang="en-US" i="1" dirty="0">
-                <a:solidFill>
-                  <a:srgbClr val="00B0F0"/>
-                </a:solidFill>
-                <a:effectLst/>
-                <a:latin typeface="Open Sans" panose="020B0606030504020204" pitchFamily="34" charset="0"/>
-              </a:rPr>
-              <a:t>par1, par2 </a:t>
-            </a:r>
-            <a:r>
-              <a:rPr lang="en-US" i="0" dirty="0">
-                <a:solidFill>
-                  <a:schemeClr val="tx1">
-                    <a:lumMod val="85000"/>
-                  </a:schemeClr>
-                </a:solidFill>
-                <a:effectLst/>
-                <a:latin typeface="Open Sans" panose="020B0606030504020204" pitchFamily="34" charset="0"/>
-              </a:rPr>
-              <a:t>− formal parameter names</a:t>
-            </a:r>
-          </a:p>
-          <a:p>
-            <a:pPr marL="685800" lvl="1" indent="-228600">
-              <a:buFont typeface="Arial" panose="020B0604020202020204" pitchFamily="34" charset="0"/>
-              <a:buChar char="•"/>
-            </a:pPr>
-            <a:r>
-              <a:rPr lang="en-US" i="1" dirty="0">
-                <a:solidFill>
-                  <a:srgbClr val="00B0F0"/>
-                </a:solidFill>
-                <a:effectLst/>
-                <a:latin typeface="Open Sans" panose="020B0606030504020204" pitchFamily="34" charset="0"/>
-              </a:rPr>
-              <a:t>datatype1 par1, datatype2 par2</a:t>
-            </a:r>
-            <a:r>
-              <a:rPr lang="en-US" i="0" dirty="0">
-                <a:solidFill>
-                  <a:srgbClr val="00B0F0"/>
-                </a:solidFill>
-                <a:effectLst/>
-                <a:latin typeface="Open Sans" panose="020B0606030504020204" pitchFamily="34" charset="0"/>
-              </a:rPr>
-              <a:t> </a:t>
-            </a:r>
-            <a:r>
-              <a:rPr lang="en-US" i="0" dirty="0">
-                <a:solidFill>
-                  <a:schemeClr val="tx1">
-                    <a:lumMod val="85000"/>
-                  </a:schemeClr>
-                </a:solidFill>
-                <a:effectLst/>
-                <a:latin typeface="Open Sans" panose="020B0606030504020204" pitchFamily="34" charset="0"/>
-              </a:rPr>
-              <a:t>− list of parameters (Can be as many as you need, separated by commas)</a:t>
-            </a:r>
-          </a:p>
-          <a:p>
-            <a:pPr marL="685800" lvl="1" indent="-228600">
-              <a:buFont typeface="Arial" panose="020B0604020202020204" pitchFamily="34" charset="0"/>
-              <a:buChar char="•"/>
-            </a:pPr>
-            <a:r>
-              <a:rPr lang="en-US" i="1" dirty="0" err="1">
-                <a:solidFill>
-                  <a:srgbClr val="00B0F0"/>
-                </a:solidFill>
-                <a:effectLst/>
-                <a:latin typeface="Open Sans" panose="020B0606030504020204" pitchFamily="34" charset="0"/>
-              </a:rPr>
-              <a:t>BodyofMethod</a:t>
-            </a:r>
-            <a:r>
-              <a:rPr lang="en-US" i="0" dirty="0">
-                <a:solidFill>
-                  <a:schemeClr val="tx1">
-                    <a:lumMod val="85000"/>
-                  </a:schemeClr>
-                </a:solidFill>
-                <a:effectLst/>
-                <a:latin typeface="Open Sans" panose="020B0606030504020204" pitchFamily="34" charset="0"/>
-              </a:rPr>
-              <a:t> —</a:t>
-            </a:r>
-            <a:r>
-              <a:rPr lang="en-US" b="0" i="0" dirty="0">
-                <a:solidFill>
-                  <a:schemeClr val="tx1">
-                    <a:lumMod val="85000"/>
-                  </a:schemeClr>
-                </a:solidFill>
-                <a:effectLst/>
-                <a:latin typeface="Open Sans" panose="020B0606030504020204" pitchFamily="34" charset="0"/>
-              </a:rPr>
-              <a:t>&gt; this is where you put your code… anything that you want to accomplish in that particular method.  All Java code, and will include variable declarations, method calls, etc.</a:t>
-            </a:r>
-          </a:p>
-        </p:txBody>
-      </p:sp>
-      <p:sp>
-        <p:nvSpPr>
-          <p:cNvPr id="3" name="TextBox 2">
-            <a:extLst>
-              <a:ext uri="{FF2B5EF4-FFF2-40B4-BE49-F238E27FC236}">
-                <a16:creationId xmlns:a16="http://schemas.microsoft.com/office/drawing/2014/main" id="{AECD1743-AE1E-E8A6-57D4-D340FC95D16D}"/>
-              </a:ext>
-            </a:extLst>
-          </p:cNvPr>
-          <p:cNvSpPr txBox="1"/>
-          <p:nvPr/>
-        </p:nvSpPr>
-        <p:spPr>
-          <a:xfrm>
-            <a:off x="6224632" y="6099933"/>
-            <a:ext cx="5844680" cy="307777"/>
-          </a:xfrm>
-          <a:prstGeom prst="rect">
-            <a:avLst/>
-          </a:prstGeom>
-          <a:noFill/>
-        </p:spPr>
-        <p:txBody>
-          <a:bodyPr wrap="square">
-            <a:spAutoFit/>
-          </a:bodyPr>
-          <a:lstStyle/>
-          <a:p>
-            <a:r>
-              <a:rPr lang="en-US" sz="1400" dirty="0">
-                <a:hlinkClick r:id="rId2"/>
-              </a:rPr>
-              <a:t>https://docs.oracle.com/javase/tutorial/java/javaOO/methods.html</a:t>
-            </a:r>
-            <a:endParaRPr lang="en-US" sz="1400" dirty="0"/>
-          </a:p>
-        </p:txBody>
-      </p:sp>
-      <p:sp>
-        <p:nvSpPr>
-          <p:cNvPr id="7" name="TextBox 6">
-            <a:extLst>
-              <a:ext uri="{FF2B5EF4-FFF2-40B4-BE49-F238E27FC236}">
-                <a16:creationId xmlns:a16="http://schemas.microsoft.com/office/drawing/2014/main" id="{5DAF20F1-2F34-F140-81DA-E78BF03C81E4}"/>
-              </a:ext>
-            </a:extLst>
-          </p:cNvPr>
-          <p:cNvSpPr txBox="1"/>
-          <p:nvPr/>
-        </p:nvSpPr>
-        <p:spPr>
-          <a:xfrm>
-            <a:off x="6224632" y="6420395"/>
-            <a:ext cx="6094602" cy="307777"/>
-          </a:xfrm>
-          <a:prstGeom prst="rect">
-            <a:avLst/>
-          </a:prstGeom>
-          <a:noFill/>
-        </p:spPr>
-        <p:txBody>
-          <a:bodyPr wrap="square">
-            <a:spAutoFit/>
-          </a:bodyPr>
-          <a:lstStyle/>
-          <a:p>
-            <a:r>
-              <a:rPr lang="en-US" sz="1400" dirty="0">
-                <a:hlinkClick r:id="rId3"/>
-              </a:rPr>
-              <a:t>https://github.com/ckiefriter1/Java-Code-Examples/tree/main/src/methods</a:t>
-            </a:r>
-            <a:endParaRPr lang="en-US" sz="1400" dirty="0"/>
-          </a:p>
-        </p:txBody>
-      </p:sp>
-    </p:spTree>
-    <p:extLst>
-      <p:ext uri="{BB962C8B-B14F-4D97-AF65-F5344CB8AC3E}">
-        <p14:creationId xmlns:p14="http://schemas.microsoft.com/office/powerpoint/2010/main" val="976671966"/>
       </p:ext>
     </p:extLst>
   </p:cSld>

--- a/Week3/BESD Week 3.pptx
+++ b/Week3/BESD Week 3.pptx
@@ -902,6 +902,45 @@
     </pc:docChg>
   </pc:docChgLst>
   <pc:docChgLst>
+    <pc:chgData name="Chuck Kiefriter" userId="a996b49251c4dfd2" providerId="LiveId" clId="{FCDC37C7-A045-488A-BCE3-F34DD508CE29}"/>
+    <pc:docChg chg="modSld">
+      <pc:chgData name="Chuck Kiefriter" userId="a996b49251c4dfd2" providerId="LiveId" clId="{FCDC37C7-A045-488A-BCE3-F34DD508CE29}" dt="2024-08-22T00:01:17.892" v="19" actId="20577"/>
+      <pc:docMkLst>
+        <pc:docMk/>
+      </pc:docMkLst>
+      <pc:sldChg chg="modSp mod">
+        <pc:chgData name="Chuck Kiefriter" userId="a996b49251c4dfd2" providerId="LiveId" clId="{FCDC37C7-A045-488A-BCE3-F34DD508CE29}" dt="2024-08-22T00:01:17.892" v="19" actId="20577"/>
+        <pc:sldMkLst>
+          <pc:docMk/>
+          <pc:sldMk cId="3194223319" sldId="263"/>
+        </pc:sldMkLst>
+        <pc:spChg chg="mod">
+          <ac:chgData name="Chuck Kiefriter" userId="a996b49251c4dfd2" providerId="LiveId" clId="{FCDC37C7-A045-488A-BCE3-F34DD508CE29}" dt="2024-08-22T00:01:17.892" v="19" actId="20577"/>
+          <ac:spMkLst>
+            <pc:docMk/>
+            <pc:sldMk cId="3194223319" sldId="263"/>
+            <ac:spMk id="3" creationId="{23DFC7E9-54DD-38D7-0B9B-D34948D68CF9}"/>
+          </ac:spMkLst>
+        </pc:spChg>
+      </pc:sldChg>
+      <pc:sldChg chg="modSp mod">
+        <pc:chgData name="Chuck Kiefriter" userId="a996b49251c4dfd2" providerId="LiveId" clId="{FCDC37C7-A045-488A-BCE3-F34DD508CE29}" dt="2024-08-21T23:54:00.736" v="4" actId="20577"/>
+        <pc:sldMkLst>
+          <pc:docMk/>
+          <pc:sldMk cId="1885158462" sldId="283"/>
+        </pc:sldMkLst>
+        <pc:spChg chg="mod">
+          <ac:chgData name="Chuck Kiefriter" userId="a996b49251c4dfd2" providerId="LiveId" clId="{FCDC37C7-A045-488A-BCE3-F34DD508CE29}" dt="2024-08-21T23:54:00.736" v="4" actId="20577"/>
+          <ac:spMkLst>
+            <pc:docMk/>
+            <pc:sldMk cId="1885158462" sldId="283"/>
+            <ac:spMk id="5" creationId="{9DB63145-E59C-9501-8AA5-4E6AC5C0D40F}"/>
+          </ac:spMkLst>
+        </pc:spChg>
+      </pc:sldChg>
+    </pc:docChg>
+  </pc:docChgLst>
+  <pc:docChgLst>
     <pc:chgData name="Chuck Kiefriter" userId="c57348f7-b440-4861-a58f-c89f414ea74a" providerId="ADAL" clId="{CEAAE73E-A3C0-4EF3-8264-4F08772B5760}"/>
     <pc:docChg chg="undo custSel addSld delSld modSld">
       <pc:chgData name="Chuck Kiefriter" userId="c57348f7-b440-4861-a58f-c89f414ea74a" providerId="ADAL" clId="{CEAAE73E-A3C0-4EF3-8264-4F08772B5760}" dt="2023-03-21T23:02:03.008" v="988" actId="6549"/>
@@ -1555,7 +1594,7 @@
           <a:p>
             <a:fld id="{33D569A9-A222-4DCC-AF28-BB813B4F2ABB}" type="datetimeFigureOut">
               <a:rPr lang="en-US" smtClean="0"/>
-              <a:t>2/21/2024</a:t>
+              <a:t>8/21/2024</a:t>
             </a:fld>
             <a:endParaRPr lang="en-US"/>
           </a:p>
@@ -1843,7 +1882,7 @@
           <a:p>
             <a:fld id="{33D569A9-A222-4DCC-AF28-BB813B4F2ABB}" type="datetimeFigureOut">
               <a:rPr lang="en-US" smtClean="0"/>
-              <a:t>2/21/2024</a:t>
+              <a:t>8/21/2024</a:t>
             </a:fld>
             <a:endParaRPr lang="en-US"/>
           </a:p>
@@ -2041,7 +2080,7 @@
           <a:p>
             <a:fld id="{33D569A9-A222-4DCC-AF28-BB813B4F2ABB}" type="datetimeFigureOut">
               <a:rPr lang="en-US" smtClean="0"/>
-              <a:t>2/21/2024</a:t>
+              <a:t>8/21/2024</a:t>
             </a:fld>
             <a:endParaRPr lang="en-US"/>
           </a:p>
@@ -2249,7 +2288,7 @@
           <a:p>
             <a:fld id="{33D569A9-A222-4DCC-AF28-BB813B4F2ABB}" type="datetimeFigureOut">
               <a:rPr lang="en-US" smtClean="0"/>
-              <a:t>2/21/2024</a:t>
+              <a:t>8/21/2024</a:t>
             </a:fld>
             <a:endParaRPr lang="en-US"/>
           </a:p>
@@ -2447,7 +2486,7 @@
           <a:p>
             <a:fld id="{33D569A9-A222-4DCC-AF28-BB813B4F2ABB}" type="datetimeFigureOut">
               <a:rPr lang="en-US" smtClean="0"/>
-              <a:t>2/21/2024</a:t>
+              <a:t>8/21/2024</a:t>
             </a:fld>
             <a:endParaRPr lang="en-US"/>
           </a:p>
@@ -2722,7 +2761,7 @@
           <a:p>
             <a:fld id="{33D569A9-A222-4DCC-AF28-BB813B4F2ABB}" type="datetimeFigureOut">
               <a:rPr lang="en-US" smtClean="0"/>
-              <a:t>2/21/2024</a:t>
+              <a:t>8/21/2024</a:t>
             </a:fld>
             <a:endParaRPr lang="en-US"/>
           </a:p>
@@ -2987,7 +3026,7 @@
           <a:p>
             <a:fld id="{33D569A9-A222-4DCC-AF28-BB813B4F2ABB}" type="datetimeFigureOut">
               <a:rPr lang="en-US" smtClean="0"/>
-              <a:t>2/21/2024</a:t>
+              <a:t>8/21/2024</a:t>
             </a:fld>
             <a:endParaRPr lang="en-US"/>
           </a:p>
@@ -3399,7 +3438,7 @@
           <a:p>
             <a:fld id="{33D569A9-A222-4DCC-AF28-BB813B4F2ABB}" type="datetimeFigureOut">
               <a:rPr lang="en-US" smtClean="0"/>
-              <a:t>2/21/2024</a:t>
+              <a:t>8/21/2024</a:t>
             </a:fld>
             <a:endParaRPr lang="en-US"/>
           </a:p>
@@ -3540,7 +3579,7 @@
           <a:p>
             <a:fld id="{33D569A9-A222-4DCC-AF28-BB813B4F2ABB}" type="datetimeFigureOut">
               <a:rPr lang="en-US" smtClean="0"/>
-              <a:t>2/21/2024</a:t>
+              <a:t>8/21/2024</a:t>
             </a:fld>
             <a:endParaRPr lang="en-US"/>
           </a:p>
@@ -3653,7 +3692,7 @@
           <a:p>
             <a:fld id="{33D569A9-A222-4DCC-AF28-BB813B4F2ABB}" type="datetimeFigureOut">
               <a:rPr lang="en-US" smtClean="0"/>
-              <a:t>2/21/2024</a:t>
+              <a:t>8/21/2024</a:t>
             </a:fld>
             <a:endParaRPr lang="en-US"/>
           </a:p>
@@ -3999,7 +4038,7 @@
           <a:p>
             <a:fld id="{33D569A9-A222-4DCC-AF28-BB813B4F2ABB}" type="datetimeFigureOut">
               <a:rPr lang="en-US" smtClean="0"/>
-              <a:t>2/21/2024</a:t>
+              <a:t>8/21/2024</a:t>
             </a:fld>
             <a:endParaRPr lang="en-US"/>
           </a:p>
@@ -4240,7 +4279,7 @@
           <a:p>
             <a:fld id="{33D569A9-A222-4DCC-AF28-BB813B4F2ABB}" type="datetimeFigureOut">
               <a:rPr lang="en-US" smtClean="0"/>
-              <a:t>2/21/2024</a:t>
+              <a:t>8/21/2024</a:t>
             </a:fld>
             <a:endParaRPr lang="en-US"/>
           </a:p>
@@ -4673,7 +4712,7 @@
         <p:spPr>
           <a:xfrm>
             <a:off x="696537" y="87952"/>
-            <a:ext cx="9326104" cy="5986254"/>
+            <a:ext cx="9326104" cy="5247590"/>
           </a:xfrm>
           <a:prstGeom prst="rect">
             <a:avLst/>
@@ -4777,27 +4816,8 @@
                 </a:solidFill>
                 <a:latin typeface="Open Sans" panose="020B0606030504020204" pitchFamily="34" charset="0"/>
               </a:rPr>
-              <a:t>Source control with git </a:t>
-            </a:r>
-            <a:r>
-              <a:rPr lang="en-US" sz="2400">
-                <a:solidFill>
-                  <a:prstClr val="white">
-                    <a:lumMod val="75000"/>
-                  </a:prstClr>
-                </a:solidFill>
-                <a:latin typeface="Open Sans" panose="020B0606030504020204" pitchFamily="34" charset="0"/>
-              </a:rPr>
-              <a:t>&amp; GitHub</a:t>
-            </a:r>
-            <a:endParaRPr lang="en-US" sz="2400" dirty="0">
-              <a:solidFill>
-                <a:prstClr val="white">
-                  <a:lumMod val="75000"/>
-                </a:prstClr>
-              </a:solidFill>
-              <a:latin typeface="Open Sans" panose="020B0606030504020204" pitchFamily="34" charset="0"/>
-            </a:endParaRPr>
+              <a:t>Arrays</a:t>
+            </a:r>
           </a:p>
           <a:p>
             <a:pPr marL="571500" marR="0" lvl="0" indent="-571500" algn="l" defTabSz="914400" rtl="0" eaLnBrk="1" fontAlgn="auto" latinLnBrk="0" hangingPunct="1">
@@ -4853,7 +4873,7 @@
                 </a:solidFill>
                 <a:latin typeface="Open Sans" panose="020B0606030504020204" pitchFamily="34" charset="0"/>
               </a:rPr>
-              <a:t>Arrays</a:t>
+              <a:t>Methods</a:t>
             </a:r>
           </a:p>
           <a:p>
@@ -4910,27 +4930,19 @@
                 </a:solidFill>
                 <a:latin typeface="Open Sans" panose="020B0606030504020204" pitchFamily="34" charset="0"/>
               </a:rPr>
-              <a:t>Methods</a:t>
-            </a:r>
-          </a:p>
-          <a:p>
-            <a:pPr marL="571500" marR="0" lvl="0" indent="-571500" algn="l" defTabSz="914400" rtl="0" eaLnBrk="1" fontAlgn="auto" latinLnBrk="0" hangingPunct="1">
-              <a:lnSpc>
-                <a:spcPct val="100000"/>
-              </a:lnSpc>
-              <a:spcBef>
-                <a:spcPts val="0"/>
-              </a:spcBef>
-              <a:spcAft>
-                <a:spcPts val="0"/>
-              </a:spcAft>
-              <a:buClrTx/>
-              <a:buSzTx/>
-              <a:buFont typeface="Arial" panose="020B0604020202020204" pitchFamily="34" charset="0"/>
-              <a:buChar char="•"/>
-              <a:tabLst/>
-              <a:defRPr/>
-            </a:pPr>
+              <a:t>Objects (</a:t>
+            </a:r>
+            <a:r>
+              <a:rPr lang="en-US" sz="2400">
+                <a:solidFill>
+                  <a:prstClr val="white">
+                    <a:lumMod val="75000"/>
+                  </a:prstClr>
+                </a:solidFill>
+                <a:latin typeface="Open Sans" panose="020B0606030504020204" pitchFamily="34" charset="0"/>
+              </a:rPr>
+              <a:t>and Classes)</a:t>
+            </a:r>
             <a:endParaRPr lang="en-US" sz="2400" dirty="0">
               <a:solidFill>
                 <a:prstClr val="white">
@@ -4939,36 +4951,6 @@
               </a:solidFill>
               <a:latin typeface="Open Sans" panose="020B0606030504020204" pitchFamily="34" charset="0"/>
             </a:endParaRPr>
-          </a:p>
-          <a:p>
-            <a:pPr marL="571500" marR="0" lvl="0" indent="-571500" algn="l" defTabSz="914400" rtl="0" eaLnBrk="1" fontAlgn="auto" latinLnBrk="0" hangingPunct="1">
-              <a:lnSpc>
-                <a:spcPct val="100000"/>
-              </a:lnSpc>
-              <a:spcBef>
-                <a:spcPts val="0"/>
-              </a:spcBef>
-              <a:spcAft>
-                <a:spcPts val="0"/>
-              </a:spcAft>
-              <a:buClrTx/>
-              <a:buSzTx/>
-              <a:buFont typeface="Arial" panose="020B0604020202020204" pitchFamily="34" charset="0"/>
-              <a:buChar char="•"/>
-              <a:tabLst/>
-              <a:defRPr/>
-            </a:pPr>
-            <a:r>
-              <a:rPr lang="en-US" sz="2400" dirty="0">
-                <a:solidFill>
-                  <a:prstClr val="white">
-                    <a:lumMod val="75000"/>
-                  </a:prstClr>
-                </a:solidFill>
-                <a:latin typeface="Open Sans" panose="020B0606030504020204" pitchFamily="34" charset="0"/>
-              </a:rPr>
-              <a:t>Objects</a:t>
-            </a:r>
           </a:p>
           <a:p>
             <a:pPr marL="571500" marR="0" lvl="0" indent="-571500" algn="l" defTabSz="914400" rtl="0" eaLnBrk="1" fontAlgn="auto" latinLnBrk="0" hangingPunct="1">
@@ -5273,7 +5255,7 @@
                 </a:solidFill>
                 <a:latin typeface="Open Sans" panose="020B0606030504020204" pitchFamily="34" charset="0"/>
               </a:rPr>
-              <a:t>Another difference between Primitive Datatypes and Objects has to do with Equality.   The Equality Operator in Java == checks to see if two references are the same.  In other words </a:t>
+              <a:t>Another difference between primitive data types and Objects has to do with Equality.   The Equality Operator in Java == checks to see if two references are the same.  In other words </a:t>
             </a:r>
             <a:r>
               <a:rPr lang="en-US" dirty="0">

--- a/Week3/BESD Week 3.pptx
+++ b/Week3/BESD Week 3.pptx
@@ -10,16 +10,16 @@
     <p:sldId id="256" r:id="rId4"/>
     <p:sldId id="265" r:id="rId5"/>
     <p:sldId id="278" r:id="rId6"/>
-    <p:sldId id="274" r:id="rId7"/>
-    <p:sldId id="275" r:id="rId8"/>
-    <p:sldId id="285" r:id="rId9"/>
-    <p:sldId id="282" r:id="rId10"/>
-    <p:sldId id="283" r:id="rId11"/>
-    <p:sldId id="280" r:id="rId12"/>
-    <p:sldId id="281" r:id="rId13"/>
-    <p:sldId id="286" r:id="rId14"/>
-    <p:sldId id="287" r:id="rId15"/>
-    <p:sldId id="260" r:id="rId16"/>
+    <p:sldId id="280" r:id="rId7"/>
+    <p:sldId id="281" r:id="rId8"/>
+    <p:sldId id="260" r:id="rId9"/>
+    <p:sldId id="274" r:id="rId10"/>
+    <p:sldId id="275" r:id="rId11"/>
+    <p:sldId id="285" r:id="rId12"/>
+    <p:sldId id="282" r:id="rId13"/>
+    <p:sldId id="283" r:id="rId14"/>
+    <p:sldId id="286" r:id="rId15"/>
+    <p:sldId id="287" r:id="rId16"/>
   </p:sldIdLst>
   <p:sldSz cx="12192000" cy="6858000"/>
   <p:notesSz cx="6858000" cy="9144000"/>
@@ -141,78 +141,6 @@
           <pc:docMk/>
           <pc:sldMk cId="3995279466" sldId="256"/>
         </pc:sldMkLst>
-        <pc:spChg chg="add del mod">
-          <ac:chgData name="Chuck Kiefriter" userId="c57348f7-b440-4861-a58f-c89f414ea74a" providerId="ADAL" clId="{C2FDF4A5-FE03-4269-B12C-3FB90C87A25C}" dt="2023-03-13T02:47:56.038" v="191" actId="478"/>
-          <ac:spMkLst>
-            <pc:docMk/>
-            <pc:sldMk cId="3995279466" sldId="256"/>
-            <ac:spMk id="2" creationId="{2C4F45DE-E822-5A85-C085-D6793E7757C6}"/>
-          </ac:spMkLst>
-        </pc:spChg>
-        <pc:spChg chg="add del mod">
-          <ac:chgData name="Chuck Kiefriter" userId="c57348f7-b440-4861-a58f-c89f414ea74a" providerId="ADAL" clId="{C2FDF4A5-FE03-4269-B12C-3FB90C87A25C}" dt="2023-03-13T02:48:25.804" v="193" actId="478"/>
-          <ac:spMkLst>
-            <pc:docMk/>
-            <pc:sldMk cId="3995279466" sldId="256"/>
-            <ac:spMk id="4" creationId="{56AD9E25-842B-8146-0917-9F5EFE416A2E}"/>
-          </ac:spMkLst>
-        </pc:spChg>
-        <pc:spChg chg="del">
-          <ac:chgData name="Chuck Kiefriter" userId="c57348f7-b440-4861-a58f-c89f414ea74a" providerId="ADAL" clId="{C2FDF4A5-FE03-4269-B12C-3FB90C87A25C}" dt="2023-03-13T02:47:34.368" v="186" actId="478"/>
-          <ac:spMkLst>
-            <pc:docMk/>
-            <pc:sldMk cId="3995279466" sldId="256"/>
-            <ac:spMk id="5" creationId="{5F9FFA0F-ABF5-A659-70E6-D8C77574B512}"/>
-          </ac:spMkLst>
-        </pc:spChg>
-        <pc:spChg chg="mod">
-          <ac:chgData name="Chuck Kiefriter" userId="c57348f7-b440-4861-a58f-c89f414ea74a" providerId="ADAL" clId="{C2FDF4A5-FE03-4269-B12C-3FB90C87A25C}" dt="2023-03-13T13:55:13.470" v="1571" actId="1036"/>
-          <ac:spMkLst>
-            <pc:docMk/>
-            <pc:sldMk cId="3995279466" sldId="256"/>
-            <ac:spMk id="6" creationId="{DE3DBA5A-FA8E-46C6-1402-E5C7632F4CAD}"/>
-          </ac:spMkLst>
-        </pc:spChg>
-        <pc:spChg chg="del">
-          <ac:chgData name="Chuck Kiefriter" userId="c57348f7-b440-4861-a58f-c89f414ea74a" providerId="ADAL" clId="{C2FDF4A5-FE03-4269-B12C-3FB90C87A25C}" dt="2023-03-13T02:48:46.914" v="198" actId="478"/>
-          <ac:spMkLst>
-            <pc:docMk/>
-            <pc:sldMk cId="3995279466" sldId="256"/>
-            <ac:spMk id="7" creationId="{E4743137-C6B2-414D-BFAA-03342A75F078}"/>
-          </ac:spMkLst>
-        </pc:spChg>
-        <pc:spChg chg="del">
-          <ac:chgData name="Chuck Kiefriter" userId="c57348f7-b440-4861-a58f-c89f414ea74a" providerId="ADAL" clId="{C2FDF4A5-FE03-4269-B12C-3FB90C87A25C}" dt="2023-03-13T02:49:24.329" v="202" actId="478"/>
-          <ac:spMkLst>
-            <pc:docMk/>
-            <pc:sldMk cId="3995279466" sldId="256"/>
-            <ac:spMk id="9" creationId="{173C8FB3-3AEA-AC6B-0DDF-E23D4893528F}"/>
-          </ac:spMkLst>
-        </pc:spChg>
-        <pc:spChg chg="add mod">
-          <ac:chgData name="Chuck Kiefriter" userId="c57348f7-b440-4861-a58f-c89f414ea74a" providerId="ADAL" clId="{C2FDF4A5-FE03-4269-B12C-3FB90C87A25C}" dt="2023-03-13T13:55:28.054" v="1574" actId="20577"/>
-          <ac:spMkLst>
-            <pc:docMk/>
-            <pc:sldMk cId="3995279466" sldId="256"/>
-            <ac:spMk id="10" creationId="{EA3D5ED0-1762-C438-DD7C-B32C5582A339}"/>
-          </ac:spMkLst>
-        </pc:spChg>
-        <pc:spChg chg="add mod">
-          <ac:chgData name="Chuck Kiefriter" userId="c57348f7-b440-4861-a58f-c89f414ea74a" providerId="ADAL" clId="{C2FDF4A5-FE03-4269-B12C-3FB90C87A25C}" dt="2023-03-13T13:54:42.242" v="1560" actId="1076"/>
-          <ac:spMkLst>
-            <pc:docMk/>
-            <pc:sldMk cId="3995279466" sldId="256"/>
-            <ac:spMk id="12" creationId="{18FCF58A-E768-0BFC-8A0B-3881F7F528D8}"/>
-          </ac:spMkLst>
-        </pc:spChg>
-        <pc:graphicFrameChg chg="add mod modGraphic">
-          <ac:chgData name="Chuck Kiefriter" userId="c57348f7-b440-4861-a58f-c89f414ea74a" providerId="ADAL" clId="{C2FDF4A5-FE03-4269-B12C-3FB90C87A25C}" dt="2023-03-13T13:54:42.242" v="1560" actId="1076"/>
-          <ac:graphicFrameMkLst>
-            <pc:docMk/>
-            <pc:sldMk cId="3995279466" sldId="256"/>
-            <ac:graphicFrameMk id="13" creationId="{BB1305A0-0446-F701-7436-EA612090B033}"/>
-          </ac:graphicFrameMkLst>
-        </pc:graphicFrameChg>
       </pc:sldChg>
       <pc:sldChg chg="del">
         <pc:chgData name="Chuck Kiefriter" userId="c57348f7-b440-4861-a58f-c89f414ea74a" providerId="ADAL" clId="{C2FDF4A5-FE03-4269-B12C-3FB90C87A25C}" dt="2023-03-13T02:59:12.416" v="314" actId="47"/>
@@ -255,14 +183,6 @@
           <pc:docMk/>
           <pc:sldMk cId="3194223319" sldId="263"/>
         </pc:sldMkLst>
-        <pc:spChg chg="mod">
-          <ac:chgData name="Chuck Kiefriter" userId="c57348f7-b440-4861-a58f-c89f414ea74a" providerId="ADAL" clId="{C2FDF4A5-FE03-4269-B12C-3FB90C87A25C}" dt="2023-03-13T02:43:52.914" v="168" actId="20577"/>
-          <ac:spMkLst>
-            <pc:docMk/>
-            <pc:sldMk cId="3194223319" sldId="263"/>
-            <ac:spMk id="3" creationId="{23DFC7E9-54DD-38D7-0B9B-D34948D68CF9}"/>
-          </ac:spMkLst>
-        </pc:spChg>
       </pc:sldChg>
       <pc:sldChg chg="modSp mod">
         <pc:chgData name="Chuck Kiefriter" userId="c57348f7-b440-4861-a58f-c89f414ea74a" providerId="ADAL" clId="{C2FDF4A5-FE03-4269-B12C-3FB90C87A25C}" dt="2023-03-13T02:59:36.661" v="331" actId="20577"/>
@@ -270,14 +190,6 @@
           <pc:docMk/>
           <pc:sldMk cId="763182894" sldId="264"/>
         </pc:sldMkLst>
-        <pc:spChg chg="mod">
-          <ac:chgData name="Chuck Kiefriter" userId="c57348f7-b440-4861-a58f-c89f414ea74a" providerId="ADAL" clId="{C2FDF4A5-FE03-4269-B12C-3FB90C87A25C}" dt="2023-03-13T02:59:36.661" v="331" actId="20577"/>
-          <ac:spMkLst>
-            <pc:docMk/>
-            <pc:sldMk cId="763182894" sldId="264"/>
-            <ac:spMk id="3" creationId="{23DFC7E9-54DD-38D7-0B9B-D34948D68CF9}"/>
-          </ac:spMkLst>
-        </pc:spChg>
       </pc:sldChg>
       <pc:sldChg chg="modSp mod">
         <pc:chgData name="Chuck Kiefriter" userId="c57348f7-b440-4861-a58f-c89f414ea74a" providerId="ADAL" clId="{C2FDF4A5-FE03-4269-B12C-3FB90C87A25C}" dt="2023-03-13T02:59:45.139" v="348" actId="20577"/>
@@ -285,14 +197,6 @@
           <pc:docMk/>
           <pc:sldMk cId="367428708" sldId="265"/>
         </pc:sldMkLst>
-        <pc:spChg chg="mod">
-          <ac:chgData name="Chuck Kiefriter" userId="c57348f7-b440-4861-a58f-c89f414ea74a" providerId="ADAL" clId="{C2FDF4A5-FE03-4269-B12C-3FB90C87A25C}" dt="2023-03-13T02:59:45.139" v="348" actId="20577"/>
-          <ac:spMkLst>
-            <pc:docMk/>
-            <pc:sldMk cId="367428708" sldId="265"/>
-            <ac:spMk id="3" creationId="{23DFC7E9-54DD-38D7-0B9B-D34948D68CF9}"/>
-          </ac:spMkLst>
-        </pc:spChg>
       </pc:sldChg>
       <pc:sldChg chg="addSp delSp modSp mod">
         <pc:chgData name="Chuck Kiefriter" userId="c57348f7-b440-4861-a58f-c89f414ea74a" providerId="ADAL" clId="{C2FDF4A5-FE03-4269-B12C-3FB90C87A25C}" dt="2023-03-13T03:27:59.526" v="828" actId="1076"/>
@@ -300,78 +204,6 @@
           <pc:docMk/>
           <pc:sldMk cId="3472760250" sldId="266"/>
         </pc:sldMkLst>
-        <pc:spChg chg="add del">
-          <ac:chgData name="Chuck Kiefriter" userId="c57348f7-b440-4861-a58f-c89f414ea74a" providerId="ADAL" clId="{C2FDF4A5-FE03-4269-B12C-3FB90C87A25C}" dt="2023-03-13T03:02:45.417" v="401"/>
-          <ac:spMkLst>
-            <pc:docMk/>
-            <pc:sldMk cId="3472760250" sldId="266"/>
-            <ac:spMk id="2" creationId="{32E1CDDC-1253-20E1-5CBA-2D4F1A21493C}"/>
-          </ac:spMkLst>
-        </pc:spChg>
-        <pc:spChg chg="mod">
-          <ac:chgData name="Chuck Kiefriter" userId="c57348f7-b440-4861-a58f-c89f414ea74a" providerId="ADAL" clId="{C2FDF4A5-FE03-4269-B12C-3FB90C87A25C}" dt="2023-03-13T03:27:51.135" v="825" actId="1076"/>
-          <ac:spMkLst>
-            <pc:docMk/>
-            <pc:sldMk cId="3472760250" sldId="266"/>
-            <ac:spMk id="3" creationId="{8A190F0E-2F97-FB1D-4C12-99BD52A45698}"/>
-          </ac:spMkLst>
-        </pc:spChg>
-        <pc:spChg chg="add mod">
-          <ac:chgData name="Chuck Kiefriter" userId="c57348f7-b440-4861-a58f-c89f414ea74a" providerId="ADAL" clId="{C2FDF4A5-FE03-4269-B12C-3FB90C87A25C}" dt="2023-03-13T03:27:51.135" v="825" actId="1076"/>
-          <ac:spMkLst>
-            <pc:docMk/>
-            <pc:sldMk cId="3472760250" sldId="266"/>
-            <ac:spMk id="5" creationId="{4722EB52-7FBD-AEF3-6771-A0B77E13744B}"/>
-          </ac:spMkLst>
-        </pc:spChg>
-        <pc:spChg chg="mod">
-          <ac:chgData name="Chuck Kiefriter" userId="c57348f7-b440-4861-a58f-c89f414ea74a" providerId="ADAL" clId="{C2FDF4A5-FE03-4269-B12C-3FB90C87A25C}" dt="2023-03-13T03:16:12.878" v="747" actId="20577"/>
-          <ac:spMkLst>
-            <pc:docMk/>
-            <pc:sldMk cId="3472760250" sldId="266"/>
-            <ac:spMk id="6" creationId="{59E906CD-110B-9D01-732C-2F21759B0265}"/>
-          </ac:spMkLst>
-        </pc:spChg>
-        <pc:spChg chg="add mod">
-          <ac:chgData name="Chuck Kiefriter" userId="c57348f7-b440-4861-a58f-c89f414ea74a" providerId="ADAL" clId="{C2FDF4A5-FE03-4269-B12C-3FB90C87A25C}" dt="2023-03-13T03:27:51.135" v="825" actId="1076"/>
-          <ac:spMkLst>
-            <pc:docMk/>
-            <pc:sldMk cId="3472760250" sldId="266"/>
-            <ac:spMk id="7" creationId="{2F8EFB88-7117-DB08-F164-0D4DDE8F4760}"/>
-          </ac:spMkLst>
-        </pc:spChg>
-        <pc:spChg chg="add mod">
-          <ac:chgData name="Chuck Kiefriter" userId="c57348f7-b440-4861-a58f-c89f414ea74a" providerId="ADAL" clId="{C2FDF4A5-FE03-4269-B12C-3FB90C87A25C}" dt="2023-03-13T03:27:51.135" v="825" actId="1076"/>
-          <ac:spMkLst>
-            <pc:docMk/>
-            <pc:sldMk cId="3472760250" sldId="266"/>
-            <ac:spMk id="8" creationId="{FA061E8C-5A3E-8D93-0FF8-7C9A1D14FB3F}"/>
-          </ac:spMkLst>
-        </pc:spChg>
-        <pc:spChg chg="add mod">
-          <ac:chgData name="Chuck Kiefriter" userId="c57348f7-b440-4861-a58f-c89f414ea74a" providerId="ADAL" clId="{C2FDF4A5-FE03-4269-B12C-3FB90C87A25C}" dt="2023-03-13T03:27:51.135" v="825" actId="1076"/>
-          <ac:spMkLst>
-            <pc:docMk/>
-            <pc:sldMk cId="3472760250" sldId="266"/>
-            <ac:spMk id="9" creationId="{EA1B1EA7-B605-1137-AF6A-C16DE5D15BCD}"/>
-          </ac:spMkLst>
-        </pc:spChg>
-        <pc:spChg chg="add mod">
-          <ac:chgData name="Chuck Kiefriter" userId="c57348f7-b440-4861-a58f-c89f414ea74a" providerId="ADAL" clId="{C2FDF4A5-FE03-4269-B12C-3FB90C87A25C}" dt="2023-03-13T03:27:54.104" v="826" actId="1076"/>
-          <ac:spMkLst>
-            <pc:docMk/>
-            <pc:sldMk cId="3472760250" sldId="266"/>
-            <ac:spMk id="10" creationId="{5FE0F0B4-AC6B-987F-CA51-A4E6DE70DBB8}"/>
-          </ac:spMkLst>
-        </pc:spChg>
-        <pc:picChg chg="add mod">
-          <ac:chgData name="Chuck Kiefriter" userId="c57348f7-b440-4861-a58f-c89f414ea74a" providerId="ADAL" clId="{C2FDF4A5-FE03-4269-B12C-3FB90C87A25C}" dt="2023-03-13T03:27:59.526" v="828" actId="1076"/>
-          <ac:picMkLst>
-            <pc:docMk/>
-            <pc:sldMk cId="3472760250" sldId="266"/>
-            <ac:picMk id="12" creationId="{BC86969A-DE0A-FA6D-2E0B-7566AF411A68}"/>
-          </ac:picMkLst>
-        </pc:picChg>
       </pc:sldChg>
       <pc:sldChg chg="del">
         <pc:chgData name="Chuck Kiefriter" userId="c57348f7-b440-4861-a58f-c89f414ea74a" providerId="ADAL" clId="{C2FDF4A5-FE03-4269-B12C-3FB90C87A25C}" dt="2023-03-13T03:21:18.538" v="776" actId="47"/>
@@ -428,14 +260,6 @@
           <pc:docMk/>
           <pc:sldMk cId="4170465764" sldId="274"/>
         </pc:sldMkLst>
-        <pc:spChg chg="mod">
-          <ac:chgData name="Chuck Kiefriter" userId="c57348f7-b440-4861-a58f-c89f414ea74a" providerId="ADAL" clId="{C2FDF4A5-FE03-4269-B12C-3FB90C87A25C}" dt="2023-03-13T03:26:18.486" v="821" actId="14100"/>
-          <ac:spMkLst>
-            <pc:docMk/>
-            <pc:sldMk cId="4170465764" sldId="274"/>
-            <ac:spMk id="3" creationId="{23DFC7E9-54DD-38D7-0B9B-D34948D68CF9}"/>
-          </ac:spMkLst>
-        </pc:spChg>
       </pc:sldChg>
       <pc:sldChg chg="addSp modSp mod">
         <pc:chgData name="Chuck Kiefriter" userId="c57348f7-b440-4861-a58f-c89f414ea74a" providerId="ADAL" clId="{C2FDF4A5-FE03-4269-B12C-3FB90C87A25C}" dt="2023-03-13T03:41:12.959" v="1017" actId="1076"/>
@@ -443,30 +267,6 @@
           <pc:docMk/>
           <pc:sldMk cId="1513494963" sldId="275"/>
         </pc:sldMkLst>
-        <pc:spChg chg="mod">
-          <ac:chgData name="Chuck Kiefriter" userId="c57348f7-b440-4861-a58f-c89f414ea74a" providerId="ADAL" clId="{C2FDF4A5-FE03-4269-B12C-3FB90C87A25C}" dt="2023-03-13T03:40:46.542" v="1011" actId="20577"/>
-          <ac:spMkLst>
-            <pc:docMk/>
-            <pc:sldMk cId="1513494963" sldId="275"/>
-            <ac:spMk id="5" creationId="{9DB63145-E59C-9501-8AA5-4E6AC5C0D40F}"/>
-          </ac:spMkLst>
-        </pc:spChg>
-        <pc:spChg chg="mod">
-          <ac:chgData name="Chuck Kiefriter" userId="c57348f7-b440-4861-a58f-c89f414ea74a" providerId="ADAL" clId="{C2FDF4A5-FE03-4269-B12C-3FB90C87A25C}" dt="2023-03-13T03:30:30.367" v="856" actId="20577"/>
-          <ac:spMkLst>
-            <pc:docMk/>
-            <pc:sldMk cId="1513494963" sldId="275"/>
-            <ac:spMk id="6" creationId="{59E906CD-110B-9D01-732C-2F21759B0265}"/>
-          </ac:spMkLst>
-        </pc:spChg>
-        <pc:picChg chg="add mod">
-          <ac:chgData name="Chuck Kiefriter" userId="c57348f7-b440-4861-a58f-c89f414ea74a" providerId="ADAL" clId="{C2FDF4A5-FE03-4269-B12C-3FB90C87A25C}" dt="2023-03-13T03:41:12.959" v="1017" actId="1076"/>
-          <ac:picMkLst>
-            <pc:docMk/>
-            <pc:sldMk cId="1513494963" sldId="275"/>
-            <ac:picMk id="3" creationId="{0E14C303-4A08-9E3D-827C-D6CF995E9C7A}"/>
-          </ac:picMkLst>
-        </pc:picChg>
       </pc:sldChg>
       <pc:sldChg chg="del">
         <pc:chgData name="Chuck Kiefriter" userId="c57348f7-b440-4861-a58f-c89f414ea74a" providerId="ADAL" clId="{C2FDF4A5-FE03-4269-B12C-3FB90C87A25C}" dt="2023-03-13T03:31:10.297" v="872" actId="47"/>
@@ -488,78 +288,6 @@
           <pc:docMk/>
           <pc:sldMk cId="976671966" sldId="278"/>
         </pc:sldMkLst>
-        <pc:spChg chg="del">
-          <ac:chgData name="Chuck Kiefriter" userId="c57348f7-b440-4861-a58f-c89f414ea74a" providerId="ADAL" clId="{C2FDF4A5-FE03-4269-B12C-3FB90C87A25C}" dt="2023-03-13T03:22:35.617" v="799" actId="478"/>
-          <ac:spMkLst>
-            <pc:docMk/>
-            <pc:sldMk cId="976671966" sldId="278"/>
-            <ac:spMk id="3" creationId="{8A190F0E-2F97-FB1D-4C12-99BD52A45698}"/>
-          </ac:spMkLst>
-        </pc:spChg>
-        <pc:spChg chg="add mod">
-          <ac:chgData name="Chuck Kiefriter" userId="c57348f7-b440-4861-a58f-c89f414ea74a" providerId="ADAL" clId="{C2FDF4A5-FE03-4269-B12C-3FB90C87A25C}" dt="2023-03-13T03:25:08.174" v="814" actId="14100"/>
-          <ac:spMkLst>
-            <pc:docMk/>
-            <pc:sldMk cId="976671966" sldId="278"/>
-            <ac:spMk id="4" creationId="{C0B26727-0F97-5A73-B4ED-6BE65E07E5DB}"/>
-          </ac:spMkLst>
-        </pc:spChg>
-        <pc:spChg chg="del">
-          <ac:chgData name="Chuck Kiefriter" userId="c57348f7-b440-4861-a58f-c89f414ea74a" providerId="ADAL" clId="{C2FDF4A5-FE03-4269-B12C-3FB90C87A25C}" dt="2023-03-13T03:22:35.617" v="799" actId="478"/>
-          <ac:spMkLst>
-            <pc:docMk/>
-            <pc:sldMk cId="976671966" sldId="278"/>
-            <ac:spMk id="5" creationId="{4722EB52-7FBD-AEF3-6771-A0B77E13744B}"/>
-          </ac:spMkLst>
-        </pc:spChg>
-        <pc:spChg chg="mod">
-          <ac:chgData name="Chuck Kiefriter" userId="c57348f7-b440-4861-a58f-c89f414ea74a" providerId="ADAL" clId="{C2FDF4A5-FE03-4269-B12C-3FB90C87A25C}" dt="2023-03-13T03:22:25.945" v="798" actId="20577"/>
-          <ac:spMkLst>
-            <pc:docMk/>
-            <pc:sldMk cId="976671966" sldId="278"/>
-            <ac:spMk id="6" creationId="{59E906CD-110B-9D01-732C-2F21759B0265}"/>
-          </ac:spMkLst>
-        </pc:spChg>
-        <pc:spChg chg="del">
-          <ac:chgData name="Chuck Kiefriter" userId="c57348f7-b440-4861-a58f-c89f414ea74a" providerId="ADAL" clId="{C2FDF4A5-FE03-4269-B12C-3FB90C87A25C}" dt="2023-03-13T03:22:35.617" v="799" actId="478"/>
-          <ac:spMkLst>
-            <pc:docMk/>
-            <pc:sldMk cId="976671966" sldId="278"/>
-            <ac:spMk id="7" creationId="{2F8EFB88-7117-DB08-F164-0D4DDE8F4760}"/>
-          </ac:spMkLst>
-        </pc:spChg>
-        <pc:spChg chg="del">
-          <ac:chgData name="Chuck Kiefriter" userId="c57348f7-b440-4861-a58f-c89f414ea74a" providerId="ADAL" clId="{C2FDF4A5-FE03-4269-B12C-3FB90C87A25C}" dt="2023-03-13T03:22:35.617" v="799" actId="478"/>
-          <ac:spMkLst>
-            <pc:docMk/>
-            <pc:sldMk cId="976671966" sldId="278"/>
-            <ac:spMk id="8" creationId="{FA061E8C-5A3E-8D93-0FF8-7C9A1D14FB3F}"/>
-          </ac:spMkLst>
-        </pc:spChg>
-        <pc:spChg chg="del">
-          <ac:chgData name="Chuck Kiefriter" userId="c57348f7-b440-4861-a58f-c89f414ea74a" providerId="ADAL" clId="{C2FDF4A5-FE03-4269-B12C-3FB90C87A25C}" dt="2023-03-13T03:22:35.617" v="799" actId="478"/>
-          <ac:spMkLst>
-            <pc:docMk/>
-            <pc:sldMk cId="976671966" sldId="278"/>
-            <ac:spMk id="9" creationId="{EA1B1EA7-B605-1137-AF6A-C16DE5D15BCD}"/>
-          </ac:spMkLst>
-        </pc:spChg>
-        <pc:spChg chg="del">
-          <ac:chgData name="Chuck Kiefriter" userId="c57348f7-b440-4861-a58f-c89f414ea74a" providerId="ADAL" clId="{C2FDF4A5-FE03-4269-B12C-3FB90C87A25C}" dt="2023-03-13T03:22:35.617" v="799" actId="478"/>
-          <ac:spMkLst>
-            <pc:docMk/>
-            <pc:sldMk cId="976671966" sldId="278"/>
-            <ac:spMk id="10" creationId="{5FE0F0B4-AC6B-987F-CA51-A4E6DE70DBB8}"/>
-          </ac:spMkLst>
-        </pc:spChg>
-        <pc:picChg chg="add mod">
-          <ac:chgData name="Chuck Kiefriter" userId="c57348f7-b440-4861-a58f-c89f414ea74a" providerId="ADAL" clId="{C2FDF4A5-FE03-4269-B12C-3FB90C87A25C}" dt="2023-03-13T03:25:09.804" v="815" actId="1076"/>
-          <ac:picMkLst>
-            <pc:docMk/>
-            <pc:sldMk cId="976671966" sldId="278"/>
-            <ac:picMk id="12" creationId="{EDDB08A4-A3C1-182F-A00B-0BE97F3C502C}"/>
-          </ac:picMkLst>
-        </pc:picChg>
       </pc:sldChg>
       <pc:sldChg chg="addSp modSp add mod">
         <pc:chgData name="Chuck Kiefriter" userId="c57348f7-b440-4861-a58f-c89f414ea74a" providerId="ADAL" clId="{C2FDF4A5-FE03-4269-B12C-3FB90C87A25C}" dt="2023-03-13T03:33:44.106" v="937" actId="20577"/>
@@ -567,30 +295,6 @@
           <pc:docMk/>
           <pc:sldMk cId="3402929522" sldId="279"/>
         </pc:sldMkLst>
-        <pc:spChg chg="mod">
-          <ac:chgData name="Chuck Kiefriter" userId="c57348f7-b440-4861-a58f-c89f414ea74a" providerId="ADAL" clId="{C2FDF4A5-FE03-4269-B12C-3FB90C87A25C}" dt="2023-03-13T03:33:44.106" v="937" actId="20577"/>
-          <ac:spMkLst>
-            <pc:docMk/>
-            <pc:sldMk cId="3402929522" sldId="279"/>
-            <ac:spMk id="5" creationId="{9DB63145-E59C-9501-8AA5-4E6AC5C0D40F}"/>
-          </ac:spMkLst>
-        </pc:spChg>
-        <pc:spChg chg="mod">
-          <ac:chgData name="Chuck Kiefriter" userId="c57348f7-b440-4861-a58f-c89f414ea74a" providerId="ADAL" clId="{C2FDF4A5-FE03-4269-B12C-3FB90C87A25C}" dt="2023-03-13T03:33:27.221" v="921" actId="20577"/>
-          <ac:spMkLst>
-            <pc:docMk/>
-            <pc:sldMk cId="3402929522" sldId="279"/>
-            <ac:spMk id="6" creationId="{59E906CD-110B-9D01-732C-2F21759B0265}"/>
-          </ac:spMkLst>
-        </pc:spChg>
-        <pc:picChg chg="add mod">
-          <ac:chgData name="Chuck Kiefriter" userId="c57348f7-b440-4861-a58f-c89f414ea74a" providerId="ADAL" clId="{C2FDF4A5-FE03-4269-B12C-3FB90C87A25C}" dt="2023-03-13T03:32:59.392" v="892" actId="1076"/>
-          <ac:picMkLst>
-            <pc:docMk/>
-            <pc:sldMk cId="3402929522" sldId="279"/>
-            <ac:picMk id="3" creationId="{AD0FD225-5D5A-02AF-7A9C-13410C644753}"/>
-          </ac:picMkLst>
-        </pc:picChg>
       </pc:sldChg>
       <pc:sldChg chg="modSp add mod">
         <pc:chgData name="Chuck Kiefriter" userId="c57348f7-b440-4861-a58f-c89f414ea74a" providerId="ADAL" clId="{C2FDF4A5-FE03-4269-B12C-3FB90C87A25C}" dt="2023-03-13T03:34:49.341" v="952" actId="20577"/>
@@ -598,14 +302,6 @@
           <pc:docMk/>
           <pc:sldMk cId="3395566764" sldId="280"/>
         </pc:sldMkLst>
-        <pc:spChg chg="mod">
-          <ac:chgData name="Chuck Kiefriter" userId="c57348f7-b440-4861-a58f-c89f414ea74a" providerId="ADAL" clId="{C2FDF4A5-FE03-4269-B12C-3FB90C87A25C}" dt="2023-03-13T03:34:49.341" v="952" actId="20577"/>
-          <ac:spMkLst>
-            <pc:docMk/>
-            <pc:sldMk cId="3395566764" sldId="280"/>
-            <ac:spMk id="3" creationId="{23DFC7E9-54DD-38D7-0B9B-D34948D68CF9}"/>
-          </ac:spMkLst>
-        </pc:spChg>
       </pc:sldChg>
       <pc:sldChg chg="addSp modSp add mod">
         <pc:chgData name="Chuck Kiefriter" userId="c57348f7-b440-4861-a58f-c89f414ea74a" providerId="ADAL" clId="{C2FDF4A5-FE03-4269-B12C-3FB90C87A25C}" dt="2023-03-13T04:01:29.730" v="1300" actId="20577"/>
@@ -613,30 +309,6 @@
           <pc:docMk/>
           <pc:sldMk cId="3187156049" sldId="281"/>
         </pc:sldMkLst>
-        <pc:spChg chg="mod">
-          <ac:chgData name="Chuck Kiefriter" userId="c57348f7-b440-4861-a58f-c89f414ea74a" providerId="ADAL" clId="{C2FDF4A5-FE03-4269-B12C-3FB90C87A25C}" dt="2023-03-13T04:01:29.730" v="1300" actId="20577"/>
-          <ac:spMkLst>
-            <pc:docMk/>
-            <pc:sldMk cId="3187156049" sldId="281"/>
-            <ac:spMk id="5" creationId="{9DB63145-E59C-9501-8AA5-4E6AC5C0D40F}"/>
-          </ac:spMkLst>
-        </pc:spChg>
-        <pc:spChg chg="mod">
-          <ac:chgData name="Chuck Kiefriter" userId="c57348f7-b440-4861-a58f-c89f414ea74a" providerId="ADAL" clId="{C2FDF4A5-FE03-4269-B12C-3FB90C87A25C}" dt="2023-03-13T04:00:07.740" v="1271" actId="20577"/>
-          <ac:spMkLst>
-            <pc:docMk/>
-            <pc:sldMk cId="3187156049" sldId="281"/>
-            <ac:spMk id="6" creationId="{59E906CD-110B-9D01-732C-2F21759B0265}"/>
-          </ac:spMkLst>
-        </pc:spChg>
-        <pc:picChg chg="add mod">
-          <ac:chgData name="Chuck Kiefriter" userId="c57348f7-b440-4861-a58f-c89f414ea74a" providerId="ADAL" clId="{C2FDF4A5-FE03-4269-B12C-3FB90C87A25C}" dt="2023-03-13T03:55:24.774" v="1128" actId="1076"/>
-          <ac:picMkLst>
-            <pc:docMk/>
-            <pc:sldMk cId="3187156049" sldId="281"/>
-            <ac:picMk id="3" creationId="{83E4109A-5F0E-62C4-2DDC-A1744C5BE6B5}"/>
-          </ac:picMkLst>
-        </pc:picChg>
       </pc:sldChg>
       <pc:sldChg chg="modSp add mod">
         <pc:chgData name="Chuck Kiefriter" userId="c57348f7-b440-4861-a58f-c89f414ea74a" providerId="ADAL" clId="{C2FDF4A5-FE03-4269-B12C-3FB90C87A25C}" dt="2023-03-13T03:41:55.418" v="1028" actId="20577"/>
@@ -644,14 +316,6 @@
           <pc:docMk/>
           <pc:sldMk cId="2065140228" sldId="282"/>
         </pc:sldMkLst>
-        <pc:spChg chg="mod">
-          <ac:chgData name="Chuck Kiefriter" userId="c57348f7-b440-4861-a58f-c89f414ea74a" providerId="ADAL" clId="{C2FDF4A5-FE03-4269-B12C-3FB90C87A25C}" dt="2023-03-13T03:41:55.418" v="1028" actId="20577"/>
-          <ac:spMkLst>
-            <pc:docMk/>
-            <pc:sldMk cId="2065140228" sldId="282"/>
-            <ac:spMk id="3" creationId="{23DFC7E9-54DD-38D7-0B9B-D34948D68CF9}"/>
-          </ac:spMkLst>
-        </pc:spChg>
       </pc:sldChg>
       <pc:sldChg chg="addSp delSp modSp add mod">
         <pc:chgData name="Chuck Kiefriter" userId="c57348f7-b440-4861-a58f-c89f414ea74a" providerId="ADAL" clId="{C2FDF4A5-FE03-4269-B12C-3FB90C87A25C}" dt="2023-03-13T03:51:42.665" v="1120" actId="207"/>
@@ -659,46 +323,6 @@
           <pc:docMk/>
           <pc:sldMk cId="1885158462" sldId="283"/>
         </pc:sldMkLst>
-        <pc:spChg chg="mod">
-          <ac:chgData name="Chuck Kiefriter" userId="c57348f7-b440-4861-a58f-c89f414ea74a" providerId="ADAL" clId="{C2FDF4A5-FE03-4269-B12C-3FB90C87A25C}" dt="2023-03-13T03:51:42.665" v="1120" actId="207"/>
-          <ac:spMkLst>
-            <pc:docMk/>
-            <pc:sldMk cId="1885158462" sldId="283"/>
-            <ac:spMk id="5" creationId="{9DB63145-E59C-9501-8AA5-4E6AC5C0D40F}"/>
-          </ac:spMkLst>
-        </pc:spChg>
-        <pc:spChg chg="mod">
-          <ac:chgData name="Chuck Kiefriter" userId="c57348f7-b440-4861-a58f-c89f414ea74a" providerId="ADAL" clId="{C2FDF4A5-FE03-4269-B12C-3FB90C87A25C}" dt="2023-03-13T03:42:03.806" v="1039" actId="20577"/>
-          <ac:spMkLst>
-            <pc:docMk/>
-            <pc:sldMk cId="1885158462" sldId="283"/>
-            <ac:spMk id="6" creationId="{59E906CD-110B-9D01-732C-2F21759B0265}"/>
-          </ac:spMkLst>
-        </pc:spChg>
-        <pc:spChg chg="add mod">
-          <ac:chgData name="Chuck Kiefriter" userId="c57348f7-b440-4861-a58f-c89f414ea74a" providerId="ADAL" clId="{C2FDF4A5-FE03-4269-B12C-3FB90C87A25C}" dt="2023-03-13T03:50:24.029" v="1119" actId="20577"/>
-          <ac:spMkLst>
-            <pc:docMk/>
-            <pc:sldMk cId="1885158462" sldId="283"/>
-            <ac:spMk id="8" creationId="{ECD506A8-B7B8-3E79-FA2D-BD62C204B827}"/>
-          </ac:spMkLst>
-        </pc:spChg>
-        <pc:picChg chg="del">
-          <ac:chgData name="Chuck Kiefriter" userId="c57348f7-b440-4861-a58f-c89f414ea74a" providerId="ADAL" clId="{C2FDF4A5-FE03-4269-B12C-3FB90C87A25C}" dt="2023-03-13T03:41:58.623" v="1029" actId="478"/>
-          <ac:picMkLst>
-            <pc:docMk/>
-            <pc:sldMk cId="1885158462" sldId="283"/>
-            <ac:picMk id="3" creationId="{83E4109A-5F0E-62C4-2DDC-A1744C5BE6B5}"/>
-          </ac:picMkLst>
-        </pc:picChg>
-        <pc:picChg chg="add mod">
-          <ac:chgData name="Chuck Kiefriter" userId="c57348f7-b440-4861-a58f-c89f414ea74a" providerId="ADAL" clId="{C2FDF4A5-FE03-4269-B12C-3FB90C87A25C}" dt="2023-03-13T03:48:48.279" v="1104" actId="14100"/>
-          <ac:picMkLst>
-            <pc:docMk/>
-            <pc:sldMk cId="1885158462" sldId="283"/>
-            <ac:picMk id="4" creationId="{7C9F3104-C66F-0189-6D64-A0BDCF1B495F}"/>
-          </ac:picMkLst>
-        </pc:picChg>
       </pc:sldChg>
       <pc:sldChg chg="addSp delSp modSp add mod">
         <pc:chgData name="Chuck Kiefriter" userId="c57348f7-b440-4861-a58f-c89f414ea74a" providerId="ADAL" clId="{C2FDF4A5-FE03-4269-B12C-3FB90C87A25C}" dt="2023-03-13T05:14:58.184" v="1547" actId="1076"/>
@@ -706,62 +330,6 @@
           <pc:docMk/>
           <pc:sldMk cId="356231122" sldId="284"/>
         </pc:sldMkLst>
-        <pc:spChg chg="mod">
-          <ac:chgData name="Chuck Kiefriter" userId="c57348f7-b440-4861-a58f-c89f414ea74a" providerId="ADAL" clId="{C2FDF4A5-FE03-4269-B12C-3FB90C87A25C}" dt="2023-03-13T04:04:30.257" v="1330" actId="6549"/>
-          <ac:spMkLst>
-            <pc:docMk/>
-            <pc:sldMk cId="356231122" sldId="284"/>
-            <ac:spMk id="5" creationId="{9DB63145-E59C-9501-8AA5-4E6AC5C0D40F}"/>
-          </ac:spMkLst>
-        </pc:spChg>
-        <pc:spChg chg="mod">
-          <ac:chgData name="Chuck Kiefriter" userId="c57348f7-b440-4861-a58f-c89f414ea74a" providerId="ADAL" clId="{C2FDF4A5-FE03-4269-B12C-3FB90C87A25C}" dt="2023-03-13T04:16:49.454" v="1346" actId="20577"/>
-          <ac:spMkLst>
-            <pc:docMk/>
-            <pc:sldMk cId="356231122" sldId="284"/>
-            <ac:spMk id="6" creationId="{59E906CD-110B-9D01-732C-2F21759B0265}"/>
-          </ac:spMkLst>
-        </pc:spChg>
-        <pc:spChg chg="add mod">
-          <ac:chgData name="Chuck Kiefriter" userId="c57348f7-b440-4861-a58f-c89f414ea74a" providerId="ADAL" clId="{C2FDF4A5-FE03-4269-B12C-3FB90C87A25C}" dt="2023-03-13T05:14:28.383" v="1543" actId="20577"/>
-          <ac:spMkLst>
-            <pc:docMk/>
-            <pc:sldMk cId="356231122" sldId="284"/>
-            <ac:spMk id="7" creationId="{0D7B1AC9-AF0D-D1E4-1224-879BDBE1A34A}"/>
-          </ac:spMkLst>
-        </pc:spChg>
-        <pc:spChg chg="del">
-          <ac:chgData name="Chuck Kiefriter" userId="c57348f7-b440-4861-a58f-c89f414ea74a" providerId="ADAL" clId="{C2FDF4A5-FE03-4269-B12C-3FB90C87A25C}" dt="2023-03-13T04:17:19.331" v="1350" actId="478"/>
-          <ac:spMkLst>
-            <pc:docMk/>
-            <pc:sldMk cId="356231122" sldId="284"/>
-            <ac:spMk id="8" creationId="{ECD506A8-B7B8-3E79-FA2D-BD62C204B827}"/>
-          </ac:spMkLst>
-        </pc:spChg>
-        <pc:spChg chg="add mod">
-          <ac:chgData name="Chuck Kiefriter" userId="c57348f7-b440-4861-a58f-c89f414ea74a" providerId="ADAL" clId="{C2FDF4A5-FE03-4269-B12C-3FB90C87A25C}" dt="2023-03-13T05:14:58.184" v="1547" actId="1076"/>
-          <ac:spMkLst>
-            <pc:docMk/>
-            <pc:sldMk cId="356231122" sldId="284"/>
-            <ac:spMk id="10" creationId="{C8C4555B-8EFA-1C02-2221-72E41215E9AF}"/>
-          </ac:spMkLst>
-        </pc:spChg>
-        <pc:picChg chg="add mod">
-          <ac:chgData name="Chuck Kiefriter" userId="c57348f7-b440-4861-a58f-c89f414ea74a" providerId="ADAL" clId="{C2FDF4A5-FE03-4269-B12C-3FB90C87A25C}" dt="2023-03-13T04:16:58.511" v="1349" actId="1076"/>
-          <ac:picMkLst>
-            <pc:docMk/>
-            <pc:sldMk cId="356231122" sldId="284"/>
-            <ac:picMk id="3" creationId="{49B9E586-0F7D-D4D2-6C77-8141EF05DCB2}"/>
-          </ac:picMkLst>
-        </pc:picChg>
-        <pc:picChg chg="del">
-          <ac:chgData name="Chuck Kiefriter" userId="c57348f7-b440-4861-a58f-c89f414ea74a" providerId="ADAL" clId="{C2FDF4A5-FE03-4269-B12C-3FB90C87A25C}" dt="2023-03-13T04:04:21.795" v="1328" actId="478"/>
-          <ac:picMkLst>
-            <pc:docMk/>
-            <pc:sldMk cId="356231122" sldId="284"/>
-            <ac:picMk id="4" creationId="{7C9F3104-C66F-0189-6D64-A0BDCF1B495F}"/>
-          </ac:picMkLst>
-        </pc:picChg>
       </pc:sldChg>
     </pc:docChg>
   </pc:docChgLst>
@@ -785,14 +353,6 @@
           <pc:docMk/>
           <pc:sldMk cId="1513494963" sldId="275"/>
         </pc:sldMkLst>
-        <pc:spChg chg="mod">
-          <ac:chgData name="Charles Kiefriter" userId="a996b49251c4dfd2" providerId="LiveId" clId="{59A7DEE4-39B5-4A55-97B2-58FFA76C8873}" dt="2023-12-20T00:05:12.546" v="0" actId="20577"/>
-          <ac:spMkLst>
-            <pc:docMk/>
-            <pc:sldMk cId="1513494963" sldId="275"/>
-            <ac:spMk id="5" creationId="{9DB63145-E59C-9501-8AA5-4E6AC5C0D40F}"/>
-          </ac:spMkLst>
-        </pc:spChg>
       </pc:sldChg>
       <pc:sldChg chg="ord">
         <pc:chgData name="Charles Kiefriter" userId="a996b49251c4dfd2" providerId="LiveId" clId="{59A7DEE4-39B5-4A55-97B2-58FFA76C8873}" dt="2023-12-20T00:48:12.500" v="24"/>
@@ -807,14 +367,6 @@
           <pc:docMk/>
           <pc:sldMk cId="3395566764" sldId="280"/>
         </pc:sldMkLst>
-        <pc:spChg chg="mod">
-          <ac:chgData name="Charles Kiefriter" userId="a996b49251c4dfd2" providerId="LiveId" clId="{59A7DEE4-39B5-4A55-97B2-58FFA76C8873}" dt="2023-12-20T02:21:08.005" v="25" actId="20577"/>
-          <ac:spMkLst>
-            <pc:docMk/>
-            <pc:sldMk cId="3395566764" sldId="280"/>
-            <ac:spMk id="3" creationId="{23DFC7E9-54DD-38D7-0B9B-D34948D68CF9}"/>
-          </ac:spMkLst>
-        </pc:spChg>
       </pc:sldChg>
       <pc:sldChg chg="modSp mod ord">
         <pc:chgData name="Charles Kiefriter" userId="a996b49251c4dfd2" providerId="LiveId" clId="{59A7DEE4-39B5-4A55-97B2-58FFA76C8873}" dt="2023-12-20T00:18:00.604" v="22" actId="20577"/>
@@ -822,14 +374,6 @@
           <pc:docMk/>
           <pc:sldMk cId="3187156049" sldId="281"/>
         </pc:sldMkLst>
-        <pc:spChg chg="mod">
-          <ac:chgData name="Charles Kiefriter" userId="a996b49251c4dfd2" providerId="LiveId" clId="{59A7DEE4-39B5-4A55-97B2-58FFA76C8873}" dt="2023-12-20T00:18:00.604" v="22" actId="20577"/>
-          <ac:spMkLst>
-            <pc:docMk/>
-            <pc:sldMk cId="3187156049" sldId="281"/>
-            <ac:spMk id="8" creationId="{C70D9D43-254A-0545-002D-C444DCDB15AD}"/>
-          </ac:spMkLst>
-        </pc:spChg>
       </pc:sldChg>
       <pc:sldChg chg="modSp mod ord">
         <pc:chgData name="Charles Kiefriter" userId="a996b49251c4dfd2" providerId="LiveId" clId="{59A7DEE4-39B5-4A55-97B2-58FFA76C8873}" dt="2023-12-20T00:06:11.820" v="18" actId="20577"/>
@@ -837,14 +381,6 @@
           <pc:docMk/>
           <pc:sldMk cId="460794980" sldId="285"/>
         </pc:sldMkLst>
-        <pc:spChg chg="mod">
-          <ac:chgData name="Charles Kiefriter" userId="a996b49251c4dfd2" providerId="LiveId" clId="{59A7DEE4-39B5-4A55-97B2-58FFA76C8873}" dt="2023-12-20T00:06:11.820" v="18" actId="20577"/>
-          <ac:spMkLst>
-            <pc:docMk/>
-            <pc:sldMk cId="460794980" sldId="285"/>
-            <ac:spMk id="6" creationId="{DE3DBA5A-FA8E-46C6-1402-E5C7632F4CAD}"/>
-          </ac:spMkLst>
-        </pc:spChg>
       </pc:sldChg>
     </pc:docChg>
   </pc:docChgLst>
@@ -861,14 +397,6 @@
           <pc:docMk/>
           <pc:sldMk cId="3194223319" sldId="263"/>
         </pc:sldMkLst>
-        <pc:spChg chg="mod">
-          <ac:chgData name="Chuck Kiefriter" userId="a996b49251c4dfd2" providerId="LiveId" clId="{6C63F9C0-0B94-402D-87B0-C4C6B8398AB3}" dt="2024-02-22T00:56:18.515" v="44" actId="20577"/>
-          <ac:spMkLst>
-            <pc:docMk/>
-            <pc:sldMk cId="3194223319" sldId="263"/>
-            <ac:spMk id="3" creationId="{23DFC7E9-54DD-38D7-0B9B-D34948D68CF9}"/>
-          </ac:spMkLst>
-        </pc:spChg>
       </pc:sldChg>
       <pc:sldChg chg="ord">
         <pc:chgData name="Chuck Kiefriter" userId="a996b49251c4dfd2" providerId="LiveId" clId="{6C63F9C0-0B94-402D-87B0-C4C6B8398AB3}" dt="2024-02-21T22:46:27.084" v="1"/>
@@ -890,14 +418,6 @@
           <pc:docMk/>
           <pc:sldMk cId="1885158462" sldId="283"/>
         </pc:sldMkLst>
-        <pc:spChg chg="mod">
-          <ac:chgData name="Chuck Kiefriter" userId="a996b49251c4dfd2" providerId="LiveId" clId="{6C63F9C0-0B94-402D-87B0-C4C6B8398AB3}" dt="2024-02-21T22:54:10.959" v="8" actId="207"/>
-          <ac:spMkLst>
-            <pc:docMk/>
-            <pc:sldMk cId="1885158462" sldId="283"/>
-            <ac:spMk id="5" creationId="{9DB63145-E59C-9501-8AA5-4E6AC5C0D40F}"/>
-          </ac:spMkLst>
-        </pc:spChg>
       </pc:sldChg>
     </pc:docChg>
   </pc:docChgLst>
@@ -914,14 +434,6 @@
           <pc:docMk/>
           <pc:sldMk cId="3194223319" sldId="263"/>
         </pc:sldMkLst>
-        <pc:spChg chg="mod">
-          <ac:chgData name="Chuck Kiefriter" userId="a996b49251c4dfd2" providerId="LiveId" clId="{FCDC37C7-A045-488A-BCE3-F34DD508CE29}" dt="2024-08-22T00:01:17.892" v="19" actId="20577"/>
-          <ac:spMkLst>
-            <pc:docMk/>
-            <pc:sldMk cId="3194223319" sldId="263"/>
-            <ac:spMk id="3" creationId="{23DFC7E9-54DD-38D7-0B9B-D34948D68CF9}"/>
-          </ac:spMkLst>
-        </pc:spChg>
       </pc:sldChg>
       <pc:sldChg chg="modSp mod">
         <pc:chgData name="Chuck Kiefriter" userId="a996b49251c4dfd2" providerId="LiveId" clId="{FCDC37C7-A045-488A-BCE3-F34DD508CE29}" dt="2024-08-21T23:54:00.736" v="4" actId="20577"/>
@@ -929,14 +441,115 @@
           <pc:docMk/>
           <pc:sldMk cId="1885158462" sldId="283"/>
         </pc:sldMkLst>
-        <pc:spChg chg="mod">
-          <ac:chgData name="Chuck Kiefriter" userId="a996b49251c4dfd2" providerId="LiveId" clId="{FCDC37C7-A045-488A-BCE3-F34DD508CE29}" dt="2024-08-21T23:54:00.736" v="4" actId="20577"/>
-          <ac:spMkLst>
-            <pc:docMk/>
-            <pc:sldMk cId="1885158462" sldId="283"/>
-            <ac:spMk id="5" creationId="{9DB63145-E59C-9501-8AA5-4E6AC5C0D40F}"/>
-          </ac:spMkLst>
-        </pc:spChg>
+      </pc:sldChg>
+    </pc:docChg>
+  </pc:docChgLst>
+  <pc:docChgLst>
+    <pc:chgData name="Chuck Kiefriter" userId="a996b49251c4dfd2" providerId="LiveId" clId="{8C2493BD-675D-4606-A129-8DC34A33DADC}"/>
+    <pc:docChg chg="modSld sldOrd">
+      <pc:chgData name="Chuck Kiefriter" userId="a996b49251c4dfd2" providerId="LiveId" clId="{8C2493BD-675D-4606-A129-8DC34A33DADC}" dt="2024-10-18T01:58:18.459" v="1"/>
+      <pc:docMkLst>
+        <pc:docMk/>
+      </pc:docMkLst>
+      <pc:sldChg chg="ord">
+        <pc:chgData name="Chuck Kiefriter" userId="a996b49251c4dfd2" providerId="LiveId" clId="{8C2493BD-675D-4606-A129-8DC34A33DADC}" dt="2024-10-18T01:58:18.459" v="1"/>
+        <pc:sldMkLst>
+          <pc:docMk/>
+          <pc:sldMk cId="4170465764" sldId="274"/>
+        </pc:sldMkLst>
+      </pc:sldChg>
+      <pc:sldChg chg="ord">
+        <pc:chgData name="Chuck Kiefriter" userId="a996b49251c4dfd2" providerId="LiveId" clId="{8C2493BD-675D-4606-A129-8DC34A33DADC}" dt="2024-10-18T01:58:18.459" v="1"/>
+        <pc:sldMkLst>
+          <pc:docMk/>
+          <pc:sldMk cId="1513494963" sldId="275"/>
+        </pc:sldMkLst>
+      </pc:sldChg>
+      <pc:sldChg chg="ord">
+        <pc:chgData name="Chuck Kiefriter" userId="a996b49251c4dfd2" providerId="LiveId" clId="{8C2493BD-675D-4606-A129-8DC34A33DADC}" dt="2024-10-18T01:58:18.459" v="1"/>
+        <pc:sldMkLst>
+          <pc:docMk/>
+          <pc:sldMk cId="3395566764" sldId="280"/>
+        </pc:sldMkLst>
+      </pc:sldChg>
+      <pc:sldChg chg="ord">
+        <pc:chgData name="Chuck Kiefriter" userId="a996b49251c4dfd2" providerId="LiveId" clId="{8C2493BD-675D-4606-A129-8DC34A33DADC}" dt="2024-10-18T01:58:18.459" v="1"/>
+        <pc:sldMkLst>
+          <pc:docMk/>
+          <pc:sldMk cId="3187156049" sldId="281"/>
+        </pc:sldMkLst>
+      </pc:sldChg>
+      <pc:sldChg chg="ord">
+        <pc:chgData name="Chuck Kiefriter" userId="a996b49251c4dfd2" providerId="LiveId" clId="{8C2493BD-675D-4606-A129-8DC34A33DADC}" dt="2024-10-18T01:58:18.459" v="1"/>
+        <pc:sldMkLst>
+          <pc:docMk/>
+          <pc:sldMk cId="2065140228" sldId="282"/>
+        </pc:sldMkLst>
+      </pc:sldChg>
+      <pc:sldChg chg="ord">
+        <pc:chgData name="Chuck Kiefriter" userId="a996b49251c4dfd2" providerId="LiveId" clId="{8C2493BD-675D-4606-A129-8DC34A33DADC}" dt="2024-10-18T01:58:18.459" v="1"/>
+        <pc:sldMkLst>
+          <pc:docMk/>
+          <pc:sldMk cId="1885158462" sldId="283"/>
+        </pc:sldMkLst>
+      </pc:sldChg>
+      <pc:sldChg chg="ord">
+        <pc:chgData name="Chuck Kiefriter" userId="a996b49251c4dfd2" providerId="LiveId" clId="{8C2493BD-675D-4606-A129-8DC34A33DADC}" dt="2024-10-18T01:58:18.459" v="1"/>
+        <pc:sldMkLst>
+          <pc:docMk/>
+          <pc:sldMk cId="460794980" sldId="285"/>
+        </pc:sldMkLst>
+      </pc:sldChg>
+      <pc:sldChg chg="ord">
+        <pc:chgData name="Chuck Kiefriter" userId="a996b49251c4dfd2" providerId="LiveId" clId="{8C2493BD-675D-4606-A129-8DC34A33DADC}" dt="2024-10-18T01:58:18.459" v="1"/>
+        <pc:sldMkLst>
+          <pc:docMk/>
+          <pc:sldMk cId="1155090792" sldId="286"/>
+        </pc:sldMkLst>
+      </pc:sldChg>
+      <pc:sldChg chg="ord">
+        <pc:chgData name="Chuck Kiefriter" userId="a996b49251c4dfd2" providerId="LiveId" clId="{8C2493BD-675D-4606-A129-8DC34A33DADC}" dt="2024-10-18T01:58:18.459" v="1"/>
+        <pc:sldMkLst>
+          <pc:docMk/>
+          <pc:sldMk cId="424094208" sldId="287"/>
+        </pc:sldMkLst>
+      </pc:sldChg>
+    </pc:docChg>
+  </pc:docChgLst>
+  <pc:docChgLst>
+    <pc:chgData name="Chuck Kiefriter" userId="a996b49251c4dfd2" providerId="LiveId" clId="{1364C460-5AE2-463C-B8ED-5757DF8E2CFA}"/>
+    <pc:docChg chg="modSld sldOrd">
+      <pc:chgData name="Chuck Kiefriter" userId="a996b49251c4dfd2" providerId="LiveId" clId="{1364C460-5AE2-463C-B8ED-5757DF8E2CFA}" dt="2024-12-18T00:08:29.383" v="9" actId="20577"/>
+      <pc:docMkLst>
+        <pc:docMk/>
+      </pc:docMkLst>
+      <pc:sldChg chg="modSp mod">
+        <pc:chgData name="Chuck Kiefriter" userId="a996b49251c4dfd2" providerId="LiveId" clId="{1364C460-5AE2-463C-B8ED-5757DF8E2CFA}" dt="2024-12-18T00:08:29.383" v="9" actId="20577"/>
+        <pc:sldMkLst>
+          <pc:docMk/>
+          <pc:sldMk cId="3995279466" sldId="256"/>
+        </pc:sldMkLst>
+      </pc:sldChg>
+      <pc:sldChg chg="modSp mod">
+        <pc:chgData name="Chuck Kiefriter" userId="a996b49251c4dfd2" providerId="LiveId" clId="{1364C460-5AE2-463C-B8ED-5757DF8E2CFA}" dt="2024-12-17T23:51:54.971" v="8" actId="207"/>
+        <pc:sldMkLst>
+          <pc:docMk/>
+          <pc:sldMk cId="3194223319" sldId="263"/>
+        </pc:sldMkLst>
+      </pc:sldChg>
+      <pc:sldChg chg="ord">
+        <pc:chgData name="Chuck Kiefriter" userId="a996b49251c4dfd2" providerId="LiveId" clId="{1364C460-5AE2-463C-B8ED-5757DF8E2CFA}" dt="2024-12-17T23:49:30.154" v="5"/>
+        <pc:sldMkLst>
+          <pc:docMk/>
+          <pc:sldMk cId="3395566764" sldId="280"/>
+        </pc:sldMkLst>
+      </pc:sldChg>
+      <pc:sldChg chg="ord">
+        <pc:chgData name="Chuck Kiefriter" userId="a996b49251c4dfd2" providerId="LiveId" clId="{1364C460-5AE2-463C-B8ED-5757DF8E2CFA}" dt="2024-12-17T23:49:30.154" v="5"/>
+        <pc:sldMkLst>
+          <pc:docMk/>
+          <pc:sldMk cId="3187156049" sldId="281"/>
+        </pc:sldMkLst>
       </pc:sldChg>
     </pc:docChg>
   </pc:docChgLst>
@@ -953,70 +566,6 @@
           <pc:docMk/>
           <pc:sldMk cId="3995279466" sldId="256"/>
         </pc:sldMkLst>
-        <pc:spChg chg="mod">
-          <ac:chgData name="Chuck Kiefriter" userId="c57348f7-b440-4861-a58f-c89f414ea74a" providerId="ADAL" clId="{CEAAE73E-A3C0-4EF3-8264-4F08772B5760}" dt="2023-03-20T00:32:06.566" v="230" actId="14100"/>
-          <ac:spMkLst>
-            <pc:docMk/>
-            <pc:sldMk cId="3995279466" sldId="256"/>
-            <ac:spMk id="3" creationId="{A6B2E4B2-9556-220D-A265-44C9FD951EE6}"/>
-          </ac:spMkLst>
-        </pc:spChg>
-        <pc:spChg chg="add mod">
-          <ac:chgData name="Chuck Kiefriter" userId="c57348f7-b440-4861-a58f-c89f414ea74a" providerId="ADAL" clId="{CEAAE73E-A3C0-4EF3-8264-4F08772B5760}" dt="2023-03-20T00:52:59.383" v="449" actId="1038"/>
-          <ac:spMkLst>
-            <pc:docMk/>
-            <pc:sldMk cId="3995279466" sldId="256"/>
-            <ac:spMk id="4" creationId="{2BADD1C9-CF72-0C69-861B-7E5D509DA5B2}"/>
-          </ac:spMkLst>
-        </pc:spChg>
-        <pc:spChg chg="mod">
-          <ac:chgData name="Chuck Kiefriter" userId="c57348f7-b440-4861-a58f-c89f414ea74a" providerId="ADAL" clId="{CEAAE73E-A3C0-4EF3-8264-4F08772B5760}" dt="2023-03-19T22:41:44.062" v="187" actId="20577"/>
-          <ac:spMkLst>
-            <pc:docMk/>
-            <pc:sldMk cId="3995279466" sldId="256"/>
-            <ac:spMk id="6" creationId="{DE3DBA5A-FA8E-46C6-1402-E5C7632F4CAD}"/>
-          </ac:spMkLst>
-        </pc:spChg>
-        <pc:spChg chg="add mod">
-          <ac:chgData name="Chuck Kiefriter" userId="c57348f7-b440-4861-a58f-c89f414ea74a" providerId="ADAL" clId="{CEAAE73E-A3C0-4EF3-8264-4F08772B5760}" dt="2023-03-20T00:52:59.383" v="449" actId="1038"/>
-          <ac:spMkLst>
-            <pc:docMk/>
-            <pc:sldMk cId="3995279466" sldId="256"/>
-            <ac:spMk id="7" creationId="{4F528AA2-6361-22B4-C232-EF99675F9D72}"/>
-          </ac:spMkLst>
-        </pc:spChg>
-        <pc:spChg chg="add mod">
-          <ac:chgData name="Chuck Kiefriter" userId="c57348f7-b440-4861-a58f-c89f414ea74a" providerId="ADAL" clId="{CEAAE73E-A3C0-4EF3-8264-4F08772B5760}" dt="2023-03-20T00:52:59.383" v="449" actId="1038"/>
-          <ac:spMkLst>
-            <pc:docMk/>
-            <pc:sldMk cId="3995279466" sldId="256"/>
-            <ac:spMk id="9" creationId="{06F995E6-DACC-B060-CDB5-BB562B195537}"/>
-          </ac:spMkLst>
-        </pc:spChg>
-        <pc:spChg chg="mod">
-          <ac:chgData name="Chuck Kiefriter" userId="c57348f7-b440-4861-a58f-c89f414ea74a" providerId="ADAL" clId="{CEAAE73E-A3C0-4EF3-8264-4F08772B5760}" dt="2023-03-20T00:52:45.699" v="401" actId="1035"/>
-          <ac:spMkLst>
-            <pc:docMk/>
-            <pc:sldMk cId="3995279466" sldId="256"/>
-            <ac:spMk id="10" creationId="{EA3D5ED0-1762-C438-DD7C-B32C5582A339}"/>
-          </ac:spMkLst>
-        </pc:spChg>
-        <pc:spChg chg="del">
-          <ac:chgData name="Chuck Kiefriter" userId="c57348f7-b440-4861-a58f-c89f414ea74a" providerId="ADAL" clId="{CEAAE73E-A3C0-4EF3-8264-4F08772B5760}" dt="2023-03-19T22:42:40.760" v="188" actId="478"/>
-          <ac:spMkLst>
-            <pc:docMk/>
-            <pc:sldMk cId="3995279466" sldId="256"/>
-            <ac:spMk id="12" creationId="{18FCF58A-E768-0BFC-8A0B-3881F7F528D8}"/>
-          </ac:spMkLst>
-        </pc:spChg>
-        <pc:graphicFrameChg chg="del">
-          <ac:chgData name="Chuck Kiefriter" userId="c57348f7-b440-4861-a58f-c89f414ea74a" providerId="ADAL" clId="{CEAAE73E-A3C0-4EF3-8264-4F08772B5760}" dt="2023-03-19T22:42:40.760" v="188" actId="478"/>
-          <ac:graphicFrameMkLst>
-            <pc:docMk/>
-            <pc:sldMk cId="3995279466" sldId="256"/>
-            <ac:graphicFrameMk id="13" creationId="{BB1305A0-0446-F701-7436-EA612090B033}"/>
-          </ac:graphicFrameMkLst>
-        </pc:graphicFrameChg>
       </pc:sldChg>
       <pc:sldChg chg="modSp mod">
         <pc:chgData name="Chuck Kiefriter" userId="c57348f7-b440-4861-a58f-c89f414ea74a" providerId="ADAL" clId="{CEAAE73E-A3C0-4EF3-8264-4F08772B5760}" dt="2023-03-19T22:40:49.123" v="181" actId="20577"/>
@@ -1024,14 +573,6 @@
           <pc:docMk/>
           <pc:sldMk cId="3194223319" sldId="263"/>
         </pc:sldMkLst>
-        <pc:spChg chg="mod">
-          <ac:chgData name="Chuck Kiefriter" userId="c57348f7-b440-4861-a58f-c89f414ea74a" providerId="ADAL" clId="{CEAAE73E-A3C0-4EF3-8264-4F08772B5760}" dt="2023-03-19T22:40:49.123" v="181" actId="20577"/>
-          <ac:spMkLst>
-            <pc:docMk/>
-            <pc:sldMk cId="3194223319" sldId="263"/>
-            <ac:spMk id="3" creationId="{23DFC7E9-54DD-38D7-0B9B-D34948D68CF9}"/>
-          </ac:spMkLst>
-        </pc:spChg>
       </pc:sldChg>
       <pc:sldChg chg="modSp mod">
         <pc:chgData name="Chuck Kiefriter" userId="c57348f7-b440-4861-a58f-c89f414ea74a" providerId="ADAL" clId="{CEAAE73E-A3C0-4EF3-8264-4F08772B5760}" dt="2023-03-15T21:04:54.713" v="90" actId="20577"/>
@@ -1039,14 +580,6 @@
           <pc:docMk/>
           <pc:sldMk cId="763182894" sldId="264"/>
         </pc:sldMkLst>
-        <pc:spChg chg="mod">
-          <ac:chgData name="Chuck Kiefriter" userId="c57348f7-b440-4861-a58f-c89f414ea74a" providerId="ADAL" clId="{CEAAE73E-A3C0-4EF3-8264-4F08772B5760}" dt="2023-03-15T21:04:54.713" v="90" actId="20577"/>
-          <ac:spMkLst>
-            <pc:docMk/>
-            <pc:sldMk cId="763182894" sldId="264"/>
-            <ac:spMk id="3" creationId="{23DFC7E9-54DD-38D7-0B9B-D34948D68CF9}"/>
-          </ac:spMkLst>
-        </pc:spChg>
       </pc:sldChg>
       <pc:sldChg chg="modSp mod">
         <pc:chgData name="Chuck Kiefriter" userId="c57348f7-b440-4861-a58f-c89f414ea74a" providerId="ADAL" clId="{CEAAE73E-A3C0-4EF3-8264-4F08772B5760}" dt="2023-03-15T21:05:03.858" v="97" actId="20577"/>
@@ -1054,14 +587,6 @@
           <pc:docMk/>
           <pc:sldMk cId="367428708" sldId="265"/>
         </pc:sldMkLst>
-        <pc:spChg chg="mod">
-          <ac:chgData name="Chuck Kiefriter" userId="c57348f7-b440-4861-a58f-c89f414ea74a" providerId="ADAL" clId="{CEAAE73E-A3C0-4EF3-8264-4F08772B5760}" dt="2023-03-15T21:05:03.858" v="97" actId="20577"/>
-          <ac:spMkLst>
-            <pc:docMk/>
-            <pc:sldMk cId="367428708" sldId="265"/>
-            <ac:spMk id="3" creationId="{23DFC7E9-54DD-38D7-0B9B-D34948D68CF9}"/>
-          </ac:spMkLst>
-        </pc:spChg>
       </pc:sldChg>
       <pc:sldChg chg="delSp del mod">
         <pc:chgData name="Chuck Kiefriter" userId="c57348f7-b440-4861-a58f-c89f414ea74a" providerId="ADAL" clId="{CEAAE73E-A3C0-4EF3-8264-4F08772B5760}" dt="2023-03-20T00:56:01.589" v="451" actId="2696"/>
@@ -1069,14 +594,6 @@
           <pc:docMk/>
           <pc:sldMk cId="3472760250" sldId="266"/>
         </pc:sldMkLst>
-        <pc:picChg chg="del">
-          <ac:chgData name="Chuck Kiefriter" userId="c57348f7-b440-4861-a58f-c89f414ea74a" providerId="ADAL" clId="{CEAAE73E-A3C0-4EF3-8264-4F08772B5760}" dt="2023-03-20T00:55:53.266" v="450" actId="478"/>
-          <ac:picMkLst>
-            <pc:docMk/>
-            <pc:sldMk cId="3472760250" sldId="266"/>
-            <ac:picMk id="12" creationId="{BC86969A-DE0A-FA6D-2E0B-7566AF411A68}"/>
-          </ac:picMkLst>
-        </pc:picChg>
       </pc:sldChg>
       <pc:sldChg chg="modSp mod">
         <pc:chgData name="Chuck Kiefriter" userId="c57348f7-b440-4861-a58f-c89f414ea74a" providerId="ADAL" clId="{CEAAE73E-A3C0-4EF3-8264-4F08772B5760}" dt="2023-03-15T21:05:15.266" v="104" actId="20577"/>
@@ -1084,14 +601,6 @@
           <pc:docMk/>
           <pc:sldMk cId="4170465764" sldId="274"/>
         </pc:sldMkLst>
-        <pc:spChg chg="mod">
-          <ac:chgData name="Chuck Kiefriter" userId="c57348f7-b440-4861-a58f-c89f414ea74a" providerId="ADAL" clId="{CEAAE73E-A3C0-4EF3-8264-4F08772B5760}" dt="2023-03-15T21:05:15.266" v="104" actId="20577"/>
-          <ac:spMkLst>
-            <pc:docMk/>
-            <pc:sldMk cId="4170465764" sldId="274"/>
-            <ac:spMk id="3" creationId="{23DFC7E9-54DD-38D7-0B9B-D34948D68CF9}"/>
-          </ac:spMkLst>
-        </pc:spChg>
       </pc:sldChg>
       <pc:sldChg chg="addSp delSp modSp mod">
         <pc:chgData name="Chuck Kiefriter" userId="c57348f7-b440-4861-a58f-c89f414ea74a" providerId="ADAL" clId="{CEAAE73E-A3C0-4EF3-8264-4F08772B5760}" dt="2023-03-20T02:06:54.913" v="624" actId="207"/>
@@ -1099,38 +608,6 @@
           <pc:docMk/>
           <pc:sldMk cId="1513494963" sldId="275"/>
         </pc:sldMkLst>
-        <pc:spChg chg="add del">
-          <ac:chgData name="Chuck Kiefriter" userId="c57348f7-b440-4861-a58f-c89f414ea74a" providerId="ADAL" clId="{CEAAE73E-A3C0-4EF3-8264-4F08772B5760}" dt="2023-03-20T02:02:35.193" v="575"/>
-          <ac:spMkLst>
-            <pc:docMk/>
-            <pc:sldMk cId="1513494963" sldId="275"/>
-            <ac:spMk id="2" creationId="{BE46888D-AF6D-1D94-6855-0D2BDE1A167F}"/>
-          </ac:spMkLst>
-        </pc:spChg>
-        <pc:spChg chg="mod">
-          <ac:chgData name="Chuck Kiefriter" userId="c57348f7-b440-4861-a58f-c89f414ea74a" providerId="ADAL" clId="{CEAAE73E-A3C0-4EF3-8264-4F08772B5760}" dt="2023-03-20T02:06:54.913" v="624" actId="207"/>
-          <ac:spMkLst>
-            <pc:docMk/>
-            <pc:sldMk cId="1513494963" sldId="275"/>
-            <ac:spMk id="5" creationId="{9DB63145-E59C-9501-8AA5-4E6AC5C0D40F}"/>
-          </ac:spMkLst>
-        </pc:spChg>
-        <pc:spChg chg="mod">
-          <ac:chgData name="Chuck Kiefriter" userId="c57348f7-b440-4861-a58f-c89f414ea74a" providerId="ADAL" clId="{CEAAE73E-A3C0-4EF3-8264-4F08772B5760}" dt="2023-03-20T02:02:54.072" v="598" actId="20577"/>
-          <ac:spMkLst>
-            <pc:docMk/>
-            <pc:sldMk cId="1513494963" sldId="275"/>
-            <ac:spMk id="6" creationId="{59E906CD-110B-9D01-732C-2F21759B0265}"/>
-          </ac:spMkLst>
-        </pc:spChg>
-        <pc:picChg chg="del">
-          <ac:chgData name="Chuck Kiefriter" userId="c57348f7-b440-4861-a58f-c89f414ea74a" providerId="ADAL" clId="{CEAAE73E-A3C0-4EF3-8264-4F08772B5760}" dt="2023-03-20T02:02:29.241" v="573" actId="478"/>
-          <ac:picMkLst>
-            <pc:docMk/>
-            <pc:sldMk cId="1513494963" sldId="275"/>
-            <ac:picMk id="3" creationId="{0E14C303-4A08-9E3D-827C-D6CF995E9C7A}"/>
-          </ac:picMkLst>
-        </pc:picChg>
       </pc:sldChg>
       <pc:sldChg chg="addSp delSp modSp mod">
         <pc:chgData name="Chuck Kiefriter" userId="c57348f7-b440-4861-a58f-c89f414ea74a" providerId="ADAL" clId="{CEAAE73E-A3C0-4EF3-8264-4F08772B5760}" dt="2023-03-20T01:40:14.037" v="572" actId="1035"/>
@@ -1138,46 +615,6 @@
           <pc:docMk/>
           <pc:sldMk cId="976671966" sldId="278"/>
         </pc:sldMkLst>
-        <pc:spChg chg="add mod">
-          <ac:chgData name="Chuck Kiefriter" userId="c57348f7-b440-4861-a58f-c89f414ea74a" providerId="ADAL" clId="{CEAAE73E-A3C0-4EF3-8264-4F08772B5760}" dt="2023-03-20T01:39:58.996" v="563" actId="1076"/>
-          <ac:spMkLst>
-            <pc:docMk/>
-            <pc:sldMk cId="976671966" sldId="278"/>
-            <ac:spMk id="3" creationId="{AECD1743-AE1E-E8A6-57D4-D340FC95D16D}"/>
-          </ac:spMkLst>
-        </pc:spChg>
-        <pc:spChg chg="mod">
-          <ac:chgData name="Chuck Kiefriter" userId="c57348f7-b440-4861-a58f-c89f414ea74a" providerId="ADAL" clId="{CEAAE73E-A3C0-4EF3-8264-4F08772B5760}" dt="2023-03-20T01:39:21.020" v="555" actId="1038"/>
-          <ac:spMkLst>
-            <pc:docMk/>
-            <pc:sldMk cId="976671966" sldId="278"/>
-            <ac:spMk id="4" creationId="{C0B26727-0F97-5A73-B4ED-6BE65E07E5DB}"/>
-          </ac:spMkLst>
-        </pc:spChg>
-        <pc:spChg chg="mod">
-          <ac:chgData name="Chuck Kiefriter" userId="c57348f7-b440-4861-a58f-c89f414ea74a" providerId="ADAL" clId="{CEAAE73E-A3C0-4EF3-8264-4F08772B5760}" dt="2023-03-20T01:06:07.991" v="518" actId="1076"/>
-          <ac:spMkLst>
-            <pc:docMk/>
-            <pc:sldMk cId="976671966" sldId="278"/>
-            <ac:spMk id="6" creationId="{59E906CD-110B-9D01-732C-2F21759B0265}"/>
-          </ac:spMkLst>
-        </pc:spChg>
-        <pc:spChg chg="add mod">
-          <ac:chgData name="Chuck Kiefriter" userId="c57348f7-b440-4861-a58f-c89f414ea74a" providerId="ADAL" clId="{CEAAE73E-A3C0-4EF3-8264-4F08772B5760}" dt="2023-03-20T01:40:14.037" v="572" actId="1035"/>
-          <ac:spMkLst>
-            <pc:docMk/>
-            <pc:sldMk cId="976671966" sldId="278"/>
-            <ac:spMk id="7" creationId="{5DAF20F1-2F34-F140-81DA-E78BF03C81E4}"/>
-          </ac:spMkLst>
-        </pc:spChg>
-        <pc:picChg chg="del">
-          <ac:chgData name="Chuck Kiefriter" userId="c57348f7-b440-4861-a58f-c89f414ea74a" providerId="ADAL" clId="{CEAAE73E-A3C0-4EF3-8264-4F08772B5760}" dt="2023-03-20T00:56:04.277" v="452" actId="478"/>
-          <ac:picMkLst>
-            <pc:docMk/>
-            <pc:sldMk cId="976671966" sldId="278"/>
-            <ac:picMk id="12" creationId="{EDDB08A4-A3C1-182F-A00B-0BE97F3C502C}"/>
-          </ac:picMkLst>
-        </pc:picChg>
       </pc:sldChg>
       <pc:sldChg chg="del">
         <pc:chgData name="Chuck Kiefriter" userId="c57348f7-b440-4861-a58f-c89f414ea74a" providerId="ADAL" clId="{CEAAE73E-A3C0-4EF3-8264-4F08772B5760}" dt="2023-03-20T02:31:42.639" v="625" actId="47"/>
@@ -1192,14 +629,6 @@
           <pc:docMk/>
           <pc:sldMk cId="3395566764" sldId="280"/>
         </pc:sldMkLst>
-        <pc:spChg chg="mod">
-          <ac:chgData name="Chuck Kiefriter" userId="c57348f7-b440-4861-a58f-c89f414ea74a" providerId="ADAL" clId="{CEAAE73E-A3C0-4EF3-8264-4F08772B5760}" dt="2023-03-15T21:05:31.946" v="118" actId="20577"/>
-          <ac:spMkLst>
-            <pc:docMk/>
-            <pc:sldMk cId="3395566764" sldId="280"/>
-            <ac:spMk id="3" creationId="{23DFC7E9-54DD-38D7-0B9B-D34948D68CF9}"/>
-          </ac:spMkLst>
-        </pc:spChg>
       </pc:sldChg>
       <pc:sldChg chg="addSp delSp modSp mod">
         <pc:chgData name="Chuck Kiefriter" userId="c57348f7-b440-4861-a58f-c89f414ea74a" providerId="ADAL" clId="{CEAAE73E-A3C0-4EF3-8264-4F08772B5760}" dt="2023-03-21T22:58:27.146" v="986" actId="1076"/>
@@ -1207,78 +636,6 @@
           <pc:docMk/>
           <pc:sldMk cId="3187156049" sldId="281"/>
         </pc:sldMkLst>
-        <pc:spChg chg="add del mod">
-          <ac:chgData name="Chuck Kiefriter" userId="c57348f7-b440-4861-a58f-c89f414ea74a" providerId="ADAL" clId="{CEAAE73E-A3C0-4EF3-8264-4F08772B5760}" dt="2023-03-21T22:58:23.744" v="985" actId="478"/>
-          <ac:spMkLst>
-            <pc:docMk/>
-            <pc:sldMk cId="3187156049" sldId="281"/>
-            <ac:spMk id="3" creationId="{B1BCC113-17B8-CD92-4AF4-0B14B609C3EC}"/>
-          </ac:spMkLst>
-        </pc:spChg>
-        <pc:spChg chg="add mod">
-          <ac:chgData name="Chuck Kiefriter" userId="c57348f7-b440-4861-a58f-c89f414ea74a" providerId="ADAL" clId="{CEAAE73E-A3C0-4EF3-8264-4F08772B5760}" dt="2023-03-21T22:53:21.514" v="780" actId="1076"/>
-          <ac:spMkLst>
-            <pc:docMk/>
-            <pc:sldMk cId="3187156049" sldId="281"/>
-            <ac:spMk id="4" creationId="{5F4890C8-248C-DE3F-EFBE-A4EB3744954C}"/>
-          </ac:spMkLst>
-        </pc:spChg>
-        <pc:spChg chg="del mod">
-          <ac:chgData name="Chuck Kiefriter" userId="c57348f7-b440-4861-a58f-c89f414ea74a" providerId="ADAL" clId="{CEAAE73E-A3C0-4EF3-8264-4F08772B5760}" dt="2023-03-21T22:44:00.025" v="764" actId="478"/>
-          <ac:spMkLst>
-            <pc:docMk/>
-            <pc:sldMk cId="3187156049" sldId="281"/>
-            <ac:spMk id="5" creationId="{9DB63145-E59C-9501-8AA5-4E6AC5C0D40F}"/>
-          </ac:spMkLst>
-        </pc:spChg>
-        <pc:spChg chg="mod">
-          <ac:chgData name="Chuck Kiefriter" userId="c57348f7-b440-4861-a58f-c89f414ea74a" providerId="ADAL" clId="{CEAAE73E-A3C0-4EF3-8264-4F08772B5760}" dt="2023-03-20T04:34:19.666" v="743" actId="20577"/>
-          <ac:spMkLst>
-            <pc:docMk/>
-            <pc:sldMk cId="3187156049" sldId="281"/>
-            <ac:spMk id="6" creationId="{59E906CD-110B-9D01-732C-2F21759B0265}"/>
-          </ac:spMkLst>
-        </pc:spChg>
-        <pc:spChg chg="add mod">
-          <ac:chgData name="Chuck Kiefriter" userId="c57348f7-b440-4861-a58f-c89f414ea74a" providerId="ADAL" clId="{CEAAE73E-A3C0-4EF3-8264-4F08772B5760}" dt="2023-03-21T22:54:53.559" v="895" actId="1076"/>
-          <ac:spMkLst>
-            <pc:docMk/>
-            <pc:sldMk cId="3187156049" sldId="281"/>
-            <ac:spMk id="8" creationId="{C70D9D43-254A-0545-002D-C444DCDB15AD}"/>
-          </ac:spMkLst>
-        </pc:spChg>
-        <pc:spChg chg="add del">
-          <ac:chgData name="Chuck Kiefriter" userId="c57348f7-b440-4861-a58f-c89f414ea74a" providerId="ADAL" clId="{CEAAE73E-A3C0-4EF3-8264-4F08772B5760}" dt="2023-03-21T22:52:46.609" v="772"/>
-          <ac:spMkLst>
-            <pc:docMk/>
-            <pc:sldMk cId="3187156049" sldId="281"/>
-            <ac:spMk id="9" creationId="{D91EFD97-7B32-CAFA-DA27-56C69DD1B8B9}"/>
-          </ac:spMkLst>
-        </pc:spChg>
-        <pc:spChg chg="add mod">
-          <ac:chgData name="Chuck Kiefriter" userId="c57348f7-b440-4861-a58f-c89f414ea74a" providerId="ADAL" clId="{CEAAE73E-A3C0-4EF3-8264-4F08772B5760}" dt="2023-03-21T22:57:14.137" v="981" actId="1076"/>
-          <ac:spMkLst>
-            <pc:docMk/>
-            <pc:sldMk cId="3187156049" sldId="281"/>
-            <ac:spMk id="11" creationId="{FBFF1272-6FED-ACD0-CEF8-E11B1DD3B48B}"/>
-          </ac:spMkLst>
-        </pc:spChg>
-        <pc:spChg chg="add mod">
-          <ac:chgData name="Chuck Kiefriter" userId="c57348f7-b440-4861-a58f-c89f414ea74a" providerId="ADAL" clId="{CEAAE73E-A3C0-4EF3-8264-4F08772B5760}" dt="2023-03-21T22:58:27.146" v="986" actId="1076"/>
-          <ac:spMkLst>
-            <pc:docMk/>
-            <pc:sldMk cId="3187156049" sldId="281"/>
-            <ac:spMk id="13" creationId="{54490E19-5FDF-8610-D214-65ABB5B29ACD}"/>
-          </ac:spMkLst>
-        </pc:spChg>
-        <pc:picChg chg="del">
-          <ac:chgData name="Chuck Kiefriter" userId="c57348f7-b440-4861-a58f-c89f414ea74a" providerId="ADAL" clId="{CEAAE73E-A3C0-4EF3-8264-4F08772B5760}" dt="2023-03-20T04:34:21.482" v="744" actId="478"/>
-          <ac:picMkLst>
-            <pc:docMk/>
-            <pc:sldMk cId="3187156049" sldId="281"/>
-            <ac:picMk id="3" creationId="{83E4109A-5F0E-62C4-2DDC-A1744C5BE6B5}"/>
-          </ac:picMkLst>
-        </pc:picChg>
       </pc:sldChg>
       <pc:sldChg chg="modSp mod">
         <pc:chgData name="Chuck Kiefriter" userId="c57348f7-b440-4861-a58f-c89f414ea74a" providerId="ADAL" clId="{CEAAE73E-A3C0-4EF3-8264-4F08772B5760}" dt="2023-03-15T21:06:00.300" v="163" actId="20577"/>
@@ -1286,14 +643,6 @@
           <pc:docMk/>
           <pc:sldMk cId="2065140228" sldId="282"/>
         </pc:sldMkLst>
-        <pc:spChg chg="mod">
-          <ac:chgData name="Chuck Kiefriter" userId="c57348f7-b440-4861-a58f-c89f414ea74a" providerId="ADAL" clId="{CEAAE73E-A3C0-4EF3-8264-4F08772B5760}" dt="2023-03-15T21:06:00.300" v="163" actId="20577"/>
-          <ac:spMkLst>
-            <pc:docMk/>
-            <pc:sldMk cId="2065140228" sldId="282"/>
-            <ac:spMk id="3" creationId="{23DFC7E9-54DD-38D7-0B9B-D34948D68CF9}"/>
-          </ac:spMkLst>
-        </pc:spChg>
       </pc:sldChg>
       <pc:sldChg chg="delSp modSp mod">
         <pc:chgData name="Chuck Kiefriter" userId="c57348f7-b440-4861-a58f-c89f414ea74a" providerId="ADAL" clId="{CEAAE73E-A3C0-4EF3-8264-4F08772B5760}" dt="2023-03-21T23:02:03.008" v="988" actId="6549"/>
@@ -1301,38 +650,6 @@
           <pc:docMk/>
           <pc:sldMk cId="1885158462" sldId="283"/>
         </pc:sldMkLst>
-        <pc:spChg chg="mod">
-          <ac:chgData name="Chuck Kiefriter" userId="c57348f7-b440-4861-a58f-c89f414ea74a" providerId="ADAL" clId="{CEAAE73E-A3C0-4EF3-8264-4F08772B5760}" dt="2023-03-21T23:02:03.008" v="988" actId="6549"/>
-          <ac:spMkLst>
-            <pc:docMk/>
-            <pc:sldMk cId="1885158462" sldId="283"/>
-            <ac:spMk id="5" creationId="{9DB63145-E59C-9501-8AA5-4E6AC5C0D40F}"/>
-          </ac:spMkLst>
-        </pc:spChg>
-        <pc:spChg chg="mod">
-          <ac:chgData name="Chuck Kiefriter" userId="c57348f7-b440-4861-a58f-c89f414ea74a" providerId="ADAL" clId="{CEAAE73E-A3C0-4EF3-8264-4F08772B5760}" dt="2023-03-20T02:33:34.475" v="658" actId="20577"/>
-          <ac:spMkLst>
-            <pc:docMk/>
-            <pc:sldMk cId="1885158462" sldId="283"/>
-            <ac:spMk id="6" creationId="{59E906CD-110B-9D01-732C-2F21759B0265}"/>
-          </ac:spMkLst>
-        </pc:spChg>
-        <pc:spChg chg="del">
-          <ac:chgData name="Chuck Kiefriter" userId="c57348f7-b440-4861-a58f-c89f414ea74a" providerId="ADAL" clId="{CEAAE73E-A3C0-4EF3-8264-4F08772B5760}" dt="2023-03-20T02:33:47.335" v="661" actId="478"/>
-          <ac:spMkLst>
-            <pc:docMk/>
-            <pc:sldMk cId="1885158462" sldId="283"/>
-            <ac:spMk id="8" creationId="{ECD506A8-B7B8-3E79-FA2D-BD62C204B827}"/>
-          </ac:spMkLst>
-        </pc:spChg>
-        <pc:picChg chg="del">
-          <ac:chgData name="Chuck Kiefriter" userId="c57348f7-b440-4861-a58f-c89f414ea74a" providerId="ADAL" clId="{CEAAE73E-A3C0-4EF3-8264-4F08772B5760}" dt="2023-03-20T02:33:38.052" v="659" actId="478"/>
-          <ac:picMkLst>
-            <pc:docMk/>
-            <pc:sldMk cId="1885158462" sldId="283"/>
-            <ac:picMk id="4" creationId="{7C9F3104-C66F-0189-6D64-A0BDCF1B495F}"/>
-          </ac:picMkLst>
-        </pc:picChg>
       </pc:sldChg>
       <pc:sldChg chg="del">
         <pc:chgData name="Chuck Kiefriter" userId="c57348f7-b440-4861-a58f-c89f414ea74a" providerId="ADAL" clId="{CEAAE73E-A3C0-4EF3-8264-4F08772B5760}" dt="2023-03-20T04:03:18.428" v="665" actId="47"/>
@@ -1347,54 +664,6 @@
           <pc:docMk/>
           <pc:sldMk cId="460794980" sldId="285"/>
         </pc:sldMkLst>
-        <pc:spChg chg="add mod">
-          <ac:chgData name="Chuck Kiefriter" userId="c57348f7-b440-4861-a58f-c89f414ea74a" providerId="ADAL" clId="{CEAAE73E-A3C0-4EF3-8264-4F08772B5760}" dt="2023-03-20T00:37:53.726" v="352" actId="1076"/>
-          <ac:spMkLst>
-            <pc:docMk/>
-            <pc:sldMk cId="460794980" sldId="285"/>
-            <ac:spMk id="4" creationId="{0A9C3E86-2548-ECB5-8430-3E2B6C004107}"/>
-          </ac:spMkLst>
-        </pc:spChg>
-        <pc:spChg chg="mod">
-          <ac:chgData name="Chuck Kiefriter" userId="c57348f7-b440-4861-a58f-c89f414ea74a" providerId="ADAL" clId="{CEAAE73E-A3C0-4EF3-8264-4F08772B5760}" dt="2023-03-20T00:28:09.677" v="229" actId="20577"/>
-          <ac:spMkLst>
-            <pc:docMk/>
-            <pc:sldMk cId="460794980" sldId="285"/>
-            <ac:spMk id="6" creationId="{DE3DBA5A-FA8E-46C6-1402-E5C7632F4CAD}"/>
-          </ac:spMkLst>
-        </pc:spChg>
-        <pc:spChg chg="add mod">
-          <ac:chgData name="Chuck Kiefriter" userId="c57348f7-b440-4861-a58f-c89f414ea74a" providerId="ADAL" clId="{CEAAE73E-A3C0-4EF3-8264-4F08772B5760}" dt="2023-03-20T00:37:53.726" v="352" actId="1076"/>
-          <ac:spMkLst>
-            <pc:docMk/>
-            <pc:sldMk cId="460794980" sldId="285"/>
-            <ac:spMk id="7" creationId="{6078F001-09B3-95A6-FBBF-049E24348AA3}"/>
-          </ac:spMkLst>
-        </pc:spChg>
-        <pc:spChg chg="mod">
-          <ac:chgData name="Chuck Kiefriter" userId="c57348f7-b440-4861-a58f-c89f414ea74a" providerId="ADAL" clId="{CEAAE73E-A3C0-4EF3-8264-4F08772B5760}" dt="2023-03-20T00:36:05.988" v="344" actId="207"/>
-          <ac:spMkLst>
-            <pc:docMk/>
-            <pc:sldMk cId="460794980" sldId="285"/>
-            <ac:spMk id="10" creationId="{EA3D5ED0-1762-C438-DD7C-B32C5582A339}"/>
-          </ac:spMkLst>
-        </pc:spChg>
-        <pc:picChg chg="add mod">
-          <ac:chgData name="Chuck Kiefriter" userId="c57348f7-b440-4861-a58f-c89f414ea74a" providerId="ADAL" clId="{CEAAE73E-A3C0-4EF3-8264-4F08772B5760}" dt="2023-03-20T00:39:44.108" v="365" actId="14100"/>
-          <ac:picMkLst>
-            <pc:docMk/>
-            <pc:sldMk cId="460794980" sldId="285"/>
-            <ac:picMk id="9" creationId="{951D6567-EE71-636D-5131-1733E9CA3EE1}"/>
-          </ac:picMkLst>
-        </pc:picChg>
-        <pc:picChg chg="add mod">
-          <ac:chgData name="Chuck Kiefriter" userId="c57348f7-b440-4861-a58f-c89f414ea74a" providerId="ADAL" clId="{CEAAE73E-A3C0-4EF3-8264-4F08772B5760}" dt="2023-03-20T00:39:41.309" v="364" actId="1076"/>
-          <ac:picMkLst>
-            <pc:docMk/>
-            <pc:sldMk cId="460794980" sldId="285"/>
-            <ac:picMk id="12" creationId="{75DBF1A8-6B47-A236-0E35-BCD7AC30E1AC}"/>
-          </ac:picMkLst>
-        </pc:picChg>
       </pc:sldChg>
       <pc:sldChg chg="modSp add mod">
         <pc:chgData name="Chuck Kiefriter" userId="c57348f7-b440-4861-a58f-c89f414ea74a" providerId="ADAL" clId="{CEAAE73E-A3C0-4EF3-8264-4F08772B5760}" dt="2023-03-20T04:03:46.401" v="693" actId="1076"/>
@@ -1402,14 +671,6 @@
           <pc:docMk/>
           <pc:sldMk cId="1155090792" sldId="286"/>
         </pc:sldMkLst>
-        <pc:spChg chg="mod">
-          <ac:chgData name="Chuck Kiefriter" userId="c57348f7-b440-4861-a58f-c89f414ea74a" providerId="ADAL" clId="{CEAAE73E-A3C0-4EF3-8264-4F08772B5760}" dt="2023-03-20T04:03:46.401" v="693" actId="1076"/>
-          <ac:spMkLst>
-            <pc:docMk/>
-            <pc:sldMk cId="1155090792" sldId="286"/>
-            <ac:spMk id="3" creationId="{23DFC7E9-54DD-38D7-0B9B-D34948D68CF9}"/>
-          </ac:spMkLst>
-        </pc:spChg>
       </pc:sldChg>
       <pc:sldChg chg="addSp modSp add mod">
         <pc:chgData name="Chuck Kiefriter" userId="c57348f7-b440-4861-a58f-c89f414ea74a" providerId="ADAL" clId="{CEAAE73E-A3C0-4EF3-8264-4F08772B5760}" dt="2023-03-20T04:06:13.253" v="729" actId="1076"/>
@@ -1417,28 +678,28 @@
           <pc:docMk/>
           <pc:sldMk cId="424094208" sldId="287"/>
         </pc:sldMkLst>
-        <pc:spChg chg="add mod">
-          <ac:chgData name="Chuck Kiefriter" userId="c57348f7-b440-4861-a58f-c89f414ea74a" providerId="ADAL" clId="{CEAAE73E-A3C0-4EF3-8264-4F08772B5760}" dt="2023-03-20T04:06:13.253" v="729" actId="1076"/>
+      </pc:sldChg>
+    </pc:docChg>
+  </pc:docChgLst>
+  <pc:docChgLst>
+    <pc:chgData name="Chuck Kiefriter" userId="a996b49251c4dfd2" providerId="LiveId" clId="{88DECEA2-A08E-4D9A-8AE0-B9EFB7DC5EB0}"/>
+    <pc:docChg chg="modSld">
+      <pc:chgData name="Chuck Kiefriter" userId="a996b49251c4dfd2" providerId="LiveId" clId="{88DECEA2-A08E-4D9A-8AE0-B9EFB7DC5EB0}" dt="2025-04-17T22:29:48.680" v="38" actId="20577"/>
+      <pc:docMkLst>
+        <pc:docMk/>
+      </pc:docMkLst>
+      <pc:sldChg chg="modSp mod">
+        <pc:chgData name="Chuck Kiefriter" userId="a996b49251c4dfd2" providerId="LiveId" clId="{88DECEA2-A08E-4D9A-8AE0-B9EFB7DC5EB0}" dt="2025-04-17T22:29:48.680" v="38" actId="20577"/>
+        <pc:sldMkLst>
+          <pc:docMk/>
+          <pc:sldMk cId="976671966" sldId="278"/>
+        </pc:sldMkLst>
+        <pc:spChg chg="mod">
+          <ac:chgData name="Chuck Kiefriter" userId="a996b49251c4dfd2" providerId="LiveId" clId="{88DECEA2-A08E-4D9A-8AE0-B9EFB7DC5EB0}" dt="2025-04-17T22:29:48.680" v="38" actId="20577"/>
           <ac:spMkLst>
             <pc:docMk/>
-            <pc:sldMk cId="424094208" sldId="287"/>
-            <ac:spMk id="3" creationId="{FF9F9172-C924-1C79-FA1B-3659223D7D26}"/>
-          </ac:spMkLst>
-        </pc:spChg>
-        <pc:spChg chg="mod">
-          <ac:chgData name="Chuck Kiefriter" userId="c57348f7-b440-4861-a58f-c89f414ea74a" providerId="ADAL" clId="{CEAAE73E-A3C0-4EF3-8264-4F08772B5760}" dt="2023-03-20T04:04:56.478" v="721" actId="6549"/>
-          <ac:spMkLst>
-            <pc:docMk/>
-            <pc:sldMk cId="424094208" sldId="287"/>
-            <ac:spMk id="5" creationId="{9DB63145-E59C-9501-8AA5-4E6AC5C0D40F}"/>
-          </ac:spMkLst>
-        </pc:spChg>
-        <pc:spChg chg="mod">
-          <ac:chgData name="Chuck Kiefriter" userId="c57348f7-b440-4861-a58f-c89f414ea74a" providerId="ADAL" clId="{CEAAE73E-A3C0-4EF3-8264-4F08772B5760}" dt="2023-03-20T04:03:56.659" v="717" actId="20577"/>
-          <ac:spMkLst>
-            <pc:docMk/>
-            <pc:sldMk cId="424094208" sldId="287"/>
-            <ac:spMk id="6" creationId="{59E906CD-110B-9D01-732C-2F21759B0265}"/>
+            <pc:sldMk cId="976671966" sldId="278"/>
+            <ac:spMk id="4" creationId="{C0B26727-0F97-5A73-B4ED-6BE65E07E5DB}"/>
           </ac:spMkLst>
         </pc:spChg>
       </pc:sldChg>
@@ -1594,7 +855,7 @@
           <a:p>
             <a:fld id="{33D569A9-A222-4DCC-AF28-BB813B4F2ABB}" type="datetimeFigureOut">
               <a:rPr lang="en-US" smtClean="0"/>
-              <a:t>8/21/2024</a:t>
+              <a:t>4/17/2025</a:t>
             </a:fld>
             <a:endParaRPr lang="en-US"/>
           </a:p>
@@ -1882,7 +1143,7 @@
           <a:p>
             <a:fld id="{33D569A9-A222-4DCC-AF28-BB813B4F2ABB}" type="datetimeFigureOut">
               <a:rPr lang="en-US" smtClean="0"/>
-              <a:t>8/21/2024</a:t>
+              <a:t>4/17/2025</a:t>
             </a:fld>
             <a:endParaRPr lang="en-US"/>
           </a:p>
@@ -2080,7 +1341,7 @@
           <a:p>
             <a:fld id="{33D569A9-A222-4DCC-AF28-BB813B4F2ABB}" type="datetimeFigureOut">
               <a:rPr lang="en-US" smtClean="0"/>
-              <a:t>8/21/2024</a:t>
+              <a:t>4/17/2025</a:t>
             </a:fld>
             <a:endParaRPr lang="en-US"/>
           </a:p>
@@ -2288,7 +1549,7 @@
           <a:p>
             <a:fld id="{33D569A9-A222-4DCC-AF28-BB813B4F2ABB}" type="datetimeFigureOut">
               <a:rPr lang="en-US" smtClean="0"/>
-              <a:t>8/21/2024</a:t>
+              <a:t>4/17/2025</a:t>
             </a:fld>
             <a:endParaRPr lang="en-US"/>
           </a:p>
@@ -2486,7 +1747,7 @@
           <a:p>
             <a:fld id="{33D569A9-A222-4DCC-AF28-BB813B4F2ABB}" type="datetimeFigureOut">
               <a:rPr lang="en-US" smtClean="0"/>
-              <a:t>8/21/2024</a:t>
+              <a:t>4/17/2025</a:t>
             </a:fld>
             <a:endParaRPr lang="en-US"/>
           </a:p>
@@ -2761,7 +2022,7 @@
           <a:p>
             <a:fld id="{33D569A9-A222-4DCC-AF28-BB813B4F2ABB}" type="datetimeFigureOut">
               <a:rPr lang="en-US" smtClean="0"/>
-              <a:t>8/21/2024</a:t>
+              <a:t>4/17/2025</a:t>
             </a:fld>
             <a:endParaRPr lang="en-US"/>
           </a:p>
@@ -3026,7 +2287,7 @@
           <a:p>
             <a:fld id="{33D569A9-A222-4DCC-AF28-BB813B4F2ABB}" type="datetimeFigureOut">
               <a:rPr lang="en-US" smtClean="0"/>
-              <a:t>8/21/2024</a:t>
+              <a:t>4/17/2025</a:t>
             </a:fld>
             <a:endParaRPr lang="en-US"/>
           </a:p>
@@ -3438,7 +2699,7 @@
           <a:p>
             <a:fld id="{33D569A9-A222-4DCC-AF28-BB813B4F2ABB}" type="datetimeFigureOut">
               <a:rPr lang="en-US" smtClean="0"/>
-              <a:t>8/21/2024</a:t>
+              <a:t>4/17/2025</a:t>
             </a:fld>
             <a:endParaRPr lang="en-US"/>
           </a:p>
@@ -3579,7 +2840,7 @@
           <a:p>
             <a:fld id="{33D569A9-A222-4DCC-AF28-BB813B4F2ABB}" type="datetimeFigureOut">
               <a:rPr lang="en-US" smtClean="0"/>
-              <a:t>8/21/2024</a:t>
+              <a:t>4/17/2025</a:t>
             </a:fld>
             <a:endParaRPr lang="en-US"/>
           </a:p>
@@ -3692,7 +2953,7 @@
           <a:p>
             <a:fld id="{33D569A9-A222-4DCC-AF28-BB813B4F2ABB}" type="datetimeFigureOut">
               <a:rPr lang="en-US" smtClean="0"/>
-              <a:t>8/21/2024</a:t>
+              <a:t>4/17/2025</a:t>
             </a:fld>
             <a:endParaRPr lang="en-US"/>
           </a:p>
@@ -4038,7 +3299,7 @@
           <a:p>
             <a:fld id="{33D569A9-A222-4DCC-AF28-BB813B4F2ABB}" type="datetimeFigureOut">
               <a:rPr lang="en-US" smtClean="0"/>
-              <a:t>8/21/2024</a:t>
+              <a:t>4/17/2025</a:t>
             </a:fld>
             <a:endParaRPr lang="en-US"/>
           </a:p>
@@ -4279,7 +3540,7 @@
           <a:p>
             <a:fld id="{33D569A9-A222-4DCC-AF28-BB813B4F2ABB}" type="datetimeFigureOut">
               <a:rPr lang="en-US" smtClean="0"/>
-              <a:t>8/21/2024</a:t>
+              <a:t>4/17/2025</a:t>
             </a:fld>
             <a:endParaRPr lang="en-US"/>
           </a:p>
@@ -4904,25 +4165,13 @@
             </a:endParaRPr>
           </a:p>
           <a:p>
-            <a:pPr marL="571500" marR="0" lvl="0" indent="-571500" algn="l" defTabSz="914400" rtl="0" eaLnBrk="1" fontAlgn="auto" latinLnBrk="0" hangingPunct="1">
-              <a:lnSpc>
-                <a:spcPct val="100000"/>
-              </a:lnSpc>
-              <a:spcBef>
-                <a:spcPts val="0"/>
-              </a:spcBef>
-              <a:spcAft>
-                <a:spcPts val="0"/>
-              </a:spcAft>
-              <a:buClrTx/>
-              <a:buSzTx/>
+            <a:pPr marL="571500" indent="-571500">
               <a:buFont typeface="Arial" panose="020B0604020202020204" pitchFamily="34" charset="0"/>
               <a:buChar char="•"/>
-              <a:tabLst/>
               <a:defRPr/>
             </a:pPr>
             <a:r>
-              <a:rPr lang="en-US" sz="2400" dirty="0">
+              <a:rPr lang="en-US" sz="2400" dirty="0" err="1">
                 <a:solidFill>
                   <a:prstClr val="white">
                     <a:lumMod val="75000"/>
@@ -4930,18 +4179,7 @@
                 </a:solidFill>
                 <a:latin typeface="Open Sans" panose="020B0606030504020204" pitchFamily="34" charset="0"/>
               </a:rPr>
-              <a:t>Objects (</a:t>
-            </a:r>
-            <a:r>
-              <a:rPr lang="en-US" sz="2400">
-                <a:solidFill>
-                  <a:prstClr val="white">
-                    <a:lumMod val="75000"/>
-                  </a:prstClr>
-                </a:solidFill>
-                <a:latin typeface="Open Sans" panose="020B0606030504020204" pitchFamily="34" charset="0"/>
-              </a:rPr>
-              <a:t>and Classes)</a:t>
+              <a:t>JavaDocs</a:t>
             </a:r>
             <a:endParaRPr lang="en-US" sz="2400" dirty="0">
               <a:solidFill>
@@ -4998,11 +4236,71 @@
               <a:defRPr/>
             </a:pPr>
             <a:r>
-              <a:rPr lang="en-US" sz="2400" dirty="0">
-                <a:solidFill>
-                  <a:prstClr val="white">
-                    <a:lumMod val="75000"/>
-                  </a:prstClr>
+              <a:rPr lang="en-US" sz="2400" i="1" dirty="0">
+                <a:solidFill>
+                  <a:schemeClr val="bg1">
+                    <a:lumMod val="85000"/>
+                    <a:lumOff val="15000"/>
+                  </a:schemeClr>
+                </a:solidFill>
+                <a:latin typeface="Open Sans" panose="020B0606030504020204" pitchFamily="34" charset="0"/>
+              </a:rPr>
+              <a:t>Objects (and Classes)</a:t>
+            </a:r>
+          </a:p>
+          <a:p>
+            <a:pPr marL="571500" marR="0" lvl="0" indent="-571500" algn="l" defTabSz="914400" rtl="0" eaLnBrk="1" fontAlgn="auto" latinLnBrk="0" hangingPunct="1">
+              <a:lnSpc>
+                <a:spcPct val="100000"/>
+              </a:lnSpc>
+              <a:spcBef>
+                <a:spcPts val="0"/>
+              </a:spcBef>
+              <a:spcAft>
+                <a:spcPts val="0"/>
+              </a:spcAft>
+              <a:buClrTx/>
+              <a:buSzTx/>
+              <a:buFont typeface="Arial" panose="020B0604020202020204" pitchFamily="34" charset="0"/>
+              <a:buChar char="•"/>
+              <a:tabLst/>
+              <a:defRPr/>
+            </a:pPr>
+            <a:endParaRPr lang="en-US" sz="2400" i="1" dirty="0">
+              <a:solidFill>
+                <a:schemeClr val="bg1">
+                  <a:lumMod val="85000"/>
+                  <a:lumOff val="15000"/>
+                </a:schemeClr>
+              </a:solidFill>
+              <a:latin typeface="Open Sans" panose="020B0606030504020204" pitchFamily="34" charset="0"/>
+            </a:endParaRPr>
+          </a:p>
+          <a:p>
+            <a:pPr marL="571500" marR="0" lvl="0" indent="-571500" algn="l" defTabSz="914400" rtl="0" eaLnBrk="1" fontAlgn="auto" latinLnBrk="0" hangingPunct="1">
+              <a:lnSpc>
+                <a:spcPct val="100000"/>
+              </a:lnSpc>
+              <a:spcBef>
+                <a:spcPts val="0"/>
+              </a:spcBef>
+              <a:spcAft>
+                <a:spcPts val="0"/>
+              </a:spcAft>
+              <a:buClrTx/>
+              <a:buSzTx/>
+              <a:buFont typeface="Arial" panose="020B0604020202020204" pitchFamily="34" charset="0"/>
+              <a:buChar char="•"/>
+              <a:tabLst/>
+              <a:defRPr/>
+            </a:pPr>
+            <a:r>
+              <a:rPr lang="en-US" sz="2400" i="1" dirty="0">
+                <a:solidFill>
+                  <a:schemeClr val="bg1">
+                    <a:lumMod val="85000"/>
+                    <a:lumOff val="15000"/>
+                  </a:schemeClr>
                 </a:solidFill>
                 <a:latin typeface="Open Sans" panose="020B0606030504020204" pitchFamily="34" charset="0"/>
               </a:rPr>
@@ -5029,35 +4327,10 @@
             </a:pPr>
             <a:endParaRPr lang="en-US" sz="2400" dirty="0">
               <a:solidFill>
-                <a:prstClr val="white">
-                  <a:lumMod val="75000"/>
-                </a:prstClr>
-              </a:solidFill>
-              <a:latin typeface="Open Sans" panose="020B0606030504020204" pitchFamily="34" charset="0"/>
-            </a:endParaRPr>
-          </a:p>
-          <a:p>
-            <a:pPr marL="571500" indent="-571500">
-              <a:buFont typeface="Arial" panose="020B0604020202020204" pitchFamily="34" charset="0"/>
-              <a:buChar char="•"/>
-              <a:defRPr/>
-            </a:pPr>
-            <a:r>
-              <a:rPr lang="en-US" sz="2400" dirty="0" err="1">
-                <a:solidFill>
-                  <a:prstClr val="white">
-                    <a:lumMod val="75000"/>
-                  </a:prstClr>
-                </a:solidFill>
-                <a:latin typeface="Open Sans" panose="020B0606030504020204" pitchFamily="34" charset="0"/>
-              </a:rPr>
-              <a:t>JavaDocs</a:t>
-            </a:r>
-            <a:endParaRPr lang="en-US" sz="2400" dirty="0">
-              <a:solidFill>
-                <a:prstClr val="white">
-                  <a:lumMod val="75000"/>
-                </a:prstClr>
+                <a:schemeClr val="bg1">
+                  <a:lumMod val="85000"/>
+                  <a:lumOff val="15000"/>
+                </a:schemeClr>
               </a:solidFill>
               <a:latin typeface="Open Sans" panose="020B0606030504020204" pitchFamily="34" charset="0"/>
             </a:endParaRPr>
@@ -5080,39 +4353,13 @@
               <a:tabLst/>
               <a:defRPr/>
             </a:pPr>
-            <a:endParaRPr lang="en-US" sz="2400" dirty="0">
-              <a:solidFill>
-                <a:prstClr val="white">
-                  <a:lumMod val="75000"/>
-                </a:prstClr>
-              </a:solidFill>
-              <a:latin typeface="Open Sans" panose="020B0606030504020204" pitchFamily="34" charset="0"/>
-            </a:endParaRPr>
-          </a:p>
-          <a:p>
-            <a:pPr marL="571500" marR="0" lvl="0" indent="-571500" algn="l" defTabSz="914400" rtl="0" eaLnBrk="1" fontAlgn="auto" latinLnBrk="0" hangingPunct="1">
-              <a:lnSpc>
-                <a:spcPct val="100000"/>
-              </a:lnSpc>
-              <a:spcBef>
-                <a:spcPts val="0"/>
-              </a:spcBef>
-              <a:spcAft>
-                <a:spcPts val="0"/>
-              </a:spcAft>
-              <a:buClrTx/>
-              <a:buSzTx/>
-              <a:buFont typeface="Arial" panose="020B0604020202020204" pitchFamily="34" charset="0"/>
-              <a:buChar char="•"/>
-              <a:tabLst/>
-              <a:defRPr/>
-            </a:pPr>
-            <a:r>
-              <a:rPr lang="en-US" sz="2400" dirty="0">
-                <a:solidFill>
-                  <a:prstClr val="white">
-                    <a:lumMod val="75000"/>
-                  </a:prstClr>
+            <a:r>
+              <a:rPr lang="en-US" sz="2400" i="1" dirty="0">
+                <a:solidFill>
+                  <a:schemeClr val="bg1">
+                    <a:lumMod val="85000"/>
+                    <a:lumOff val="15000"/>
+                  </a:schemeClr>
                 </a:solidFill>
                 <a:latin typeface="Open Sans" panose="020B0606030504020204" pitchFamily="34" charset="0"/>
               </a:rPr>
@@ -5200,17 +4447,11 @@
                 <a:solidFill>
                   <a:srgbClr val="00B050"/>
                 </a:solidFill>
-                <a:latin typeface="Open Sans" panose="020B0606030504020204" pitchFamily="34" charset="0"/>
-              </a:rPr>
-              <a:t>Equality in Primitives vs Objects</a:t>
-            </a:r>
-            <a:endParaRPr lang="en-US" sz="2400" b="1" dirty="0">
-              <a:solidFill>
-                <a:srgbClr val="00B050"/>
-              </a:solidFill>
-              <a:effectLst/>
-              <a:latin typeface="Open Sans" panose="020B0606030504020204" pitchFamily="34" charset="0"/>
-            </a:endParaRPr>
+                <a:effectLst/>
+                <a:latin typeface="Open Sans" panose="020B0606030504020204" pitchFamily="34" charset="0"/>
+              </a:rPr>
+              <a:t>Primitives vs Objects</a:t>
+            </a:r>
           </a:p>
         </p:txBody>
       </p:sp>
@@ -5228,8 +4469,8 @@
         </p:nvSpPr>
         <p:spPr>
           <a:xfrm>
-            <a:off x="240935" y="539403"/>
-            <a:ext cx="11612709" cy="9510296"/>
+            <a:off x="341603" y="640071"/>
+            <a:ext cx="11701570" cy="6155531"/>
           </a:xfrm>
           <a:prstGeom prst="rect">
             <a:avLst/>
@@ -5242,10 +4483,6 @@
           </a:bodyPr>
           <a:lstStyle/>
           <a:p>
-            <a:pPr marL="342900" indent="-342900">
-              <a:buFont typeface="Arial" panose="020B0604020202020204" pitchFamily="34" charset="0"/>
-              <a:buChar char="•"/>
-            </a:pPr>
             <a:r>
               <a:rPr lang="en-US" dirty="0">
                 <a:solidFill>
@@ -5255,7 +4492,7 @@
                 </a:solidFill>
                 <a:latin typeface="Open Sans" panose="020B0606030504020204" pitchFamily="34" charset="0"/>
               </a:rPr>
-              <a:t>Another difference between primitive data types and Objects has to do with Equality.   The Equality Operator in Java == checks to see if two references are the same.  In other words </a:t>
+              <a:t>A </a:t>
             </a:r>
             <a:r>
               <a:rPr lang="en-US" dirty="0">
@@ -5264,7 +4501,7 @@
                 </a:solidFill>
                 <a:latin typeface="Open Sans" panose="020B0606030504020204" pitchFamily="34" charset="0"/>
               </a:rPr>
-              <a:t>when comparing Primitive Datatypes,  == checks to see if two values are the same</a:t>
+              <a:t>primitive</a:t>
             </a:r>
             <a:r>
               <a:rPr lang="en-US" dirty="0">
@@ -5275,14 +4512,30 @@
                 </a:solidFill>
                 <a:latin typeface="Open Sans" panose="020B0606030504020204" pitchFamily="34" charset="0"/>
               </a:rPr>
-              <a:t>.  With Primitive Datatype Equality Comparison,  == checks the in-memory value of the Primitive Datatype against the in-memory value of a different Primitive Datatype.   </a:t>
-            </a:r>
-          </a:p>
-          <a:p>
-            <a:pPr marL="342900" indent="-342900">
-              <a:buFont typeface="Arial" panose="020B0604020202020204" pitchFamily="34" charset="0"/>
-              <a:buChar char="•"/>
-            </a:pPr>
+              <a:t> datatype  is </a:t>
+            </a:r>
+            <a:r>
+              <a:rPr lang="en-US" dirty="0">
+                <a:solidFill>
+                  <a:srgbClr val="00B0F0"/>
+                </a:solidFill>
+                <a:latin typeface="Open Sans" panose="020B0606030504020204" pitchFamily="34" charset="0"/>
+              </a:rPr>
+              <a:t>just a piece of data and nothing more</a:t>
+            </a:r>
+            <a:r>
+              <a:rPr lang="en-US" dirty="0">
+                <a:solidFill>
+                  <a:schemeClr val="tx1">
+                    <a:lumMod val="85000"/>
+                  </a:schemeClr>
+                </a:solidFill>
+                <a:latin typeface="Open Sans" panose="020B0606030504020204" pitchFamily="34" charset="0"/>
+              </a:rPr>
+              <a:t>.  </a:t>
+            </a:r>
+          </a:p>
+          <a:p>
             <a:endParaRPr lang="en-US" dirty="0">
               <a:solidFill>
                 <a:schemeClr val="tx1">
@@ -5293,27 +4546,43 @@
             </a:endParaRPr>
           </a:p>
           <a:p>
-            <a:pPr marL="342900" indent="-342900">
-              <a:buFont typeface="Arial" panose="020B0604020202020204" pitchFamily="34" charset="0"/>
-              <a:buChar char="•"/>
-            </a:pPr>
-            <a:r>
-              <a:rPr lang="en-US" dirty="0">
-                <a:solidFill>
-                  <a:schemeClr val="tx1">
-                    <a:lumMod val="85000"/>
-                  </a:schemeClr>
-                </a:solidFill>
-                <a:latin typeface="Open Sans" panose="020B0606030504020204" pitchFamily="34" charset="0"/>
-              </a:rPr>
-              <a:t>Primitive Datatype Equality</a:t>
-            </a:r>
-          </a:p>
-          <a:p>
-            <a:pPr marL="342900" indent="-342900">
-              <a:buFont typeface="Arial" panose="020B0604020202020204" pitchFamily="34" charset="0"/>
-              <a:buChar char="•"/>
-            </a:pPr>
+            <a:r>
+              <a:rPr lang="en-US" sz="1200" dirty="0">
+                <a:solidFill>
+                  <a:schemeClr val="tx1">
+                    <a:lumMod val="85000"/>
+                  </a:schemeClr>
+                </a:solidFill>
+                <a:latin typeface="Open Sans" panose="020B0606030504020204" pitchFamily="34" charset="0"/>
+              </a:rPr>
+              <a:t>int age = 19;</a:t>
+            </a:r>
+          </a:p>
+          <a:p>
+            <a:r>
+              <a:rPr lang="en-US" sz="1200" dirty="0" err="1">
+                <a:solidFill>
+                  <a:schemeClr val="tx1">
+                    <a:lumMod val="85000"/>
+                  </a:schemeClr>
+                </a:solidFill>
+                <a:latin typeface="Open Sans" panose="020B0606030504020204" pitchFamily="34" charset="0"/>
+              </a:rPr>
+              <a:t>System.out.println</a:t>
+            </a:r>
+            <a:r>
+              <a:rPr lang="en-US" sz="1200" dirty="0">
+                <a:solidFill>
+                  <a:schemeClr val="tx1">
+                    <a:lumMod val="85000"/>
+                  </a:schemeClr>
+                </a:solidFill>
+                <a:latin typeface="Open Sans" panose="020B0606030504020204" pitchFamily="34" charset="0"/>
+              </a:rPr>
+              <a:t>("Age is: " + age);</a:t>
+            </a:r>
+          </a:p>
+          <a:p>
             <a:endParaRPr lang="en-US" dirty="0">
               <a:solidFill>
                 <a:schemeClr val="tx1">
@@ -5324,10 +4593,6 @@
             </a:endParaRPr>
           </a:p>
           <a:p>
-            <a:pPr marL="342900" indent="-342900">
-              <a:buFont typeface="Arial" panose="020B0604020202020204" pitchFamily="34" charset="0"/>
-              <a:buChar char="•"/>
-            </a:pPr>
             <a:r>
               <a:rPr lang="en-US" dirty="0">
                 <a:solidFill>
@@ -5337,36 +4602,119 @@
                 </a:solidFill>
                 <a:latin typeface="Open Sans" panose="020B0606030504020204" pitchFamily="34" charset="0"/>
               </a:rPr>
-              <a:t>The following code declares two int variables, and compares the value.  Since these two variables are pointing to the same value, the </a:t>
+              <a:t>An </a:t>
+            </a:r>
+            <a:r>
+              <a:rPr lang="en-US" dirty="0">
+                <a:solidFill>
+                  <a:srgbClr val="00B0F0"/>
+                </a:solidFill>
+                <a:latin typeface="Open Sans" panose="020B0606030504020204" pitchFamily="34" charset="0"/>
+              </a:rPr>
+              <a:t>Object</a:t>
+            </a:r>
+            <a:r>
+              <a:rPr lang="en-US" dirty="0">
+                <a:solidFill>
+                  <a:schemeClr val="tx1">
+                    <a:lumMod val="85000"/>
+                  </a:schemeClr>
+                </a:solidFill>
+                <a:latin typeface="Open Sans" panose="020B0606030504020204" pitchFamily="34" charset="0"/>
+              </a:rPr>
+              <a:t> (e.g. String, Array, etc..) has a value, but there is much more.  An Object has </a:t>
+            </a:r>
+            <a:r>
+              <a:rPr lang="en-US" dirty="0">
+                <a:solidFill>
+                  <a:srgbClr val="00B0F0"/>
+                </a:solidFill>
+                <a:latin typeface="Open Sans" panose="020B0606030504020204" pitchFamily="34" charset="0"/>
+              </a:rPr>
+              <a:t>properties and methods</a:t>
+            </a:r>
+            <a:r>
+              <a:rPr lang="en-US" dirty="0">
+                <a:solidFill>
+                  <a:schemeClr val="tx1">
+                    <a:lumMod val="85000"/>
+                  </a:schemeClr>
+                </a:solidFill>
+                <a:latin typeface="Open Sans" panose="020B0606030504020204" pitchFamily="34" charset="0"/>
+              </a:rPr>
+              <a:t> which are defined on that object, and are </a:t>
+            </a:r>
+            <a:r>
+              <a:rPr lang="en-US" dirty="0">
+                <a:solidFill>
+                  <a:srgbClr val="00B0F0"/>
+                </a:solidFill>
+                <a:latin typeface="Open Sans" panose="020B0606030504020204" pitchFamily="34" charset="0"/>
+              </a:rPr>
+              <a:t>accessed via dot-notation</a:t>
+            </a:r>
+            <a:r>
+              <a:rPr lang="en-US" dirty="0">
+                <a:solidFill>
+                  <a:schemeClr val="tx1">
+                    <a:lumMod val="85000"/>
+                  </a:schemeClr>
+                </a:solidFill>
+                <a:latin typeface="Open Sans" panose="020B0606030504020204" pitchFamily="34" charset="0"/>
+              </a:rPr>
+              <a:t>.  For example, we can </a:t>
+            </a:r>
+            <a:r>
+              <a:rPr lang="en-US" dirty="0">
+                <a:solidFill>
+                  <a:srgbClr val="00B0F0"/>
+                </a:solidFill>
+                <a:latin typeface="Open Sans" panose="020B0606030504020204" pitchFamily="34" charset="0"/>
+              </a:rPr>
+              <a:t>declare a String</a:t>
+            </a:r>
+            <a:r>
+              <a:rPr lang="en-US" dirty="0">
+                <a:solidFill>
+                  <a:schemeClr val="tx1">
+                    <a:lumMod val="85000"/>
+                  </a:schemeClr>
+                </a:solidFill>
+                <a:latin typeface="Open Sans" panose="020B0606030504020204" pitchFamily="34" charset="0"/>
+              </a:rPr>
+              <a:t> name, which is an object, and use the method </a:t>
             </a:r>
             <a:r>
               <a:rPr lang="en-US" dirty="0" err="1">
                 <a:solidFill>
-                  <a:schemeClr val="tx1">
-                    <a:lumMod val="85000"/>
-                  </a:schemeClr>
-                </a:solidFill>
-                <a:latin typeface="Open Sans" panose="020B0606030504020204" pitchFamily="34" charset="0"/>
-              </a:rPr>
-              <a:t>System.out.println</a:t>
+                  <a:srgbClr val="00B0F0"/>
+                </a:solidFill>
+                <a:latin typeface="Open Sans" panose="020B0606030504020204" pitchFamily="34" charset="0"/>
+              </a:rPr>
+              <a:t>name.length</a:t>
             </a:r>
             <a:r>
               <a:rPr lang="en-US" dirty="0">
                 <a:solidFill>
-                  <a:schemeClr val="tx1">
-                    <a:lumMod val="85000"/>
-                  </a:schemeClr>
-                </a:solidFill>
-                <a:latin typeface="Open Sans" panose="020B0606030504020204" pitchFamily="34" charset="0"/>
-              </a:rPr>
-              <a:t>() will print the following result:  age1 == age2: true</a:t>
-            </a:r>
-          </a:p>
-          <a:p>
-            <a:pPr marL="342900" indent="-342900">
-              <a:buFont typeface="Arial" panose="020B0604020202020204" pitchFamily="34" charset="0"/>
-              <a:buChar char="•"/>
-            </a:pPr>
+                  <a:srgbClr val="00B0F0"/>
+                </a:solidFill>
+                <a:latin typeface="Open Sans" panose="020B0606030504020204" pitchFamily="34" charset="0"/>
+              </a:rPr>
+              <a:t>()  </a:t>
+            </a:r>
+            <a:r>
+              <a:rPr lang="en-US" dirty="0">
+                <a:solidFill>
+                  <a:schemeClr val="tx1">
+                    <a:lumMod val="85000"/>
+                  </a:schemeClr>
+                </a:solidFill>
+                <a:latin typeface="Open Sans" panose="020B0606030504020204" pitchFamily="34" charset="0"/>
+              </a:rPr>
+              <a:t>to print out the length of the String stored in the variable name</a:t>
+            </a:r>
+          </a:p>
+          <a:p>
             <a:endParaRPr lang="en-US" dirty="0">
               <a:solidFill>
                 <a:schemeClr val="tx1">
@@ -5377,27 +4725,65 @@
             </a:endParaRPr>
           </a:p>
           <a:p>
-            <a:pPr marL="342900" indent="-342900">
-              <a:buFont typeface="Arial" panose="020B0604020202020204" pitchFamily="34" charset="0"/>
-              <a:buChar char="•"/>
-            </a:pPr>
-            <a:r>
-              <a:rPr lang="en-US" dirty="0">
-                <a:solidFill>
-                  <a:schemeClr val="tx1">
-                    <a:lumMod val="85000"/>
-                  </a:schemeClr>
-                </a:solidFill>
-                <a:latin typeface="Open Sans" panose="020B0606030504020204" pitchFamily="34" charset="0"/>
-              </a:rPr>
-              <a:t>Object Equality</a:t>
-            </a:r>
-          </a:p>
-          <a:p>
-            <a:pPr marL="342900" indent="-342900">
-              <a:buFont typeface="Arial" panose="020B0604020202020204" pitchFamily="34" charset="0"/>
-              <a:buChar char="•"/>
-            </a:pPr>
+            <a:r>
+              <a:rPr lang="en-US" sz="1200" dirty="0">
+                <a:solidFill>
+                  <a:schemeClr val="tx1">
+                    <a:lumMod val="85000"/>
+                  </a:schemeClr>
+                </a:solidFill>
+                <a:latin typeface="Open Sans" panose="020B0606030504020204" pitchFamily="34" charset="0"/>
+              </a:rPr>
+              <a:t>String name = "Chip Brown";</a:t>
+            </a:r>
+          </a:p>
+          <a:p>
+            <a:r>
+              <a:rPr lang="en-US" sz="1200" dirty="0" err="1">
+                <a:solidFill>
+                  <a:schemeClr val="tx1">
+                    <a:lumMod val="85000"/>
+                  </a:schemeClr>
+                </a:solidFill>
+                <a:latin typeface="Open Sans" panose="020B0606030504020204" pitchFamily="34" charset="0"/>
+              </a:rPr>
+              <a:t>System.out.println</a:t>
+            </a:r>
+            <a:r>
+              <a:rPr lang="en-US" sz="1200" dirty="0">
+                <a:solidFill>
+                  <a:schemeClr val="tx1">
+                    <a:lumMod val="85000"/>
+                  </a:schemeClr>
+                </a:solidFill>
+                <a:latin typeface="Open Sans" panose="020B0606030504020204" pitchFamily="34" charset="0"/>
+              </a:rPr>
+              <a:t>("The length of name is: " + </a:t>
+            </a:r>
+            <a:r>
+              <a:rPr lang="en-US" sz="1200" dirty="0" err="1">
+                <a:solidFill>
+                  <a:schemeClr val="tx1">
+                    <a:lumMod val="85000"/>
+                  </a:schemeClr>
+                </a:solidFill>
+                <a:latin typeface="Open Sans" panose="020B0606030504020204" pitchFamily="34" charset="0"/>
+              </a:rPr>
+              <a:t>name.length</a:t>
+            </a:r>
+            <a:r>
+              <a:rPr lang="en-US" sz="1200" dirty="0">
+                <a:solidFill>
+                  <a:schemeClr val="tx1">
+                    <a:lumMod val="85000"/>
+                  </a:schemeClr>
+                </a:solidFill>
+                <a:latin typeface="Open Sans" panose="020B0606030504020204" pitchFamily="34" charset="0"/>
+              </a:rPr>
+              <a:t>());</a:t>
+            </a:r>
+          </a:p>
+          <a:p>
             <a:endParaRPr lang="en-US" dirty="0">
               <a:solidFill>
                 <a:schemeClr val="tx1">
@@ -5408,10 +4794,6 @@
             </a:endParaRPr>
           </a:p>
           <a:p>
-            <a:pPr marL="342900" indent="-342900">
-              <a:buFont typeface="Arial" panose="020B0604020202020204" pitchFamily="34" charset="0"/>
-              <a:buChar char="•"/>
-            </a:pPr>
             <a:r>
               <a:rPr lang="en-US" dirty="0">
                 <a:solidFill>
@@ -5421,14 +4803,30 @@
                 </a:solidFill>
                 <a:latin typeface="Open Sans" panose="020B0606030504020204" pitchFamily="34" charset="0"/>
               </a:rPr>
-              <a:t>Remember that when an Object is instantiated, the programmer has access to all properties and methods that are defined within that Object, through dot-notation.</a:t>
-            </a:r>
-          </a:p>
-          <a:p>
-            <a:pPr marL="342900" indent="-342900">
-              <a:buFont typeface="Arial" panose="020B0604020202020204" pitchFamily="34" charset="0"/>
-              <a:buChar char="•"/>
-            </a:pPr>
+              <a:t>The main difference between a primitive datatype and an Object is that </a:t>
+            </a:r>
+            <a:r>
+              <a:rPr lang="en-US" dirty="0">
+                <a:solidFill>
+                  <a:srgbClr val="00B0F0"/>
+                </a:solidFill>
+                <a:latin typeface="Open Sans" panose="020B0606030504020204" pitchFamily="34" charset="0"/>
+              </a:rPr>
+              <a:t>a primitive datatype does not have properties and methods defined on it</a:t>
+            </a:r>
+            <a:r>
+              <a:rPr lang="en-US" dirty="0">
+                <a:solidFill>
+                  <a:schemeClr val="tx1">
+                    <a:lumMod val="85000"/>
+                  </a:schemeClr>
+                </a:solidFill>
+                <a:latin typeface="Open Sans" panose="020B0606030504020204" pitchFamily="34" charset="0"/>
+              </a:rPr>
+              <a:t>.  </a:t>
+            </a:r>
+          </a:p>
+          <a:p>
             <a:endParaRPr lang="en-US" dirty="0">
               <a:solidFill>
                 <a:schemeClr val="tx1">
@@ -5439,10 +4837,6 @@
             </a:endParaRPr>
           </a:p>
           <a:p>
-            <a:pPr marL="342900" indent="-342900">
-              <a:buFont typeface="Arial" panose="020B0604020202020204" pitchFamily="34" charset="0"/>
-              <a:buChar char="•"/>
-            </a:pPr>
             <a:r>
               <a:rPr lang="en-US" dirty="0">
                 <a:solidFill>
@@ -5452,34 +4846,110 @@
                 </a:solidFill>
                 <a:latin typeface="Open Sans" panose="020B0606030504020204" pitchFamily="34" charset="0"/>
               </a:rPr>
-              <a:t>With the declaration of a new Object, Java creates that object as its own instance in memory.  Even if two Objects are created with the same exact content, the Objects themselves will be created as two separate instances in memory.  </a:t>
+              <a:t>When creating your own Objects, you can define them as you need.  For example in our </a:t>
+            </a:r>
+            <a:r>
+              <a:rPr lang="en-US" dirty="0" err="1">
+                <a:solidFill>
+                  <a:schemeClr val="tx1">
+                    <a:lumMod val="85000"/>
+                  </a:schemeClr>
+                </a:solidFill>
+                <a:latin typeface="Open Sans" panose="020B0606030504020204" pitchFamily="34" charset="0"/>
+              </a:rPr>
+              <a:t>GradeBook</a:t>
             </a:r>
             <a:r>
               <a:rPr lang="en-US" dirty="0">
                 <a:solidFill>
+                  <a:schemeClr val="tx1">
+                    <a:lumMod val="85000"/>
+                  </a:schemeClr>
+                </a:solidFill>
+                <a:latin typeface="Open Sans" panose="020B0606030504020204" pitchFamily="34" charset="0"/>
+              </a:rPr>
+              <a:t> example from the Array Section, we needed a Student Object, so we declared a Class named Student.   </a:t>
+            </a:r>
+            <a:r>
+              <a:rPr lang="en-US" dirty="0">
+                <a:solidFill>
                   <a:srgbClr val="00B0F0"/>
                 </a:solidFill>
                 <a:latin typeface="Open Sans" panose="020B0606030504020204" pitchFamily="34" charset="0"/>
               </a:rPr>
-              <a:t>The point here is that each instance has its own location in memory, and the location is not the same, even if the values within the fields are the same</a:t>
+              <a:t>Student has two fields: </a:t>
+            </a:r>
+            <a:r>
+              <a:rPr lang="en-US" dirty="0" err="1">
+                <a:solidFill>
+                  <a:srgbClr val="00B0F0"/>
+                </a:solidFill>
+                <a:latin typeface="Open Sans" panose="020B0606030504020204" pitchFamily="34" charset="0"/>
+              </a:rPr>
+              <a:t>fullName</a:t>
             </a:r>
             <a:r>
               <a:rPr lang="en-US" dirty="0">
                 <a:solidFill>
-                  <a:schemeClr val="tx1">
-                    <a:lumMod val="85000"/>
-                  </a:schemeClr>
-                </a:solidFill>
-                <a:latin typeface="Open Sans" panose="020B0606030504020204" pitchFamily="34" charset="0"/>
-              </a:rPr>
-              <a:t>.</a:t>
-            </a:r>
-          </a:p>
-          <a:p>
-            <a:pPr marL="342900" indent="-342900">
-              <a:buFont typeface="Arial" panose="020B0604020202020204" pitchFamily="34" charset="0"/>
-              <a:buChar char="•"/>
-            </a:pPr>
+                  <a:srgbClr val="00B0F0"/>
+                </a:solidFill>
+                <a:latin typeface="Open Sans" panose="020B0606030504020204" pitchFamily="34" charset="0"/>
+              </a:rPr>
+              <a:t> and grades</a:t>
+            </a:r>
+            <a:r>
+              <a:rPr lang="en-US" dirty="0">
+                <a:solidFill>
+                  <a:schemeClr val="tx1">
+                    <a:lumMod val="85000"/>
+                  </a:schemeClr>
+                </a:solidFill>
+                <a:latin typeface="Open Sans" panose="020B0606030504020204" pitchFamily="34" charset="0"/>
+              </a:rPr>
+              <a:t>, a </a:t>
+            </a:r>
+            <a:r>
+              <a:rPr lang="en-US" dirty="0">
+                <a:solidFill>
+                  <a:srgbClr val="00B0F0"/>
+                </a:solidFill>
+                <a:latin typeface="Open Sans" panose="020B0606030504020204" pitchFamily="34" charset="0"/>
+              </a:rPr>
+              <a:t>Constructor named Student()</a:t>
+            </a:r>
+            <a:r>
+              <a:rPr lang="en-US" dirty="0">
+                <a:solidFill>
+                  <a:schemeClr val="tx1">
+                    <a:lumMod val="85000"/>
+                  </a:schemeClr>
+                </a:solidFill>
+                <a:latin typeface="Open Sans" panose="020B0606030504020204" pitchFamily="34" charset="0"/>
+              </a:rPr>
+              <a:t>, and a </a:t>
+            </a:r>
+            <a:r>
+              <a:rPr lang="en-US" dirty="0">
+                <a:solidFill>
+                  <a:srgbClr val="00B0F0"/>
+                </a:solidFill>
+                <a:latin typeface="Open Sans" panose="020B0606030504020204" pitchFamily="34" charset="0"/>
+              </a:rPr>
+              <a:t>method named describe()</a:t>
+            </a:r>
+            <a:r>
+              <a:rPr lang="en-US" dirty="0">
+                <a:solidFill>
+                  <a:schemeClr val="tx1">
+                    <a:lumMod val="85000"/>
+                  </a:schemeClr>
+                </a:solidFill>
+                <a:latin typeface="Open Sans" panose="020B0606030504020204" pitchFamily="34" charset="0"/>
+              </a:rPr>
+              <a:t>. </a:t>
+            </a:r>
+          </a:p>
+          <a:p>
             <a:endParaRPr lang="en-US" dirty="0">
               <a:solidFill>
                 <a:schemeClr val="tx1">
@@ -5490,10 +4960,6 @@
             </a:endParaRPr>
           </a:p>
           <a:p>
-            <a:pPr marL="342900" indent="-342900">
-              <a:buFont typeface="Arial" panose="020B0604020202020204" pitchFamily="34" charset="0"/>
-              <a:buChar char="•"/>
-            </a:pPr>
             <a:r>
               <a:rPr lang="en-US" dirty="0">
                 <a:solidFill>
@@ -5503,111 +4969,124 @@
                 </a:solidFill>
                 <a:latin typeface="Open Sans" panose="020B0606030504020204" pitchFamily="34" charset="0"/>
               </a:rPr>
-              <a:t>Let's look at our Grade Book Example above.   Imagine that we instantiate two students using the Student() Constructor as follows:</a:t>
-            </a:r>
-          </a:p>
-          <a:p>
-            <a:pPr marL="342900" indent="-342900">
-              <a:buFont typeface="Arial" panose="020B0604020202020204" pitchFamily="34" charset="0"/>
-              <a:buChar char="•"/>
-            </a:pPr>
-            <a:endParaRPr lang="en-US" dirty="0">
+              <a:t>Additionally, you will notice that Student is a Class.  In Java, </a:t>
+            </a:r>
+            <a:r>
+              <a:rPr lang="en-US" dirty="0">
+                <a:solidFill>
+                  <a:srgbClr val="00B0F0"/>
+                </a:solidFill>
+                <a:latin typeface="Open Sans" panose="020B0606030504020204" pitchFamily="34" charset="0"/>
+              </a:rPr>
+              <a:t>a Class is the template from which an Object can be created</a:t>
+            </a:r>
+            <a:r>
+              <a:rPr lang="en-US" dirty="0">
+                <a:solidFill>
+                  <a:schemeClr val="tx1">
+                    <a:lumMod val="85000"/>
+                  </a:schemeClr>
+                </a:solidFill>
+                <a:latin typeface="Open Sans" panose="020B0606030504020204" pitchFamily="34" charset="0"/>
+              </a:rPr>
+              <a:t>, and </a:t>
+            </a:r>
+            <a:r>
+              <a:rPr lang="en-US" dirty="0">
+                <a:solidFill>
+                  <a:srgbClr val="00B0F0"/>
+                </a:solidFill>
+                <a:latin typeface="Open Sans" panose="020B0606030504020204" pitchFamily="34" charset="0"/>
+              </a:rPr>
+              <a:t>an Object is an instance of that class</a:t>
+            </a:r>
+            <a:r>
+              <a:rPr lang="en-US" dirty="0">
+                <a:solidFill>
+                  <a:schemeClr val="tx1">
+                    <a:lumMod val="85000"/>
+                  </a:schemeClr>
+                </a:solidFill>
+                <a:latin typeface="Open Sans" panose="020B0606030504020204" pitchFamily="34" charset="0"/>
+              </a:rPr>
+              <a:t>.  We use the word "</a:t>
+            </a:r>
+            <a:r>
+              <a:rPr lang="en-US" dirty="0">
+                <a:solidFill>
+                  <a:srgbClr val="00B0F0"/>
+                </a:solidFill>
+                <a:latin typeface="Open Sans" panose="020B0606030504020204" pitchFamily="34" charset="0"/>
+              </a:rPr>
+              <a:t>instantiate</a:t>
+            </a:r>
+            <a:r>
+              <a:rPr lang="en-US" dirty="0">
+                <a:solidFill>
+                  <a:schemeClr val="tx1">
+                    <a:lumMod val="85000"/>
+                  </a:schemeClr>
+                </a:solidFill>
+                <a:latin typeface="Open Sans" panose="020B0606030504020204" pitchFamily="34" charset="0"/>
+              </a:rPr>
+              <a:t>" when we describe the </a:t>
+            </a:r>
+            <a:r>
+              <a:rPr lang="en-US" dirty="0">
+                <a:solidFill>
+                  <a:srgbClr val="00B0F0"/>
+                </a:solidFill>
+                <a:latin typeface="Open Sans" panose="020B0606030504020204" pitchFamily="34" charset="0"/>
+              </a:rPr>
+              <a:t>creation of an Object from a Class </a:t>
+            </a:r>
+            <a:r>
+              <a:rPr lang="en-US" dirty="0">
+                <a:solidFill>
+                  <a:schemeClr val="tx1">
+                    <a:lumMod val="85000"/>
+                  </a:schemeClr>
+                </a:solidFill>
+                <a:latin typeface="Open Sans" panose="020B0606030504020204" pitchFamily="34" charset="0"/>
+              </a:rPr>
+              <a:t>by use of the </a:t>
+            </a:r>
+            <a:r>
+              <a:rPr lang="en-US" dirty="0">
+                <a:solidFill>
+                  <a:srgbClr val="00B0F0"/>
+                </a:solidFill>
+                <a:latin typeface="Open Sans" panose="020B0606030504020204" pitchFamily="34" charset="0"/>
+              </a:rPr>
+              <a:t>Constructor of that Class</a:t>
+            </a:r>
+            <a:r>
+              <a:rPr lang="en-US" dirty="0">
+                <a:solidFill>
+                  <a:schemeClr val="tx1">
+                    <a:lumMod val="85000"/>
+                  </a:schemeClr>
+                </a:solidFill>
+                <a:latin typeface="Open Sans" panose="020B0606030504020204" pitchFamily="34" charset="0"/>
+              </a:rPr>
+              <a:t>.</a:t>
+            </a:r>
+            <a:endParaRPr lang="en-US" b="0" i="0" dirty="0">
               <a:solidFill>
                 <a:schemeClr val="tx1">
                   <a:lumMod val="85000"/>
                 </a:schemeClr>
               </a:solidFill>
+              <a:effectLst/>
               <a:latin typeface="Open Sans" panose="020B0606030504020204" pitchFamily="34" charset="0"/>
             </a:endParaRPr>
-          </a:p>
-          <a:p>
-            <a:pPr marL="342900" indent="-342900">
-              <a:buFont typeface="Arial" panose="020B0604020202020204" pitchFamily="34" charset="0"/>
-              <a:buChar char="•"/>
-            </a:pPr>
-            <a:r>
-              <a:rPr lang="en-US" dirty="0">
-                <a:solidFill>
-                  <a:schemeClr val="tx1">
-                    <a:lumMod val="85000"/>
-                  </a:schemeClr>
-                </a:solidFill>
-                <a:latin typeface="Open Sans" panose="020B0606030504020204" pitchFamily="34" charset="0"/>
-              </a:rPr>
-              <a:t>int[] grades = { 100, 100, 100 };</a:t>
-            </a:r>
-          </a:p>
-          <a:p>
-            <a:pPr marL="342900" indent="-342900">
-              <a:buFont typeface="Arial" panose="020B0604020202020204" pitchFamily="34" charset="0"/>
-              <a:buChar char="•"/>
-            </a:pPr>
-            <a:r>
-              <a:rPr lang="en-US" dirty="0">
-                <a:solidFill>
-                  <a:schemeClr val="tx1">
-                    <a:lumMod val="85000"/>
-                  </a:schemeClr>
-                </a:solidFill>
-                <a:latin typeface="Open Sans" panose="020B0606030504020204" pitchFamily="34" charset="0"/>
-              </a:rPr>
-              <a:t>Student student1 = new Student("Molly Mack", grades);</a:t>
-            </a:r>
-          </a:p>
-          <a:p>
-            <a:pPr marL="342900" indent="-342900">
-              <a:buFont typeface="Arial" panose="020B0604020202020204" pitchFamily="34" charset="0"/>
-              <a:buChar char="•"/>
-            </a:pPr>
-            <a:r>
-              <a:rPr lang="en-US" dirty="0">
-                <a:solidFill>
-                  <a:schemeClr val="tx1">
-                    <a:lumMod val="85000"/>
-                  </a:schemeClr>
-                </a:solidFill>
-                <a:latin typeface="Open Sans" panose="020B0606030504020204" pitchFamily="34" charset="0"/>
-              </a:rPr>
-              <a:t>Student student2 = new Student("Molly Mack", grades);</a:t>
-            </a:r>
-          </a:p>
-          <a:p>
-            <a:pPr marL="342900" indent="-342900">
-              <a:buFont typeface="Arial" panose="020B0604020202020204" pitchFamily="34" charset="0"/>
-              <a:buChar char="•"/>
-            </a:pPr>
-            <a:endParaRPr lang="en-US" dirty="0">
-              <a:solidFill>
-                <a:schemeClr val="tx1">
-                  <a:lumMod val="85000"/>
-                </a:schemeClr>
-              </a:solidFill>
-              <a:latin typeface="Open Sans" panose="020B0606030504020204" pitchFamily="34" charset="0"/>
-            </a:endParaRPr>
-          </a:p>
-          <a:p>
-            <a:pPr marL="342900" indent="-342900">
-              <a:buFont typeface="Arial" panose="020B0604020202020204" pitchFamily="34" charset="0"/>
-              <a:buChar char="•"/>
-            </a:pPr>
-            <a:r>
-              <a:rPr lang="en-US" dirty="0">
-                <a:solidFill>
-                  <a:schemeClr val="tx1">
-                    <a:lumMod val="85000"/>
-                  </a:schemeClr>
-                </a:solidFill>
-                <a:latin typeface="Open Sans" panose="020B0606030504020204" pitchFamily="34" charset="0"/>
-              </a:rPr>
-              <a:t>Notice that the data is exactly the same, but we are creating two distinct Objects by using the new keyword.  So, if we run the following comparisons, the results will be reflect that the student1 Object is not the same as the student2 Object, because their locations in memory are distinct.   These are Objects, not Primitive Datatypes.  The only one of the following examples that will be true is when we compare the student1.fullName to "Molly Mack" with the .equals() method.</a:t>
-            </a:r>
           </a:p>
         </p:txBody>
       </p:sp>
     </p:spTree>
     <p:extLst>
       <p:ext uri="{BB962C8B-B14F-4D97-AF65-F5344CB8AC3E}">
-        <p14:creationId xmlns:p14="http://schemas.microsoft.com/office/powerpoint/2010/main" val="1885158462"/>
+        <p14:creationId xmlns:p14="http://schemas.microsoft.com/office/powerpoint/2010/main" val="1513494963"/>
       </p:ext>
     </p:extLst>
   </p:cSld>
@@ -5639,7 +5118,7 @@
           <p:cNvPr id="3" name="TextBox 2">
             <a:extLst>
               <a:ext uri="{FF2B5EF4-FFF2-40B4-BE49-F238E27FC236}">
-                <a16:creationId xmlns:a16="http://schemas.microsoft.com/office/drawing/2014/main" id="{23DFC7E9-54DD-38D7-0B9B-D34948D68CF9}"/>
+                <a16:creationId xmlns:a16="http://schemas.microsoft.com/office/drawing/2014/main" id="{A6B2E4B2-9556-220D-A265-44C9FD951EE6}"/>
               </a:ext>
             </a:extLst>
           </p:cNvPr>
@@ -5648,8 +5127,8 @@
         </p:nvSpPr>
         <p:spPr>
           <a:xfrm>
-            <a:off x="1669409" y="2459504"/>
-            <a:ext cx="8183202" cy="1015663"/>
+            <a:off x="304154" y="6279665"/>
+            <a:ext cx="6094602" cy="400110"/>
           </a:xfrm>
           <a:prstGeom prst="rect">
             <a:avLst/>
@@ -5662,65 +5141,327 @@
           </a:bodyPr>
           <a:lstStyle/>
           <a:p>
-            <a:pPr marL="0" marR="0" lvl="0" indent="0" algn="l" defTabSz="914400" rtl="0" eaLnBrk="1" fontAlgn="auto" latinLnBrk="0" hangingPunct="1">
-              <a:lnSpc>
-                <a:spcPct val="100000"/>
-              </a:lnSpc>
-              <a:spcBef>
-                <a:spcPts val="0"/>
-              </a:spcBef>
-              <a:spcAft>
-                <a:spcPts val="0"/>
-              </a:spcAft>
-              <a:buClrTx/>
-              <a:buSzTx/>
-              <a:buFontTx/>
-              <a:buNone/>
-              <a:tabLst/>
-              <a:defRPr/>
-            </a:pPr>
-            <a:r>
-              <a:rPr kumimoji="0" lang="en-US" sz="6000" b="0" i="0" u="none" strike="noStrike" kern="1200" cap="none" spc="0" normalizeH="0" baseline="0" noProof="0" dirty="0" err="1">
-                <a:ln>
-                  <a:noFill/>
-                </a:ln>
-                <a:solidFill>
-                  <a:prstClr val="white">
-                    <a:lumMod val="75000"/>
-                  </a:prstClr>
+            <a:r>
+              <a:rPr lang="en-US" sz="2000" b="0" i="0" dirty="0">
+                <a:solidFill>
+                  <a:srgbClr val="00B0F0"/>
                 </a:solidFill>
                 <a:effectLst/>
-                <a:uLnTx/>
-                <a:uFillTx/>
-                <a:latin typeface="Open Sans" panose="020B0606030504020204" pitchFamily="34" charset="0"/>
-                <a:ea typeface="+mn-ea"/>
-                <a:cs typeface="+mn-cs"/>
-              </a:rPr>
-              <a:t>JavaDoc</a:t>
-            </a:r>
-            <a:endParaRPr kumimoji="0" lang="en-US" sz="6000" b="0" i="0" u="none" strike="noStrike" kern="1200" cap="none" spc="0" normalizeH="0" baseline="0" noProof="0" dirty="0">
-              <a:ln>
-                <a:noFill/>
-              </a:ln>
+                <a:latin typeface="Open Sans" panose="020B0606030504020204" pitchFamily="34" charset="0"/>
+                <a:hlinkClick r:id="rId2"/>
+              </a:rPr>
+              <a:t>Content Link in LMS</a:t>
+            </a:r>
+            <a:endParaRPr lang="en-US" sz="2000" b="0" i="0" dirty="0">
               <a:solidFill>
-                <a:prstClr val="white">
-                  <a:lumMod val="75000"/>
-                </a:prstClr>
+                <a:srgbClr val="00B0F0"/>
               </a:solidFill>
               <a:effectLst/>
-              <a:uLnTx/>
-              <a:uFillTx/>
               <a:latin typeface="Open Sans" panose="020B0606030504020204" pitchFamily="34" charset="0"/>
-              <a:ea typeface="+mn-ea"/>
-              <a:cs typeface="+mn-cs"/>
             </a:endParaRPr>
           </a:p>
         </p:txBody>
       </p:sp>
+      <p:sp>
+        <p:nvSpPr>
+          <p:cNvPr id="6" name="TextBox 5">
+            <a:extLst>
+              <a:ext uri="{FF2B5EF4-FFF2-40B4-BE49-F238E27FC236}">
+                <a16:creationId xmlns:a16="http://schemas.microsoft.com/office/drawing/2014/main" id="{DE3DBA5A-FA8E-46C6-1402-E5C7632F4CAD}"/>
+              </a:ext>
+            </a:extLst>
+          </p:cNvPr>
+          <p:cNvSpPr txBox="1"/>
+          <p:nvPr/>
+        </p:nvSpPr>
+        <p:spPr>
+          <a:xfrm>
+            <a:off x="216336" y="148241"/>
+            <a:ext cx="6094602" cy="461665"/>
+          </a:xfrm>
+          <a:prstGeom prst="rect">
+            <a:avLst/>
+          </a:prstGeom>
+          <a:noFill/>
+        </p:spPr>
+        <p:txBody>
+          <a:bodyPr wrap="square">
+            <a:spAutoFit/>
+          </a:bodyPr>
+          <a:lstStyle/>
+          <a:p>
+            <a:r>
+              <a:rPr lang="en-US" sz="2400" b="1" dirty="0">
+                <a:solidFill>
+                  <a:srgbClr val="00B050"/>
+                </a:solidFill>
+                <a:effectLst/>
+                <a:latin typeface="Open Sans" panose="020B0606030504020204" pitchFamily="34" charset="0"/>
+              </a:rPr>
+              <a:t>More Arrays – with Objects</a:t>
+            </a:r>
+            <a:endParaRPr lang="en-US" sz="2400" dirty="0"/>
+          </a:p>
+        </p:txBody>
+      </p:sp>
+      <p:sp>
+        <p:nvSpPr>
+          <p:cNvPr id="10" name="TextBox 9">
+            <a:extLst>
+              <a:ext uri="{FF2B5EF4-FFF2-40B4-BE49-F238E27FC236}">
+                <a16:creationId xmlns:a16="http://schemas.microsoft.com/office/drawing/2014/main" id="{EA3D5ED0-1762-C438-DD7C-B32C5582A339}"/>
+              </a:ext>
+            </a:extLst>
+          </p:cNvPr>
+          <p:cNvSpPr txBox="1"/>
+          <p:nvPr/>
+        </p:nvSpPr>
+        <p:spPr>
+          <a:xfrm>
+            <a:off x="216336" y="782518"/>
+            <a:ext cx="11671510" cy="1015663"/>
+          </a:xfrm>
+          <a:prstGeom prst="rect">
+            <a:avLst/>
+          </a:prstGeom>
+          <a:noFill/>
+        </p:spPr>
+        <p:txBody>
+          <a:bodyPr wrap="square">
+            <a:spAutoFit/>
+          </a:bodyPr>
+          <a:lstStyle/>
+          <a:p>
+            <a:pPr marL="342900" indent="-342900">
+              <a:buFont typeface="Arial" panose="020B0604020202020204" pitchFamily="34" charset="0"/>
+              <a:buChar char="•"/>
+            </a:pPr>
+            <a:r>
+              <a:rPr lang="en-US" sz="2000" dirty="0">
+                <a:solidFill>
+                  <a:schemeClr val="tx1">
+                    <a:lumMod val="85000"/>
+                  </a:schemeClr>
+                </a:solidFill>
+                <a:latin typeface="Open Sans" panose="020B0606030504020204" pitchFamily="34" charset="0"/>
+                <a:ea typeface="Open Sans" panose="020B0606030504020204" pitchFamily="34" charset="0"/>
+                <a:cs typeface="Open Sans" panose="020B0606030504020204" pitchFamily="34" charset="0"/>
+              </a:rPr>
+              <a:t>Creating and using Arrays of Objects</a:t>
+            </a:r>
+          </a:p>
+          <a:p>
+            <a:pPr marL="342900" indent="-342900">
+              <a:buFont typeface="Arial" panose="020B0604020202020204" pitchFamily="34" charset="0"/>
+              <a:buChar char="•"/>
+            </a:pPr>
+            <a:endParaRPr lang="en-US" sz="2000" dirty="0">
+              <a:solidFill>
+                <a:schemeClr val="tx1">
+                  <a:lumMod val="85000"/>
+                </a:schemeClr>
+              </a:solidFill>
+              <a:latin typeface="Open Sans" panose="020B0606030504020204" pitchFamily="34" charset="0"/>
+              <a:ea typeface="Open Sans" panose="020B0606030504020204" pitchFamily="34" charset="0"/>
+              <a:cs typeface="Open Sans" panose="020B0606030504020204" pitchFamily="34" charset="0"/>
+            </a:endParaRPr>
+          </a:p>
+          <a:p>
+            <a:pPr marL="342900" indent="-342900">
+              <a:buFont typeface="Arial" panose="020B0604020202020204" pitchFamily="34" charset="0"/>
+              <a:buChar char="•"/>
+            </a:pPr>
+            <a:r>
+              <a:rPr lang="en-US" sz="2000" dirty="0">
+                <a:solidFill>
+                  <a:schemeClr val="tx1">
+                    <a:lumMod val="85000"/>
+                  </a:schemeClr>
+                </a:solidFill>
+                <a:latin typeface="Open Sans" panose="020B0606030504020204" pitchFamily="34" charset="0"/>
+                <a:ea typeface="Open Sans" panose="020B0606030504020204" pitchFamily="34" charset="0"/>
+                <a:cs typeface="Open Sans" panose="020B0606030504020204" pitchFamily="34" charset="0"/>
+              </a:rPr>
+              <a:t>Defining Classes and instantiating </a:t>
+            </a:r>
+            <a:r>
+              <a:rPr lang="en-US" sz="2000" dirty="0">
+                <a:solidFill>
+                  <a:srgbClr val="00B0F0"/>
+                </a:solidFill>
+                <a:latin typeface="Open Sans" panose="020B0606030504020204" pitchFamily="34" charset="0"/>
+                <a:ea typeface="Open Sans" panose="020B0606030504020204" pitchFamily="34" charset="0"/>
+                <a:cs typeface="Open Sans" panose="020B0606030504020204" pitchFamily="34" charset="0"/>
+              </a:rPr>
+              <a:t>Objects</a:t>
+            </a:r>
+            <a:r>
+              <a:rPr lang="en-US" sz="2000" dirty="0">
+                <a:solidFill>
+                  <a:schemeClr val="tx1">
+                    <a:lumMod val="85000"/>
+                  </a:schemeClr>
+                </a:solidFill>
+                <a:latin typeface="Open Sans" panose="020B0606030504020204" pitchFamily="34" charset="0"/>
+                <a:ea typeface="Open Sans" panose="020B0606030504020204" pitchFamily="34" charset="0"/>
+                <a:cs typeface="Open Sans" panose="020B0606030504020204" pitchFamily="34" charset="0"/>
+              </a:rPr>
+              <a:t> from </a:t>
+            </a:r>
+            <a:r>
+              <a:rPr lang="en-US" sz="2000" dirty="0">
+                <a:solidFill>
+                  <a:srgbClr val="00B0F0"/>
+                </a:solidFill>
+                <a:latin typeface="Open Sans" panose="020B0606030504020204" pitchFamily="34" charset="0"/>
+                <a:ea typeface="Open Sans" panose="020B0606030504020204" pitchFamily="34" charset="0"/>
+                <a:cs typeface="Open Sans" panose="020B0606030504020204" pitchFamily="34" charset="0"/>
+              </a:rPr>
+              <a:t>Classes</a:t>
+            </a:r>
+          </a:p>
+        </p:txBody>
+      </p:sp>
+      <p:sp>
+        <p:nvSpPr>
+          <p:cNvPr id="4" name="TextBox 3">
+            <a:extLst>
+              <a:ext uri="{FF2B5EF4-FFF2-40B4-BE49-F238E27FC236}">
+                <a16:creationId xmlns:a16="http://schemas.microsoft.com/office/drawing/2014/main" id="{0A9C3E86-2548-ECB5-8430-3E2B6C004107}"/>
+              </a:ext>
+            </a:extLst>
+          </p:cNvPr>
+          <p:cNvSpPr txBox="1"/>
+          <p:nvPr/>
+        </p:nvSpPr>
+        <p:spPr>
+          <a:xfrm>
+            <a:off x="3416180" y="5870591"/>
+            <a:ext cx="8394107" cy="369332"/>
+          </a:xfrm>
+          <a:prstGeom prst="rect">
+            <a:avLst/>
+          </a:prstGeom>
+          <a:noFill/>
+        </p:spPr>
+        <p:txBody>
+          <a:bodyPr wrap="square">
+            <a:spAutoFit/>
+          </a:bodyPr>
+          <a:lstStyle/>
+          <a:p>
+            <a:r>
+              <a:rPr lang="en-US" dirty="0">
+                <a:hlinkClick r:id="rId3"/>
+              </a:rPr>
+              <a:t>https://github.com/ckiefriter1/Java-Code-Examples/blob/main/src/arrays/Student.java</a:t>
+            </a:r>
+            <a:endParaRPr lang="en-US" dirty="0"/>
+          </a:p>
+        </p:txBody>
+      </p:sp>
+      <p:sp>
+        <p:nvSpPr>
+          <p:cNvPr id="7" name="TextBox 6">
+            <a:extLst>
+              <a:ext uri="{FF2B5EF4-FFF2-40B4-BE49-F238E27FC236}">
+                <a16:creationId xmlns:a16="http://schemas.microsoft.com/office/drawing/2014/main" id="{6078F001-09B3-95A6-FBBF-049E24348AA3}"/>
+              </a:ext>
+            </a:extLst>
+          </p:cNvPr>
+          <p:cNvSpPr txBox="1"/>
+          <p:nvPr/>
+        </p:nvSpPr>
+        <p:spPr>
+          <a:xfrm>
+            <a:off x="3416180" y="6310443"/>
+            <a:ext cx="9282870" cy="369332"/>
+          </a:xfrm>
+          <a:prstGeom prst="rect">
+            <a:avLst/>
+          </a:prstGeom>
+          <a:noFill/>
+        </p:spPr>
+        <p:txBody>
+          <a:bodyPr wrap="square">
+            <a:spAutoFit/>
+          </a:bodyPr>
+          <a:lstStyle/>
+          <a:p>
+            <a:r>
+              <a:rPr lang="en-US" dirty="0">
+                <a:hlinkClick r:id="rId4"/>
+              </a:rPr>
+              <a:t>https://github.com/ckiefriter1/Java-Code-Examples/blob/main/src/arrays/GradeBook.java</a:t>
+            </a:r>
+            <a:endParaRPr lang="en-US" dirty="0"/>
+          </a:p>
+        </p:txBody>
+      </p:sp>
+      <p:pic>
+        <p:nvPicPr>
+          <p:cNvPr id="9" name="Picture 8">
+            <a:extLst>
+              <a:ext uri="{FF2B5EF4-FFF2-40B4-BE49-F238E27FC236}">
+                <a16:creationId xmlns:a16="http://schemas.microsoft.com/office/drawing/2014/main" id="{951D6567-EE71-636D-5131-1733E9CA3EE1}"/>
+              </a:ext>
+            </a:extLst>
+          </p:cNvPr>
+          <p:cNvPicPr>
+            <a:picLocks noChangeAspect="1"/>
+          </p:cNvPicPr>
+          <p:nvPr/>
+        </p:nvPicPr>
+        <p:blipFill>
+          <a:blip r:embed="rId5"/>
+          <a:stretch>
+            <a:fillRect/>
+          </a:stretch>
+        </p:blipFill>
+        <p:spPr>
+          <a:xfrm>
+            <a:off x="216337" y="1868701"/>
+            <a:ext cx="5712412" cy="4065662"/>
+          </a:xfrm>
+          <a:prstGeom prst="rect">
+            <a:avLst/>
+          </a:prstGeom>
+        </p:spPr>
+      </p:pic>
+      <p:pic>
+        <p:nvPicPr>
+          <p:cNvPr id="12" name="Picture 11">
+            <a:extLst>
+              <a:ext uri="{FF2B5EF4-FFF2-40B4-BE49-F238E27FC236}">
+                <a16:creationId xmlns:a16="http://schemas.microsoft.com/office/drawing/2014/main" id="{75DBF1A8-6B47-A236-0E35-BCD7AC30E1AC}"/>
+              </a:ext>
+            </a:extLst>
+          </p:cNvPr>
+          <p:cNvPicPr>
+            <a:picLocks noChangeAspect="1"/>
+          </p:cNvPicPr>
+          <p:nvPr/>
+        </p:nvPicPr>
+        <p:blipFill>
+          <a:blip r:embed="rId6"/>
+          <a:stretch>
+            <a:fillRect/>
+          </a:stretch>
+        </p:blipFill>
+        <p:spPr>
+          <a:xfrm>
+            <a:off x="6096000" y="1868701"/>
+            <a:ext cx="5547036" cy="4065662"/>
+          </a:xfrm>
+          <a:prstGeom prst="rect">
+            <a:avLst/>
+          </a:prstGeom>
+        </p:spPr>
+      </p:pic>
     </p:spTree>
     <p:extLst>
       <p:ext uri="{BB962C8B-B14F-4D97-AF65-F5344CB8AC3E}">
-        <p14:creationId xmlns:p14="http://schemas.microsoft.com/office/powerpoint/2010/main" val="3395566764"/>
+        <p14:creationId xmlns:p14="http://schemas.microsoft.com/office/powerpoint/2010/main" val="460794980"/>
       </p:ext>
     </p:extLst>
   </p:cSld>
@@ -5749,10 +5490,10 @@
       </p:grpSpPr>
       <p:sp>
         <p:nvSpPr>
-          <p:cNvPr id="6" name="TextBox 5">
-            <a:extLst>
-              <a:ext uri="{FF2B5EF4-FFF2-40B4-BE49-F238E27FC236}">
-                <a16:creationId xmlns:a16="http://schemas.microsoft.com/office/drawing/2014/main" id="{59E906CD-110B-9D01-732C-2F21759B0265}"/>
+          <p:cNvPr id="3" name="TextBox 2">
+            <a:extLst>
+              <a:ext uri="{FF2B5EF4-FFF2-40B4-BE49-F238E27FC236}">
+                <a16:creationId xmlns:a16="http://schemas.microsoft.com/office/drawing/2014/main" id="{23DFC7E9-54DD-38D7-0B9B-D34948D68CF9}"/>
               </a:ext>
             </a:extLst>
           </p:cNvPr>
@@ -5761,8 +5502,8 @@
         </p:nvSpPr>
         <p:spPr>
           <a:xfrm>
-            <a:off x="341603" y="50541"/>
-            <a:ext cx="11449344" cy="461665"/>
+            <a:off x="1669409" y="2459504"/>
+            <a:ext cx="8183202" cy="1938992"/>
           </a:xfrm>
           <a:prstGeom prst="rect">
             <a:avLst/>
@@ -5775,560 +5516,84 @@
           </a:bodyPr>
           <a:lstStyle/>
           <a:p>
-            <a:pPr algn="l"/>
-            <a:r>
-              <a:rPr lang="en-US" sz="2400" b="1" dirty="0" err="1">
-                <a:solidFill>
-                  <a:srgbClr val="00B050"/>
-                </a:solidFill>
-                <a:latin typeface="Open Sans" panose="020B0606030504020204" pitchFamily="34" charset="0"/>
-              </a:rPr>
-              <a:t>JavaDocs</a:t>
-            </a:r>
-            <a:endParaRPr lang="en-US" sz="2400" b="1" dirty="0">
+            <a:pPr marL="0" marR="0" lvl="0" indent="0" algn="l" defTabSz="914400" rtl="0" eaLnBrk="1" fontAlgn="auto" latinLnBrk="0" hangingPunct="1">
+              <a:lnSpc>
+                <a:spcPct val="100000"/>
+              </a:lnSpc>
+              <a:spcBef>
+                <a:spcPts val="0"/>
+              </a:spcBef>
+              <a:spcAft>
+                <a:spcPts val="0"/>
+              </a:spcAft>
+              <a:buClrTx/>
+              <a:buSzTx/>
+              <a:buFontTx/>
+              <a:buNone/>
+              <a:tabLst/>
+              <a:defRPr/>
+            </a:pPr>
+            <a:r>
+              <a:rPr kumimoji="0" lang="en-US" sz="6000" b="0" i="0" u="none" strike="noStrike" kern="1200" cap="none" spc="0" normalizeH="0" baseline="0" noProof="0" dirty="0">
+                <a:ln>
+                  <a:noFill/>
+                </a:ln>
+                <a:solidFill>
+                  <a:prstClr val="white">
+                    <a:lumMod val="75000"/>
+                  </a:prstClr>
+                </a:solidFill>
+                <a:effectLst/>
+                <a:uLnTx/>
+                <a:uFillTx/>
+                <a:latin typeface="Open Sans" panose="020B0606030504020204" pitchFamily="34" charset="0"/>
+                <a:ea typeface="+mn-ea"/>
+                <a:cs typeface="+mn-cs"/>
+              </a:rPr>
+              <a:t>Equality in Primitives </a:t>
+            </a:r>
+            <a:r>
+              <a:rPr kumimoji="0" lang="en-US" sz="6000" b="0" i="0" u="none" strike="noStrike" kern="1200" cap="none" spc="0" normalizeH="0" baseline="0" noProof="0">
+                <a:ln>
+                  <a:noFill/>
+                </a:ln>
+                <a:solidFill>
+                  <a:prstClr val="white">
+                    <a:lumMod val="75000"/>
+                  </a:prstClr>
+                </a:solidFill>
+                <a:effectLst/>
+                <a:uLnTx/>
+                <a:uFillTx/>
+                <a:latin typeface="Open Sans" panose="020B0606030504020204" pitchFamily="34" charset="0"/>
+                <a:ea typeface="+mn-ea"/>
+                <a:cs typeface="+mn-cs"/>
+              </a:rPr>
+              <a:t>vs Objects</a:t>
+            </a:r>
+            <a:endParaRPr kumimoji="0" lang="en-US" sz="6000" b="0" i="0" u="none" strike="noStrike" kern="1200" cap="none" spc="0" normalizeH="0" baseline="0" noProof="0" dirty="0">
+              <a:ln>
+                <a:noFill/>
+              </a:ln>
               <a:solidFill>
-                <a:srgbClr val="00B050"/>
+                <a:prstClr val="white">
+                  <a:lumMod val="75000"/>
+                </a:prstClr>
               </a:solidFill>
               <a:effectLst/>
+              <a:uLnTx/>
+              <a:uFillTx/>
               <a:latin typeface="Open Sans" panose="020B0606030504020204" pitchFamily="34" charset="0"/>
+              <a:ea typeface="+mn-ea"/>
+              <a:cs typeface="+mn-cs"/>
             </a:endParaRPr>
-          </a:p>
-        </p:txBody>
-      </p:sp>
-      <p:sp>
-        <p:nvSpPr>
-          <p:cNvPr id="4" name="TextBox 3">
-            <a:extLst>
-              <a:ext uri="{FF2B5EF4-FFF2-40B4-BE49-F238E27FC236}">
-                <a16:creationId xmlns:a16="http://schemas.microsoft.com/office/drawing/2014/main" id="{5F4890C8-248C-DE3F-EFBE-A4EB3744954C}"/>
-              </a:ext>
-            </a:extLst>
-          </p:cNvPr>
-          <p:cNvSpPr txBox="1"/>
-          <p:nvPr/>
-        </p:nvSpPr>
-        <p:spPr>
-          <a:xfrm>
-            <a:off x="3920195" y="6082018"/>
-            <a:ext cx="8447887" cy="400110"/>
-          </a:xfrm>
-          <a:prstGeom prst="rect">
-            <a:avLst/>
-          </a:prstGeom>
-          <a:noFill/>
-        </p:spPr>
-        <p:txBody>
-          <a:bodyPr wrap="square">
-            <a:spAutoFit/>
-          </a:bodyPr>
-          <a:lstStyle/>
-          <a:p>
-            <a:r>
-              <a:rPr lang="en-US" sz="2000" dirty="0">
-                <a:hlinkClick r:id="rId2"/>
-              </a:rPr>
-              <a:t>https://www.oracle.com/technical-resources/articles/java/javadoc-tool.html</a:t>
-            </a:r>
-            <a:endParaRPr lang="en-US" sz="2000" dirty="0"/>
-          </a:p>
-        </p:txBody>
-      </p:sp>
-      <p:sp>
-        <p:nvSpPr>
-          <p:cNvPr id="8" name="TextBox 7">
-            <a:extLst>
-              <a:ext uri="{FF2B5EF4-FFF2-40B4-BE49-F238E27FC236}">
-                <a16:creationId xmlns:a16="http://schemas.microsoft.com/office/drawing/2014/main" id="{C70D9D43-254A-0545-002D-C444DCDB15AD}"/>
-              </a:ext>
-            </a:extLst>
-          </p:cNvPr>
-          <p:cNvSpPr txBox="1"/>
-          <p:nvPr/>
-        </p:nvSpPr>
-        <p:spPr>
-          <a:xfrm>
-            <a:off x="341603" y="438195"/>
-            <a:ext cx="11432807" cy="2308324"/>
-          </a:xfrm>
-          <a:prstGeom prst="rect">
-            <a:avLst/>
-          </a:prstGeom>
-          <a:noFill/>
-        </p:spPr>
-        <p:txBody>
-          <a:bodyPr wrap="square">
-            <a:spAutoFit/>
-          </a:bodyPr>
-          <a:lstStyle/>
-          <a:p>
-            <a:r>
-              <a:rPr lang="en-US" b="0" i="0" dirty="0">
-                <a:solidFill>
-                  <a:schemeClr val="tx1">
-                    <a:lumMod val="85000"/>
-                  </a:schemeClr>
-                </a:solidFill>
-                <a:effectLst/>
-                <a:latin typeface="Open Sans" panose="020B0606030504020204" pitchFamily="34" charset="0"/>
-                <a:ea typeface="Open Sans" panose="020B0606030504020204" pitchFamily="34" charset="0"/>
-                <a:cs typeface="Open Sans" panose="020B0606030504020204" pitchFamily="34" charset="0"/>
-              </a:rPr>
-              <a:t>Documenting your code is crucial to help others understand it, and even to remind yourself how your own older programs work. Unfortunately, </a:t>
-            </a:r>
-            <a:r>
-              <a:rPr lang="en-US" b="0" i="0" dirty="0">
-                <a:solidFill>
-                  <a:srgbClr val="00B0F0"/>
-                </a:solidFill>
-                <a:effectLst/>
-                <a:latin typeface="Open Sans" panose="020B0606030504020204" pitchFamily="34" charset="0"/>
-                <a:ea typeface="Open Sans" panose="020B0606030504020204" pitchFamily="34" charset="0"/>
-                <a:cs typeface="Open Sans" panose="020B0606030504020204" pitchFamily="34" charset="0"/>
-              </a:rPr>
-              <a:t>it is easy for most external documentation to become out of date </a:t>
-            </a:r>
-            <a:r>
-              <a:rPr lang="en-US" b="0" i="0" dirty="0">
-                <a:solidFill>
-                  <a:schemeClr val="tx1">
-                    <a:lumMod val="85000"/>
-                  </a:schemeClr>
-                </a:solidFill>
-                <a:effectLst/>
-                <a:latin typeface="Open Sans" panose="020B0606030504020204" pitchFamily="34" charset="0"/>
-                <a:ea typeface="Open Sans" panose="020B0606030504020204" pitchFamily="34" charset="0"/>
-                <a:cs typeface="Open Sans" panose="020B0606030504020204" pitchFamily="34" charset="0"/>
-              </a:rPr>
-              <a:t>as a program changes. </a:t>
-            </a:r>
-          </a:p>
-          <a:p>
-            <a:r>
-              <a:rPr lang="en-US" b="0" i="0" dirty="0">
-                <a:solidFill>
-                  <a:schemeClr val="tx1">
-                    <a:lumMod val="85000"/>
-                  </a:schemeClr>
-                </a:solidFill>
-                <a:effectLst/>
-                <a:latin typeface="Open Sans" panose="020B0606030504020204" pitchFamily="34" charset="0"/>
-                <a:ea typeface="Open Sans" panose="020B0606030504020204" pitchFamily="34" charset="0"/>
-                <a:cs typeface="Open Sans" panose="020B0606030504020204" pitchFamily="34" charset="0"/>
-              </a:rPr>
-              <a:t>For this reason, it is useful to </a:t>
-            </a:r>
-            <a:r>
-              <a:rPr lang="en-US" b="0" i="0" dirty="0">
-                <a:solidFill>
-                  <a:srgbClr val="00B0F0"/>
-                </a:solidFill>
-                <a:effectLst/>
-                <a:latin typeface="Open Sans" panose="020B0606030504020204" pitchFamily="34" charset="0"/>
-                <a:ea typeface="Open Sans" panose="020B0606030504020204" pitchFamily="34" charset="0"/>
-                <a:cs typeface="Open Sans" panose="020B0606030504020204" pitchFamily="34" charset="0"/>
-              </a:rPr>
-              <a:t>write documentation as comments in the code itself</a:t>
-            </a:r>
-            <a:r>
-              <a:rPr lang="en-US" b="0" i="0" dirty="0">
-                <a:solidFill>
-                  <a:schemeClr val="tx1">
-                    <a:lumMod val="85000"/>
-                  </a:schemeClr>
-                </a:solidFill>
-                <a:effectLst/>
-                <a:latin typeface="Open Sans" panose="020B0606030504020204" pitchFamily="34" charset="0"/>
-                <a:ea typeface="Open Sans" panose="020B0606030504020204" pitchFamily="34" charset="0"/>
-                <a:cs typeface="Open Sans" panose="020B0606030504020204" pitchFamily="34" charset="0"/>
-              </a:rPr>
-              <a:t>, where they can be easily updated with other changes. </a:t>
-            </a:r>
-            <a:r>
-              <a:rPr lang="en-US" b="0" i="0" dirty="0">
-                <a:solidFill>
-                  <a:srgbClr val="00B0F0"/>
-                </a:solidFill>
-                <a:effectLst/>
-                <a:latin typeface="Open Sans" panose="020B0606030504020204" pitchFamily="34" charset="0"/>
-                <a:ea typeface="Open Sans" panose="020B0606030504020204" pitchFamily="34" charset="0"/>
-                <a:cs typeface="Open Sans" panose="020B0606030504020204" pitchFamily="34" charset="0"/>
-              </a:rPr>
-              <a:t>Javadoc is a documentation tool </a:t>
-            </a:r>
-            <a:r>
-              <a:rPr lang="en-US" b="0" i="0" dirty="0">
-                <a:solidFill>
-                  <a:schemeClr val="tx1">
-                    <a:lumMod val="85000"/>
-                  </a:schemeClr>
-                </a:solidFill>
-                <a:effectLst/>
-                <a:latin typeface="Open Sans" panose="020B0606030504020204" pitchFamily="34" charset="0"/>
-                <a:ea typeface="Open Sans" panose="020B0606030504020204" pitchFamily="34" charset="0"/>
-                <a:cs typeface="Open Sans" panose="020B0606030504020204" pitchFamily="34" charset="0"/>
-              </a:rPr>
-              <a:t>which defines a standard format for such comments, and which can generate HTML files to view the documentation from a web browser. (As an example, see Oracle's Javadoc documentation for the Java libraries </a:t>
-            </a:r>
-            <a:r>
-              <a:rPr lang="en-US" b="0" i="0" dirty="0">
-                <a:solidFill>
-                  <a:srgbClr val="000000"/>
-                </a:solidFill>
-                <a:effectLst/>
-                <a:latin typeface="Open Sans" panose="020B0606030504020204" pitchFamily="34" charset="0"/>
-                <a:ea typeface="Open Sans" panose="020B0606030504020204" pitchFamily="34" charset="0"/>
-                <a:cs typeface="Open Sans" panose="020B0606030504020204" pitchFamily="34" charset="0"/>
-              </a:rPr>
-              <a:t>at </a:t>
-            </a:r>
-            <a:r>
-              <a:rPr lang="en-US" b="0" i="0" dirty="0">
-                <a:effectLst/>
-                <a:latin typeface="Open Sans" panose="020B0606030504020204" pitchFamily="34" charset="0"/>
-                <a:ea typeface="Open Sans" panose="020B0606030504020204" pitchFamily="34" charset="0"/>
-                <a:cs typeface="Open Sans" panose="020B0606030504020204" pitchFamily="34" charset="0"/>
-                <a:hlinkClick r:id="rId3"/>
-              </a:rPr>
-              <a:t>http://download.oracle.com/javase/6/docs/api/</a:t>
-            </a:r>
-            <a:r>
-              <a:rPr lang="en-US" b="0" i="0" dirty="0">
-                <a:solidFill>
-                  <a:srgbClr val="000000"/>
-                </a:solidFill>
-                <a:effectLst/>
-                <a:latin typeface="Open Sans" panose="020B0606030504020204" pitchFamily="34" charset="0"/>
-                <a:ea typeface="Open Sans" panose="020B0606030504020204" pitchFamily="34" charset="0"/>
-                <a:cs typeface="Open Sans" panose="020B0606030504020204" pitchFamily="34" charset="0"/>
-              </a:rPr>
-              <a:t>.)</a:t>
-            </a:r>
-            <a:endParaRPr lang="en-US" dirty="0">
-              <a:latin typeface="Open Sans" panose="020B0606030504020204" pitchFamily="34" charset="0"/>
-              <a:ea typeface="Open Sans" panose="020B0606030504020204" pitchFamily="34" charset="0"/>
-              <a:cs typeface="Open Sans" panose="020B0606030504020204" pitchFamily="34" charset="0"/>
-            </a:endParaRPr>
-          </a:p>
-        </p:txBody>
-      </p:sp>
-      <p:sp>
-        <p:nvSpPr>
-          <p:cNvPr id="11" name="TextBox 10">
-            <a:extLst>
-              <a:ext uri="{FF2B5EF4-FFF2-40B4-BE49-F238E27FC236}">
-                <a16:creationId xmlns:a16="http://schemas.microsoft.com/office/drawing/2014/main" id="{FBFF1272-6FED-ACD0-CEF8-E11B1DD3B48B}"/>
-              </a:ext>
-            </a:extLst>
-          </p:cNvPr>
-          <p:cNvSpPr txBox="1"/>
-          <p:nvPr/>
-        </p:nvSpPr>
-        <p:spPr>
-          <a:xfrm>
-            <a:off x="341603" y="2763337"/>
-            <a:ext cx="10715087" cy="3354765"/>
-          </a:xfrm>
-          <a:prstGeom prst="rect">
-            <a:avLst/>
-          </a:prstGeom>
-          <a:noFill/>
-        </p:spPr>
-        <p:txBody>
-          <a:bodyPr wrap="square">
-            <a:spAutoFit/>
-          </a:bodyPr>
-          <a:lstStyle/>
-          <a:p>
-            <a:r>
-              <a:rPr lang="en-US" dirty="0">
-                <a:solidFill>
-                  <a:schemeClr val="tx1">
-                    <a:lumMod val="85000"/>
-                  </a:schemeClr>
-                </a:solidFill>
-                <a:latin typeface="Open Sans" panose="020B0606030504020204" pitchFamily="34" charset="0"/>
-                <a:ea typeface="Open Sans" panose="020B0606030504020204" pitchFamily="34" charset="0"/>
-                <a:cs typeface="Open Sans" panose="020B0606030504020204" pitchFamily="34" charset="0"/>
-              </a:rPr>
-              <a:t>/** Indicates </a:t>
-            </a:r>
-            <a:r>
-              <a:rPr lang="en-US" dirty="0" err="1">
-                <a:solidFill>
-                  <a:schemeClr val="tx1">
-                    <a:lumMod val="85000"/>
-                  </a:schemeClr>
-                </a:solidFill>
-                <a:latin typeface="Open Sans" panose="020B0606030504020204" pitchFamily="34" charset="0"/>
-                <a:ea typeface="Open Sans" panose="020B0606030504020204" pitchFamily="34" charset="0"/>
-                <a:cs typeface="Open Sans" panose="020B0606030504020204" pitchFamily="34" charset="0"/>
-              </a:rPr>
-              <a:t>JavaDoc</a:t>
-            </a:r>
-            <a:r>
-              <a:rPr lang="en-US" dirty="0">
-                <a:solidFill>
-                  <a:schemeClr val="tx1">
-                    <a:lumMod val="85000"/>
-                  </a:schemeClr>
-                </a:solidFill>
-                <a:latin typeface="Open Sans" panose="020B0606030504020204" pitchFamily="34" charset="0"/>
-                <a:ea typeface="Open Sans" panose="020B0606030504020204" pitchFamily="34" charset="0"/>
-                <a:cs typeface="Open Sans" panose="020B0606030504020204" pitchFamily="34" charset="0"/>
-              </a:rPr>
-              <a:t> comment */</a:t>
-            </a:r>
-          </a:p>
-          <a:p>
-            <a:r>
-              <a:rPr lang="en-US" dirty="0">
-                <a:solidFill>
-                  <a:schemeClr val="tx1">
-                    <a:lumMod val="85000"/>
-                  </a:schemeClr>
-                </a:solidFill>
-                <a:latin typeface="Open Sans" panose="020B0606030504020204" pitchFamily="34" charset="0"/>
-                <a:ea typeface="Open Sans" panose="020B0606030504020204" pitchFamily="34" charset="0"/>
-                <a:cs typeface="Open Sans" panose="020B0606030504020204" pitchFamily="34" charset="0"/>
-              </a:rPr>
-              <a:t>Use tags in comments to indicate </a:t>
-            </a:r>
-            <a:r>
-              <a:rPr lang="en-US" dirty="0" err="1">
-                <a:solidFill>
-                  <a:schemeClr val="tx1">
-                    <a:lumMod val="85000"/>
-                  </a:schemeClr>
-                </a:solidFill>
-                <a:latin typeface="Open Sans" panose="020B0606030504020204" pitchFamily="34" charset="0"/>
-                <a:ea typeface="Open Sans" panose="020B0606030504020204" pitchFamily="34" charset="0"/>
-                <a:cs typeface="Open Sans" panose="020B0606030504020204" pitchFamily="34" charset="0"/>
-              </a:rPr>
-              <a:t>JavaDoc</a:t>
-            </a:r>
-            <a:r>
-              <a:rPr lang="en-US" dirty="0">
-                <a:solidFill>
-                  <a:schemeClr val="tx1">
-                    <a:lumMod val="85000"/>
-                  </a:schemeClr>
-                </a:solidFill>
-                <a:latin typeface="Open Sans" panose="020B0606030504020204" pitchFamily="34" charset="0"/>
-                <a:ea typeface="Open Sans" panose="020B0606030504020204" pitchFamily="34" charset="0"/>
-                <a:cs typeface="Open Sans" panose="020B0606030504020204" pitchFamily="34" charset="0"/>
-              </a:rPr>
-              <a:t> parts</a:t>
-            </a:r>
-          </a:p>
-          <a:p>
-            <a:r>
-              <a:rPr lang="en-US" sz="1600" dirty="0">
-                <a:solidFill>
-                  <a:schemeClr val="tx1">
-                    <a:lumMod val="85000"/>
-                  </a:schemeClr>
-                </a:solidFill>
-                <a:latin typeface="Open Sans" panose="020B0606030504020204" pitchFamily="34" charset="0"/>
-                <a:ea typeface="Open Sans" panose="020B0606030504020204" pitchFamily="34" charset="0"/>
-                <a:cs typeface="Open Sans" panose="020B0606030504020204" pitchFamily="34" charset="0"/>
-              </a:rPr>
-              <a:t>@param – defines parameters for input</a:t>
-            </a:r>
-          </a:p>
-          <a:p>
-            <a:r>
-              <a:rPr lang="en-US" sz="1600" dirty="0">
-                <a:solidFill>
-                  <a:schemeClr val="tx1">
-                    <a:lumMod val="85000"/>
-                  </a:schemeClr>
-                </a:solidFill>
-                <a:latin typeface="Open Sans" panose="020B0606030504020204" pitchFamily="34" charset="0"/>
-                <a:ea typeface="Open Sans" panose="020B0606030504020204" pitchFamily="34" charset="0"/>
-                <a:cs typeface="Open Sans" panose="020B0606030504020204" pitchFamily="34" charset="0"/>
-              </a:rPr>
-              <a:t>@return – indicates what value and type are return from method call</a:t>
-            </a:r>
-          </a:p>
-          <a:p>
-            <a:r>
-              <a:rPr lang="en-US" sz="1600" dirty="0">
-                <a:solidFill>
-                  <a:schemeClr val="tx1">
-                    <a:lumMod val="85000"/>
-                  </a:schemeClr>
-                </a:solidFill>
-                <a:latin typeface="Open Sans" panose="020B0606030504020204" pitchFamily="34" charset="0"/>
-                <a:ea typeface="Open Sans" panose="020B0606030504020204" pitchFamily="34" charset="0"/>
-                <a:cs typeface="Open Sans" panose="020B0606030504020204" pitchFamily="34" charset="0"/>
-              </a:rPr>
-              <a:t>@author (classes and interfaces only, required)</a:t>
-            </a:r>
-          </a:p>
-          <a:p>
-            <a:r>
-              <a:rPr lang="en-US" sz="1600" dirty="0">
-                <a:solidFill>
-                  <a:schemeClr val="tx1">
-                    <a:lumMod val="85000"/>
-                  </a:schemeClr>
-                </a:solidFill>
-                <a:latin typeface="Open Sans" panose="020B0606030504020204" pitchFamily="34" charset="0"/>
-                <a:ea typeface="Open Sans" panose="020B0606030504020204" pitchFamily="34" charset="0"/>
-                <a:cs typeface="Open Sans" panose="020B0606030504020204" pitchFamily="34" charset="0"/>
-              </a:rPr>
-              <a:t>@version (classes and interfaces only, required. See footnote 1)</a:t>
-            </a:r>
-          </a:p>
-          <a:p>
-            <a:r>
-              <a:rPr lang="en-US" sz="1600" dirty="0">
-                <a:solidFill>
-                  <a:schemeClr val="tx1">
-                    <a:lumMod val="85000"/>
-                  </a:schemeClr>
-                </a:solidFill>
-                <a:latin typeface="Open Sans" panose="020B0606030504020204" pitchFamily="34" charset="0"/>
-                <a:ea typeface="Open Sans" panose="020B0606030504020204" pitchFamily="34" charset="0"/>
-                <a:cs typeface="Open Sans" panose="020B0606030504020204" pitchFamily="34" charset="0"/>
-              </a:rPr>
-              <a:t>@param (methods and constructors only)</a:t>
-            </a:r>
-          </a:p>
-          <a:p>
-            <a:r>
-              <a:rPr lang="en-US" sz="1600" dirty="0">
-                <a:solidFill>
-                  <a:schemeClr val="tx1">
-                    <a:lumMod val="85000"/>
-                  </a:schemeClr>
-                </a:solidFill>
-                <a:latin typeface="Open Sans" panose="020B0606030504020204" pitchFamily="34" charset="0"/>
-                <a:ea typeface="Open Sans" panose="020B0606030504020204" pitchFamily="34" charset="0"/>
-                <a:cs typeface="Open Sans" panose="020B0606030504020204" pitchFamily="34" charset="0"/>
-              </a:rPr>
-              <a:t>@return (methods only)</a:t>
-            </a:r>
-          </a:p>
-          <a:p>
-            <a:r>
-              <a:rPr lang="en-US" sz="1600" dirty="0">
-                <a:solidFill>
-                  <a:schemeClr val="tx1">
-                    <a:lumMod val="85000"/>
-                  </a:schemeClr>
-                </a:solidFill>
-                <a:latin typeface="Open Sans" panose="020B0606030504020204" pitchFamily="34" charset="0"/>
-                <a:ea typeface="Open Sans" panose="020B0606030504020204" pitchFamily="34" charset="0"/>
-                <a:cs typeface="Open Sans" panose="020B0606030504020204" pitchFamily="34" charset="0"/>
-              </a:rPr>
-              <a:t>@exception (@throws is a synonym added in Javadoc 1.2)</a:t>
-            </a:r>
-          </a:p>
-          <a:p>
-            <a:r>
-              <a:rPr lang="en-US" sz="1600" dirty="0">
-                <a:solidFill>
-                  <a:schemeClr val="tx1">
-                    <a:lumMod val="85000"/>
-                  </a:schemeClr>
-                </a:solidFill>
-                <a:latin typeface="Open Sans" panose="020B0606030504020204" pitchFamily="34" charset="0"/>
-                <a:ea typeface="Open Sans" panose="020B0606030504020204" pitchFamily="34" charset="0"/>
-                <a:cs typeface="Open Sans" panose="020B0606030504020204" pitchFamily="34" charset="0"/>
-              </a:rPr>
-              <a:t>@see</a:t>
-            </a:r>
-          </a:p>
-          <a:p>
-            <a:r>
-              <a:rPr lang="en-US" sz="1600" dirty="0">
-                <a:solidFill>
-                  <a:schemeClr val="tx1">
-                    <a:lumMod val="85000"/>
-                  </a:schemeClr>
-                </a:solidFill>
-                <a:latin typeface="Open Sans" panose="020B0606030504020204" pitchFamily="34" charset="0"/>
-                <a:ea typeface="Open Sans" panose="020B0606030504020204" pitchFamily="34" charset="0"/>
-                <a:cs typeface="Open Sans" panose="020B0606030504020204" pitchFamily="34" charset="0"/>
-              </a:rPr>
-              <a:t>@since</a:t>
-            </a:r>
-          </a:p>
-          <a:p>
-            <a:r>
-              <a:rPr lang="en-US" sz="1600" dirty="0">
-                <a:solidFill>
-                  <a:schemeClr val="tx1">
-                    <a:lumMod val="85000"/>
-                  </a:schemeClr>
-                </a:solidFill>
-                <a:latin typeface="Open Sans" panose="020B0606030504020204" pitchFamily="34" charset="0"/>
-                <a:ea typeface="Open Sans" panose="020B0606030504020204" pitchFamily="34" charset="0"/>
-                <a:cs typeface="Open Sans" panose="020B0606030504020204" pitchFamily="34" charset="0"/>
-              </a:rPr>
-              <a:t>@serial (or @serialField or @serialData)</a:t>
-            </a:r>
-          </a:p>
-          <a:p>
-            <a:r>
-              <a:rPr lang="en-US" sz="1600" dirty="0">
-                <a:solidFill>
-                  <a:schemeClr val="tx1">
-                    <a:lumMod val="85000"/>
-                  </a:schemeClr>
-                </a:solidFill>
-                <a:latin typeface="Open Sans" panose="020B0606030504020204" pitchFamily="34" charset="0"/>
-                <a:ea typeface="Open Sans" panose="020B0606030504020204" pitchFamily="34" charset="0"/>
-                <a:cs typeface="Open Sans" panose="020B0606030504020204" pitchFamily="34" charset="0"/>
-              </a:rPr>
-              <a:t>@deprecated (see How and When To Deprecate APIs)</a:t>
-            </a:r>
-          </a:p>
-        </p:txBody>
-      </p:sp>
-      <p:sp>
-        <p:nvSpPr>
-          <p:cNvPr id="13" name="TextBox 12">
-            <a:extLst>
-              <a:ext uri="{FF2B5EF4-FFF2-40B4-BE49-F238E27FC236}">
-                <a16:creationId xmlns:a16="http://schemas.microsoft.com/office/drawing/2014/main" id="{54490E19-5FDF-8610-D214-65ABB5B29ACD}"/>
-              </a:ext>
-            </a:extLst>
-          </p:cNvPr>
-          <p:cNvSpPr txBox="1"/>
-          <p:nvPr/>
-        </p:nvSpPr>
-        <p:spPr>
-          <a:xfrm>
-            <a:off x="3920195" y="6438127"/>
-            <a:ext cx="6581163" cy="369332"/>
-          </a:xfrm>
-          <a:prstGeom prst="rect">
-            <a:avLst/>
-          </a:prstGeom>
-          <a:noFill/>
-        </p:spPr>
-        <p:txBody>
-          <a:bodyPr wrap="square">
-            <a:spAutoFit/>
-          </a:bodyPr>
-          <a:lstStyle/>
-          <a:p>
-            <a:r>
-              <a:rPr lang="en-US" dirty="0">
-                <a:hlinkClick r:id="rId4"/>
-              </a:rPr>
-              <a:t>https://docs.oracle.com/javase/6/docs/api/java/util/Scanner.html</a:t>
-            </a:r>
-            <a:endParaRPr lang="en-US" dirty="0"/>
           </a:p>
         </p:txBody>
       </p:sp>
     </p:spTree>
     <p:extLst>
       <p:ext uri="{BB962C8B-B14F-4D97-AF65-F5344CB8AC3E}">
-        <p14:creationId xmlns:p14="http://schemas.microsoft.com/office/powerpoint/2010/main" val="3187156049"/>
+        <p14:creationId xmlns:p14="http://schemas.microsoft.com/office/powerpoint/2010/main" val="2065140228"/>
       </p:ext>
     </p:extLst>
   </p:cSld>
@@ -6357,10 +5622,10 @@
       </p:grpSpPr>
       <p:sp>
         <p:nvSpPr>
-          <p:cNvPr id="3" name="TextBox 2">
-            <a:extLst>
-              <a:ext uri="{FF2B5EF4-FFF2-40B4-BE49-F238E27FC236}">
-                <a16:creationId xmlns:a16="http://schemas.microsoft.com/office/drawing/2014/main" id="{23DFC7E9-54DD-38D7-0B9B-D34948D68CF9}"/>
+          <p:cNvPr id="6" name="TextBox 5">
+            <a:extLst>
+              <a:ext uri="{FF2B5EF4-FFF2-40B4-BE49-F238E27FC236}">
+                <a16:creationId xmlns:a16="http://schemas.microsoft.com/office/drawing/2014/main" id="{59E906CD-110B-9D01-732C-2F21759B0265}"/>
               </a:ext>
             </a:extLst>
           </p:cNvPr>
@@ -6369,8 +5634,8 @@
         </p:nvSpPr>
         <p:spPr>
           <a:xfrm>
-            <a:off x="1065401" y="2618895"/>
-            <a:ext cx="9538284" cy="1015663"/>
+            <a:off x="341603" y="50541"/>
+            <a:ext cx="11449344" cy="461665"/>
           </a:xfrm>
           <a:prstGeom prst="rect">
             <a:avLst/>
@@ -6383,41 +5648,412 @@
           </a:bodyPr>
           <a:lstStyle/>
           <a:p>
-            <a:pPr marL="0" marR="0" lvl="0" indent="0" algn="l" defTabSz="914400" rtl="0" eaLnBrk="1" fontAlgn="auto" latinLnBrk="0" hangingPunct="1">
-              <a:lnSpc>
-                <a:spcPct val="100000"/>
-              </a:lnSpc>
-              <a:spcBef>
-                <a:spcPts val="0"/>
-              </a:spcBef>
-              <a:spcAft>
-                <a:spcPts val="0"/>
-              </a:spcAft>
-              <a:buClrTx/>
-              <a:buSzTx/>
-              <a:buFontTx/>
-              <a:buNone/>
-              <a:tabLst/>
-              <a:defRPr/>
+            <a:pPr algn="l"/>
+            <a:r>
+              <a:rPr lang="en-US" sz="2400" b="1" dirty="0">
+                <a:solidFill>
+                  <a:srgbClr val="00B050"/>
+                </a:solidFill>
+                <a:latin typeface="Open Sans" panose="020B0606030504020204" pitchFamily="34" charset="0"/>
+              </a:rPr>
+              <a:t>Equality in Primitives vs Objects</a:t>
+            </a:r>
+            <a:endParaRPr lang="en-US" sz="2400" b="1" dirty="0">
+              <a:solidFill>
+                <a:srgbClr val="00B050"/>
+              </a:solidFill>
+              <a:effectLst/>
+              <a:latin typeface="Open Sans" panose="020B0606030504020204" pitchFamily="34" charset="0"/>
+            </a:endParaRPr>
+          </a:p>
+        </p:txBody>
+      </p:sp>
+      <p:sp>
+        <p:nvSpPr>
+          <p:cNvPr id="5" name="TextBox 4">
+            <a:extLst>
+              <a:ext uri="{FF2B5EF4-FFF2-40B4-BE49-F238E27FC236}">
+                <a16:creationId xmlns:a16="http://schemas.microsoft.com/office/drawing/2014/main" id="{9DB63145-E59C-9501-8AA5-4E6AC5C0D40F}"/>
+              </a:ext>
+            </a:extLst>
+          </p:cNvPr>
+          <p:cNvSpPr txBox="1"/>
+          <p:nvPr/>
+        </p:nvSpPr>
+        <p:spPr>
+          <a:xfrm>
+            <a:off x="240935" y="539403"/>
+            <a:ext cx="11612709" cy="9510296"/>
+          </a:xfrm>
+          <a:prstGeom prst="rect">
+            <a:avLst/>
+          </a:prstGeom>
+          <a:noFill/>
+        </p:spPr>
+        <p:txBody>
+          <a:bodyPr wrap="square">
+            <a:spAutoFit/>
+          </a:bodyPr>
+          <a:lstStyle/>
+          <a:p>
+            <a:pPr marL="342900" indent="-342900">
+              <a:buFont typeface="Arial" panose="020B0604020202020204" pitchFamily="34" charset="0"/>
+              <a:buChar char="•"/>
             </a:pPr>
             <a:r>
-              <a:rPr kumimoji="0" lang="en-US" sz="6000" b="0" i="0" u="none" strike="noStrike" kern="1200" cap="none" spc="0" normalizeH="0" baseline="0" noProof="0" dirty="0">
-                <a:ln>
-                  <a:noFill/>
-                </a:ln>
-                <a:solidFill>
-                  <a:prstClr val="white">
-                    <a:lumMod val="75000"/>
-                  </a:prstClr>
-                </a:solidFill>
-                <a:effectLst/>
-                <a:uLnTx/>
-                <a:uFillTx/>
-                <a:latin typeface="Open Sans" panose="020B0606030504020204" pitchFamily="34" charset="0"/>
-                <a:ea typeface="+mn-ea"/>
-                <a:cs typeface="+mn-cs"/>
-              </a:rPr>
-              <a:t>Menu-Driven Applications</a:t>
+              <a:rPr lang="en-US" dirty="0">
+                <a:solidFill>
+                  <a:schemeClr val="tx1">
+                    <a:lumMod val="85000"/>
+                  </a:schemeClr>
+                </a:solidFill>
+                <a:latin typeface="Open Sans" panose="020B0606030504020204" pitchFamily="34" charset="0"/>
+              </a:rPr>
+              <a:t>Another difference between primitive data types and Objects has to do with Equality.   The Equality Operator in Java == checks to see if two references are the same.  In other words </a:t>
+            </a:r>
+            <a:r>
+              <a:rPr lang="en-US" dirty="0">
+                <a:solidFill>
+                  <a:srgbClr val="00B0F0"/>
+                </a:solidFill>
+                <a:latin typeface="Open Sans" panose="020B0606030504020204" pitchFamily="34" charset="0"/>
+              </a:rPr>
+              <a:t>when comparing Primitive Datatypes,  == checks to see if two values are the same</a:t>
+            </a:r>
+            <a:r>
+              <a:rPr lang="en-US" dirty="0">
+                <a:solidFill>
+                  <a:schemeClr val="tx1">
+                    <a:lumMod val="85000"/>
+                  </a:schemeClr>
+                </a:solidFill>
+                <a:latin typeface="Open Sans" panose="020B0606030504020204" pitchFamily="34" charset="0"/>
+              </a:rPr>
+              <a:t>.  With Primitive Datatype Equality Comparison,  == checks the in-memory value of the Primitive Datatype against the in-memory value of a different Primitive Datatype.   </a:t>
+            </a:r>
+          </a:p>
+          <a:p>
+            <a:pPr marL="342900" indent="-342900">
+              <a:buFont typeface="Arial" panose="020B0604020202020204" pitchFamily="34" charset="0"/>
+              <a:buChar char="•"/>
+            </a:pPr>
+            <a:endParaRPr lang="en-US" dirty="0">
+              <a:solidFill>
+                <a:schemeClr val="tx1">
+                  <a:lumMod val="85000"/>
+                </a:schemeClr>
+              </a:solidFill>
+              <a:latin typeface="Open Sans" panose="020B0606030504020204" pitchFamily="34" charset="0"/>
+            </a:endParaRPr>
+          </a:p>
+          <a:p>
+            <a:pPr marL="342900" indent="-342900">
+              <a:buFont typeface="Arial" panose="020B0604020202020204" pitchFamily="34" charset="0"/>
+              <a:buChar char="•"/>
+            </a:pPr>
+            <a:r>
+              <a:rPr lang="en-US" dirty="0">
+                <a:solidFill>
+                  <a:schemeClr val="tx1">
+                    <a:lumMod val="85000"/>
+                  </a:schemeClr>
+                </a:solidFill>
+                <a:latin typeface="Open Sans" panose="020B0606030504020204" pitchFamily="34" charset="0"/>
+              </a:rPr>
+              <a:t>Primitive Datatype Equality</a:t>
+            </a:r>
+          </a:p>
+          <a:p>
+            <a:pPr marL="342900" indent="-342900">
+              <a:buFont typeface="Arial" panose="020B0604020202020204" pitchFamily="34" charset="0"/>
+              <a:buChar char="•"/>
+            </a:pPr>
+            <a:endParaRPr lang="en-US" dirty="0">
+              <a:solidFill>
+                <a:schemeClr val="tx1">
+                  <a:lumMod val="85000"/>
+                </a:schemeClr>
+              </a:solidFill>
+              <a:latin typeface="Open Sans" panose="020B0606030504020204" pitchFamily="34" charset="0"/>
+            </a:endParaRPr>
+          </a:p>
+          <a:p>
+            <a:pPr marL="342900" indent="-342900">
+              <a:buFont typeface="Arial" panose="020B0604020202020204" pitchFamily="34" charset="0"/>
+              <a:buChar char="•"/>
+            </a:pPr>
+            <a:r>
+              <a:rPr lang="en-US" dirty="0">
+                <a:solidFill>
+                  <a:schemeClr val="tx1">
+                    <a:lumMod val="85000"/>
+                  </a:schemeClr>
+                </a:solidFill>
+                <a:latin typeface="Open Sans" panose="020B0606030504020204" pitchFamily="34" charset="0"/>
+              </a:rPr>
+              <a:t>The following code declares two int variables, and compares the value.  Since these two variables are pointing to the same value, the </a:t>
+            </a:r>
+            <a:r>
+              <a:rPr lang="en-US" dirty="0" err="1">
+                <a:solidFill>
+                  <a:schemeClr val="tx1">
+                    <a:lumMod val="85000"/>
+                  </a:schemeClr>
+                </a:solidFill>
+                <a:latin typeface="Open Sans" panose="020B0606030504020204" pitchFamily="34" charset="0"/>
+              </a:rPr>
+              <a:t>System.out.println</a:t>
+            </a:r>
+            <a:r>
+              <a:rPr lang="en-US" dirty="0">
+                <a:solidFill>
+                  <a:schemeClr val="tx1">
+                    <a:lumMod val="85000"/>
+                  </a:schemeClr>
+                </a:solidFill>
+                <a:latin typeface="Open Sans" panose="020B0606030504020204" pitchFamily="34" charset="0"/>
+              </a:rPr>
+              <a:t>() will print the following result:  age1 == age2: true</a:t>
+            </a:r>
+          </a:p>
+          <a:p>
+            <a:pPr marL="342900" indent="-342900">
+              <a:buFont typeface="Arial" panose="020B0604020202020204" pitchFamily="34" charset="0"/>
+              <a:buChar char="•"/>
+            </a:pPr>
+            <a:endParaRPr lang="en-US" dirty="0">
+              <a:solidFill>
+                <a:schemeClr val="tx1">
+                  <a:lumMod val="85000"/>
+                </a:schemeClr>
+              </a:solidFill>
+              <a:latin typeface="Open Sans" panose="020B0606030504020204" pitchFamily="34" charset="0"/>
+            </a:endParaRPr>
+          </a:p>
+          <a:p>
+            <a:pPr marL="342900" indent="-342900">
+              <a:buFont typeface="Arial" panose="020B0604020202020204" pitchFamily="34" charset="0"/>
+              <a:buChar char="•"/>
+            </a:pPr>
+            <a:r>
+              <a:rPr lang="en-US" dirty="0">
+                <a:solidFill>
+                  <a:schemeClr val="tx1">
+                    <a:lumMod val="85000"/>
+                  </a:schemeClr>
+                </a:solidFill>
+                <a:latin typeface="Open Sans" panose="020B0606030504020204" pitchFamily="34" charset="0"/>
+              </a:rPr>
+              <a:t>Object Equality</a:t>
+            </a:r>
+          </a:p>
+          <a:p>
+            <a:pPr marL="342900" indent="-342900">
+              <a:buFont typeface="Arial" panose="020B0604020202020204" pitchFamily="34" charset="0"/>
+              <a:buChar char="•"/>
+            </a:pPr>
+            <a:endParaRPr lang="en-US" dirty="0">
+              <a:solidFill>
+                <a:schemeClr val="tx1">
+                  <a:lumMod val="85000"/>
+                </a:schemeClr>
+              </a:solidFill>
+              <a:latin typeface="Open Sans" panose="020B0606030504020204" pitchFamily="34" charset="0"/>
+            </a:endParaRPr>
+          </a:p>
+          <a:p>
+            <a:pPr marL="342900" indent="-342900">
+              <a:buFont typeface="Arial" panose="020B0604020202020204" pitchFamily="34" charset="0"/>
+              <a:buChar char="•"/>
+            </a:pPr>
+            <a:r>
+              <a:rPr lang="en-US" dirty="0">
+                <a:solidFill>
+                  <a:schemeClr val="tx1">
+                    <a:lumMod val="85000"/>
+                  </a:schemeClr>
+                </a:solidFill>
+                <a:latin typeface="Open Sans" panose="020B0606030504020204" pitchFamily="34" charset="0"/>
+              </a:rPr>
+              <a:t>Remember that when an Object is instantiated, the programmer has access to all properties and methods that are defined within that Object, through dot-notation.</a:t>
+            </a:r>
+          </a:p>
+          <a:p>
+            <a:pPr marL="342900" indent="-342900">
+              <a:buFont typeface="Arial" panose="020B0604020202020204" pitchFamily="34" charset="0"/>
+              <a:buChar char="•"/>
+            </a:pPr>
+            <a:endParaRPr lang="en-US" dirty="0">
+              <a:solidFill>
+                <a:schemeClr val="tx1">
+                  <a:lumMod val="85000"/>
+                </a:schemeClr>
+              </a:solidFill>
+              <a:latin typeface="Open Sans" panose="020B0606030504020204" pitchFamily="34" charset="0"/>
+            </a:endParaRPr>
+          </a:p>
+          <a:p>
+            <a:pPr marL="342900" indent="-342900">
+              <a:buFont typeface="Arial" panose="020B0604020202020204" pitchFamily="34" charset="0"/>
+              <a:buChar char="•"/>
+            </a:pPr>
+            <a:r>
+              <a:rPr lang="en-US" dirty="0">
+                <a:solidFill>
+                  <a:schemeClr val="tx1">
+                    <a:lumMod val="85000"/>
+                  </a:schemeClr>
+                </a:solidFill>
+                <a:latin typeface="Open Sans" panose="020B0606030504020204" pitchFamily="34" charset="0"/>
+              </a:rPr>
+              <a:t>With the declaration of a new Object, Java creates that object as its own instance in memory.  Even if two Objects are created with the same exact content, the Objects themselves will be created as two separate instances in memory.  </a:t>
+            </a:r>
+            <a:r>
+              <a:rPr lang="en-US" dirty="0">
+                <a:solidFill>
+                  <a:srgbClr val="00B0F0"/>
+                </a:solidFill>
+                <a:latin typeface="Open Sans" panose="020B0606030504020204" pitchFamily="34" charset="0"/>
+              </a:rPr>
+              <a:t>The point here is that each instance has its own location in memory, and the location is not the same, even if the values within the fields are the same</a:t>
+            </a:r>
+            <a:r>
+              <a:rPr lang="en-US" dirty="0">
+                <a:solidFill>
+                  <a:schemeClr val="tx1">
+                    <a:lumMod val="85000"/>
+                  </a:schemeClr>
+                </a:solidFill>
+                <a:latin typeface="Open Sans" panose="020B0606030504020204" pitchFamily="34" charset="0"/>
+              </a:rPr>
+              <a:t>.</a:t>
+            </a:r>
+          </a:p>
+          <a:p>
+            <a:pPr marL="342900" indent="-342900">
+              <a:buFont typeface="Arial" panose="020B0604020202020204" pitchFamily="34" charset="0"/>
+              <a:buChar char="•"/>
+            </a:pPr>
+            <a:endParaRPr lang="en-US" dirty="0">
+              <a:solidFill>
+                <a:schemeClr val="tx1">
+                  <a:lumMod val="85000"/>
+                </a:schemeClr>
+              </a:solidFill>
+              <a:latin typeface="Open Sans" panose="020B0606030504020204" pitchFamily="34" charset="0"/>
+            </a:endParaRPr>
+          </a:p>
+          <a:p>
+            <a:pPr marL="342900" indent="-342900">
+              <a:buFont typeface="Arial" panose="020B0604020202020204" pitchFamily="34" charset="0"/>
+              <a:buChar char="•"/>
+            </a:pPr>
+            <a:r>
+              <a:rPr lang="en-US" dirty="0">
+                <a:solidFill>
+                  <a:schemeClr val="tx1">
+                    <a:lumMod val="85000"/>
+                  </a:schemeClr>
+                </a:solidFill>
+                <a:latin typeface="Open Sans" panose="020B0606030504020204" pitchFamily="34" charset="0"/>
+              </a:rPr>
+              <a:t>Let's look at our Grade Book Example above.   Imagine that we instantiate two students using the Student() Constructor as follows:</a:t>
+            </a:r>
+          </a:p>
+          <a:p>
+            <a:pPr marL="342900" indent="-342900">
+              <a:buFont typeface="Arial" panose="020B0604020202020204" pitchFamily="34" charset="0"/>
+              <a:buChar char="•"/>
+            </a:pPr>
+            <a:endParaRPr lang="en-US" dirty="0">
+              <a:solidFill>
+                <a:schemeClr val="tx1">
+                  <a:lumMod val="85000"/>
+                </a:schemeClr>
+              </a:solidFill>
+              <a:latin typeface="Open Sans" panose="020B0606030504020204" pitchFamily="34" charset="0"/>
+            </a:endParaRPr>
+          </a:p>
+          <a:p>
+            <a:pPr marL="342900" indent="-342900">
+              <a:buFont typeface="Arial" panose="020B0604020202020204" pitchFamily="34" charset="0"/>
+              <a:buChar char="•"/>
+            </a:pPr>
+            <a:r>
+              <a:rPr lang="en-US" dirty="0">
+                <a:solidFill>
+                  <a:schemeClr val="tx1">
+                    <a:lumMod val="85000"/>
+                  </a:schemeClr>
+                </a:solidFill>
+                <a:latin typeface="Open Sans" panose="020B0606030504020204" pitchFamily="34" charset="0"/>
+              </a:rPr>
+              <a:t>int[] grades = { 100, 100, 100 };</a:t>
+            </a:r>
+          </a:p>
+          <a:p>
+            <a:pPr marL="342900" indent="-342900">
+              <a:buFont typeface="Arial" panose="020B0604020202020204" pitchFamily="34" charset="0"/>
+              <a:buChar char="•"/>
+            </a:pPr>
+            <a:r>
+              <a:rPr lang="en-US" dirty="0">
+                <a:solidFill>
+                  <a:schemeClr val="tx1">
+                    <a:lumMod val="85000"/>
+                  </a:schemeClr>
+                </a:solidFill>
+                <a:latin typeface="Open Sans" panose="020B0606030504020204" pitchFamily="34" charset="0"/>
+              </a:rPr>
+              <a:t>Student student1 = new Student("Molly Mack", grades);</a:t>
+            </a:r>
+          </a:p>
+          <a:p>
+            <a:pPr marL="342900" indent="-342900">
+              <a:buFont typeface="Arial" panose="020B0604020202020204" pitchFamily="34" charset="0"/>
+              <a:buChar char="•"/>
+            </a:pPr>
+            <a:r>
+              <a:rPr lang="en-US" dirty="0">
+                <a:solidFill>
+                  <a:schemeClr val="tx1">
+                    <a:lumMod val="85000"/>
+                  </a:schemeClr>
+                </a:solidFill>
+                <a:latin typeface="Open Sans" panose="020B0606030504020204" pitchFamily="34" charset="0"/>
+              </a:rPr>
+              <a:t>Student student2 = new Student("Molly Mack", grades);</a:t>
+            </a:r>
+          </a:p>
+          <a:p>
+            <a:pPr marL="342900" indent="-342900">
+              <a:buFont typeface="Arial" panose="020B0604020202020204" pitchFamily="34" charset="0"/>
+              <a:buChar char="•"/>
+            </a:pPr>
+            <a:endParaRPr lang="en-US" dirty="0">
+              <a:solidFill>
+                <a:schemeClr val="tx1">
+                  <a:lumMod val="85000"/>
+                </a:schemeClr>
+              </a:solidFill>
+              <a:latin typeface="Open Sans" panose="020B0606030504020204" pitchFamily="34" charset="0"/>
+            </a:endParaRPr>
+          </a:p>
+          <a:p>
+            <a:pPr marL="342900" indent="-342900">
+              <a:buFont typeface="Arial" panose="020B0604020202020204" pitchFamily="34" charset="0"/>
+              <a:buChar char="•"/>
+            </a:pPr>
+            <a:r>
+              <a:rPr lang="en-US" dirty="0">
+                <a:solidFill>
+                  <a:schemeClr val="tx1">
+                    <a:lumMod val="85000"/>
+                  </a:schemeClr>
+                </a:solidFill>
+                <a:latin typeface="Open Sans" panose="020B0606030504020204" pitchFamily="34" charset="0"/>
+              </a:rPr>
+              <a:t>Notice that the data is exactly the same, but we are creating two distinct Objects by using the new keyword.  So, if we run the following comparisons, the results will be reflect that the student1 Object is not the same as the student2 Object, because their locations in memory are distinct.   These are Objects, not Primitive Datatypes.  The only one of the following examples that will be true is when we compare the student1.fullName to "Molly Mack" with the .equals() method.</a:t>
             </a:r>
           </a:p>
         </p:txBody>
@@ -6425,7 +6061,7 @@
     </p:spTree>
     <p:extLst>
       <p:ext uri="{BB962C8B-B14F-4D97-AF65-F5344CB8AC3E}">
-        <p14:creationId xmlns:p14="http://schemas.microsoft.com/office/powerpoint/2010/main" val="1155090792"/>
+        <p14:creationId xmlns:p14="http://schemas.microsoft.com/office/powerpoint/2010/main" val="1885158462"/>
       </p:ext>
     </p:extLst>
   </p:cSld>
@@ -6454,10 +6090,10 @@
       </p:grpSpPr>
       <p:sp>
         <p:nvSpPr>
-          <p:cNvPr id="6" name="TextBox 5">
-            <a:extLst>
-              <a:ext uri="{FF2B5EF4-FFF2-40B4-BE49-F238E27FC236}">
-                <a16:creationId xmlns:a16="http://schemas.microsoft.com/office/drawing/2014/main" id="{59E906CD-110B-9D01-732C-2F21759B0265}"/>
+          <p:cNvPr id="3" name="TextBox 2">
+            <a:extLst>
+              <a:ext uri="{FF2B5EF4-FFF2-40B4-BE49-F238E27FC236}">
+                <a16:creationId xmlns:a16="http://schemas.microsoft.com/office/drawing/2014/main" id="{23DFC7E9-54DD-38D7-0B9B-D34948D68CF9}"/>
               </a:ext>
             </a:extLst>
           </p:cNvPr>
@@ -6466,8 +6102,8 @@
         </p:nvSpPr>
         <p:spPr>
           <a:xfrm>
-            <a:off x="341603" y="50541"/>
-            <a:ext cx="11449344" cy="461665"/>
+            <a:off x="1065401" y="2618895"/>
+            <a:ext cx="9538284" cy="1015663"/>
           </a:xfrm>
           <a:prstGeom prst="rect">
             <a:avLst/>
@@ -6480,418 +6116,49 @@
           </a:bodyPr>
           <a:lstStyle/>
           <a:p>
-            <a:pPr algn="l"/>
-            <a:r>
-              <a:rPr lang="en-US" sz="2400" b="1" dirty="0">
-                <a:solidFill>
-                  <a:srgbClr val="00B050"/>
-                </a:solidFill>
-                <a:latin typeface="Open Sans" panose="020B0606030504020204" pitchFamily="34" charset="0"/>
+            <a:pPr marL="0" marR="0" lvl="0" indent="0" algn="l" defTabSz="914400" rtl="0" eaLnBrk="1" fontAlgn="auto" latinLnBrk="0" hangingPunct="1">
+              <a:lnSpc>
+                <a:spcPct val="100000"/>
+              </a:lnSpc>
+              <a:spcBef>
+                <a:spcPts val="0"/>
+              </a:spcBef>
+              <a:spcAft>
+                <a:spcPts val="0"/>
+              </a:spcAft>
+              <a:buClrTx/>
+              <a:buSzTx/>
+              <a:buFontTx/>
+              <a:buNone/>
+              <a:tabLst/>
+              <a:defRPr/>
+            </a:pPr>
+            <a:r>
+              <a:rPr kumimoji="0" lang="en-US" sz="6000" b="0" i="0" u="none" strike="noStrike" kern="1200" cap="none" spc="0" normalizeH="0" baseline="0" noProof="0" dirty="0">
+                <a:ln>
+                  <a:noFill/>
+                </a:ln>
+                <a:solidFill>
+                  <a:prstClr val="white">
+                    <a:lumMod val="75000"/>
+                  </a:prstClr>
+                </a:solidFill>
+                <a:effectLst/>
+                <a:uLnTx/>
+                <a:uFillTx/>
+                <a:latin typeface="Open Sans" panose="020B0606030504020204" pitchFamily="34" charset="0"/>
+                <a:ea typeface="+mn-ea"/>
+                <a:cs typeface="+mn-cs"/>
               </a:rPr>
               <a:t>Menu-Driven Applications</a:t>
             </a:r>
-            <a:endParaRPr lang="en-US" sz="2400" b="1" dirty="0">
-              <a:solidFill>
-                <a:srgbClr val="00B050"/>
-              </a:solidFill>
-              <a:effectLst/>
-              <a:latin typeface="Open Sans" panose="020B0606030504020204" pitchFamily="34" charset="0"/>
-            </a:endParaRPr>
-          </a:p>
-        </p:txBody>
-      </p:sp>
-      <p:sp>
-        <p:nvSpPr>
-          <p:cNvPr id="5" name="TextBox 4">
-            <a:extLst>
-              <a:ext uri="{FF2B5EF4-FFF2-40B4-BE49-F238E27FC236}">
-                <a16:creationId xmlns:a16="http://schemas.microsoft.com/office/drawing/2014/main" id="{9DB63145-E59C-9501-8AA5-4E6AC5C0D40F}"/>
-              </a:ext>
-            </a:extLst>
-          </p:cNvPr>
-          <p:cNvSpPr txBox="1"/>
-          <p:nvPr/>
-        </p:nvSpPr>
-        <p:spPr>
-          <a:xfrm>
-            <a:off x="240935" y="539403"/>
-            <a:ext cx="11612709" cy="6186309"/>
-          </a:xfrm>
-          <a:prstGeom prst="rect">
-            <a:avLst/>
-          </a:prstGeom>
-          <a:noFill/>
-        </p:spPr>
-        <p:txBody>
-          <a:bodyPr wrap="square">
-            <a:spAutoFit/>
-          </a:bodyPr>
-          <a:lstStyle/>
-          <a:p>
-            <a:pPr algn="l"/>
-            <a:r>
-              <a:rPr lang="en-US" b="1" i="0" dirty="0">
-                <a:solidFill>
-                  <a:schemeClr val="tx1">
-                    <a:lumMod val="85000"/>
-                  </a:schemeClr>
-                </a:solidFill>
-                <a:effectLst/>
-                <a:latin typeface="Open Sans" panose="020B0606030504020204" pitchFamily="34" charset="0"/>
-              </a:rPr>
-              <a:t>Menu-driven Applications</a:t>
-            </a:r>
-            <a:r>
-              <a:rPr lang="en-US" b="0" i="0" dirty="0">
-                <a:solidFill>
-                  <a:schemeClr val="tx1">
-                    <a:lumMod val="85000"/>
-                  </a:schemeClr>
-                </a:solidFill>
-                <a:effectLst/>
-                <a:latin typeface="Open Sans" panose="020B0606030504020204" pitchFamily="34" charset="0"/>
-              </a:rPr>
-              <a:t> are very useful in the coding world.  </a:t>
-            </a:r>
-            <a:r>
-              <a:rPr lang="en-US" b="0" i="0" dirty="0">
-                <a:solidFill>
-                  <a:srgbClr val="00B0F0"/>
-                </a:solidFill>
-                <a:effectLst/>
-                <a:latin typeface="Open Sans" panose="020B0606030504020204" pitchFamily="34" charset="0"/>
-              </a:rPr>
-              <a:t>They allow a program to receive data directly from a user.  </a:t>
-            </a:r>
-            <a:r>
-              <a:rPr lang="en-US" b="0" i="0" dirty="0">
-                <a:solidFill>
-                  <a:schemeClr val="tx1">
-                    <a:lumMod val="85000"/>
-                  </a:schemeClr>
-                </a:solidFill>
-                <a:effectLst/>
-                <a:latin typeface="Open Sans" panose="020B0606030504020204" pitchFamily="34" charset="0"/>
-              </a:rPr>
-              <a:t>The user is provided a menu, and then is instructed to select an option from that menu.  The chosen option will be used by the program to execute a code path (or branch) specific to that option.</a:t>
-            </a:r>
-          </a:p>
-          <a:p>
-            <a:pPr algn="l"/>
-            <a:r>
-              <a:rPr lang="en-US" b="0" i="0" dirty="0">
-                <a:solidFill>
-                  <a:schemeClr val="tx1">
-                    <a:lumMod val="85000"/>
-                  </a:schemeClr>
-                </a:solidFill>
-                <a:effectLst/>
-                <a:latin typeface="Open Sans" panose="020B0606030504020204" pitchFamily="34" charset="0"/>
-              </a:rPr>
-              <a:t>In the Back End, the menus we create are text based.  Adding a Client, or Front End program, which reads in user data, and then communicates to a Back End Server could provide a graphical user interface for the Menu.</a:t>
-            </a:r>
-          </a:p>
-          <a:p>
-            <a:pPr algn="l"/>
-            <a:r>
-              <a:rPr lang="en-US" b="1" i="0" dirty="0">
-                <a:solidFill>
-                  <a:schemeClr val="tx1">
-                    <a:lumMod val="85000"/>
-                  </a:schemeClr>
-                </a:solidFill>
-                <a:effectLst/>
-                <a:latin typeface="Open Sans" panose="020B0606030504020204" pitchFamily="34" charset="0"/>
-              </a:rPr>
-              <a:t>Menu-driven applications</a:t>
-            </a:r>
-            <a:r>
-              <a:rPr lang="en-US" b="0" i="0" dirty="0">
-                <a:solidFill>
-                  <a:schemeClr val="tx1">
-                    <a:lumMod val="85000"/>
-                  </a:schemeClr>
-                </a:solidFill>
-                <a:effectLst/>
-                <a:latin typeface="Open Sans" panose="020B0606030504020204" pitchFamily="34" charset="0"/>
-              </a:rPr>
-              <a:t> are used in a variety of industries, including but not limited to computing, application development, banking (ATMs), websites, tablets, self-guided machines, word-processors, gaming, and more</a:t>
-            </a:r>
-            <a:br>
-              <a:rPr lang="en-US" b="0" i="0" dirty="0">
-                <a:solidFill>
-                  <a:schemeClr val="tx1">
-                    <a:lumMod val="85000"/>
-                  </a:schemeClr>
-                </a:solidFill>
-                <a:effectLst/>
-                <a:latin typeface="Open Sans" panose="020B0606030504020204" pitchFamily="34" charset="0"/>
-              </a:rPr>
-            </a:br>
-            <a:br>
-              <a:rPr lang="en-US" b="1" i="0" dirty="0">
-                <a:solidFill>
-                  <a:schemeClr val="tx1">
-                    <a:lumMod val="85000"/>
-                  </a:schemeClr>
-                </a:solidFill>
-                <a:effectLst/>
-                <a:latin typeface="Open Sans" panose="020B0606030504020204" pitchFamily="34" charset="0"/>
-              </a:rPr>
-            </a:br>
-            <a:endParaRPr lang="en-US" b="0" i="0" dirty="0">
-              <a:solidFill>
-                <a:schemeClr val="tx1">
-                  <a:lumMod val="85000"/>
-                </a:schemeClr>
-              </a:solidFill>
-              <a:effectLst/>
-              <a:latin typeface="Open Sans" panose="020B0606030504020204" pitchFamily="34" charset="0"/>
-            </a:endParaRPr>
-          </a:p>
-          <a:p>
-            <a:pPr algn="l"/>
-            <a:r>
-              <a:rPr lang="en-US" b="1" i="0" u="sng" dirty="0">
-                <a:solidFill>
-                  <a:schemeClr val="tx1">
-                    <a:lumMod val="85000"/>
-                  </a:schemeClr>
-                </a:solidFill>
-                <a:effectLst/>
-                <a:latin typeface="Open Sans" panose="020B0606030504020204" pitchFamily="34" charset="0"/>
-              </a:rPr>
-              <a:t>Menu-Driven Application</a:t>
-            </a:r>
-            <a:r>
-              <a:rPr lang="en-US" b="0" i="0" dirty="0">
-                <a:solidFill>
-                  <a:schemeClr val="tx1">
-                    <a:lumMod val="85000"/>
-                  </a:schemeClr>
-                </a:solidFill>
-                <a:effectLst/>
-                <a:latin typeface="Open Sans" panose="020B0606030504020204" pitchFamily="34" charset="0"/>
-              </a:rPr>
-              <a:t>:</a:t>
-            </a:r>
-          </a:p>
-          <a:p>
-            <a:pPr algn="l"/>
-            <a:r>
-              <a:rPr lang="en-US" b="0" i="0" u="sng" dirty="0">
-                <a:solidFill>
-                  <a:schemeClr val="tx1">
-                    <a:lumMod val="85000"/>
-                  </a:schemeClr>
-                </a:solidFill>
-                <a:effectLst/>
-                <a:latin typeface="Open Sans" panose="020B0606030504020204" pitchFamily="34" charset="0"/>
-              </a:rPr>
-              <a:t>Advantages</a:t>
-            </a:r>
-            <a:r>
-              <a:rPr lang="en-US" b="0" i="0" dirty="0">
-                <a:solidFill>
-                  <a:schemeClr val="tx1">
-                    <a:lumMod val="85000"/>
-                  </a:schemeClr>
-                </a:solidFill>
-                <a:effectLst/>
-                <a:latin typeface="Open Sans" panose="020B0606030504020204" pitchFamily="34" charset="0"/>
-              </a:rPr>
-              <a:t>:</a:t>
-            </a:r>
-          </a:p>
-          <a:p>
-            <a:pPr algn="l">
-              <a:buFont typeface="Arial" panose="020B0604020202020204" pitchFamily="34" charset="0"/>
-              <a:buChar char="•"/>
-            </a:pPr>
-            <a:r>
-              <a:rPr lang="en-US" b="0" i="0" dirty="0">
-                <a:solidFill>
-                  <a:schemeClr val="tx1">
-                    <a:lumMod val="85000"/>
-                  </a:schemeClr>
-                </a:solidFill>
-                <a:effectLst/>
-                <a:latin typeface="Open Sans" panose="020B0606030504020204" pitchFamily="34" charset="0"/>
-              </a:rPr>
-              <a:t>User-friendly</a:t>
-            </a:r>
-          </a:p>
-          <a:p>
-            <a:pPr algn="l"/>
-            <a:r>
-              <a:rPr lang="en-US" b="0" i="0" dirty="0">
-                <a:solidFill>
-                  <a:schemeClr val="tx1">
-                    <a:lumMod val="85000"/>
-                  </a:schemeClr>
-                </a:solidFill>
-                <a:effectLst/>
-                <a:latin typeface="Open Sans" panose="020B0606030504020204" pitchFamily="34" charset="0"/>
-              </a:rPr>
-              <a:t>- Provide guidance to the user</a:t>
-            </a:r>
-          </a:p>
-          <a:p>
-            <a:pPr algn="l"/>
-            <a:r>
-              <a:rPr lang="en-US" b="0" i="0" dirty="0">
-                <a:solidFill>
-                  <a:schemeClr val="tx1">
-                    <a:lumMod val="85000"/>
-                  </a:schemeClr>
-                </a:solidFill>
-                <a:effectLst/>
-                <a:latin typeface="Open Sans" panose="020B0606030504020204" pitchFamily="34" charset="0"/>
-              </a:rPr>
-              <a:t>- No need for a user to remember commands</a:t>
-            </a:r>
-          </a:p>
-          <a:p>
-            <a:pPr algn="l">
-              <a:buFont typeface="Arial" panose="020B0604020202020204" pitchFamily="34" charset="0"/>
-              <a:buChar char="•"/>
-            </a:pPr>
-            <a:r>
-              <a:rPr lang="en-US" b="0" i="0" dirty="0">
-                <a:solidFill>
-                  <a:schemeClr val="tx1">
-                    <a:lumMod val="85000"/>
-                  </a:schemeClr>
-                </a:solidFill>
-                <a:effectLst/>
-                <a:latin typeface="Open Sans" panose="020B0606030504020204" pitchFamily="34" charset="0"/>
-              </a:rPr>
-              <a:t>Allow a user to control how and in what order a program executes</a:t>
-            </a:r>
-            <a:br>
-              <a:rPr lang="en-US" b="0" i="0" dirty="0">
-                <a:solidFill>
-                  <a:schemeClr val="tx1">
-                    <a:lumMod val="85000"/>
-                  </a:schemeClr>
-                </a:solidFill>
-                <a:effectLst/>
-                <a:latin typeface="Open Sans" panose="020B0606030504020204" pitchFamily="34" charset="0"/>
-              </a:rPr>
-            </a:br>
-            <a:endParaRPr lang="en-US" b="0" i="0" dirty="0">
-              <a:solidFill>
-                <a:schemeClr val="tx1">
-                  <a:lumMod val="85000"/>
-                </a:schemeClr>
-              </a:solidFill>
-              <a:effectLst/>
-              <a:latin typeface="Open Sans" panose="020B0606030504020204" pitchFamily="34" charset="0"/>
-            </a:endParaRPr>
-          </a:p>
-          <a:p>
-            <a:pPr algn="l"/>
-            <a:r>
-              <a:rPr lang="en-US" b="0" i="0" u="sng" dirty="0">
-                <a:solidFill>
-                  <a:schemeClr val="tx1">
-                    <a:lumMod val="85000"/>
-                  </a:schemeClr>
-                </a:solidFill>
-                <a:effectLst/>
-                <a:latin typeface="Open Sans" panose="020B0606030504020204" pitchFamily="34" charset="0"/>
-              </a:rPr>
-              <a:t>Disadvantages</a:t>
-            </a:r>
-            <a:r>
-              <a:rPr lang="en-US" b="0" i="0" dirty="0">
-                <a:solidFill>
-                  <a:schemeClr val="tx1">
-                    <a:lumMod val="85000"/>
-                  </a:schemeClr>
-                </a:solidFill>
-                <a:effectLst/>
-                <a:latin typeface="Open Sans" panose="020B0606030504020204" pitchFamily="34" charset="0"/>
-              </a:rPr>
-              <a:t>:</a:t>
-            </a:r>
-          </a:p>
-          <a:p>
-            <a:pPr algn="l">
-              <a:buFont typeface="Arial" panose="020B0604020202020204" pitchFamily="34" charset="0"/>
-              <a:buChar char="•"/>
-            </a:pPr>
-            <a:r>
-              <a:rPr lang="en-US" b="0" i="0" dirty="0">
-                <a:solidFill>
-                  <a:schemeClr val="tx1">
-                    <a:lumMod val="85000"/>
-                  </a:schemeClr>
-                </a:solidFill>
-                <a:effectLst/>
-                <a:latin typeface="Open Sans" panose="020B0606030504020204" pitchFamily="34" charset="0"/>
-              </a:rPr>
-              <a:t>Difficulty finding content, especially with nested sub-menus</a:t>
-            </a:r>
-          </a:p>
-          <a:p>
-            <a:pPr marL="342900" indent="-342900">
-              <a:buFont typeface="Arial" panose="020B0604020202020204" pitchFamily="34" charset="0"/>
-              <a:buChar char="•"/>
-            </a:pPr>
-            <a:endParaRPr lang="en-US" dirty="0">
-              <a:solidFill>
-                <a:schemeClr val="tx1">
-                  <a:lumMod val="85000"/>
-                </a:schemeClr>
-              </a:solidFill>
-              <a:latin typeface="Open Sans" panose="020B0606030504020204" pitchFamily="34" charset="0"/>
-            </a:endParaRPr>
-          </a:p>
-        </p:txBody>
-      </p:sp>
-      <p:sp>
-        <p:nvSpPr>
-          <p:cNvPr id="3" name="TextBox 2">
-            <a:extLst>
-              <a:ext uri="{FF2B5EF4-FFF2-40B4-BE49-F238E27FC236}">
-                <a16:creationId xmlns:a16="http://schemas.microsoft.com/office/drawing/2014/main" id="{FF9F9172-C924-1C79-FA1B-3659223D7D26}"/>
-              </a:ext>
-            </a:extLst>
-          </p:cNvPr>
-          <p:cNvSpPr txBox="1"/>
-          <p:nvPr/>
-        </p:nvSpPr>
-        <p:spPr>
-          <a:xfrm>
-            <a:off x="6528732" y="6499682"/>
-            <a:ext cx="5568193" cy="307777"/>
-          </a:xfrm>
-          <a:prstGeom prst="rect">
-            <a:avLst/>
-          </a:prstGeom>
-          <a:noFill/>
-        </p:spPr>
-        <p:txBody>
-          <a:bodyPr wrap="square">
-            <a:spAutoFit/>
-          </a:bodyPr>
-          <a:lstStyle/>
-          <a:p>
-            <a:r>
-              <a:rPr lang="en-US" sz="1400" dirty="0">
-                <a:hlinkClick r:id="rId2"/>
-              </a:rPr>
-              <a:t>https://github.com/ckiefriter1/Java-Code-Examples/tree/main/src/menus</a:t>
-            </a:r>
-            <a:endParaRPr lang="en-US" sz="1400" dirty="0"/>
           </a:p>
         </p:txBody>
       </p:sp>
     </p:spTree>
     <p:extLst>
       <p:ext uri="{BB962C8B-B14F-4D97-AF65-F5344CB8AC3E}">
-        <p14:creationId xmlns:p14="http://schemas.microsoft.com/office/powerpoint/2010/main" val="424094208"/>
+        <p14:creationId xmlns:p14="http://schemas.microsoft.com/office/powerpoint/2010/main" val="1155090792"/>
       </p:ext>
     </p:extLst>
   </p:cSld>
@@ -6920,10 +6187,10 @@
       </p:grpSpPr>
       <p:sp>
         <p:nvSpPr>
-          <p:cNvPr id="3" name="TextBox 2">
-            <a:extLst>
-              <a:ext uri="{FF2B5EF4-FFF2-40B4-BE49-F238E27FC236}">
-                <a16:creationId xmlns:a16="http://schemas.microsoft.com/office/drawing/2014/main" id="{23DFC7E9-54DD-38D7-0B9B-D34948D68CF9}"/>
+          <p:cNvPr id="6" name="TextBox 5">
+            <a:extLst>
+              <a:ext uri="{FF2B5EF4-FFF2-40B4-BE49-F238E27FC236}">
+                <a16:creationId xmlns:a16="http://schemas.microsoft.com/office/drawing/2014/main" id="{59E906CD-110B-9D01-732C-2F21759B0265}"/>
               </a:ext>
             </a:extLst>
           </p:cNvPr>
@@ -6932,8 +6199,8 @@
         </p:nvSpPr>
         <p:spPr>
           <a:xfrm>
-            <a:off x="3948194" y="2621711"/>
-            <a:ext cx="5141562" cy="1015663"/>
+            <a:off x="341603" y="50541"/>
+            <a:ext cx="11449344" cy="461665"/>
           </a:xfrm>
           <a:prstGeom prst="rect">
             <a:avLst/>
@@ -6948,24 +6215,416 @@
           <a:p>
             <a:pPr algn="l"/>
             <a:r>
-              <a:rPr lang="en-US" sz="6000" b="0" dirty="0">
-                <a:solidFill>
-                  <a:schemeClr val="tx1">
-                    <a:lumMod val="75000"/>
+              <a:rPr lang="en-US" sz="2400" b="1" dirty="0">
+                <a:solidFill>
+                  <a:srgbClr val="00B050"/>
+                </a:solidFill>
+                <a:latin typeface="Open Sans" panose="020B0606030504020204" pitchFamily="34" charset="0"/>
+              </a:rPr>
+              <a:t>Menu-Driven Applications</a:t>
+            </a:r>
+            <a:endParaRPr lang="en-US" sz="2400" b="1" dirty="0">
+              <a:solidFill>
+                <a:srgbClr val="00B050"/>
+              </a:solidFill>
+              <a:effectLst/>
+              <a:latin typeface="Open Sans" panose="020B0606030504020204" pitchFamily="34" charset="0"/>
+            </a:endParaRPr>
+          </a:p>
+        </p:txBody>
+      </p:sp>
+      <p:sp>
+        <p:nvSpPr>
+          <p:cNvPr id="5" name="TextBox 4">
+            <a:extLst>
+              <a:ext uri="{FF2B5EF4-FFF2-40B4-BE49-F238E27FC236}">
+                <a16:creationId xmlns:a16="http://schemas.microsoft.com/office/drawing/2014/main" id="{9DB63145-E59C-9501-8AA5-4E6AC5C0D40F}"/>
+              </a:ext>
+            </a:extLst>
+          </p:cNvPr>
+          <p:cNvSpPr txBox="1"/>
+          <p:nvPr/>
+        </p:nvSpPr>
+        <p:spPr>
+          <a:xfrm>
+            <a:off x="240935" y="539403"/>
+            <a:ext cx="11612709" cy="6186309"/>
+          </a:xfrm>
+          <a:prstGeom prst="rect">
+            <a:avLst/>
+          </a:prstGeom>
+          <a:noFill/>
+        </p:spPr>
+        <p:txBody>
+          <a:bodyPr wrap="square">
+            <a:spAutoFit/>
+          </a:bodyPr>
+          <a:lstStyle/>
+          <a:p>
+            <a:pPr algn="l"/>
+            <a:r>
+              <a:rPr lang="en-US" b="1" i="0" dirty="0">
+                <a:solidFill>
+                  <a:schemeClr val="tx1">
+                    <a:lumMod val="85000"/>
                   </a:schemeClr>
                 </a:solidFill>
                 <a:effectLst/>
                 <a:latin typeface="Open Sans" panose="020B0606030504020204" pitchFamily="34" charset="0"/>
               </a:rPr>
-              <a:t>Appendix</a:t>
-            </a:r>
+              <a:t>Menu-driven Applications</a:t>
+            </a:r>
+            <a:r>
+              <a:rPr lang="en-US" b="0" i="0" dirty="0">
+                <a:solidFill>
+                  <a:schemeClr val="tx1">
+                    <a:lumMod val="85000"/>
+                  </a:schemeClr>
+                </a:solidFill>
+                <a:effectLst/>
+                <a:latin typeface="Open Sans" panose="020B0606030504020204" pitchFamily="34" charset="0"/>
+              </a:rPr>
+              <a:t> are very useful in the coding world.  </a:t>
+            </a:r>
+            <a:r>
+              <a:rPr lang="en-US" b="0" i="0" dirty="0">
+                <a:solidFill>
+                  <a:srgbClr val="00B0F0"/>
+                </a:solidFill>
+                <a:effectLst/>
+                <a:latin typeface="Open Sans" panose="020B0606030504020204" pitchFamily="34" charset="0"/>
+              </a:rPr>
+              <a:t>They allow a program to receive data directly from a user.  </a:t>
+            </a:r>
+            <a:r>
+              <a:rPr lang="en-US" b="0" i="0" dirty="0">
+                <a:solidFill>
+                  <a:schemeClr val="tx1">
+                    <a:lumMod val="85000"/>
+                  </a:schemeClr>
+                </a:solidFill>
+                <a:effectLst/>
+                <a:latin typeface="Open Sans" panose="020B0606030504020204" pitchFamily="34" charset="0"/>
+              </a:rPr>
+              <a:t>The user is provided a menu, and then is instructed to select an option from that menu.  The chosen option will be used by the program to execute a code path (or branch) specific to that option.</a:t>
+            </a:r>
+          </a:p>
+          <a:p>
+            <a:pPr algn="l"/>
+            <a:r>
+              <a:rPr lang="en-US" b="0" i="0" dirty="0">
+                <a:solidFill>
+                  <a:schemeClr val="tx1">
+                    <a:lumMod val="85000"/>
+                  </a:schemeClr>
+                </a:solidFill>
+                <a:effectLst/>
+                <a:latin typeface="Open Sans" panose="020B0606030504020204" pitchFamily="34" charset="0"/>
+              </a:rPr>
+              <a:t>In the Back End, the menus we create are text based.  Adding a Client, or Front End program, which reads in user data, and then communicates to a Back End Server could provide a graphical user interface for the Menu.</a:t>
+            </a:r>
+          </a:p>
+          <a:p>
+            <a:pPr algn="l"/>
+            <a:r>
+              <a:rPr lang="en-US" b="1" i="0" dirty="0">
+                <a:solidFill>
+                  <a:schemeClr val="tx1">
+                    <a:lumMod val="85000"/>
+                  </a:schemeClr>
+                </a:solidFill>
+                <a:effectLst/>
+                <a:latin typeface="Open Sans" panose="020B0606030504020204" pitchFamily="34" charset="0"/>
+              </a:rPr>
+              <a:t>Menu-driven applications</a:t>
+            </a:r>
+            <a:r>
+              <a:rPr lang="en-US" b="0" i="0" dirty="0">
+                <a:solidFill>
+                  <a:schemeClr val="tx1">
+                    <a:lumMod val="85000"/>
+                  </a:schemeClr>
+                </a:solidFill>
+                <a:effectLst/>
+                <a:latin typeface="Open Sans" panose="020B0606030504020204" pitchFamily="34" charset="0"/>
+              </a:rPr>
+              <a:t> are used in a variety of industries, including but not limited to computing, application development, banking (ATMs), websites, tablets, self-guided machines, word-processors, gaming, and more</a:t>
+            </a:r>
+            <a:br>
+              <a:rPr lang="en-US" b="0" i="0" dirty="0">
+                <a:solidFill>
+                  <a:schemeClr val="tx1">
+                    <a:lumMod val="85000"/>
+                  </a:schemeClr>
+                </a:solidFill>
+                <a:effectLst/>
+                <a:latin typeface="Open Sans" panose="020B0606030504020204" pitchFamily="34" charset="0"/>
+              </a:rPr>
+            </a:br>
+            <a:br>
+              <a:rPr lang="en-US" b="1" i="0" dirty="0">
+                <a:solidFill>
+                  <a:schemeClr val="tx1">
+                    <a:lumMod val="85000"/>
+                  </a:schemeClr>
+                </a:solidFill>
+                <a:effectLst/>
+                <a:latin typeface="Open Sans" panose="020B0606030504020204" pitchFamily="34" charset="0"/>
+              </a:rPr>
+            </a:br>
+            <a:endParaRPr lang="en-US" b="0" i="0" dirty="0">
+              <a:solidFill>
+                <a:schemeClr val="tx1">
+                  <a:lumMod val="85000"/>
+                </a:schemeClr>
+              </a:solidFill>
+              <a:effectLst/>
+              <a:latin typeface="Open Sans" panose="020B0606030504020204" pitchFamily="34" charset="0"/>
+            </a:endParaRPr>
+          </a:p>
+          <a:p>
+            <a:pPr algn="l"/>
+            <a:r>
+              <a:rPr lang="en-US" b="1" i="0" u="sng" dirty="0">
+                <a:solidFill>
+                  <a:schemeClr val="tx1">
+                    <a:lumMod val="85000"/>
+                  </a:schemeClr>
+                </a:solidFill>
+                <a:effectLst/>
+                <a:latin typeface="Open Sans" panose="020B0606030504020204" pitchFamily="34" charset="0"/>
+              </a:rPr>
+              <a:t>Menu-Driven Application</a:t>
+            </a:r>
+            <a:r>
+              <a:rPr lang="en-US" b="0" i="0" dirty="0">
+                <a:solidFill>
+                  <a:schemeClr val="tx1">
+                    <a:lumMod val="85000"/>
+                  </a:schemeClr>
+                </a:solidFill>
+                <a:effectLst/>
+                <a:latin typeface="Open Sans" panose="020B0606030504020204" pitchFamily="34" charset="0"/>
+              </a:rPr>
+              <a:t>:</a:t>
+            </a:r>
+          </a:p>
+          <a:p>
+            <a:pPr algn="l"/>
+            <a:r>
+              <a:rPr lang="en-US" b="0" i="0" u="sng" dirty="0">
+                <a:solidFill>
+                  <a:schemeClr val="tx1">
+                    <a:lumMod val="85000"/>
+                  </a:schemeClr>
+                </a:solidFill>
+                <a:effectLst/>
+                <a:latin typeface="Open Sans" panose="020B0606030504020204" pitchFamily="34" charset="0"/>
+              </a:rPr>
+              <a:t>Advantages</a:t>
+            </a:r>
+            <a:r>
+              <a:rPr lang="en-US" b="0" i="0" dirty="0">
+                <a:solidFill>
+                  <a:schemeClr val="tx1">
+                    <a:lumMod val="85000"/>
+                  </a:schemeClr>
+                </a:solidFill>
+                <a:effectLst/>
+                <a:latin typeface="Open Sans" panose="020B0606030504020204" pitchFamily="34" charset="0"/>
+              </a:rPr>
+              <a:t>:</a:t>
+            </a:r>
+          </a:p>
+          <a:p>
+            <a:pPr algn="l">
+              <a:buFont typeface="Arial" panose="020B0604020202020204" pitchFamily="34" charset="0"/>
+              <a:buChar char="•"/>
+            </a:pPr>
+            <a:r>
+              <a:rPr lang="en-US" b="0" i="0" dirty="0">
+                <a:solidFill>
+                  <a:schemeClr val="tx1">
+                    <a:lumMod val="85000"/>
+                  </a:schemeClr>
+                </a:solidFill>
+                <a:effectLst/>
+                <a:latin typeface="Open Sans" panose="020B0606030504020204" pitchFamily="34" charset="0"/>
+              </a:rPr>
+              <a:t>User-friendly</a:t>
+            </a:r>
+          </a:p>
+          <a:p>
+            <a:pPr algn="l"/>
+            <a:r>
+              <a:rPr lang="en-US" b="0" i="0" dirty="0">
+                <a:solidFill>
+                  <a:schemeClr val="tx1">
+                    <a:lumMod val="85000"/>
+                  </a:schemeClr>
+                </a:solidFill>
+                <a:effectLst/>
+                <a:latin typeface="Open Sans" panose="020B0606030504020204" pitchFamily="34" charset="0"/>
+              </a:rPr>
+              <a:t>- Provide guidance to the user</a:t>
+            </a:r>
+          </a:p>
+          <a:p>
+            <a:pPr algn="l"/>
+            <a:r>
+              <a:rPr lang="en-US" b="0" i="0" dirty="0">
+                <a:solidFill>
+                  <a:schemeClr val="tx1">
+                    <a:lumMod val="85000"/>
+                  </a:schemeClr>
+                </a:solidFill>
+                <a:effectLst/>
+                <a:latin typeface="Open Sans" panose="020B0606030504020204" pitchFamily="34" charset="0"/>
+              </a:rPr>
+              <a:t>- No need for a user to remember commands</a:t>
+            </a:r>
+          </a:p>
+          <a:p>
+            <a:pPr algn="l">
+              <a:buFont typeface="Arial" panose="020B0604020202020204" pitchFamily="34" charset="0"/>
+              <a:buChar char="•"/>
+            </a:pPr>
+            <a:r>
+              <a:rPr lang="en-US" b="0" i="0" dirty="0">
+                <a:solidFill>
+                  <a:schemeClr val="tx1">
+                    <a:lumMod val="85000"/>
+                  </a:schemeClr>
+                </a:solidFill>
+                <a:effectLst/>
+                <a:latin typeface="Open Sans" panose="020B0606030504020204" pitchFamily="34" charset="0"/>
+              </a:rPr>
+              <a:t>Allow a user to control how and in what order a program executes</a:t>
+            </a:r>
+            <a:br>
+              <a:rPr lang="en-US" b="0" i="0" dirty="0">
+                <a:solidFill>
+                  <a:schemeClr val="tx1">
+                    <a:lumMod val="85000"/>
+                  </a:schemeClr>
+                </a:solidFill>
+                <a:effectLst/>
+                <a:latin typeface="Open Sans" panose="020B0606030504020204" pitchFamily="34" charset="0"/>
+              </a:rPr>
+            </a:br>
+            <a:endParaRPr lang="en-US" b="0" i="0" dirty="0">
+              <a:solidFill>
+                <a:schemeClr val="tx1">
+                  <a:lumMod val="85000"/>
+                </a:schemeClr>
+              </a:solidFill>
+              <a:effectLst/>
+              <a:latin typeface="Open Sans" panose="020B0606030504020204" pitchFamily="34" charset="0"/>
+            </a:endParaRPr>
+          </a:p>
+          <a:p>
+            <a:pPr algn="l"/>
+            <a:r>
+              <a:rPr lang="en-US" b="0" i="0" u="sng" dirty="0">
+                <a:solidFill>
+                  <a:schemeClr val="tx1">
+                    <a:lumMod val="85000"/>
+                  </a:schemeClr>
+                </a:solidFill>
+                <a:effectLst/>
+                <a:latin typeface="Open Sans" panose="020B0606030504020204" pitchFamily="34" charset="0"/>
+              </a:rPr>
+              <a:t>Disadvantages</a:t>
+            </a:r>
+            <a:r>
+              <a:rPr lang="en-US" b="0" i="0" dirty="0">
+                <a:solidFill>
+                  <a:schemeClr val="tx1">
+                    <a:lumMod val="85000"/>
+                  </a:schemeClr>
+                </a:solidFill>
+                <a:effectLst/>
+                <a:latin typeface="Open Sans" panose="020B0606030504020204" pitchFamily="34" charset="0"/>
+              </a:rPr>
+              <a:t>:</a:t>
+            </a:r>
+          </a:p>
+          <a:p>
+            <a:pPr algn="l">
+              <a:buFont typeface="Arial" panose="020B0604020202020204" pitchFamily="34" charset="0"/>
+              <a:buChar char="•"/>
+            </a:pPr>
+            <a:r>
+              <a:rPr lang="en-US" b="0" i="0" dirty="0">
+                <a:solidFill>
+                  <a:schemeClr val="tx1">
+                    <a:lumMod val="85000"/>
+                  </a:schemeClr>
+                </a:solidFill>
+                <a:effectLst/>
+                <a:latin typeface="Open Sans" panose="020B0606030504020204" pitchFamily="34" charset="0"/>
+              </a:rPr>
+              <a:t>Difficulty finding content, especially with nested sub-menus</a:t>
+            </a:r>
+          </a:p>
+          <a:p>
+            <a:pPr marL="342900" indent="-342900">
+              <a:buFont typeface="Arial" panose="020B0604020202020204" pitchFamily="34" charset="0"/>
+              <a:buChar char="•"/>
+            </a:pPr>
+            <a:endParaRPr lang="en-US" dirty="0">
+              <a:solidFill>
+                <a:schemeClr val="tx1">
+                  <a:lumMod val="85000"/>
+                </a:schemeClr>
+              </a:solidFill>
+              <a:latin typeface="Open Sans" panose="020B0606030504020204" pitchFamily="34" charset="0"/>
+            </a:endParaRPr>
+          </a:p>
+        </p:txBody>
+      </p:sp>
+      <p:sp>
+        <p:nvSpPr>
+          <p:cNvPr id="3" name="TextBox 2">
+            <a:extLst>
+              <a:ext uri="{FF2B5EF4-FFF2-40B4-BE49-F238E27FC236}">
+                <a16:creationId xmlns:a16="http://schemas.microsoft.com/office/drawing/2014/main" id="{FF9F9172-C924-1C79-FA1B-3659223D7D26}"/>
+              </a:ext>
+            </a:extLst>
+          </p:cNvPr>
+          <p:cNvSpPr txBox="1"/>
+          <p:nvPr/>
+        </p:nvSpPr>
+        <p:spPr>
+          <a:xfrm>
+            <a:off x="6528732" y="6499682"/>
+            <a:ext cx="5568193" cy="307777"/>
+          </a:xfrm>
+          <a:prstGeom prst="rect">
+            <a:avLst/>
+          </a:prstGeom>
+          <a:noFill/>
+        </p:spPr>
+        <p:txBody>
+          <a:bodyPr wrap="square">
+            <a:spAutoFit/>
+          </a:bodyPr>
+          <a:lstStyle/>
+          <a:p>
+            <a:r>
+              <a:rPr lang="en-US" sz="1400" dirty="0">
+                <a:hlinkClick r:id="rId2"/>
+              </a:rPr>
+              <a:t>https://github.com/ckiefriter1/Java-Code-Examples/tree/main/src/menus</a:t>
+            </a:r>
+            <a:endParaRPr lang="en-US" sz="1400" dirty="0"/>
           </a:p>
         </p:txBody>
       </p:sp>
     </p:spTree>
     <p:extLst>
       <p:ext uri="{BB962C8B-B14F-4D97-AF65-F5344CB8AC3E}">
-        <p14:creationId xmlns:p14="http://schemas.microsoft.com/office/powerpoint/2010/main" val="2394962184"/>
+        <p14:creationId xmlns:p14="http://schemas.microsoft.com/office/powerpoint/2010/main" val="424094208"/>
       </p:ext>
     </p:extLst>
   </p:cSld>
@@ -7438,7 +7097,7 @@
               <a:buChar char="•"/>
             </a:pPr>
             <a:r>
-              <a:rPr lang="en-US" sz="2000" dirty="0">
+              <a:rPr lang="en-US" sz="2000">
                 <a:solidFill>
                   <a:srgbClr val="00B0F0"/>
                 </a:solidFill>
@@ -7446,31 +7105,18 @@
                 <a:ea typeface="Open Sans" panose="020B0606030504020204" pitchFamily="34" charset="0"/>
                 <a:cs typeface="Open Sans" panose="020B0606030504020204" pitchFamily="34" charset="0"/>
               </a:rPr>
-              <a:t>element</a:t>
+              <a:t>Each </a:t>
             </a:r>
             <a:r>
               <a:rPr lang="en-US" sz="2000" dirty="0">
                 <a:solidFill>
-                  <a:schemeClr val="tx1">
-                    <a:lumMod val="85000"/>
-                  </a:schemeClr>
+                  <a:srgbClr val="00B0F0"/>
                 </a:solidFill>
                 <a:latin typeface="Open Sans" panose="020B0606030504020204" pitchFamily="34" charset="0"/>
                 <a:ea typeface="Open Sans" panose="020B0606030504020204" pitchFamily="34" charset="0"/>
                 <a:cs typeface="Open Sans" panose="020B0606030504020204" pitchFamily="34" charset="0"/>
               </a:rPr>
-              <a:t>:  </a:t>
-            </a:r>
-            <a:r>
-              <a:rPr lang="en-US" sz="2000" dirty="0">
-                <a:solidFill>
-                  <a:srgbClr val="00B0F0"/>
-                </a:solidFill>
-                <a:latin typeface="Open Sans" panose="020B0606030504020204" pitchFamily="34" charset="0"/>
-                <a:ea typeface="Open Sans" panose="020B0606030504020204" pitchFamily="34" charset="0"/>
-                <a:cs typeface="Open Sans" panose="020B0606030504020204" pitchFamily="34" charset="0"/>
-              </a:rPr>
-              <a:t>each item stored in an array</a:t>
+              <a:t>item stored in an array</a:t>
             </a:r>
             <a:r>
               <a:rPr lang="en-US" sz="2000" dirty="0">
@@ -8181,7 +7827,16 @@
                 <a:effectLst/>
                 <a:latin typeface="Open Sans" panose="020B0606030504020204" pitchFamily="34" charset="0"/>
               </a:rPr>
-              <a:t>.  A method is </a:t>
+              <a:t>.  A method is a </a:t>
+            </a:r>
+            <a:r>
+              <a:rPr lang="en-US" dirty="0">
+                <a:solidFill>
+                  <a:srgbClr val="00B0F0"/>
+                </a:solidFill>
+                <a:latin typeface="Open Sans" panose="020B0606030504020204" pitchFamily="34" charset="0"/>
+              </a:rPr>
+              <a:t>block of </a:t>
             </a:r>
             <a:r>
               <a:rPr lang="en-US" b="0" i="0" dirty="0">
@@ -8247,7 +7902,7 @@
                 <a:effectLst/>
                 <a:latin typeface="Open Sans" panose="020B0606030504020204" pitchFamily="34" charset="0"/>
               </a:rPr>
-              <a:t>.  Another definition of a Java Method is that it is a collection of statements that are written together and executed together to perform a task. </a:t>
+              <a:t>.  A method is a set of coding instructions which can be referenced by name, and called at any point in a program by simply using the method's name. </a:t>
             </a:r>
           </a:p>
           <a:p>
@@ -8284,7 +7939,17 @@
                 <a:effectLst/>
                 <a:latin typeface="Open Sans" panose="020B0606030504020204" pitchFamily="34" charset="0"/>
               </a:rPr>
-              <a:t>method declaration</a:t>
+              <a:t>method declaration </a:t>
+            </a:r>
+            <a:r>
+              <a:rPr lang="en-US" b="0" i="0">
+                <a:solidFill>
+                  <a:srgbClr val="00B0F0"/>
+                </a:solidFill>
+                <a:effectLst/>
+                <a:latin typeface="Open Sans" panose="020B0606030504020204" pitchFamily="34" charset="0"/>
+              </a:rPr>
+              <a:t>/ method signature</a:t>
             </a:r>
             <a:r>
               <a:rPr lang="en-US" b="0" i="0" dirty="0">
@@ -8322,7 +7987,7 @@
                 <a:effectLst/>
                 <a:latin typeface="Open Sans" panose="020B0606030504020204" pitchFamily="34" charset="0"/>
               </a:rPr>
-              <a:t>modifier </a:t>
+              <a:t>modifier(s) </a:t>
             </a:r>
             <a:r>
               <a:rPr lang="en-US" b="0" i="1" dirty="0" err="1">
@@ -8923,15 +8588,23 @@
               <a:defRPr/>
             </a:pPr>
             <a:r>
-              <a:rPr lang="en-US" sz="6000" dirty="0">
+              <a:rPr kumimoji="0" lang="en-US" sz="6000" b="0" i="0" u="none" strike="noStrike" kern="1200" cap="none" spc="0" normalizeH="0" baseline="0" noProof="0" dirty="0" err="1">
+                <a:ln>
+                  <a:noFill/>
+                </a:ln>
                 <a:solidFill>
                   <a:prstClr val="white">
                     <a:lumMod val="75000"/>
                   </a:prstClr>
                 </a:solidFill>
-                <a:latin typeface="Open Sans" panose="020B0606030504020204" pitchFamily="34" charset="0"/>
-              </a:rPr>
-              <a:t>Objects</a:t>
+                <a:effectLst/>
+                <a:uLnTx/>
+                <a:uFillTx/>
+                <a:latin typeface="Open Sans" panose="020B0606030504020204" pitchFamily="34" charset="0"/>
+                <a:ea typeface="+mn-ea"/>
+                <a:cs typeface="+mn-cs"/>
+              </a:rPr>
+              <a:t>JavaDoc</a:t>
             </a:r>
             <a:endParaRPr kumimoji="0" lang="en-US" sz="6000" b="0" i="0" u="none" strike="noStrike" kern="1200" cap="none" spc="0" normalizeH="0" baseline="0" noProof="0" dirty="0">
               <a:ln>
@@ -8955,7 +8628,7 @@
     </p:spTree>
     <p:extLst>
       <p:ext uri="{BB962C8B-B14F-4D97-AF65-F5344CB8AC3E}">
-        <p14:creationId xmlns:p14="http://schemas.microsoft.com/office/powerpoint/2010/main" val="4170465764"/>
+        <p14:creationId xmlns:p14="http://schemas.microsoft.com/office/powerpoint/2010/main" val="3395566764"/>
       </p:ext>
     </p:extLst>
   </p:cSld>
@@ -9012,24 +8685,30 @@
           <a:p>
             <a:pPr algn="l"/>
             <a:r>
-              <a:rPr lang="en-US" sz="2400" b="1" dirty="0">
+              <a:rPr lang="en-US" sz="2400" b="1" dirty="0" err="1">
                 <a:solidFill>
                   <a:srgbClr val="00B050"/>
                 </a:solidFill>
-                <a:effectLst/>
-                <a:latin typeface="Open Sans" panose="020B0606030504020204" pitchFamily="34" charset="0"/>
-              </a:rPr>
-              <a:t>Primitives vs Objects</a:t>
-            </a:r>
+                <a:latin typeface="Open Sans" panose="020B0606030504020204" pitchFamily="34" charset="0"/>
+              </a:rPr>
+              <a:t>JavaDocs</a:t>
+            </a:r>
+            <a:endParaRPr lang="en-US" sz="2400" b="1" dirty="0">
+              <a:solidFill>
+                <a:srgbClr val="00B050"/>
+              </a:solidFill>
+              <a:effectLst/>
+              <a:latin typeface="Open Sans" panose="020B0606030504020204" pitchFamily="34" charset="0"/>
+            </a:endParaRPr>
           </a:p>
         </p:txBody>
       </p:sp>
       <p:sp>
         <p:nvSpPr>
-          <p:cNvPr id="5" name="TextBox 4">
-            <a:extLst>
-              <a:ext uri="{FF2B5EF4-FFF2-40B4-BE49-F238E27FC236}">
-                <a16:creationId xmlns:a16="http://schemas.microsoft.com/office/drawing/2014/main" id="{9DB63145-E59C-9501-8AA5-4E6AC5C0D40F}"/>
+          <p:cNvPr id="4" name="TextBox 3">
+            <a:extLst>
+              <a:ext uri="{FF2B5EF4-FFF2-40B4-BE49-F238E27FC236}">
+                <a16:creationId xmlns:a16="http://schemas.microsoft.com/office/drawing/2014/main" id="{5F4890C8-248C-DE3F-EFBE-A4EB3744954C}"/>
               </a:ext>
             </a:extLst>
           </p:cNvPr>
@@ -9038,8 +8717,8 @@
         </p:nvSpPr>
         <p:spPr>
           <a:xfrm>
-            <a:off x="341603" y="640071"/>
-            <a:ext cx="11701570" cy="6155531"/>
+            <a:off x="3920195" y="6082018"/>
+            <a:ext cx="8447887" cy="400110"/>
           </a:xfrm>
           <a:prstGeom prst="rect">
             <a:avLst/>
@@ -9053,6 +8732,222 @@
           <a:lstStyle/>
           <a:p>
             <a:r>
+              <a:rPr lang="en-US" sz="2000" dirty="0">
+                <a:hlinkClick r:id="rId2"/>
+              </a:rPr>
+              <a:t>https://www.oracle.com/technical-resources/articles/java/javadoc-tool.html</a:t>
+            </a:r>
+            <a:endParaRPr lang="en-US" sz="2000" dirty="0"/>
+          </a:p>
+        </p:txBody>
+      </p:sp>
+      <p:sp>
+        <p:nvSpPr>
+          <p:cNvPr id="8" name="TextBox 7">
+            <a:extLst>
+              <a:ext uri="{FF2B5EF4-FFF2-40B4-BE49-F238E27FC236}">
+                <a16:creationId xmlns:a16="http://schemas.microsoft.com/office/drawing/2014/main" id="{C70D9D43-254A-0545-002D-C444DCDB15AD}"/>
+              </a:ext>
+            </a:extLst>
+          </p:cNvPr>
+          <p:cNvSpPr txBox="1"/>
+          <p:nvPr/>
+        </p:nvSpPr>
+        <p:spPr>
+          <a:xfrm>
+            <a:off x="341603" y="438195"/>
+            <a:ext cx="11432807" cy="2308324"/>
+          </a:xfrm>
+          <a:prstGeom prst="rect">
+            <a:avLst/>
+          </a:prstGeom>
+          <a:noFill/>
+        </p:spPr>
+        <p:txBody>
+          <a:bodyPr wrap="square">
+            <a:spAutoFit/>
+          </a:bodyPr>
+          <a:lstStyle/>
+          <a:p>
+            <a:r>
+              <a:rPr lang="en-US" b="0" i="0" dirty="0">
+                <a:solidFill>
+                  <a:schemeClr val="tx1">
+                    <a:lumMod val="85000"/>
+                  </a:schemeClr>
+                </a:solidFill>
+                <a:effectLst/>
+                <a:latin typeface="Open Sans" panose="020B0606030504020204" pitchFamily="34" charset="0"/>
+                <a:ea typeface="Open Sans" panose="020B0606030504020204" pitchFamily="34" charset="0"/>
+                <a:cs typeface="Open Sans" panose="020B0606030504020204" pitchFamily="34" charset="0"/>
+              </a:rPr>
+              <a:t>Documenting your code is crucial to help others understand it, and even to remind yourself how your own older programs work. Unfortunately, </a:t>
+            </a:r>
+            <a:r>
+              <a:rPr lang="en-US" b="0" i="0" dirty="0">
+                <a:solidFill>
+                  <a:srgbClr val="00B0F0"/>
+                </a:solidFill>
+                <a:effectLst/>
+                <a:latin typeface="Open Sans" panose="020B0606030504020204" pitchFamily="34" charset="0"/>
+                <a:ea typeface="Open Sans" panose="020B0606030504020204" pitchFamily="34" charset="0"/>
+                <a:cs typeface="Open Sans" panose="020B0606030504020204" pitchFamily="34" charset="0"/>
+              </a:rPr>
+              <a:t>it is easy for most external documentation to become out of date </a:t>
+            </a:r>
+            <a:r>
+              <a:rPr lang="en-US" b="0" i="0" dirty="0">
+                <a:solidFill>
+                  <a:schemeClr val="tx1">
+                    <a:lumMod val="85000"/>
+                  </a:schemeClr>
+                </a:solidFill>
+                <a:effectLst/>
+                <a:latin typeface="Open Sans" panose="020B0606030504020204" pitchFamily="34" charset="0"/>
+                <a:ea typeface="Open Sans" panose="020B0606030504020204" pitchFamily="34" charset="0"/>
+                <a:cs typeface="Open Sans" panose="020B0606030504020204" pitchFamily="34" charset="0"/>
+              </a:rPr>
+              <a:t>as a program changes. </a:t>
+            </a:r>
+          </a:p>
+          <a:p>
+            <a:r>
+              <a:rPr lang="en-US" b="0" i="0" dirty="0">
+                <a:solidFill>
+                  <a:schemeClr val="tx1">
+                    <a:lumMod val="85000"/>
+                  </a:schemeClr>
+                </a:solidFill>
+                <a:effectLst/>
+                <a:latin typeface="Open Sans" panose="020B0606030504020204" pitchFamily="34" charset="0"/>
+                <a:ea typeface="Open Sans" panose="020B0606030504020204" pitchFamily="34" charset="0"/>
+                <a:cs typeface="Open Sans" panose="020B0606030504020204" pitchFamily="34" charset="0"/>
+              </a:rPr>
+              <a:t>For this reason, it is useful to </a:t>
+            </a:r>
+            <a:r>
+              <a:rPr lang="en-US" b="0" i="0" dirty="0">
+                <a:solidFill>
+                  <a:srgbClr val="00B0F0"/>
+                </a:solidFill>
+                <a:effectLst/>
+                <a:latin typeface="Open Sans" panose="020B0606030504020204" pitchFamily="34" charset="0"/>
+                <a:ea typeface="Open Sans" panose="020B0606030504020204" pitchFamily="34" charset="0"/>
+                <a:cs typeface="Open Sans" panose="020B0606030504020204" pitchFamily="34" charset="0"/>
+              </a:rPr>
+              <a:t>write documentation as comments in the code itself</a:t>
+            </a:r>
+            <a:r>
+              <a:rPr lang="en-US" b="0" i="0" dirty="0">
+                <a:solidFill>
+                  <a:schemeClr val="tx1">
+                    <a:lumMod val="85000"/>
+                  </a:schemeClr>
+                </a:solidFill>
+                <a:effectLst/>
+                <a:latin typeface="Open Sans" panose="020B0606030504020204" pitchFamily="34" charset="0"/>
+                <a:ea typeface="Open Sans" panose="020B0606030504020204" pitchFamily="34" charset="0"/>
+                <a:cs typeface="Open Sans" panose="020B0606030504020204" pitchFamily="34" charset="0"/>
+              </a:rPr>
+              <a:t>, where they can be easily updated with other changes. </a:t>
+            </a:r>
+            <a:r>
+              <a:rPr lang="en-US" b="0" i="0" dirty="0">
+                <a:solidFill>
+                  <a:srgbClr val="00B0F0"/>
+                </a:solidFill>
+                <a:effectLst/>
+                <a:latin typeface="Open Sans" panose="020B0606030504020204" pitchFamily="34" charset="0"/>
+                <a:ea typeface="Open Sans" panose="020B0606030504020204" pitchFamily="34" charset="0"/>
+                <a:cs typeface="Open Sans" panose="020B0606030504020204" pitchFamily="34" charset="0"/>
+              </a:rPr>
+              <a:t>Javadoc is a documentation tool </a:t>
+            </a:r>
+            <a:r>
+              <a:rPr lang="en-US" b="0" i="0" dirty="0">
+                <a:solidFill>
+                  <a:schemeClr val="tx1">
+                    <a:lumMod val="85000"/>
+                  </a:schemeClr>
+                </a:solidFill>
+                <a:effectLst/>
+                <a:latin typeface="Open Sans" panose="020B0606030504020204" pitchFamily="34" charset="0"/>
+                <a:ea typeface="Open Sans" panose="020B0606030504020204" pitchFamily="34" charset="0"/>
+                <a:cs typeface="Open Sans" panose="020B0606030504020204" pitchFamily="34" charset="0"/>
+              </a:rPr>
+              <a:t>which defines a standard format for such comments, and which can generate HTML files to view the documentation from a web browser. (As an example, see Oracle's Javadoc documentation for the Java libraries </a:t>
+            </a:r>
+            <a:r>
+              <a:rPr lang="en-US" b="0" i="0" dirty="0">
+                <a:solidFill>
+                  <a:srgbClr val="000000"/>
+                </a:solidFill>
+                <a:effectLst/>
+                <a:latin typeface="Open Sans" panose="020B0606030504020204" pitchFamily="34" charset="0"/>
+                <a:ea typeface="Open Sans" panose="020B0606030504020204" pitchFamily="34" charset="0"/>
+                <a:cs typeface="Open Sans" panose="020B0606030504020204" pitchFamily="34" charset="0"/>
+              </a:rPr>
+              <a:t>at </a:t>
+            </a:r>
+            <a:r>
+              <a:rPr lang="en-US" b="0" i="0" dirty="0">
+                <a:effectLst/>
+                <a:latin typeface="Open Sans" panose="020B0606030504020204" pitchFamily="34" charset="0"/>
+                <a:ea typeface="Open Sans" panose="020B0606030504020204" pitchFamily="34" charset="0"/>
+                <a:cs typeface="Open Sans" panose="020B0606030504020204" pitchFamily="34" charset="0"/>
+                <a:hlinkClick r:id="rId3"/>
+              </a:rPr>
+              <a:t>http://download.oracle.com/javase/6/docs/api/</a:t>
+            </a:r>
+            <a:r>
+              <a:rPr lang="en-US" b="0" i="0" dirty="0">
+                <a:solidFill>
+                  <a:srgbClr val="000000"/>
+                </a:solidFill>
+                <a:effectLst/>
+                <a:latin typeface="Open Sans" panose="020B0606030504020204" pitchFamily="34" charset="0"/>
+                <a:ea typeface="Open Sans" panose="020B0606030504020204" pitchFamily="34" charset="0"/>
+                <a:cs typeface="Open Sans" panose="020B0606030504020204" pitchFamily="34" charset="0"/>
+              </a:rPr>
+              <a:t>.)</a:t>
+            </a:r>
+            <a:endParaRPr lang="en-US" dirty="0">
+              <a:latin typeface="Open Sans" panose="020B0606030504020204" pitchFamily="34" charset="0"/>
+              <a:ea typeface="Open Sans" panose="020B0606030504020204" pitchFamily="34" charset="0"/>
+              <a:cs typeface="Open Sans" panose="020B0606030504020204" pitchFamily="34" charset="0"/>
+            </a:endParaRPr>
+          </a:p>
+        </p:txBody>
+      </p:sp>
+      <p:sp>
+        <p:nvSpPr>
+          <p:cNvPr id="11" name="TextBox 10">
+            <a:extLst>
+              <a:ext uri="{FF2B5EF4-FFF2-40B4-BE49-F238E27FC236}">
+                <a16:creationId xmlns:a16="http://schemas.microsoft.com/office/drawing/2014/main" id="{FBFF1272-6FED-ACD0-CEF8-E11B1DD3B48B}"/>
+              </a:ext>
+            </a:extLst>
+          </p:cNvPr>
+          <p:cNvSpPr txBox="1"/>
+          <p:nvPr/>
+        </p:nvSpPr>
+        <p:spPr>
+          <a:xfrm>
+            <a:off x="341603" y="2763337"/>
+            <a:ext cx="10715087" cy="3354765"/>
+          </a:xfrm>
+          <a:prstGeom prst="rect">
+            <a:avLst/>
+          </a:prstGeom>
+          <a:noFill/>
+        </p:spPr>
+        <p:txBody>
+          <a:bodyPr wrap="square">
+            <a:spAutoFit/>
+          </a:bodyPr>
+          <a:lstStyle/>
+          <a:p>
+            <a:r>
               <a:rPr lang="en-US" dirty="0">
                 <a:solidFill>
                   <a:schemeClr val="tx1">
@@ -9060,18 +8955,39 @@
                   </a:schemeClr>
                 </a:solidFill>
                 <a:latin typeface="Open Sans" panose="020B0606030504020204" pitchFamily="34" charset="0"/>
-              </a:rPr>
-              <a:t>A </a:t>
+                <a:ea typeface="Open Sans" panose="020B0606030504020204" pitchFamily="34" charset="0"/>
+                <a:cs typeface="Open Sans" panose="020B0606030504020204" pitchFamily="34" charset="0"/>
+              </a:rPr>
+              <a:t>/** Indicates </a:t>
+            </a:r>
+            <a:r>
+              <a:rPr lang="en-US" dirty="0" err="1">
+                <a:solidFill>
+                  <a:schemeClr val="tx1">
+                    <a:lumMod val="85000"/>
+                  </a:schemeClr>
+                </a:solidFill>
+                <a:latin typeface="Open Sans" panose="020B0606030504020204" pitchFamily="34" charset="0"/>
+                <a:ea typeface="Open Sans" panose="020B0606030504020204" pitchFamily="34" charset="0"/>
+                <a:cs typeface="Open Sans" panose="020B0606030504020204" pitchFamily="34" charset="0"/>
+              </a:rPr>
+              <a:t>JavaDoc</a:t>
             </a:r>
             <a:r>
               <a:rPr lang="en-US" dirty="0">
                 <a:solidFill>
-                  <a:srgbClr val="00B0F0"/>
-                </a:solidFill>
-                <a:latin typeface="Open Sans" panose="020B0606030504020204" pitchFamily="34" charset="0"/>
-              </a:rPr>
-              <a:t>primitive</a:t>
-            </a:r>
+                  <a:schemeClr val="tx1">
+                    <a:lumMod val="85000"/>
+                  </a:schemeClr>
+                </a:solidFill>
+                <a:latin typeface="Open Sans" panose="020B0606030504020204" pitchFamily="34" charset="0"/>
+                <a:ea typeface="Open Sans" panose="020B0606030504020204" pitchFamily="34" charset="0"/>
+                <a:cs typeface="Open Sans" panose="020B0606030504020204" pitchFamily="34" charset="0"/>
+              </a:rPr>
+              <a:t> comment */</a:t>
+            </a:r>
+          </a:p>
+          <a:p>
             <a:r>
               <a:rPr lang="en-US" dirty="0">
                 <a:solidFill>
@@ -9080,582 +8996,247 @@
                   </a:schemeClr>
                 </a:solidFill>
                 <a:latin typeface="Open Sans" panose="020B0606030504020204" pitchFamily="34" charset="0"/>
-              </a:rPr>
-              <a:t> datatype  is </a:t>
+                <a:ea typeface="Open Sans" panose="020B0606030504020204" pitchFamily="34" charset="0"/>
+                <a:cs typeface="Open Sans" panose="020B0606030504020204" pitchFamily="34" charset="0"/>
+              </a:rPr>
+              <a:t>Use tags in comments to indicate </a:t>
+            </a:r>
+            <a:r>
+              <a:rPr lang="en-US" dirty="0" err="1">
+                <a:solidFill>
+                  <a:schemeClr val="tx1">
+                    <a:lumMod val="85000"/>
+                  </a:schemeClr>
+                </a:solidFill>
+                <a:latin typeface="Open Sans" panose="020B0606030504020204" pitchFamily="34" charset="0"/>
+                <a:ea typeface="Open Sans" panose="020B0606030504020204" pitchFamily="34" charset="0"/>
+                <a:cs typeface="Open Sans" panose="020B0606030504020204" pitchFamily="34" charset="0"/>
+              </a:rPr>
+              <a:t>JavaDoc</a:t>
             </a:r>
             <a:r>
               <a:rPr lang="en-US" dirty="0">
                 <a:solidFill>
-                  <a:srgbClr val="00B0F0"/>
-                </a:solidFill>
-                <a:latin typeface="Open Sans" panose="020B0606030504020204" pitchFamily="34" charset="0"/>
-              </a:rPr>
-              <a:t>just a piece of data and nothing more</a:t>
-            </a:r>
+                  <a:schemeClr val="tx1">
+                    <a:lumMod val="85000"/>
+                  </a:schemeClr>
+                </a:solidFill>
+                <a:latin typeface="Open Sans" panose="020B0606030504020204" pitchFamily="34" charset="0"/>
+                <a:ea typeface="Open Sans" panose="020B0606030504020204" pitchFamily="34" charset="0"/>
+                <a:cs typeface="Open Sans" panose="020B0606030504020204" pitchFamily="34" charset="0"/>
+              </a:rPr>
+              <a:t> parts</a:t>
+            </a:r>
+          </a:p>
+          <a:p>
+            <a:r>
+              <a:rPr lang="en-US" sz="1600" dirty="0">
+                <a:solidFill>
+                  <a:schemeClr val="tx1">
+                    <a:lumMod val="85000"/>
+                  </a:schemeClr>
+                </a:solidFill>
+                <a:latin typeface="Open Sans" panose="020B0606030504020204" pitchFamily="34" charset="0"/>
+                <a:ea typeface="Open Sans" panose="020B0606030504020204" pitchFamily="34" charset="0"/>
+                <a:cs typeface="Open Sans" panose="020B0606030504020204" pitchFamily="34" charset="0"/>
+              </a:rPr>
+              <a:t>@param – defines parameters for input</a:t>
+            </a:r>
+          </a:p>
+          <a:p>
+            <a:r>
+              <a:rPr lang="en-US" sz="1600" dirty="0">
+                <a:solidFill>
+                  <a:schemeClr val="tx1">
+                    <a:lumMod val="85000"/>
+                  </a:schemeClr>
+                </a:solidFill>
+                <a:latin typeface="Open Sans" panose="020B0606030504020204" pitchFamily="34" charset="0"/>
+                <a:ea typeface="Open Sans" panose="020B0606030504020204" pitchFamily="34" charset="0"/>
+                <a:cs typeface="Open Sans" panose="020B0606030504020204" pitchFamily="34" charset="0"/>
+              </a:rPr>
+              <a:t>@return – indicates what value and type are return from method call</a:t>
+            </a:r>
+          </a:p>
+          <a:p>
+            <a:r>
+              <a:rPr lang="en-US" sz="1600" dirty="0">
+                <a:solidFill>
+                  <a:schemeClr val="tx1">
+                    <a:lumMod val="85000"/>
+                  </a:schemeClr>
+                </a:solidFill>
+                <a:latin typeface="Open Sans" panose="020B0606030504020204" pitchFamily="34" charset="0"/>
+                <a:ea typeface="Open Sans" panose="020B0606030504020204" pitchFamily="34" charset="0"/>
+                <a:cs typeface="Open Sans" panose="020B0606030504020204" pitchFamily="34" charset="0"/>
+              </a:rPr>
+              <a:t>@author (classes and interfaces only, required)</a:t>
+            </a:r>
+          </a:p>
+          <a:p>
+            <a:r>
+              <a:rPr lang="en-US" sz="1600" dirty="0">
+                <a:solidFill>
+                  <a:schemeClr val="tx1">
+                    <a:lumMod val="85000"/>
+                  </a:schemeClr>
+                </a:solidFill>
+                <a:latin typeface="Open Sans" panose="020B0606030504020204" pitchFamily="34" charset="0"/>
+                <a:ea typeface="Open Sans" panose="020B0606030504020204" pitchFamily="34" charset="0"/>
+                <a:cs typeface="Open Sans" panose="020B0606030504020204" pitchFamily="34" charset="0"/>
+              </a:rPr>
+              <a:t>@version (classes and interfaces only, required. See footnote 1)</a:t>
+            </a:r>
+          </a:p>
+          <a:p>
+            <a:r>
+              <a:rPr lang="en-US" sz="1600" dirty="0">
+                <a:solidFill>
+                  <a:schemeClr val="tx1">
+                    <a:lumMod val="85000"/>
+                  </a:schemeClr>
+                </a:solidFill>
+                <a:latin typeface="Open Sans" panose="020B0606030504020204" pitchFamily="34" charset="0"/>
+                <a:ea typeface="Open Sans" panose="020B0606030504020204" pitchFamily="34" charset="0"/>
+                <a:cs typeface="Open Sans" panose="020B0606030504020204" pitchFamily="34" charset="0"/>
+              </a:rPr>
+              <a:t>@param (methods and constructors only)</a:t>
+            </a:r>
+          </a:p>
+          <a:p>
+            <a:r>
+              <a:rPr lang="en-US" sz="1600" dirty="0">
+                <a:solidFill>
+                  <a:schemeClr val="tx1">
+                    <a:lumMod val="85000"/>
+                  </a:schemeClr>
+                </a:solidFill>
+                <a:latin typeface="Open Sans" panose="020B0606030504020204" pitchFamily="34" charset="0"/>
+                <a:ea typeface="Open Sans" panose="020B0606030504020204" pitchFamily="34" charset="0"/>
+                <a:cs typeface="Open Sans" panose="020B0606030504020204" pitchFamily="34" charset="0"/>
+              </a:rPr>
+              <a:t>@return (methods only)</a:t>
+            </a:r>
+          </a:p>
+          <a:p>
+            <a:r>
+              <a:rPr lang="en-US" sz="1600" dirty="0">
+                <a:solidFill>
+                  <a:schemeClr val="tx1">
+                    <a:lumMod val="85000"/>
+                  </a:schemeClr>
+                </a:solidFill>
+                <a:latin typeface="Open Sans" panose="020B0606030504020204" pitchFamily="34" charset="0"/>
+                <a:ea typeface="Open Sans" panose="020B0606030504020204" pitchFamily="34" charset="0"/>
+                <a:cs typeface="Open Sans" panose="020B0606030504020204" pitchFamily="34" charset="0"/>
+              </a:rPr>
+              <a:t>@exception (@throws is a synonym added in Javadoc 1.2)</a:t>
+            </a:r>
+          </a:p>
+          <a:p>
+            <a:r>
+              <a:rPr lang="en-US" sz="1600" dirty="0">
+                <a:solidFill>
+                  <a:schemeClr val="tx1">
+                    <a:lumMod val="85000"/>
+                  </a:schemeClr>
+                </a:solidFill>
+                <a:latin typeface="Open Sans" panose="020B0606030504020204" pitchFamily="34" charset="0"/>
+                <a:ea typeface="Open Sans" panose="020B0606030504020204" pitchFamily="34" charset="0"/>
+                <a:cs typeface="Open Sans" panose="020B0606030504020204" pitchFamily="34" charset="0"/>
+              </a:rPr>
+              <a:t>@see</a:t>
+            </a:r>
+          </a:p>
+          <a:p>
+            <a:r>
+              <a:rPr lang="en-US" sz="1600" dirty="0">
+                <a:solidFill>
+                  <a:schemeClr val="tx1">
+                    <a:lumMod val="85000"/>
+                  </a:schemeClr>
+                </a:solidFill>
+                <a:latin typeface="Open Sans" panose="020B0606030504020204" pitchFamily="34" charset="0"/>
+                <a:ea typeface="Open Sans" panose="020B0606030504020204" pitchFamily="34" charset="0"/>
+                <a:cs typeface="Open Sans" panose="020B0606030504020204" pitchFamily="34" charset="0"/>
+              </a:rPr>
+              <a:t>@since</a:t>
+            </a:r>
+          </a:p>
+          <a:p>
+            <a:r>
+              <a:rPr lang="en-US" sz="1600" dirty="0">
+                <a:solidFill>
+                  <a:schemeClr val="tx1">
+                    <a:lumMod val="85000"/>
+                  </a:schemeClr>
+                </a:solidFill>
+                <a:latin typeface="Open Sans" panose="020B0606030504020204" pitchFamily="34" charset="0"/>
+                <a:ea typeface="Open Sans" panose="020B0606030504020204" pitchFamily="34" charset="0"/>
+                <a:cs typeface="Open Sans" panose="020B0606030504020204" pitchFamily="34" charset="0"/>
+              </a:rPr>
+              <a:t>@serial (or @serialField or @serialData)</a:t>
+            </a:r>
+          </a:p>
+          <a:p>
+            <a:r>
+              <a:rPr lang="en-US" sz="1600" dirty="0">
+                <a:solidFill>
+                  <a:schemeClr val="tx1">
+                    <a:lumMod val="85000"/>
+                  </a:schemeClr>
+                </a:solidFill>
+                <a:latin typeface="Open Sans" panose="020B0606030504020204" pitchFamily="34" charset="0"/>
+                <a:ea typeface="Open Sans" panose="020B0606030504020204" pitchFamily="34" charset="0"/>
+                <a:cs typeface="Open Sans" panose="020B0606030504020204" pitchFamily="34" charset="0"/>
+              </a:rPr>
+              <a:t>@deprecated (see How and When To Deprecate APIs)</a:t>
+            </a:r>
+          </a:p>
+        </p:txBody>
+      </p:sp>
+      <p:sp>
+        <p:nvSpPr>
+          <p:cNvPr id="13" name="TextBox 12">
+            <a:extLst>
+              <a:ext uri="{FF2B5EF4-FFF2-40B4-BE49-F238E27FC236}">
+                <a16:creationId xmlns:a16="http://schemas.microsoft.com/office/drawing/2014/main" id="{54490E19-5FDF-8610-D214-65ABB5B29ACD}"/>
+              </a:ext>
+            </a:extLst>
+          </p:cNvPr>
+          <p:cNvSpPr txBox="1"/>
+          <p:nvPr/>
+        </p:nvSpPr>
+        <p:spPr>
+          <a:xfrm>
+            <a:off x="3920195" y="6438127"/>
+            <a:ext cx="6581163" cy="369332"/>
+          </a:xfrm>
+          <a:prstGeom prst="rect">
+            <a:avLst/>
+          </a:prstGeom>
+          <a:noFill/>
+        </p:spPr>
+        <p:txBody>
+          <a:bodyPr wrap="square">
+            <a:spAutoFit/>
+          </a:bodyPr>
+          <a:lstStyle/>
+          <a:p>
             <a:r>
               <a:rPr lang="en-US" dirty="0">
-                <a:solidFill>
-                  <a:schemeClr val="tx1">
-                    <a:lumMod val="85000"/>
-                  </a:schemeClr>
-                </a:solidFill>
-                <a:latin typeface="Open Sans" panose="020B0606030504020204" pitchFamily="34" charset="0"/>
-              </a:rPr>
-              <a:t>.  </a:t>
-            </a:r>
-          </a:p>
-          <a:p>
-            <a:endParaRPr lang="en-US" dirty="0">
-              <a:solidFill>
-                <a:schemeClr val="tx1">
-                  <a:lumMod val="85000"/>
-                </a:schemeClr>
-              </a:solidFill>
-              <a:latin typeface="Open Sans" panose="020B0606030504020204" pitchFamily="34" charset="0"/>
-            </a:endParaRPr>
-          </a:p>
-          <a:p>
-            <a:r>
-              <a:rPr lang="en-US" sz="1200" dirty="0">
-                <a:solidFill>
-                  <a:schemeClr val="tx1">
-                    <a:lumMod val="85000"/>
-                  </a:schemeClr>
-                </a:solidFill>
-                <a:latin typeface="Open Sans" panose="020B0606030504020204" pitchFamily="34" charset="0"/>
-              </a:rPr>
-              <a:t>int age = 19;</a:t>
-            </a:r>
-          </a:p>
-          <a:p>
-            <a:r>
-              <a:rPr lang="en-US" sz="1200" dirty="0" err="1">
-                <a:solidFill>
-                  <a:schemeClr val="tx1">
-                    <a:lumMod val="85000"/>
-                  </a:schemeClr>
-                </a:solidFill>
-                <a:latin typeface="Open Sans" panose="020B0606030504020204" pitchFamily="34" charset="0"/>
-              </a:rPr>
-              <a:t>System.out.println</a:t>
-            </a:r>
-            <a:r>
-              <a:rPr lang="en-US" sz="1200" dirty="0">
-                <a:solidFill>
-                  <a:schemeClr val="tx1">
-                    <a:lumMod val="85000"/>
-                  </a:schemeClr>
-                </a:solidFill>
-                <a:latin typeface="Open Sans" panose="020B0606030504020204" pitchFamily="34" charset="0"/>
-              </a:rPr>
-              <a:t>("Age is: " + age);</a:t>
-            </a:r>
-          </a:p>
-          <a:p>
-            <a:endParaRPr lang="en-US" dirty="0">
-              <a:solidFill>
-                <a:schemeClr val="tx1">
-                  <a:lumMod val="85000"/>
-                </a:schemeClr>
-              </a:solidFill>
-              <a:latin typeface="Open Sans" panose="020B0606030504020204" pitchFamily="34" charset="0"/>
-            </a:endParaRPr>
-          </a:p>
-          <a:p>
-            <a:r>
-              <a:rPr lang="en-US" dirty="0">
-                <a:solidFill>
-                  <a:schemeClr val="tx1">
-                    <a:lumMod val="85000"/>
-                  </a:schemeClr>
-                </a:solidFill>
-                <a:latin typeface="Open Sans" panose="020B0606030504020204" pitchFamily="34" charset="0"/>
-              </a:rPr>
-              <a:t>An </a:t>
-            </a:r>
-            <a:r>
-              <a:rPr lang="en-US" dirty="0">
-                <a:solidFill>
-                  <a:srgbClr val="00B0F0"/>
-                </a:solidFill>
-                <a:latin typeface="Open Sans" panose="020B0606030504020204" pitchFamily="34" charset="0"/>
-              </a:rPr>
-              <a:t>Object</a:t>
-            </a:r>
-            <a:r>
-              <a:rPr lang="en-US" dirty="0">
-                <a:solidFill>
-                  <a:schemeClr val="tx1">
-                    <a:lumMod val="85000"/>
-                  </a:schemeClr>
-                </a:solidFill>
-                <a:latin typeface="Open Sans" panose="020B0606030504020204" pitchFamily="34" charset="0"/>
-              </a:rPr>
-              <a:t> (e.g. String, Array, etc..) has a value, but there is much more.  An Object has </a:t>
-            </a:r>
-            <a:r>
-              <a:rPr lang="en-US" dirty="0">
-                <a:solidFill>
-                  <a:srgbClr val="00B0F0"/>
-                </a:solidFill>
-                <a:latin typeface="Open Sans" panose="020B0606030504020204" pitchFamily="34" charset="0"/>
-              </a:rPr>
-              <a:t>properties and methods</a:t>
-            </a:r>
-            <a:r>
-              <a:rPr lang="en-US" dirty="0">
-                <a:solidFill>
-                  <a:schemeClr val="tx1">
-                    <a:lumMod val="85000"/>
-                  </a:schemeClr>
-                </a:solidFill>
-                <a:latin typeface="Open Sans" panose="020B0606030504020204" pitchFamily="34" charset="0"/>
-              </a:rPr>
-              <a:t> which are defined on that object, and are </a:t>
-            </a:r>
-            <a:r>
-              <a:rPr lang="en-US" dirty="0">
-                <a:solidFill>
-                  <a:srgbClr val="00B0F0"/>
-                </a:solidFill>
-                <a:latin typeface="Open Sans" panose="020B0606030504020204" pitchFamily="34" charset="0"/>
-              </a:rPr>
-              <a:t>accessed via dot-notation</a:t>
-            </a:r>
-            <a:r>
-              <a:rPr lang="en-US" dirty="0">
-                <a:solidFill>
-                  <a:schemeClr val="tx1">
-                    <a:lumMod val="85000"/>
-                  </a:schemeClr>
-                </a:solidFill>
-                <a:latin typeface="Open Sans" panose="020B0606030504020204" pitchFamily="34" charset="0"/>
-              </a:rPr>
-              <a:t>.  For example, we can </a:t>
-            </a:r>
-            <a:r>
-              <a:rPr lang="en-US" dirty="0">
-                <a:solidFill>
-                  <a:srgbClr val="00B0F0"/>
-                </a:solidFill>
-                <a:latin typeface="Open Sans" panose="020B0606030504020204" pitchFamily="34" charset="0"/>
-              </a:rPr>
-              <a:t>declare a String</a:t>
-            </a:r>
-            <a:r>
-              <a:rPr lang="en-US" dirty="0">
-                <a:solidFill>
-                  <a:schemeClr val="tx1">
-                    <a:lumMod val="85000"/>
-                  </a:schemeClr>
-                </a:solidFill>
-                <a:latin typeface="Open Sans" panose="020B0606030504020204" pitchFamily="34" charset="0"/>
-              </a:rPr>
-              <a:t> name, which is an object, and use the method </a:t>
-            </a:r>
-            <a:r>
-              <a:rPr lang="en-US" dirty="0" err="1">
-                <a:solidFill>
-                  <a:srgbClr val="00B0F0"/>
-                </a:solidFill>
-                <a:latin typeface="Open Sans" panose="020B0606030504020204" pitchFamily="34" charset="0"/>
-              </a:rPr>
-              <a:t>name.length</a:t>
-            </a:r>
-            <a:r>
-              <a:rPr lang="en-US" dirty="0">
-                <a:solidFill>
-                  <a:srgbClr val="00B0F0"/>
-                </a:solidFill>
-                <a:latin typeface="Open Sans" panose="020B0606030504020204" pitchFamily="34" charset="0"/>
-              </a:rPr>
-              <a:t>()  </a:t>
-            </a:r>
-            <a:r>
-              <a:rPr lang="en-US" dirty="0">
-                <a:solidFill>
-                  <a:schemeClr val="tx1">
-                    <a:lumMod val="85000"/>
-                  </a:schemeClr>
-                </a:solidFill>
-                <a:latin typeface="Open Sans" panose="020B0606030504020204" pitchFamily="34" charset="0"/>
-              </a:rPr>
-              <a:t>to print out the length of the String stored in the variable name</a:t>
-            </a:r>
-          </a:p>
-          <a:p>
-            <a:endParaRPr lang="en-US" dirty="0">
-              <a:solidFill>
-                <a:schemeClr val="tx1">
-                  <a:lumMod val="85000"/>
-                </a:schemeClr>
-              </a:solidFill>
-              <a:latin typeface="Open Sans" panose="020B0606030504020204" pitchFamily="34" charset="0"/>
-            </a:endParaRPr>
-          </a:p>
-          <a:p>
-            <a:r>
-              <a:rPr lang="en-US" sz="1200" dirty="0">
-                <a:solidFill>
-                  <a:schemeClr val="tx1">
-                    <a:lumMod val="85000"/>
-                  </a:schemeClr>
-                </a:solidFill>
-                <a:latin typeface="Open Sans" panose="020B0606030504020204" pitchFamily="34" charset="0"/>
-              </a:rPr>
-              <a:t>String name = "Chip Brown";</a:t>
-            </a:r>
-          </a:p>
-          <a:p>
-            <a:r>
-              <a:rPr lang="en-US" sz="1200" dirty="0" err="1">
-                <a:solidFill>
-                  <a:schemeClr val="tx1">
-                    <a:lumMod val="85000"/>
-                  </a:schemeClr>
-                </a:solidFill>
-                <a:latin typeface="Open Sans" panose="020B0606030504020204" pitchFamily="34" charset="0"/>
-              </a:rPr>
-              <a:t>System.out.println</a:t>
-            </a:r>
-            <a:r>
-              <a:rPr lang="en-US" sz="1200" dirty="0">
-                <a:solidFill>
-                  <a:schemeClr val="tx1">
-                    <a:lumMod val="85000"/>
-                  </a:schemeClr>
-                </a:solidFill>
-                <a:latin typeface="Open Sans" panose="020B0606030504020204" pitchFamily="34" charset="0"/>
-              </a:rPr>
-              <a:t>("The length of name is: " + </a:t>
-            </a:r>
-            <a:r>
-              <a:rPr lang="en-US" sz="1200" dirty="0" err="1">
-                <a:solidFill>
-                  <a:schemeClr val="tx1">
-                    <a:lumMod val="85000"/>
-                  </a:schemeClr>
-                </a:solidFill>
-                <a:latin typeface="Open Sans" panose="020B0606030504020204" pitchFamily="34" charset="0"/>
-              </a:rPr>
-              <a:t>name.length</a:t>
-            </a:r>
-            <a:r>
-              <a:rPr lang="en-US" sz="1200" dirty="0">
-                <a:solidFill>
-                  <a:schemeClr val="tx1">
-                    <a:lumMod val="85000"/>
-                  </a:schemeClr>
-                </a:solidFill>
-                <a:latin typeface="Open Sans" panose="020B0606030504020204" pitchFamily="34" charset="0"/>
-              </a:rPr>
-              <a:t>());</a:t>
-            </a:r>
-          </a:p>
-          <a:p>
-            <a:endParaRPr lang="en-US" dirty="0">
-              <a:solidFill>
-                <a:schemeClr val="tx1">
-                  <a:lumMod val="85000"/>
-                </a:schemeClr>
-              </a:solidFill>
-              <a:latin typeface="Open Sans" panose="020B0606030504020204" pitchFamily="34" charset="0"/>
-            </a:endParaRPr>
-          </a:p>
-          <a:p>
-            <a:r>
-              <a:rPr lang="en-US" dirty="0">
-                <a:solidFill>
-                  <a:schemeClr val="tx1">
-                    <a:lumMod val="85000"/>
-                  </a:schemeClr>
-                </a:solidFill>
-                <a:latin typeface="Open Sans" panose="020B0606030504020204" pitchFamily="34" charset="0"/>
-              </a:rPr>
-              <a:t>The main difference between a primitive datatype and an Object is that </a:t>
-            </a:r>
-            <a:r>
-              <a:rPr lang="en-US" dirty="0">
-                <a:solidFill>
-                  <a:srgbClr val="00B0F0"/>
-                </a:solidFill>
-                <a:latin typeface="Open Sans" panose="020B0606030504020204" pitchFamily="34" charset="0"/>
-              </a:rPr>
-              <a:t>a primitive datatype does not have properties and methods defined on it</a:t>
-            </a:r>
-            <a:r>
-              <a:rPr lang="en-US" dirty="0">
-                <a:solidFill>
-                  <a:schemeClr val="tx1">
-                    <a:lumMod val="85000"/>
-                  </a:schemeClr>
-                </a:solidFill>
-                <a:latin typeface="Open Sans" panose="020B0606030504020204" pitchFamily="34" charset="0"/>
-              </a:rPr>
-              <a:t>.  </a:t>
-            </a:r>
-          </a:p>
-          <a:p>
-            <a:endParaRPr lang="en-US" dirty="0">
-              <a:solidFill>
-                <a:schemeClr val="tx1">
-                  <a:lumMod val="85000"/>
-                </a:schemeClr>
-              </a:solidFill>
-              <a:latin typeface="Open Sans" panose="020B0606030504020204" pitchFamily="34" charset="0"/>
-            </a:endParaRPr>
-          </a:p>
-          <a:p>
-            <a:r>
-              <a:rPr lang="en-US" dirty="0">
-                <a:solidFill>
-                  <a:schemeClr val="tx1">
-                    <a:lumMod val="85000"/>
-                  </a:schemeClr>
-                </a:solidFill>
-                <a:latin typeface="Open Sans" panose="020B0606030504020204" pitchFamily="34" charset="0"/>
-              </a:rPr>
-              <a:t>When creating your own Objects, you can define them as you need.  For example in our </a:t>
-            </a:r>
-            <a:r>
-              <a:rPr lang="en-US" dirty="0" err="1">
-                <a:solidFill>
-                  <a:schemeClr val="tx1">
-                    <a:lumMod val="85000"/>
-                  </a:schemeClr>
-                </a:solidFill>
-                <a:latin typeface="Open Sans" panose="020B0606030504020204" pitchFamily="34" charset="0"/>
-              </a:rPr>
-              <a:t>GradeBook</a:t>
-            </a:r>
-            <a:r>
-              <a:rPr lang="en-US" dirty="0">
-                <a:solidFill>
-                  <a:schemeClr val="tx1">
-                    <a:lumMod val="85000"/>
-                  </a:schemeClr>
-                </a:solidFill>
-                <a:latin typeface="Open Sans" panose="020B0606030504020204" pitchFamily="34" charset="0"/>
-              </a:rPr>
-              <a:t> example from the Array Section, we needed a Student Object, so we declared a Class named Student.   </a:t>
-            </a:r>
-            <a:r>
-              <a:rPr lang="en-US" dirty="0">
-                <a:solidFill>
-                  <a:srgbClr val="00B0F0"/>
-                </a:solidFill>
-                <a:latin typeface="Open Sans" panose="020B0606030504020204" pitchFamily="34" charset="0"/>
-              </a:rPr>
-              <a:t>Student has two fields: </a:t>
-            </a:r>
-            <a:r>
-              <a:rPr lang="en-US" dirty="0" err="1">
-                <a:solidFill>
-                  <a:srgbClr val="00B0F0"/>
-                </a:solidFill>
-                <a:latin typeface="Open Sans" panose="020B0606030504020204" pitchFamily="34" charset="0"/>
-              </a:rPr>
-              <a:t>fullName</a:t>
-            </a:r>
-            <a:r>
-              <a:rPr lang="en-US" dirty="0">
-                <a:solidFill>
-                  <a:srgbClr val="00B0F0"/>
-                </a:solidFill>
-                <a:latin typeface="Open Sans" panose="020B0606030504020204" pitchFamily="34" charset="0"/>
-              </a:rPr>
-              <a:t> and grades</a:t>
-            </a:r>
-            <a:r>
-              <a:rPr lang="en-US" dirty="0">
-                <a:solidFill>
-                  <a:schemeClr val="tx1">
-                    <a:lumMod val="85000"/>
-                  </a:schemeClr>
-                </a:solidFill>
-                <a:latin typeface="Open Sans" panose="020B0606030504020204" pitchFamily="34" charset="0"/>
-              </a:rPr>
-              <a:t>, a </a:t>
-            </a:r>
-            <a:r>
-              <a:rPr lang="en-US" dirty="0">
-                <a:solidFill>
-                  <a:srgbClr val="00B0F0"/>
-                </a:solidFill>
-                <a:latin typeface="Open Sans" panose="020B0606030504020204" pitchFamily="34" charset="0"/>
-              </a:rPr>
-              <a:t>Constructor named Student()</a:t>
-            </a:r>
-            <a:r>
-              <a:rPr lang="en-US" dirty="0">
-                <a:solidFill>
-                  <a:schemeClr val="tx1">
-                    <a:lumMod val="85000"/>
-                  </a:schemeClr>
-                </a:solidFill>
-                <a:latin typeface="Open Sans" panose="020B0606030504020204" pitchFamily="34" charset="0"/>
-              </a:rPr>
-              <a:t>, and a </a:t>
-            </a:r>
-            <a:r>
-              <a:rPr lang="en-US" dirty="0">
-                <a:solidFill>
-                  <a:srgbClr val="00B0F0"/>
-                </a:solidFill>
-                <a:latin typeface="Open Sans" panose="020B0606030504020204" pitchFamily="34" charset="0"/>
-              </a:rPr>
-              <a:t>method named describe()</a:t>
-            </a:r>
-            <a:r>
-              <a:rPr lang="en-US" dirty="0">
-                <a:solidFill>
-                  <a:schemeClr val="tx1">
-                    <a:lumMod val="85000"/>
-                  </a:schemeClr>
-                </a:solidFill>
-                <a:latin typeface="Open Sans" panose="020B0606030504020204" pitchFamily="34" charset="0"/>
-              </a:rPr>
-              <a:t>. </a:t>
-            </a:r>
-          </a:p>
-          <a:p>
-            <a:endParaRPr lang="en-US" dirty="0">
-              <a:solidFill>
-                <a:schemeClr val="tx1">
-                  <a:lumMod val="85000"/>
-                </a:schemeClr>
-              </a:solidFill>
-              <a:latin typeface="Open Sans" panose="020B0606030504020204" pitchFamily="34" charset="0"/>
-            </a:endParaRPr>
-          </a:p>
-          <a:p>
-            <a:r>
-              <a:rPr lang="en-US" dirty="0">
-                <a:solidFill>
-                  <a:schemeClr val="tx1">
-                    <a:lumMod val="85000"/>
-                  </a:schemeClr>
-                </a:solidFill>
-                <a:latin typeface="Open Sans" panose="020B0606030504020204" pitchFamily="34" charset="0"/>
-              </a:rPr>
-              <a:t>Additionally, you will notice that Student is a Class.  In Java, </a:t>
-            </a:r>
-            <a:r>
-              <a:rPr lang="en-US" dirty="0">
-                <a:solidFill>
-                  <a:srgbClr val="00B0F0"/>
-                </a:solidFill>
-                <a:latin typeface="Open Sans" panose="020B0606030504020204" pitchFamily="34" charset="0"/>
-              </a:rPr>
-              <a:t>a Class is the template from which an Object can be created</a:t>
-            </a:r>
-            <a:r>
-              <a:rPr lang="en-US" dirty="0">
-                <a:solidFill>
-                  <a:schemeClr val="tx1">
-                    <a:lumMod val="85000"/>
-                  </a:schemeClr>
-                </a:solidFill>
-                <a:latin typeface="Open Sans" panose="020B0606030504020204" pitchFamily="34" charset="0"/>
-              </a:rPr>
-              <a:t>, and </a:t>
-            </a:r>
-            <a:r>
-              <a:rPr lang="en-US" dirty="0">
-                <a:solidFill>
-                  <a:srgbClr val="00B0F0"/>
-                </a:solidFill>
-                <a:latin typeface="Open Sans" panose="020B0606030504020204" pitchFamily="34" charset="0"/>
-              </a:rPr>
-              <a:t>an Object is an instance of that class</a:t>
-            </a:r>
-            <a:r>
-              <a:rPr lang="en-US" dirty="0">
-                <a:solidFill>
-                  <a:schemeClr val="tx1">
-                    <a:lumMod val="85000"/>
-                  </a:schemeClr>
-                </a:solidFill>
-                <a:latin typeface="Open Sans" panose="020B0606030504020204" pitchFamily="34" charset="0"/>
-              </a:rPr>
-              <a:t>.  We use the word "</a:t>
-            </a:r>
-            <a:r>
-              <a:rPr lang="en-US" dirty="0">
-                <a:solidFill>
-                  <a:srgbClr val="00B0F0"/>
-                </a:solidFill>
-                <a:latin typeface="Open Sans" panose="020B0606030504020204" pitchFamily="34" charset="0"/>
-              </a:rPr>
-              <a:t>instantiate</a:t>
-            </a:r>
-            <a:r>
-              <a:rPr lang="en-US" dirty="0">
-                <a:solidFill>
-                  <a:schemeClr val="tx1">
-                    <a:lumMod val="85000"/>
-                  </a:schemeClr>
-                </a:solidFill>
-                <a:latin typeface="Open Sans" panose="020B0606030504020204" pitchFamily="34" charset="0"/>
-              </a:rPr>
-              <a:t>" when we describe the </a:t>
-            </a:r>
-            <a:r>
-              <a:rPr lang="en-US" dirty="0">
-                <a:solidFill>
-                  <a:srgbClr val="00B0F0"/>
-                </a:solidFill>
-                <a:latin typeface="Open Sans" panose="020B0606030504020204" pitchFamily="34" charset="0"/>
-              </a:rPr>
-              <a:t>creation of an Object from a Class </a:t>
-            </a:r>
-            <a:r>
-              <a:rPr lang="en-US" dirty="0">
-                <a:solidFill>
-                  <a:schemeClr val="tx1">
-                    <a:lumMod val="85000"/>
-                  </a:schemeClr>
-                </a:solidFill>
-                <a:latin typeface="Open Sans" panose="020B0606030504020204" pitchFamily="34" charset="0"/>
-              </a:rPr>
-              <a:t>by use of the </a:t>
-            </a:r>
-            <a:r>
-              <a:rPr lang="en-US" dirty="0">
-                <a:solidFill>
-                  <a:srgbClr val="00B0F0"/>
-                </a:solidFill>
-                <a:latin typeface="Open Sans" panose="020B0606030504020204" pitchFamily="34" charset="0"/>
-              </a:rPr>
-              <a:t>Constructor of that Class</a:t>
-            </a:r>
-            <a:r>
-              <a:rPr lang="en-US" dirty="0">
-                <a:solidFill>
-                  <a:schemeClr val="tx1">
-                    <a:lumMod val="85000"/>
-                  </a:schemeClr>
-                </a:solidFill>
-                <a:latin typeface="Open Sans" panose="020B0606030504020204" pitchFamily="34" charset="0"/>
-              </a:rPr>
-              <a:t>.</a:t>
-            </a:r>
-            <a:endParaRPr lang="en-US" b="0" i="0" dirty="0">
-              <a:solidFill>
-                <a:schemeClr val="tx1">
-                  <a:lumMod val="85000"/>
-                </a:schemeClr>
-              </a:solidFill>
-              <a:effectLst/>
-              <a:latin typeface="Open Sans" panose="020B0606030504020204" pitchFamily="34" charset="0"/>
-            </a:endParaRPr>
+                <a:hlinkClick r:id="rId4"/>
+              </a:rPr>
+              <a:t>https://docs.oracle.com/javase/6/docs/api/java/util/Scanner.html</a:t>
+            </a:r>
+            <a:endParaRPr lang="en-US" dirty="0"/>
           </a:p>
         </p:txBody>
       </p:sp>
     </p:spTree>
     <p:extLst>
       <p:ext uri="{BB962C8B-B14F-4D97-AF65-F5344CB8AC3E}">
-        <p14:creationId xmlns:p14="http://schemas.microsoft.com/office/powerpoint/2010/main" val="1513494963"/>
+        <p14:creationId xmlns:p14="http://schemas.microsoft.com/office/powerpoint/2010/main" val="3187156049"/>
       </p:ext>
     </p:extLst>
   </p:cSld>
@@ -9687,7 +9268,7 @@
           <p:cNvPr id="3" name="TextBox 2">
             <a:extLst>
               <a:ext uri="{FF2B5EF4-FFF2-40B4-BE49-F238E27FC236}">
-                <a16:creationId xmlns:a16="http://schemas.microsoft.com/office/drawing/2014/main" id="{A6B2E4B2-9556-220D-A265-44C9FD951EE6}"/>
+                <a16:creationId xmlns:a16="http://schemas.microsoft.com/office/drawing/2014/main" id="{23DFC7E9-54DD-38D7-0B9B-D34948D68CF9}"/>
               </a:ext>
             </a:extLst>
           </p:cNvPr>
@@ -9696,8 +9277,8 @@
         </p:nvSpPr>
         <p:spPr>
           <a:xfrm>
-            <a:off x="304154" y="6279665"/>
-            <a:ext cx="6094602" cy="400110"/>
+            <a:off x="3948194" y="2621711"/>
+            <a:ext cx="5141562" cy="1015663"/>
           </a:xfrm>
           <a:prstGeom prst="rect">
             <a:avLst/>
@@ -9710,327 +9291,26 @@
           </a:bodyPr>
           <a:lstStyle/>
           <a:p>
-            <a:r>
-              <a:rPr lang="en-US" sz="2000" b="0" i="0" dirty="0">
-                <a:solidFill>
-                  <a:srgbClr val="00B0F0"/>
+            <a:pPr algn="l"/>
+            <a:r>
+              <a:rPr lang="en-US" sz="6000" b="0" dirty="0">
+                <a:solidFill>
+                  <a:schemeClr val="tx1">
+                    <a:lumMod val="75000"/>
+                  </a:schemeClr>
                 </a:solidFill>
                 <a:effectLst/>
                 <a:latin typeface="Open Sans" panose="020B0606030504020204" pitchFamily="34" charset="0"/>
-                <a:hlinkClick r:id="rId2"/>
-              </a:rPr>
-              <a:t>Content Link in LMS</a:t>
-            </a:r>
-            <a:endParaRPr lang="en-US" sz="2000" b="0" i="0" dirty="0">
-              <a:solidFill>
-                <a:srgbClr val="00B0F0"/>
-              </a:solidFill>
-              <a:effectLst/>
-              <a:latin typeface="Open Sans" panose="020B0606030504020204" pitchFamily="34" charset="0"/>
-            </a:endParaRPr>
+              </a:rPr>
+              <a:t>Appendix</a:t>
+            </a:r>
           </a:p>
         </p:txBody>
       </p:sp>
-      <p:sp>
-        <p:nvSpPr>
-          <p:cNvPr id="6" name="TextBox 5">
-            <a:extLst>
-              <a:ext uri="{FF2B5EF4-FFF2-40B4-BE49-F238E27FC236}">
-                <a16:creationId xmlns:a16="http://schemas.microsoft.com/office/drawing/2014/main" id="{DE3DBA5A-FA8E-46C6-1402-E5C7632F4CAD}"/>
-              </a:ext>
-            </a:extLst>
-          </p:cNvPr>
-          <p:cNvSpPr txBox="1"/>
-          <p:nvPr/>
-        </p:nvSpPr>
-        <p:spPr>
-          <a:xfrm>
-            <a:off x="216336" y="148241"/>
-            <a:ext cx="6094602" cy="461665"/>
-          </a:xfrm>
-          <a:prstGeom prst="rect">
-            <a:avLst/>
-          </a:prstGeom>
-          <a:noFill/>
-        </p:spPr>
-        <p:txBody>
-          <a:bodyPr wrap="square">
-            <a:spAutoFit/>
-          </a:bodyPr>
-          <a:lstStyle/>
-          <a:p>
-            <a:r>
-              <a:rPr lang="en-US" sz="2400" b="1" dirty="0">
-                <a:solidFill>
-                  <a:srgbClr val="00B050"/>
-                </a:solidFill>
-                <a:effectLst/>
-                <a:latin typeface="Open Sans" panose="020B0606030504020204" pitchFamily="34" charset="0"/>
-              </a:rPr>
-              <a:t>More Arrays – with Objects</a:t>
-            </a:r>
-            <a:endParaRPr lang="en-US" sz="2400" dirty="0"/>
-          </a:p>
-        </p:txBody>
-      </p:sp>
-      <p:sp>
-        <p:nvSpPr>
-          <p:cNvPr id="10" name="TextBox 9">
-            <a:extLst>
-              <a:ext uri="{FF2B5EF4-FFF2-40B4-BE49-F238E27FC236}">
-                <a16:creationId xmlns:a16="http://schemas.microsoft.com/office/drawing/2014/main" id="{EA3D5ED0-1762-C438-DD7C-B32C5582A339}"/>
-              </a:ext>
-            </a:extLst>
-          </p:cNvPr>
-          <p:cNvSpPr txBox="1"/>
-          <p:nvPr/>
-        </p:nvSpPr>
-        <p:spPr>
-          <a:xfrm>
-            <a:off x="216336" y="782518"/>
-            <a:ext cx="11671510" cy="1015663"/>
-          </a:xfrm>
-          <a:prstGeom prst="rect">
-            <a:avLst/>
-          </a:prstGeom>
-          <a:noFill/>
-        </p:spPr>
-        <p:txBody>
-          <a:bodyPr wrap="square">
-            <a:spAutoFit/>
-          </a:bodyPr>
-          <a:lstStyle/>
-          <a:p>
-            <a:pPr marL="342900" indent="-342900">
-              <a:buFont typeface="Arial" panose="020B0604020202020204" pitchFamily="34" charset="0"/>
-              <a:buChar char="•"/>
-            </a:pPr>
-            <a:r>
-              <a:rPr lang="en-US" sz="2000" dirty="0">
-                <a:solidFill>
-                  <a:schemeClr val="tx1">
-                    <a:lumMod val="85000"/>
-                  </a:schemeClr>
-                </a:solidFill>
-                <a:latin typeface="Open Sans" panose="020B0606030504020204" pitchFamily="34" charset="0"/>
-                <a:ea typeface="Open Sans" panose="020B0606030504020204" pitchFamily="34" charset="0"/>
-                <a:cs typeface="Open Sans" panose="020B0606030504020204" pitchFamily="34" charset="0"/>
-              </a:rPr>
-              <a:t>Creating and using Arrays of Objects</a:t>
-            </a:r>
-          </a:p>
-          <a:p>
-            <a:pPr marL="342900" indent="-342900">
-              <a:buFont typeface="Arial" panose="020B0604020202020204" pitchFamily="34" charset="0"/>
-              <a:buChar char="•"/>
-            </a:pPr>
-            <a:endParaRPr lang="en-US" sz="2000" dirty="0">
-              <a:solidFill>
-                <a:schemeClr val="tx1">
-                  <a:lumMod val="85000"/>
-                </a:schemeClr>
-              </a:solidFill>
-              <a:latin typeface="Open Sans" panose="020B0606030504020204" pitchFamily="34" charset="0"/>
-              <a:ea typeface="Open Sans" panose="020B0606030504020204" pitchFamily="34" charset="0"/>
-              <a:cs typeface="Open Sans" panose="020B0606030504020204" pitchFamily="34" charset="0"/>
-            </a:endParaRPr>
-          </a:p>
-          <a:p>
-            <a:pPr marL="342900" indent="-342900">
-              <a:buFont typeface="Arial" panose="020B0604020202020204" pitchFamily="34" charset="0"/>
-              <a:buChar char="•"/>
-            </a:pPr>
-            <a:r>
-              <a:rPr lang="en-US" sz="2000" dirty="0">
-                <a:solidFill>
-                  <a:schemeClr val="tx1">
-                    <a:lumMod val="85000"/>
-                  </a:schemeClr>
-                </a:solidFill>
-                <a:latin typeface="Open Sans" panose="020B0606030504020204" pitchFamily="34" charset="0"/>
-                <a:ea typeface="Open Sans" panose="020B0606030504020204" pitchFamily="34" charset="0"/>
-                <a:cs typeface="Open Sans" panose="020B0606030504020204" pitchFamily="34" charset="0"/>
-              </a:rPr>
-              <a:t>Defining Classes and instantiating </a:t>
-            </a:r>
-            <a:r>
-              <a:rPr lang="en-US" sz="2000" dirty="0">
-                <a:solidFill>
-                  <a:srgbClr val="00B0F0"/>
-                </a:solidFill>
-                <a:latin typeface="Open Sans" panose="020B0606030504020204" pitchFamily="34" charset="0"/>
-                <a:ea typeface="Open Sans" panose="020B0606030504020204" pitchFamily="34" charset="0"/>
-                <a:cs typeface="Open Sans" panose="020B0606030504020204" pitchFamily="34" charset="0"/>
-              </a:rPr>
-              <a:t>Objects</a:t>
-            </a:r>
-            <a:r>
-              <a:rPr lang="en-US" sz="2000" dirty="0">
-                <a:solidFill>
-                  <a:schemeClr val="tx1">
-                    <a:lumMod val="85000"/>
-                  </a:schemeClr>
-                </a:solidFill>
-                <a:latin typeface="Open Sans" panose="020B0606030504020204" pitchFamily="34" charset="0"/>
-                <a:ea typeface="Open Sans" panose="020B0606030504020204" pitchFamily="34" charset="0"/>
-                <a:cs typeface="Open Sans" panose="020B0606030504020204" pitchFamily="34" charset="0"/>
-              </a:rPr>
-              <a:t> from </a:t>
-            </a:r>
-            <a:r>
-              <a:rPr lang="en-US" sz="2000" dirty="0">
-                <a:solidFill>
-                  <a:srgbClr val="00B0F0"/>
-                </a:solidFill>
-                <a:latin typeface="Open Sans" panose="020B0606030504020204" pitchFamily="34" charset="0"/>
-                <a:ea typeface="Open Sans" panose="020B0606030504020204" pitchFamily="34" charset="0"/>
-                <a:cs typeface="Open Sans" panose="020B0606030504020204" pitchFamily="34" charset="0"/>
-              </a:rPr>
-              <a:t>Classes</a:t>
-            </a:r>
-          </a:p>
-        </p:txBody>
-      </p:sp>
-      <p:sp>
-        <p:nvSpPr>
-          <p:cNvPr id="4" name="TextBox 3">
-            <a:extLst>
-              <a:ext uri="{FF2B5EF4-FFF2-40B4-BE49-F238E27FC236}">
-                <a16:creationId xmlns:a16="http://schemas.microsoft.com/office/drawing/2014/main" id="{0A9C3E86-2548-ECB5-8430-3E2B6C004107}"/>
-              </a:ext>
-            </a:extLst>
-          </p:cNvPr>
-          <p:cNvSpPr txBox="1"/>
-          <p:nvPr/>
-        </p:nvSpPr>
-        <p:spPr>
-          <a:xfrm>
-            <a:off x="3416180" y="5870591"/>
-            <a:ext cx="8394107" cy="369332"/>
-          </a:xfrm>
-          <a:prstGeom prst="rect">
-            <a:avLst/>
-          </a:prstGeom>
-          <a:noFill/>
-        </p:spPr>
-        <p:txBody>
-          <a:bodyPr wrap="square">
-            <a:spAutoFit/>
-          </a:bodyPr>
-          <a:lstStyle/>
-          <a:p>
-            <a:r>
-              <a:rPr lang="en-US" dirty="0">
-                <a:hlinkClick r:id="rId3"/>
-              </a:rPr>
-              <a:t>https://github.com/ckiefriter1/Java-Code-Examples/blob/main/src/arrays/Student.java</a:t>
-            </a:r>
-            <a:endParaRPr lang="en-US" dirty="0"/>
-          </a:p>
-        </p:txBody>
-      </p:sp>
-      <p:sp>
-        <p:nvSpPr>
-          <p:cNvPr id="7" name="TextBox 6">
-            <a:extLst>
-              <a:ext uri="{FF2B5EF4-FFF2-40B4-BE49-F238E27FC236}">
-                <a16:creationId xmlns:a16="http://schemas.microsoft.com/office/drawing/2014/main" id="{6078F001-09B3-95A6-FBBF-049E24348AA3}"/>
-              </a:ext>
-            </a:extLst>
-          </p:cNvPr>
-          <p:cNvSpPr txBox="1"/>
-          <p:nvPr/>
-        </p:nvSpPr>
-        <p:spPr>
-          <a:xfrm>
-            <a:off x="3416180" y="6310443"/>
-            <a:ext cx="9282870" cy="369332"/>
-          </a:xfrm>
-          <a:prstGeom prst="rect">
-            <a:avLst/>
-          </a:prstGeom>
-          <a:noFill/>
-        </p:spPr>
-        <p:txBody>
-          <a:bodyPr wrap="square">
-            <a:spAutoFit/>
-          </a:bodyPr>
-          <a:lstStyle/>
-          <a:p>
-            <a:r>
-              <a:rPr lang="en-US" dirty="0">
-                <a:hlinkClick r:id="rId4"/>
-              </a:rPr>
-              <a:t>https://github.com/ckiefriter1/Java-Code-Examples/blob/main/src/arrays/GradeBook.java</a:t>
-            </a:r>
-            <a:endParaRPr lang="en-US" dirty="0"/>
-          </a:p>
-        </p:txBody>
-      </p:sp>
-      <p:pic>
-        <p:nvPicPr>
-          <p:cNvPr id="9" name="Picture 8">
-            <a:extLst>
-              <a:ext uri="{FF2B5EF4-FFF2-40B4-BE49-F238E27FC236}">
-                <a16:creationId xmlns:a16="http://schemas.microsoft.com/office/drawing/2014/main" id="{951D6567-EE71-636D-5131-1733E9CA3EE1}"/>
-              </a:ext>
-            </a:extLst>
-          </p:cNvPr>
-          <p:cNvPicPr>
-            <a:picLocks noChangeAspect="1"/>
-          </p:cNvPicPr>
-          <p:nvPr/>
-        </p:nvPicPr>
-        <p:blipFill>
-          <a:blip r:embed="rId5"/>
-          <a:stretch>
-            <a:fillRect/>
-          </a:stretch>
-        </p:blipFill>
-        <p:spPr>
-          <a:xfrm>
-            <a:off x="216337" y="1868701"/>
-            <a:ext cx="5712412" cy="4065662"/>
-          </a:xfrm>
-          <a:prstGeom prst="rect">
-            <a:avLst/>
-          </a:prstGeom>
-        </p:spPr>
-      </p:pic>
-      <p:pic>
-        <p:nvPicPr>
-          <p:cNvPr id="12" name="Picture 11">
-            <a:extLst>
-              <a:ext uri="{FF2B5EF4-FFF2-40B4-BE49-F238E27FC236}">
-                <a16:creationId xmlns:a16="http://schemas.microsoft.com/office/drawing/2014/main" id="{75DBF1A8-6B47-A236-0E35-BCD7AC30E1AC}"/>
-              </a:ext>
-            </a:extLst>
-          </p:cNvPr>
-          <p:cNvPicPr>
-            <a:picLocks noChangeAspect="1"/>
-          </p:cNvPicPr>
-          <p:nvPr/>
-        </p:nvPicPr>
-        <p:blipFill>
-          <a:blip r:embed="rId6"/>
-          <a:stretch>
-            <a:fillRect/>
-          </a:stretch>
-        </p:blipFill>
-        <p:spPr>
-          <a:xfrm>
-            <a:off x="6096000" y="1868701"/>
-            <a:ext cx="5547036" cy="4065662"/>
-          </a:xfrm>
-          <a:prstGeom prst="rect">
-            <a:avLst/>
-          </a:prstGeom>
-        </p:spPr>
-      </p:pic>
     </p:spTree>
     <p:extLst>
       <p:ext uri="{BB962C8B-B14F-4D97-AF65-F5344CB8AC3E}">
-        <p14:creationId xmlns:p14="http://schemas.microsoft.com/office/powerpoint/2010/main" val="460794980"/>
+        <p14:creationId xmlns:p14="http://schemas.microsoft.com/office/powerpoint/2010/main" val="2394962184"/>
       </p:ext>
     </p:extLst>
   </p:cSld>
@@ -10072,7 +9352,7 @@
         <p:spPr>
           <a:xfrm>
             <a:off x="1669409" y="2459504"/>
-            <a:ext cx="8183202" cy="1938992"/>
+            <a:ext cx="8183202" cy="1015663"/>
           </a:xfrm>
           <a:prstGeom prst="rect">
             <a:avLst/>
@@ -10103,42 +9383,15 @@
               <a:defRPr/>
             </a:pPr>
             <a:r>
-              <a:rPr kumimoji="0" lang="en-US" sz="6000" b="0" i="0" u="none" strike="noStrike" kern="1200" cap="none" spc="0" normalizeH="0" baseline="0" noProof="0" dirty="0">
-                <a:ln>
-                  <a:noFill/>
-                </a:ln>
+              <a:rPr lang="en-US" sz="6000" dirty="0">
                 <a:solidFill>
                   <a:prstClr val="white">
                     <a:lumMod val="75000"/>
                   </a:prstClr>
                 </a:solidFill>
-                <a:effectLst/>
-                <a:uLnTx/>
-                <a:uFillTx/>
-                <a:latin typeface="Open Sans" panose="020B0606030504020204" pitchFamily="34" charset="0"/>
-                <a:ea typeface="+mn-ea"/>
-                <a:cs typeface="+mn-cs"/>
-              </a:rPr>
-              <a:t>Equality in Primitives </a:t>
-            </a:r>
-            <a:r>
-              <a:rPr kumimoji="0" lang="en-US" sz="6000" b="0" i="0" u="none" strike="noStrike" kern="1200" cap="none" spc="0" normalizeH="0" baseline="0" noProof="0">
-                <a:ln>
-                  <a:noFill/>
-                </a:ln>
-                <a:solidFill>
-                  <a:prstClr val="white">
-                    <a:lumMod val="75000"/>
-                  </a:prstClr>
-                </a:solidFill>
-                <a:effectLst/>
-                <a:uLnTx/>
-                <a:uFillTx/>
-                <a:latin typeface="Open Sans" panose="020B0606030504020204" pitchFamily="34" charset="0"/>
-                <a:ea typeface="+mn-ea"/>
-                <a:cs typeface="+mn-cs"/>
-              </a:rPr>
-              <a:t>vs Objects</a:t>
+                <a:latin typeface="Open Sans" panose="020B0606030504020204" pitchFamily="34" charset="0"/>
+              </a:rPr>
+              <a:t>Objects</a:t>
             </a:r>
             <a:endParaRPr kumimoji="0" lang="en-US" sz="6000" b="0" i="0" u="none" strike="noStrike" kern="1200" cap="none" spc="0" normalizeH="0" baseline="0" noProof="0" dirty="0">
               <a:ln>
@@ -10162,7 +9415,7 @@
     </p:spTree>
     <p:extLst>
       <p:ext uri="{BB962C8B-B14F-4D97-AF65-F5344CB8AC3E}">
-        <p14:creationId xmlns:p14="http://schemas.microsoft.com/office/powerpoint/2010/main" val="2065140228"/>
+        <p14:creationId xmlns:p14="http://schemas.microsoft.com/office/powerpoint/2010/main" val="4170465764"/>
       </p:ext>
     </p:extLst>
   </p:cSld>
